--- a/Mid Semester Presentation.pptx
+++ b/Mid Semester Presentation.pptx
@@ -2,16 +2,23 @@
 <file path=ppt/presentation.xml><?xml version="1.0" encoding="utf-8"?>
 <p:presentation xmlns:a="http://schemas.openxmlformats.org/drawingml/2006/main" xmlns:r="http://schemas.openxmlformats.org/officeDocument/2006/relationships" xmlns:p="http://schemas.openxmlformats.org/presentationml/2006/main" saveSubsetFonts="1">
   <p:sldMasterIdLst>
-    <p:sldMasterId id="2147483648" r:id="rId1"/>
+    <p:sldMasterId id="2147483672" r:id="rId1"/>
   </p:sldMasterIdLst>
   <p:sldIdLst>
     <p:sldId id="256" r:id="rId2"/>
     <p:sldId id="261" r:id="rId3"/>
-    <p:sldId id="260" r:id="rId4"/>
-    <p:sldId id="262" r:id="rId5"/>
-    <p:sldId id="263" r:id="rId6"/>
-    <p:sldId id="257" r:id="rId7"/>
-    <p:sldId id="259" r:id="rId8"/>
+    <p:sldId id="269" r:id="rId4"/>
+    <p:sldId id="264" r:id="rId5"/>
+    <p:sldId id="268" r:id="rId6"/>
+    <p:sldId id="262" r:id="rId7"/>
+    <p:sldId id="270" r:id="rId8"/>
+    <p:sldId id="272" r:id="rId9"/>
+    <p:sldId id="273" r:id="rId10"/>
+    <p:sldId id="266" r:id="rId11"/>
+    <p:sldId id="267" r:id="rId12"/>
+    <p:sldId id="271" r:id="rId13"/>
+    <p:sldId id="257" r:id="rId14"/>
+    <p:sldId id="259" r:id="rId15"/>
   </p:sldIdLst>
   <p:sldSz cx="12192000" cy="6858000"/>
   <p:notesSz cx="6858000" cy="9144000"/>
@@ -140,7 +147,7 @@
           <p:cNvPr id="2" name="Title 1">
             <a:extLst>
               <a:ext uri="{FF2B5EF4-FFF2-40B4-BE49-F238E27FC236}">
-                <a16:creationId xmlns:a16="http://schemas.microsoft.com/office/drawing/2014/main" id="{418FD7AF-D8CA-4FF8-A332-8CCAA29BDBDC}"/>
+                <a16:creationId xmlns:a16="http://schemas.microsoft.com/office/drawing/2014/main" id="{B8B3E9FE-347F-4AA7-B5D0-2966CC58A8C0}"/>
               </a:ext>
             </a:extLst>
           </p:cNvPr>
@@ -177,7 +184,7 @@
           <p:cNvPr id="3" name="Subtitle 2">
             <a:extLst>
               <a:ext uri="{FF2B5EF4-FFF2-40B4-BE49-F238E27FC236}">
-                <a16:creationId xmlns:a16="http://schemas.microsoft.com/office/drawing/2014/main" id="{C572A621-2FB7-4BFB-A519-46B11DC495DB}"/>
+                <a16:creationId xmlns:a16="http://schemas.microsoft.com/office/drawing/2014/main" id="{85C5580E-3F1C-4A9A-84E1-44EE3481C1C0}"/>
               </a:ext>
             </a:extLst>
           </p:cNvPr>
@@ -247,7 +254,7 @@
           <p:cNvPr id="4" name="Date Placeholder 3">
             <a:extLst>
               <a:ext uri="{FF2B5EF4-FFF2-40B4-BE49-F238E27FC236}">
-                <a16:creationId xmlns:a16="http://schemas.microsoft.com/office/drawing/2014/main" id="{DF996BF7-EFB2-4A06-8897-1A43BE0AB495}"/>
+                <a16:creationId xmlns:a16="http://schemas.microsoft.com/office/drawing/2014/main" id="{7BE380AA-CCC0-4FA7-9C4E-EA2984862757}"/>
               </a:ext>
             </a:extLst>
           </p:cNvPr>
@@ -265,7 +272,7 @@
           <a:p>
             <a:fld id="{43CEAD56-E5CE-4A48-BE26-3F874B3EFFB2}" type="datetimeFigureOut">
               <a:rPr lang="en-US" smtClean="0"/>
-              <a:t>10/19/2018</a:t>
+              <a:t>10/23/2018</a:t>
             </a:fld>
             <a:endParaRPr lang="en-US"/>
           </a:p>
@@ -276,7 +283,7 @@
           <p:cNvPr id="5" name="Footer Placeholder 4">
             <a:extLst>
               <a:ext uri="{FF2B5EF4-FFF2-40B4-BE49-F238E27FC236}">
-                <a16:creationId xmlns:a16="http://schemas.microsoft.com/office/drawing/2014/main" id="{5980C706-F999-4ACE-B7BC-BFCFB54D0F83}"/>
+                <a16:creationId xmlns:a16="http://schemas.microsoft.com/office/drawing/2014/main" id="{10735B48-001C-49CB-84DC-99D2695978DF}"/>
               </a:ext>
             </a:extLst>
           </p:cNvPr>
@@ -301,7 +308,7 @@
           <p:cNvPr id="6" name="Slide Number Placeholder 5">
             <a:extLst>
               <a:ext uri="{FF2B5EF4-FFF2-40B4-BE49-F238E27FC236}">
-                <a16:creationId xmlns:a16="http://schemas.microsoft.com/office/drawing/2014/main" id="{EF2B796B-FBFB-4EE1-98E7-37CE7EC83D87}"/>
+                <a16:creationId xmlns:a16="http://schemas.microsoft.com/office/drawing/2014/main" id="{5D18854D-1F70-4998-A8C0-77FFEFD9D99A}"/>
               </a:ext>
             </a:extLst>
           </p:cNvPr>
@@ -328,7 +335,7 @@
     </p:spTree>
     <p:extLst>
       <p:ext uri="{BB962C8B-B14F-4D97-AF65-F5344CB8AC3E}">
-        <p14:creationId xmlns:p14="http://schemas.microsoft.com/office/powerpoint/2010/main" val="925019671"/>
+        <p14:creationId xmlns:p14="http://schemas.microsoft.com/office/powerpoint/2010/main" val="3292973654"/>
       </p:ext>
     </p:extLst>
   </p:cSld>
@@ -360,7 +367,7 @@
           <p:cNvPr id="2" name="Title 1">
             <a:extLst>
               <a:ext uri="{FF2B5EF4-FFF2-40B4-BE49-F238E27FC236}">
-                <a16:creationId xmlns:a16="http://schemas.microsoft.com/office/drawing/2014/main" id="{FDD5E188-4673-48C1-AF65-D909D4B65533}"/>
+                <a16:creationId xmlns:a16="http://schemas.microsoft.com/office/drawing/2014/main" id="{298D67BC-E415-4F07-8E15-F1E0C8FE2EFA}"/>
               </a:ext>
             </a:extLst>
           </p:cNvPr>
@@ -388,7 +395,7 @@
           <p:cNvPr id="3" name="Vertical Text Placeholder 2">
             <a:extLst>
               <a:ext uri="{FF2B5EF4-FFF2-40B4-BE49-F238E27FC236}">
-                <a16:creationId xmlns:a16="http://schemas.microsoft.com/office/drawing/2014/main" id="{3E77C601-12C6-4F6A-9C1C-AC7EEF3EA61B}"/>
+                <a16:creationId xmlns:a16="http://schemas.microsoft.com/office/drawing/2014/main" id="{C0E76AB9-B45F-4D8A-AEC8-2D287D76CF12}"/>
               </a:ext>
             </a:extLst>
           </p:cNvPr>
@@ -445,7 +452,7 @@
           <p:cNvPr id="4" name="Date Placeholder 3">
             <a:extLst>
               <a:ext uri="{FF2B5EF4-FFF2-40B4-BE49-F238E27FC236}">
-                <a16:creationId xmlns:a16="http://schemas.microsoft.com/office/drawing/2014/main" id="{1DFCD1BE-0358-4072-9ADF-064162F6A48A}"/>
+                <a16:creationId xmlns:a16="http://schemas.microsoft.com/office/drawing/2014/main" id="{286872AA-386D-49F0-8CAE-2FB0C7E0CB2E}"/>
               </a:ext>
             </a:extLst>
           </p:cNvPr>
@@ -463,7 +470,7 @@
           <a:p>
             <a:fld id="{43CEAD56-E5CE-4A48-BE26-3F874B3EFFB2}" type="datetimeFigureOut">
               <a:rPr lang="en-US" smtClean="0"/>
-              <a:t>10/19/2018</a:t>
+              <a:t>10/23/2018</a:t>
             </a:fld>
             <a:endParaRPr lang="en-US"/>
           </a:p>
@@ -474,7 +481,7 @@
           <p:cNvPr id="5" name="Footer Placeholder 4">
             <a:extLst>
               <a:ext uri="{FF2B5EF4-FFF2-40B4-BE49-F238E27FC236}">
-                <a16:creationId xmlns:a16="http://schemas.microsoft.com/office/drawing/2014/main" id="{7EA707FC-9B4F-4C47-A160-6E2DCFE3D6F8}"/>
+                <a16:creationId xmlns:a16="http://schemas.microsoft.com/office/drawing/2014/main" id="{9DC01DDE-A963-4484-8462-77D4C35F70D9}"/>
               </a:ext>
             </a:extLst>
           </p:cNvPr>
@@ -499,7 +506,7 @@
           <p:cNvPr id="6" name="Slide Number Placeholder 5">
             <a:extLst>
               <a:ext uri="{FF2B5EF4-FFF2-40B4-BE49-F238E27FC236}">
-                <a16:creationId xmlns:a16="http://schemas.microsoft.com/office/drawing/2014/main" id="{B113DC8D-5A57-4357-989E-F1D0E3134C3C}"/>
+                <a16:creationId xmlns:a16="http://schemas.microsoft.com/office/drawing/2014/main" id="{DAB58AA0-543C-4042-B5E0-7AD43CC32E4D}"/>
               </a:ext>
             </a:extLst>
           </p:cNvPr>
@@ -526,7 +533,7 @@
     </p:spTree>
     <p:extLst>
       <p:ext uri="{BB962C8B-B14F-4D97-AF65-F5344CB8AC3E}">
-        <p14:creationId xmlns:p14="http://schemas.microsoft.com/office/powerpoint/2010/main" val="1399758459"/>
+        <p14:creationId xmlns:p14="http://schemas.microsoft.com/office/powerpoint/2010/main" val="2709421034"/>
       </p:ext>
     </p:extLst>
   </p:cSld>
@@ -558,7 +565,7 @@
           <p:cNvPr id="2" name="Vertical Title 1">
             <a:extLst>
               <a:ext uri="{FF2B5EF4-FFF2-40B4-BE49-F238E27FC236}">
-                <a16:creationId xmlns:a16="http://schemas.microsoft.com/office/drawing/2014/main" id="{45D905DF-C0D7-4A6C-B919-385FA80B176A}"/>
+                <a16:creationId xmlns:a16="http://schemas.microsoft.com/office/drawing/2014/main" id="{70845774-C8D6-4CAB-A2F4-9D474CBB2AE3}"/>
               </a:ext>
             </a:extLst>
           </p:cNvPr>
@@ -591,7 +598,7 @@
           <p:cNvPr id="3" name="Vertical Text Placeholder 2">
             <a:extLst>
               <a:ext uri="{FF2B5EF4-FFF2-40B4-BE49-F238E27FC236}">
-                <a16:creationId xmlns:a16="http://schemas.microsoft.com/office/drawing/2014/main" id="{5333A664-3F3D-4390-81D6-8F68036E7C52}"/>
+                <a16:creationId xmlns:a16="http://schemas.microsoft.com/office/drawing/2014/main" id="{BA3E64F6-6D7C-41E5-861C-FB405CC610B3}"/>
               </a:ext>
             </a:extLst>
           </p:cNvPr>
@@ -653,7 +660,7 @@
           <p:cNvPr id="4" name="Date Placeholder 3">
             <a:extLst>
               <a:ext uri="{FF2B5EF4-FFF2-40B4-BE49-F238E27FC236}">
-                <a16:creationId xmlns:a16="http://schemas.microsoft.com/office/drawing/2014/main" id="{C5888B04-9D62-4227-8961-1E38D91A9BBF}"/>
+                <a16:creationId xmlns:a16="http://schemas.microsoft.com/office/drawing/2014/main" id="{E8F78E00-DF1A-43CF-BBBB-84B645B400B5}"/>
               </a:ext>
             </a:extLst>
           </p:cNvPr>
@@ -671,7 +678,7 @@
           <a:p>
             <a:fld id="{43CEAD56-E5CE-4A48-BE26-3F874B3EFFB2}" type="datetimeFigureOut">
               <a:rPr lang="en-US" smtClean="0"/>
-              <a:t>10/19/2018</a:t>
+              <a:t>10/23/2018</a:t>
             </a:fld>
             <a:endParaRPr lang="en-US"/>
           </a:p>
@@ -682,7 +689,7 @@
           <p:cNvPr id="5" name="Footer Placeholder 4">
             <a:extLst>
               <a:ext uri="{FF2B5EF4-FFF2-40B4-BE49-F238E27FC236}">
-                <a16:creationId xmlns:a16="http://schemas.microsoft.com/office/drawing/2014/main" id="{EE9461DC-149F-4A76-8AFC-B959ABF03D27}"/>
+                <a16:creationId xmlns:a16="http://schemas.microsoft.com/office/drawing/2014/main" id="{80A8A1CF-EDAE-424B-8971-0025DE80DE09}"/>
               </a:ext>
             </a:extLst>
           </p:cNvPr>
@@ -707,7 +714,7 @@
           <p:cNvPr id="6" name="Slide Number Placeholder 5">
             <a:extLst>
               <a:ext uri="{FF2B5EF4-FFF2-40B4-BE49-F238E27FC236}">
-                <a16:creationId xmlns:a16="http://schemas.microsoft.com/office/drawing/2014/main" id="{5E05B06A-405A-4AF6-8FCC-205B30D443C4}"/>
+                <a16:creationId xmlns:a16="http://schemas.microsoft.com/office/drawing/2014/main" id="{C8F4ADAF-C15A-41C3-8BEF-CB2E5B0B3B17}"/>
               </a:ext>
             </a:extLst>
           </p:cNvPr>
@@ -734,7 +741,7 @@
     </p:spTree>
     <p:extLst>
       <p:ext uri="{BB962C8B-B14F-4D97-AF65-F5344CB8AC3E}">
-        <p14:creationId xmlns:p14="http://schemas.microsoft.com/office/powerpoint/2010/main" val="4160275948"/>
+        <p14:creationId xmlns:p14="http://schemas.microsoft.com/office/powerpoint/2010/main" val="2370825056"/>
       </p:ext>
     </p:extLst>
   </p:cSld>
@@ -766,7 +773,7 @@
           <p:cNvPr id="2" name="Title 1">
             <a:extLst>
               <a:ext uri="{FF2B5EF4-FFF2-40B4-BE49-F238E27FC236}">
-                <a16:creationId xmlns:a16="http://schemas.microsoft.com/office/drawing/2014/main" id="{95052C16-F83F-4BFC-B298-C1776704EC4D}"/>
+                <a16:creationId xmlns:a16="http://schemas.microsoft.com/office/drawing/2014/main" id="{C5D053B8-0E96-4A96-955D-54A151644769}"/>
               </a:ext>
             </a:extLst>
           </p:cNvPr>
@@ -777,7 +784,12 @@
             <p:ph type="title"/>
           </p:nvPr>
         </p:nvSpPr>
-        <p:spPr/>
+        <p:spPr>
+          <a:xfrm>
+            <a:off x="838200" y="365126"/>
+            <a:ext cx="10515600" cy="950328"/>
+          </a:xfrm>
+        </p:spPr>
         <p:txBody>
           <a:bodyPr/>
           <a:lstStyle/>
@@ -794,7 +806,7 @@
           <p:cNvPr id="3" name="Content Placeholder 2">
             <a:extLst>
               <a:ext uri="{FF2B5EF4-FFF2-40B4-BE49-F238E27FC236}">
-                <a16:creationId xmlns:a16="http://schemas.microsoft.com/office/drawing/2014/main" id="{94C19652-940A-437E-ABB5-0C3B092F85CB}"/>
+                <a16:creationId xmlns:a16="http://schemas.microsoft.com/office/drawing/2014/main" id="{6C11D560-0399-4A07-91FA-0ED96ED01D2E}"/>
               </a:ext>
             </a:extLst>
           </p:cNvPr>
@@ -805,7 +817,12 @@
             <p:ph idx="1"/>
           </p:nvPr>
         </p:nvSpPr>
-        <p:spPr/>
+        <p:spPr>
+          <a:xfrm>
+            <a:off x="838200" y="1472701"/>
+            <a:ext cx="10515600" cy="4351338"/>
+          </a:xfrm>
+        </p:spPr>
         <p:txBody>
           <a:bodyPr/>
           <a:lstStyle/>
@@ -851,7 +868,7 @@
           <p:cNvPr id="4" name="Date Placeholder 3">
             <a:extLst>
               <a:ext uri="{FF2B5EF4-FFF2-40B4-BE49-F238E27FC236}">
-                <a16:creationId xmlns:a16="http://schemas.microsoft.com/office/drawing/2014/main" id="{E796C5E0-256D-4792-A7E9-34A9284975E9}"/>
+                <a16:creationId xmlns:a16="http://schemas.microsoft.com/office/drawing/2014/main" id="{90B12041-A368-4396-A1E0-3E9A85C11775}"/>
               </a:ext>
             </a:extLst>
           </p:cNvPr>
@@ -869,7 +886,7 @@
           <a:p>
             <a:fld id="{43CEAD56-E5CE-4A48-BE26-3F874B3EFFB2}" type="datetimeFigureOut">
               <a:rPr lang="en-US" smtClean="0"/>
-              <a:t>10/19/2018</a:t>
+              <a:t>10/23/2018</a:t>
             </a:fld>
             <a:endParaRPr lang="en-US"/>
           </a:p>
@@ -880,7 +897,7 @@
           <p:cNvPr id="5" name="Footer Placeholder 4">
             <a:extLst>
               <a:ext uri="{FF2B5EF4-FFF2-40B4-BE49-F238E27FC236}">
-                <a16:creationId xmlns:a16="http://schemas.microsoft.com/office/drawing/2014/main" id="{1E6C9D84-51F2-4492-A25C-2CB114D0C1E4}"/>
+                <a16:creationId xmlns:a16="http://schemas.microsoft.com/office/drawing/2014/main" id="{A53D7D04-BBF4-4DD8-B294-BCA088A3DC17}"/>
               </a:ext>
             </a:extLst>
           </p:cNvPr>
@@ -905,7 +922,7 @@
           <p:cNvPr id="6" name="Slide Number Placeholder 5">
             <a:extLst>
               <a:ext uri="{FF2B5EF4-FFF2-40B4-BE49-F238E27FC236}">
-                <a16:creationId xmlns:a16="http://schemas.microsoft.com/office/drawing/2014/main" id="{553601CF-E769-4D53-AEEC-DDA73BF08A83}"/>
+                <a16:creationId xmlns:a16="http://schemas.microsoft.com/office/drawing/2014/main" id="{00F43743-13F2-424A-88FA-CA4A9EDEC803}"/>
               </a:ext>
             </a:extLst>
           </p:cNvPr>
@@ -932,7 +949,7 @@
     </p:spTree>
     <p:extLst>
       <p:ext uri="{BB962C8B-B14F-4D97-AF65-F5344CB8AC3E}">
-        <p14:creationId xmlns:p14="http://schemas.microsoft.com/office/powerpoint/2010/main" val="3468098147"/>
+        <p14:creationId xmlns:p14="http://schemas.microsoft.com/office/powerpoint/2010/main" val="3936030935"/>
       </p:ext>
     </p:extLst>
   </p:cSld>
@@ -964,7 +981,7 @@
           <p:cNvPr id="2" name="Title 1">
             <a:extLst>
               <a:ext uri="{FF2B5EF4-FFF2-40B4-BE49-F238E27FC236}">
-                <a16:creationId xmlns:a16="http://schemas.microsoft.com/office/drawing/2014/main" id="{6EF8B089-0C83-4ACD-9820-21833C42F827}"/>
+                <a16:creationId xmlns:a16="http://schemas.microsoft.com/office/drawing/2014/main" id="{5F9DC917-BCF9-4111-9DA7-17087B895777}"/>
               </a:ext>
             </a:extLst>
           </p:cNvPr>
@@ -1001,7 +1018,7 @@
           <p:cNvPr id="3" name="Text Placeholder 2">
             <a:extLst>
               <a:ext uri="{FF2B5EF4-FFF2-40B4-BE49-F238E27FC236}">
-                <a16:creationId xmlns:a16="http://schemas.microsoft.com/office/drawing/2014/main" id="{846149C9-F886-4B04-AD27-5258A819FB83}"/>
+                <a16:creationId xmlns:a16="http://schemas.microsoft.com/office/drawing/2014/main" id="{550C78B4-87BB-4206-B367-1480414F9D8B}"/>
               </a:ext>
             </a:extLst>
           </p:cNvPr>
@@ -1126,7 +1143,7 @@
           <p:cNvPr id="4" name="Date Placeholder 3">
             <a:extLst>
               <a:ext uri="{FF2B5EF4-FFF2-40B4-BE49-F238E27FC236}">
-                <a16:creationId xmlns:a16="http://schemas.microsoft.com/office/drawing/2014/main" id="{AD7BC7FB-3703-4EA7-A087-AB4858813490}"/>
+                <a16:creationId xmlns:a16="http://schemas.microsoft.com/office/drawing/2014/main" id="{3410CF73-041D-4836-96A0-3B7A8592B614}"/>
               </a:ext>
             </a:extLst>
           </p:cNvPr>
@@ -1144,7 +1161,7 @@
           <a:p>
             <a:fld id="{43CEAD56-E5CE-4A48-BE26-3F874B3EFFB2}" type="datetimeFigureOut">
               <a:rPr lang="en-US" smtClean="0"/>
-              <a:t>10/19/2018</a:t>
+              <a:t>10/23/2018</a:t>
             </a:fld>
             <a:endParaRPr lang="en-US"/>
           </a:p>
@@ -1155,7 +1172,7 @@
           <p:cNvPr id="5" name="Footer Placeholder 4">
             <a:extLst>
               <a:ext uri="{FF2B5EF4-FFF2-40B4-BE49-F238E27FC236}">
-                <a16:creationId xmlns:a16="http://schemas.microsoft.com/office/drawing/2014/main" id="{0766BB0A-B803-42EB-AD1E-28E52B0033F0}"/>
+                <a16:creationId xmlns:a16="http://schemas.microsoft.com/office/drawing/2014/main" id="{30BE432E-3E01-4725-A9E9-EBB86F71C6DA}"/>
               </a:ext>
             </a:extLst>
           </p:cNvPr>
@@ -1180,7 +1197,7 @@
           <p:cNvPr id="6" name="Slide Number Placeholder 5">
             <a:extLst>
               <a:ext uri="{FF2B5EF4-FFF2-40B4-BE49-F238E27FC236}">
-                <a16:creationId xmlns:a16="http://schemas.microsoft.com/office/drawing/2014/main" id="{1B71F105-9BC0-497A-B233-854DE3DC5B9F}"/>
+                <a16:creationId xmlns:a16="http://schemas.microsoft.com/office/drawing/2014/main" id="{9050BEF3-5810-43C6-B364-60970834EEE3}"/>
               </a:ext>
             </a:extLst>
           </p:cNvPr>
@@ -1207,7 +1224,7 @@
     </p:spTree>
     <p:extLst>
       <p:ext uri="{BB962C8B-B14F-4D97-AF65-F5344CB8AC3E}">
-        <p14:creationId xmlns:p14="http://schemas.microsoft.com/office/powerpoint/2010/main" val="4036857169"/>
+        <p14:creationId xmlns:p14="http://schemas.microsoft.com/office/powerpoint/2010/main" val="1848040265"/>
       </p:ext>
     </p:extLst>
   </p:cSld>
@@ -1239,7 +1256,7 @@
           <p:cNvPr id="2" name="Title 1">
             <a:extLst>
               <a:ext uri="{FF2B5EF4-FFF2-40B4-BE49-F238E27FC236}">
-                <a16:creationId xmlns:a16="http://schemas.microsoft.com/office/drawing/2014/main" id="{17B02C9A-0C2B-4A0B-AEF6-D0DE76D40101}"/>
+                <a16:creationId xmlns:a16="http://schemas.microsoft.com/office/drawing/2014/main" id="{BD370E30-BC99-419F-B20B-99A8B924F27A}"/>
               </a:ext>
             </a:extLst>
           </p:cNvPr>
@@ -1267,7 +1284,7 @@
           <p:cNvPr id="3" name="Content Placeholder 2">
             <a:extLst>
               <a:ext uri="{FF2B5EF4-FFF2-40B4-BE49-F238E27FC236}">
-                <a16:creationId xmlns:a16="http://schemas.microsoft.com/office/drawing/2014/main" id="{717F58F9-290F-44D9-88D5-B4398A23F3D1}"/>
+                <a16:creationId xmlns:a16="http://schemas.microsoft.com/office/drawing/2014/main" id="{F7A86DD6-75F6-4720-BD69-9EA8AFDCD5BC}"/>
               </a:ext>
             </a:extLst>
           </p:cNvPr>
@@ -1329,7 +1346,7 @@
           <p:cNvPr id="4" name="Content Placeholder 3">
             <a:extLst>
               <a:ext uri="{FF2B5EF4-FFF2-40B4-BE49-F238E27FC236}">
-                <a16:creationId xmlns:a16="http://schemas.microsoft.com/office/drawing/2014/main" id="{C6993A69-5290-41EE-9FF9-BC0189BC0870}"/>
+                <a16:creationId xmlns:a16="http://schemas.microsoft.com/office/drawing/2014/main" id="{2E1F27B6-5A13-4339-9827-242CD2C093C2}"/>
               </a:ext>
             </a:extLst>
           </p:cNvPr>
@@ -1391,7 +1408,7 @@
           <p:cNvPr id="5" name="Date Placeholder 4">
             <a:extLst>
               <a:ext uri="{FF2B5EF4-FFF2-40B4-BE49-F238E27FC236}">
-                <a16:creationId xmlns:a16="http://schemas.microsoft.com/office/drawing/2014/main" id="{60766189-0896-4D9C-8AA3-E22ED435D66D}"/>
+                <a16:creationId xmlns:a16="http://schemas.microsoft.com/office/drawing/2014/main" id="{0500A199-0BFD-435B-8853-E251FA964C0D}"/>
               </a:ext>
             </a:extLst>
           </p:cNvPr>
@@ -1409,7 +1426,7 @@
           <a:p>
             <a:fld id="{43CEAD56-E5CE-4A48-BE26-3F874B3EFFB2}" type="datetimeFigureOut">
               <a:rPr lang="en-US" smtClean="0"/>
-              <a:t>10/19/2018</a:t>
+              <a:t>10/23/2018</a:t>
             </a:fld>
             <a:endParaRPr lang="en-US"/>
           </a:p>
@@ -1420,7 +1437,7 @@
           <p:cNvPr id="6" name="Footer Placeholder 5">
             <a:extLst>
               <a:ext uri="{FF2B5EF4-FFF2-40B4-BE49-F238E27FC236}">
-                <a16:creationId xmlns:a16="http://schemas.microsoft.com/office/drawing/2014/main" id="{EF5B276C-CF83-48FD-81E2-9D8E6191932B}"/>
+                <a16:creationId xmlns:a16="http://schemas.microsoft.com/office/drawing/2014/main" id="{2EDAF3BD-F030-4963-9B4D-DE0284FA9DBA}"/>
               </a:ext>
             </a:extLst>
           </p:cNvPr>
@@ -1445,7 +1462,7 @@
           <p:cNvPr id="7" name="Slide Number Placeholder 6">
             <a:extLst>
               <a:ext uri="{FF2B5EF4-FFF2-40B4-BE49-F238E27FC236}">
-                <a16:creationId xmlns:a16="http://schemas.microsoft.com/office/drawing/2014/main" id="{1F8DB4FA-5BD1-4E30-B267-F9EA4B29A78B}"/>
+                <a16:creationId xmlns:a16="http://schemas.microsoft.com/office/drawing/2014/main" id="{2F28FC9B-24E8-476B-8EA9-278A81CC814C}"/>
               </a:ext>
             </a:extLst>
           </p:cNvPr>
@@ -1472,7 +1489,7 @@
     </p:spTree>
     <p:extLst>
       <p:ext uri="{BB962C8B-B14F-4D97-AF65-F5344CB8AC3E}">
-        <p14:creationId xmlns:p14="http://schemas.microsoft.com/office/powerpoint/2010/main" val="524204683"/>
+        <p14:creationId xmlns:p14="http://schemas.microsoft.com/office/powerpoint/2010/main" val="1635436613"/>
       </p:ext>
     </p:extLst>
   </p:cSld>
@@ -1504,7 +1521,7 @@
           <p:cNvPr id="2" name="Title 1">
             <a:extLst>
               <a:ext uri="{FF2B5EF4-FFF2-40B4-BE49-F238E27FC236}">
-                <a16:creationId xmlns:a16="http://schemas.microsoft.com/office/drawing/2014/main" id="{B4FFEF0D-91A8-415B-8A0C-D9E7D22A5F64}"/>
+                <a16:creationId xmlns:a16="http://schemas.microsoft.com/office/drawing/2014/main" id="{0F71E4E3-5A5C-4D0C-89B5-1A779F52B94B}"/>
               </a:ext>
             </a:extLst>
           </p:cNvPr>
@@ -1537,7 +1554,7 @@
           <p:cNvPr id="3" name="Text Placeholder 2">
             <a:extLst>
               <a:ext uri="{FF2B5EF4-FFF2-40B4-BE49-F238E27FC236}">
-                <a16:creationId xmlns:a16="http://schemas.microsoft.com/office/drawing/2014/main" id="{C42D7304-C89A-4062-B369-132B7AA15AAE}"/>
+                <a16:creationId xmlns:a16="http://schemas.microsoft.com/office/drawing/2014/main" id="{8BEC8857-DA8C-4344-9865-DDC8F7D02391}"/>
               </a:ext>
             </a:extLst>
           </p:cNvPr>
@@ -1608,7 +1625,7 @@
           <p:cNvPr id="4" name="Content Placeholder 3">
             <a:extLst>
               <a:ext uri="{FF2B5EF4-FFF2-40B4-BE49-F238E27FC236}">
-                <a16:creationId xmlns:a16="http://schemas.microsoft.com/office/drawing/2014/main" id="{3795D27A-E821-44A7-A1D3-5461476FB59F}"/>
+                <a16:creationId xmlns:a16="http://schemas.microsoft.com/office/drawing/2014/main" id="{9114E18C-7619-4081-9417-0AFA00BB6CD6}"/>
               </a:ext>
             </a:extLst>
           </p:cNvPr>
@@ -1670,7 +1687,7 @@
           <p:cNvPr id="5" name="Text Placeholder 4">
             <a:extLst>
               <a:ext uri="{FF2B5EF4-FFF2-40B4-BE49-F238E27FC236}">
-                <a16:creationId xmlns:a16="http://schemas.microsoft.com/office/drawing/2014/main" id="{74B83005-E9FC-4BB0-BD2F-12F91B952E33}"/>
+                <a16:creationId xmlns:a16="http://schemas.microsoft.com/office/drawing/2014/main" id="{A18B93C0-2C63-4717-AC82-D4D6525949D0}"/>
               </a:ext>
             </a:extLst>
           </p:cNvPr>
@@ -1741,7 +1758,7 @@
           <p:cNvPr id="6" name="Content Placeholder 5">
             <a:extLst>
               <a:ext uri="{FF2B5EF4-FFF2-40B4-BE49-F238E27FC236}">
-                <a16:creationId xmlns:a16="http://schemas.microsoft.com/office/drawing/2014/main" id="{E3BF49AD-C7D4-40A6-8AC3-471AE45BA9EC}"/>
+                <a16:creationId xmlns:a16="http://schemas.microsoft.com/office/drawing/2014/main" id="{FF965ECB-4E31-466C-8D0F-E4F2B005C606}"/>
               </a:ext>
             </a:extLst>
           </p:cNvPr>
@@ -1803,7 +1820,7 @@
           <p:cNvPr id="7" name="Date Placeholder 6">
             <a:extLst>
               <a:ext uri="{FF2B5EF4-FFF2-40B4-BE49-F238E27FC236}">
-                <a16:creationId xmlns:a16="http://schemas.microsoft.com/office/drawing/2014/main" id="{B5EDBD3C-1265-4ED7-AA62-967F3C4CC3AD}"/>
+                <a16:creationId xmlns:a16="http://schemas.microsoft.com/office/drawing/2014/main" id="{FA76C466-3255-47D0-9E37-DFDA49345D6A}"/>
               </a:ext>
             </a:extLst>
           </p:cNvPr>
@@ -1821,7 +1838,7 @@
           <a:p>
             <a:fld id="{43CEAD56-E5CE-4A48-BE26-3F874B3EFFB2}" type="datetimeFigureOut">
               <a:rPr lang="en-US" smtClean="0"/>
-              <a:t>10/19/2018</a:t>
+              <a:t>10/23/2018</a:t>
             </a:fld>
             <a:endParaRPr lang="en-US"/>
           </a:p>
@@ -1832,7 +1849,7 @@
           <p:cNvPr id="8" name="Footer Placeholder 7">
             <a:extLst>
               <a:ext uri="{FF2B5EF4-FFF2-40B4-BE49-F238E27FC236}">
-                <a16:creationId xmlns:a16="http://schemas.microsoft.com/office/drawing/2014/main" id="{5A3E6FE2-FDE1-4F87-8506-10C467E74E36}"/>
+                <a16:creationId xmlns:a16="http://schemas.microsoft.com/office/drawing/2014/main" id="{60F40B7F-38F7-4E26-BCA6-60830A5AEF75}"/>
               </a:ext>
             </a:extLst>
           </p:cNvPr>
@@ -1857,7 +1874,7 @@
           <p:cNvPr id="9" name="Slide Number Placeholder 8">
             <a:extLst>
               <a:ext uri="{FF2B5EF4-FFF2-40B4-BE49-F238E27FC236}">
-                <a16:creationId xmlns:a16="http://schemas.microsoft.com/office/drawing/2014/main" id="{9621ECEC-125F-4140-9133-8670D33A5ACE}"/>
+                <a16:creationId xmlns:a16="http://schemas.microsoft.com/office/drawing/2014/main" id="{F25BF69D-9308-4455-9EEF-AE51A9B48114}"/>
               </a:ext>
             </a:extLst>
           </p:cNvPr>
@@ -1884,7 +1901,7 @@
     </p:spTree>
     <p:extLst>
       <p:ext uri="{BB962C8B-B14F-4D97-AF65-F5344CB8AC3E}">
-        <p14:creationId xmlns:p14="http://schemas.microsoft.com/office/powerpoint/2010/main" val="1941563633"/>
+        <p14:creationId xmlns:p14="http://schemas.microsoft.com/office/powerpoint/2010/main" val="626933865"/>
       </p:ext>
     </p:extLst>
   </p:cSld>
@@ -1916,7 +1933,7 @@
           <p:cNvPr id="2" name="Title 1">
             <a:extLst>
               <a:ext uri="{FF2B5EF4-FFF2-40B4-BE49-F238E27FC236}">
-                <a16:creationId xmlns:a16="http://schemas.microsoft.com/office/drawing/2014/main" id="{0D4B3CCB-7891-4336-B745-F6175A6F3CCB}"/>
+                <a16:creationId xmlns:a16="http://schemas.microsoft.com/office/drawing/2014/main" id="{DFD5095D-EC49-460F-928D-67384BF1C5A4}"/>
               </a:ext>
             </a:extLst>
           </p:cNvPr>
@@ -1944,7 +1961,7 @@
           <p:cNvPr id="3" name="Date Placeholder 2">
             <a:extLst>
               <a:ext uri="{FF2B5EF4-FFF2-40B4-BE49-F238E27FC236}">
-                <a16:creationId xmlns:a16="http://schemas.microsoft.com/office/drawing/2014/main" id="{8CD4FF0A-AEB7-409C-9D7F-47F201D739C8}"/>
+                <a16:creationId xmlns:a16="http://schemas.microsoft.com/office/drawing/2014/main" id="{7AE5C1A1-7DF8-43A4-AB39-1801ACE8B5A5}"/>
               </a:ext>
             </a:extLst>
           </p:cNvPr>
@@ -1962,7 +1979,7 @@
           <a:p>
             <a:fld id="{43CEAD56-E5CE-4A48-BE26-3F874B3EFFB2}" type="datetimeFigureOut">
               <a:rPr lang="en-US" smtClean="0"/>
-              <a:t>10/19/2018</a:t>
+              <a:t>10/23/2018</a:t>
             </a:fld>
             <a:endParaRPr lang="en-US"/>
           </a:p>
@@ -1973,7 +1990,7 @@
           <p:cNvPr id="4" name="Footer Placeholder 3">
             <a:extLst>
               <a:ext uri="{FF2B5EF4-FFF2-40B4-BE49-F238E27FC236}">
-                <a16:creationId xmlns:a16="http://schemas.microsoft.com/office/drawing/2014/main" id="{9E4CAA9A-6C7A-4B99-BC82-B1FBE69FDEBB}"/>
+                <a16:creationId xmlns:a16="http://schemas.microsoft.com/office/drawing/2014/main" id="{5987A75C-E0D2-43AF-ADEC-2C1E0C2D5CCE}"/>
               </a:ext>
             </a:extLst>
           </p:cNvPr>
@@ -1998,7 +2015,7 @@
           <p:cNvPr id="5" name="Slide Number Placeholder 4">
             <a:extLst>
               <a:ext uri="{FF2B5EF4-FFF2-40B4-BE49-F238E27FC236}">
-                <a16:creationId xmlns:a16="http://schemas.microsoft.com/office/drawing/2014/main" id="{941AD3E8-002D-4A7D-9685-0BC511A13DD0}"/>
+                <a16:creationId xmlns:a16="http://schemas.microsoft.com/office/drawing/2014/main" id="{9553D0AD-E56E-4CE8-908D-DE0E2CF849C0}"/>
               </a:ext>
             </a:extLst>
           </p:cNvPr>
@@ -2025,7 +2042,7 @@
     </p:spTree>
     <p:extLst>
       <p:ext uri="{BB962C8B-B14F-4D97-AF65-F5344CB8AC3E}">
-        <p14:creationId xmlns:p14="http://schemas.microsoft.com/office/powerpoint/2010/main" val="722668827"/>
+        <p14:creationId xmlns:p14="http://schemas.microsoft.com/office/powerpoint/2010/main" val="2883067251"/>
       </p:ext>
     </p:extLst>
   </p:cSld>
@@ -2057,7 +2074,7 @@
           <p:cNvPr id="2" name="Date Placeholder 1">
             <a:extLst>
               <a:ext uri="{FF2B5EF4-FFF2-40B4-BE49-F238E27FC236}">
-                <a16:creationId xmlns:a16="http://schemas.microsoft.com/office/drawing/2014/main" id="{0038AD33-56A9-4485-AC31-1A9A93581DD3}"/>
+                <a16:creationId xmlns:a16="http://schemas.microsoft.com/office/drawing/2014/main" id="{CA028CA5-13F0-4611-AE48-040330822A22}"/>
               </a:ext>
             </a:extLst>
           </p:cNvPr>
@@ -2075,7 +2092,7 @@
           <a:p>
             <a:fld id="{43CEAD56-E5CE-4A48-BE26-3F874B3EFFB2}" type="datetimeFigureOut">
               <a:rPr lang="en-US" smtClean="0"/>
-              <a:t>10/19/2018</a:t>
+              <a:t>10/23/2018</a:t>
             </a:fld>
             <a:endParaRPr lang="en-US"/>
           </a:p>
@@ -2086,7 +2103,7 @@
           <p:cNvPr id="3" name="Footer Placeholder 2">
             <a:extLst>
               <a:ext uri="{FF2B5EF4-FFF2-40B4-BE49-F238E27FC236}">
-                <a16:creationId xmlns:a16="http://schemas.microsoft.com/office/drawing/2014/main" id="{8039ABBF-BDEC-4F0C-9C60-14EEA3A392DC}"/>
+                <a16:creationId xmlns:a16="http://schemas.microsoft.com/office/drawing/2014/main" id="{1D10BC7B-9807-4005-8219-3A8D732A0C0B}"/>
               </a:ext>
             </a:extLst>
           </p:cNvPr>
@@ -2111,7 +2128,7 @@
           <p:cNvPr id="4" name="Slide Number Placeholder 3">
             <a:extLst>
               <a:ext uri="{FF2B5EF4-FFF2-40B4-BE49-F238E27FC236}">
-                <a16:creationId xmlns:a16="http://schemas.microsoft.com/office/drawing/2014/main" id="{CEA6C7A2-309B-410D-8F0E-84F6C00ABFD2}"/>
+                <a16:creationId xmlns:a16="http://schemas.microsoft.com/office/drawing/2014/main" id="{E4C4EE15-5B44-48E9-BE4D-57B5FCE0F256}"/>
               </a:ext>
             </a:extLst>
           </p:cNvPr>
@@ -2138,7 +2155,7 @@
     </p:spTree>
     <p:extLst>
       <p:ext uri="{BB962C8B-B14F-4D97-AF65-F5344CB8AC3E}">
-        <p14:creationId xmlns:p14="http://schemas.microsoft.com/office/powerpoint/2010/main" val="132464134"/>
+        <p14:creationId xmlns:p14="http://schemas.microsoft.com/office/powerpoint/2010/main" val="1439787638"/>
       </p:ext>
     </p:extLst>
   </p:cSld>
@@ -2170,7 +2187,7 @@
           <p:cNvPr id="2" name="Title 1">
             <a:extLst>
               <a:ext uri="{FF2B5EF4-FFF2-40B4-BE49-F238E27FC236}">
-                <a16:creationId xmlns:a16="http://schemas.microsoft.com/office/drawing/2014/main" id="{33CAAC9E-AAE1-40EA-9A10-786163296EED}"/>
+                <a16:creationId xmlns:a16="http://schemas.microsoft.com/office/drawing/2014/main" id="{B5D3FB5F-2D46-40BD-B1EC-69896A53E1C9}"/>
               </a:ext>
             </a:extLst>
           </p:cNvPr>
@@ -2207,7 +2224,7 @@
           <p:cNvPr id="3" name="Content Placeholder 2">
             <a:extLst>
               <a:ext uri="{FF2B5EF4-FFF2-40B4-BE49-F238E27FC236}">
-                <a16:creationId xmlns:a16="http://schemas.microsoft.com/office/drawing/2014/main" id="{5DF86514-820A-44DB-9D31-BB7952F5D87A}"/>
+                <a16:creationId xmlns:a16="http://schemas.microsoft.com/office/drawing/2014/main" id="{413F67DE-F302-4D0C-8BB6-0363A0F226B8}"/>
               </a:ext>
             </a:extLst>
           </p:cNvPr>
@@ -2297,7 +2314,7 @@
           <p:cNvPr id="4" name="Text Placeholder 3">
             <a:extLst>
               <a:ext uri="{FF2B5EF4-FFF2-40B4-BE49-F238E27FC236}">
-                <a16:creationId xmlns:a16="http://schemas.microsoft.com/office/drawing/2014/main" id="{B46F8C01-D221-489F-A610-611E3EA4095C}"/>
+                <a16:creationId xmlns:a16="http://schemas.microsoft.com/office/drawing/2014/main" id="{D62894C8-99A6-4CC6-BA5C-164BC7FE1EC0}"/>
               </a:ext>
             </a:extLst>
           </p:cNvPr>
@@ -2368,7 +2385,7 @@
           <p:cNvPr id="5" name="Date Placeholder 4">
             <a:extLst>
               <a:ext uri="{FF2B5EF4-FFF2-40B4-BE49-F238E27FC236}">
-                <a16:creationId xmlns:a16="http://schemas.microsoft.com/office/drawing/2014/main" id="{0B9582FD-1F71-455F-AC05-11F5D5B05B24}"/>
+                <a16:creationId xmlns:a16="http://schemas.microsoft.com/office/drawing/2014/main" id="{D51FC759-AC48-4F8E-9E54-153DAFCE05AC}"/>
               </a:ext>
             </a:extLst>
           </p:cNvPr>
@@ -2386,7 +2403,7 @@
           <a:p>
             <a:fld id="{43CEAD56-E5CE-4A48-BE26-3F874B3EFFB2}" type="datetimeFigureOut">
               <a:rPr lang="en-US" smtClean="0"/>
-              <a:t>10/19/2018</a:t>
+              <a:t>10/23/2018</a:t>
             </a:fld>
             <a:endParaRPr lang="en-US"/>
           </a:p>
@@ -2397,7 +2414,7 @@
           <p:cNvPr id="6" name="Footer Placeholder 5">
             <a:extLst>
               <a:ext uri="{FF2B5EF4-FFF2-40B4-BE49-F238E27FC236}">
-                <a16:creationId xmlns:a16="http://schemas.microsoft.com/office/drawing/2014/main" id="{D929E936-5CB3-4D37-A277-FC0B4EE3EBC6}"/>
+                <a16:creationId xmlns:a16="http://schemas.microsoft.com/office/drawing/2014/main" id="{56235A42-5080-41B0-96E2-918F0499E7FC}"/>
               </a:ext>
             </a:extLst>
           </p:cNvPr>
@@ -2422,7 +2439,7 @@
           <p:cNvPr id="7" name="Slide Number Placeholder 6">
             <a:extLst>
               <a:ext uri="{FF2B5EF4-FFF2-40B4-BE49-F238E27FC236}">
-                <a16:creationId xmlns:a16="http://schemas.microsoft.com/office/drawing/2014/main" id="{2EBB052B-958C-4249-AC50-6D74FE0C3F5E}"/>
+                <a16:creationId xmlns:a16="http://schemas.microsoft.com/office/drawing/2014/main" id="{0132E0C8-66A7-4FD5-8F64-E46FBB08E965}"/>
               </a:ext>
             </a:extLst>
           </p:cNvPr>
@@ -2449,7 +2466,7 @@
     </p:spTree>
     <p:extLst>
       <p:ext uri="{BB962C8B-B14F-4D97-AF65-F5344CB8AC3E}">
-        <p14:creationId xmlns:p14="http://schemas.microsoft.com/office/powerpoint/2010/main" val="3698152418"/>
+        <p14:creationId xmlns:p14="http://schemas.microsoft.com/office/powerpoint/2010/main" val="3162862313"/>
       </p:ext>
     </p:extLst>
   </p:cSld>
@@ -2481,7 +2498,7 @@
           <p:cNvPr id="2" name="Title 1">
             <a:extLst>
               <a:ext uri="{FF2B5EF4-FFF2-40B4-BE49-F238E27FC236}">
-                <a16:creationId xmlns:a16="http://schemas.microsoft.com/office/drawing/2014/main" id="{65237312-A17B-4F8B-BCDB-580390060C34}"/>
+                <a16:creationId xmlns:a16="http://schemas.microsoft.com/office/drawing/2014/main" id="{FBDF9722-6B31-4F43-8844-6FA5D71D0EC8}"/>
               </a:ext>
             </a:extLst>
           </p:cNvPr>
@@ -2518,7 +2535,7 @@
           <p:cNvPr id="3" name="Picture Placeholder 2">
             <a:extLst>
               <a:ext uri="{FF2B5EF4-FFF2-40B4-BE49-F238E27FC236}">
-                <a16:creationId xmlns:a16="http://schemas.microsoft.com/office/drawing/2014/main" id="{8A1E005B-8D40-4143-888B-56B675149AE5}"/>
+                <a16:creationId xmlns:a16="http://schemas.microsoft.com/office/drawing/2014/main" id="{E1A3055F-F681-4828-A3E0-2B6E173CF4AA}"/>
               </a:ext>
             </a:extLst>
           </p:cNvPr>
@@ -2585,7 +2602,7 @@
           <p:cNvPr id="4" name="Text Placeholder 3">
             <a:extLst>
               <a:ext uri="{FF2B5EF4-FFF2-40B4-BE49-F238E27FC236}">
-                <a16:creationId xmlns:a16="http://schemas.microsoft.com/office/drawing/2014/main" id="{82DAE27E-7DA4-43A9-9599-0ACC55A7C29D}"/>
+                <a16:creationId xmlns:a16="http://schemas.microsoft.com/office/drawing/2014/main" id="{B7B159A9-C15B-4B14-B4CC-AD5E17D9CFA7}"/>
               </a:ext>
             </a:extLst>
           </p:cNvPr>
@@ -2656,7 +2673,7 @@
           <p:cNvPr id="5" name="Date Placeholder 4">
             <a:extLst>
               <a:ext uri="{FF2B5EF4-FFF2-40B4-BE49-F238E27FC236}">
-                <a16:creationId xmlns:a16="http://schemas.microsoft.com/office/drawing/2014/main" id="{24568495-1527-4A79-9430-226B5DA51AD9}"/>
+                <a16:creationId xmlns:a16="http://schemas.microsoft.com/office/drawing/2014/main" id="{18DB940C-254C-4068-AA22-E999FF6AF331}"/>
               </a:ext>
             </a:extLst>
           </p:cNvPr>
@@ -2674,7 +2691,7 @@
           <a:p>
             <a:fld id="{43CEAD56-E5CE-4A48-BE26-3F874B3EFFB2}" type="datetimeFigureOut">
               <a:rPr lang="en-US" smtClean="0"/>
-              <a:t>10/19/2018</a:t>
+              <a:t>10/23/2018</a:t>
             </a:fld>
             <a:endParaRPr lang="en-US"/>
           </a:p>
@@ -2685,7 +2702,7 @@
           <p:cNvPr id="6" name="Footer Placeholder 5">
             <a:extLst>
               <a:ext uri="{FF2B5EF4-FFF2-40B4-BE49-F238E27FC236}">
-                <a16:creationId xmlns:a16="http://schemas.microsoft.com/office/drawing/2014/main" id="{8431C3BD-DA08-49CF-8880-4892E6D3AD63}"/>
+                <a16:creationId xmlns:a16="http://schemas.microsoft.com/office/drawing/2014/main" id="{E1785F6C-141E-460A-ABBA-E1F88757D9AD}"/>
               </a:ext>
             </a:extLst>
           </p:cNvPr>
@@ -2710,7 +2727,7 @@
           <p:cNvPr id="7" name="Slide Number Placeholder 6">
             <a:extLst>
               <a:ext uri="{FF2B5EF4-FFF2-40B4-BE49-F238E27FC236}">
-                <a16:creationId xmlns:a16="http://schemas.microsoft.com/office/drawing/2014/main" id="{9A373C1A-BFC1-4291-BAEE-033C540E9120}"/>
+                <a16:creationId xmlns:a16="http://schemas.microsoft.com/office/drawing/2014/main" id="{AF40B232-DA99-40A3-9E4B-EC9A313CBC58}"/>
               </a:ext>
             </a:extLst>
           </p:cNvPr>
@@ -2737,7 +2754,7 @@
     </p:spTree>
     <p:extLst>
       <p:ext uri="{BB962C8B-B14F-4D97-AF65-F5344CB8AC3E}">
-        <p14:creationId xmlns:p14="http://schemas.microsoft.com/office/powerpoint/2010/main" val="322485322"/>
+        <p14:creationId xmlns:p14="http://schemas.microsoft.com/office/powerpoint/2010/main" val="1964011052"/>
       </p:ext>
     </p:extLst>
   </p:cSld>
@@ -2774,7 +2791,7 @@
           <p:cNvPr id="2" name="Title Placeholder 1">
             <a:extLst>
               <a:ext uri="{FF2B5EF4-FFF2-40B4-BE49-F238E27FC236}">
-                <a16:creationId xmlns:a16="http://schemas.microsoft.com/office/drawing/2014/main" id="{6ECEA379-128F-4DD9-99F5-7A7E2F2D5BC4}"/>
+                <a16:creationId xmlns:a16="http://schemas.microsoft.com/office/drawing/2014/main" id="{22E93C2A-753E-456C-8C84-B5984DF5B446}"/>
               </a:ext>
             </a:extLst>
           </p:cNvPr>
@@ -2812,7 +2829,7 @@
           <p:cNvPr id="3" name="Text Placeholder 2">
             <a:extLst>
               <a:ext uri="{FF2B5EF4-FFF2-40B4-BE49-F238E27FC236}">
-                <a16:creationId xmlns:a16="http://schemas.microsoft.com/office/drawing/2014/main" id="{6A21F66D-8745-44D9-93D3-2A6D7FF6D9B1}"/>
+                <a16:creationId xmlns:a16="http://schemas.microsoft.com/office/drawing/2014/main" id="{ED02B75F-78B7-4083-9BDE-BDCF2E9C6110}"/>
               </a:ext>
             </a:extLst>
           </p:cNvPr>
@@ -2879,7 +2896,7 @@
           <p:cNvPr id="4" name="Date Placeholder 3">
             <a:extLst>
               <a:ext uri="{FF2B5EF4-FFF2-40B4-BE49-F238E27FC236}">
-                <a16:creationId xmlns:a16="http://schemas.microsoft.com/office/drawing/2014/main" id="{B8B3FE54-474B-42DF-9004-8449603780DC}"/>
+                <a16:creationId xmlns:a16="http://schemas.microsoft.com/office/drawing/2014/main" id="{14EDD2ED-1E44-4EB4-87EA-E417381BC572}"/>
               </a:ext>
             </a:extLst>
           </p:cNvPr>
@@ -2915,7 +2932,7 @@
           <a:p>
             <a:fld id="{43CEAD56-E5CE-4A48-BE26-3F874B3EFFB2}" type="datetimeFigureOut">
               <a:rPr lang="en-US" smtClean="0"/>
-              <a:t>10/19/2018</a:t>
+              <a:t>10/23/2018</a:t>
             </a:fld>
             <a:endParaRPr lang="en-US"/>
           </a:p>
@@ -2926,7 +2943,7 @@
           <p:cNvPr id="5" name="Footer Placeholder 4">
             <a:extLst>
               <a:ext uri="{FF2B5EF4-FFF2-40B4-BE49-F238E27FC236}">
-                <a16:creationId xmlns:a16="http://schemas.microsoft.com/office/drawing/2014/main" id="{7ACFAD58-D216-409A-8DDD-63053845A4DD}"/>
+                <a16:creationId xmlns:a16="http://schemas.microsoft.com/office/drawing/2014/main" id="{375FF47C-3C8A-4991-9246-88D3F1A9F793}"/>
               </a:ext>
             </a:extLst>
           </p:cNvPr>
@@ -2969,7 +2986,7 @@
           <p:cNvPr id="6" name="Slide Number Placeholder 5">
             <a:extLst>
               <a:ext uri="{FF2B5EF4-FFF2-40B4-BE49-F238E27FC236}">
-                <a16:creationId xmlns:a16="http://schemas.microsoft.com/office/drawing/2014/main" id="{4470C694-808A-4F34-962C-AFB36007B713}"/>
+                <a16:creationId xmlns:a16="http://schemas.microsoft.com/office/drawing/2014/main" id="{88FC58EC-EB4F-4827-BEC5-0EBF23E2BF1C}"/>
               </a:ext>
             </a:extLst>
           </p:cNvPr>
@@ -3014,23 +3031,23 @@
     </p:spTree>
     <p:extLst>
       <p:ext uri="{BB962C8B-B14F-4D97-AF65-F5344CB8AC3E}">
-        <p14:creationId xmlns:p14="http://schemas.microsoft.com/office/powerpoint/2010/main" val="590518817"/>
+        <p14:creationId xmlns:p14="http://schemas.microsoft.com/office/powerpoint/2010/main" val="3342743368"/>
       </p:ext>
     </p:extLst>
   </p:cSld>
   <p:clrMap bg1="lt1" tx1="dk1" bg2="lt2" tx2="dk2" accent1="accent1" accent2="accent2" accent3="accent3" accent4="accent4" accent5="accent5" accent6="accent6" hlink="hlink" folHlink="folHlink"/>
   <p:sldLayoutIdLst>
-    <p:sldLayoutId id="2147483649" r:id="rId1"/>
-    <p:sldLayoutId id="2147483650" r:id="rId2"/>
-    <p:sldLayoutId id="2147483651" r:id="rId3"/>
-    <p:sldLayoutId id="2147483652" r:id="rId4"/>
-    <p:sldLayoutId id="2147483653" r:id="rId5"/>
-    <p:sldLayoutId id="2147483654" r:id="rId6"/>
-    <p:sldLayoutId id="2147483655" r:id="rId7"/>
-    <p:sldLayoutId id="2147483656" r:id="rId8"/>
-    <p:sldLayoutId id="2147483657" r:id="rId9"/>
-    <p:sldLayoutId id="2147483658" r:id="rId10"/>
-    <p:sldLayoutId id="2147483659" r:id="rId11"/>
+    <p:sldLayoutId id="2147483673" r:id="rId1"/>
+    <p:sldLayoutId id="2147483674" r:id="rId2"/>
+    <p:sldLayoutId id="2147483675" r:id="rId3"/>
+    <p:sldLayoutId id="2147483676" r:id="rId4"/>
+    <p:sldLayoutId id="2147483677" r:id="rId5"/>
+    <p:sldLayoutId id="2147483678" r:id="rId6"/>
+    <p:sldLayoutId id="2147483679" r:id="rId7"/>
+    <p:sldLayoutId id="2147483680" r:id="rId8"/>
+    <p:sldLayoutId id="2147483681" r:id="rId9"/>
+    <p:sldLayoutId id="2147483682" r:id="rId10"/>
+    <p:sldLayoutId id="2147483683" r:id="rId11"/>
   </p:sldLayoutIdLst>
   <p:txStyles>
     <p:titleStyle>
@@ -3401,6 +3418,4939 @@
 </p:sld>
 </file>
 
+<file path=ppt/slides/slide10.xml><?xml version="1.0" encoding="utf-8"?>
+<p:sld xmlns:a="http://schemas.openxmlformats.org/drawingml/2006/main" xmlns:r="http://schemas.openxmlformats.org/officeDocument/2006/relationships" xmlns:p="http://schemas.openxmlformats.org/presentationml/2006/main">
+  <p:cSld>
+    <p:spTree>
+      <p:nvGrpSpPr>
+        <p:cNvPr id="1" name=""/>
+        <p:cNvGrpSpPr/>
+        <p:nvPr/>
+      </p:nvGrpSpPr>
+      <p:grpSpPr>
+        <a:xfrm>
+          <a:off x="0" y="0"/>
+          <a:ext cx="0" cy="0"/>
+          <a:chOff x="0" y="0"/>
+          <a:chExt cx="0" cy="0"/>
+        </a:xfrm>
+      </p:grpSpPr>
+      <mc:AlternateContent xmlns:mc="http://schemas.openxmlformats.org/markup-compatibility/2006">
+        <mc:Choice xmlns:a14="http://schemas.microsoft.com/office/drawing/2010/main" Requires="a14">
+          <p:sp>
+            <p:nvSpPr>
+              <p:cNvPr id="3" name="Content Placeholder 2">
+                <a:extLst>
+                  <a:ext uri="{FF2B5EF4-FFF2-40B4-BE49-F238E27FC236}">
+                    <a16:creationId xmlns:a16="http://schemas.microsoft.com/office/drawing/2014/main" id="{DDA4DCC2-56D4-4FEB-BA98-1C25194A0BD4}"/>
+                  </a:ext>
+                </a:extLst>
+              </p:cNvPr>
+              <p:cNvSpPr>
+                <a:spLocks noGrp="1"/>
+              </p:cNvSpPr>
+              <p:nvPr>
+                <p:ph idx="1"/>
+              </p:nvPr>
+            </p:nvSpPr>
+            <p:spPr>
+              <a:xfrm>
+                <a:off x="838200" y="1315453"/>
+                <a:ext cx="10515600" cy="4861509"/>
+              </a:xfrm>
+            </p:spPr>
+            <p:txBody>
+              <a:bodyPr/>
+              <a:lstStyle/>
+              <a:p>
+                <a14:m>
+                  <m:oMath xmlns:m="http://schemas.openxmlformats.org/officeDocument/2006/math">
+                    <m:sSub>
+                      <m:sSubPr>
+                        <m:ctrlPr>
+                          <a:rPr lang="en-US" b="0" i="1" smtClean="0">
+                            <a:latin typeface="Cambria Math" panose="02040503050406030204" pitchFamily="18" charset="0"/>
+                          </a:rPr>
+                        </m:ctrlPr>
+                      </m:sSubPr>
+                      <m:e>
+                        <m:r>
+                          <a:rPr lang="en-US" b="0" i="1" smtClean="0">
+                            <a:latin typeface="Cambria Math" panose="02040503050406030204" pitchFamily="18" charset="0"/>
+                          </a:rPr>
+                          <m:t>𝜙</m:t>
+                        </m:r>
+                      </m:e>
+                      <m:sub>
+                        <m:r>
+                          <a:rPr lang="en-US" b="0" i="1" smtClean="0">
+                            <a:latin typeface="Cambria Math" panose="02040503050406030204" pitchFamily="18" charset="0"/>
+                          </a:rPr>
+                          <m:t>𝑛</m:t>
+                        </m:r>
+                      </m:sub>
+                    </m:sSub>
+                    <m:r>
+                      <a:rPr lang="en-US" b="0" i="1" smtClean="0">
+                        <a:latin typeface="Cambria Math" panose="02040503050406030204" pitchFamily="18" charset="0"/>
+                      </a:rPr>
+                      <m:t>=</m:t>
+                    </m:r>
+                    <m:r>
+                      <a:rPr lang="en-US" b="0" i="1" smtClean="0">
+                        <a:latin typeface="Cambria Math" panose="02040503050406030204" pitchFamily="18" charset="0"/>
+                      </a:rPr>
+                      <m:t>𝜌</m:t>
+                    </m:r>
+                    <m:sSub>
+                      <m:sSubPr>
+                        <m:ctrlPr>
+                          <a:rPr lang="en-US" b="0" i="1" smtClean="0">
+                            <a:latin typeface="Cambria Math" panose="02040503050406030204" pitchFamily="18" charset="0"/>
+                          </a:rPr>
+                        </m:ctrlPr>
+                      </m:sSubPr>
+                      <m:e>
+                        <m:r>
+                          <a:rPr lang="en-US" b="0" i="1" smtClean="0">
+                            <a:latin typeface="Cambria Math" panose="02040503050406030204" pitchFamily="18" charset="0"/>
+                          </a:rPr>
+                          <m:t>𝜙</m:t>
+                        </m:r>
+                      </m:e>
+                      <m:sub>
+                        <m:r>
+                          <a:rPr lang="en-US" b="0" i="1" smtClean="0">
+                            <a:latin typeface="Cambria Math" panose="02040503050406030204" pitchFamily="18" charset="0"/>
+                          </a:rPr>
+                          <m:t>𝑛</m:t>
+                        </m:r>
+                        <m:r>
+                          <a:rPr lang="en-US" b="0" i="1" smtClean="0">
+                            <a:latin typeface="Cambria Math" panose="02040503050406030204" pitchFamily="18" charset="0"/>
+                          </a:rPr>
+                          <m:t>−1</m:t>
+                        </m:r>
+                      </m:sub>
+                    </m:sSub>
+                    <m:r>
+                      <a:rPr lang="en-US" b="0" i="1" smtClean="0">
+                        <a:latin typeface="Cambria Math" panose="02040503050406030204" pitchFamily="18" charset="0"/>
+                      </a:rPr>
+                      <m:t>+</m:t>
+                    </m:r>
+                    <m:sSub>
+                      <m:sSubPr>
+                        <m:ctrlPr>
+                          <a:rPr lang="en-US" b="0" i="1" smtClean="0">
+                            <a:latin typeface="Cambria Math" panose="02040503050406030204" pitchFamily="18" charset="0"/>
+                          </a:rPr>
+                        </m:ctrlPr>
+                      </m:sSubPr>
+                      <m:e>
+                        <m:r>
+                          <m:rPr>
+                            <m:sty m:val="p"/>
+                          </m:rPr>
+                          <a:rPr lang="en-US" b="0" i="0" smtClean="0">
+                            <a:latin typeface="Cambria Math" panose="02040503050406030204" pitchFamily="18" charset="0"/>
+                          </a:rPr>
+                          <m:t>Σ</m:t>
+                        </m:r>
+                      </m:e>
+                      <m:sub>
+                        <m:r>
+                          <a:rPr lang="en-US" b="0" i="1" smtClean="0">
+                            <a:latin typeface="Cambria Math" panose="02040503050406030204" pitchFamily="18" charset="0"/>
+                          </a:rPr>
+                          <m:t>𝑛</m:t>
+                        </m:r>
+                      </m:sub>
+                    </m:sSub>
+                  </m:oMath>
+                </a14:m>
+                <a:endParaRPr lang="en-US" b="0" dirty="0"/>
+              </a:p>
+              <a:p>
+                <a14:m>
+                  <m:oMath xmlns:m="http://schemas.openxmlformats.org/officeDocument/2006/math">
+                    <m:sSub>
+                      <m:sSubPr>
+                        <m:ctrlPr>
+                          <a:rPr lang="en-US" i="1">
+                            <a:latin typeface="Cambria Math" panose="02040503050406030204" pitchFamily="18" charset="0"/>
+                          </a:rPr>
+                        </m:ctrlPr>
+                      </m:sSubPr>
+                      <m:e>
+                        <m:r>
+                          <a:rPr lang="en-US" b="0" i="1" smtClean="0">
+                            <a:latin typeface="Cambria Math" panose="02040503050406030204" pitchFamily="18" charset="0"/>
+                          </a:rPr>
+                          <m:t>𝑣𝑎𝑟</m:t>
+                        </m:r>
+                        <m:r>
+                          <a:rPr lang="en-US" b="0" i="1" smtClean="0">
+                            <a:latin typeface="Cambria Math" panose="02040503050406030204" pitchFamily="18" charset="0"/>
+                          </a:rPr>
+                          <m:t>(</m:t>
+                        </m:r>
+                        <m:r>
+                          <a:rPr lang="en-US" i="1">
+                            <a:latin typeface="Cambria Math" panose="02040503050406030204" pitchFamily="18" charset="0"/>
+                          </a:rPr>
+                          <m:t>𝜙</m:t>
+                        </m:r>
+                      </m:e>
+                      <m:sub>
+                        <m:r>
+                          <a:rPr lang="en-US" i="1">
+                            <a:latin typeface="Cambria Math" panose="02040503050406030204" pitchFamily="18" charset="0"/>
+                          </a:rPr>
+                          <m:t>𝑛</m:t>
+                        </m:r>
+                      </m:sub>
+                    </m:sSub>
+                    <m:r>
+                      <a:rPr lang="en-US" b="0" i="1" smtClean="0">
+                        <a:latin typeface="Cambria Math" panose="02040503050406030204" pitchFamily="18" charset="0"/>
+                      </a:rPr>
+                      <m:t>)</m:t>
+                    </m:r>
+                    <m:r>
+                      <a:rPr lang="en-US" i="1">
+                        <a:latin typeface="Cambria Math" panose="02040503050406030204" pitchFamily="18" charset="0"/>
+                      </a:rPr>
+                      <m:t>=</m:t>
+                    </m:r>
+                    <m:r>
+                      <a:rPr lang="en-US" b="0" i="1" smtClean="0">
+                        <a:latin typeface="Cambria Math" panose="02040503050406030204" pitchFamily="18" charset="0"/>
+                      </a:rPr>
+                      <m:t>𝑣𝑎𝑟</m:t>
+                    </m:r>
+                    <m:d>
+                      <m:dPr>
+                        <m:ctrlPr>
+                          <a:rPr lang="en-US" b="0" i="1" smtClean="0">
+                            <a:latin typeface="Cambria Math" panose="02040503050406030204" pitchFamily="18" charset="0"/>
+                          </a:rPr>
+                        </m:ctrlPr>
+                      </m:dPr>
+                      <m:e>
+                        <m:r>
+                          <a:rPr lang="en-US" i="1">
+                            <a:latin typeface="Cambria Math" panose="02040503050406030204" pitchFamily="18" charset="0"/>
+                          </a:rPr>
+                          <m:t>𝜌</m:t>
+                        </m:r>
+                        <m:sSub>
+                          <m:sSubPr>
+                            <m:ctrlPr>
+                              <a:rPr lang="en-US" i="1">
+                                <a:latin typeface="Cambria Math" panose="02040503050406030204" pitchFamily="18" charset="0"/>
+                              </a:rPr>
+                            </m:ctrlPr>
+                          </m:sSubPr>
+                          <m:e>
+                            <m:r>
+                              <a:rPr lang="en-US" i="1">
+                                <a:latin typeface="Cambria Math" panose="02040503050406030204" pitchFamily="18" charset="0"/>
+                              </a:rPr>
+                              <m:t>𝜙</m:t>
+                            </m:r>
+                          </m:e>
+                          <m:sub>
+                            <m:r>
+                              <a:rPr lang="en-US" i="1">
+                                <a:latin typeface="Cambria Math" panose="02040503050406030204" pitchFamily="18" charset="0"/>
+                              </a:rPr>
+                              <m:t>𝑛</m:t>
+                            </m:r>
+                            <m:r>
+                              <a:rPr lang="en-US" i="1">
+                                <a:latin typeface="Cambria Math" panose="02040503050406030204" pitchFamily="18" charset="0"/>
+                              </a:rPr>
+                              <m:t>−1</m:t>
+                            </m:r>
+                          </m:sub>
+                        </m:sSub>
+                        <m:r>
+                          <a:rPr lang="en-US" i="1">
+                            <a:latin typeface="Cambria Math" panose="02040503050406030204" pitchFamily="18" charset="0"/>
+                          </a:rPr>
+                          <m:t>+</m:t>
+                        </m:r>
+                        <m:sSub>
+                          <m:sSubPr>
+                            <m:ctrlPr>
+                              <a:rPr lang="en-US" i="1">
+                                <a:latin typeface="Cambria Math" panose="02040503050406030204" pitchFamily="18" charset="0"/>
+                              </a:rPr>
+                            </m:ctrlPr>
+                          </m:sSubPr>
+                          <m:e>
+                            <m:r>
+                              <m:rPr>
+                                <m:sty m:val="p"/>
+                              </m:rPr>
+                              <a:rPr lang="en-US">
+                                <a:latin typeface="Cambria Math" panose="02040503050406030204" pitchFamily="18" charset="0"/>
+                              </a:rPr>
+                              <m:t>Σ</m:t>
+                            </m:r>
+                          </m:e>
+                          <m:sub>
+                            <m:r>
+                              <a:rPr lang="en-US" i="1">
+                                <a:latin typeface="Cambria Math" panose="02040503050406030204" pitchFamily="18" charset="0"/>
+                              </a:rPr>
+                              <m:t>𝑛</m:t>
+                            </m:r>
+                          </m:sub>
+                        </m:sSub>
+                      </m:e>
+                    </m:d>
+                  </m:oMath>
+                </a14:m>
+                <a:endParaRPr lang="en-US" b="0" dirty="0"/>
+              </a:p>
+              <a:p>
+                <a14:m>
+                  <m:oMath xmlns:m="http://schemas.openxmlformats.org/officeDocument/2006/math">
+                    <m:sSup>
+                      <m:sSupPr>
+                        <m:ctrlPr>
+                          <a:rPr lang="en-US" b="0" i="1" smtClean="0">
+                            <a:latin typeface="Cambria Math" panose="02040503050406030204" pitchFamily="18" charset="0"/>
+                          </a:rPr>
+                        </m:ctrlPr>
+                      </m:sSupPr>
+                      <m:e>
+                        <m:r>
+                          <a:rPr lang="en-US" b="0" i="1" smtClean="0">
+                            <a:latin typeface="Cambria Math" panose="02040503050406030204" pitchFamily="18" charset="0"/>
+                          </a:rPr>
+                          <m:t>𝜎</m:t>
+                        </m:r>
+                      </m:e>
+                      <m:sup>
+                        <m:r>
+                          <a:rPr lang="en-US" b="0" i="1" smtClean="0">
+                            <a:latin typeface="Cambria Math" panose="02040503050406030204" pitchFamily="18" charset="0"/>
+                          </a:rPr>
+                          <m:t>2</m:t>
+                        </m:r>
+                      </m:sup>
+                    </m:sSup>
+                    <m:r>
+                      <a:rPr lang="en-US" b="0" i="1" smtClean="0">
+                        <a:latin typeface="Cambria Math" panose="02040503050406030204" pitchFamily="18" charset="0"/>
+                      </a:rPr>
+                      <m:t>=</m:t>
+                    </m:r>
+                    <m:sSup>
+                      <m:sSupPr>
+                        <m:ctrlPr>
+                          <a:rPr lang="en-US" b="0" i="1" smtClean="0">
+                            <a:latin typeface="Cambria Math" panose="02040503050406030204" pitchFamily="18" charset="0"/>
+                          </a:rPr>
+                        </m:ctrlPr>
+                      </m:sSupPr>
+                      <m:e>
+                        <m:r>
+                          <a:rPr lang="en-US" b="0" i="1" smtClean="0">
+                            <a:latin typeface="Cambria Math" panose="02040503050406030204" pitchFamily="18" charset="0"/>
+                          </a:rPr>
+                          <m:t>𝜌</m:t>
+                        </m:r>
+                      </m:e>
+                      <m:sup>
+                        <m:r>
+                          <a:rPr lang="en-US" b="0" i="1" smtClean="0">
+                            <a:latin typeface="Cambria Math" panose="02040503050406030204" pitchFamily="18" charset="0"/>
+                          </a:rPr>
+                          <m:t>2</m:t>
+                        </m:r>
+                      </m:sup>
+                    </m:sSup>
+                    <m:r>
+                      <a:rPr lang="en-US" b="0" i="1" smtClean="0">
+                        <a:latin typeface="Cambria Math" panose="02040503050406030204" pitchFamily="18" charset="0"/>
+                      </a:rPr>
+                      <m:t>×</m:t>
+                    </m:r>
+                    <m:sSup>
+                      <m:sSupPr>
+                        <m:ctrlPr>
+                          <a:rPr lang="en-US" b="0" i="1" smtClean="0">
+                            <a:latin typeface="Cambria Math" panose="02040503050406030204" pitchFamily="18" charset="0"/>
+                          </a:rPr>
+                        </m:ctrlPr>
+                      </m:sSupPr>
+                      <m:e>
+                        <m:r>
+                          <a:rPr lang="en-US" b="0" i="1" smtClean="0">
+                            <a:latin typeface="Cambria Math" panose="02040503050406030204" pitchFamily="18" charset="0"/>
+                          </a:rPr>
+                          <m:t>𝜎</m:t>
+                        </m:r>
+                      </m:e>
+                      <m:sup>
+                        <m:r>
+                          <a:rPr lang="en-US" b="0" i="1" smtClean="0">
+                            <a:latin typeface="Cambria Math" panose="02040503050406030204" pitchFamily="18" charset="0"/>
+                          </a:rPr>
+                          <m:t>2</m:t>
+                        </m:r>
+                      </m:sup>
+                    </m:sSup>
+                    <m:r>
+                      <a:rPr lang="en-US" b="0" i="1" smtClean="0">
+                        <a:latin typeface="Cambria Math" panose="02040503050406030204" pitchFamily="18" charset="0"/>
+                      </a:rPr>
+                      <m:t>+</m:t>
+                    </m:r>
+                    <m:r>
+                      <a:rPr lang="en-US" b="0" i="1" smtClean="0">
+                        <a:latin typeface="Cambria Math" panose="02040503050406030204" pitchFamily="18" charset="0"/>
+                      </a:rPr>
+                      <m:t>𝑣𝑎𝑟</m:t>
+                    </m:r>
+                    <m:d>
+                      <m:dPr>
+                        <m:ctrlPr>
+                          <a:rPr lang="en-US" b="0" i="1" smtClean="0">
+                            <a:latin typeface="Cambria Math" panose="02040503050406030204" pitchFamily="18" charset="0"/>
+                          </a:rPr>
+                        </m:ctrlPr>
+                      </m:dPr>
+                      <m:e>
+                        <m:sSub>
+                          <m:sSubPr>
+                            <m:ctrlPr>
+                              <a:rPr lang="en-US" b="0" i="1" smtClean="0">
+                                <a:latin typeface="Cambria Math" panose="02040503050406030204" pitchFamily="18" charset="0"/>
+                              </a:rPr>
+                            </m:ctrlPr>
+                          </m:sSubPr>
+                          <m:e>
+                            <m:r>
+                              <m:rPr>
+                                <m:sty m:val="p"/>
+                              </m:rPr>
+                              <a:rPr lang="en-US" b="0" i="0" smtClean="0">
+                                <a:latin typeface="Cambria Math" panose="02040503050406030204" pitchFamily="18" charset="0"/>
+                              </a:rPr>
+                              <m:t>Σ</m:t>
+                            </m:r>
+                          </m:e>
+                          <m:sub>
+                            <m:r>
+                              <a:rPr lang="en-US" b="0" i="1" smtClean="0">
+                                <a:latin typeface="Cambria Math" panose="02040503050406030204" pitchFamily="18" charset="0"/>
+                              </a:rPr>
+                              <m:t>𝑛</m:t>
+                            </m:r>
+                          </m:sub>
+                        </m:sSub>
+                      </m:e>
+                    </m:d>
+                  </m:oMath>
+                </a14:m>
+                <a:endParaRPr lang="en-US" b="0" dirty="0"/>
+              </a:p>
+              <a:p>
+                <a14:m>
+                  <m:oMath xmlns:m="http://schemas.openxmlformats.org/officeDocument/2006/math">
+                    <m:sSup>
+                      <m:sSupPr>
+                        <m:ctrlPr>
+                          <a:rPr lang="en-US" i="1">
+                            <a:latin typeface="Cambria Math" panose="02040503050406030204" pitchFamily="18" charset="0"/>
+                          </a:rPr>
+                        </m:ctrlPr>
+                      </m:sSupPr>
+                      <m:e>
+                        <m:r>
+                          <a:rPr lang="en-US" i="1">
+                            <a:latin typeface="Cambria Math" panose="02040503050406030204" pitchFamily="18" charset="0"/>
+                          </a:rPr>
+                          <m:t>𝜎</m:t>
+                        </m:r>
+                      </m:e>
+                      <m:sup>
+                        <m:r>
+                          <a:rPr lang="en-US" i="1">
+                            <a:latin typeface="Cambria Math" panose="02040503050406030204" pitchFamily="18" charset="0"/>
+                          </a:rPr>
+                          <m:t>2</m:t>
+                        </m:r>
+                      </m:sup>
+                    </m:sSup>
+                    <m:r>
+                      <a:rPr lang="en-US" i="1">
+                        <a:latin typeface="Cambria Math" panose="02040503050406030204" pitchFamily="18" charset="0"/>
+                      </a:rPr>
+                      <m:t>=</m:t>
+                    </m:r>
+                    <m:sSup>
+                      <m:sSupPr>
+                        <m:ctrlPr>
+                          <a:rPr lang="en-US" i="1">
+                            <a:latin typeface="Cambria Math" panose="02040503050406030204" pitchFamily="18" charset="0"/>
+                          </a:rPr>
+                        </m:ctrlPr>
+                      </m:sSupPr>
+                      <m:e>
+                        <m:r>
+                          <a:rPr lang="en-US" i="1">
+                            <a:latin typeface="Cambria Math" panose="02040503050406030204" pitchFamily="18" charset="0"/>
+                          </a:rPr>
+                          <m:t>𝜌</m:t>
+                        </m:r>
+                      </m:e>
+                      <m:sup>
+                        <m:r>
+                          <a:rPr lang="en-US" i="1">
+                            <a:latin typeface="Cambria Math" panose="02040503050406030204" pitchFamily="18" charset="0"/>
+                          </a:rPr>
+                          <m:t>2</m:t>
+                        </m:r>
+                      </m:sup>
+                    </m:sSup>
+                    <m:r>
+                      <a:rPr lang="en-US" i="1">
+                        <a:latin typeface="Cambria Math" panose="02040503050406030204" pitchFamily="18" charset="0"/>
+                      </a:rPr>
+                      <m:t>×</m:t>
+                    </m:r>
+                    <m:sSup>
+                      <m:sSupPr>
+                        <m:ctrlPr>
+                          <a:rPr lang="en-US" i="1">
+                            <a:latin typeface="Cambria Math" panose="02040503050406030204" pitchFamily="18" charset="0"/>
+                          </a:rPr>
+                        </m:ctrlPr>
+                      </m:sSupPr>
+                      <m:e>
+                        <m:r>
+                          <a:rPr lang="en-US" i="1">
+                            <a:latin typeface="Cambria Math" panose="02040503050406030204" pitchFamily="18" charset="0"/>
+                          </a:rPr>
+                          <m:t>𝜎</m:t>
+                        </m:r>
+                      </m:e>
+                      <m:sup>
+                        <m:r>
+                          <a:rPr lang="en-US" i="1">
+                            <a:latin typeface="Cambria Math" panose="02040503050406030204" pitchFamily="18" charset="0"/>
+                          </a:rPr>
+                          <m:t>2</m:t>
+                        </m:r>
+                      </m:sup>
+                    </m:sSup>
+                    <m:r>
+                      <a:rPr lang="en-US" i="1">
+                        <a:latin typeface="Cambria Math" panose="02040503050406030204" pitchFamily="18" charset="0"/>
+                      </a:rPr>
+                      <m:t>+</m:t>
+                    </m:r>
+                    <m:sSubSup>
+                      <m:sSubSupPr>
+                        <m:ctrlPr>
+                          <a:rPr lang="en-US" b="0" i="1" smtClean="0">
+                            <a:latin typeface="Cambria Math" panose="02040503050406030204" pitchFamily="18" charset="0"/>
+                          </a:rPr>
+                        </m:ctrlPr>
+                      </m:sSubSupPr>
+                      <m:e>
+                        <m:r>
+                          <a:rPr lang="en-US" b="0" i="1" smtClean="0">
+                            <a:latin typeface="Cambria Math" panose="02040503050406030204" pitchFamily="18" charset="0"/>
+                          </a:rPr>
+                          <m:t>𝜎</m:t>
+                        </m:r>
+                      </m:e>
+                      <m:sub>
+                        <m:r>
+                          <a:rPr lang="en-US" b="0" i="1" smtClean="0">
+                            <a:latin typeface="Cambria Math" panose="02040503050406030204" pitchFamily="18" charset="0"/>
+                          </a:rPr>
+                          <m:t>𝐴𝑅</m:t>
+                        </m:r>
+                        <m:r>
+                          <a:rPr lang="en-US" b="0" i="1" smtClean="0">
+                            <a:latin typeface="Cambria Math" panose="02040503050406030204" pitchFamily="18" charset="0"/>
+                          </a:rPr>
+                          <m:t>1</m:t>
+                        </m:r>
+                      </m:sub>
+                      <m:sup>
+                        <m:r>
+                          <a:rPr lang="en-US" b="0" i="1" smtClean="0">
+                            <a:latin typeface="Cambria Math" panose="02040503050406030204" pitchFamily="18" charset="0"/>
+                          </a:rPr>
+                          <m:t>2</m:t>
+                        </m:r>
+                      </m:sup>
+                    </m:sSubSup>
+                  </m:oMath>
+                </a14:m>
+                <a:endParaRPr lang="en-US" b="0" dirty="0"/>
+              </a:p>
+              <a:p>
+                <a14:m>
+                  <m:oMath xmlns:m="http://schemas.openxmlformats.org/officeDocument/2006/math">
+                    <m:sSup>
+                      <m:sSupPr>
+                        <m:ctrlPr>
+                          <a:rPr lang="en-US" i="1">
+                            <a:latin typeface="Cambria Math" panose="02040503050406030204" pitchFamily="18" charset="0"/>
+                          </a:rPr>
+                        </m:ctrlPr>
+                      </m:sSupPr>
+                      <m:e>
+                        <m:r>
+                          <a:rPr lang="en-US" i="1">
+                            <a:latin typeface="Cambria Math" panose="02040503050406030204" pitchFamily="18" charset="0"/>
+                          </a:rPr>
+                          <m:t>𝜎</m:t>
+                        </m:r>
+                      </m:e>
+                      <m:sup>
+                        <m:r>
+                          <a:rPr lang="en-US" i="1">
+                            <a:latin typeface="Cambria Math" panose="02040503050406030204" pitchFamily="18" charset="0"/>
+                          </a:rPr>
+                          <m:t>2</m:t>
+                        </m:r>
+                      </m:sup>
+                    </m:sSup>
+                    <m:r>
+                      <a:rPr lang="en-US" b="0" i="1" smtClean="0">
+                        <a:latin typeface="Cambria Math" panose="02040503050406030204" pitchFamily="18" charset="0"/>
+                      </a:rPr>
+                      <m:t>(1−</m:t>
+                    </m:r>
+                    <m:sSup>
+                      <m:sSupPr>
+                        <m:ctrlPr>
+                          <a:rPr lang="en-US" b="0" i="1" smtClean="0">
+                            <a:latin typeface="Cambria Math" panose="02040503050406030204" pitchFamily="18" charset="0"/>
+                          </a:rPr>
+                        </m:ctrlPr>
+                      </m:sSupPr>
+                      <m:e>
+                        <m:r>
+                          <a:rPr lang="en-US" b="0" i="1" smtClean="0">
+                            <a:latin typeface="Cambria Math" panose="02040503050406030204" pitchFamily="18" charset="0"/>
+                          </a:rPr>
+                          <m:t>𝜌</m:t>
+                        </m:r>
+                      </m:e>
+                      <m:sup>
+                        <m:r>
+                          <a:rPr lang="en-US" b="0" i="1" smtClean="0">
+                            <a:latin typeface="Cambria Math" panose="02040503050406030204" pitchFamily="18" charset="0"/>
+                          </a:rPr>
+                          <m:t>2</m:t>
+                        </m:r>
+                      </m:sup>
+                    </m:sSup>
+                    <m:r>
+                      <a:rPr lang="en-US" b="0" i="1" smtClean="0">
+                        <a:latin typeface="Cambria Math" panose="02040503050406030204" pitchFamily="18" charset="0"/>
+                      </a:rPr>
+                      <m:t>)</m:t>
+                    </m:r>
+                    <m:r>
+                      <a:rPr lang="en-US" i="1">
+                        <a:latin typeface="Cambria Math" panose="02040503050406030204" pitchFamily="18" charset="0"/>
+                      </a:rPr>
+                      <m:t>=</m:t>
+                    </m:r>
+                    <m:sSubSup>
+                      <m:sSubSupPr>
+                        <m:ctrlPr>
+                          <a:rPr lang="en-US" i="1">
+                            <a:latin typeface="Cambria Math" panose="02040503050406030204" pitchFamily="18" charset="0"/>
+                          </a:rPr>
+                        </m:ctrlPr>
+                      </m:sSubSupPr>
+                      <m:e>
+                        <m:r>
+                          <a:rPr lang="en-US" i="1">
+                            <a:latin typeface="Cambria Math" panose="02040503050406030204" pitchFamily="18" charset="0"/>
+                          </a:rPr>
+                          <m:t>𝜎</m:t>
+                        </m:r>
+                      </m:e>
+                      <m:sub>
+                        <m:r>
+                          <a:rPr lang="en-US" i="1">
+                            <a:latin typeface="Cambria Math" panose="02040503050406030204" pitchFamily="18" charset="0"/>
+                          </a:rPr>
+                          <m:t>𝐴𝑅</m:t>
+                        </m:r>
+                        <m:r>
+                          <a:rPr lang="en-US" i="1">
+                            <a:latin typeface="Cambria Math" panose="02040503050406030204" pitchFamily="18" charset="0"/>
+                          </a:rPr>
+                          <m:t>1</m:t>
+                        </m:r>
+                      </m:sub>
+                      <m:sup>
+                        <m:r>
+                          <a:rPr lang="en-US" i="1">
+                            <a:latin typeface="Cambria Math" panose="02040503050406030204" pitchFamily="18" charset="0"/>
+                          </a:rPr>
+                          <m:t>2</m:t>
+                        </m:r>
+                      </m:sup>
+                    </m:sSubSup>
+                  </m:oMath>
+                </a14:m>
+                <a:endParaRPr lang="en-US" b="0" dirty="0"/>
+              </a:p>
+              <a:p>
+                <a:r>
+                  <a:rPr lang="en-US" dirty="0"/>
+                  <a:t>Will put each variable means</a:t>
+                </a:r>
+                <a:endParaRPr lang="en-US" b="0" dirty="0"/>
+              </a:p>
+              <a:p>
+                <a:endParaRPr lang="en-US" b="0" dirty="0"/>
+              </a:p>
+              <a:p>
+                <a:endParaRPr lang="en-US" b="0" dirty="0"/>
+              </a:p>
+              <a:p>
+                <a:endParaRPr lang="en-US" dirty="0"/>
+              </a:p>
+            </p:txBody>
+          </p:sp>
+        </mc:Choice>
+        <mc:Fallback>
+          <p:sp>
+            <p:nvSpPr>
+              <p:cNvPr id="3" name="Content Placeholder 2">
+                <a:extLst>
+                  <a:ext uri="{FF2B5EF4-FFF2-40B4-BE49-F238E27FC236}">
+                    <a16:creationId xmlns:a16="http://schemas.microsoft.com/office/drawing/2014/main" id="{DDA4DCC2-56D4-4FEB-BA98-1C25194A0BD4}"/>
+                  </a:ext>
+                </a:extLst>
+              </p:cNvPr>
+              <p:cNvSpPr>
+                <a:spLocks noGrp="1" noRot="1" noChangeAspect="1" noMove="1" noResize="1" noEditPoints="1" noAdjustHandles="1" noChangeArrowheads="1" noChangeShapeType="1" noTextEdit="1"/>
+              </p:cNvSpPr>
+              <p:nvPr>
+                <p:ph idx="1"/>
+              </p:nvPr>
+            </p:nvSpPr>
+            <p:spPr>
+              <a:xfrm>
+                <a:off x="838200" y="1315453"/>
+                <a:ext cx="10515600" cy="4861509"/>
+              </a:xfrm>
+              <a:blipFill>
+                <a:blip r:embed="rId2"/>
+                <a:stretch>
+                  <a:fillRect l="-1043"/>
+                </a:stretch>
+              </a:blipFill>
+            </p:spPr>
+            <p:txBody>
+              <a:bodyPr/>
+              <a:lstStyle/>
+              <a:p>
+                <a:r>
+                  <a:rPr lang="en-US">
+                    <a:noFill/>
+                  </a:rPr>
+                  <a:t> </a:t>
+                </a:r>
+              </a:p>
+            </p:txBody>
+          </p:sp>
+        </mc:Fallback>
+      </mc:AlternateContent>
+      <p:sp>
+        <p:nvSpPr>
+          <p:cNvPr id="4" name="Title 1">
+            <a:extLst>
+              <a:ext uri="{FF2B5EF4-FFF2-40B4-BE49-F238E27FC236}">
+                <a16:creationId xmlns:a16="http://schemas.microsoft.com/office/drawing/2014/main" id="{56632757-107D-438A-BA93-6EBF49DFD064}"/>
+              </a:ext>
+            </a:extLst>
+          </p:cNvPr>
+          <p:cNvSpPr>
+            <a:spLocks noGrp="1"/>
+          </p:cNvSpPr>
+          <p:nvPr>
+            <p:ph type="title"/>
+          </p:nvPr>
+        </p:nvSpPr>
+        <p:spPr>
+          <a:xfrm>
+            <a:off x="838200" y="365126"/>
+            <a:ext cx="10515600" cy="950328"/>
+          </a:xfrm>
+        </p:spPr>
+        <p:txBody>
+          <a:bodyPr/>
+          <a:lstStyle/>
+          <a:p>
+            <a:r>
+              <a:rPr lang="en-US" dirty="0"/>
+              <a:t>Building the AR1 Matrix</a:t>
+            </a:r>
+          </a:p>
+        </p:txBody>
+      </p:sp>
+    </p:spTree>
+    <p:extLst>
+      <p:ext uri="{BB962C8B-B14F-4D97-AF65-F5344CB8AC3E}">
+        <p14:creationId xmlns:p14="http://schemas.microsoft.com/office/powerpoint/2010/main" val="2434353050"/>
+      </p:ext>
+    </p:extLst>
+  </p:cSld>
+  <p:clrMapOvr>
+    <a:masterClrMapping/>
+  </p:clrMapOvr>
+</p:sld>
+</file>
+
+<file path=ppt/slides/slide11.xml><?xml version="1.0" encoding="utf-8"?>
+<p:sld xmlns:a="http://schemas.openxmlformats.org/drawingml/2006/main" xmlns:r="http://schemas.openxmlformats.org/officeDocument/2006/relationships" xmlns:p="http://schemas.openxmlformats.org/presentationml/2006/main">
+  <p:cSld>
+    <p:spTree>
+      <p:nvGrpSpPr>
+        <p:cNvPr id="1" name=""/>
+        <p:cNvGrpSpPr/>
+        <p:nvPr/>
+      </p:nvGrpSpPr>
+      <p:grpSpPr>
+        <a:xfrm>
+          <a:off x="0" y="0"/>
+          <a:ext cx="0" cy="0"/>
+          <a:chOff x="0" y="0"/>
+          <a:chExt cx="0" cy="0"/>
+        </a:xfrm>
+      </p:grpSpPr>
+      <p:sp>
+        <p:nvSpPr>
+          <p:cNvPr id="2" name="Title 1">
+            <a:extLst>
+              <a:ext uri="{FF2B5EF4-FFF2-40B4-BE49-F238E27FC236}">
+                <a16:creationId xmlns:a16="http://schemas.microsoft.com/office/drawing/2014/main" id="{BA40C42D-2B0E-4A61-B209-7B875EE7A19C}"/>
+              </a:ext>
+            </a:extLst>
+          </p:cNvPr>
+          <p:cNvSpPr>
+            <a:spLocks noGrp="1"/>
+          </p:cNvSpPr>
+          <p:nvPr>
+            <p:ph type="title"/>
+          </p:nvPr>
+        </p:nvSpPr>
+        <p:spPr/>
+        <p:txBody>
+          <a:bodyPr/>
+          <a:lstStyle/>
+          <a:p>
+            <a:r>
+              <a:rPr lang="en-US" dirty="0"/>
+              <a:t>AR1 Matrix</a:t>
+            </a:r>
+          </a:p>
+        </p:txBody>
+      </p:sp>
+      <p:sp>
+        <p:nvSpPr>
+          <p:cNvPr id="5" name="Content Placeholder 2">
+            <a:extLst>
+              <a:ext uri="{FF2B5EF4-FFF2-40B4-BE49-F238E27FC236}">
+                <a16:creationId xmlns:a16="http://schemas.microsoft.com/office/drawing/2014/main" id="{F99751B2-D479-42C9-BDDE-01F72208421C}"/>
+              </a:ext>
+            </a:extLst>
+          </p:cNvPr>
+          <p:cNvSpPr>
+            <a:spLocks noGrp="1"/>
+          </p:cNvSpPr>
+          <p:nvPr>
+            <p:ph idx="1"/>
+          </p:nvPr>
+        </p:nvSpPr>
+        <p:spPr>
+          <a:xfrm>
+            <a:off x="838200" y="5129296"/>
+            <a:ext cx="10515600" cy="1363579"/>
+          </a:xfrm>
+        </p:spPr>
+        <p:txBody>
+          <a:bodyPr/>
+          <a:lstStyle/>
+          <a:p>
+            <a:r>
+              <a:rPr lang="en-US" dirty="0"/>
+              <a:t>In the AR1 Matrix, we account for sea levels, but we want to account for the uncertainties for temperatures and ocean heat along with the correlated residuals.</a:t>
+            </a:r>
+          </a:p>
+        </p:txBody>
+      </p:sp>
+      <mc:AlternateContent xmlns:mc="http://schemas.openxmlformats.org/markup-compatibility/2006">
+        <mc:Choice xmlns:a14="http://schemas.microsoft.com/office/drawing/2010/main" Requires="a14">
+          <p:sp>
+            <p:nvSpPr>
+              <p:cNvPr id="4" name="Rectangle 3">
+                <a:extLst>
+                  <a:ext uri="{FF2B5EF4-FFF2-40B4-BE49-F238E27FC236}">
+                    <a16:creationId xmlns:a16="http://schemas.microsoft.com/office/drawing/2014/main" id="{10F566C3-3256-48D3-8ECD-339EEFC1A330}"/>
+                  </a:ext>
+                </a:extLst>
+              </p:cNvPr>
+              <p:cNvSpPr/>
+              <p:nvPr/>
+            </p:nvSpPr>
+            <p:spPr>
+              <a:xfrm>
+                <a:off x="1845733" y="2922589"/>
+                <a:ext cx="3691467" cy="531428"/>
+              </a:xfrm>
+              <a:prstGeom prst="rect">
+                <a:avLst/>
+              </a:prstGeom>
+            </p:spPr>
+            <p:txBody>
+              <a:bodyPr wrap="square">
+                <a:spAutoFit/>
+              </a:bodyPr>
+              <a:lstStyle/>
+              <a:p>
+                <a14:m>
+                  <m:oMath xmlns:m="http://schemas.openxmlformats.org/officeDocument/2006/math">
+                    <m:sSub>
+                      <m:sSubPr>
+                        <m:ctrlPr>
+                          <a:rPr lang="en-US" sz="2800" i="1">
+                            <a:latin typeface="Cambria Math" panose="02040503050406030204" pitchFamily="18" charset="0"/>
+                          </a:rPr>
+                        </m:ctrlPr>
+                      </m:sSubPr>
+                      <m:e>
+                        <m:r>
+                          <m:rPr>
+                            <m:sty m:val="p"/>
+                          </m:rPr>
+                          <a:rPr lang="en-US" sz="2800">
+                            <a:latin typeface="Cambria Math" panose="02040503050406030204" pitchFamily="18" charset="0"/>
+                          </a:rPr>
+                          <m:t>Σ</m:t>
+                        </m:r>
+                      </m:e>
+                      <m:sub>
+                        <m:r>
+                          <a:rPr lang="en-US" sz="2800" i="1">
+                            <a:latin typeface="Cambria Math" panose="02040503050406030204" pitchFamily="18" charset="0"/>
+                          </a:rPr>
+                          <m:t>𝐴𝑅</m:t>
+                        </m:r>
+                        <m:r>
+                          <a:rPr lang="en-US" sz="2800" i="1">
+                            <a:latin typeface="Cambria Math" panose="02040503050406030204" pitchFamily="18" charset="0"/>
+                          </a:rPr>
+                          <m:t>1</m:t>
+                        </m:r>
+                      </m:sub>
+                    </m:sSub>
+                    <m:r>
+                      <a:rPr lang="en-US" sz="2800" i="1">
+                        <a:latin typeface="Cambria Math" panose="02040503050406030204" pitchFamily="18" charset="0"/>
+                      </a:rPr>
+                      <m:t>=</m:t>
+                    </m:r>
+                  </m:oMath>
+                </a14:m>
+                <a:r>
+                  <a:rPr lang="en-US" sz="2800" dirty="0"/>
+                  <a:t> </a:t>
+                </a:r>
+                <a14:m>
+                  <m:oMath xmlns:m="http://schemas.openxmlformats.org/officeDocument/2006/math">
+                    <m:sSubSup>
+                      <m:sSubSupPr>
+                        <m:ctrlPr>
+                          <a:rPr lang="en-US" sz="2800" i="1">
+                            <a:latin typeface="Cambria Math" panose="02040503050406030204" pitchFamily="18" charset="0"/>
+                          </a:rPr>
+                        </m:ctrlPr>
+                      </m:sSubSupPr>
+                      <m:e>
+                        <m:r>
+                          <a:rPr lang="en-US" sz="2800" i="1">
+                            <a:latin typeface="Cambria Math" panose="02040503050406030204" pitchFamily="18" charset="0"/>
+                          </a:rPr>
+                          <m:t>𝜎</m:t>
+                        </m:r>
+                      </m:e>
+                      <m:sub>
+                        <m:r>
+                          <a:rPr lang="en-US" sz="2800" i="1">
+                            <a:latin typeface="Cambria Math" panose="02040503050406030204" pitchFamily="18" charset="0"/>
+                          </a:rPr>
+                          <m:t>𝐴𝑅</m:t>
+                        </m:r>
+                        <m:r>
+                          <a:rPr lang="en-US" sz="2800" i="1">
+                            <a:latin typeface="Cambria Math" panose="02040503050406030204" pitchFamily="18" charset="0"/>
+                          </a:rPr>
+                          <m:t>1</m:t>
+                        </m:r>
+                      </m:sub>
+                      <m:sup>
+                        <m:r>
+                          <a:rPr lang="en-US" sz="2800" i="1">
+                            <a:latin typeface="Cambria Math" panose="02040503050406030204" pitchFamily="18" charset="0"/>
+                          </a:rPr>
+                          <m:t>2</m:t>
+                        </m:r>
+                      </m:sup>
+                    </m:sSubSup>
+                  </m:oMath>
+                </a14:m>
+                <a:r>
+                  <a:rPr lang="en-US" sz="2800" dirty="0"/>
+                  <a:t>/ </a:t>
+                </a:r>
+                <a14:m>
+                  <m:oMath xmlns:m="http://schemas.openxmlformats.org/officeDocument/2006/math">
+                    <m:r>
+                      <a:rPr lang="en-US" sz="2800" i="1">
+                        <a:latin typeface="Cambria Math" panose="02040503050406030204" pitchFamily="18" charset="0"/>
+                      </a:rPr>
+                      <m:t>1−</m:t>
+                    </m:r>
+                    <m:sSubSup>
+                      <m:sSubSupPr>
+                        <m:ctrlPr>
+                          <a:rPr lang="en-US" sz="2800" i="1">
+                            <a:latin typeface="Cambria Math" panose="02040503050406030204" pitchFamily="18" charset="0"/>
+                          </a:rPr>
+                        </m:ctrlPr>
+                      </m:sSubSupPr>
+                      <m:e>
+                        <m:r>
+                          <a:rPr lang="en-US" sz="2800" i="1">
+                            <a:latin typeface="Cambria Math" panose="02040503050406030204" pitchFamily="18" charset="0"/>
+                          </a:rPr>
+                          <m:t>𝜌</m:t>
+                        </m:r>
+                      </m:e>
+                      <m:sub>
+                        <m:r>
+                          <a:rPr lang="en-US" sz="2800" i="1">
+                            <a:latin typeface="Cambria Math" panose="02040503050406030204" pitchFamily="18" charset="0"/>
+                          </a:rPr>
+                          <m:t>𝐴𝑅</m:t>
+                        </m:r>
+                        <m:r>
+                          <a:rPr lang="en-US" sz="2800" i="1">
+                            <a:latin typeface="Cambria Math" panose="02040503050406030204" pitchFamily="18" charset="0"/>
+                          </a:rPr>
+                          <m:t>1</m:t>
+                        </m:r>
+                      </m:sub>
+                      <m:sup>
+                        <m:r>
+                          <a:rPr lang="en-US" sz="2800" i="1">
+                            <a:latin typeface="Cambria Math" panose="02040503050406030204" pitchFamily="18" charset="0"/>
+                          </a:rPr>
+                          <m:t>2</m:t>
+                        </m:r>
+                      </m:sup>
+                    </m:sSubSup>
+                    <m:r>
+                      <a:rPr lang="en-US" sz="2800" i="1">
+                        <a:latin typeface="Cambria Math" panose="02040503050406030204" pitchFamily="18" charset="0"/>
+                      </a:rPr>
+                      <m:t> </m:t>
+                    </m:r>
+                  </m:oMath>
+                </a14:m>
+                <a:endParaRPr lang="en-US" sz="2800" dirty="0"/>
+              </a:p>
+            </p:txBody>
+          </p:sp>
+        </mc:Choice>
+        <mc:Fallback>
+          <p:sp>
+            <p:nvSpPr>
+              <p:cNvPr id="4" name="Rectangle 3">
+                <a:extLst>
+                  <a:ext uri="{FF2B5EF4-FFF2-40B4-BE49-F238E27FC236}">
+                    <a16:creationId xmlns:a16="http://schemas.microsoft.com/office/drawing/2014/main" id="{10F566C3-3256-48D3-8ECD-339EEFC1A330}"/>
+                  </a:ext>
+                </a:extLst>
+              </p:cNvPr>
+              <p:cNvSpPr>
+                <a:spLocks noRot="1" noChangeAspect="1" noMove="1" noResize="1" noEditPoints="1" noAdjustHandles="1" noChangeArrowheads="1" noChangeShapeType="1" noTextEdit="1"/>
+              </p:cNvSpPr>
+              <p:nvPr/>
+            </p:nvSpPr>
+            <p:spPr>
+              <a:xfrm>
+                <a:off x="1845733" y="2922589"/>
+                <a:ext cx="3691467" cy="531428"/>
+              </a:xfrm>
+              <a:prstGeom prst="rect">
+                <a:avLst/>
+              </a:prstGeom>
+              <a:blipFill>
+                <a:blip r:embed="rId2"/>
+                <a:stretch>
+                  <a:fillRect t="-9091" b="-30682"/>
+                </a:stretch>
+              </a:blipFill>
+            </p:spPr>
+            <p:txBody>
+              <a:bodyPr/>
+              <a:lstStyle/>
+              <a:p>
+                <a:r>
+                  <a:rPr lang="en-US">
+                    <a:noFill/>
+                  </a:rPr>
+                  <a:t> </a:t>
+                </a:r>
+              </a:p>
+            </p:txBody>
+          </p:sp>
+        </mc:Fallback>
+      </mc:AlternateContent>
+      <mc:AlternateContent xmlns:mc="http://schemas.openxmlformats.org/markup-compatibility/2006">
+        <mc:Choice xmlns:a14="http://schemas.microsoft.com/office/drawing/2010/main" Requires="a14">
+          <p:graphicFrame>
+            <p:nvGraphicFramePr>
+              <p:cNvPr id="6" name="Table 5">
+                <a:extLst>
+                  <a:ext uri="{FF2B5EF4-FFF2-40B4-BE49-F238E27FC236}">
+                    <a16:creationId xmlns:a16="http://schemas.microsoft.com/office/drawing/2014/main" id="{E2A87B87-38A0-4161-B399-FC28948DD2A8}"/>
+                  </a:ext>
+                </a:extLst>
+              </p:cNvPr>
+              <p:cNvGraphicFramePr>
+                <a:graphicFrameLocks noGrp="1"/>
+              </p:cNvGraphicFramePr>
+              <p:nvPr>
+                <p:extLst>
+                  <p:ext uri="{D42A27DB-BD31-4B8C-83A1-F6EECF244321}">
+                    <p14:modId xmlns:p14="http://schemas.microsoft.com/office/powerpoint/2010/main" val="4203199658"/>
+                  </p:ext>
+                </p:extLst>
+              </p:nvPr>
+            </p:nvGraphicFramePr>
+            <p:xfrm>
+              <a:off x="5537200" y="1690688"/>
+              <a:ext cx="4064000" cy="2995230"/>
+            </p:xfrm>
+            <a:graphic>
+              <a:graphicData uri="http://schemas.openxmlformats.org/drawingml/2006/table">
+                <a:tbl>
+                  <a:tblPr firstRow="1" bandRow="1">
+                    <a:tableStyleId>{2D5ABB26-0587-4C30-8999-92F81FD0307C}</a:tableStyleId>
+                  </a:tblPr>
+                  <a:tblGrid>
+                    <a:gridCol w="812800">
+                      <a:extLst>
+                        <a:ext uri="{9D8B030D-6E8A-4147-A177-3AD203B41FA5}">
+                          <a16:colId xmlns:a16="http://schemas.microsoft.com/office/drawing/2014/main" val="4056166537"/>
+                        </a:ext>
+                      </a:extLst>
+                    </a:gridCol>
+                    <a:gridCol w="812800">
+                      <a:extLst>
+                        <a:ext uri="{9D8B030D-6E8A-4147-A177-3AD203B41FA5}">
+                          <a16:colId xmlns:a16="http://schemas.microsoft.com/office/drawing/2014/main" val="3077311197"/>
+                        </a:ext>
+                      </a:extLst>
+                    </a:gridCol>
+                    <a:gridCol w="812800">
+                      <a:extLst>
+                        <a:ext uri="{9D8B030D-6E8A-4147-A177-3AD203B41FA5}">
+                          <a16:colId xmlns:a16="http://schemas.microsoft.com/office/drawing/2014/main" val="437580007"/>
+                        </a:ext>
+                      </a:extLst>
+                    </a:gridCol>
+                    <a:gridCol w="812800">
+                      <a:extLst>
+                        <a:ext uri="{9D8B030D-6E8A-4147-A177-3AD203B41FA5}">
+                          <a16:colId xmlns:a16="http://schemas.microsoft.com/office/drawing/2014/main" val="3110053692"/>
+                        </a:ext>
+                      </a:extLst>
+                    </a:gridCol>
+                    <a:gridCol w="812800">
+                      <a:extLst>
+                        <a:ext uri="{9D8B030D-6E8A-4147-A177-3AD203B41FA5}">
+                          <a16:colId xmlns:a16="http://schemas.microsoft.com/office/drawing/2014/main" val="1661254295"/>
+                        </a:ext>
+                      </a:extLst>
+                    </a:gridCol>
+                  </a:tblGrid>
+                  <a:tr h="599046">
+                    <a:tc>
+                      <a:txBody>
+                        <a:bodyPr/>
+                        <a:lstStyle/>
+                        <a:p>
+                          <a:pPr/>
+                          <a14:m>
+                            <m:oMathPara xmlns:m="http://schemas.openxmlformats.org/officeDocument/2006/math">
+                              <m:oMathParaPr>
+                                <m:jc m:val="centerGroup"/>
+                              </m:oMathParaPr>
+                              <m:oMath xmlns:m="http://schemas.openxmlformats.org/officeDocument/2006/math">
+                                <m:r>
+                                  <a:rPr lang="en-US" sz="3200" b="0" i="1" smtClean="0">
+                                    <a:latin typeface="Cambria Math" panose="02040503050406030204" pitchFamily="18" charset="0"/>
+                                  </a:rPr>
+                                  <m:t>1</m:t>
+                                </m:r>
+                              </m:oMath>
+                            </m:oMathPara>
+                          </a14:m>
+                          <a:endParaRPr lang="en-US" sz="3200" dirty="0"/>
+                        </a:p>
+                      </a:txBody>
+                      <a:tcPr>
+                        <a:lnL w="12700" cap="flat" cmpd="sng" algn="ctr">
+                          <a:solidFill>
+                            <a:schemeClr val="tx1"/>
+                          </a:solidFill>
+                          <a:prstDash val="solid"/>
+                          <a:round/>
+                          <a:headEnd type="none" w="med" len="med"/>
+                          <a:tailEnd type="none" w="med" len="med"/>
+                        </a:lnL>
+                        <a:lnR w="12700" cap="flat" cmpd="sng" algn="ctr">
+                          <a:noFill/>
+                          <a:prstDash val="solid"/>
+                          <a:round/>
+                          <a:headEnd type="none" w="med" len="med"/>
+                          <a:tailEnd type="none" w="med" len="med"/>
+                        </a:lnR>
+                        <a:lnT w="12700" cap="flat" cmpd="sng" algn="ctr">
+                          <a:noFill/>
+                          <a:prstDash val="solid"/>
+                          <a:round/>
+                          <a:headEnd type="none" w="med" len="med"/>
+                          <a:tailEnd type="none" w="med" len="med"/>
+                        </a:lnT>
+                        <a:lnB w="12700" cap="flat" cmpd="sng" algn="ctr">
+                          <a:noFill/>
+                          <a:prstDash val="solid"/>
+                          <a:round/>
+                          <a:headEnd type="none" w="med" len="med"/>
+                          <a:tailEnd type="none" w="med" len="med"/>
+                        </a:lnB>
+                        <a:lnTlToBr w="12700" cmpd="sng">
+                          <a:noFill/>
+                          <a:prstDash val="solid"/>
+                        </a:lnTlToBr>
+                        <a:lnBlToTr w="12700" cmpd="sng">
+                          <a:noFill/>
+                          <a:prstDash val="solid"/>
+                        </a:lnBlToTr>
+                      </a:tcPr>
+                    </a:tc>
+                    <a:tc>
+                      <a:txBody>
+                        <a:bodyPr/>
+                        <a:lstStyle/>
+                        <a:p>
+                          <a:pPr/>
+                          <a14:m>
+                            <m:oMathPara xmlns:m="http://schemas.openxmlformats.org/officeDocument/2006/math">
+                              <m:oMathParaPr>
+                                <m:jc m:val="centerGroup"/>
+                              </m:oMathParaPr>
+                              <m:oMath xmlns:m="http://schemas.openxmlformats.org/officeDocument/2006/math">
+                                <m:r>
+                                  <a:rPr lang="en-US" sz="3200" b="0" i="1" smtClean="0">
+                                    <a:latin typeface="Cambria Math" panose="02040503050406030204" pitchFamily="18" charset="0"/>
+                                  </a:rPr>
+                                  <m:t>𝜌</m:t>
+                                </m:r>
+                              </m:oMath>
+                            </m:oMathPara>
+                          </a14:m>
+                          <a:endParaRPr lang="en-US" sz="3200" dirty="0"/>
+                        </a:p>
+                      </a:txBody>
+                      <a:tcPr>
+                        <a:lnL w="12700" cap="flat" cmpd="sng" algn="ctr">
+                          <a:noFill/>
+                          <a:prstDash val="solid"/>
+                          <a:round/>
+                          <a:headEnd type="none" w="med" len="med"/>
+                          <a:tailEnd type="none" w="med" len="med"/>
+                        </a:lnL>
+                        <a:lnR w="12700" cap="flat" cmpd="sng" algn="ctr">
+                          <a:noFill/>
+                          <a:prstDash val="solid"/>
+                          <a:round/>
+                          <a:headEnd type="none" w="med" len="med"/>
+                          <a:tailEnd type="none" w="med" len="med"/>
+                        </a:lnR>
+                        <a:lnT w="12700" cap="flat" cmpd="sng" algn="ctr">
+                          <a:noFill/>
+                          <a:prstDash val="solid"/>
+                          <a:round/>
+                          <a:headEnd type="none" w="med" len="med"/>
+                          <a:tailEnd type="none" w="med" len="med"/>
+                        </a:lnT>
+                        <a:lnB w="12700" cap="flat" cmpd="sng" algn="ctr">
+                          <a:noFill/>
+                          <a:prstDash val="solid"/>
+                          <a:round/>
+                          <a:headEnd type="none" w="med" len="med"/>
+                          <a:tailEnd type="none" w="med" len="med"/>
+                        </a:lnB>
+                        <a:lnTlToBr w="12700" cmpd="sng">
+                          <a:noFill/>
+                          <a:prstDash val="solid"/>
+                        </a:lnTlToBr>
+                        <a:lnBlToTr w="12700" cmpd="sng">
+                          <a:noFill/>
+                          <a:prstDash val="solid"/>
+                        </a:lnBlToTr>
+                      </a:tcPr>
+                    </a:tc>
+                    <a:tc>
+                      <a:txBody>
+                        <a:bodyPr/>
+                        <a:lstStyle/>
+                        <a:p>
+                          <a:pPr/>
+                          <a14:m>
+                            <m:oMathPara xmlns:m="http://schemas.openxmlformats.org/officeDocument/2006/math">
+                              <m:oMathParaPr>
+                                <m:jc m:val="centerGroup"/>
+                              </m:oMathParaPr>
+                              <m:oMath xmlns:m="http://schemas.openxmlformats.org/officeDocument/2006/math">
+                                <m:sSup>
+                                  <m:sSupPr>
+                                    <m:ctrlPr>
+                                      <a:rPr lang="en-US" sz="3200" b="0" i="1" smtClean="0">
+                                        <a:latin typeface="Cambria Math" panose="02040503050406030204" pitchFamily="18" charset="0"/>
+                                      </a:rPr>
+                                    </m:ctrlPr>
+                                  </m:sSupPr>
+                                  <m:e>
+                                    <m:r>
+                                      <a:rPr lang="en-US" sz="3200" b="0" i="1" smtClean="0">
+                                        <a:latin typeface="Cambria Math" panose="02040503050406030204" pitchFamily="18" charset="0"/>
+                                      </a:rPr>
+                                      <m:t>𝜌</m:t>
+                                    </m:r>
+                                  </m:e>
+                                  <m:sup>
+                                    <m:r>
+                                      <a:rPr lang="en-US" sz="3200" b="0" i="1" smtClean="0">
+                                        <a:latin typeface="Cambria Math" panose="02040503050406030204" pitchFamily="18" charset="0"/>
+                                      </a:rPr>
+                                      <m:t>2</m:t>
+                                    </m:r>
+                                  </m:sup>
+                                </m:sSup>
+                              </m:oMath>
+                            </m:oMathPara>
+                          </a14:m>
+                          <a:endParaRPr lang="en-US" sz="3200" dirty="0"/>
+                        </a:p>
+                      </a:txBody>
+                      <a:tcPr>
+                        <a:lnL w="12700" cap="flat" cmpd="sng" algn="ctr">
+                          <a:noFill/>
+                          <a:prstDash val="solid"/>
+                          <a:round/>
+                          <a:headEnd type="none" w="med" len="med"/>
+                          <a:tailEnd type="none" w="med" len="med"/>
+                        </a:lnL>
+                        <a:lnR w="12700" cap="flat" cmpd="sng" algn="ctr">
+                          <a:noFill/>
+                          <a:prstDash val="solid"/>
+                          <a:round/>
+                          <a:headEnd type="none" w="med" len="med"/>
+                          <a:tailEnd type="none" w="med" len="med"/>
+                        </a:lnR>
+                        <a:lnT w="12700" cap="flat" cmpd="sng" algn="ctr">
+                          <a:noFill/>
+                          <a:prstDash val="solid"/>
+                          <a:round/>
+                          <a:headEnd type="none" w="med" len="med"/>
+                          <a:tailEnd type="none" w="med" len="med"/>
+                        </a:lnT>
+                        <a:lnB w="12700" cap="flat" cmpd="sng" algn="ctr">
+                          <a:noFill/>
+                          <a:prstDash val="solid"/>
+                          <a:round/>
+                          <a:headEnd type="none" w="med" len="med"/>
+                          <a:tailEnd type="none" w="med" len="med"/>
+                        </a:lnB>
+                        <a:lnTlToBr w="12700" cmpd="sng">
+                          <a:noFill/>
+                          <a:prstDash val="solid"/>
+                        </a:lnTlToBr>
+                        <a:lnBlToTr w="12700" cmpd="sng">
+                          <a:noFill/>
+                          <a:prstDash val="solid"/>
+                        </a:lnBlToTr>
+                      </a:tcPr>
+                    </a:tc>
+                    <a:tc>
+                      <a:txBody>
+                        <a:bodyPr/>
+                        <a:lstStyle/>
+                        <a:p>
+                          <a:pPr/>
+                          <a14:m>
+                            <m:oMathPara xmlns:m="http://schemas.openxmlformats.org/officeDocument/2006/math">
+                              <m:oMathParaPr>
+                                <m:jc m:val="centerGroup"/>
+                              </m:oMathParaPr>
+                              <m:oMath xmlns:m="http://schemas.openxmlformats.org/officeDocument/2006/math">
+                                <m:r>
+                                  <a:rPr lang="en-US" sz="3200" b="0" i="1" smtClean="0">
+                                    <a:latin typeface="Cambria Math" panose="02040503050406030204" pitchFamily="18" charset="0"/>
+                                  </a:rPr>
+                                  <m:t> </m:t>
+                                </m:r>
+                                <m:sSup>
+                                  <m:sSupPr>
+                                    <m:ctrlPr>
+                                      <a:rPr lang="en-US" sz="3200" b="0" i="1" smtClean="0">
+                                        <a:latin typeface="Cambria Math" panose="02040503050406030204" pitchFamily="18" charset="0"/>
+                                      </a:rPr>
+                                    </m:ctrlPr>
+                                  </m:sSupPr>
+                                  <m:e>
+                                    <m:r>
+                                      <a:rPr lang="en-US" sz="3200" b="0" i="1" smtClean="0">
+                                        <a:latin typeface="Cambria Math" panose="02040503050406030204" pitchFamily="18" charset="0"/>
+                                      </a:rPr>
+                                      <m:t>𝜌</m:t>
+                                    </m:r>
+                                  </m:e>
+                                  <m:sup>
+                                    <m:r>
+                                      <a:rPr lang="en-US" sz="3200" b="0" i="1" smtClean="0">
+                                        <a:latin typeface="Cambria Math" panose="02040503050406030204" pitchFamily="18" charset="0"/>
+                                      </a:rPr>
+                                      <m:t>3</m:t>
+                                    </m:r>
+                                  </m:sup>
+                                </m:sSup>
+                              </m:oMath>
+                            </m:oMathPara>
+                          </a14:m>
+                          <a:endParaRPr lang="en-US" sz="3200" dirty="0"/>
+                        </a:p>
+                      </a:txBody>
+                      <a:tcPr>
+                        <a:lnL w="12700" cap="flat" cmpd="sng" algn="ctr">
+                          <a:noFill/>
+                          <a:prstDash val="solid"/>
+                          <a:round/>
+                          <a:headEnd type="none" w="med" len="med"/>
+                          <a:tailEnd type="none" w="med" len="med"/>
+                        </a:lnL>
+                        <a:lnR w="12700" cap="flat" cmpd="sng" algn="ctr">
+                          <a:noFill/>
+                          <a:prstDash val="solid"/>
+                          <a:round/>
+                          <a:headEnd type="none" w="med" len="med"/>
+                          <a:tailEnd type="none" w="med" len="med"/>
+                        </a:lnR>
+                        <a:lnT w="12700" cap="flat" cmpd="sng" algn="ctr">
+                          <a:noFill/>
+                          <a:prstDash val="solid"/>
+                          <a:round/>
+                          <a:headEnd type="none" w="med" len="med"/>
+                          <a:tailEnd type="none" w="med" len="med"/>
+                        </a:lnT>
+                        <a:lnB w="12700" cap="flat" cmpd="sng" algn="ctr">
+                          <a:noFill/>
+                          <a:prstDash val="solid"/>
+                          <a:round/>
+                          <a:headEnd type="none" w="med" len="med"/>
+                          <a:tailEnd type="none" w="med" len="med"/>
+                        </a:lnB>
+                        <a:lnTlToBr w="12700" cmpd="sng">
+                          <a:noFill/>
+                          <a:prstDash val="solid"/>
+                        </a:lnTlToBr>
+                        <a:lnBlToTr w="12700" cmpd="sng">
+                          <a:noFill/>
+                          <a:prstDash val="solid"/>
+                        </a:lnBlToTr>
+                      </a:tcPr>
+                    </a:tc>
+                    <a:tc>
+                      <a:txBody>
+                        <a:bodyPr/>
+                        <a:lstStyle/>
+                        <a:p>
+                          <a:pPr/>
+                          <a14:m>
+                            <m:oMathPara xmlns:m="http://schemas.openxmlformats.org/officeDocument/2006/math">
+                              <m:oMathParaPr>
+                                <m:jc m:val="centerGroup"/>
+                              </m:oMathParaPr>
+                              <m:oMath xmlns:m="http://schemas.openxmlformats.org/officeDocument/2006/math">
+                                <m:r>
+                                  <a:rPr lang="en-US" sz="3200" b="0" i="1" smtClean="0">
+                                    <a:latin typeface="Cambria Math" panose="02040503050406030204" pitchFamily="18" charset="0"/>
+                                  </a:rPr>
+                                  <m:t>…</m:t>
+                                </m:r>
+                              </m:oMath>
+                            </m:oMathPara>
+                          </a14:m>
+                          <a:endParaRPr lang="en-US" sz="3200" dirty="0"/>
+                        </a:p>
+                      </a:txBody>
+                      <a:tcPr>
+                        <a:lnL w="12700" cap="flat" cmpd="sng" algn="ctr">
+                          <a:noFill/>
+                          <a:prstDash val="solid"/>
+                          <a:round/>
+                          <a:headEnd type="none" w="med" len="med"/>
+                          <a:tailEnd type="none" w="med" len="med"/>
+                        </a:lnL>
+                        <a:lnR w="12700" cap="flat" cmpd="sng" algn="ctr">
+                          <a:solidFill>
+                            <a:schemeClr val="tx1"/>
+                          </a:solidFill>
+                          <a:prstDash val="solid"/>
+                          <a:round/>
+                          <a:headEnd type="none" w="med" len="med"/>
+                          <a:tailEnd type="none" w="med" len="med"/>
+                        </a:lnR>
+                        <a:lnT w="12700" cap="flat" cmpd="sng" algn="ctr">
+                          <a:noFill/>
+                          <a:prstDash val="solid"/>
+                          <a:round/>
+                          <a:headEnd type="none" w="med" len="med"/>
+                          <a:tailEnd type="none" w="med" len="med"/>
+                        </a:lnT>
+                        <a:lnB w="12700" cap="flat" cmpd="sng" algn="ctr">
+                          <a:noFill/>
+                          <a:prstDash val="solid"/>
+                          <a:round/>
+                          <a:headEnd type="none" w="med" len="med"/>
+                          <a:tailEnd type="none" w="med" len="med"/>
+                        </a:lnB>
+                        <a:lnTlToBr w="12700" cmpd="sng">
+                          <a:noFill/>
+                          <a:prstDash val="solid"/>
+                        </a:lnTlToBr>
+                        <a:lnBlToTr w="12700" cmpd="sng">
+                          <a:noFill/>
+                          <a:prstDash val="solid"/>
+                        </a:lnBlToTr>
+                      </a:tcPr>
+                    </a:tc>
+                    <a:extLst>
+                      <a:ext uri="{0D108BD9-81ED-4DB2-BD59-A6C34878D82A}">
+                        <a16:rowId xmlns:a16="http://schemas.microsoft.com/office/drawing/2014/main" val="2801954663"/>
+                      </a:ext>
+                    </a:extLst>
+                  </a:tr>
+                  <a:tr h="599046">
+                    <a:tc>
+                      <a:txBody>
+                        <a:bodyPr/>
+                        <a:lstStyle/>
+                        <a:p>
+                          <a:pPr/>
+                          <a14:m>
+                            <m:oMathPara xmlns:m="http://schemas.openxmlformats.org/officeDocument/2006/math">
+                              <m:oMathParaPr>
+                                <m:jc m:val="centerGroup"/>
+                              </m:oMathParaPr>
+                              <m:oMath xmlns:m="http://schemas.openxmlformats.org/officeDocument/2006/math">
+                                <m:r>
+                                  <a:rPr lang="en-US" sz="3200" b="0" i="1" smtClean="0">
+                                    <a:latin typeface="Cambria Math" panose="02040503050406030204" pitchFamily="18" charset="0"/>
+                                  </a:rPr>
+                                  <m:t>𝜌</m:t>
+                                </m:r>
+                              </m:oMath>
+                            </m:oMathPara>
+                          </a14:m>
+                          <a:endParaRPr lang="en-US" sz="3200" dirty="0"/>
+                        </a:p>
+                      </a:txBody>
+                      <a:tcPr>
+                        <a:lnL w="12700" cap="flat" cmpd="sng" algn="ctr">
+                          <a:solidFill>
+                            <a:schemeClr val="tx1"/>
+                          </a:solidFill>
+                          <a:prstDash val="solid"/>
+                          <a:round/>
+                          <a:headEnd type="none" w="med" len="med"/>
+                          <a:tailEnd type="none" w="med" len="med"/>
+                        </a:lnL>
+                        <a:lnR w="12700" cap="flat" cmpd="sng" algn="ctr">
+                          <a:noFill/>
+                          <a:prstDash val="solid"/>
+                          <a:round/>
+                          <a:headEnd type="none" w="med" len="med"/>
+                          <a:tailEnd type="none" w="med" len="med"/>
+                        </a:lnR>
+                        <a:lnT w="12700" cap="flat" cmpd="sng" algn="ctr">
+                          <a:noFill/>
+                          <a:prstDash val="solid"/>
+                          <a:round/>
+                          <a:headEnd type="none" w="med" len="med"/>
+                          <a:tailEnd type="none" w="med" len="med"/>
+                        </a:lnT>
+                        <a:lnB w="12700" cap="flat" cmpd="sng" algn="ctr">
+                          <a:noFill/>
+                          <a:prstDash val="solid"/>
+                          <a:round/>
+                          <a:headEnd type="none" w="med" len="med"/>
+                          <a:tailEnd type="none" w="med" len="med"/>
+                        </a:lnB>
+                        <a:lnTlToBr w="12700" cmpd="sng">
+                          <a:noFill/>
+                          <a:prstDash val="solid"/>
+                        </a:lnTlToBr>
+                        <a:lnBlToTr w="12700" cmpd="sng">
+                          <a:noFill/>
+                          <a:prstDash val="solid"/>
+                        </a:lnBlToTr>
+                      </a:tcPr>
+                    </a:tc>
+                    <a:tc>
+                      <a:txBody>
+                        <a:bodyPr/>
+                        <a:lstStyle/>
+                        <a:p>
+                          <a:pPr/>
+                          <a14:m>
+                            <m:oMathPara xmlns:m="http://schemas.openxmlformats.org/officeDocument/2006/math">
+                              <m:oMathParaPr>
+                                <m:jc m:val="centerGroup"/>
+                              </m:oMathParaPr>
+                              <m:oMath xmlns:m="http://schemas.openxmlformats.org/officeDocument/2006/math">
+                                <m:r>
+                                  <a:rPr lang="en-US" sz="3200" b="0" i="1" smtClean="0">
+                                    <a:latin typeface="Cambria Math" panose="02040503050406030204" pitchFamily="18" charset="0"/>
+                                  </a:rPr>
+                                  <m:t>1</m:t>
+                                </m:r>
+                              </m:oMath>
+                            </m:oMathPara>
+                          </a14:m>
+                          <a:endParaRPr lang="en-US" sz="3200" dirty="0"/>
+                        </a:p>
+                      </a:txBody>
+                      <a:tcPr>
+                        <a:lnL w="12700" cap="flat" cmpd="sng" algn="ctr">
+                          <a:noFill/>
+                          <a:prstDash val="solid"/>
+                          <a:round/>
+                          <a:headEnd type="none" w="med" len="med"/>
+                          <a:tailEnd type="none" w="med" len="med"/>
+                        </a:lnL>
+                        <a:lnR w="12700" cap="flat" cmpd="sng" algn="ctr">
+                          <a:noFill/>
+                          <a:prstDash val="solid"/>
+                          <a:round/>
+                          <a:headEnd type="none" w="med" len="med"/>
+                          <a:tailEnd type="none" w="med" len="med"/>
+                        </a:lnR>
+                        <a:lnT w="12700" cap="flat" cmpd="sng" algn="ctr">
+                          <a:noFill/>
+                          <a:prstDash val="solid"/>
+                          <a:round/>
+                          <a:headEnd type="none" w="med" len="med"/>
+                          <a:tailEnd type="none" w="med" len="med"/>
+                        </a:lnT>
+                        <a:lnB w="12700" cap="flat" cmpd="sng" algn="ctr">
+                          <a:noFill/>
+                          <a:prstDash val="solid"/>
+                          <a:round/>
+                          <a:headEnd type="none" w="med" len="med"/>
+                          <a:tailEnd type="none" w="med" len="med"/>
+                        </a:lnB>
+                        <a:lnTlToBr w="12700" cmpd="sng">
+                          <a:noFill/>
+                          <a:prstDash val="solid"/>
+                        </a:lnTlToBr>
+                        <a:lnBlToTr w="12700" cmpd="sng">
+                          <a:noFill/>
+                          <a:prstDash val="solid"/>
+                        </a:lnBlToTr>
+                      </a:tcPr>
+                    </a:tc>
+                    <a:tc>
+                      <a:txBody>
+                        <a:bodyPr/>
+                        <a:lstStyle/>
+                        <a:p>
+                          <a:pPr/>
+                          <a14:m>
+                            <m:oMathPara xmlns:m="http://schemas.openxmlformats.org/officeDocument/2006/math">
+                              <m:oMathParaPr>
+                                <m:jc m:val="centerGroup"/>
+                              </m:oMathParaPr>
+                              <m:oMath xmlns:m="http://schemas.openxmlformats.org/officeDocument/2006/math">
+                                <m:r>
+                                  <a:rPr lang="en-US" sz="3200" b="0" i="1" smtClean="0">
+                                    <a:latin typeface="Cambria Math" panose="02040503050406030204" pitchFamily="18" charset="0"/>
+                                  </a:rPr>
+                                  <m:t>𝜌</m:t>
+                                </m:r>
+                              </m:oMath>
+                            </m:oMathPara>
+                          </a14:m>
+                          <a:endParaRPr lang="en-US" sz="3200" dirty="0"/>
+                        </a:p>
+                      </a:txBody>
+                      <a:tcPr>
+                        <a:lnL w="12700" cap="flat" cmpd="sng" algn="ctr">
+                          <a:noFill/>
+                          <a:prstDash val="solid"/>
+                          <a:round/>
+                          <a:headEnd type="none" w="med" len="med"/>
+                          <a:tailEnd type="none" w="med" len="med"/>
+                        </a:lnL>
+                        <a:lnR w="12700" cap="flat" cmpd="sng" algn="ctr">
+                          <a:noFill/>
+                          <a:prstDash val="solid"/>
+                          <a:round/>
+                          <a:headEnd type="none" w="med" len="med"/>
+                          <a:tailEnd type="none" w="med" len="med"/>
+                        </a:lnR>
+                        <a:lnT w="12700" cap="flat" cmpd="sng" algn="ctr">
+                          <a:noFill/>
+                          <a:prstDash val="solid"/>
+                          <a:round/>
+                          <a:headEnd type="none" w="med" len="med"/>
+                          <a:tailEnd type="none" w="med" len="med"/>
+                        </a:lnT>
+                        <a:lnB w="12700" cap="flat" cmpd="sng" algn="ctr">
+                          <a:noFill/>
+                          <a:prstDash val="solid"/>
+                          <a:round/>
+                          <a:headEnd type="none" w="med" len="med"/>
+                          <a:tailEnd type="none" w="med" len="med"/>
+                        </a:lnB>
+                        <a:lnTlToBr w="12700" cmpd="sng">
+                          <a:noFill/>
+                          <a:prstDash val="solid"/>
+                        </a:lnTlToBr>
+                        <a:lnBlToTr w="12700" cmpd="sng">
+                          <a:noFill/>
+                          <a:prstDash val="solid"/>
+                        </a:lnBlToTr>
+                      </a:tcPr>
+                    </a:tc>
+                    <a:tc>
+                      <a:txBody>
+                        <a:bodyPr/>
+                        <a:lstStyle/>
+                        <a:p>
+                          <a:pPr/>
+                          <a14:m>
+                            <m:oMathPara xmlns:m="http://schemas.openxmlformats.org/officeDocument/2006/math">
+                              <m:oMathParaPr>
+                                <m:jc m:val="centerGroup"/>
+                              </m:oMathParaPr>
+                              <m:oMath xmlns:m="http://schemas.openxmlformats.org/officeDocument/2006/math">
+                                <m:sSup>
+                                  <m:sSupPr>
+                                    <m:ctrlPr>
+                                      <a:rPr lang="en-US" sz="3200" b="0" i="1" smtClean="0">
+                                        <a:latin typeface="Cambria Math" panose="02040503050406030204" pitchFamily="18" charset="0"/>
+                                      </a:rPr>
+                                    </m:ctrlPr>
+                                  </m:sSupPr>
+                                  <m:e>
+                                    <m:r>
+                                      <a:rPr lang="en-US" sz="3200" b="0" i="1" smtClean="0">
+                                        <a:latin typeface="Cambria Math" panose="02040503050406030204" pitchFamily="18" charset="0"/>
+                                      </a:rPr>
+                                      <m:t>𝜌</m:t>
+                                    </m:r>
+                                  </m:e>
+                                  <m:sup>
+                                    <m:r>
+                                      <a:rPr lang="en-US" sz="3200" b="0" i="1" smtClean="0">
+                                        <a:latin typeface="Cambria Math" panose="02040503050406030204" pitchFamily="18" charset="0"/>
+                                      </a:rPr>
+                                      <m:t>2</m:t>
+                                    </m:r>
+                                  </m:sup>
+                                </m:sSup>
+                              </m:oMath>
+                            </m:oMathPara>
+                          </a14:m>
+                          <a:endParaRPr lang="en-US" sz="3200" dirty="0"/>
+                        </a:p>
+                      </a:txBody>
+                      <a:tcPr>
+                        <a:lnL w="12700" cap="flat" cmpd="sng" algn="ctr">
+                          <a:noFill/>
+                          <a:prstDash val="solid"/>
+                          <a:round/>
+                          <a:headEnd type="none" w="med" len="med"/>
+                          <a:tailEnd type="none" w="med" len="med"/>
+                        </a:lnL>
+                        <a:lnR w="12700" cap="flat" cmpd="sng" algn="ctr">
+                          <a:noFill/>
+                          <a:prstDash val="solid"/>
+                          <a:round/>
+                          <a:headEnd type="none" w="med" len="med"/>
+                          <a:tailEnd type="none" w="med" len="med"/>
+                        </a:lnR>
+                        <a:lnT w="12700" cap="flat" cmpd="sng" algn="ctr">
+                          <a:noFill/>
+                          <a:prstDash val="solid"/>
+                          <a:round/>
+                          <a:headEnd type="none" w="med" len="med"/>
+                          <a:tailEnd type="none" w="med" len="med"/>
+                        </a:lnT>
+                        <a:lnB w="12700" cap="flat" cmpd="sng" algn="ctr">
+                          <a:noFill/>
+                          <a:prstDash val="solid"/>
+                          <a:round/>
+                          <a:headEnd type="none" w="med" len="med"/>
+                          <a:tailEnd type="none" w="med" len="med"/>
+                        </a:lnB>
+                        <a:lnTlToBr w="12700" cmpd="sng">
+                          <a:noFill/>
+                          <a:prstDash val="solid"/>
+                        </a:lnTlToBr>
+                        <a:lnBlToTr w="12700" cmpd="sng">
+                          <a:noFill/>
+                          <a:prstDash val="solid"/>
+                        </a:lnBlToTr>
+                      </a:tcPr>
+                    </a:tc>
+                    <a:tc>
+                      <a:txBody>
+                        <a:bodyPr/>
+                        <a:lstStyle/>
+                        <a:p>
+                          <a:pPr/>
+                          <a14:m>
+                            <m:oMathPara xmlns:m="http://schemas.openxmlformats.org/officeDocument/2006/math">
+                              <m:oMathParaPr>
+                                <m:jc m:val="centerGroup"/>
+                              </m:oMathParaPr>
+                              <m:oMath xmlns:m="http://schemas.openxmlformats.org/officeDocument/2006/math">
+                                <m:r>
+                                  <a:rPr lang="en-US" sz="3200" b="0" i="1" smtClean="0">
+                                    <a:latin typeface="Cambria Math" panose="02040503050406030204" pitchFamily="18" charset="0"/>
+                                  </a:rPr>
+                                  <m:t>…</m:t>
+                                </m:r>
+                              </m:oMath>
+                            </m:oMathPara>
+                          </a14:m>
+                          <a:endParaRPr lang="en-US" sz="3200" dirty="0"/>
+                        </a:p>
+                      </a:txBody>
+                      <a:tcPr>
+                        <a:lnL w="12700" cap="flat" cmpd="sng" algn="ctr">
+                          <a:noFill/>
+                          <a:prstDash val="solid"/>
+                          <a:round/>
+                          <a:headEnd type="none" w="med" len="med"/>
+                          <a:tailEnd type="none" w="med" len="med"/>
+                        </a:lnL>
+                        <a:lnR w="12700" cap="flat" cmpd="sng" algn="ctr">
+                          <a:solidFill>
+                            <a:schemeClr val="tx1"/>
+                          </a:solidFill>
+                          <a:prstDash val="solid"/>
+                          <a:round/>
+                          <a:headEnd type="none" w="med" len="med"/>
+                          <a:tailEnd type="none" w="med" len="med"/>
+                        </a:lnR>
+                        <a:lnT w="12700" cap="flat" cmpd="sng" algn="ctr">
+                          <a:noFill/>
+                          <a:prstDash val="solid"/>
+                          <a:round/>
+                          <a:headEnd type="none" w="med" len="med"/>
+                          <a:tailEnd type="none" w="med" len="med"/>
+                        </a:lnT>
+                        <a:lnB w="12700" cap="flat" cmpd="sng" algn="ctr">
+                          <a:noFill/>
+                          <a:prstDash val="solid"/>
+                          <a:round/>
+                          <a:headEnd type="none" w="med" len="med"/>
+                          <a:tailEnd type="none" w="med" len="med"/>
+                        </a:lnB>
+                        <a:lnTlToBr w="12700" cmpd="sng">
+                          <a:noFill/>
+                          <a:prstDash val="solid"/>
+                        </a:lnTlToBr>
+                        <a:lnBlToTr w="12700" cmpd="sng">
+                          <a:noFill/>
+                          <a:prstDash val="solid"/>
+                        </a:lnBlToTr>
+                      </a:tcPr>
+                    </a:tc>
+                    <a:extLst>
+                      <a:ext uri="{0D108BD9-81ED-4DB2-BD59-A6C34878D82A}">
+                        <a16:rowId xmlns:a16="http://schemas.microsoft.com/office/drawing/2014/main" val="1202998512"/>
+                      </a:ext>
+                    </a:extLst>
+                  </a:tr>
+                  <a:tr h="599046">
+                    <a:tc>
+                      <a:txBody>
+                        <a:bodyPr/>
+                        <a:lstStyle/>
+                        <a:p>
+                          <a:pPr/>
+                          <a14:m>
+                            <m:oMathPara xmlns:m="http://schemas.openxmlformats.org/officeDocument/2006/math">
+                              <m:oMathParaPr>
+                                <m:jc m:val="centerGroup"/>
+                              </m:oMathParaPr>
+                              <m:oMath xmlns:m="http://schemas.openxmlformats.org/officeDocument/2006/math">
+                                <m:sSup>
+                                  <m:sSupPr>
+                                    <m:ctrlPr>
+                                      <a:rPr lang="en-US" sz="3200" b="0" i="1" smtClean="0">
+                                        <a:latin typeface="Cambria Math" panose="02040503050406030204" pitchFamily="18" charset="0"/>
+                                      </a:rPr>
+                                    </m:ctrlPr>
+                                  </m:sSupPr>
+                                  <m:e>
+                                    <m:r>
+                                      <a:rPr lang="en-US" sz="3200" b="0" i="1" smtClean="0">
+                                        <a:latin typeface="Cambria Math" panose="02040503050406030204" pitchFamily="18" charset="0"/>
+                                      </a:rPr>
+                                      <m:t>𝜌</m:t>
+                                    </m:r>
+                                  </m:e>
+                                  <m:sup>
+                                    <m:r>
+                                      <a:rPr lang="en-US" sz="3200" b="0" i="1" smtClean="0">
+                                        <a:latin typeface="Cambria Math" panose="02040503050406030204" pitchFamily="18" charset="0"/>
+                                      </a:rPr>
+                                      <m:t>2</m:t>
+                                    </m:r>
+                                  </m:sup>
+                                </m:sSup>
+                              </m:oMath>
+                            </m:oMathPara>
+                          </a14:m>
+                          <a:endParaRPr lang="en-US" sz="3200" dirty="0"/>
+                        </a:p>
+                      </a:txBody>
+                      <a:tcPr>
+                        <a:lnL w="12700" cap="flat" cmpd="sng" algn="ctr">
+                          <a:solidFill>
+                            <a:schemeClr val="tx1"/>
+                          </a:solidFill>
+                          <a:prstDash val="solid"/>
+                          <a:round/>
+                          <a:headEnd type="none" w="med" len="med"/>
+                          <a:tailEnd type="none" w="med" len="med"/>
+                        </a:lnL>
+                        <a:lnR w="12700" cap="flat" cmpd="sng" algn="ctr">
+                          <a:noFill/>
+                          <a:prstDash val="solid"/>
+                          <a:round/>
+                          <a:headEnd type="none" w="med" len="med"/>
+                          <a:tailEnd type="none" w="med" len="med"/>
+                        </a:lnR>
+                        <a:lnT w="12700" cap="flat" cmpd="sng" algn="ctr">
+                          <a:noFill/>
+                          <a:prstDash val="solid"/>
+                          <a:round/>
+                          <a:headEnd type="none" w="med" len="med"/>
+                          <a:tailEnd type="none" w="med" len="med"/>
+                        </a:lnT>
+                        <a:lnB w="12700" cap="flat" cmpd="sng" algn="ctr">
+                          <a:noFill/>
+                          <a:prstDash val="solid"/>
+                          <a:round/>
+                          <a:headEnd type="none" w="med" len="med"/>
+                          <a:tailEnd type="none" w="med" len="med"/>
+                        </a:lnB>
+                        <a:lnTlToBr w="12700" cmpd="sng">
+                          <a:noFill/>
+                          <a:prstDash val="solid"/>
+                        </a:lnTlToBr>
+                        <a:lnBlToTr w="12700" cmpd="sng">
+                          <a:noFill/>
+                          <a:prstDash val="solid"/>
+                        </a:lnBlToTr>
+                      </a:tcPr>
+                    </a:tc>
+                    <a:tc>
+                      <a:txBody>
+                        <a:bodyPr/>
+                        <a:lstStyle/>
+                        <a:p>
+                          <a:pPr/>
+                          <a14:m>
+                            <m:oMathPara xmlns:m="http://schemas.openxmlformats.org/officeDocument/2006/math">
+                              <m:oMathParaPr>
+                                <m:jc m:val="centerGroup"/>
+                              </m:oMathParaPr>
+                              <m:oMath xmlns:m="http://schemas.openxmlformats.org/officeDocument/2006/math">
+                                <m:r>
+                                  <a:rPr lang="en-US" sz="3200" b="0" i="1" smtClean="0">
+                                    <a:latin typeface="Cambria Math" panose="02040503050406030204" pitchFamily="18" charset="0"/>
+                                  </a:rPr>
+                                  <m:t>𝜌</m:t>
+                                </m:r>
+                              </m:oMath>
+                            </m:oMathPara>
+                          </a14:m>
+                          <a:endParaRPr lang="en-US" sz="3200" dirty="0"/>
+                        </a:p>
+                      </a:txBody>
+                      <a:tcPr>
+                        <a:lnL w="12700" cap="flat" cmpd="sng" algn="ctr">
+                          <a:noFill/>
+                          <a:prstDash val="solid"/>
+                          <a:round/>
+                          <a:headEnd type="none" w="med" len="med"/>
+                          <a:tailEnd type="none" w="med" len="med"/>
+                        </a:lnL>
+                        <a:lnR w="12700" cap="flat" cmpd="sng" algn="ctr">
+                          <a:noFill/>
+                          <a:prstDash val="solid"/>
+                          <a:round/>
+                          <a:headEnd type="none" w="med" len="med"/>
+                          <a:tailEnd type="none" w="med" len="med"/>
+                        </a:lnR>
+                        <a:lnT w="12700" cap="flat" cmpd="sng" algn="ctr">
+                          <a:noFill/>
+                          <a:prstDash val="solid"/>
+                          <a:round/>
+                          <a:headEnd type="none" w="med" len="med"/>
+                          <a:tailEnd type="none" w="med" len="med"/>
+                        </a:lnT>
+                        <a:lnB w="12700" cap="flat" cmpd="sng" algn="ctr">
+                          <a:noFill/>
+                          <a:prstDash val="solid"/>
+                          <a:round/>
+                          <a:headEnd type="none" w="med" len="med"/>
+                          <a:tailEnd type="none" w="med" len="med"/>
+                        </a:lnB>
+                        <a:lnTlToBr w="12700" cmpd="sng">
+                          <a:noFill/>
+                          <a:prstDash val="solid"/>
+                        </a:lnTlToBr>
+                        <a:lnBlToTr w="12700" cmpd="sng">
+                          <a:noFill/>
+                          <a:prstDash val="solid"/>
+                        </a:lnBlToTr>
+                      </a:tcPr>
+                    </a:tc>
+                    <a:tc>
+                      <a:txBody>
+                        <a:bodyPr/>
+                        <a:lstStyle/>
+                        <a:p>
+                          <a:pPr/>
+                          <a14:m>
+                            <m:oMathPara xmlns:m="http://schemas.openxmlformats.org/officeDocument/2006/math">
+                              <m:oMathParaPr>
+                                <m:jc m:val="centerGroup"/>
+                              </m:oMathParaPr>
+                              <m:oMath xmlns:m="http://schemas.openxmlformats.org/officeDocument/2006/math">
+                                <m:r>
+                                  <a:rPr lang="en-US" sz="3200" b="0" i="1" smtClean="0">
+                                    <a:latin typeface="Cambria Math" panose="02040503050406030204" pitchFamily="18" charset="0"/>
+                                  </a:rPr>
+                                  <m:t>1</m:t>
+                                </m:r>
+                              </m:oMath>
+                            </m:oMathPara>
+                          </a14:m>
+                          <a:endParaRPr lang="en-US" sz="3200" dirty="0"/>
+                        </a:p>
+                      </a:txBody>
+                      <a:tcPr>
+                        <a:lnL w="12700" cap="flat" cmpd="sng" algn="ctr">
+                          <a:noFill/>
+                          <a:prstDash val="solid"/>
+                          <a:round/>
+                          <a:headEnd type="none" w="med" len="med"/>
+                          <a:tailEnd type="none" w="med" len="med"/>
+                        </a:lnL>
+                        <a:lnR w="12700" cap="flat" cmpd="sng" algn="ctr">
+                          <a:noFill/>
+                          <a:prstDash val="solid"/>
+                          <a:round/>
+                          <a:headEnd type="none" w="med" len="med"/>
+                          <a:tailEnd type="none" w="med" len="med"/>
+                        </a:lnR>
+                        <a:lnT w="12700" cap="flat" cmpd="sng" algn="ctr">
+                          <a:noFill/>
+                          <a:prstDash val="solid"/>
+                          <a:round/>
+                          <a:headEnd type="none" w="med" len="med"/>
+                          <a:tailEnd type="none" w="med" len="med"/>
+                        </a:lnT>
+                        <a:lnB w="12700" cap="flat" cmpd="sng" algn="ctr">
+                          <a:noFill/>
+                          <a:prstDash val="solid"/>
+                          <a:round/>
+                          <a:headEnd type="none" w="med" len="med"/>
+                          <a:tailEnd type="none" w="med" len="med"/>
+                        </a:lnB>
+                        <a:lnTlToBr w="12700" cmpd="sng">
+                          <a:noFill/>
+                          <a:prstDash val="solid"/>
+                        </a:lnTlToBr>
+                        <a:lnBlToTr w="12700" cmpd="sng">
+                          <a:noFill/>
+                          <a:prstDash val="solid"/>
+                        </a:lnBlToTr>
+                      </a:tcPr>
+                    </a:tc>
+                    <a:tc>
+                      <a:txBody>
+                        <a:bodyPr/>
+                        <a:lstStyle/>
+                        <a:p>
+                          <a:pPr/>
+                          <a14:m>
+                            <m:oMathPara xmlns:m="http://schemas.openxmlformats.org/officeDocument/2006/math">
+                              <m:oMathParaPr>
+                                <m:jc m:val="centerGroup"/>
+                              </m:oMathParaPr>
+                              <m:oMath xmlns:m="http://schemas.openxmlformats.org/officeDocument/2006/math">
+                                <m:r>
+                                  <a:rPr lang="en-US" sz="3200" b="0" i="1" smtClean="0">
+                                    <a:latin typeface="Cambria Math" panose="02040503050406030204" pitchFamily="18" charset="0"/>
+                                  </a:rPr>
+                                  <m:t>𝜌</m:t>
+                                </m:r>
+                              </m:oMath>
+                            </m:oMathPara>
+                          </a14:m>
+                          <a:endParaRPr lang="en-US" sz="3200" dirty="0"/>
+                        </a:p>
+                      </a:txBody>
+                      <a:tcPr>
+                        <a:lnL w="12700" cap="flat" cmpd="sng" algn="ctr">
+                          <a:noFill/>
+                          <a:prstDash val="solid"/>
+                          <a:round/>
+                          <a:headEnd type="none" w="med" len="med"/>
+                          <a:tailEnd type="none" w="med" len="med"/>
+                        </a:lnL>
+                        <a:lnR w="12700" cap="flat" cmpd="sng" algn="ctr">
+                          <a:noFill/>
+                          <a:prstDash val="solid"/>
+                          <a:round/>
+                          <a:headEnd type="none" w="med" len="med"/>
+                          <a:tailEnd type="none" w="med" len="med"/>
+                        </a:lnR>
+                        <a:lnT w="12700" cap="flat" cmpd="sng" algn="ctr">
+                          <a:noFill/>
+                          <a:prstDash val="solid"/>
+                          <a:round/>
+                          <a:headEnd type="none" w="med" len="med"/>
+                          <a:tailEnd type="none" w="med" len="med"/>
+                        </a:lnT>
+                        <a:lnB w="12700" cap="flat" cmpd="sng" algn="ctr">
+                          <a:noFill/>
+                          <a:prstDash val="solid"/>
+                          <a:round/>
+                          <a:headEnd type="none" w="med" len="med"/>
+                          <a:tailEnd type="none" w="med" len="med"/>
+                        </a:lnB>
+                        <a:lnTlToBr w="12700" cmpd="sng">
+                          <a:noFill/>
+                          <a:prstDash val="solid"/>
+                        </a:lnTlToBr>
+                        <a:lnBlToTr w="12700" cmpd="sng">
+                          <a:noFill/>
+                          <a:prstDash val="solid"/>
+                        </a:lnBlToTr>
+                      </a:tcPr>
+                    </a:tc>
+                    <a:tc>
+                      <a:txBody>
+                        <a:bodyPr/>
+                        <a:lstStyle/>
+                        <a:p>
+                          <a:pPr/>
+                          <a14:m>
+                            <m:oMathPara xmlns:m="http://schemas.openxmlformats.org/officeDocument/2006/math">
+                              <m:oMathParaPr>
+                                <m:jc m:val="centerGroup"/>
+                              </m:oMathParaPr>
+                              <m:oMath xmlns:m="http://schemas.openxmlformats.org/officeDocument/2006/math">
+                                <m:r>
+                                  <a:rPr lang="en-US" sz="3200" b="0" i="1" smtClean="0">
+                                    <a:latin typeface="Cambria Math" panose="02040503050406030204" pitchFamily="18" charset="0"/>
+                                  </a:rPr>
+                                  <m:t>…</m:t>
+                                </m:r>
+                              </m:oMath>
+                            </m:oMathPara>
+                          </a14:m>
+                          <a:endParaRPr lang="en-US" sz="3200" dirty="0"/>
+                        </a:p>
+                      </a:txBody>
+                      <a:tcPr>
+                        <a:lnL w="12700" cap="flat" cmpd="sng" algn="ctr">
+                          <a:noFill/>
+                          <a:prstDash val="solid"/>
+                          <a:round/>
+                          <a:headEnd type="none" w="med" len="med"/>
+                          <a:tailEnd type="none" w="med" len="med"/>
+                        </a:lnL>
+                        <a:lnR w="12700" cap="flat" cmpd="sng" algn="ctr">
+                          <a:solidFill>
+                            <a:schemeClr val="tx1"/>
+                          </a:solidFill>
+                          <a:prstDash val="solid"/>
+                          <a:round/>
+                          <a:headEnd type="none" w="med" len="med"/>
+                          <a:tailEnd type="none" w="med" len="med"/>
+                        </a:lnR>
+                        <a:lnT w="12700" cap="flat" cmpd="sng" algn="ctr">
+                          <a:noFill/>
+                          <a:prstDash val="solid"/>
+                          <a:round/>
+                          <a:headEnd type="none" w="med" len="med"/>
+                          <a:tailEnd type="none" w="med" len="med"/>
+                        </a:lnT>
+                        <a:lnB w="12700" cap="flat" cmpd="sng" algn="ctr">
+                          <a:noFill/>
+                          <a:prstDash val="solid"/>
+                          <a:round/>
+                          <a:headEnd type="none" w="med" len="med"/>
+                          <a:tailEnd type="none" w="med" len="med"/>
+                        </a:lnB>
+                        <a:lnTlToBr w="12700" cmpd="sng">
+                          <a:noFill/>
+                          <a:prstDash val="solid"/>
+                        </a:lnTlToBr>
+                        <a:lnBlToTr w="12700" cmpd="sng">
+                          <a:noFill/>
+                          <a:prstDash val="solid"/>
+                        </a:lnBlToTr>
+                      </a:tcPr>
+                    </a:tc>
+                    <a:extLst>
+                      <a:ext uri="{0D108BD9-81ED-4DB2-BD59-A6C34878D82A}">
+                        <a16:rowId xmlns:a16="http://schemas.microsoft.com/office/drawing/2014/main" val="1090008321"/>
+                      </a:ext>
+                    </a:extLst>
+                  </a:tr>
+                  <a:tr h="599046">
+                    <a:tc>
+                      <a:txBody>
+                        <a:bodyPr/>
+                        <a:lstStyle/>
+                        <a:p>
+                          <a:pPr/>
+                          <a14:m>
+                            <m:oMathPara xmlns:m="http://schemas.openxmlformats.org/officeDocument/2006/math">
+                              <m:oMathParaPr>
+                                <m:jc m:val="centerGroup"/>
+                              </m:oMathParaPr>
+                              <m:oMath xmlns:m="http://schemas.openxmlformats.org/officeDocument/2006/math">
+                                <m:r>
+                                  <a:rPr lang="en-US" sz="3200" b="0" i="1" smtClean="0">
+                                    <a:latin typeface="Cambria Math" panose="02040503050406030204" pitchFamily="18" charset="0"/>
+                                  </a:rPr>
+                                  <m:t>.</m:t>
+                                </m:r>
+                              </m:oMath>
+                            </m:oMathPara>
+                          </a14:m>
+                          <a:endParaRPr lang="en-US" sz="3200" dirty="0"/>
+                        </a:p>
+                      </a:txBody>
+                      <a:tcPr>
+                        <a:lnL w="12700" cap="flat" cmpd="sng" algn="ctr">
+                          <a:solidFill>
+                            <a:schemeClr val="tx1"/>
+                          </a:solidFill>
+                          <a:prstDash val="solid"/>
+                          <a:round/>
+                          <a:headEnd type="none" w="med" len="med"/>
+                          <a:tailEnd type="none" w="med" len="med"/>
+                        </a:lnL>
+                        <a:lnR w="12700" cap="flat" cmpd="sng" algn="ctr">
+                          <a:noFill/>
+                          <a:prstDash val="solid"/>
+                          <a:round/>
+                          <a:headEnd type="none" w="med" len="med"/>
+                          <a:tailEnd type="none" w="med" len="med"/>
+                        </a:lnR>
+                        <a:lnT w="12700" cap="flat" cmpd="sng" algn="ctr">
+                          <a:noFill/>
+                          <a:prstDash val="solid"/>
+                          <a:round/>
+                          <a:headEnd type="none" w="med" len="med"/>
+                          <a:tailEnd type="none" w="med" len="med"/>
+                        </a:lnT>
+                        <a:lnB w="12700" cap="flat" cmpd="sng" algn="ctr">
+                          <a:noFill/>
+                          <a:prstDash val="solid"/>
+                          <a:round/>
+                          <a:headEnd type="none" w="med" len="med"/>
+                          <a:tailEnd type="none" w="med" len="med"/>
+                        </a:lnB>
+                        <a:lnTlToBr w="12700" cmpd="sng">
+                          <a:noFill/>
+                          <a:prstDash val="solid"/>
+                        </a:lnTlToBr>
+                        <a:lnBlToTr w="12700" cmpd="sng">
+                          <a:noFill/>
+                          <a:prstDash val="solid"/>
+                        </a:lnBlToTr>
+                      </a:tcPr>
+                    </a:tc>
+                    <a:tc>
+                      <a:txBody>
+                        <a:bodyPr/>
+                        <a:lstStyle/>
+                        <a:p>
+                          <a:pPr/>
+                          <a14:m>
+                            <m:oMathPara xmlns:m="http://schemas.openxmlformats.org/officeDocument/2006/math">
+                              <m:oMathParaPr>
+                                <m:jc m:val="centerGroup"/>
+                              </m:oMathParaPr>
+                              <m:oMath xmlns:m="http://schemas.openxmlformats.org/officeDocument/2006/math">
+                                <m:r>
+                                  <a:rPr lang="en-US" sz="3200" b="0" i="1" smtClean="0">
+                                    <a:latin typeface="Cambria Math" panose="02040503050406030204" pitchFamily="18" charset="0"/>
+                                  </a:rPr>
+                                  <m:t>.</m:t>
+                                </m:r>
+                              </m:oMath>
+                            </m:oMathPara>
+                          </a14:m>
+                          <a:endParaRPr lang="en-US" sz="3200" dirty="0"/>
+                        </a:p>
+                      </a:txBody>
+                      <a:tcPr>
+                        <a:lnL w="12700" cap="flat" cmpd="sng" algn="ctr">
+                          <a:noFill/>
+                          <a:prstDash val="solid"/>
+                          <a:round/>
+                          <a:headEnd type="none" w="med" len="med"/>
+                          <a:tailEnd type="none" w="med" len="med"/>
+                        </a:lnL>
+                        <a:lnR w="12700" cap="flat" cmpd="sng" algn="ctr">
+                          <a:noFill/>
+                          <a:prstDash val="solid"/>
+                          <a:round/>
+                          <a:headEnd type="none" w="med" len="med"/>
+                          <a:tailEnd type="none" w="med" len="med"/>
+                        </a:lnR>
+                        <a:lnT w="12700" cap="flat" cmpd="sng" algn="ctr">
+                          <a:noFill/>
+                          <a:prstDash val="solid"/>
+                          <a:round/>
+                          <a:headEnd type="none" w="med" len="med"/>
+                          <a:tailEnd type="none" w="med" len="med"/>
+                        </a:lnT>
+                        <a:lnB w="12700" cap="flat" cmpd="sng" algn="ctr">
+                          <a:noFill/>
+                          <a:prstDash val="solid"/>
+                          <a:round/>
+                          <a:headEnd type="none" w="med" len="med"/>
+                          <a:tailEnd type="none" w="med" len="med"/>
+                        </a:lnB>
+                        <a:lnTlToBr w="12700" cmpd="sng">
+                          <a:noFill/>
+                          <a:prstDash val="solid"/>
+                        </a:lnTlToBr>
+                        <a:lnBlToTr w="12700" cmpd="sng">
+                          <a:noFill/>
+                          <a:prstDash val="solid"/>
+                        </a:lnBlToTr>
+                      </a:tcPr>
+                    </a:tc>
+                    <a:tc>
+                      <a:txBody>
+                        <a:bodyPr/>
+                        <a:lstStyle/>
+                        <a:p>
+                          <a:pPr/>
+                          <a14:m>
+                            <m:oMathPara xmlns:m="http://schemas.openxmlformats.org/officeDocument/2006/math">
+                              <m:oMathParaPr>
+                                <m:jc m:val="centerGroup"/>
+                              </m:oMathParaPr>
+                              <m:oMath xmlns:m="http://schemas.openxmlformats.org/officeDocument/2006/math">
+                                <m:r>
+                                  <a:rPr lang="en-US" sz="3200" b="0" i="1" smtClean="0">
+                                    <a:latin typeface="Cambria Math" panose="02040503050406030204" pitchFamily="18" charset="0"/>
+                                  </a:rPr>
+                                  <m:t>.</m:t>
+                                </m:r>
+                              </m:oMath>
+                            </m:oMathPara>
+                          </a14:m>
+                          <a:endParaRPr lang="en-US" sz="3200" dirty="0"/>
+                        </a:p>
+                      </a:txBody>
+                      <a:tcPr>
+                        <a:lnL w="12700" cap="flat" cmpd="sng" algn="ctr">
+                          <a:noFill/>
+                          <a:prstDash val="solid"/>
+                          <a:round/>
+                          <a:headEnd type="none" w="med" len="med"/>
+                          <a:tailEnd type="none" w="med" len="med"/>
+                        </a:lnL>
+                        <a:lnR w="12700" cap="flat" cmpd="sng" algn="ctr">
+                          <a:noFill/>
+                          <a:prstDash val="solid"/>
+                          <a:round/>
+                          <a:headEnd type="none" w="med" len="med"/>
+                          <a:tailEnd type="none" w="med" len="med"/>
+                        </a:lnR>
+                        <a:lnT w="12700" cap="flat" cmpd="sng" algn="ctr">
+                          <a:noFill/>
+                          <a:prstDash val="solid"/>
+                          <a:round/>
+                          <a:headEnd type="none" w="med" len="med"/>
+                          <a:tailEnd type="none" w="med" len="med"/>
+                        </a:lnT>
+                        <a:lnB w="12700" cap="flat" cmpd="sng" algn="ctr">
+                          <a:noFill/>
+                          <a:prstDash val="solid"/>
+                          <a:round/>
+                          <a:headEnd type="none" w="med" len="med"/>
+                          <a:tailEnd type="none" w="med" len="med"/>
+                        </a:lnB>
+                        <a:lnTlToBr w="12700" cmpd="sng">
+                          <a:noFill/>
+                          <a:prstDash val="solid"/>
+                        </a:lnTlToBr>
+                        <a:lnBlToTr w="12700" cmpd="sng">
+                          <a:noFill/>
+                          <a:prstDash val="solid"/>
+                        </a:lnBlToTr>
+                      </a:tcPr>
+                    </a:tc>
+                    <a:tc>
+                      <a:txBody>
+                        <a:bodyPr/>
+                        <a:lstStyle/>
+                        <a:p>
+                          <a:pPr/>
+                          <a14:m>
+                            <m:oMathPara xmlns:m="http://schemas.openxmlformats.org/officeDocument/2006/math">
+                              <m:oMathParaPr>
+                                <m:jc m:val="centerGroup"/>
+                              </m:oMathParaPr>
+                              <m:oMath xmlns:m="http://schemas.openxmlformats.org/officeDocument/2006/math">
+                                <m:r>
+                                  <a:rPr lang="en-US" sz="3200" b="0" i="1" smtClean="0">
+                                    <a:latin typeface="Cambria Math" panose="02040503050406030204" pitchFamily="18" charset="0"/>
+                                  </a:rPr>
+                                  <m:t>.</m:t>
+                                </m:r>
+                              </m:oMath>
+                            </m:oMathPara>
+                          </a14:m>
+                          <a:endParaRPr lang="en-US" sz="3200" dirty="0"/>
+                        </a:p>
+                      </a:txBody>
+                      <a:tcPr>
+                        <a:lnL w="12700" cap="flat" cmpd="sng" algn="ctr">
+                          <a:noFill/>
+                          <a:prstDash val="solid"/>
+                          <a:round/>
+                          <a:headEnd type="none" w="med" len="med"/>
+                          <a:tailEnd type="none" w="med" len="med"/>
+                        </a:lnL>
+                        <a:lnR w="12700" cap="flat" cmpd="sng" algn="ctr">
+                          <a:noFill/>
+                          <a:prstDash val="solid"/>
+                          <a:round/>
+                          <a:headEnd type="none" w="med" len="med"/>
+                          <a:tailEnd type="none" w="med" len="med"/>
+                        </a:lnR>
+                        <a:lnT w="12700" cap="flat" cmpd="sng" algn="ctr">
+                          <a:noFill/>
+                          <a:prstDash val="solid"/>
+                          <a:round/>
+                          <a:headEnd type="none" w="med" len="med"/>
+                          <a:tailEnd type="none" w="med" len="med"/>
+                        </a:lnT>
+                        <a:lnB w="12700" cap="flat" cmpd="sng" algn="ctr">
+                          <a:noFill/>
+                          <a:prstDash val="solid"/>
+                          <a:round/>
+                          <a:headEnd type="none" w="med" len="med"/>
+                          <a:tailEnd type="none" w="med" len="med"/>
+                        </a:lnB>
+                        <a:lnTlToBr w="12700" cmpd="sng">
+                          <a:noFill/>
+                          <a:prstDash val="solid"/>
+                        </a:lnTlToBr>
+                        <a:lnBlToTr w="12700" cmpd="sng">
+                          <a:noFill/>
+                          <a:prstDash val="solid"/>
+                        </a:lnBlToTr>
+                      </a:tcPr>
+                    </a:tc>
+                    <a:tc>
+                      <a:txBody>
+                        <a:bodyPr/>
+                        <a:lstStyle/>
+                        <a:p>
+                          <a:pPr/>
+                          <a14:m>
+                            <m:oMathPara xmlns:m="http://schemas.openxmlformats.org/officeDocument/2006/math">
+                              <m:oMathParaPr>
+                                <m:jc m:val="centerGroup"/>
+                              </m:oMathParaPr>
+                              <m:oMath xmlns:m="http://schemas.openxmlformats.org/officeDocument/2006/math">
+                                <m:r>
+                                  <a:rPr lang="en-US" sz="3200" b="0" i="1" smtClean="0">
+                                    <a:latin typeface="Cambria Math" panose="02040503050406030204" pitchFamily="18" charset="0"/>
+                                  </a:rPr>
+                                  <m:t>.</m:t>
+                                </m:r>
+                              </m:oMath>
+                            </m:oMathPara>
+                          </a14:m>
+                          <a:endParaRPr lang="en-US" sz="3200" dirty="0"/>
+                        </a:p>
+                      </a:txBody>
+                      <a:tcPr>
+                        <a:lnL w="12700" cap="flat" cmpd="sng" algn="ctr">
+                          <a:noFill/>
+                          <a:prstDash val="solid"/>
+                          <a:round/>
+                          <a:headEnd type="none" w="med" len="med"/>
+                          <a:tailEnd type="none" w="med" len="med"/>
+                        </a:lnL>
+                        <a:lnR w="12700" cap="flat" cmpd="sng" algn="ctr">
+                          <a:solidFill>
+                            <a:schemeClr val="tx1"/>
+                          </a:solidFill>
+                          <a:prstDash val="solid"/>
+                          <a:round/>
+                          <a:headEnd type="none" w="med" len="med"/>
+                          <a:tailEnd type="none" w="med" len="med"/>
+                        </a:lnR>
+                        <a:lnT w="12700" cap="flat" cmpd="sng" algn="ctr">
+                          <a:noFill/>
+                          <a:prstDash val="solid"/>
+                          <a:round/>
+                          <a:headEnd type="none" w="med" len="med"/>
+                          <a:tailEnd type="none" w="med" len="med"/>
+                        </a:lnT>
+                        <a:lnB w="12700" cap="flat" cmpd="sng" algn="ctr">
+                          <a:noFill/>
+                          <a:prstDash val="solid"/>
+                          <a:round/>
+                          <a:headEnd type="none" w="med" len="med"/>
+                          <a:tailEnd type="none" w="med" len="med"/>
+                        </a:lnB>
+                        <a:lnTlToBr w="12700" cmpd="sng">
+                          <a:noFill/>
+                          <a:prstDash val="solid"/>
+                        </a:lnTlToBr>
+                        <a:lnBlToTr w="12700" cmpd="sng">
+                          <a:noFill/>
+                          <a:prstDash val="solid"/>
+                        </a:lnBlToTr>
+                      </a:tcPr>
+                    </a:tc>
+                    <a:extLst>
+                      <a:ext uri="{0D108BD9-81ED-4DB2-BD59-A6C34878D82A}">
+                        <a16:rowId xmlns:a16="http://schemas.microsoft.com/office/drawing/2014/main" val="1079821898"/>
+                      </a:ext>
+                    </a:extLst>
+                  </a:tr>
+                  <a:tr h="599046">
+                    <a:tc>
+                      <a:txBody>
+                        <a:bodyPr/>
+                        <a:lstStyle/>
+                        <a:p>
+                          <a:pPr/>
+                          <a14:m>
+                            <m:oMathPara xmlns:m="http://schemas.openxmlformats.org/officeDocument/2006/math">
+                              <m:oMathParaPr>
+                                <m:jc m:val="centerGroup"/>
+                              </m:oMathParaPr>
+                              <m:oMath xmlns:m="http://schemas.openxmlformats.org/officeDocument/2006/math">
+                                <m:r>
+                                  <a:rPr lang="en-US" sz="3200" b="0" i="1" smtClean="0">
+                                    <a:latin typeface="Cambria Math" panose="02040503050406030204" pitchFamily="18" charset="0"/>
+                                  </a:rPr>
+                                  <m:t>.</m:t>
+                                </m:r>
+                              </m:oMath>
+                            </m:oMathPara>
+                          </a14:m>
+                          <a:endParaRPr lang="en-US" sz="3200" dirty="0"/>
+                        </a:p>
+                      </a:txBody>
+                      <a:tcPr>
+                        <a:lnL w="12700" cap="flat" cmpd="sng" algn="ctr">
+                          <a:solidFill>
+                            <a:schemeClr val="tx1"/>
+                          </a:solidFill>
+                          <a:prstDash val="solid"/>
+                          <a:round/>
+                          <a:headEnd type="none" w="med" len="med"/>
+                          <a:tailEnd type="none" w="med" len="med"/>
+                        </a:lnL>
+                        <a:lnR w="12700" cap="flat" cmpd="sng" algn="ctr">
+                          <a:noFill/>
+                          <a:prstDash val="solid"/>
+                          <a:round/>
+                          <a:headEnd type="none" w="med" len="med"/>
+                          <a:tailEnd type="none" w="med" len="med"/>
+                        </a:lnR>
+                        <a:lnT w="12700" cap="flat" cmpd="sng" algn="ctr">
+                          <a:noFill/>
+                          <a:prstDash val="solid"/>
+                          <a:round/>
+                          <a:headEnd type="none" w="med" len="med"/>
+                          <a:tailEnd type="none" w="med" len="med"/>
+                        </a:lnT>
+                        <a:lnB w="12700" cap="flat" cmpd="sng" algn="ctr">
+                          <a:noFill/>
+                          <a:prstDash val="solid"/>
+                          <a:round/>
+                          <a:headEnd type="none" w="med" len="med"/>
+                          <a:tailEnd type="none" w="med" len="med"/>
+                        </a:lnB>
+                        <a:lnTlToBr w="12700" cmpd="sng">
+                          <a:noFill/>
+                          <a:prstDash val="solid"/>
+                        </a:lnTlToBr>
+                        <a:lnBlToTr w="12700" cmpd="sng">
+                          <a:noFill/>
+                          <a:prstDash val="solid"/>
+                        </a:lnBlToTr>
+                      </a:tcPr>
+                    </a:tc>
+                    <a:tc>
+                      <a:txBody>
+                        <a:bodyPr/>
+                        <a:lstStyle/>
+                        <a:p>
+                          <a:pPr/>
+                          <a14:m>
+                            <m:oMathPara xmlns:m="http://schemas.openxmlformats.org/officeDocument/2006/math">
+                              <m:oMathParaPr>
+                                <m:jc m:val="centerGroup"/>
+                              </m:oMathParaPr>
+                              <m:oMath xmlns:m="http://schemas.openxmlformats.org/officeDocument/2006/math">
+                                <m:r>
+                                  <a:rPr lang="en-US" sz="3200" b="0" i="1" smtClean="0">
+                                    <a:latin typeface="Cambria Math" panose="02040503050406030204" pitchFamily="18" charset="0"/>
+                                  </a:rPr>
+                                  <m:t>.</m:t>
+                                </m:r>
+                              </m:oMath>
+                            </m:oMathPara>
+                          </a14:m>
+                          <a:endParaRPr lang="en-US" sz="3200" dirty="0"/>
+                        </a:p>
+                      </a:txBody>
+                      <a:tcPr>
+                        <a:lnL w="12700" cap="flat" cmpd="sng" algn="ctr">
+                          <a:noFill/>
+                          <a:prstDash val="solid"/>
+                          <a:round/>
+                          <a:headEnd type="none" w="med" len="med"/>
+                          <a:tailEnd type="none" w="med" len="med"/>
+                        </a:lnL>
+                        <a:lnR w="12700" cap="flat" cmpd="sng" algn="ctr">
+                          <a:noFill/>
+                          <a:prstDash val="solid"/>
+                          <a:round/>
+                          <a:headEnd type="none" w="med" len="med"/>
+                          <a:tailEnd type="none" w="med" len="med"/>
+                        </a:lnR>
+                        <a:lnT w="12700" cap="flat" cmpd="sng" algn="ctr">
+                          <a:noFill/>
+                          <a:prstDash val="solid"/>
+                          <a:round/>
+                          <a:headEnd type="none" w="med" len="med"/>
+                          <a:tailEnd type="none" w="med" len="med"/>
+                        </a:lnT>
+                        <a:lnB w="12700" cap="flat" cmpd="sng" algn="ctr">
+                          <a:noFill/>
+                          <a:prstDash val="solid"/>
+                          <a:round/>
+                          <a:headEnd type="none" w="med" len="med"/>
+                          <a:tailEnd type="none" w="med" len="med"/>
+                        </a:lnB>
+                        <a:lnTlToBr w="12700" cmpd="sng">
+                          <a:noFill/>
+                          <a:prstDash val="solid"/>
+                        </a:lnTlToBr>
+                        <a:lnBlToTr w="12700" cmpd="sng">
+                          <a:noFill/>
+                          <a:prstDash val="solid"/>
+                        </a:lnBlToTr>
+                      </a:tcPr>
+                    </a:tc>
+                    <a:tc>
+                      <a:txBody>
+                        <a:bodyPr/>
+                        <a:lstStyle/>
+                        <a:p>
+                          <a:pPr/>
+                          <a14:m>
+                            <m:oMathPara xmlns:m="http://schemas.openxmlformats.org/officeDocument/2006/math">
+                              <m:oMathParaPr>
+                                <m:jc m:val="centerGroup"/>
+                              </m:oMathParaPr>
+                              <m:oMath xmlns:m="http://schemas.openxmlformats.org/officeDocument/2006/math">
+                                <m:r>
+                                  <a:rPr lang="en-US" sz="3200" b="0" i="1" smtClean="0">
+                                    <a:latin typeface="Cambria Math" panose="02040503050406030204" pitchFamily="18" charset="0"/>
+                                  </a:rPr>
+                                  <m:t>.</m:t>
+                                </m:r>
+                              </m:oMath>
+                            </m:oMathPara>
+                          </a14:m>
+                          <a:endParaRPr lang="en-US" sz="3200" dirty="0"/>
+                        </a:p>
+                      </a:txBody>
+                      <a:tcPr>
+                        <a:lnL w="12700" cap="flat" cmpd="sng" algn="ctr">
+                          <a:noFill/>
+                          <a:prstDash val="solid"/>
+                          <a:round/>
+                          <a:headEnd type="none" w="med" len="med"/>
+                          <a:tailEnd type="none" w="med" len="med"/>
+                        </a:lnL>
+                        <a:lnR w="12700" cap="flat" cmpd="sng" algn="ctr">
+                          <a:noFill/>
+                          <a:prstDash val="solid"/>
+                          <a:round/>
+                          <a:headEnd type="none" w="med" len="med"/>
+                          <a:tailEnd type="none" w="med" len="med"/>
+                        </a:lnR>
+                        <a:lnT w="12700" cap="flat" cmpd="sng" algn="ctr">
+                          <a:noFill/>
+                          <a:prstDash val="solid"/>
+                          <a:round/>
+                          <a:headEnd type="none" w="med" len="med"/>
+                          <a:tailEnd type="none" w="med" len="med"/>
+                        </a:lnT>
+                        <a:lnB w="12700" cap="flat" cmpd="sng" algn="ctr">
+                          <a:noFill/>
+                          <a:prstDash val="solid"/>
+                          <a:round/>
+                          <a:headEnd type="none" w="med" len="med"/>
+                          <a:tailEnd type="none" w="med" len="med"/>
+                        </a:lnB>
+                        <a:lnTlToBr w="12700" cmpd="sng">
+                          <a:noFill/>
+                          <a:prstDash val="solid"/>
+                        </a:lnTlToBr>
+                        <a:lnBlToTr w="12700" cmpd="sng">
+                          <a:noFill/>
+                          <a:prstDash val="solid"/>
+                        </a:lnBlToTr>
+                      </a:tcPr>
+                    </a:tc>
+                    <a:tc>
+                      <a:txBody>
+                        <a:bodyPr/>
+                        <a:lstStyle/>
+                        <a:p>
+                          <a:pPr/>
+                          <a14:m>
+                            <m:oMathPara xmlns:m="http://schemas.openxmlformats.org/officeDocument/2006/math">
+                              <m:oMathParaPr>
+                                <m:jc m:val="centerGroup"/>
+                              </m:oMathParaPr>
+                              <m:oMath xmlns:m="http://schemas.openxmlformats.org/officeDocument/2006/math">
+                                <m:r>
+                                  <a:rPr lang="en-US" sz="3200" b="0" i="1" smtClean="0">
+                                    <a:latin typeface="Cambria Math" panose="02040503050406030204" pitchFamily="18" charset="0"/>
+                                  </a:rPr>
+                                  <m:t>.</m:t>
+                                </m:r>
+                              </m:oMath>
+                            </m:oMathPara>
+                          </a14:m>
+                          <a:endParaRPr lang="en-US" sz="3200" dirty="0"/>
+                        </a:p>
+                      </a:txBody>
+                      <a:tcPr>
+                        <a:lnL w="12700" cap="flat" cmpd="sng" algn="ctr">
+                          <a:noFill/>
+                          <a:prstDash val="solid"/>
+                          <a:round/>
+                          <a:headEnd type="none" w="med" len="med"/>
+                          <a:tailEnd type="none" w="med" len="med"/>
+                        </a:lnL>
+                        <a:lnR w="12700" cap="flat" cmpd="sng" algn="ctr">
+                          <a:noFill/>
+                          <a:prstDash val="solid"/>
+                          <a:round/>
+                          <a:headEnd type="none" w="med" len="med"/>
+                          <a:tailEnd type="none" w="med" len="med"/>
+                        </a:lnR>
+                        <a:lnT w="12700" cap="flat" cmpd="sng" algn="ctr">
+                          <a:noFill/>
+                          <a:prstDash val="solid"/>
+                          <a:round/>
+                          <a:headEnd type="none" w="med" len="med"/>
+                          <a:tailEnd type="none" w="med" len="med"/>
+                        </a:lnT>
+                        <a:lnB w="12700" cap="flat" cmpd="sng" algn="ctr">
+                          <a:noFill/>
+                          <a:prstDash val="solid"/>
+                          <a:round/>
+                          <a:headEnd type="none" w="med" len="med"/>
+                          <a:tailEnd type="none" w="med" len="med"/>
+                        </a:lnB>
+                        <a:lnTlToBr w="12700" cmpd="sng">
+                          <a:noFill/>
+                          <a:prstDash val="solid"/>
+                        </a:lnTlToBr>
+                        <a:lnBlToTr w="12700" cmpd="sng">
+                          <a:noFill/>
+                          <a:prstDash val="solid"/>
+                        </a:lnBlToTr>
+                      </a:tcPr>
+                    </a:tc>
+                    <a:tc>
+                      <a:txBody>
+                        <a:bodyPr/>
+                        <a:lstStyle/>
+                        <a:p>
+                          <a:pPr/>
+                          <a14:m>
+                            <m:oMathPara xmlns:m="http://schemas.openxmlformats.org/officeDocument/2006/math">
+                              <m:oMathParaPr>
+                                <m:jc m:val="centerGroup"/>
+                              </m:oMathParaPr>
+                              <m:oMath xmlns:m="http://schemas.openxmlformats.org/officeDocument/2006/math">
+                                <m:r>
+                                  <a:rPr lang="en-US" sz="3200" b="0" i="1" smtClean="0">
+                                    <a:latin typeface="Cambria Math" panose="02040503050406030204" pitchFamily="18" charset="0"/>
+                                  </a:rPr>
+                                  <m:t>.</m:t>
+                                </m:r>
+                              </m:oMath>
+                            </m:oMathPara>
+                          </a14:m>
+                          <a:endParaRPr lang="en-US" sz="3200" dirty="0"/>
+                        </a:p>
+                      </a:txBody>
+                      <a:tcPr>
+                        <a:lnL w="12700" cap="flat" cmpd="sng" algn="ctr">
+                          <a:noFill/>
+                          <a:prstDash val="solid"/>
+                          <a:round/>
+                          <a:headEnd type="none" w="med" len="med"/>
+                          <a:tailEnd type="none" w="med" len="med"/>
+                        </a:lnL>
+                        <a:lnR w="12700" cap="flat" cmpd="sng" algn="ctr">
+                          <a:solidFill>
+                            <a:schemeClr val="tx1"/>
+                          </a:solidFill>
+                          <a:prstDash val="solid"/>
+                          <a:round/>
+                          <a:headEnd type="none" w="med" len="med"/>
+                          <a:tailEnd type="none" w="med" len="med"/>
+                        </a:lnR>
+                        <a:lnT w="12700" cap="flat" cmpd="sng" algn="ctr">
+                          <a:noFill/>
+                          <a:prstDash val="solid"/>
+                          <a:round/>
+                          <a:headEnd type="none" w="med" len="med"/>
+                          <a:tailEnd type="none" w="med" len="med"/>
+                        </a:lnT>
+                        <a:lnB w="12700" cap="flat" cmpd="sng" algn="ctr">
+                          <a:noFill/>
+                          <a:prstDash val="solid"/>
+                          <a:round/>
+                          <a:headEnd type="none" w="med" len="med"/>
+                          <a:tailEnd type="none" w="med" len="med"/>
+                        </a:lnB>
+                        <a:lnTlToBr w="12700" cmpd="sng">
+                          <a:noFill/>
+                          <a:prstDash val="solid"/>
+                        </a:lnTlToBr>
+                        <a:lnBlToTr w="12700" cmpd="sng">
+                          <a:noFill/>
+                          <a:prstDash val="solid"/>
+                        </a:lnBlToTr>
+                      </a:tcPr>
+                    </a:tc>
+                    <a:extLst>
+                      <a:ext uri="{0D108BD9-81ED-4DB2-BD59-A6C34878D82A}">
+                        <a16:rowId xmlns:a16="http://schemas.microsoft.com/office/drawing/2014/main" val="2872114764"/>
+                      </a:ext>
+                    </a:extLst>
+                  </a:tr>
+                </a:tbl>
+              </a:graphicData>
+            </a:graphic>
+          </p:graphicFrame>
+        </mc:Choice>
+        <mc:Fallback>
+          <p:graphicFrame>
+            <p:nvGraphicFramePr>
+              <p:cNvPr id="6" name="Table 5">
+                <a:extLst>
+                  <a:ext uri="{FF2B5EF4-FFF2-40B4-BE49-F238E27FC236}">
+                    <a16:creationId xmlns:a16="http://schemas.microsoft.com/office/drawing/2014/main" id="{E2A87B87-38A0-4161-B399-FC28948DD2A8}"/>
+                  </a:ext>
+                </a:extLst>
+              </p:cNvPr>
+              <p:cNvGraphicFramePr>
+                <a:graphicFrameLocks noGrp="1"/>
+              </p:cNvGraphicFramePr>
+              <p:nvPr>
+                <p:extLst>
+                  <p:ext uri="{D42A27DB-BD31-4B8C-83A1-F6EECF244321}">
+                    <p14:modId xmlns:p14="http://schemas.microsoft.com/office/powerpoint/2010/main" val="4203199658"/>
+                  </p:ext>
+                </p:extLst>
+              </p:nvPr>
+            </p:nvGraphicFramePr>
+            <p:xfrm>
+              <a:off x="5537200" y="1690688"/>
+              <a:ext cx="4064000" cy="2995230"/>
+            </p:xfrm>
+            <a:graphic>
+              <a:graphicData uri="http://schemas.openxmlformats.org/drawingml/2006/table">
+                <a:tbl>
+                  <a:tblPr firstRow="1" bandRow="1">
+                    <a:tableStyleId>{2D5ABB26-0587-4C30-8999-92F81FD0307C}</a:tableStyleId>
+                  </a:tblPr>
+                  <a:tblGrid>
+                    <a:gridCol w="812800">
+                      <a:extLst>
+                        <a:ext uri="{9D8B030D-6E8A-4147-A177-3AD203B41FA5}">
+                          <a16:colId xmlns:a16="http://schemas.microsoft.com/office/drawing/2014/main" val="4056166537"/>
+                        </a:ext>
+                      </a:extLst>
+                    </a:gridCol>
+                    <a:gridCol w="812800">
+                      <a:extLst>
+                        <a:ext uri="{9D8B030D-6E8A-4147-A177-3AD203B41FA5}">
+                          <a16:colId xmlns:a16="http://schemas.microsoft.com/office/drawing/2014/main" val="3077311197"/>
+                        </a:ext>
+                      </a:extLst>
+                    </a:gridCol>
+                    <a:gridCol w="812800">
+                      <a:extLst>
+                        <a:ext uri="{9D8B030D-6E8A-4147-A177-3AD203B41FA5}">
+                          <a16:colId xmlns:a16="http://schemas.microsoft.com/office/drawing/2014/main" val="437580007"/>
+                        </a:ext>
+                      </a:extLst>
+                    </a:gridCol>
+                    <a:gridCol w="812800">
+                      <a:extLst>
+                        <a:ext uri="{9D8B030D-6E8A-4147-A177-3AD203B41FA5}">
+                          <a16:colId xmlns:a16="http://schemas.microsoft.com/office/drawing/2014/main" val="3110053692"/>
+                        </a:ext>
+                      </a:extLst>
+                    </a:gridCol>
+                    <a:gridCol w="812800">
+                      <a:extLst>
+                        <a:ext uri="{9D8B030D-6E8A-4147-A177-3AD203B41FA5}">
+                          <a16:colId xmlns:a16="http://schemas.microsoft.com/office/drawing/2014/main" val="1661254295"/>
+                        </a:ext>
+                      </a:extLst>
+                    </a:gridCol>
+                  </a:tblGrid>
+                  <a:tr h="599046">
+                    <a:tc>
+                      <a:txBody>
+                        <a:bodyPr/>
+                        <a:lstStyle/>
+                        <a:p>
+                          <a:endParaRPr lang="en-US"/>
+                        </a:p>
+                      </a:txBody>
+                      <a:tcPr>
+                        <a:lnL w="12700" cap="flat" cmpd="sng" algn="ctr">
+                          <a:solidFill>
+                            <a:schemeClr val="tx1"/>
+                          </a:solidFill>
+                          <a:prstDash val="solid"/>
+                          <a:round/>
+                          <a:headEnd type="none" w="med" len="med"/>
+                          <a:tailEnd type="none" w="med" len="med"/>
+                        </a:lnL>
+                        <a:lnR w="12700" cap="flat" cmpd="sng" algn="ctr">
+                          <a:noFill/>
+                          <a:prstDash val="solid"/>
+                          <a:round/>
+                          <a:headEnd type="none" w="med" len="med"/>
+                          <a:tailEnd type="none" w="med" len="med"/>
+                        </a:lnR>
+                        <a:lnT w="12700" cap="flat" cmpd="sng" algn="ctr">
+                          <a:noFill/>
+                          <a:prstDash val="solid"/>
+                          <a:round/>
+                          <a:headEnd type="none" w="med" len="med"/>
+                          <a:tailEnd type="none" w="med" len="med"/>
+                        </a:lnT>
+                        <a:lnB w="12700" cap="flat" cmpd="sng" algn="ctr">
+                          <a:noFill/>
+                          <a:prstDash val="solid"/>
+                          <a:round/>
+                          <a:headEnd type="none" w="med" len="med"/>
+                          <a:tailEnd type="none" w="med" len="med"/>
+                        </a:lnB>
+                        <a:lnTlToBr w="12700" cmpd="sng">
+                          <a:noFill/>
+                          <a:prstDash val="solid"/>
+                        </a:lnTlToBr>
+                        <a:lnBlToTr w="12700" cmpd="sng">
+                          <a:noFill/>
+                          <a:prstDash val="solid"/>
+                        </a:lnBlToTr>
+                        <a:blipFill>
+                          <a:blip r:embed="rId3"/>
+                          <a:stretch>
+                            <a:fillRect l="-752" r="-403008" b="-403061"/>
+                          </a:stretch>
+                        </a:blipFill>
+                      </a:tcPr>
+                    </a:tc>
+                    <a:tc>
+                      <a:txBody>
+                        <a:bodyPr/>
+                        <a:lstStyle/>
+                        <a:p>
+                          <a:endParaRPr lang="en-US"/>
+                        </a:p>
+                      </a:txBody>
+                      <a:tcPr>
+                        <a:lnL w="12700" cap="flat" cmpd="sng" algn="ctr">
+                          <a:noFill/>
+                          <a:prstDash val="solid"/>
+                          <a:round/>
+                          <a:headEnd type="none" w="med" len="med"/>
+                          <a:tailEnd type="none" w="med" len="med"/>
+                        </a:lnL>
+                        <a:lnR w="12700" cap="flat" cmpd="sng" algn="ctr">
+                          <a:noFill/>
+                          <a:prstDash val="solid"/>
+                          <a:round/>
+                          <a:headEnd type="none" w="med" len="med"/>
+                          <a:tailEnd type="none" w="med" len="med"/>
+                        </a:lnR>
+                        <a:lnT w="12700" cap="flat" cmpd="sng" algn="ctr">
+                          <a:noFill/>
+                          <a:prstDash val="solid"/>
+                          <a:round/>
+                          <a:headEnd type="none" w="med" len="med"/>
+                          <a:tailEnd type="none" w="med" len="med"/>
+                        </a:lnT>
+                        <a:lnB w="12700" cap="flat" cmpd="sng" algn="ctr">
+                          <a:noFill/>
+                          <a:prstDash val="solid"/>
+                          <a:round/>
+                          <a:headEnd type="none" w="med" len="med"/>
+                          <a:tailEnd type="none" w="med" len="med"/>
+                        </a:lnB>
+                        <a:lnTlToBr w="12700" cmpd="sng">
+                          <a:noFill/>
+                          <a:prstDash val="solid"/>
+                        </a:lnTlToBr>
+                        <a:lnBlToTr w="12700" cmpd="sng">
+                          <a:noFill/>
+                          <a:prstDash val="solid"/>
+                        </a:lnBlToTr>
+                        <a:blipFill>
+                          <a:blip r:embed="rId3"/>
+                          <a:stretch>
+                            <a:fillRect l="-100000" r="-300000" b="-403061"/>
+                          </a:stretch>
+                        </a:blipFill>
+                      </a:tcPr>
+                    </a:tc>
+                    <a:tc>
+                      <a:txBody>
+                        <a:bodyPr/>
+                        <a:lstStyle/>
+                        <a:p>
+                          <a:endParaRPr lang="en-US"/>
+                        </a:p>
+                      </a:txBody>
+                      <a:tcPr>
+                        <a:lnL w="12700" cap="flat" cmpd="sng" algn="ctr">
+                          <a:noFill/>
+                          <a:prstDash val="solid"/>
+                          <a:round/>
+                          <a:headEnd type="none" w="med" len="med"/>
+                          <a:tailEnd type="none" w="med" len="med"/>
+                        </a:lnL>
+                        <a:lnR w="12700" cap="flat" cmpd="sng" algn="ctr">
+                          <a:noFill/>
+                          <a:prstDash val="solid"/>
+                          <a:round/>
+                          <a:headEnd type="none" w="med" len="med"/>
+                          <a:tailEnd type="none" w="med" len="med"/>
+                        </a:lnR>
+                        <a:lnT w="12700" cap="flat" cmpd="sng" algn="ctr">
+                          <a:noFill/>
+                          <a:prstDash val="solid"/>
+                          <a:round/>
+                          <a:headEnd type="none" w="med" len="med"/>
+                          <a:tailEnd type="none" w="med" len="med"/>
+                        </a:lnT>
+                        <a:lnB w="12700" cap="flat" cmpd="sng" algn="ctr">
+                          <a:noFill/>
+                          <a:prstDash val="solid"/>
+                          <a:round/>
+                          <a:headEnd type="none" w="med" len="med"/>
+                          <a:tailEnd type="none" w="med" len="med"/>
+                        </a:lnB>
+                        <a:lnTlToBr w="12700" cmpd="sng">
+                          <a:noFill/>
+                          <a:prstDash val="solid"/>
+                        </a:lnTlToBr>
+                        <a:lnBlToTr w="12700" cmpd="sng">
+                          <a:noFill/>
+                          <a:prstDash val="solid"/>
+                        </a:lnBlToTr>
+                        <a:blipFill>
+                          <a:blip r:embed="rId3"/>
+                          <a:stretch>
+                            <a:fillRect l="-201504" r="-202256" b="-403061"/>
+                          </a:stretch>
+                        </a:blipFill>
+                      </a:tcPr>
+                    </a:tc>
+                    <a:tc>
+                      <a:txBody>
+                        <a:bodyPr/>
+                        <a:lstStyle/>
+                        <a:p>
+                          <a:endParaRPr lang="en-US"/>
+                        </a:p>
+                      </a:txBody>
+                      <a:tcPr>
+                        <a:lnL w="12700" cap="flat" cmpd="sng" algn="ctr">
+                          <a:noFill/>
+                          <a:prstDash val="solid"/>
+                          <a:round/>
+                          <a:headEnd type="none" w="med" len="med"/>
+                          <a:tailEnd type="none" w="med" len="med"/>
+                        </a:lnL>
+                        <a:lnR w="12700" cap="flat" cmpd="sng" algn="ctr">
+                          <a:noFill/>
+                          <a:prstDash val="solid"/>
+                          <a:round/>
+                          <a:headEnd type="none" w="med" len="med"/>
+                          <a:tailEnd type="none" w="med" len="med"/>
+                        </a:lnR>
+                        <a:lnT w="12700" cap="flat" cmpd="sng" algn="ctr">
+                          <a:noFill/>
+                          <a:prstDash val="solid"/>
+                          <a:round/>
+                          <a:headEnd type="none" w="med" len="med"/>
+                          <a:tailEnd type="none" w="med" len="med"/>
+                        </a:lnT>
+                        <a:lnB w="12700" cap="flat" cmpd="sng" algn="ctr">
+                          <a:noFill/>
+                          <a:prstDash val="solid"/>
+                          <a:round/>
+                          <a:headEnd type="none" w="med" len="med"/>
+                          <a:tailEnd type="none" w="med" len="med"/>
+                        </a:lnB>
+                        <a:lnTlToBr w="12700" cmpd="sng">
+                          <a:noFill/>
+                          <a:prstDash val="solid"/>
+                        </a:lnTlToBr>
+                        <a:lnBlToTr w="12700" cmpd="sng">
+                          <a:noFill/>
+                          <a:prstDash val="solid"/>
+                        </a:lnBlToTr>
+                        <a:blipFill>
+                          <a:blip r:embed="rId3"/>
+                          <a:stretch>
+                            <a:fillRect l="-299254" r="-100746" b="-403061"/>
+                          </a:stretch>
+                        </a:blipFill>
+                      </a:tcPr>
+                    </a:tc>
+                    <a:tc>
+                      <a:txBody>
+                        <a:bodyPr/>
+                        <a:lstStyle/>
+                        <a:p>
+                          <a:endParaRPr lang="en-US"/>
+                        </a:p>
+                      </a:txBody>
+                      <a:tcPr>
+                        <a:lnL w="12700" cap="flat" cmpd="sng" algn="ctr">
+                          <a:noFill/>
+                          <a:prstDash val="solid"/>
+                          <a:round/>
+                          <a:headEnd type="none" w="med" len="med"/>
+                          <a:tailEnd type="none" w="med" len="med"/>
+                        </a:lnL>
+                        <a:lnR w="12700" cap="flat" cmpd="sng" algn="ctr">
+                          <a:solidFill>
+                            <a:schemeClr val="tx1"/>
+                          </a:solidFill>
+                          <a:prstDash val="solid"/>
+                          <a:round/>
+                          <a:headEnd type="none" w="med" len="med"/>
+                          <a:tailEnd type="none" w="med" len="med"/>
+                        </a:lnR>
+                        <a:lnT w="12700" cap="flat" cmpd="sng" algn="ctr">
+                          <a:noFill/>
+                          <a:prstDash val="solid"/>
+                          <a:round/>
+                          <a:headEnd type="none" w="med" len="med"/>
+                          <a:tailEnd type="none" w="med" len="med"/>
+                        </a:lnT>
+                        <a:lnB w="12700" cap="flat" cmpd="sng" algn="ctr">
+                          <a:noFill/>
+                          <a:prstDash val="solid"/>
+                          <a:round/>
+                          <a:headEnd type="none" w="med" len="med"/>
+                          <a:tailEnd type="none" w="med" len="med"/>
+                        </a:lnB>
+                        <a:lnTlToBr w="12700" cmpd="sng">
+                          <a:noFill/>
+                          <a:prstDash val="solid"/>
+                        </a:lnTlToBr>
+                        <a:lnBlToTr w="12700" cmpd="sng">
+                          <a:noFill/>
+                          <a:prstDash val="solid"/>
+                        </a:lnBlToTr>
+                        <a:blipFill>
+                          <a:blip r:embed="rId3"/>
+                          <a:stretch>
+                            <a:fillRect l="-402256" r="-1504" b="-403061"/>
+                          </a:stretch>
+                        </a:blipFill>
+                      </a:tcPr>
+                    </a:tc>
+                    <a:extLst>
+                      <a:ext uri="{0D108BD9-81ED-4DB2-BD59-A6C34878D82A}">
+                        <a16:rowId xmlns:a16="http://schemas.microsoft.com/office/drawing/2014/main" val="2801954663"/>
+                      </a:ext>
+                    </a:extLst>
+                  </a:tr>
+                  <a:tr h="599046">
+                    <a:tc>
+                      <a:txBody>
+                        <a:bodyPr/>
+                        <a:lstStyle/>
+                        <a:p>
+                          <a:endParaRPr lang="en-US"/>
+                        </a:p>
+                      </a:txBody>
+                      <a:tcPr>
+                        <a:lnL w="12700" cap="flat" cmpd="sng" algn="ctr">
+                          <a:solidFill>
+                            <a:schemeClr val="tx1"/>
+                          </a:solidFill>
+                          <a:prstDash val="solid"/>
+                          <a:round/>
+                          <a:headEnd type="none" w="med" len="med"/>
+                          <a:tailEnd type="none" w="med" len="med"/>
+                        </a:lnL>
+                        <a:lnR w="12700" cap="flat" cmpd="sng" algn="ctr">
+                          <a:noFill/>
+                          <a:prstDash val="solid"/>
+                          <a:round/>
+                          <a:headEnd type="none" w="med" len="med"/>
+                          <a:tailEnd type="none" w="med" len="med"/>
+                        </a:lnR>
+                        <a:lnT w="12700" cap="flat" cmpd="sng" algn="ctr">
+                          <a:noFill/>
+                          <a:prstDash val="solid"/>
+                          <a:round/>
+                          <a:headEnd type="none" w="med" len="med"/>
+                          <a:tailEnd type="none" w="med" len="med"/>
+                        </a:lnT>
+                        <a:lnB w="12700" cap="flat" cmpd="sng" algn="ctr">
+                          <a:noFill/>
+                          <a:prstDash val="solid"/>
+                          <a:round/>
+                          <a:headEnd type="none" w="med" len="med"/>
+                          <a:tailEnd type="none" w="med" len="med"/>
+                        </a:lnB>
+                        <a:lnTlToBr w="12700" cmpd="sng">
+                          <a:noFill/>
+                          <a:prstDash val="solid"/>
+                        </a:lnTlToBr>
+                        <a:lnBlToTr w="12700" cmpd="sng">
+                          <a:noFill/>
+                          <a:prstDash val="solid"/>
+                        </a:lnBlToTr>
+                        <a:blipFill>
+                          <a:blip r:embed="rId3"/>
+                          <a:stretch>
+                            <a:fillRect l="-752" t="-98990" r="-403008" b="-298990"/>
+                          </a:stretch>
+                        </a:blipFill>
+                      </a:tcPr>
+                    </a:tc>
+                    <a:tc>
+                      <a:txBody>
+                        <a:bodyPr/>
+                        <a:lstStyle/>
+                        <a:p>
+                          <a:endParaRPr lang="en-US"/>
+                        </a:p>
+                      </a:txBody>
+                      <a:tcPr>
+                        <a:lnL w="12700" cap="flat" cmpd="sng" algn="ctr">
+                          <a:noFill/>
+                          <a:prstDash val="solid"/>
+                          <a:round/>
+                          <a:headEnd type="none" w="med" len="med"/>
+                          <a:tailEnd type="none" w="med" len="med"/>
+                        </a:lnL>
+                        <a:lnR w="12700" cap="flat" cmpd="sng" algn="ctr">
+                          <a:noFill/>
+                          <a:prstDash val="solid"/>
+                          <a:round/>
+                          <a:headEnd type="none" w="med" len="med"/>
+                          <a:tailEnd type="none" w="med" len="med"/>
+                        </a:lnR>
+                        <a:lnT w="12700" cap="flat" cmpd="sng" algn="ctr">
+                          <a:noFill/>
+                          <a:prstDash val="solid"/>
+                          <a:round/>
+                          <a:headEnd type="none" w="med" len="med"/>
+                          <a:tailEnd type="none" w="med" len="med"/>
+                        </a:lnT>
+                        <a:lnB w="12700" cap="flat" cmpd="sng" algn="ctr">
+                          <a:noFill/>
+                          <a:prstDash val="solid"/>
+                          <a:round/>
+                          <a:headEnd type="none" w="med" len="med"/>
+                          <a:tailEnd type="none" w="med" len="med"/>
+                        </a:lnB>
+                        <a:lnTlToBr w="12700" cmpd="sng">
+                          <a:noFill/>
+                          <a:prstDash val="solid"/>
+                        </a:lnTlToBr>
+                        <a:lnBlToTr w="12700" cmpd="sng">
+                          <a:noFill/>
+                          <a:prstDash val="solid"/>
+                        </a:lnBlToTr>
+                        <a:blipFill>
+                          <a:blip r:embed="rId3"/>
+                          <a:stretch>
+                            <a:fillRect l="-100000" t="-98990" r="-300000" b="-298990"/>
+                          </a:stretch>
+                        </a:blipFill>
+                      </a:tcPr>
+                    </a:tc>
+                    <a:tc>
+                      <a:txBody>
+                        <a:bodyPr/>
+                        <a:lstStyle/>
+                        <a:p>
+                          <a:endParaRPr lang="en-US"/>
+                        </a:p>
+                      </a:txBody>
+                      <a:tcPr>
+                        <a:lnL w="12700" cap="flat" cmpd="sng" algn="ctr">
+                          <a:noFill/>
+                          <a:prstDash val="solid"/>
+                          <a:round/>
+                          <a:headEnd type="none" w="med" len="med"/>
+                          <a:tailEnd type="none" w="med" len="med"/>
+                        </a:lnL>
+                        <a:lnR w="12700" cap="flat" cmpd="sng" algn="ctr">
+                          <a:noFill/>
+                          <a:prstDash val="solid"/>
+                          <a:round/>
+                          <a:headEnd type="none" w="med" len="med"/>
+                          <a:tailEnd type="none" w="med" len="med"/>
+                        </a:lnR>
+                        <a:lnT w="12700" cap="flat" cmpd="sng" algn="ctr">
+                          <a:noFill/>
+                          <a:prstDash val="solid"/>
+                          <a:round/>
+                          <a:headEnd type="none" w="med" len="med"/>
+                          <a:tailEnd type="none" w="med" len="med"/>
+                        </a:lnT>
+                        <a:lnB w="12700" cap="flat" cmpd="sng" algn="ctr">
+                          <a:noFill/>
+                          <a:prstDash val="solid"/>
+                          <a:round/>
+                          <a:headEnd type="none" w="med" len="med"/>
+                          <a:tailEnd type="none" w="med" len="med"/>
+                        </a:lnB>
+                        <a:lnTlToBr w="12700" cmpd="sng">
+                          <a:noFill/>
+                          <a:prstDash val="solid"/>
+                        </a:lnTlToBr>
+                        <a:lnBlToTr w="12700" cmpd="sng">
+                          <a:noFill/>
+                          <a:prstDash val="solid"/>
+                        </a:lnBlToTr>
+                        <a:blipFill>
+                          <a:blip r:embed="rId3"/>
+                          <a:stretch>
+                            <a:fillRect l="-201504" t="-98990" r="-202256" b="-298990"/>
+                          </a:stretch>
+                        </a:blipFill>
+                      </a:tcPr>
+                    </a:tc>
+                    <a:tc>
+                      <a:txBody>
+                        <a:bodyPr/>
+                        <a:lstStyle/>
+                        <a:p>
+                          <a:endParaRPr lang="en-US"/>
+                        </a:p>
+                      </a:txBody>
+                      <a:tcPr>
+                        <a:lnL w="12700" cap="flat" cmpd="sng" algn="ctr">
+                          <a:noFill/>
+                          <a:prstDash val="solid"/>
+                          <a:round/>
+                          <a:headEnd type="none" w="med" len="med"/>
+                          <a:tailEnd type="none" w="med" len="med"/>
+                        </a:lnL>
+                        <a:lnR w="12700" cap="flat" cmpd="sng" algn="ctr">
+                          <a:noFill/>
+                          <a:prstDash val="solid"/>
+                          <a:round/>
+                          <a:headEnd type="none" w="med" len="med"/>
+                          <a:tailEnd type="none" w="med" len="med"/>
+                        </a:lnR>
+                        <a:lnT w="12700" cap="flat" cmpd="sng" algn="ctr">
+                          <a:noFill/>
+                          <a:prstDash val="solid"/>
+                          <a:round/>
+                          <a:headEnd type="none" w="med" len="med"/>
+                          <a:tailEnd type="none" w="med" len="med"/>
+                        </a:lnT>
+                        <a:lnB w="12700" cap="flat" cmpd="sng" algn="ctr">
+                          <a:noFill/>
+                          <a:prstDash val="solid"/>
+                          <a:round/>
+                          <a:headEnd type="none" w="med" len="med"/>
+                          <a:tailEnd type="none" w="med" len="med"/>
+                        </a:lnB>
+                        <a:lnTlToBr w="12700" cmpd="sng">
+                          <a:noFill/>
+                          <a:prstDash val="solid"/>
+                        </a:lnTlToBr>
+                        <a:lnBlToTr w="12700" cmpd="sng">
+                          <a:noFill/>
+                          <a:prstDash val="solid"/>
+                        </a:lnBlToTr>
+                        <a:blipFill>
+                          <a:blip r:embed="rId3"/>
+                          <a:stretch>
+                            <a:fillRect l="-299254" t="-98990" r="-100746" b="-298990"/>
+                          </a:stretch>
+                        </a:blipFill>
+                      </a:tcPr>
+                    </a:tc>
+                    <a:tc>
+                      <a:txBody>
+                        <a:bodyPr/>
+                        <a:lstStyle/>
+                        <a:p>
+                          <a:endParaRPr lang="en-US"/>
+                        </a:p>
+                      </a:txBody>
+                      <a:tcPr>
+                        <a:lnL w="12700" cap="flat" cmpd="sng" algn="ctr">
+                          <a:noFill/>
+                          <a:prstDash val="solid"/>
+                          <a:round/>
+                          <a:headEnd type="none" w="med" len="med"/>
+                          <a:tailEnd type="none" w="med" len="med"/>
+                        </a:lnL>
+                        <a:lnR w="12700" cap="flat" cmpd="sng" algn="ctr">
+                          <a:solidFill>
+                            <a:schemeClr val="tx1"/>
+                          </a:solidFill>
+                          <a:prstDash val="solid"/>
+                          <a:round/>
+                          <a:headEnd type="none" w="med" len="med"/>
+                          <a:tailEnd type="none" w="med" len="med"/>
+                        </a:lnR>
+                        <a:lnT w="12700" cap="flat" cmpd="sng" algn="ctr">
+                          <a:noFill/>
+                          <a:prstDash val="solid"/>
+                          <a:round/>
+                          <a:headEnd type="none" w="med" len="med"/>
+                          <a:tailEnd type="none" w="med" len="med"/>
+                        </a:lnT>
+                        <a:lnB w="12700" cap="flat" cmpd="sng" algn="ctr">
+                          <a:noFill/>
+                          <a:prstDash val="solid"/>
+                          <a:round/>
+                          <a:headEnd type="none" w="med" len="med"/>
+                          <a:tailEnd type="none" w="med" len="med"/>
+                        </a:lnB>
+                        <a:lnTlToBr w="12700" cmpd="sng">
+                          <a:noFill/>
+                          <a:prstDash val="solid"/>
+                        </a:lnTlToBr>
+                        <a:lnBlToTr w="12700" cmpd="sng">
+                          <a:noFill/>
+                          <a:prstDash val="solid"/>
+                        </a:lnBlToTr>
+                        <a:blipFill>
+                          <a:blip r:embed="rId3"/>
+                          <a:stretch>
+                            <a:fillRect l="-402256" t="-98990" r="-1504" b="-298990"/>
+                          </a:stretch>
+                        </a:blipFill>
+                      </a:tcPr>
+                    </a:tc>
+                    <a:extLst>
+                      <a:ext uri="{0D108BD9-81ED-4DB2-BD59-A6C34878D82A}">
+                        <a16:rowId xmlns:a16="http://schemas.microsoft.com/office/drawing/2014/main" val="1202998512"/>
+                      </a:ext>
+                    </a:extLst>
+                  </a:tr>
+                  <a:tr h="599046">
+                    <a:tc>
+                      <a:txBody>
+                        <a:bodyPr/>
+                        <a:lstStyle/>
+                        <a:p>
+                          <a:endParaRPr lang="en-US"/>
+                        </a:p>
+                      </a:txBody>
+                      <a:tcPr>
+                        <a:lnL w="12700" cap="flat" cmpd="sng" algn="ctr">
+                          <a:solidFill>
+                            <a:schemeClr val="tx1"/>
+                          </a:solidFill>
+                          <a:prstDash val="solid"/>
+                          <a:round/>
+                          <a:headEnd type="none" w="med" len="med"/>
+                          <a:tailEnd type="none" w="med" len="med"/>
+                        </a:lnL>
+                        <a:lnR w="12700" cap="flat" cmpd="sng" algn="ctr">
+                          <a:noFill/>
+                          <a:prstDash val="solid"/>
+                          <a:round/>
+                          <a:headEnd type="none" w="med" len="med"/>
+                          <a:tailEnd type="none" w="med" len="med"/>
+                        </a:lnR>
+                        <a:lnT w="12700" cap="flat" cmpd="sng" algn="ctr">
+                          <a:noFill/>
+                          <a:prstDash val="solid"/>
+                          <a:round/>
+                          <a:headEnd type="none" w="med" len="med"/>
+                          <a:tailEnd type="none" w="med" len="med"/>
+                        </a:lnT>
+                        <a:lnB w="12700" cap="flat" cmpd="sng" algn="ctr">
+                          <a:noFill/>
+                          <a:prstDash val="solid"/>
+                          <a:round/>
+                          <a:headEnd type="none" w="med" len="med"/>
+                          <a:tailEnd type="none" w="med" len="med"/>
+                        </a:lnB>
+                        <a:lnTlToBr w="12700" cmpd="sng">
+                          <a:noFill/>
+                          <a:prstDash val="solid"/>
+                        </a:lnTlToBr>
+                        <a:lnBlToTr w="12700" cmpd="sng">
+                          <a:noFill/>
+                          <a:prstDash val="solid"/>
+                        </a:lnBlToTr>
+                        <a:blipFill>
+                          <a:blip r:embed="rId3"/>
+                          <a:stretch>
+                            <a:fillRect l="-752" t="-201020" r="-403008" b="-202041"/>
+                          </a:stretch>
+                        </a:blipFill>
+                      </a:tcPr>
+                    </a:tc>
+                    <a:tc>
+                      <a:txBody>
+                        <a:bodyPr/>
+                        <a:lstStyle/>
+                        <a:p>
+                          <a:endParaRPr lang="en-US"/>
+                        </a:p>
+                      </a:txBody>
+                      <a:tcPr>
+                        <a:lnL w="12700" cap="flat" cmpd="sng" algn="ctr">
+                          <a:noFill/>
+                          <a:prstDash val="solid"/>
+                          <a:round/>
+                          <a:headEnd type="none" w="med" len="med"/>
+                          <a:tailEnd type="none" w="med" len="med"/>
+                        </a:lnL>
+                        <a:lnR w="12700" cap="flat" cmpd="sng" algn="ctr">
+                          <a:noFill/>
+                          <a:prstDash val="solid"/>
+                          <a:round/>
+                          <a:headEnd type="none" w="med" len="med"/>
+                          <a:tailEnd type="none" w="med" len="med"/>
+                        </a:lnR>
+                        <a:lnT w="12700" cap="flat" cmpd="sng" algn="ctr">
+                          <a:noFill/>
+                          <a:prstDash val="solid"/>
+                          <a:round/>
+                          <a:headEnd type="none" w="med" len="med"/>
+                          <a:tailEnd type="none" w="med" len="med"/>
+                        </a:lnT>
+                        <a:lnB w="12700" cap="flat" cmpd="sng" algn="ctr">
+                          <a:noFill/>
+                          <a:prstDash val="solid"/>
+                          <a:round/>
+                          <a:headEnd type="none" w="med" len="med"/>
+                          <a:tailEnd type="none" w="med" len="med"/>
+                        </a:lnB>
+                        <a:lnTlToBr w="12700" cmpd="sng">
+                          <a:noFill/>
+                          <a:prstDash val="solid"/>
+                        </a:lnTlToBr>
+                        <a:lnBlToTr w="12700" cmpd="sng">
+                          <a:noFill/>
+                          <a:prstDash val="solid"/>
+                        </a:lnBlToTr>
+                        <a:blipFill>
+                          <a:blip r:embed="rId3"/>
+                          <a:stretch>
+                            <a:fillRect l="-100000" t="-201020" r="-300000" b="-202041"/>
+                          </a:stretch>
+                        </a:blipFill>
+                      </a:tcPr>
+                    </a:tc>
+                    <a:tc>
+                      <a:txBody>
+                        <a:bodyPr/>
+                        <a:lstStyle/>
+                        <a:p>
+                          <a:endParaRPr lang="en-US"/>
+                        </a:p>
+                      </a:txBody>
+                      <a:tcPr>
+                        <a:lnL w="12700" cap="flat" cmpd="sng" algn="ctr">
+                          <a:noFill/>
+                          <a:prstDash val="solid"/>
+                          <a:round/>
+                          <a:headEnd type="none" w="med" len="med"/>
+                          <a:tailEnd type="none" w="med" len="med"/>
+                        </a:lnL>
+                        <a:lnR w="12700" cap="flat" cmpd="sng" algn="ctr">
+                          <a:noFill/>
+                          <a:prstDash val="solid"/>
+                          <a:round/>
+                          <a:headEnd type="none" w="med" len="med"/>
+                          <a:tailEnd type="none" w="med" len="med"/>
+                        </a:lnR>
+                        <a:lnT w="12700" cap="flat" cmpd="sng" algn="ctr">
+                          <a:noFill/>
+                          <a:prstDash val="solid"/>
+                          <a:round/>
+                          <a:headEnd type="none" w="med" len="med"/>
+                          <a:tailEnd type="none" w="med" len="med"/>
+                        </a:lnT>
+                        <a:lnB w="12700" cap="flat" cmpd="sng" algn="ctr">
+                          <a:noFill/>
+                          <a:prstDash val="solid"/>
+                          <a:round/>
+                          <a:headEnd type="none" w="med" len="med"/>
+                          <a:tailEnd type="none" w="med" len="med"/>
+                        </a:lnB>
+                        <a:lnTlToBr w="12700" cmpd="sng">
+                          <a:noFill/>
+                          <a:prstDash val="solid"/>
+                        </a:lnTlToBr>
+                        <a:lnBlToTr w="12700" cmpd="sng">
+                          <a:noFill/>
+                          <a:prstDash val="solid"/>
+                        </a:lnBlToTr>
+                        <a:blipFill>
+                          <a:blip r:embed="rId3"/>
+                          <a:stretch>
+                            <a:fillRect l="-201504" t="-201020" r="-202256" b="-202041"/>
+                          </a:stretch>
+                        </a:blipFill>
+                      </a:tcPr>
+                    </a:tc>
+                    <a:tc>
+                      <a:txBody>
+                        <a:bodyPr/>
+                        <a:lstStyle/>
+                        <a:p>
+                          <a:endParaRPr lang="en-US"/>
+                        </a:p>
+                      </a:txBody>
+                      <a:tcPr>
+                        <a:lnL w="12700" cap="flat" cmpd="sng" algn="ctr">
+                          <a:noFill/>
+                          <a:prstDash val="solid"/>
+                          <a:round/>
+                          <a:headEnd type="none" w="med" len="med"/>
+                          <a:tailEnd type="none" w="med" len="med"/>
+                        </a:lnL>
+                        <a:lnR w="12700" cap="flat" cmpd="sng" algn="ctr">
+                          <a:noFill/>
+                          <a:prstDash val="solid"/>
+                          <a:round/>
+                          <a:headEnd type="none" w="med" len="med"/>
+                          <a:tailEnd type="none" w="med" len="med"/>
+                        </a:lnR>
+                        <a:lnT w="12700" cap="flat" cmpd="sng" algn="ctr">
+                          <a:noFill/>
+                          <a:prstDash val="solid"/>
+                          <a:round/>
+                          <a:headEnd type="none" w="med" len="med"/>
+                          <a:tailEnd type="none" w="med" len="med"/>
+                        </a:lnT>
+                        <a:lnB w="12700" cap="flat" cmpd="sng" algn="ctr">
+                          <a:noFill/>
+                          <a:prstDash val="solid"/>
+                          <a:round/>
+                          <a:headEnd type="none" w="med" len="med"/>
+                          <a:tailEnd type="none" w="med" len="med"/>
+                        </a:lnB>
+                        <a:lnTlToBr w="12700" cmpd="sng">
+                          <a:noFill/>
+                          <a:prstDash val="solid"/>
+                        </a:lnTlToBr>
+                        <a:lnBlToTr w="12700" cmpd="sng">
+                          <a:noFill/>
+                          <a:prstDash val="solid"/>
+                        </a:lnBlToTr>
+                        <a:blipFill>
+                          <a:blip r:embed="rId3"/>
+                          <a:stretch>
+                            <a:fillRect l="-299254" t="-201020" r="-100746" b="-202041"/>
+                          </a:stretch>
+                        </a:blipFill>
+                      </a:tcPr>
+                    </a:tc>
+                    <a:tc>
+                      <a:txBody>
+                        <a:bodyPr/>
+                        <a:lstStyle/>
+                        <a:p>
+                          <a:endParaRPr lang="en-US"/>
+                        </a:p>
+                      </a:txBody>
+                      <a:tcPr>
+                        <a:lnL w="12700" cap="flat" cmpd="sng" algn="ctr">
+                          <a:noFill/>
+                          <a:prstDash val="solid"/>
+                          <a:round/>
+                          <a:headEnd type="none" w="med" len="med"/>
+                          <a:tailEnd type="none" w="med" len="med"/>
+                        </a:lnL>
+                        <a:lnR w="12700" cap="flat" cmpd="sng" algn="ctr">
+                          <a:solidFill>
+                            <a:schemeClr val="tx1"/>
+                          </a:solidFill>
+                          <a:prstDash val="solid"/>
+                          <a:round/>
+                          <a:headEnd type="none" w="med" len="med"/>
+                          <a:tailEnd type="none" w="med" len="med"/>
+                        </a:lnR>
+                        <a:lnT w="12700" cap="flat" cmpd="sng" algn="ctr">
+                          <a:noFill/>
+                          <a:prstDash val="solid"/>
+                          <a:round/>
+                          <a:headEnd type="none" w="med" len="med"/>
+                          <a:tailEnd type="none" w="med" len="med"/>
+                        </a:lnT>
+                        <a:lnB w="12700" cap="flat" cmpd="sng" algn="ctr">
+                          <a:noFill/>
+                          <a:prstDash val="solid"/>
+                          <a:round/>
+                          <a:headEnd type="none" w="med" len="med"/>
+                          <a:tailEnd type="none" w="med" len="med"/>
+                        </a:lnB>
+                        <a:lnTlToBr w="12700" cmpd="sng">
+                          <a:noFill/>
+                          <a:prstDash val="solid"/>
+                        </a:lnTlToBr>
+                        <a:lnBlToTr w="12700" cmpd="sng">
+                          <a:noFill/>
+                          <a:prstDash val="solid"/>
+                        </a:lnBlToTr>
+                        <a:blipFill>
+                          <a:blip r:embed="rId3"/>
+                          <a:stretch>
+                            <a:fillRect l="-402256" t="-201020" r="-1504" b="-202041"/>
+                          </a:stretch>
+                        </a:blipFill>
+                      </a:tcPr>
+                    </a:tc>
+                    <a:extLst>
+                      <a:ext uri="{0D108BD9-81ED-4DB2-BD59-A6C34878D82A}">
+                        <a16:rowId xmlns:a16="http://schemas.microsoft.com/office/drawing/2014/main" val="1090008321"/>
+                      </a:ext>
+                    </a:extLst>
+                  </a:tr>
+                  <a:tr h="599046">
+                    <a:tc>
+                      <a:txBody>
+                        <a:bodyPr/>
+                        <a:lstStyle/>
+                        <a:p>
+                          <a:endParaRPr lang="en-US"/>
+                        </a:p>
+                      </a:txBody>
+                      <a:tcPr>
+                        <a:lnL w="12700" cap="flat" cmpd="sng" algn="ctr">
+                          <a:solidFill>
+                            <a:schemeClr val="tx1"/>
+                          </a:solidFill>
+                          <a:prstDash val="solid"/>
+                          <a:round/>
+                          <a:headEnd type="none" w="med" len="med"/>
+                          <a:tailEnd type="none" w="med" len="med"/>
+                        </a:lnL>
+                        <a:lnR w="12700" cap="flat" cmpd="sng" algn="ctr">
+                          <a:noFill/>
+                          <a:prstDash val="solid"/>
+                          <a:round/>
+                          <a:headEnd type="none" w="med" len="med"/>
+                          <a:tailEnd type="none" w="med" len="med"/>
+                        </a:lnR>
+                        <a:lnT w="12700" cap="flat" cmpd="sng" algn="ctr">
+                          <a:noFill/>
+                          <a:prstDash val="solid"/>
+                          <a:round/>
+                          <a:headEnd type="none" w="med" len="med"/>
+                          <a:tailEnd type="none" w="med" len="med"/>
+                        </a:lnT>
+                        <a:lnB w="12700" cap="flat" cmpd="sng" algn="ctr">
+                          <a:noFill/>
+                          <a:prstDash val="solid"/>
+                          <a:round/>
+                          <a:headEnd type="none" w="med" len="med"/>
+                          <a:tailEnd type="none" w="med" len="med"/>
+                        </a:lnB>
+                        <a:lnTlToBr w="12700" cmpd="sng">
+                          <a:noFill/>
+                          <a:prstDash val="solid"/>
+                        </a:lnTlToBr>
+                        <a:lnBlToTr w="12700" cmpd="sng">
+                          <a:noFill/>
+                          <a:prstDash val="solid"/>
+                        </a:lnBlToTr>
+                        <a:blipFill>
+                          <a:blip r:embed="rId3"/>
+                          <a:stretch>
+                            <a:fillRect l="-752" t="-297980" r="-403008" b="-100000"/>
+                          </a:stretch>
+                        </a:blipFill>
+                      </a:tcPr>
+                    </a:tc>
+                    <a:tc>
+                      <a:txBody>
+                        <a:bodyPr/>
+                        <a:lstStyle/>
+                        <a:p>
+                          <a:endParaRPr lang="en-US"/>
+                        </a:p>
+                      </a:txBody>
+                      <a:tcPr>
+                        <a:lnL w="12700" cap="flat" cmpd="sng" algn="ctr">
+                          <a:noFill/>
+                          <a:prstDash val="solid"/>
+                          <a:round/>
+                          <a:headEnd type="none" w="med" len="med"/>
+                          <a:tailEnd type="none" w="med" len="med"/>
+                        </a:lnL>
+                        <a:lnR w="12700" cap="flat" cmpd="sng" algn="ctr">
+                          <a:noFill/>
+                          <a:prstDash val="solid"/>
+                          <a:round/>
+                          <a:headEnd type="none" w="med" len="med"/>
+                          <a:tailEnd type="none" w="med" len="med"/>
+                        </a:lnR>
+                        <a:lnT w="12700" cap="flat" cmpd="sng" algn="ctr">
+                          <a:noFill/>
+                          <a:prstDash val="solid"/>
+                          <a:round/>
+                          <a:headEnd type="none" w="med" len="med"/>
+                          <a:tailEnd type="none" w="med" len="med"/>
+                        </a:lnT>
+                        <a:lnB w="12700" cap="flat" cmpd="sng" algn="ctr">
+                          <a:noFill/>
+                          <a:prstDash val="solid"/>
+                          <a:round/>
+                          <a:headEnd type="none" w="med" len="med"/>
+                          <a:tailEnd type="none" w="med" len="med"/>
+                        </a:lnB>
+                        <a:lnTlToBr w="12700" cmpd="sng">
+                          <a:noFill/>
+                          <a:prstDash val="solid"/>
+                        </a:lnTlToBr>
+                        <a:lnBlToTr w="12700" cmpd="sng">
+                          <a:noFill/>
+                          <a:prstDash val="solid"/>
+                        </a:lnBlToTr>
+                        <a:blipFill>
+                          <a:blip r:embed="rId3"/>
+                          <a:stretch>
+                            <a:fillRect l="-100000" t="-297980" r="-300000" b="-100000"/>
+                          </a:stretch>
+                        </a:blipFill>
+                      </a:tcPr>
+                    </a:tc>
+                    <a:tc>
+                      <a:txBody>
+                        <a:bodyPr/>
+                        <a:lstStyle/>
+                        <a:p>
+                          <a:endParaRPr lang="en-US"/>
+                        </a:p>
+                      </a:txBody>
+                      <a:tcPr>
+                        <a:lnL w="12700" cap="flat" cmpd="sng" algn="ctr">
+                          <a:noFill/>
+                          <a:prstDash val="solid"/>
+                          <a:round/>
+                          <a:headEnd type="none" w="med" len="med"/>
+                          <a:tailEnd type="none" w="med" len="med"/>
+                        </a:lnL>
+                        <a:lnR w="12700" cap="flat" cmpd="sng" algn="ctr">
+                          <a:noFill/>
+                          <a:prstDash val="solid"/>
+                          <a:round/>
+                          <a:headEnd type="none" w="med" len="med"/>
+                          <a:tailEnd type="none" w="med" len="med"/>
+                        </a:lnR>
+                        <a:lnT w="12700" cap="flat" cmpd="sng" algn="ctr">
+                          <a:noFill/>
+                          <a:prstDash val="solid"/>
+                          <a:round/>
+                          <a:headEnd type="none" w="med" len="med"/>
+                          <a:tailEnd type="none" w="med" len="med"/>
+                        </a:lnT>
+                        <a:lnB w="12700" cap="flat" cmpd="sng" algn="ctr">
+                          <a:noFill/>
+                          <a:prstDash val="solid"/>
+                          <a:round/>
+                          <a:headEnd type="none" w="med" len="med"/>
+                          <a:tailEnd type="none" w="med" len="med"/>
+                        </a:lnB>
+                        <a:lnTlToBr w="12700" cmpd="sng">
+                          <a:noFill/>
+                          <a:prstDash val="solid"/>
+                        </a:lnTlToBr>
+                        <a:lnBlToTr w="12700" cmpd="sng">
+                          <a:noFill/>
+                          <a:prstDash val="solid"/>
+                        </a:lnBlToTr>
+                        <a:blipFill>
+                          <a:blip r:embed="rId3"/>
+                          <a:stretch>
+                            <a:fillRect l="-201504" t="-297980" r="-202256" b="-100000"/>
+                          </a:stretch>
+                        </a:blipFill>
+                      </a:tcPr>
+                    </a:tc>
+                    <a:tc>
+                      <a:txBody>
+                        <a:bodyPr/>
+                        <a:lstStyle/>
+                        <a:p>
+                          <a:endParaRPr lang="en-US"/>
+                        </a:p>
+                      </a:txBody>
+                      <a:tcPr>
+                        <a:lnL w="12700" cap="flat" cmpd="sng" algn="ctr">
+                          <a:noFill/>
+                          <a:prstDash val="solid"/>
+                          <a:round/>
+                          <a:headEnd type="none" w="med" len="med"/>
+                          <a:tailEnd type="none" w="med" len="med"/>
+                        </a:lnL>
+                        <a:lnR w="12700" cap="flat" cmpd="sng" algn="ctr">
+                          <a:noFill/>
+                          <a:prstDash val="solid"/>
+                          <a:round/>
+                          <a:headEnd type="none" w="med" len="med"/>
+                          <a:tailEnd type="none" w="med" len="med"/>
+                        </a:lnR>
+                        <a:lnT w="12700" cap="flat" cmpd="sng" algn="ctr">
+                          <a:noFill/>
+                          <a:prstDash val="solid"/>
+                          <a:round/>
+                          <a:headEnd type="none" w="med" len="med"/>
+                          <a:tailEnd type="none" w="med" len="med"/>
+                        </a:lnT>
+                        <a:lnB w="12700" cap="flat" cmpd="sng" algn="ctr">
+                          <a:noFill/>
+                          <a:prstDash val="solid"/>
+                          <a:round/>
+                          <a:headEnd type="none" w="med" len="med"/>
+                          <a:tailEnd type="none" w="med" len="med"/>
+                        </a:lnB>
+                        <a:lnTlToBr w="12700" cmpd="sng">
+                          <a:noFill/>
+                          <a:prstDash val="solid"/>
+                        </a:lnTlToBr>
+                        <a:lnBlToTr w="12700" cmpd="sng">
+                          <a:noFill/>
+                          <a:prstDash val="solid"/>
+                        </a:lnBlToTr>
+                        <a:blipFill>
+                          <a:blip r:embed="rId3"/>
+                          <a:stretch>
+                            <a:fillRect l="-299254" t="-297980" r="-100746" b="-100000"/>
+                          </a:stretch>
+                        </a:blipFill>
+                      </a:tcPr>
+                    </a:tc>
+                    <a:tc>
+                      <a:txBody>
+                        <a:bodyPr/>
+                        <a:lstStyle/>
+                        <a:p>
+                          <a:endParaRPr lang="en-US"/>
+                        </a:p>
+                      </a:txBody>
+                      <a:tcPr>
+                        <a:lnL w="12700" cap="flat" cmpd="sng" algn="ctr">
+                          <a:noFill/>
+                          <a:prstDash val="solid"/>
+                          <a:round/>
+                          <a:headEnd type="none" w="med" len="med"/>
+                          <a:tailEnd type="none" w="med" len="med"/>
+                        </a:lnL>
+                        <a:lnR w="12700" cap="flat" cmpd="sng" algn="ctr">
+                          <a:solidFill>
+                            <a:schemeClr val="tx1"/>
+                          </a:solidFill>
+                          <a:prstDash val="solid"/>
+                          <a:round/>
+                          <a:headEnd type="none" w="med" len="med"/>
+                          <a:tailEnd type="none" w="med" len="med"/>
+                        </a:lnR>
+                        <a:lnT w="12700" cap="flat" cmpd="sng" algn="ctr">
+                          <a:noFill/>
+                          <a:prstDash val="solid"/>
+                          <a:round/>
+                          <a:headEnd type="none" w="med" len="med"/>
+                          <a:tailEnd type="none" w="med" len="med"/>
+                        </a:lnT>
+                        <a:lnB w="12700" cap="flat" cmpd="sng" algn="ctr">
+                          <a:noFill/>
+                          <a:prstDash val="solid"/>
+                          <a:round/>
+                          <a:headEnd type="none" w="med" len="med"/>
+                          <a:tailEnd type="none" w="med" len="med"/>
+                        </a:lnB>
+                        <a:lnTlToBr w="12700" cmpd="sng">
+                          <a:noFill/>
+                          <a:prstDash val="solid"/>
+                        </a:lnTlToBr>
+                        <a:lnBlToTr w="12700" cmpd="sng">
+                          <a:noFill/>
+                          <a:prstDash val="solid"/>
+                        </a:lnBlToTr>
+                        <a:blipFill>
+                          <a:blip r:embed="rId3"/>
+                          <a:stretch>
+                            <a:fillRect l="-402256" t="-297980" r="-1504" b="-100000"/>
+                          </a:stretch>
+                        </a:blipFill>
+                      </a:tcPr>
+                    </a:tc>
+                    <a:extLst>
+                      <a:ext uri="{0D108BD9-81ED-4DB2-BD59-A6C34878D82A}">
+                        <a16:rowId xmlns:a16="http://schemas.microsoft.com/office/drawing/2014/main" val="1079821898"/>
+                      </a:ext>
+                    </a:extLst>
+                  </a:tr>
+                  <a:tr h="599046">
+                    <a:tc>
+                      <a:txBody>
+                        <a:bodyPr/>
+                        <a:lstStyle/>
+                        <a:p>
+                          <a:endParaRPr lang="en-US"/>
+                        </a:p>
+                      </a:txBody>
+                      <a:tcPr>
+                        <a:lnL w="12700" cap="flat" cmpd="sng" algn="ctr">
+                          <a:solidFill>
+                            <a:schemeClr val="tx1"/>
+                          </a:solidFill>
+                          <a:prstDash val="solid"/>
+                          <a:round/>
+                          <a:headEnd type="none" w="med" len="med"/>
+                          <a:tailEnd type="none" w="med" len="med"/>
+                        </a:lnL>
+                        <a:lnR w="12700" cap="flat" cmpd="sng" algn="ctr">
+                          <a:noFill/>
+                          <a:prstDash val="solid"/>
+                          <a:round/>
+                          <a:headEnd type="none" w="med" len="med"/>
+                          <a:tailEnd type="none" w="med" len="med"/>
+                        </a:lnR>
+                        <a:lnT w="12700" cap="flat" cmpd="sng" algn="ctr">
+                          <a:noFill/>
+                          <a:prstDash val="solid"/>
+                          <a:round/>
+                          <a:headEnd type="none" w="med" len="med"/>
+                          <a:tailEnd type="none" w="med" len="med"/>
+                        </a:lnT>
+                        <a:lnB w="12700" cap="flat" cmpd="sng" algn="ctr">
+                          <a:noFill/>
+                          <a:prstDash val="solid"/>
+                          <a:round/>
+                          <a:headEnd type="none" w="med" len="med"/>
+                          <a:tailEnd type="none" w="med" len="med"/>
+                        </a:lnB>
+                        <a:lnTlToBr w="12700" cmpd="sng">
+                          <a:noFill/>
+                          <a:prstDash val="solid"/>
+                        </a:lnTlToBr>
+                        <a:lnBlToTr w="12700" cmpd="sng">
+                          <a:noFill/>
+                          <a:prstDash val="solid"/>
+                        </a:lnBlToTr>
+                        <a:blipFill>
+                          <a:blip r:embed="rId3"/>
+                          <a:stretch>
+                            <a:fillRect l="-752" t="-402041" r="-403008" b="-1020"/>
+                          </a:stretch>
+                        </a:blipFill>
+                      </a:tcPr>
+                    </a:tc>
+                    <a:tc>
+                      <a:txBody>
+                        <a:bodyPr/>
+                        <a:lstStyle/>
+                        <a:p>
+                          <a:endParaRPr lang="en-US"/>
+                        </a:p>
+                      </a:txBody>
+                      <a:tcPr>
+                        <a:lnL w="12700" cap="flat" cmpd="sng" algn="ctr">
+                          <a:noFill/>
+                          <a:prstDash val="solid"/>
+                          <a:round/>
+                          <a:headEnd type="none" w="med" len="med"/>
+                          <a:tailEnd type="none" w="med" len="med"/>
+                        </a:lnL>
+                        <a:lnR w="12700" cap="flat" cmpd="sng" algn="ctr">
+                          <a:noFill/>
+                          <a:prstDash val="solid"/>
+                          <a:round/>
+                          <a:headEnd type="none" w="med" len="med"/>
+                          <a:tailEnd type="none" w="med" len="med"/>
+                        </a:lnR>
+                        <a:lnT w="12700" cap="flat" cmpd="sng" algn="ctr">
+                          <a:noFill/>
+                          <a:prstDash val="solid"/>
+                          <a:round/>
+                          <a:headEnd type="none" w="med" len="med"/>
+                          <a:tailEnd type="none" w="med" len="med"/>
+                        </a:lnT>
+                        <a:lnB w="12700" cap="flat" cmpd="sng" algn="ctr">
+                          <a:noFill/>
+                          <a:prstDash val="solid"/>
+                          <a:round/>
+                          <a:headEnd type="none" w="med" len="med"/>
+                          <a:tailEnd type="none" w="med" len="med"/>
+                        </a:lnB>
+                        <a:lnTlToBr w="12700" cmpd="sng">
+                          <a:noFill/>
+                          <a:prstDash val="solid"/>
+                        </a:lnTlToBr>
+                        <a:lnBlToTr w="12700" cmpd="sng">
+                          <a:noFill/>
+                          <a:prstDash val="solid"/>
+                        </a:lnBlToTr>
+                        <a:blipFill>
+                          <a:blip r:embed="rId3"/>
+                          <a:stretch>
+                            <a:fillRect l="-100000" t="-402041" r="-300000" b="-1020"/>
+                          </a:stretch>
+                        </a:blipFill>
+                      </a:tcPr>
+                    </a:tc>
+                    <a:tc>
+                      <a:txBody>
+                        <a:bodyPr/>
+                        <a:lstStyle/>
+                        <a:p>
+                          <a:endParaRPr lang="en-US"/>
+                        </a:p>
+                      </a:txBody>
+                      <a:tcPr>
+                        <a:lnL w="12700" cap="flat" cmpd="sng" algn="ctr">
+                          <a:noFill/>
+                          <a:prstDash val="solid"/>
+                          <a:round/>
+                          <a:headEnd type="none" w="med" len="med"/>
+                          <a:tailEnd type="none" w="med" len="med"/>
+                        </a:lnL>
+                        <a:lnR w="12700" cap="flat" cmpd="sng" algn="ctr">
+                          <a:noFill/>
+                          <a:prstDash val="solid"/>
+                          <a:round/>
+                          <a:headEnd type="none" w="med" len="med"/>
+                          <a:tailEnd type="none" w="med" len="med"/>
+                        </a:lnR>
+                        <a:lnT w="12700" cap="flat" cmpd="sng" algn="ctr">
+                          <a:noFill/>
+                          <a:prstDash val="solid"/>
+                          <a:round/>
+                          <a:headEnd type="none" w="med" len="med"/>
+                          <a:tailEnd type="none" w="med" len="med"/>
+                        </a:lnT>
+                        <a:lnB w="12700" cap="flat" cmpd="sng" algn="ctr">
+                          <a:noFill/>
+                          <a:prstDash val="solid"/>
+                          <a:round/>
+                          <a:headEnd type="none" w="med" len="med"/>
+                          <a:tailEnd type="none" w="med" len="med"/>
+                        </a:lnB>
+                        <a:lnTlToBr w="12700" cmpd="sng">
+                          <a:noFill/>
+                          <a:prstDash val="solid"/>
+                        </a:lnTlToBr>
+                        <a:lnBlToTr w="12700" cmpd="sng">
+                          <a:noFill/>
+                          <a:prstDash val="solid"/>
+                        </a:lnBlToTr>
+                        <a:blipFill>
+                          <a:blip r:embed="rId3"/>
+                          <a:stretch>
+                            <a:fillRect l="-201504" t="-402041" r="-202256" b="-1020"/>
+                          </a:stretch>
+                        </a:blipFill>
+                      </a:tcPr>
+                    </a:tc>
+                    <a:tc>
+                      <a:txBody>
+                        <a:bodyPr/>
+                        <a:lstStyle/>
+                        <a:p>
+                          <a:endParaRPr lang="en-US"/>
+                        </a:p>
+                      </a:txBody>
+                      <a:tcPr>
+                        <a:lnL w="12700" cap="flat" cmpd="sng" algn="ctr">
+                          <a:noFill/>
+                          <a:prstDash val="solid"/>
+                          <a:round/>
+                          <a:headEnd type="none" w="med" len="med"/>
+                          <a:tailEnd type="none" w="med" len="med"/>
+                        </a:lnL>
+                        <a:lnR w="12700" cap="flat" cmpd="sng" algn="ctr">
+                          <a:noFill/>
+                          <a:prstDash val="solid"/>
+                          <a:round/>
+                          <a:headEnd type="none" w="med" len="med"/>
+                          <a:tailEnd type="none" w="med" len="med"/>
+                        </a:lnR>
+                        <a:lnT w="12700" cap="flat" cmpd="sng" algn="ctr">
+                          <a:noFill/>
+                          <a:prstDash val="solid"/>
+                          <a:round/>
+                          <a:headEnd type="none" w="med" len="med"/>
+                          <a:tailEnd type="none" w="med" len="med"/>
+                        </a:lnT>
+                        <a:lnB w="12700" cap="flat" cmpd="sng" algn="ctr">
+                          <a:noFill/>
+                          <a:prstDash val="solid"/>
+                          <a:round/>
+                          <a:headEnd type="none" w="med" len="med"/>
+                          <a:tailEnd type="none" w="med" len="med"/>
+                        </a:lnB>
+                        <a:lnTlToBr w="12700" cmpd="sng">
+                          <a:noFill/>
+                          <a:prstDash val="solid"/>
+                        </a:lnTlToBr>
+                        <a:lnBlToTr w="12700" cmpd="sng">
+                          <a:noFill/>
+                          <a:prstDash val="solid"/>
+                        </a:lnBlToTr>
+                        <a:blipFill>
+                          <a:blip r:embed="rId3"/>
+                          <a:stretch>
+                            <a:fillRect l="-299254" t="-402041" r="-100746" b="-1020"/>
+                          </a:stretch>
+                        </a:blipFill>
+                      </a:tcPr>
+                    </a:tc>
+                    <a:tc>
+                      <a:txBody>
+                        <a:bodyPr/>
+                        <a:lstStyle/>
+                        <a:p>
+                          <a:endParaRPr lang="en-US"/>
+                        </a:p>
+                      </a:txBody>
+                      <a:tcPr>
+                        <a:lnL w="12700" cap="flat" cmpd="sng" algn="ctr">
+                          <a:noFill/>
+                          <a:prstDash val="solid"/>
+                          <a:round/>
+                          <a:headEnd type="none" w="med" len="med"/>
+                          <a:tailEnd type="none" w="med" len="med"/>
+                        </a:lnL>
+                        <a:lnR w="12700" cap="flat" cmpd="sng" algn="ctr">
+                          <a:solidFill>
+                            <a:schemeClr val="tx1"/>
+                          </a:solidFill>
+                          <a:prstDash val="solid"/>
+                          <a:round/>
+                          <a:headEnd type="none" w="med" len="med"/>
+                          <a:tailEnd type="none" w="med" len="med"/>
+                        </a:lnR>
+                        <a:lnT w="12700" cap="flat" cmpd="sng" algn="ctr">
+                          <a:noFill/>
+                          <a:prstDash val="solid"/>
+                          <a:round/>
+                          <a:headEnd type="none" w="med" len="med"/>
+                          <a:tailEnd type="none" w="med" len="med"/>
+                        </a:lnT>
+                        <a:lnB w="12700" cap="flat" cmpd="sng" algn="ctr">
+                          <a:noFill/>
+                          <a:prstDash val="solid"/>
+                          <a:round/>
+                          <a:headEnd type="none" w="med" len="med"/>
+                          <a:tailEnd type="none" w="med" len="med"/>
+                        </a:lnB>
+                        <a:lnTlToBr w="12700" cmpd="sng">
+                          <a:noFill/>
+                          <a:prstDash val="solid"/>
+                        </a:lnTlToBr>
+                        <a:lnBlToTr w="12700" cmpd="sng">
+                          <a:noFill/>
+                          <a:prstDash val="solid"/>
+                        </a:lnBlToTr>
+                        <a:blipFill>
+                          <a:blip r:embed="rId3"/>
+                          <a:stretch>
+                            <a:fillRect l="-402256" t="-402041" r="-1504" b="-1020"/>
+                          </a:stretch>
+                        </a:blipFill>
+                      </a:tcPr>
+                    </a:tc>
+                    <a:extLst>
+                      <a:ext uri="{0D108BD9-81ED-4DB2-BD59-A6C34878D82A}">
+                        <a16:rowId xmlns:a16="http://schemas.microsoft.com/office/drawing/2014/main" val="2872114764"/>
+                      </a:ext>
+                    </a:extLst>
+                  </a:tr>
+                </a:tbl>
+              </a:graphicData>
+            </a:graphic>
+          </p:graphicFrame>
+        </mc:Fallback>
+      </mc:AlternateContent>
+    </p:spTree>
+    <p:extLst>
+      <p:ext uri="{BB962C8B-B14F-4D97-AF65-F5344CB8AC3E}">
+        <p14:creationId xmlns:p14="http://schemas.microsoft.com/office/powerpoint/2010/main" val="1978292241"/>
+      </p:ext>
+    </p:extLst>
+  </p:cSld>
+  <p:clrMapOvr>
+    <a:masterClrMapping/>
+  </p:clrMapOvr>
+</p:sld>
+</file>
+
+<file path=ppt/slides/slide12.xml><?xml version="1.0" encoding="utf-8"?>
+<p:sld xmlns:a="http://schemas.openxmlformats.org/drawingml/2006/main" xmlns:r="http://schemas.openxmlformats.org/officeDocument/2006/relationships" xmlns:p="http://schemas.openxmlformats.org/presentationml/2006/main">
+  <p:cSld>
+    <p:spTree>
+      <p:nvGrpSpPr>
+        <p:cNvPr id="1" name=""/>
+        <p:cNvGrpSpPr/>
+        <p:nvPr/>
+      </p:nvGrpSpPr>
+      <p:grpSpPr>
+        <a:xfrm>
+          <a:off x="0" y="0"/>
+          <a:ext cx="0" cy="0"/>
+          <a:chOff x="0" y="0"/>
+          <a:chExt cx="0" cy="0"/>
+        </a:xfrm>
+      </p:grpSpPr>
+      <p:sp>
+        <p:nvSpPr>
+          <p:cNvPr id="3" name="Content Placeholder 2">
+            <a:extLst>
+              <a:ext uri="{FF2B5EF4-FFF2-40B4-BE49-F238E27FC236}">
+                <a16:creationId xmlns:a16="http://schemas.microsoft.com/office/drawing/2014/main" id="{7E110C3B-DFF3-4036-B0AB-47526A61FE0D}"/>
+              </a:ext>
+            </a:extLst>
+          </p:cNvPr>
+          <p:cNvSpPr>
+            <a:spLocks noGrp="1"/>
+          </p:cNvSpPr>
+          <p:nvPr>
+            <p:ph idx="1"/>
+          </p:nvPr>
+        </p:nvSpPr>
+        <p:spPr/>
+        <p:txBody>
+          <a:bodyPr/>
+          <a:lstStyle/>
+          <a:p>
+            <a:r>
+              <a:rPr lang="en-US" dirty="0"/>
+              <a:t>Till now we’ve only done a model on the GMSL with a historical temperature data forcing the model with an AR1 process which has a single uncertainty parameter. </a:t>
+            </a:r>
+          </a:p>
+          <a:p>
+            <a:r>
+              <a:rPr lang="en-US" dirty="0"/>
+              <a:t>Previous work with </a:t>
+            </a:r>
+            <a:r>
+              <a:rPr lang="en-US" dirty="0" err="1"/>
+              <a:t>DOECLIM+Rahmstorf</a:t>
+            </a:r>
+            <a:r>
+              <a:rPr lang="en-US" dirty="0"/>
+              <a:t> GMSL</a:t>
+            </a:r>
+          </a:p>
+          <a:p>
+            <a:pPr lvl="1"/>
+            <a:r>
+              <a:rPr lang="en-US" dirty="0"/>
+              <a:t>Figure from Tony (MCMC </a:t>
+            </a:r>
+            <a:r>
+              <a:rPr lang="en-US" dirty="0" err="1"/>
+              <a:t>calibration+GMSL</a:t>
+            </a:r>
+            <a:r>
+              <a:rPr lang="en-US" dirty="0"/>
+              <a:t> emulator, projections of sea-level rise)</a:t>
+            </a:r>
+          </a:p>
+          <a:p>
+            <a:r>
+              <a:rPr lang="en-US" dirty="0"/>
+              <a:t>That work (and all others) assumed different data sets’ errors are independent. </a:t>
+            </a:r>
+          </a:p>
+          <a:p>
+            <a:pPr lvl="1"/>
+            <a:r>
+              <a:rPr lang="en-US" dirty="0"/>
+              <a:t>The advance we want to make is accounting for these dependencies</a:t>
+            </a:r>
+          </a:p>
+          <a:p>
+            <a:endParaRPr lang="en-US" dirty="0"/>
+          </a:p>
+        </p:txBody>
+      </p:sp>
+    </p:spTree>
+    <p:extLst>
+      <p:ext uri="{BB962C8B-B14F-4D97-AF65-F5344CB8AC3E}">
+        <p14:creationId xmlns:p14="http://schemas.microsoft.com/office/powerpoint/2010/main" val="406993840"/>
+      </p:ext>
+    </p:extLst>
+  </p:cSld>
+  <p:clrMapOvr>
+    <a:masterClrMapping/>
+  </p:clrMapOvr>
+</p:sld>
+</file>
+
+<file path=ppt/slides/slide13.xml><?xml version="1.0" encoding="utf-8"?>
+<p:sld xmlns:a="http://schemas.openxmlformats.org/drawingml/2006/main" xmlns:r="http://schemas.openxmlformats.org/officeDocument/2006/relationships" xmlns:p="http://schemas.openxmlformats.org/presentationml/2006/main">
+  <p:cSld>
+    <p:spTree>
+      <p:nvGrpSpPr>
+        <p:cNvPr id="1" name=""/>
+        <p:cNvGrpSpPr/>
+        <p:nvPr/>
+      </p:nvGrpSpPr>
+      <p:grpSpPr>
+        <a:xfrm>
+          <a:off x="0" y="0"/>
+          <a:ext cx="0" cy="0"/>
+          <a:chOff x="0" y="0"/>
+          <a:chExt cx="0" cy="0"/>
+        </a:xfrm>
+      </p:grpSpPr>
+      <p:sp>
+        <p:nvSpPr>
+          <p:cNvPr id="2" name="Title 1">
+            <a:extLst>
+              <a:ext uri="{FF2B5EF4-FFF2-40B4-BE49-F238E27FC236}">
+                <a16:creationId xmlns:a16="http://schemas.microsoft.com/office/drawing/2014/main" id="{2FAF5C53-EDB5-44E6-A94A-9D1BB26632F2}"/>
+              </a:ext>
+            </a:extLst>
+          </p:cNvPr>
+          <p:cNvSpPr>
+            <a:spLocks noGrp="1"/>
+          </p:cNvSpPr>
+          <p:nvPr>
+            <p:ph type="title"/>
+          </p:nvPr>
+        </p:nvSpPr>
+        <p:spPr/>
+        <p:txBody>
+          <a:bodyPr/>
+          <a:lstStyle/>
+          <a:p>
+            <a:r>
+              <a:rPr lang="en-US" dirty="0"/>
+              <a:t>What’s been done -</a:t>
+            </a:r>
+          </a:p>
+        </p:txBody>
+      </p:sp>
+      <p:sp>
+        <p:nvSpPr>
+          <p:cNvPr id="3" name="Content Placeholder 2">
+            <a:extLst>
+              <a:ext uri="{FF2B5EF4-FFF2-40B4-BE49-F238E27FC236}">
+                <a16:creationId xmlns:a16="http://schemas.microsoft.com/office/drawing/2014/main" id="{42DD9501-7E18-4D69-80B6-157C1A7938FB}"/>
+              </a:ext>
+            </a:extLst>
+          </p:cNvPr>
+          <p:cNvSpPr>
+            <a:spLocks noGrp="1"/>
+          </p:cNvSpPr>
+          <p:nvPr>
+            <p:ph idx="1"/>
+          </p:nvPr>
+        </p:nvSpPr>
+        <p:spPr>
+          <a:xfrm>
+            <a:off x="838200" y="1472701"/>
+            <a:ext cx="10515600" cy="1607383"/>
+          </a:xfrm>
+        </p:spPr>
+        <p:txBody>
+          <a:bodyPr/>
+          <a:lstStyle/>
+          <a:p>
+            <a:r>
+              <a:rPr lang="en-US" dirty="0"/>
+              <a:t>MCMC model</a:t>
+            </a:r>
+          </a:p>
+          <a:p>
+            <a:r>
+              <a:rPr lang="en-US" dirty="0"/>
+              <a:t>DOECLIM model</a:t>
+            </a:r>
+          </a:p>
+          <a:p>
+            <a:r>
+              <a:rPr lang="en-US" dirty="0"/>
+              <a:t>Simple AR1 matrix</a:t>
+            </a:r>
+          </a:p>
+          <a:p>
+            <a:endParaRPr lang="en-US" dirty="0"/>
+          </a:p>
+        </p:txBody>
+      </p:sp>
+      <p:sp>
+        <p:nvSpPr>
+          <p:cNvPr id="4" name="Title 1">
+            <a:extLst>
+              <a:ext uri="{FF2B5EF4-FFF2-40B4-BE49-F238E27FC236}">
+                <a16:creationId xmlns:a16="http://schemas.microsoft.com/office/drawing/2014/main" id="{22ACA028-7EC0-46AF-9E9A-CF2B98A6B0CB}"/>
+              </a:ext>
+            </a:extLst>
+          </p:cNvPr>
+          <p:cNvSpPr txBox="1">
+            <a:spLocks/>
+          </p:cNvSpPr>
+          <p:nvPr/>
+        </p:nvSpPr>
+        <p:spPr>
+          <a:xfrm>
+            <a:off x="838200" y="3117017"/>
+            <a:ext cx="10515600" cy="950328"/>
+          </a:xfrm>
+          <a:prstGeom prst="rect">
+            <a:avLst/>
+          </a:prstGeom>
+        </p:spPr>
+        <p:txBody>
+          <a:bodyPr vert="horz" lIns="91440" tIns="45720" rIns="91440" bIns="45720" rtlCol="0" anchor="ctr">
+            <a:normAutofit/>
+          </a:bodyPr>
+          <a:lstStyle>
+            <a:lvl1pPr algn="l" defTabSz="914400" rtl="0" eaLnBrk="1" latinLnBrk="0" hangingPunct="1">
+              <a:lnSpc>
+                <a:spcPct val="90000"/>
+              </a:lnSpc>
+              <a:spcBef>
+                <a:spcPct val="0"/>
+              </a:spcBef>
+              <a:buNone/>
+              <a:defRPr sz="4400" kern="1200">
+                <a:solidFill>
+                  <a:schemeClr val="tx1"/>
+                </a:solidFill>
+                <a:latin typeface="+mj-lt"/>
+                <a:ea typeface="+mj-ea"/>
+                <a:cs typeface="+mj-cs"/>
+              </a:defRPr>
+            </a:lvl1pPr>
+          </a:lstStyle>
+          <a:p>
+            <a:r>
+              <a:rPr lang="en-US" dirty="0"/>
+              <a:t>What we’re going to do</a:t>
+            </a:r>
+          </a:p>
+        </p:txBody>
+      </p:sp>
+      <p:sp>
+        <p:nvSpPr>
+          <p:cNvPr id="5" name="Content Placeholder 2">
+            <a:extLst>
+              <a:ext uri="{FF2B5EF4-FFF2-40B4-BE49-F238E27FC236}">
+                <a16:creationId xmlns:a16="http://schemas.microsoft.com/office/drawing/2014/main" id="{BAE375AF-8ED2-4553-99D9-C07D927D090D}"/>
+              </a:ext>
+            </a:extLst>
+          </p:cNvPr>
+          <p:cNvSpPr txBox="1">
+            <a:spLocks/>
+          </p:cNvSpPr>
+          <p:nvPr/>
+        </p:nvSpPr>
+        <p:spPr>
+          <a:xfrm>
+            <a:off x="838200" y="4224592"/>
+            <a:ext cx="10515600" cy="2047871"/>
+          </a:xfrm>
+          <a:prstGeom prst="rect">
+            <a:avLst/>
+          </a:prstGeom>
+        </p:spPr>
+        <p:txBody>
+          <a:bodyPr vert="horz" lIns="91440" tIns="45720" rIns="91440" bIns="45720" rtlCol="0">
+            <a:normAutofit/>
+          </a:bodyPr>
+          <a:lstStyle>
+            <a:lvl1pPr marL="228600" indent="-228600" algn="l" defTabSz="914400" rtl="0" eaLnBrk="1" latinLnBrk="0" hangingPunct="1">
+              <a:lnSpc>
+                <a:spcPct val="90000"/>
+              </a:lnSpc>
+              <a:spcBef>
+                <a:spcPts val="1000"/>
+              </a:spcBef>
+              <a:buFont typeface="Arial" panose="020B0604020202020204" pitchFamily="34" charset="0"/>
+              <a:buChar char="•"/>
+              <a:defRPr sz="2800" kern="1200">
+                <a:solidFill>
+                  <a:schemeClr val="tx1"/>
+                </a:solidFill>
+                <a:latin typeface="+mn-lt"/>
+                <a:ea typeface="+mn-ea"/>
+                <a:cs typeface="+mn-cs"/>
+              </a:defRPr>
+            </a:lvl1pPr>
+            <a:lvl2pPr marL="685800" indent="-228600" algn="l" defTabSz="914400" rtl="0" eaLnBrk="1" latinLnBrk="0" hangingPunct="1">
+              <a:lnSpc>
+                <a:spcPct val="90000"/>
+              </a:lnSpc>
+              <a:spcBef>
+                <a:spcPts val="500"/>
+              </a:spcBef>
+              <a:buFont typeface="Arial" panose="020B0604020202020204" pitchFamily="34" charset="0"/>
+              <a:buChar char="•"/>
+              <a:defRPr sz="2400" kern="1200">
+                <a:solidFill>
+                  <a:schemeClr val="tx1"/>
+                </a:solidFill>
+                <a:latin typeface="+mn-lt"/>
+                <a:ea typeface="+mn-ea"/>
+                <a:cs typeface="+mn-cs"/>
+              </a:defRPr>
+            </a:lvl2pPr>
+            <a:lvl3pPr marL="1143000" indent="-228600" algn="l" defTabSz="914400" rtl="0" eaLnBrk="1" latinLnBrk="0" hangingPunct="1">
+              <a:lnSpc>
+                <a:spcPct val="90000"/>
+              </a:lnSpc>
+              <a:spcBef>
+                <a:spcPts val="500"/>
+              </a:spcBef>
+              <a:buFont typeface="Arial" panose="020B0604020202020204" pitchFamily="34" charset="0"/>
+              <a:buChar char="•"/>
+              <a:defRPr sz="2000" kern="1200">
+                <a:solidFill>
+                  <a:schemeClr val="tx1"/>
+                </a:solidFill>
+                <a:latin typeface="+mn-lt"/>
+                <a:ea typeface="+mn-ea"/>
+                <a:cs typeface="+mn-cs"/>
+              </a:defRPr>
+            </a:lvl3pPr>
+            <a:lvl4pPr marL="1600200" indent="-228600" algn="l" defTabSz="914400" rtl="0" eaLnBrk="1" latinLnBrk="0" hangingPunct="1">
+              <a:lnSpc>
+                <a:spcPct val="90000"/>
+              </a:lnSpc>
+              <a:spcBef>
+                <a:spcPts val="500"/>
+              </a:spcBef>
+              <a:buFont typeface="Arial" panose="020B0604020202020204" pitchFamily="34" charset="0"/>
+              <a:buChar char="•"/>
+              <a:defRPr sz="1800" kern="1200">
+                <a:solidFill>
+                  <a:schemeClr val="tx1"/>
+                </a:solidFill>
+                <a:latin typeface="+mn-lt"/>
+                <a:ea typeface="+mn-ea"/>
+                <a:cs typeface="+mn-cs"/>
+              </a:defRPr>
+            </a:lvl4pPr>
+            <a:lvl5pPr marL="2057400" indent="-228600" algn="l" defTabSz="914400" rtl="0" eaLnBrk="1" latinLnBrk="0" hangingPunct="1">
+              <a:lnSpc>
+                <a:spcPct val="90000"/>
+              </a:lnSpc>
+              <a:spcBef>
+                <a:spcPts val="500"/>
+              </a:spcBef>
+              <a:buFont typeface="Arial" panose="020B0604020202020204" pitchFamily="34" charset="0"/>
+              <a:buChar char="•"/>
+              <a:defRPr sz="1800" kern="1200">
+                <a:solidFill>
+                  <a:schemeClr val="tx1"/>
+                </a:solidFill>
+                <a:latin typeface="+mn-lt"/>
+                <a:ea typeface="+mn-ea"/>
+                <a:cs typeface="+mn-cs"/>
+              </a:defRPr>
+            </a:lvl5pPr>
+            <a:lvl6pPr marL="2514600" indent="-228600" algn="l" defTabSz="914400" rtl="0" eaLnBrk="1" latinLnBrk="0" hangingPunct="1">
+              <a:lnSpc>
+                <a:spcPct val="90000"/>
+              </a:lnSpc>
+              <a:spcBef>
+                <a:spcPts val="500"/>
+              </a:spcBef>
+              <a:buFont typeface="Arial" panose="020B0604020202020204" pitchFamily="34" charset="0"/>
+              <a:buChar char="•"/>
+              <a:defRPr sz="1800" kern="1200">
+                <a:solidFill>
+                  <a:schemeClr val="tx1"/>
+                </a:solidFill>
+                <a:latin typeface="+mn-lt"/>
+                <a:ea typeface="+mn-ea"/>
+                <a:cs typeface="+mn-cs"/>
+              </a:defRPr>
+            </a:lvl6pPr>
+            <a:lvl7pPr marL="2971800" indent="-228600" algn="l" defTabSz="914400" rtl="0" eaLnBrk="1" latinLnBrk="0" hangingPunct="1">
+              <a:lnSpc>
+                <a:spcPct val="90000"/>
+              </a:lnSpc>
+              <a:spcBef>
+                <a:spcPts val="500"/>
+              </a:spcBef>
+              <a:buFont typeface="Arial" panose="020B0604020202020204" pitchFamily="34" charset="0"/>
+              <a:buChar char="•"/>
+              <a:defRPr sz="1800" kern="1200">
+                <a:solidFill>
+                  <a:schemeClr val="tx1"/>
+                </a:solidFill>
+                <a:latin typeface="+mn-lt"/>
+                <a:ea typeface="+mn-ea"/>
+                <a:cs typeface="+mn-cs"/>
+              </a:defRPr>
+            </a:lvl7pPr>
+            <a:lvl8pPr marL="3429000" indent="-228600" algn="l" defTabSz="914400" rtl="0" eaLnBrk="1" latinLnBrk="0" hangingPunct="1">
+              <a:lnSpc>
+                <a:spcPct val="90000"/>
+              </a:lnSpc>
+              <a:spcBef>
+                <a:spcPts val="500"/>
+              </a:spcBef>
+              <a:buFont typeface="Arial" panose="020B0604020202020204" pitchFamily="34" charset="0"/>
+              <a:buChar char="•"/>
+              <a:defRPr sz="1800" kern="1200">
+                <a:solidFill>
+                  <a:schemeClr val="tx1"/>
+                </a:solidFill>
+                <a:latin typeface="+mn-lt"/>
+                <a:ea typeface="+mn-ea"/>
+                <a:cs typeface="+mn-cs"/>
+              </a:defRPr>
+            </a:lvl8pPr>
+            <a:lvl9pPr marL="3886200" indent="-228600" algn="l" defTabSz="914400" rtl="0" eaLnBrk="1" latinLnBrk="0" hangingPunct="1">
+              <a:lnSpc>
+                <a:spcPct val="90000"/>
+              </a:lnSpc>
+              <a:spcBef>
+                <a:spcPts val="500"/>
+              </a:spcBef>
+              <a:buFont typeface="Arial" panose="020B0604020202020204" pitchFamily="34" charset="0"/>
+              <a:buChar char="•"/>
+              <a:defRPr sz="1800" kern="1200">
+                <a:solidFill>
+                  <a:schemeClr val="tx1"/>
+                </a:solidFill>
+                <a:latin typeface="+mn-lt"/>
+                <a:ea typeface="+mn-ea"/>
+                <a:cs typeface="+mn-cs"/>
+              </a:defRPr>
+            </a:lvl9pPr>
+          </a:lstStyle>
+          <a:p>
+            <a:r>
+              <a:rPr lang="en-US" dirty="0"/>
+              <a:t>MCMC model which takes in sea-level values and gives us estimates on temperature </a:t>
+            </a:r>
+          </a:p>
+          <a:p>
+            <a:r>
+              <a:rPr lang="en-US" dirty="0"/>
+              <a:t>Combined and easy-to-use python script</a:t>
+            </a:r>
+          </a:p>
+          <a:p>
+            <a:r>
+              <a:rPr lang="en-US" dirty="0"/>
+              <a:t>AR1 matrix which includes correlated uncertainties</a:t>
+            </a:r>
+          </a:p>
+          <a:p>
+            <a:endParaRPr lang="en-US" dirty="0"/>
+          </a:p>
+        </p:txBody>
+      </p:sp>
+    </p:spTree>
+    <p:extLst>
+      <p:ext uri="{BB962C8B-B14F-4D97-AF65-F5344CB8AC3E}">
+        <p14:creationId xmlns:p14="http://schemas.microsoft.com/office/powerpoint/2010/main" val="3646143169"/>
+      </p:ext>
+    </p:extLst>
+  </p:cSld>
+  <p:clrMapOvr>
+    <a:masterClrMapping/>
+  </p:clrMapOvr>
+</p:sld>
+</file>
+
+<file path=ppt/slides/slide14.xml><?xml version="1.0" encoding="utf-8"?>
+<p:sld xmlns:a="http://schemas.openxmlformats.org/drawingml/2006/main" xmlns:r="http://schemas.openxmlformats.org/officeDocument/2006/relationships" xmlns:p="http://schemas.openxmlformats.org/presentationml/2006/main">
+  <p:cSld>
+    <p:spTree>
+      <p:nvGrpSpPr>
+        <p:cNvPr id="1" name=""/>
+        <p:cNvGrpSpPr/>
+        <p:nvPr/>
+      </p:nvGrpSpPr>
+      <p:grpSpPr>
+        <a:xfrm>
+          <a:off x="0" y="0"/>
+          <a:ext cx="0" cy="0"/>
+          <a:chOff x="0" y="0"/>
+          <a:chExt cx="0" cy="0"/>
+        </a:xfrm>
+      </p:grpSpPr>
+      <p:sp>
+        <p:nvSpPr>
+          <p:cNvPr id="2" name="Title 1">
+            <a:extLst>
+              <a:ext uri="{FF2B5EF4-FFF2-40B4-BE49-F238E27FC236}">
+                <a16:creationId xmlns:a16="http://schemas.microsoft.com/office/drawing/2014/main" id="{55E080C1-8EA5-4A70-9B44-C543F4A56777}"/>
+              </a:ext>
+            </a:extLst>
+          </p:cNvPr>
+          <p:cNvSpPr>
+            <a:spLocks noGrp="1"/>
+          </p:cNvSpPr>
+          <p:nvPr>
+            <p:ph type="title"/>
+          </p:nvPr>
+        </p:nvSpPr>
+        <p:spPr/>
+        <p:txBody>
+          <a:bodyPr/>
+          <a:lstStyle/>
+          <a:p>
+            <a:r>
+              <a:rPr lang="en-US" dirty="0"/>
+              <a:t>Future Timeline</a:t>
+            </a:r>
+          </a:p>
+        </p:txBody>
+      </p:sp>
+      <p:sp>
+        <p:nvSpPr>
+          <p:cNvPr id="3" name="Content Placeholder 2">
+            <a:extLst>
+              <a:ext uri="{FF2B5EF4-FFF2-40B4-BE49-F238E27FC236}">
+                <a16:creationId xmlns:a16="http://schemas.microsoft.com/office/drawing/2014/main" id="{A318EF24-B224-4155-91B1-E792DE57068A}"/>
+              </a:ext>
+            </a:extLst>
+          </p:cNvPr>
+          <p:cNvSpPr>
+            <a:spLocks noGrp="1"/>
+          </p:cNvSpPr>
+          <p:nvPr>
+            <p:ph idx="1"/>
+          </p:nvPr>
+        </p:nvSpPr>
+        <p:spPr/>
+        <p:txBody>
+          <a:bodyPr/>
+          <a:lstStyle/>
+          <a:p>
+            <a:r>
+              <a:rPr lang="en-US" dirty="0"/>
+              <a:t>This December – Finish combining DOECLIM model with the MCMC model</a:t>
+            </a:r>
+          </a:p>
+          <a:p>
+            <a:r>
+              <a:rPr lang="en-US" dirty="0"/>
+              <a:t>End of April – Final defense</a:t>
+            </a:r>
+          </a:p>
+        </p:txBody>
+      </p:sp>
+    </p:spTree>
+    <p:extLst>
+      <p:ext uri="{BB962C8B-B14F-4D97-AF65-F5344CB8AC3E}">
+        <p14:creationId xmlns:p14="http://schemas.microsoft.com/office/powerpoint/2010/main" val="1747472871"/>
+      </p:ext>
+    </p:extLst>
+  </p:cSld>
+  <p:clrMapOvr>
+    <a:masterClrMapping/>
+  </p:clrMapOvr>
+</p:sld>
+</file>
+
 <file path=ppt/slides/slide2.xml><?xml version="1.0" encoding="utf-8"?>
 <p:sld xmlns:a="http://schemas.openxmlformats.org/drawingml/2006/main" xmlns:r="http://schemas.openxmlformats.org/officeDocument/2006/relationships" xmlns:p="http://schemas.openxmlformats.org/presentationml/2006/main">
   <p:cSld>
@@ -3469,39 +8419,79 @@
           <a:p>
             <a:r>
               <a:rPr lang="en-US" dirty="0"/>
-              <a:t>Obviously, we care about sea level rise, so how to model it</a:t>
-            </a:r>
-          </a:p>
-          <a:p>
-            <a:r>
-              <a:rPr lang="en-US" dirty="0"/>
-              <a:t>What we’re doing and what the final goal is –</a:t>
-            </a:r>
-          </a:p>
-          <a:p>
-            <a:pPr lvl="1"/>
-            <a:r>
-              <a:rPr lang="en-US" dirty="0"/>
-              <a:t>Put some projections and figures here</a:t>
-            </a:r>
-          </a:p>
-          <a:p>
-            <a:pPr lvl="1"/>
-            <a:r>
-              <a:rPr lang="en-US" dirty="0"/>
-              <a:t>Energy radiation figure (energy coming in and being trapped by land and sea)</a:t>
-            </a:r>
-          </a:p>
-          <a:p>
-            <a:pPr lvl="1"/>
-            <a:r>
-              <a:rPr lang="en-US" dirty="0"/>
-              <a:t>Sea level rise vs. time</a:t>
-            </a:r>
-          </a:p>
-          <a:p>
-            <a:pPr lvl="1"/>
-            <a:endParaRPr lang="en-US" dirty="0"/>
+              <a:t>Human impact on the environment continues to grow on a global scale, as the increasing land and water use and the rising concentrations of greenhouse gases in the atmosphere show. We can measure this impact by calculating the radiative forcing. </a:t>
+            </a:r>
+          </a:p>
+        </p:txBody>
+      </p:sp>
+      <p:pic>
+        <p:nvPicPr>
+          <p:cNvPr id="5" name="Picture 4" descr="A close up of a map&#10;&#10;Description generated with high confidence">
+            <a:extLst>
+              <a:ext uri="{FF2B5EF4-FFF2-40B4-BE49-F238E27FC236}">
+                <a16:creationId xmlns:a16="http://schemas.microsoft.com/office/drawing/2014/main" id="{08FDA5AB-AC10-4D16-A31E-560E06A28E45}"/>
+              </a:ext>
+            </a:extLst>
+          </p:cNvPr>
+          <p:cNvPicPr>
+            <a:picLocks noChangeAspect="1"/>
+          </p:cNvPicPr>
+          <p:nvPr/>
+        </p:nvPicPr>
+        <p:blipFill>
+          <a:blip r:embed="rId2">
+            <a:extLst>
+              <a:ext uri="{28A0092B-C50C-407E-A947-70E740481C1C}">
+                <a14:useLocalDpi xmlns:a14="http://schemas.microsoft.com/office/drawing/2010/main" val="0"/>
+              </a:ext>
+            </a:extLst>
+          </a:blip>
+          <a:stretch>
+            <a:fillRect/>
+          </a:stretch>
+        </p:blipFill>
+        <p:spPr>
+          <a:xfrm>
+            <a:off x="1509736" y="3080084"/>
+            <a:ext cx="4490012" cy="3412790"/>
+          </a:xfrm>
+          <a:prstGeom prst="rect">
+            <a:avLst/>
+          </a:prstGeom>
+        </p:spPr>
+      </p:pic>
+      <p:sp>
+        <p:nvSpPr>
+          <p:cNvPr id="6" name="TextBox 5">
+            <a:extLst>
+              <a:ext uri="{FF2B5EF4-FFF2-40B4-BE49-F238E27FC236}">
+                <a16:creationId xmlns:a16="http://schemas.microsoft.com/office/drawing/2014/main" id="{A752EAE1-821A-4B72-8427-5C229E34A29B}"/>
+              </a:ext>
+            </a:extLst>
+          </p:cNvPr>
+          <p:cNvSpPr txBox="1"/>
+          <p:nvPr/>
+        </p:nvSpPr>
+        <p:spPr>
+          <a:xfrm>
+            <a:off x="6192254" y="4008157"/>
+            <a:ext cx="5257800" cy="1815882"/>
+          </a:xfrm>
+          <a:prstGeom prst="rect">
+            <a:avLst/>
+          </a:prstGeom>
+          <a:noFill/>
+        </p:spPr>
+        <p:txBody>
+          <a:bodyPr wrap="square" rtlCol="0">
+            <a:spAutoFit/>
+          </a:bodyPr>
+          <a:lstStyle/>
+          <a:p>
+            <a:r>
+              <a:rPr lang="en-US" sz="2800" dirty="0"/>
+              <a:t>Radiative forcing - is the difference between insolation (sunlight) absorbed by the Earth and energy radiated back to space. </a:t>
+            </a:r>
           </a:p>
         </p:txBody>
       </p:sp>
@@ -3540,7 +8530,7 @@
           <p:cNvPr id="2" name="Title 1">
             <a:extLst>
               <a:ext uri="{FF2B5EF4-FFF2-40B4-BE49-F238E27FC236}">
-                <a16:creationId xmlns:a16="http://schemas.microsoft.com/office/drawing/2014/main" id="{FDE94E99-24D7-45E7-A1B0-84EBACBB06C0}"/>
+                <a16:creationId xmlns:a16="http://schemas.microsoft.com/office/drawing/2014/main" id="{75AFADDB-45DD-488E-AE69-0F8F750774A9}"/>
               </a:ext>
             </a:extLst>
           </p:cNvPr>
@@ -3558,106 +8548,138 @@
           <a:p>
             <a:r>
               <a:rPr lang="en-US" dirty="0"/>
-              <a:t>Motivation</a:t>
+              <a:t>Sea-level Change</a:t>
+            </a:r>
+          </a:p>
+        </p:txBody>
+      </p:sp>
+      <p:pic>
+        <p:nvPicPr>
+          <p:cNvPr id="4" name="Picture 2" descr="http://science.sciencemag.org/content/sci/315/5810/368/F3.large.jpg?width=800&amp;height=600&amp;carousel=1">
+            <a:extLst>
+              <a:ext uri="{FF2B5EF4-FFF2-40B4-BE49-F238E27FC236}">
+                <a16:creationId xmlns:a16="http://schemas.microsoft.com/office/drawing/2014/main" id="{133AE4AD-3332-44F1-88CD-AAFAC8B6ED67}"/>
+              </a:ext>
+            </a:extLst>
+          </p:cNvPr>
+          <p:cNvPicPr>
+            <a:picLocks noChangeAspect="1" noChangeArrowheads="1"/>
+          </p:cNvPicPr>
+          <p:nvPr/>
+        </p:nvPicPr>
+        <p:blipFill>
+          <a:blip r:embed="rId2">
+            <a:extLst>
+              <a:ext uri="{28A0092B-C50C-407E-A947-70E740481C1C}">
+                <a14:useLocalDpi xmlns:a14="http://schemas.microsoft.com/office/drawing/2010/main" val="0"/>
+              </a:ext>
+            </a:extLst>
+          </a:blip>
+          <a:srcRect/>
+          <a:stretch>
+            <a:fillRect/>
+          </a:stretch>
+        </p:blipFill>
+        <p:spPr bwMode="auto">
+          <a:xfrm>
+            <a:off x="838200" y="1553372"/>
+            <a:ext cx="3839325" cy="4875334"/>
+          </a:xfrm>
+          <a:prstGeom prst="rect">
+            <a:avLst/>
+          </a:prstGeom>
+          <a:noFill/>
+          <a:extLst>
+            <a:ext uri="{909E8E84-426E-40DD-AFC4-6F175D3DCCD1}">
+              <a14:hiddenFill xmlns:a14="http://schemas.microsoft.com/office/drawing/2010/main">
+                <a:solidFill>
+                  <a:srgbClr val="FFFFFF"/>
+                </a:solidFill>
+              </a14:hiddenFill>
+            </a:ext>
+          </a:extLst>
+        </p:spPr>
+      </p:pic>
+      <p:sp>
+        <p:nvSpPr>
+          <p:cNvPr id="5" name="TextBox 4">
+            <a:extLst>
+              <a:ext uri="{FF2B5EF4-FFF2-40B4-BE49-F238E27FC236}">
+                <a16:creationId xmlns:a16="http://schemas.microsoft.com/office/drawing/2014/main" id="{9D916D68-5816-4CE5-877F-89CD9333233B}"/>
+              </a:ext>
+            </a:extLst>
+          </p:cNvPr>
+          <p:cNvSpPr txBox="1"/>
+          <p:nvPr/>
+        </p:nvSpPr>
+        <p:spPr>
+          <a:xfrm>
+            <a:off x="5181600" y="1716505"/>
+            <a:ext cx="6172200" cy="1815882"/>
+          </a:xfrm>
+          <a:prstGeom prst="rect">
+            <a:avLst/>
+          </a:prstGeom>
+          <a:noFill/>
+        </p:spPr>
+        <p:txBody>
+          <a:bodyPr wrap="square" rtlCol="0">
+            <a:spAutoFit/>
+          </a:bodyPr>
+          <a:lstStyle/>
+          <a:p>
+            <a:r>
+              <a:rPr lang="en-US" sz="2800" dirty="0"/>
+              <a:t>DOECLIM and GMSL: the two of these combined gives a simplified model for how radiative forcing affect temperatures and in effect sea level. </a:t>
             </a:r>
           </a:p>
         </p:txBody>
       </p:sp>
       <p:sp>
         <p:nvSpPr>
-          <p:cNvPr id="3" name="Content Placeholder 2">
+          <p:cNvPr id="6" name="TextBox 5">
             <a:extLst>
               <a:ext uri="{FF2B5EF4-FFF2-40B4-BE49-F238E27FC236}">
-                <a16:creationId xmlns:a16="http://schemas.microsoft.com/office/drawing/2014/main" id="{6688FE5B-48FB-402C-8663-FA87E9A76A69}"/>
+                <a16:creationId xmlns:a16="http://schemas.microsoft.com/office/drawing/2014/main" id="{CABACD87-10C4-43ED-A554-2DF860F7584B}"/>
               </a:ext>
             </a:extLst>
           </p:cNvPr>
-          <p:cNvSpPr>
-            <a:spLocks noGrp="1"/>
-          </p:cNvSpPr>
-          <p:nvPr>
-            <p:ph idx="1"/>
-          </p:nvPr>
+          <p:cNvSpPr txBox="1"/>
+          <p:nvPr/>
         </p:nvSpPr>
-        <p:spPr/>
+        <p:spPr>
+          <a:xfrm>
+            <a:off x="5181600" y="4154904"/>
+            <a:ext cx="6172200" cy="1384995"/>
+          </a:xfrm>
+          <a:prstGeom prst="rect">
+            <a:avLst/>
+          </a:prstGeom>
+          <a:noFill/>
+        </p:spPr>
         <p:txBody>
-          <a:bodyPr/>
+          <a:bodyPr wrap="square" rtlCol="0">
+            <a:spAutoFit/>
+          </a:bodyPr>
           <a:lstStyle/>
           <a:p>
             <a:r>
-              <a:rPr lang="en-US" dirty="0"/>
-              <a:t>Previous work with </a:t>
-            </a:r>
-            <a:r>
-              <a:rPr lang="en-US" dirty="0" err="1"/>
-              <a:t>DOECLIM+Rahmstorf</a:t>
-            </a:r>
-            <a:r>
-              <a:rPr lang="en-US" dirty="0"/>
-              <a:t> GMSL</a:t>
-            </a:r>
-          </a:p>
-          <a:p>
-            <a:pPr lvl="1"/>
-            <a:r>
-              <a:rPr lang="en-US" dirty="0"/>
-              <a:t>Figure from Tony (MCMC </a:t>
-            </a:r>
-            <a:r>
-              <a:rPr lang="en-US" dirty="0" err="1"/>
-              <a:t>calibration+GMSL</a:t>
-            </a:r>
-            <a:r>
-              <a:rPr lang="en-US" dirty="0"/>
-              <a:t> emulator, projections of sea-level rise)</a:t>
-            </a:r>
-          </a:p>
-          <a:p>
-            <a:r>
-              <a:rPr lang="en-US" dirty="0"/>
-              <a:t>What is DOECLIM and GMSL: the two of these combined gives a simplified model for how radiative forcing affect temperatures and in effect sea level. </a:t>
-            </a:r>
-          </a:p>
-          <a:p>
-            <a:pPr lvl="1"/>
-            <a:r>
-              <a:rPr lang="en-US" dirty="0"/>
-              <a:t>Could have a figure from </a:t>
-            </a:r>
-            <a:r>
-              <a:rPr lang="en-US" dirty="0" err="1"/>
-              <a:t>Kriegler</a:t>
-            </a:r>
-            <a:r>
-              <a:rPr lang="en-US" dirty="0"/>
-              <a:t> thesis</a:t>
-            </a:r>
-          </a:p>
-          <a:p>
-            <a:r>
-              <a:rPr lang="en-US" dirty="0"/>
-              <a:t>That work (and all others) assumed different data sets’ errors are independent. </a:t>
-            </a:r>
-          </a:p>
-          <a:p>
-            <a:pPr lvl="1"/>
-            <a:r>
-              <a:rPr lang="en-US" dirty="0"/>
-              <a:t>The advance we want to make is accounting for these dependencies</a:t>
-            </a:r>
-          </a:p>
-          <a:p>
-            <a:pPr marL="0" indent="0">
-              <a:buNone/>
-            </a:pPr>
-            <a:endParaRPr lang="en-US" dirty="0"/>
+              <a:rPr lang="en-US" sz="2800" dirty="0"/>
+              <a:t>DOECLIM – Diffusion Ocean Energy Climate Model</a:t>
+            </a:r>
+          </a:p>
+          <a:p>
+            <a:r>
+              <a:rPr lang="en-US" sz="2800" dirty="0"/>
+              <a:t>GMSL – Global mean sea level</a:t>
+            </a:r>
           </a:p>
         </p:txBody>
       </p:sp>
     </p:spTree>
     <p:extLst>
       <p:ext uri="{BB962C8B-B14F-4D97-AF65-F5344CB8AC3E}">
-        <p14:creationId xmlns:p14="http://schemas.microsoft.com/office/powerpoint/2010/main" val="3100296342"/>
+        <p14:creationId xmlns:p14="http://schemas.microsoft.com/office/powerpoint/2010/main" val="4051654378"/>
       </p:ext>
     </p:extLst>
   </p:cSld>
@@ -3668,6 +8690,252 @@
 </file>
 
 <file path=ppt/slides/slide4.xml><?xml version="1.0" encoding="utf-8"?>
+<p:sld xmlns:a="http://schemas.openxmlformats.org/drawingml/2006/main" xmlns:r="http://schemas.openxmlformats.org/officeDocument/2006/relationships" xmlns:p="http://schemas.openxmlformats.org/presentationml/2006/main">
+  <p:cSld>
+    <p:spTree>
+      <p:nvGrpSpPr>
+        <p:cNvPr id="1" name=""/>
+        <p:cNvGrpSpPr/>
+        <p:nvPr/>
+      </p:nvGrpSpPr>
+      <p:grpSpPr>
+        <a:xfrm>
+          <a:off x="0" y="0"/>
+          <a:ext cx="0" cy="0"/>
+          <a:chOff x="0" y="0"/>
+          <a:chExt cx="0" cy="0"/>
+        </a:xfrm>
+      </p:grpSpPr>
+      <p:pic>
+        <p:nvPicPr>
+          <p:cNvPr id="4" name="Picture 3">
+            <a:extLst>
+              <a:ext uri="{FF2B5EF4-FFF2-40B4-BE49-F238E27FC236}">
+                <a16:creationId xmlns:a16="http://schemas.microsoft.com/office/drawing/2014/main" id="{50DC2089-725A-4C88-834A-C66BA229D437}"/>
+              </a:ext>
+            </a:extLst>
+          </p:cNvPr>
+          <p:cNvPicPr>
+            <a:picLocks noChangeAspect="1"/>
+          </p:cNvPicPr>
+          <p:nvPr/>
+        </p:nvPicPr>
+        <p:blipFill rotWithShape="1">
+          <a:blip r:embed="rId2"/>
+          <a:srcRect l="51556" t="8364" r="4110"/>
+          <a:stretch/>
+        </p:blipFill>
+        <p:spPr>
+          <a:xfrm rot="5400000">
+            <a:off x="6471305" y="748709"/>
+            <a:ext cx="4981840" cy="5732451"/>
+          </a:xfrm>
+          <a:prstGeom prst="rect">
+            <a:avLst/>
+          </a:prstGeom>
+        </p:spPr>
+      </p:pic>
+      <p:pic>
+        <p:nvPicPr>
+          <p:cNvPr id="5" name="Picture 4">
+            <a:extLst>
+              <a:ext uri="{FF2B5EF4-FFF2-40B4-BE49-F238E27FC236}">
+                <a16:creationId xmlns:a16="http://schemas.microsoft.com/office/drawing/2014/main" id="{CD7627A4-9F79-4113-9EF5-906B30973605}"/>
+              </a:ext>
+            </a:extLst>
+          </p:cNvPr>
+          <p:cNvPicPr>
+            <a:picLocks noChangeAspect="1"/>
+          </p:cNvPicPr>
+          <p:nvPr/>
+        </p:nvPicPr>
+        <p:blipFill rotWithShape="1">
+          <a:blip r:embed="rId2"/>
+          <a:srcRect l="6431" t="6186" r="49235"/>
+          <a:stretch/>
+        </p:blipFill>
+        <p:spPr>
+          <a:xfrm rot="5400000">
+            <a:off x="670722" y="619032"/>
+            <a:ext cx="4981838" cy="5868718"/>
+          </a:xfrm>
+          <a:prstGeom prst="rect">
+            <a:avLst/>
+          </a:prstGeom>
+        </p:spPr>
+      </p:pic>
+      <p:sp>
+        <p:nvSpPr>
+          <p:cNvPr id="6" name="TextBox 5">
+            <a:extLst>
+              <a:ext uri="{FF2B5EF4-FFF2-40B4-BE49-F238E27FC236}">
+                <a16:creationId xmlns:a16="http://schemas.microsoft.com/office/drawing/2014/main" id="{45A10F1E-4D5A-4DA1-AB1A-19125F698D7B}"/>
+              </a:ext>
+            </a:extLst>
+          </p:cNvPr>
+          <p:cNvSpPr txBox="1"/>
+          <p:nvPr/>
+        </p:nvSpPr>
+        <p:spPr>
+          <a:xfrm>
+            <a:off x="2685417" y="6395978"/>
+            <a:ext cx="6821163" cy="369332"/>
+          </a:xfrm>
+          <a:prstGeom prst="rect">
+            <a:avLst/>
+          </a:prstGeom>
+          <a:noFill/>
+        </p:spPr>
+        <p:txBody>
+          <a:bodyPr wrap="none" rtlCol="0">
+            <a:spAutoFit/>
+          </a:bodyPr>
+          <a:lstStyle/>
+          <a:p>
+            <a:r>
+              <a:rPr lang="en-US" dirty="0"/>
+              <a:t>https://www.pik-potsdam.de/members/edenh/theses/PhDKriegler.pdf</a:t>
+            </a:r>
+          </a:p>
+        </p:txBody>
+      </p:sp>
+    </p:spTree>
+    <p:extLst>
+      <p:ext uri="{BB962C8B-B14F-4D97-AF65-F5344CB8AC3E}">
+        <p14:creationId xmlns:p14="http://schemas.microsoft.com/office/powerpoint/2010/main" val="1655937908"/>
+      </p:ext>
+    </p:extLst>
+  </p:cSld>
+  <p:clrMapOvr>
+    <a:masterClrMapping/>
+  </p:clrMapOvr>
+</p:sld>
+</file>
+
+<file path=ppt/slides/slide5.xml><?xml version="1.0" encoding="utf-8"?>
+<p:sld xmlns:a="http://schemas.openxmlformats.org/drawingml/2006/main" xmlns:r="http://schemas.openxmlformats.org/officeDocument/2006/relationships" xmlns:p="http://schemas.openxmlformats.org/presentationml/2006/main">
+  <p:cSld>
+    <p:spTree>
+      <p:nvGrpSpPr>
+        <p:cNvPr id="1" name=""/>
+        <p:cNvGrpSpPr/>
+        <p:nvPr/>
+      </p:nvGrpSpPr>
+      <p:grpSpPr>
+        <a:xfrm>
+          <a:off x="0" y="0"/>
+          <a:ext cx="0" cy="0"/>
+          <a:chOff x="0" y="0"/>
+          <a:chExt cx="0" cy="0"/>
+        </a:xfrm>
+      </p:grpSpPr>
+      <p:sp>
+        <p:nvSpPr>
+          <p:cNvPr id="2" name="Title 1">
+            <a:extLst>
+              <a:ext uri="{FF2B5EF4-FFF2-40B4-BE49-F238E27FC236}">
+                <a16:creationId xmlns:a16="http://schemas.microsoft.com/office/drawing/2014/main" id="{114DD8FB-57DD-4729-A59E-332E30E6072D}"/>
+              </a:ext>
+            </a:extLst>
+          </p:cNvPr>
+          <p:cNvSpPr>
+            <a:spLocks noGrp="1"/>
+          </p:cNvSpPr>
+          <p:nvPr>
+            <p:ph type="title"/>
+          </p:nvPr>
+        </p:nvSpPr>
+        <p:spPr/>
+        <p:txBody>
+          <a:bodyPr/>
+          <a:lstStyle/>
+          <a:p>
+            <a:r>
+              <a:rPr lang="en-US" dirty="0"/>
+              <a:t>NOAA Data</a:t>
+            </a:r>
+          </a:p>
+        </p:txBody>
+      </p:sp>
+      <p:pic>
+        <p:nvPicPr>
+          <p:cNvPr id="4" name="Picture 3">
+            <a:extLst>
+              <a:ext uri="{FF2B5EF4-FFF2-40B4-BE49-F238E27FC236}">
+                <a16:creationId xmlns:a16="http://schemas.microsoft.com/office/drawing/2014/main" id="{63DB7D39-4248-42E8-9C50-36770C95852F}"/>
+              </a:ext>
+            </a:extLst>
+          </p:cNvPr>
+          <p:cNvPicPr>
+            <a:picLocks noChangeAspect="1"/>
+          </p:cNvPicPr>
+          <p:nvPr/>
+        </p:nvPicPr>
+        <p:blipFill>
+          <a:blip r:embed="rId2"/>
+          <a:stretch>
+            <a:fillRect/>
+          </a:stretch>
+        </p:blipFill>
+        <p:spPr>
+          <a:xfrm>
+            <a:off x="0" y="2477559"/>
+            <a:ext cx="12176871" cy="2653242"/>
+          </a:xfrm>
+          <a:prstGeom prst="rect">
+            <a:avLst/>
+          </a:prstGeom>
+        </p:spPr>
+      </p:pic>
+      <p:sp>
+        <p:nvSpPr>
+          <p:cNvPr id="3" name="TextBox 2">
+            <a:extLst>
+              <a:ext uri="{FF2B5EF4-FFF2-40B4-BE49-F238E27FC236}">
+                <a16:creationId xmlns:a16="http://schemas.microsoft.com/office/drawing/2014/main" id="{B7FBE051-D5F9-400C-9044-F20FB63B77D2}"/>
+              </a:ext>
+            </a:extLst>
+          </p:cNvPr>
+          <p:cNvSpPr txBox="1"/>
+          <p:nvPr/>
+        </p:nvSpPr>
+        <p:spPr>
+          <a:xfrm>
+            <a:off x="838200" y="1491916"/>
+            <a:ext cx="8626913" cy="523220"/>
+          </a:xfrm>
+          <a:prstGeom prst="rect">
+            <a:avLst/>
+          </a:prstGeom>
+          <a:noFill/>
+        </p:spPr>
+        <p:txBody>
+          <a:bodyPr wrap="none" rtlCol="0">
+            <a:spAutoFit/>
+          </a:bodyPr>
+          <a:lstStyle/>
+          <a:p>
+            <a:r>
+              <a:rPr lang="en-US" sz="2800" dirty="0"/>
+              <a:t>NOAA -National Oceanic and Atmospheric Administration </a:t>
+            </a:r>
+          </a:p>
+        </p:txBody>
+      </p:sp>
+    </p:spTree>
+    <p:extLst>
+      <p:ext uri="{BB962C8B-B14F-4D97-AF65-F5344CB8AC3E}">
+        <p14:creationId xmlns:p14="http://schemas.microsoft.com/office/powerpoint/2010/main" val="2293324207"/>
+      </p:ext>
+    </p:extLst>
+  </p:cSld>
+  <p:clrMapOvr>
+    <a:masterClrMapping/>
+  </p:clrMapOvr>
+</p:sld>
+</file>
+
+<file path=ppt/slides/slide6.xml><?xml version="1.0" encoding="utf-8"?>
 <p:sld xmlns:a="http://schemas.openxmlformats.org/drawingml/2006/main" xmlns:r="http://schemas.openxmlformats.org/officeDocument/2006/relationships" xmlns:p="http://schemas.openxmlformats.org/presentationml/2006/main">
   <p:cSld>
     <p:spTree>
@@ -3712,272 +8980,1358 @@
           </a:p>
         </p:txBody>
       </p:sp>
-      <p:sp>
-        <p:nvSpPr>
-          <p:cNvPr id="3" name="Content Placeholder 2">
-            <a:extLst>
-              <a:ext uri="{FF2B5EF4-FFF2-40B4-BE49-F238E27FC236}">
-                <a16:creationId xmlns:a16="http://schemas.microsoft.com/office/drawing/2014/main" id="{38720C92-7700-40CA-979E-55B1448F2966}"/>
-              </a:ext>
-            </a:extLst>
-          </p:cNvPr>
-          <p:cNvSpPr>
-            <a:spLocks noGrp="1"/>
-          </p:cNvSpPr>
-          <p:nvPr>
-            <p:ph idx="1"/>
-          </p:nvPr>
-        </p:nvSpPr>
-        <p:spPr/>
-        <p:txBody>
-          <a:bodyPr/>
-          <a:lstStyle/>
-          <a:p>
-            <a:r>
-              <a:rPr lang="en-US" dirty="0"/>
-              <a:t>Show some of the important equations </a:t>
-            </a:r>
-          </a:p>
-          <a:p>
-            <a:pPr lvl="1"/>
-            <a:r>
-              <a:rPr lang="en-US" dirty="0"/>
-              <a:t>Main </a:t>
-            </a:r>
-            <a:r>
-              <a:rPr lang="en-US" dirty="0" err="1"/>
-              <a:t>sealevel</a:t>
-            </a:r>
-            <a:r>
-              <a:rPr lang="en-US" dirty="0"/>
-              <a:t> model</a:t>
-            </a:r>
-          </a:p>
-          <a:p>
-            <a:pPr lvl="1"/>
-            <a:r>
-              <a:rPr lang="en-US" dirty="0" err="1"/>
-              <a:t>Enegery</a:t>
-            </a:r>
-            <a:r>
-              <a:rPr lang="en-US" dirty="0"/>
-              <a:t> radiative forcing</a:t>
-            </a:r>
-          </a:p>
-          <a:p>
-            <a:pPr lvl="1"/>
-            <a:endParaRPr lang="en-US" dirty="0"/>
-          </a:p>
-        </p:txBody>
-      </p:sp>
+      <mc:AlternateContent xmlns:mc="http://schemas.openxmlformats.org/markup-compatibility/2006">
+        <mc:Choice xmlns:a14="http://schemas.microsoft.com/office/drawing/2010/main" Requires="a14">
+          <p:sp>
+            <p:nvSpPr>
+              <p:cNvPr id="3" name="Content Placeholder 2">
+                <a:extLst>
+                  <a:ext uri="{FF2B5EF4-FFF2-40B4-BE49-F238E27FC236}">
+                    <a16:creationId xmlns:a16="http://schemas.microsoft.com/office/drawing/2014/main" id="{38720C92-7700-40CA-979E-55B1448F2966}"/>
+                  </a:ext>
+                </a:extLst>
+              </p:cNvPr>
+              <p:cNvSpPr>
+                <a:spLocks noGrp="1"/>
+              </p:cNvSpPr>
+              <p:nvPr>
+                <p:ph idx="1"/>
+              </p:nvPr>
+            </p:nvSpPr>
+            <p:spPr/>
+            <p:txBody>
+              <a:bodyPr>
+                <a:normAutofit fontScale="92500" lnSpcReduction="20000"/>
+              </a:bodyPr>
+              <a:lstStyle/>
+              <a:p>
+                <a:pPr lvl="1"/>
+                <a14:m>
+                  <m:oMath xmlns:m="http://schemas.openxmlformats.org/officeDocument/2006/math">
+                    <m:f>
+                      <m:fPr>
+                        <m:ctrlPr>
+                          <a:rPr lang="en-US" b="0" i="1" smtClean="0">
+                            <a:latin typeface="Cambria Math" panose="02040503050406030204" pitchFamily="18" charset="0"/>
+                          </a:rPr>
+                        </m:ctrlPr>
+                      </m:fPr>
+                      <m:num>
+                        <m:r>
+                          <a:rPr lang="en-US" b="0" i="1" smtClean="0">
+                            <a:latin typeface="Cambria Math" panose="02040503050406030204" pitchFamily="18" charset="0"/>
+                          </a:rPr>
+                          <m:t>𝑑𝑆</m:t>
+                        </m:r>
+                      </m:num>
+                      <m:den>
+                        <m:r>
+                          <a:rPr lang="en-US" b="0" i="1" smtClean="0">
+                            <a:latin typeface="Cambria Math" panose="02040503050406030204" pitchFamily="18" charset="0"/>
+                          </a:rPr>
+                          <m:t>𝑑𝑡</m:t>
+                        </m:r>
+                      </m:den>
+                    </m:f>
+                    <m:r>
+                      <a:rPr lang="en-US" b="0" i="1" smtClean="0">
+                        <a:latin typeface="Cambria Math" panose="02040503050406030204" pitchFamily="18" charset="0"/>
+                      </a:rPr>
+                      <m:t>=</m:t>
+                    </m:r>
+                    <m:r>
+                      <a:rPr lang="en-US" b="0" i="1" smtClean="0">
+                        <a:latin typeface="Cambria Math" panose="02040503050406030204" pitchFamily="18" charset="0"/>
+                      </a:rPr>
+                      <m:t>𝛼</m:t>
+                    </m:r>
+                    <m:d>
+                      <m:dPr>
+                        <m:ctrlPr>
+                          <a:rPr lang="en-US" b="0" i="1" smtClean="0">
+                            <a:latin typeface="Cambria Math" panose="02040503050406030204" pitchFamily="18" charset="0"/>
+                          </a:rPr>
+                        </m:ctrlPr>
+                      </m:dPr>
+                      <m:e>
+                        <m:r>
+                          <a:rPr lang="en-US" b="0" i="1" smtClean="0">
+                            <a:latin typeface="Cambria Math" panose="02040503050406030204" pitchFamily="18" charset="0"/>
+                          </a:rPr>
+                          <m:t>𝑇</m:t>
+                        </m:r>
+                        <m:d>
+                          <m:dPr>
+                            <m:ctrlPr>
+                              <a:rPr lang="en-US" b="0" i="1" smtClean="0">
+                                <a:latin typeface="Cambria Math" panose="02040503050406030204" pitchFamily="18" charset="0"/>
+                              </a:rPr>
+                            </m:ctrlPr>
+                          </m:dPr>
+                          <m:e>
+                            <m:r>
+                              <a:rPr lang="en-US" b="0" i="1" smtClean="0">
+                                <a:latin typeface="Cambria Math" panose="02040503050406030204" pitchFamily="18" charset="0"/>
+                              </a:rPr>
+                              <m:t>𝑡</m:t>
+                            </m:r>
+                          </m:e>
+                        </m:d>
+                        <m:r>
+                          <a:rPr lang="en-US" b="0" i="1" smtClean="0">
+                            <a:latin typeface="Cambria Math" panose="02040503050406030204" pitchFamily="18" charset="0"/>
+                          </a:rPr>
+                          <m:t>−</m:t>
+                        </m:r>
+                        <m:sSub>
+                          <m:sSubPr>
+                            <m:ctrlPr>
+                              <a:rPr lang="en-US" b="0" i="1" smtClean="0">
+                                <a:latin typeface="Cambria Math" panose="02040503050406030204" pitchFamily="18" charset="0"/>
+                              </a:rPr>
+                            </m:ctrlPr>
+                          </m:sSubPr>
+                          <m:e>
+                            <m:r>
+                              <a:rPr lang="en-US" b="0" i="1" smtClean="0">
+                                <a:latin typeface="Cambria Math" panose="02040503050406030204" pitchFamily="18" charset="0"/>
+                              </a:rPr>
+                              <m:t>𝑇</m:t>
+                            </m:r>
+                          </m:e>
+                          <m:sub>
+                            <m:r>
+                              <a:rPr lang="en-US" b="0" i="1" smtClean="0">
+                                <a:latin typeface="Cambria Math" panose="02040503050406030204" pitchFamily="18" charset="0"/>
+                              </a:rPr>
+                              <m:t>𝑒𝑞</m:t>
+                            </m:r>
+                          </m:sub>
+                        </m:sSub>
+                      </m:e>
+                    </m:d>
+                  </m:oMath>
+                </a14:m>
+                <a:endParaRPr lang="en-US" b="0" dirty="0"/>
+              </a:p>
+              <a:p>
+                <a:pPr lvl="1"/>
+                <a14:m>
+                  <m:oMath xmlns:m="http://schemas.openxmlformats.org/officeDocument/2006/math">
+                    <m:r>
+                      <a:rPr lang="en-US" b="0" i="1" smtClean="0">
+                        <a:latin typeface="Cambria Math" panose="02040503050406030204" pitchFamily="18" charset="0"/>
+                      </a:rPr>
+                      <m:t>𝑑𝑆</m:t>
+                    </m:r>
+                    <m:r>
+                      <a:rPr lang="en-US" b="0" i="1" smtClean="0">
+                        <a:latin typeface="Cambria Math" panose="02040503050406030204" pitchFamily="18" charset="0"/>
+                      </a:rPr>
+                      <m:t>=</m:t>
+                    </m:r>
+                    <m:r>
+                      <a:rPr lang="en-US" b="0" i="1" smtClean="0">
+                        <a:latin typeface="Cambria Math" panose="02040503050406030204" pitchFamily="18" charset="0"/>
+                      </a:rPr>
+                      <m:t>𝑑𝑡</m:t>
+                    </m:r>
+                    <m:r>
+                      <a:rPr lang="en-US" b="0" i="1" smtClean="0">
+                        <a:latin typeface="Cambria Math" panose="02040503050406030204" pitchFamily="18" charset="0"/>
+                      </a:rPr>
+                      <m:t>×</m:t>
+                    </m:r>
+                    <m:r>
+                      <a:rPr lang="en-US" b="0" i="1" smtClean="0">
+                        <a:latin typeface="Cambria Math" panose="02040503050406030204" pitchFamily="18" charset="0"/>
+                      </a:rPr>
+                      <m:t>𝛼</m:t>
+                    </m:r>
+                    <m:d>
+                      <m:dPr>
+                        <m:ctrlPr>
+                          <a:rPr lang="en-US" b="0" i="1" smtClean="0">
+                            <a:latin typeface="Cambria Math" panose="02040503050406030204" pitchFamily="18" charset="0"/>
+                          </a:rPr>
+                        </m:ctrlPr>
+                      </m:dPr>
+                      <m:e>
+                        <m:r>
+                          <a:rPr lang="en-US" b="0" i="1" smtClean="0">
+                            <a:latin typeface="Cambria Math" panose="02040503050406030204" pitchFamily="18" charset="0"/>
+                          </a:rPr>
+                          <m:t>𝑇</m:t>
+                        </m:r>
+                        <m:d>
+                          <m:dPr>
+                            <m:ctrlPr>
+                              <a:rPr lang="en-US" b="0" i="1" smtClean="0">
+                                <a:latin typeface="Cambria Math" panose="02040503050406030204" pitchFamily="18" charset="0"/>
+                              </a:rPr>
+                            </m:ctrlPr>
+                          </m:dPr>
+                          <m:e>
+                            <m:r>
+                              <a:rPr lang="en-US" b="0" i="1" smtClean="0">
+                                <a:latin typeface="Cambria Math" panose="02040503050406030204" pitchFamily="18" charset="0"/>
+                              </a:rPr>
+                              <m:t>𝑡</m:t>
+                            </m:r>
+                          </m:e>
+                        </m:d>
+                        <m:r>
+                          <a:rPr lang="en-US" b="0" i="1" smtClean="0">
+                            <a:latin typeface="Cambria Math" panose="02040503050406030204" pitchFamily="18" charset="0"/>
+                          </a:rPr>
+                          <m:t>−</m:t>
+                        </m:r>
+                        <m:sSub>
+                          <m:sSubPr>
+                            <m:ctrlPr>
+                              <a:rPr lang="en-US" b="0" i="1" smtClean="0">
+                                <a:latin typeface="Cambria Math" panose="02040503050406030204" pitchFamily="18" charset="0"/>
+                              </a:rPr>
+                            </m:ctrlPr>
+                          </m:sSubPr>
+                          <m:e>
+                            <m:r>
+                              <a:rPr lang="en-US" b="0" i="1" smtClean="0">
+                                <a:latin typeface="Cambria Math" panose="02040503050406030204" pitchFamily="18" charset="0"/>
+                              </a:rPr>
+                              <m:t>𝑇</m:t>
+                            </m:r>
+                          </m:e>
+                          <m:sub>
+                            <m:r>
+                              <a:rPr lang="en-US" b="0" i="1" smtClean="0">
+                                <a:latin typeface="Cambria Math" panose="02040503050406030204" pitchFamily="18" charset="0"/>
+                              </a:rPr>
+                              <m:t>𝑒𝑞</m:t>
+                            </m:r>
+                          </m:sub>
+                        </m:sSub>
+                      </m:e>
+                    </m:d>
+                  </m:oMath>
+                </a14:m>
+                <a:endParaRPr lang="en-US" b="0" dirty="0"/>
+              </a:p>
+              <a:p>
+                <a:pPr lvl="1"/>
+                <a14:m>
+                  <m:oMath xmlns:m="http://schemas.openxmlformats.org/officeDocument/2006/math">
+                    <m:sSub>
+                      <m:sSubPr>
+                        <m:ctrlPr>
+                          <a:rPr lang="en-US" b="0" i="1" smtClean="0">
+                            <a:latin typeface="Cambria Math" panose="02040503050406030204" pitchFamily="18" charset="0"/>
+                          </a:rPr>
+                        </m:ctrlPr>
+                      </m:sSubPr>
+                      <m:e>
+                        <m:r>
+                          <a:rPr lang="en-US" b="0" i="1" smtClean="0">
+                            <a:latin typeface="Cambria Math" panose="02040503050406030204" pitchFamily="18" charset="0"/>
+                          </a:rPr>
+                          <m:t>𝑆</m:t>
+                        </m:r>
+                      </m:e>
+                      <m:sub>
+                        <m:r>
+                          <a:rPr lang="en-US" b="0" i="1" smtClean="0">
+                            <a:latin typeface="Cambria Math" panose="02040503050406030204" pitchFamily="18" charset="0"/>
+                          </a:rPr>
+                          <m:t>𝑡</m:t>
+                        </m:r>
+                        <m:r>
+                          <a:rPr lang="en-US" b="0" i="1" smtClean="0">
+                            <a:latin typeface="Cambria Math" panose="02040503050406030204" pitchFamily="18" charset="0"/>
+                          </a:rPr>
+                          <m:t>+1</m:t>
+                        </m:r>
+                      </m:sub>
+                    </m:sSub>
+                    <m:r>
+                      <a:rPr lang="en-US" b="0" i="1" smtClean="0">
+                        <a:latin typeface="Cambria Math" panose="02040503050406030204" pitchFamily="18" charset="0"/>
+                      </a:rPr>
+                      <m:t>−</m:t>
+                    </m:r>
+                    <m:sSub>
+                      <m:sSubPr>
+                        <m:ctrlPr>
+                          <a:rPr lang="en-US" b="0" i="1" smtClean="0">
+                            <a:latin typeface="Cambria Math" panose="02040503050406030204" pitchFamily="18" charset="0"/>
+                          </a:rPr>
+                        </m:ctrlPr>
+                      </m:sSubPr>
+                      <m:e>
+                        <m:r>
+                          <a:rPr lang="en-US" b="0" i="1" smtClean="0">
+                            <a:latin typeface="Cambria Math" panose="02040503050406030204" pitchFamily="18" charset="0"/>
+                          </a:rPr>
+                          <m:t>𝑆</m:t>
+                        </m:r>
+                      </m:e>
+                      <m:sub>
+                        <m:r>
+                          <a:rPr lang="en-US" b="0" i="1" smtClean="0">
+                            <a:latin typeface="Cambria Math" panose="02040503050406030204" pitchFamily="18" charset="0"/>
+                          </a:rPr>
+                          <m:t>𝑡</m:t>
+                        </m:r>
+                      </m:sub>
+                    </m:sSub>
+                    <m:r>
+                      <a:rPr lang="en-US" b="0" i="1" smtClean="0">
+                        <a:latin typeface="Cambria Math" panose="02040503050406030204" pitchFamily="18" charset="0"/>
+                      </a:rPr>
+                      <m:t>=</m:t>
+                    </m:r>
+                    <m:r>
+                      <m:rPr>
+                        <m:sty m:val="p"/>
+                      </m:rPr>
+                      <a:rPr lang="en-US" b="0" i="0" smtClean="0">
+                        <a:latin typeface="Cambria Math" panose="02040503050406030204" pitchFamily="18" charset="0"/>
+                      </a:rPr>
+                      <m:t>Δ</m:t>
+                    </m:r>
+                    <m:r>
+                      <a:rPr lang="en-US" b="0" i="1" smtClean="0">
+                        <a:latin typeface="Cambria Math" panose="02040503050406030204" pitchFamily="18" charset="0"/>
+                      </a:rPr>
+                      <m:t>𝑡</m:t>
+                    </m:r>
+                    <m:r>
+                      <a:rPr lang="en-US" b="0" i="1" smtClean="0">
+                        <a:latin typeface="Cambria Math" panose="02040503050406030204" pitchFamily="18" charset="0"/>
+                      </a:rPr>
+                      <m:t>×</m:t>
+                    </m:r>
+                    <m:r>
+                      <a:rPr lang="en-US" b="0" i="1" smtClean="0">
+                        <a:latin typeface="Cambria Math" panose="02040503050406030204" pitchFamily="18" charset="0"/>
+                      </a:rPr>
+                      <m:t>𝛼</m:t>
+                    </m:r>
+                    <m:d>
+                      <m:dPr>
+                        <m:ctrlPr>
+                          <a:rPr lang="en-US" b="0" i="1" smtClean="0">
+                            <a:latin typeface="Cambria Math" panose="02040503050406030204" pitchFamily="18" charset="0"/>
+                          </a:rPr>
+                        </m:ctrlPr>
+                      </m:dPr>
+                      <m:e>
+                        <m:sSub>
+                          <m:sSubPr>
+                            <m:ctrlPr>
+                              <a:rPr lang="en-US" b="0" i="1" smtClean="0">
+                                <a:latin typeface="Cambria Math" panose="02040503050406030204" pitchFamily="18" charset="0"/>
+                              </a:rPr>
+                            </m:ctrlPr>
+                          </m:sSubPr>
+                          <m:e>
+                            <m:r>
+                              <a:rPr lang="en-US" b="0" i="1" smtClean="0">
+                                <a:latin typeface="Cambria Math" panose="02040503050406030204" pitchFamily="18" charset="0"/>
+                              </a:rPr>
+                              <m:t>𝑇</m:t>
+                            </m:r>
+                          </m:e>
+                          <m:sub>
+                            <m:r>
+                              <a:rPr lang="en-US" b="0" i="1" smtClean="0">
+                                <a:latin typeface="Cambria Math" panose="02040503050406030204" pitchFamily="18" charset="0"/>
+                              </a:rPr>
+                              <m:t>𝑡</m:t>
+                            </m:r>
+                          </m:sub>
+                        </m:sSub>
+                        <m:r>
+                          <a:rPr lang="en-US" b="0" i="1" smtClean="0">
+                            <a:latin typeface="Cambria Math" panose="02040503050406030204" pitchFamily="18" charset="0"/>
+                          </a:rPr>
+                          <m:t>−</m:t>
+                        </m:r>
+                        <m:sSub>
+                          <m:sSubPr>
+                            <m:ctrlPr>
+                              <a:rPr lang="en-US" b="0" i="1" smtClean="0">
+                                <a:latin typeface="Cambria Math" panose="02040503050406030204" pitchFamily="18" charset="0"/>
+                              </a:rPr>
+                            </m:ctrlPr>
+                          </m:sSubPr>
+                          <m:e>
+                            <m:r>
+                              <a:rPr lang="en-US" b="0" i="1" smtClean="0">
+                                <a:latin typeface="Cambria Math" panose="02040503050406030204" pitchFamily="18" charset="0"/>
+                              </a:rPr>
+                              <m:t>𝑇</m:t>
+                            </m:r>
+                          </m:e>
+                          <m:sub>
+                            <m:r>
+                              <a:rPr lang="en-US" b="0" i="1" smtClean="0">
+                                <a:latin typeface="Cambria Math" panose="02040503050406030204" pitchFamily="18" charset="0"/>
+                              </a:rPr>
+                              <m:t>𝑒𝑞</m:t>
+                            </m:r>
+                          </m:sub>
+                        </m:sSub>
+                      </m:e>
+                    </m:d>
+                  </m:oMath>
+                </a14:m>
+                <a:endParaRPr lang="en-US" b="0" dirty="0"/>
+              </a:p>
+              <a:p>
+                <a:pPr lvl="1"/>
+                <a:r>
+                  <a:rPr lang="en-US" b="0" dirty="0"/>
+                  <a:t>First order forward Euler</a:t>
+                </a:r>
+              </a:p>
+              <a:p>
+                <a:pPr lvl="1"/>
+                <a14:m>
+                  <m:oMath xmlns:m="http://schemas.openxmlformats.org/officeDocument/2006/math">
+                    <m:sSub>
+                      <m:sSubPr>
+                        <m:ctrlPr>
+                          <a:rPr lang="en-US" b="0" i="1" smtClean="0">
+                            <a:latin typeface="Cambria Math" panose="02040503050406030204" pitchFamily="18" charset="0"/>
+                          </a:rPr>
+                        </m:ctrlPr>
+                      </m:sSubPr>
+                      <m:e>
+                        <m:r>
+                          <a:rPr lang="en-US" b="0" i="1" smtClean="0">
+                            <a:latin typeface="Cambria Math" panose="02040503050406030204" pitchFamily="18" charset="0"/>
+                          </a:rPr>
+                          <m:t>𝑆</m:t>
+                        </m:r>
+                      </m:e>
+                      <m:sub>
+                        <m:r>
+                          <a:rPr lang="en-US" b="0" i="1" smtClean="0">
+                            <a:latin typeface="Cambria Math" panose="02040503050406030204" pitchFamily="18" charset="0"/>
+                          </a:rPr>
+                          <m:t>𝑡</m:t>
+                        </m:r>
+                        <m:r>
+                          <a:rPr lang="en-US" b="0" i="1" smtClean="0">
+                            <a:latin typeface="Cambria Math" panose="02040503050406030204" pitchFamily="18" charset="0"/>
+                          </a:rPr>
+                          <m:t>+1</m:t>
+                        </m:r>
+                      </m:sub>
+                    </m:sSub>
+                    <m:r>
+                      <a:rPr lang="en-US" b="0" i="1" smtClean="0">
+                        <a:latin typeface="Cambria Math" panose="02040503050406030204" pitchFamily="18" charset="0"/>
+                      </a:rPr>
+                      <m:t>=</m:t>
+                    </m:r>
+                    <m:sSub>
+                      <m:sSubPr>
+                        <m:ctrlPr>
+                          <a:rPr lang="en-US" b="0" i="1" smtClean="0">
+                            <a:latin typeface="Cambria Math" panose="02040503050406030204" pitchFamily="18" charset="0"/>
+                          </a:rPr>
+                        </m:ctrlPr>
+                      </m:sSubPr>
+                      <m:e>
+                        <m:r>
+                          <a:rPr lang="en-US" b="0" i="1" smtClean="0">
+                            <a:latin typeface="Cambria Math" panose="02040503050406030204" pitchFamily="18" charset="0"/>
+                          </a:rPr>
+                          <m:t>𝑆</m:t>
+                        </m:r>
+                      </m:e>
+                      <m:sub>
+                        <m:r>
+                          <a:rPr lang="en-US" b="0" i="1" smtClean="0">
+                            <a:latin typeface="Cambria Math" panose="02040503050406030204" pitchFamily="18" charset="0"/>
+                          </a:rPr>
+                          <m:t>𝑡</m:t>
+                        </m:r>
+                      </m:sub>
+                    </m:sSub>
+                    <m:r>
+                      <a:rPr lang="en-US" b="0" i="1" smtClean="0">
+                        <a:latin typeface="Cambria Math" panose="02040503050406030204" pitchFamily="18" charset="0"/>
+                      </a:rPr>
+                      <m:t>+</m:t>
+                    </m:r>
+                    <m:r>
+                      <m:rPr>
+                        <m:sty m:val="p"/>
+                      </m:rPr>
+                      <a:rPr lang="en-US" b="0" i="0" smtClean="0">
+                        <a:latin typeface="Cambria Math" panose="02040503050406030204" pitchFamily="18" charset="0"/>
+                      </a:rPr>
+                      <m:t>Δ</m:t>
+                    </m:r>
+                    <m:r>
+                      <a:rPr lang="en-US" b="0" i="1" smtClean="0">
+                        <a:latin typeface="Cambria Math" panose="02040503050406030204" pitchFamily="18" charset="0"/>
+                      </a:rPr>
+                      <m:t>×</m:t>
+                    </m:r>
+                    <m:r>
+                      <a:rPr lang="en-US" b="0" i="1" smtClean="0">
+                        <a:latin typeface="Cambria Math" panose="02040503050406030204" pitchFamily="18" charset="0"/>
+                      </a:rPr>
+                      <m:t>𝛼</m:t>
+                    </m:r>
+                    <m:r>
+                      <a:rPr lang="en-US" b="0" i="1" smtClean="0">
+                        <a:latin typeface="Cambria Math" panose="02040503050406030204" pitchFamily="18" charset="0"/>
+                      </a:rPr>
+                      <m:t>(</m:t>
+                    </m:r>
+                    <m:sSub>
+                      <m:sSubPr>
+                        <m:ctrlPr>
+                          <a:rPr lang="en-US" b="0" i="1" smtClean="0">
+                            <a:latin typeface="Cambria Math" panose="02040503050406030204" pitchFamily="18" charset="0"/>
+                          </a:rPr>
+                        </m:ctrlPr>
+                      </m:sSubPr>
+                      <m:e>
+                        <m:r>
+                          <a:rPr lang="en-US" b="0" i="1" smtClean="0">
+                            <a:latin typeface="Cambria Math" panose="02040503050406030204" pitchFamily="18" charset="0"/>
+                          </a:rPr>
+                          <m:t>𝑇</m:t>
+                        </m:r>
+                      </m:e>
+                      <m:sub>
+                        <m:r>
+                          <a:rPr lang="en-US" b="0" i="1" smtClean="0">
+                            <a:latin typeface="Cambria Math" panose="02040503050406030204" pitchFamily="18" charset="0"/>
+                          </a:rPr>
+                          <m:t>𝑡</m:t>
+                        </m:r>
+                      </m:sub>
+                    </m:sSub>
+                    <m:r>
+                      <a:rPr lang="en-US" b="0" i="1" smtClean="0">
+                        <a:latin typeface="Cambria Math" panose="02040503050406030204" pitchFamily="18" charset="0"/>
+                      </a:rPr>
+                      <m:t>−</m:t>
+                    </m:r>
+                    <m:sSub>
+                      <m:sSubPr>
+                        <m:ctrlPr>
+                          <a:rPr lang="en-US" b="0" i="1" smtClean="0">
+                            <a:latin typeface="Cambria Math" panose="02040503050406030204" pitchFamily="18" charset="0"/>
+                          </a:rPr>
+                        </m:ctrlPr>
+                      </m:sSubPr>
+                      <m:e>
+                        <m:r>
+                          <a:rPr lang="en-US" b="0" i="1" smtClean="0">
+                            <a:latin typeface="Cambria Math" panose="02040503050406030204" pitchFamily="18" charset="0"/>
+                          </a:rPr>
+                          <m:t>𝑇</m:t>
+                        </m:r>
+                      </m:e>
+                      <m:sub>
+                        <m:r>
+                          <a:rPr lang="en-US" b="0" i="1" smtClean="0">
+                            <a:latin typeface="Cambria Math" panose="02040503050406030204" pitchFamily="18" charset="0"/>
+                          </a:rPr>
+                          <m:t>𝑒𝑞</m:t>
+                        </m:r>
+                      </m:sub>
+                    </m:sSub>
+                    <m:r>
+                      <a:rPr lang="en-US" b="0" i="1" smtClean="0">
+                        <a:latin typeface="Cambria Math" panose="02040503050406030204" pitchFamily="18" charset="0"/>
+                      </a:rPr>
+                      <m:t>)</m:t>
+                    </m:r>
+                  </m:oMath>
+                </a14:m>
+                <a:endParaRPr lang="en-US" b="0" dirty="0"/>
+              </a:p>
+              <a:p>
+                <a:pPr lvl="1"/>
+                <a:r>
+                  <a:rPr lang="en-US" b="0" dirty="0"/>
+                  <a:t>Data: Temperature (forcing, NOAA), </a:t>
+                </a:r>
+                <a:r>
+                  <a:rPr lang="en-US" b="0" dirty="0" err="1"/>
+                  <a:t>Sealevel</a:t>
+                </a:r>
+                <a:r>
+                  <a:rPr lang="en-US" dirty="0"/>
+                  <a:t>: (calibration)</a:t>
+                </a:r>
+              </a:p>
+              <a:p>
+                <a:pPr lvl="1"/>
+                <a:r>
+                  <a:rPr lang="en-US" b="0" dirty="0"/>
+                  <a:t>Start Model</a:t>
+                </a:r>
+              </a:p>
+              <a:p>
+                <a:pPr lvl="1"/>
+                <a14:m>
+                  <m:oMath xmlns:m="http://schemas.openxmlformats.org/officeDocument/2006/math">
+                    <m:sSub>
+                      <m:sSubPr>
+                        <m:ctrlPr>
+                          <a:rPr lang="en-US" b="0" i="1" smtClean="0">
+                            <a:latin typeface="Cambria Math" panose="02040503050406030204" pitchFamily="18" charset="0"/>
+                          </a:rPr>
+                        </m:ctrlPr>
+                      </m:sSubPr>
+                      <m:e>
+                        <m:r>
+                          <a:rPr lang="en-US" b="0" i="1" smtClean="0">
+                            <a:latin typeface="Cambria Math" panose="02040503050406030204" pitchFamily="18" charset="0"/>
+                          </a:rPr>
+                          <m:t>𝑑</m:t>
+                        </m:r>
+                      </m:e>
+                      <m:sub>
+                        <m:r>
+                          <a:rPr lang="en-US" b="0" i="1" smtClean="0">
+                            <a:latin typeface="Cambria Math" panose="02040503050406030204" pitchFamily="18" charset="0"/>
+                          </a:rPr>
+                          <m:t>0</m:t>
+                        </m:r>
+                      </m:sub>
+                    </m:sSub>
+                    <m:r>
+                      <a:rPr lang="en-US" b="0" i="1" smtClean="0">
+                        <a:latin typeface="Cambria Math" panose="02040503050406030204" pitchFamily="18" charset="0"/>
+                      </a:rPr>
+                      <m:t>←</m:t>
+                    </m:r>
+                    <m:sSub>
+                      <m:sSubPr>
+                        <m:ctrlPr>
+                          <a:rPr lang="en-US" b="0" i="1" smtClean="0">
+                            <a:latin typeface="Cambria Math" panose="02040503050406030204" pitchFamily="18" charset="0"/>
+                          </a:rPr>
+                        </m:ctrlPr>
+                      </m:sSubPr>
+                      <m:e>
+                        <m:r>
+                          <a:rPr lang="en-US" b="0" i="1" smtClean="0">
+                            <a:latin typeface="Cambria Math" panose="02040503050406030204" pitchFamily="18" charset="0"/>
+                          </a:rPr>
+                          <m:t>𝑆</m:t>
+                        </m:r>
+                      </m:e>
+                      <m:sub>
+                        <m:r>
+                          <a:rPr lang="en-US" b="0" i="1" smtClean="0">
+                            <a:latin typeface="Cambria Math" panose="02040503050406030204" pitchFamily="18" charset="0"/>
+                          </a:rPr>
+                          <m:t>0</m:t>
+                        </m:r>
+                      </m:sub>
+                    </m:sSub>
+                    <m:r>
+                      <a:rPr lang="en-US" b="0" i="1" smtClean="0">
+                        <a:latin typeface="Cambria Math" panose="02040503050406030204" pitchFamily="18" charset="0"/>
+                      </a:rPr>
+                      <m:t> </m:t>
+                    </m:r>
+                    <m:r>
+                      <a:rPr lang="en-US" b="0" i="1" smtClean="0">
+                        <a:latin typeface="Cambria Math" panose="02040503050406030204" pitchFamily="18" charset="0"/>
+                      </a:rPr>
+                      <m:t>𝑎𝑠𝑠𝑢𝑚𝑒</m:t>
+                    </m:r>
+                    <m:d>
+                      <m:dPr>
+                        <m:ctrlPr>
+                          <a:rPr lang="en-US" b="0" i="1" smtClean="0">
+                            <a:latin typeface="Cambria Math" panose="02040503050406030204" pitchFamily="18" charset="0"/>
+                          </a:rPr>
+                        </m:ctrlPr>
+                      </m:dPr>
+                      <m:e>
+                        <m:r>
+                          <a:rPr lang="en-US" b="0" i="1" smtClean="0">
+                            <a:latin typeface="Cambria Math" panose="02040503050406030204" pitchFamily="18" charset="0"/>
+                          </a:rPr>
+                          <m:t>𝛼</m:t>
+                        </m:r>
+                        <m:r>
+                          <a:rPr lang="en-US" b="0" i="1" smtClean="0">
+                            <a:latin typeface="Cambria Math" panose="02040503050406030204" pitchFamily="18" charset="0"/>
+                          </a:rPr>
+                          <m:t>,</m:t>
+                        </m:r>
+                        <m:sSub>
+                          <m:sSubPr>
+                            <m:ctrlPr>
+                              <a:rPr lang="en-US" b="0" i="1" smtClean="0">
+                                <a:latin typeface="Cambria Math" panose="02040503050406030204" pitchFamily="18" charset="0"/>
+                              </a:rPr>
+                            </m:ctrlPr>
+                          </m:sSubPr>
+                          <m:e>
+                            <m:r>
+                              <a:rPr lang="en-US" b="0" i="1" smtClean="0">
+                                <a:latin typeface="Cambria Math" panose="02040503050406030204" pitchFamily="18" charset="0"/>
+                              </a:rPr>
+                              <m:t>𝑇</m:t>
+                            </m:r>
+                          </m:e>
+                          <m:sub>
+                            <m:r>
+                              <a:rPr lang="en-US" b="0" i="1" smtClean="0">
+                                <a:latin typeface="Cambria Math" panose="02040503050406030204" pitchFamily="18" charset="0"/>
+                              </a:rPr>
+                              <m:t>𝑒𝑞</m:t>
+                            </m:r>
+                          </m:sub>
+                        </m:sSub>
+                      </m:e>
+                    </m:d>
+                  </m:oMath>
+                </a14:m>
+                <a:endParaRPr lang="en-US" b="0" dirty="0"/>
+              </a:p>
+              <a:p>
+                <a:pPr lvl="1"/>
+                <a14:m>
+                  <m:oMath xmlns:m="http://schemas.openxmlformats.org/officeDocument/2006/math">
+                    <m:sSub>
+                      <m:sSubPr>
+                        <m:ctrlPr>
+                          <a:rPr lang="en-US" b="0" i="1" smtClean="0">
+                            <a:latin typeface="Cambria Math" panose="02040503050406030204" pitchFamily="18" charset="0"/>
+                          </a:rPr>
+                        </m:ctrlPr>
+                      </m:sSubPr>
+                      <m:e>
+                        <m:r>
+                          <a:rPr lang="en-US" b="0" i="1" smtClean="0">
+                            <a:latin typeface="Cambria Math" panose="02040503050406030204" pitchFamily="18" charset="0"/>
+                          </a:rPr>
+                          <m:t>𝑑</m:t>
+                        </m:r>
+                      </m:e>
+                      <m:sub>
+                        <m:r>
+                          <a:rPr lang="en-US" b="0" i="1" smtClean="0">
+                            <a:latin typeface="Cambria Math" panose="02040503050406030204" pitchFamily="18" charset="0"/>
+                          </a:rPr>
+                          <m:t>1</m:t>
+                        </m:r>
+                      </m:sub>
+                    </m:sSub>
+                    <m:r>
+                      <a:rPr lang="en-US" b="0" i="1" smtClean="0">
+                        <a:latin typeface="Cambria Math" panose="02040503050406030204" pitchFamily="18" charset="0"/>
+                      </a:rPr>
+                      <m:t>←</m:t>
+                    </m:r>
+                    <m:sSub>
+                      <m:sSubPr>
+                        <m:ctrlPr>
+                          <a:rPr lang="en-US" b="0" i="1" smtClean="0">
+                            <a:latin typeface="Cambria Math" panose="02040503050406030204" pitchFamily="18" charset="0"/>
+                          </a:rPr>
+                        </m:ctrlPr>
+                      </m:sSubPr>
+                      <m:e>
+                        <m:r>
+                          <a:rPr lang="en-US" b="0" i="1" smtClean="0">
+                            <a:latin typeface="Cambria Math" panose="02040503050406030204" pitchFamily="18" charset="0"/>
+                          </a:rPr>
+                          <m:t>𝑆</m:t>
+                        </m:r>
+                      </m:e>
+                      <m:sub>
+                        <m:r>
+                          <a:rPr lang="en-US" b="0" i="1" smtClean="0">
+                            <a:latin typeface="Cambria Math" panose="02040503050406030204" pitchFamily="18" charset="0"/>
+                          </a:rPr>
+                          <m:t>1</m:t>
+                        </m:r>
+                      </m:sub>
+                    </m:sSub>
+                    <m:r>
+                      <a:rPr lang="en-US" b="0" i="1" smtClean="0">
+                        <a:latin typeface="Cambria Math" panose="02040503050406030204" pitchFamily="18" charset="0"/>
+                      </a:rPr>
+                      <m:t>=</m:t>
+                    </m:r>
+                    <m:sSub>
+                      <m:sSubPr>
+                        <m:ctrlPr>
+                          <a:rPr lang="en-US" b="0" i="1" smtClean="0">
+                            <a:latin typeface="Cambria Math" panose="02040503050406030204" pitchFamily="18" charset="0"/>
+                          </a:rPr>
+                        </m:ctrlPr>
+                      </m:sSubPr>
+                      <m:e>
+                        <m:r>
+                          <a:rPr lang="en-US" b="0" i="1" smtClean="0">
+                            <a:latin typeface="Cambria Math" panose="02040503050406030204" pitchFamily="18" charset="0"/>
+                          </a:rPr>
+                          <m:t>𝑆</m:t>
+                        </m:r>
+                      </m:e>
+                      <m:sub>
+                        <m:r>
+                          <a:rPr lang="en-US" b="0" i="1" smtClean="0">
+                            <a:latin typeface="Cambria Math" panose="02040503050406030204" pitchFamily="18" charset="0"/>
+                          </a:rPr>
+                          <m:t>0</m:t>
+                        </m:r>
+                      </m:sub>
+                    </m:sSub>
+                    <m:r>
+                      <a:rPr lang="en-US" b="0" i="1" smtClean="0">
+                        <a:latin typeface="Cambria Math" panose="02040503050406030204" pitchFamily="18" charset="0"/>
+                      </a:rPr>
+                      <m:t>+</m:t>
+                    </m:r>
+                    <m:r>
+                      <m:rPr>
+                        <m:sty m:val="p"/>
+                      </m:rPr>
+                      <a:rPr lang="en-US" b="0" i="0" smtClean="0">
+                        <a:latin typeface="Cambria Math" panose="02040503050406030204" pitchFamily="18" charset="0"/>
+                      </a:rPr>
+                      <m:t>Δ</m:t>
+                    </m:r>
+                    <m:r>
+                      <a:rPr lang="en-US" b="0" i="1" smtClean="0">
+                        <a:latin typeface="Cambria Math" panose="02040503050406030204" pitchFamily="18" charset="0"/>
+                      </a:rPr>
+                      <m:t>𝑡</m:t>
+                    </m:r>
+                    <m:r>
+                      <a:rPr lang="en-US" b="0" i="1" smtClean="0">
+                        <a:latin typeface="Cambria Math" panose="02040503050406030204" pitchFamily="18" charset="0"/>
+                      </a:rPr>
+                      <m:t>×</m:t>
+                    </m:r>
+                    <m:r>
+                      <a:rPr lang="en-US" b="0" i="1" smtClean="0">
+                        <a:latin typeface="Cambria Math" panose="02040503050406030204" pitchFamily="18" charset="0"/>
+                      </a:rPr>
+                      <m:t>𝛼</m:t>
+                    </m:r>
+                    <m:r>
+                      <a:rPr lang="en-US" b="0" i="1" smtClean="0">
+                        <a:latin typeface="Cambria Math" panose="02040503050406030204" pitchFamily="18" charset="0"/>
+                      </a:rPr>
+                      <m:t>×</m:t>
+                    </m:r>
+                    <m:d>
+                      <m:dPr>
+                        <m:ctrlPr>
+                          <a:rPr lang="en-US" b="0" i="1" smtClean="0">
+                            <a:latin typeface="Cambria Math" panose="02040503050406030204" pitchFamily="18" charset="0"/>
+                          </a:rPr>
+                        </m:ctrlPr>
+                      </m:dPr>
+                      <m:e>
+                        <m:sSub>
+                          <m:sSubPr>
+                            <m:ctrlPr>
+                              <a:rPr lang="en-US" b="0" i="1" smtClean="0">
+                                <a:latin typeface="Cambria Math" panose="02040503050406030204" pitchFamily="18" charset="0"/>
+                              </a:rPr>
+                            </m:ctrlPr>
+                          </m:sSubPr>
+                          <m:e>
+                            <m:r>
+                              <a:rPr lang="en-US" b="0" i="1" smtClean="0">
+                                <a:latin typeface="Cambria Math" panose="02040503050406030204" pitchFamily="18" charset="0"/>
+                              </a:rPr>
+                              <m:t>𝑇</m:t>
+                            </m:r>
+                          </m:e>
+                          <m:sub>
+                            <m:r>
+                              <a:rPr lang="en-US" b="0" i="1" smtClean="0">
+                                <a:latin typeface="Cambria Math" panose="02040503050406030204" pitchFamily="18" charset="0"/>
+                              </a:rPr>
+                              <m:t>0</m:t>
+                            </m:r>
+                          </m:sub>
+                        </m:sSub>
+                        <m:r>
+                          <a:rPr lang="en-US" b="0" i="1" smtClean="0">
+                            <a:latin typeface="Cambria Math" panose="02040503050406030204" pitchFamily="18" charset="0"/>
+                          </a:rPr>
+                          <m:t>−</m:t>
+                        </m:r>
+                        <m:sSub>
+                          <m:sSubPr>
+                            <m:ctrlPr>
+                              <a:rPr lang="en-US" b="0" i="1" smtClean="0">
+                                <a:latin typeface="Cambria Math" panose="02040503050406030204" pitchFamily="18" charset="0"/>
+                              </a:rPr>
+                            </m:ctrlPr>
+                          </m:sSubPr>
+                          <m:e>
+                            <m:r>
+                              <a:rPr lang="en-US" b="0" i="1" smtClean="0">
+                                <a:latin typeface="Cambria Math" panose="02040503050406030204" pitchFamily="18" charset="0"/>
+                              </a:rPr>
+                              <m:t>𝑇</m:t>
+                            </m:r>
+                          </m:e>
+                          <m:sub>
+                            <m:r>
+                              <a:rPr lang="en-US" b="0" i="1" smtClean="0">
+                                <a:latin typeface="Cambria Math" panose="02040503050406030204" pitchFamily="18" charset="0"/>
+                              </a:rPr>
+                              <m:t>𝑒𝑞</m:t>
+                            </m:r>
+                          </m:sub>
+                        </m:sSub>
+                      </m:e>
+                    </m:d>
+                  </m:oMath>
+                </a14:m>
+                <a:endParaRPr lang="en-US" b="0" dirty="0"/>
+              </a:p>
+              <a:p>
+                <a:pPr lvl="1"/>
+                <a14:m>
+                  <m:oMath xmlns:m="http://schemas.openxmlformats.org/officeDocument/2006/math">
+                    <m:sSub>
+                      <m:sSubPr>
+                        <m:ctrlPr>
+                          <a:rPr lang="en-US" b="0" i="1" smtClean="0">
+                            <a:latin typeface="Cambria Math" panose="02040503050406030204" pitchFamily="18" charset="0"/>
+                          </a:rPr>
+                        </m:ctrlPr>
+                      </m:sSubPr>
+                      <m:e>
+                        <m:r>
+                          <a:rPr lang="en-US" b="0" i="1" smtClean="0">
+                            <a:latin typeface="Cambria Math" panose="02040503050406030204" pitchFamily="18" charset="0"/>
+                          </a:rPr>
+                          <m:t>𝑑</m:t>
+                        </m:r>
+                      </m:e>
+                      <m:sub>
+                        <m:r>
+                          <a:rPr lang="en-US" b="0" i="1" smtClean="0">
+                            <a:latin typeface="Cambria Math" panose="02040503050406030204" pitchFamily="18" charset="0"/>
+                          </a:rPr>
+                          <m:t>2</m:t>
+                        </m:r>
+                      </m:sub>
+                    </m:sSub>
+                    <m:r>
+                      <a:rPr lang="en-US" b="0" i="1" smtClean="0">
+                        <a:latin typeface="Cambria Math" panose="02040503050406030204" pitchFamily="18" charset="0"/>
+                      </a:rPr>
+                      <m:t>←</m:t>
+                    </m:r>
+                    <m:sSub>
+                      <m:sSubPr>
+                        <m:ctrlPr>
+                          <a:rPr lang="en-US" b="0" i="1" smtClean="0">
+                            <a:latin typeface="Cambria Math" panose="02040503050406030204" pitchFamily="18" charset="0"/>
+                          </a:rPr>
+                        </m:ctrlPr>
+                      </m:sSubPr>
+                      <m:e>
+                        <m:r>
+                          <a:rPr lang="en-US" b="0" i="1" smtClean="0">
+                            <a:latin typeface="Cambria Math" panose="02040503050406030204" pitchFamily="18" charset="0"/>
+                          </a:rPr>
+                          <m:t>𝑆</m:t>
+                        </m:r>
+                      </m:e>
+                      <m:sub>
+                        <m:r>
+                          <a:rPr lang="en-US" b="0" i="1" smtClean="0">
+                            <a:latin typeface="Cambria Math" panose="02040503050406030204" pitchFamily="18" charset="0"/>
+                          </a:rPr>
+                          <m:t>2</m:t>
+                        </m:r>
+                      </m:sub>
+                    </m:sSub>
+                    <m:r>
+                      <a:rPr lang="en-US" b="0" i="1" smtClean="0">
+                        <a:latin typeface="Cambria Math" panose="02040503050406030204" pitchFamily="18" charset="0"/>
+                      </a:rPr>
+                      <m:t>=</m:t>
+                    </m:r>
+                    <m:sSub>
+                      <m:sSubPr>
+                        <m:ctrlPr>
+                          <a:rPr lang="en-US" b="0" i="1" smtClean="0">
+                            <a:latin typeface="Cambria Math" panose="02040503050406030204" pitchFamily="18" charset="0"/>
+                          </a:rPr>
+                        </m:ctrlPr>
+                      </m:sSubPr>
+                      <m:e>
+                        <m:r>
+                          <a:rPr lang="en-US" b="0" i="1" smtClean="0">
+                            <a:latin typeface="Cambria Math" panose="02040503050406030204" pitchFamily="18" charset="0"/>
+                          </a:rPr>
+                          <m:t>𝑆</m:t>
+                        </m:r>
+                      </m:e>
+                      <m:sub>
+                        <m:r>
+                          <a:rPr lang="en-US" b="0" i="1" smtClean="0">
+                            <a:latin typeface="Cambria Math" panose="02040503050406030204" pitchFamily="18" charset="0"/>
+                          </a:rPr>
+                          <m:t>1</m:t>
+                        </m:r>
+                      </m:sub>
+                    </m:sSub>
+                    <m:r>
+                      <a:rPr lang="en-US" b="0" i="1" smtClean="0">
+                        <a:latin typeface="Cambria Math" panose="02040503050406030204" pitchFamily="18" charset="0"/>
+                      </a:rPr>
+                      <m:t>+…</m:t>
+                    </m:r>
+                    <m:d>
+                      <m:dPr>
+                        <m:ctrlPr>
+                          <a:rPr lang="en-US" b="0" i="1" smtClean="0">
+                            <a:latin typeface="Cambria Math" panose="02040503050406030204" pitchFamily="18" charset="0"/>
+                          </a:rPr>
+                        </m:ctrlPr>
+                      </m:dPr>
+                      <m:e>
+                        <m:sSub>
+                          <m:sSubPr>
+                            <m:ctrlPr>
+                              <a:rPr lang="en-US" b="0" i="1" smtClean="0">
+                                <a:latin typeface="Cambria Math" panose="02040503050406030204" pitchFamily="18" charset="0"/>
+                              </a:rPr>
+                            </m:ctrlPr>
+                          </m:sSubPr>
+                          <m:e>
+                            <m:r>
+                              <a:rPr lang="en-US" b="0" i="1" smtClean="0">
+                                <a:latin typeface="Cambria Math" panose="02040503050406030204" pitchFamily="18" charset="0"/>
+                              </a:rPr>
+                              <m:t>𝑇</m:t>
+                            </m:r>
+                          </m:e>
+                          <m:sub>
+                            <m:r>
+                              <a:rPr lang="en-US" b="0" i="1" smtClean="0">
+                                <a:latin typeface="Cambria Math" panose="02040503050406030204" pitchFamily="18" charset="0"/>
+                              </a:rPr>
+                              <m:t>1</m:t>
+                            </m:r>
+                          </m:sub>
+                        </m:sSub>
+                        <m:r>
+                          <a:rPr lang="en-US" b="0" i="1" smtClean="0">
+                            <a:latin typeface="Cambria Math" panose="02040503050406030204" pitchFamily="18" charset="0"/>
+                          </a:rPr>
+                          <m:t>−</m:t>
+                        </m:r>
+                        <m:sSub>
+                          <m:sSubPr>
+                            <m:ctrlPr>
+                              <a:rPr lang="en-US" b="0" i="1" smtClean="0">
+                                <a:latin typeface="Cambria Math" panose="02040503050406030204" pitchFamily="18" charset="0"/>
+                              </a:rPr>
+                            </m:ctrlPr>
+                          </m:sSubPr>
+                          <m:e>
+                            <m:r>
+                              <a:rPr lang="en-US" b="0" i="1" smtClean="0">
+                                <a:latin typeface="Cambria Math" panose="02040503050406030204" pitchFamily="18" charset="0"/>
+                              </a:rPr>
+                              <m:t>𝑇</m:t>
+                            </m:r>
+                          </m:e>
+                          <m:sub>
+                            <m:r>
+                              <a:rPr lang="en-US" b="0" i="1" smtClean="0">
+                                <a:latin typeface="Cambria Math" panose="02040503050406030204" pitchFamily="18" charset="0"/>
+                              </a:rPr>
+                              <m:t>𝑒𝑞</m:t>
+                            </m:r>
+                          </m:sub>
+                        </m:sSub>
+                      </m:e>
+                    </m:d>
+                  </m:oMath>
+                </a14:m>
+                <a:endParaRPr lang="en-US" b="0" dirty="0"/>
+              </a:p>
+              <a:p>
+                <a:pPr lvl="1"/>
+                <a14:m>
+                  <m:oMath xmlns:m="http://schemas.openxmlformats.org/officeDocument/2006/math">
+                    <m:sSub>
+                      <m:sSubPr>
+                        <m:ctrlPr>
+                          <a:rPr lang="en-US" i="1">
+                            <a:latin typeface="Cambria Math" panose="02040503050406030204" pitchFamily="18" charset="0"/>
+                          </a:rPr>
+                        </m:ctrlPr>
+                      </m:sSubPr>
+                      <m:e>
+                        <m:r>
+                          <a:rPr lang="en-US" i="1">
+                            <a:latin typeface="Cambria Math" panose="02040503050406030204" pitchFamily="18" charset="0"/>
+                          </a:rPr>
+                          <m:t>𝑑</m:t>
+                        </m:r>
+                      </m:e>
+                      <m:sub>
+                        <m:r>
+                          <a:rPr lang="en-US" b="0" i="1" smtClean="0">
+                            <a:latin typeface="Cambria Math" panose="02040503050406030204" pitchFamily="18" charset="0"/>
+                          </a:rPr>
+                          <m:t>𝑛</m:t>
+                        </m:r>
+                      </m:sub>
+                    </m:sSub>
+                    <m:r>
+                      <a:rPr lang="en-US" i="1">
+                        <a:latin typeface="Cambria Math" panose="02040503050406030204" pitchFamily="18" charset="0"/>
+                      </a:rPr>
+                      <m:t>←</m:t>
+                    </m:r>
+                    <m:sSub>
+                      <m:sSubPr>
+                        <m:ctrlPr>
+                          <a:rPr lang="en-US" i="1">
+                            <a:latin typeface="Cambria Math" panose="02040503050406030204" pitchFamily="18" charset="0"/>
+                          </a:rPr>
+                        </m:ctrlPr>
+                      </m:sSubPr>
+                      <m:e>
+                        <m:r>
+                          <a:rPr lang="en-US" i="1">
+                            <a:latin typeface="Cambria Math" panose="02040503050406030204" pitchFamily="18" charset="0"/>
+                          </a:rPr>
+                          <m:t>𝑆</m:t>
+                        </m:r>
+                      </m:e>
+                      <m:sub>
+                        <m:r>
+                          <a:rPr lang="en-US" b="0" i="1" smtClean="0">
+                            <a:latin typeface="Cambria Math" panose="02040503050406030204" pitchFamily="18" charset="0"/>
+                          </a:rPr>
+                          <m:t>𝑛</m:t>
+                        </m:r>
+                      </m:sub>
+                    </m:sSub>
+                    <m:r>
+                      <a:rPr lang="en-US" i="1">
+                        <a:latin typeface="Cambria Math" panose="02040503050406030204" pitchFamily="18" charset="0"/>
+                      </a:rPr>
+                      <m:t>=</m:t>
+                    </m:r>
+                    <m:sSub>
+                      <m:sSubPr>
+                        <m:ctrlPr>
+                          <a:rPr lang="en-US" i="1">
+                            <a:latin typeface="Cambria Math" panose="02040503050406030204" pitchFamily="18" charset="0"/>
+                          </a:rPr>
+                        </m:ctrlPr>
+                      </m:sSubPr>
+                      <m:e>
+                        <m:r>
+                          <a:rPr lang="en-US" i="1">
+                            <a:latin typeface="Cambria Math" panose="02040503050406030204" pitchFamily="18" charset="0"/>
+                          </a:rPr>
+                          <m:t>𝑆</m:t>
+                        </m:r>
+                      </m:e>
+                      <m:sub>
+                        <m:r>
+                          <a:rPr lang="en-US" b="0" i="1" smtClean="0">
+                            <a:latin typeface="Cambria Math" panose="02040503050406030204" pitchFamily="18" charset="0"/>
+                          </a:rPr>
+                          <m:t>𝑛</m:t>
+                        </m:r>
+                        <m:r>
+                          <a:rPr lang="en-US" b="0" i="1" smtClean="0">
+                            <a:latin typeface="Cambria Math" panose="02040503050406030204" pitchFamily="18" charset="0"/>
+                          </a:rPr>
+                          <m:t>−1</m:t>
+                        </m:r>
+                      </m:sub>
+                    </m:sSub>
+                    <m:r>
+                      <a:rPr lang="en-US" i="1">
+                        <a:latin typeface="Cambria Math" panose="02040503050406030204" pitchFamily="18" charset="0"/>
+                      </a:rPr>
+                      <m:t>+</m:t>
+                    </m:r>
+                    <m:r>
+                      <m:rPr>
+                        <m:sty m:val="p"/>
+                      </m:rPr>
+                      <a:rPr lang="en-US" b="0" i="0" smtClean="0">
+                        <a:latin typeface="Cambria Math" panose="02040503050406030204" pitchFamily="18" charset="0"/>
+                      </a:rPr>
+                      <m:t>Δ</m:t>
+                    </m:r>
+                    <m:r>
+                      <a:rPr lang="en-US" b="0" i="1" smtClean="0">
+                        <a:latin typeface="Cambria Math" panose="02040503050406030204" pitchFamily="18" charset="0"/>
+                      </a:rPr>
+                      <m:t>𝑡</m:t>
+                    </m:r>
+                    <m:r>
+                      <a:rPr lang="en-US" b="0" i="1" smtClean="0">
+                        <a:latin typeface="Cambria Math" panose="02040503050406030204" pitchFamily="18" charset="0"/>
+                      </a:rPr>
+                      <m:t>×</m:t>
+                    </m:r>
+                    <m:r>
+                      <a:rPr lang="en-US" b="0" i="1" smtClean="0">
+                        <a:latin typeface="Cambria Math" panose="02040503050406030204" pitchFamily="18" charset="0"/>
+                      </a:rPr>
+                      <m:t>𝛼</m:t>
+                    </m:r>
+                    <m:r>
+                      <a:rPr lang="en-US" b="0" i="1" smtClean="0">
+                        <a:latin typeface="Cambria Math" panose="02040503050406030204" pitchFamily="18" charset="0"/>
+                      </a:rPr>
+                      <m:t>×</m:t>
+                    </m:r>
+                    <m:d>
+                      <m:dPr>
+                        <m:ctrlPr>
+                          <a:rPr lang="en-US" i="1">
+                            <a:latin typeface="Cambria Math" panose="02040503050406030204" pitchFamily="18" charset="0"/>
+                          </a:rPr>
+                        </m:ctrlPr>
+                      </m:dPr>
+                      <m:e>
+                        <m:sSub>
+                          <m:sSubPr>
+                            <m:ctrlPr>
+                              <a:rPr lang="en-US" i="1">
+                                <a:latin typeface="Cambria Math" panose="02040503050406030204" pitchFamily="18" charset="0"/>
+                              </a:rPr>
+                            </m:ctrlPr>
+                          </m:sSubPr>
+                          <m:e>
+                            <m:r>
+                              <a:rPr lang="en-US" i="1">
+                                <a:latin typeface="Cambria Math" panose="02040503050406030204" pitchFamily="18" charset="0"/>
+                              </a:rPr>
+                              <m:t>𝑇</m:t>
+                            </m:r>
+                          </m:e>
+                          <m:sub>
+                            <m:r>
+                              <a:rPr lang="en-US" i="1">
+                                <a:latin typeface="Cambria Math" panose="02040503050406030204" pitchFamily="18" charset="0"/>
+                              </a:rPr>
+                              <m:t>1</m:t>
+                            </m:r>
+                          </m:sub>
+                        </m:sSub>
+                        <m:r>
+                          <a:rPr lang="en-US" i="1">
+                            <a:latin typeface="Cambria Math" panose="02040503050406030204" pitchFamily="18" charset="0"/>
+                          </a:rPr>
+                          <m:t>−</m:t>
+                        </m:r>
+                        <m:sSub>
+                          <m:sSubPr>
+                            <m:ctrlPr>
+                              <a:rPr lang="en-US" i="1">
+                                <a:latin typeface="Cambria Math" panose="02040503050406030204" pitchFamily="18" charset="0"/>
+                              </a:rPr>
+                            </m:ctrlPr>
+                          </m:sSubPr>
+                          <m:e>
+                            <m:r>
+                              <a:rPr lang="en-US" i="1">
+                                <a:latin typeface="Cambria Math" panose="02040503050406030204" pitchFamily="18" charset="0"/>
+                              </a:rPr>
+                              <m:t>𝑇</m:t>
+                            </m:r>
+                          </m:e>
+                          <m:sub>
+                            <m:r>
+                              <a:rPr lang="en-US" i="1">
+                                <a:latin typeface="Cambria Math" panose="02040503050406030204" pitchFamily="18" charset="0"/>
+                              </a:rPr>
+                              <m:t>𝑒𝑞</m:t>
+                            </m:r>
+                          </m:sub>
+                        </m:sSub>
+                      </m:e>
+                    </m:d>
+                  </m:oMath>
+                </a14:m>
+                <a:endParaRPr lang="en-US" b="0" dirty="0"/>
+              </a:p>
+              <a:p>
+                <a:pPr lvl="1"/>
+                <a:endParaRPr lang="en-US" b="0" dirty="0"/>
+              </a:p>
+            </p:txBody>
+          </p:sp>
+        </mc:Choice>
+        <mc:Fallback>
+          <p:sp>
+            <p:nvSpPr>
+              <p:cNvPr id="3" name="Content Placeholder 2">
+                <a:extLst>
+                  <a:ext uri="{FF2B5EF4-FFF2-40B4-BE49-F238E27FC236}">
+                    <a16:creationId xmlns:a16="http://schemas.microsoft.com/office/drawing/2014/main" id="{38720C92-7700-40CA-979E-55B1448F2966}"/>
+                  </a:ext>
+                </a:extLst>
+              </p:cNvPr>
+              <p:cNvSpPr>
+                <a:spLocks noGrp="1" noRot="1" noChangeAspect="1" noMove="1" noResize="1" noEditPoints="1" noAdjustHandles="1" noChangeArrowheads="1" noChangeShapeType="1" noTextEdit="1"/>
+              </p:cNvSpPr>
+              <p:nvPr>
+                <p:ph idx="1"/>
+              </p:nvPr>
+            </p:nvSpPr>
+            <p:spPr>
+              <a:blipFill>
+                <a:blip r:embed="rId2"/>
+                <a:stretch>
+                  <a:fillRect b="-281"/>
+                </a:stretch>
+              </a:blipFill>
+            </p:spPr>
+            <p:txBody>
+              <a:bodyPr/>
+              <a:lstStyle/>
+              <a:p>
+                <a:r>
+                  <a:rPr lang="en-US">
+                    <a:noFill/>
+                  </a:rPr>
+                  <a:t> </a:t>
+                </a:r>
+              </a:p>
+            </p:txBody>
+          </p:sp>
+        </mc:Fallback>
+      </mc:AlternateContent>
     </p:spTree>
     <p:extLst>
       <p:ext uri="{BB962C8B-B14F-4D97-AF65-F5344CB8AC3E}">
         <p14:creationId xmlns:p14="http://schemas.microsoft.com/office/powerpoint/2010/main" val="2226758555"/>
-      </p:ext>
-    </p:extLst>
-  </p:cSld>
-  <p:clrMapOvr>
-    <a:masterClrMapping/>
-  </p:clrMapOvr>
-</p:sld>
-</file>
-
-<file path=ppt/slides/slide5.xml><?xml version="1.0" encoding="utf-8"?>
-<p:sld xmlns:a="http://schemas.openxmlformats.org/drawingml/2006/main" xmlns:r="http://schemas.openxmlformats.org/officeDocument/2006/relationships" xmlns:p="http://schemas.openxmlformats.org/presentationml/2006/main">
-  <p:cSld>
-    <p:spTree>
-      <p:nvGrpSpPr>
-        <p:cNvPr id="1" name=""/>
-        <p:cNvGrpSpPr/>
-        <p:nvPr/>
-      </p:nvGrpSpPr>
-      <p:grpSpPr>
-        <a:xfrm>
-          <a:off x="0" y="0"/>
-          <a:ext cx="0" cy="0"/>
-          <a:chOff x="0" y="0"/>
-          <a:chExt cx="0" cy="0"/>
-        </a:xfrm>
-      </p:grpSpPr>
-      <p:sp>
-        <p:nvSpPr>
-          <p:cNvPr id="2" name="Title 1">
-            <a:extLst>
-              <a:ext uri="{FF2B5EF4-FFF2-40B4-BE49-F238E27FC236}">
-                <a16:creationId xmlns:a16="http://schemas.microsoft.com/office/drawing/2014/main" id="{E4040E36-FA2F-4F4D-9393-CCE758049ED3}"/>
-              </a:ext>
-            </a:extLst>
-          </p:cNvPr>
-          <p:cNvSpPr>
-            <a:spLocks noGrp="1"/>
-          </p:cNvSpPr>
-          <p:nvPr>
-            <p:ph type="title"/>
-          </p:nvPr>
-        </p:nvSpPr>
-        <p:spPr/>
-        <p:txBody>
-          <a:bodyPr/>
-          <a:lstStyle/>
-          <a:p>
-            <a:endParaRPr lang="en-US"/>
-          </a:p>
-        </p:txBody>
-      </p:sp>
-      <p:sp>
-        <p:nvSpPr>
-          <p:cNvPr id="3" name="Content Placeholder 2">
-            <a:extLst>
-              <a:ext uri="{FF2B5EF4-FFF2-40B4-BE49-F238E27FC236}">
-                <a16:creationId xmlns:a16="http://schemas.microsoft.com/office/drawing/2014/main" id="{59DD5F0C-0342-4830-A699-23008083BE4B}"/>
-              </a:ext>
-            </a:extLst>
-          </p:cNvPr>
-          <p:cNvSpPr>
-            <a:spLocks noGrp="1"/>
-          </p:cNvSpPr>
-          <p:nvPr>
-            <p:ph idx="1"/>
-          </p:nvPr>
-        </p:nvSpPr>
-        <p:spPr/>
-        <p:txBody>
-          <a:bodyPr/>
-          <a:lstStyle/>
-          <a:p>
-            <a:r>
-              <a:rPr lang="en-US" dirty="0"/>
-              <a:t>We want projections, but the aim is to account for uncertainties</a:t>
-            </a:r>
-          </a:p>
-          <a:p>
-            <a:pPr lvl="1"/>
-            <a:r>
-              <a:rPr lang="en-US" dirty="0"/>
-              <a:t>Good figure – </a:t>
-            </a:r>
-          </a:p>
-          <a:p>
-            <a:pPr lvl="2"/>
-            <a:r>
-              <a:rPr lang="en-US" dirty="0"/>
-              <a:t>Uncalibrated simulation from the GMSL model vs observation and a calibrated simulation (the entire MCMC ensemble). </a:t>
-            </a:r>
-          </a:p>
-          <a:p>
-            <a:r>
-              <a:rPr lang="en-US" dirty="0"/>
-              <a:t>MCMC, what is the model (big picture stuff). </a:t>
-            </a:r>
-          </a:p>
-        </p:txBody>
-      </p:sp>
-    </p:spTree>
-    <p:extLst>
-      <p:ext uri="{BB962C8B-B14F-4D97-AF65-F5344CB8AC3E}">
-        <p14:creationId xmlns:p14="http://schemas.microsoft.com/office/powerpoint/2010/main" val="1833248853"/>
-      </p:ext>
-    </p:extLst>
-  </p:cSld>
-  <p:clrMapOvr>
-    <a:masterClrMapping/>
-  </p:clrMapOvr>
-</p:sld>
-</file>
-
-<file path=ppt/slides/slide6.xml><?xml version="1.0" encoding="utf-8"?>
-<p:sld xmlns:a="http://schemas.openxmlformats.org/drawingml/2006/main" xmlns:r="http://schemas.openxmlformats.org/officeDocument/2006/relationships" xmlns:p="http://schemas.openxmlformats.org/presentationml/2006/main">
-  <p:cSld>
-    <p:spTree>
-      <p:nvGrpSpPr>
-        <p:cNvPr id="1" name=""/>
-        <p:cNvGrpSpPr/>
-        <p:nvPr/>
-      </p:nvGrpSpPr>
-      <p:grpSpPr>
-        <a:xfrm>
-          <a:off x="0" y="0"/>
-          <a:ext cx="0" cy="0"/>
-          <a:chOff x="0" y="0"/>
-          <a:chExt cx="0" cy="0"/>
-        </a:xfrm>
-      </p:grpSpPr>
-      <p:sp>
-        <p:nvSpPr>
-          <p:cNvPr id="2" name="Title 1">
-            <a:extLst>
-              <a:ext uri="{FF2B5EF4-FFF2-40B4-BE49-F238E27FC236}">
-                <a16:creationId xmlns:a16="http://schemas.microsoft.com/office/drawing/2014/main" id="{2FAF5C53-EDB5-44E6-A94A-9D1BB26632F2}"/>
-              </a:ext>
-            </a:extLst>
-          </p:cNvPr>
-          <p:cNvSpPr>
-            <a:spLocks noGrp="1"/>
-          </p:cNvSpPr>
-          <p:nvPr>
-            <p:ph type="title"/>
-          </p:nvPr>
-        </p:nvSpPr>
-        <p:spPr/>
-        <p:txBody>
-          <a:bodyPr/>
-          <a:lstStyle/>
-          <a:p>
-            <a:r>
-              <a:rPr lang="en-US" dirty="0"/>
-              <a:t>What’s been done -</a:t>
-            </a:r>
-          </a:p>
-        </p:txBody>
-      </p:sp>
-      <p:sp>
-        <p:nvSpPr>
-          <p:cNvPr id="3" name="Content Placeholder 2">
-            <a:extLst>
-              <a:ext uri="{FF2B5EF4-FFF2-40B4-BE49-F238E27FC236}">
-                <a16:creationId xmlns:a16="http://schemas.microsoft.com/office/drawing/2014/main" id="{42DD9501-7E18-4D69-80B6-157C1A7938FB}"/>
-              </a:ext>
-            </a:extLst>
-          </p:cNvPr>
-          <p:cNvSpPr>
-            <a:spLocks noGrp="1"/>
-          </p:cNvSpPr>
-          <p:nvPr>
-            <p:ph idx="1"/>
-          </p:nvPr>
-        </p:nvSpPr>
-        <p:spPr/>
-        <p:txBody>
-          <a:bodyPr/>
-          <a:lstStyle/>
-          <a:p>
-            <a:r>
-              <a:rPr lang="en-US" dirty="0"/>
-              <a:t>MCMC model with </a:t>
-            </a:r>
-          </a:p>
-          <a:p>
-            <a:r>
-              <a:rPr lang="en-US" dirty="0"/>
-              <a:t>DOECLIM model</a:t>
-            </a:r>
-          </a:p>
-          <a:p>
-            <a:r>
-              <a:rPr lang="en-US" dirty="0"/>
-              <a:t>Simple AR1 matrix</a:t>
-            </a:r>
-          </a:p>
-          <a:p>
-            <a:endParaRPr lang="en-US" dirty="0"/>
-          </a:p>
-        </p:txBody>
-      </p:sp>
-    </p:spTree>
-    <p:extLst>
-      <p:ext uri="{BB962C8B-B14F-4D97-AF65-F5344CB8AC3E}">
-        <p14:creationId xmlns:p14="http://schemas.microsoft.com/office/powerpoint/2010/main" val="3646143169"/>
       </p:ext>
     </p:extLst>
   </p:cSld>
@@ -4009,7 +10363,7 @@
           <p:cNvPr id="2" name="Title 1">
             <a:extLst>
               <a:ext uri="{FF2B5EF4-FFF2-40B4-BE49-F238E27FC236}">
-                <a16:creationId xmlns:a16="http://schemas.microsoft.com/office/drawing/2014/main" id="{55E080C1-8EA5-4A70-9B44-C543F4A56777}"/>
+                <a16:creationId xmlns:a16="http://schemas.microsoft.com/office/drawing/2014/main" id="{40634BCA-1476-44E9-9C18-A6E94B4BDCA4}"/>
               </a:ext>
             </a:extLst>
           </p:cNvPr>
@@ -4027,7 +10381,7 @@
           <a:p>
             <a:r>
               <a:rPr lang="en-US" dirty="0"/>
-              <a:t>Steps to get to the final goal -</a:t>
+              <a:t>The MCMC chain</a:t>
             </a:r>
           </a:p>
         </p:txBody>
@@ -4037,7 +10391,7 @@
           <p:cNvPr id="3" name="Content Placeholder 2">
             <a:extLst>
               <a:ext uri="{FF2B5EF4-FFF2-40B4-BE49-F238E27FC236}">
-                <a16:creationId xmlns:a16="http://schemas.microsoft.com/office/drawing/2014/main" id="{A318EF24-B224-4155-91B1-E792DE57068A}"/>
+                <a16:creationId xmlns:a16="http://schemas.microsoft.com/office/drawing/2014/main" id="{9E8E30CB-2A89-4421-B4B2-A205423CBE8E}"/>
               </a:ext>
             </a:extLst>
           </p:cNvPr>
@@ -4048,19 +10402,460 @@
             <p:ph idx="1"/>
           </p:nvPr>
         </p:nvSpPr>
+        <p:spPr>
+          <a:xfrm>
+            <a:off x="838200" y="1472700"/>
+            <a:ext cx="10515600" cy="5020173"/>
+          </a:xfrm>
+        </p:spPr>
+        <p:txBody>
+          <a:bodyPr>
+            <a:normAutofit lnSpcReduction="10000"/>
+          </a:bodyPr>
+          <a:lstStyle/>
+          <a:p>
+            <a:r>
+              <a:rPr lang="en-US" dirty="0"/>
+              <a:t>We want accurate projections, but along with the projections we also want to characterize the uncertainties</a:t>
+            </a:r>
+          </a:p>
+          <a:p>
+            <a:r>
+              <a:rPr lang="en-US" dirty="0"/>
+              <a:t>We’re doing this using MCMC chains - </a:t>
+            </a:r>
+          </a:p>
+          <a:p>
+            <a:r>
+              <a:rPr lang="en-US" dirty="0"/>
+              <a:t>5 parameters in our MCMC chain –</a:t>
+            </a:r>
+          </a:p>
+          <a:p>
+            <a:pPr lvl="1"/>
+            <a:r>
+              <a:rPr lang="en-US" dirty="0"/>
+              <a:t>Alpha (Sea-level Rise)</a:t>
+            </a:r>
+          </a:p>
+          <a:p>
+            <a:pPr lvl="1"/>
+            <a:r>
+              <a:rPr lang="en-US" dirty="0"/>
+              <a:t>Temperature Equilibrium</a:t>
+            </a:r>
+          </a:p>
+          <a:p>
+            <a:pPr lvl="1"/>
+            <a:r>
+              <a:rPr lang="en-US" dirty="0"/>
+              <a:t>Initial sea level value of model</a:t>
+            </a:r>
+          </a:p>
+          <a:p>
+            <a:pPr lvl="1"/>
+            <a:r>
+              <a:rPr lang="en-US" dirty="0"/>
+              <a:t>Rho (Uncertainty in sea-level estimates)</a:t>
+            </a:r>
+          </a:p>
+          <a:p>
+            <a:pPr lvl="1"/>
+            <a:r>
+              <a:rPr lang="en-US" dirty="0"/>
+              <a:t>Uncertainty in AR1 matrix</a:t>
+            </a:r>
+          </a:p>
+          <a:p>
+            <a:r>
+              <a:rPr lang="en-US" dirty="0"/>
+              <a:t>The data that we use for the calibration are the sea-levels from the NOAA dataset. </a:t>
+            </a:r>
+          </a:p>
+          <a:p>
+            <a:r>
+              <a:rPr lang="en-US" dirty="0"/>
+              <a:t>Likelihood function - </a:t>
+            </a:r>
+          </a:p>
+        </p:txBody>
+      </p:sp>
+      <p:pic>
+        <p:nvPicPr>
+          <p:cNvPr id="5" name="Picture 4">
+            <a:extLst>
+              <a:ext uri="{FF2B5EF4-FFF2-40B4-BE49-F238E27FC236}">
+                <a16:creationId xmlns:a16="http://schemas.microsoft.com/office/drawing/2014/main" id="{07C7BC19-A802-4A50-8EC8-83768DA9CA01}"/>
+              </a:ext>
+            </a:extLst>
+          </p:cNvPr>
+          <p:cNvPicPr>
+            <a:picLocks noChangeAspect="1"/>
+          </p:cNvPicPr>
+          <p:nvPr/>
+        </p:nvPicPr>
+        <p:blipFill>
+          <a:blip r:embed="rId2"/>
+          <a:stretch>
+            <a:fillRect/>
+          </a:stretch>
+        </p:blipFill>
+        <p:spPr>
+          <a:xfrm>
+            <a:off x="4435642" y="5542545"/>
+            <a:ext cx="6228656" cy="950328"/>
+          </a:xfrm>
+          <a:prstGeom prst="rect">
+            <a:avLst/>
+          </a:prstGeom>
+        </p:spPr>
+      </p:pic>
+    </p:spTree>
+    <p:extLst>
+      <p:ext uri="{BB962C8B-B14F-4D97-AF65-F5344CB8AC3E}">
+        <p14:creationId xmlns:p14="http://schemas.microsoft.com/office/powerpoint/2010/main" val="1880209011"/>
+      </p:ext>
+    </p:extLst>
+  </p:cSld>
+  <p:clrMapOvr>
+    <a:masterClrMapping/>
+  </p:clrMapOvr>
+</p:sld>
+</file>
+
+<file path=ppt/slides/slide8.xml><?xml version="1.0" encoding="utf-8"?>
+<p:sld xmlns:a="http://schemas.openxmlformats.org/drawingml/2006/main" xmlns:r="http://schemas.openxmlformats.org/officeDocument/2006/relationships" xmlns:p="http://schemas.openxmlformats.org/presentationml/2006/main">
+  <p:cSld>
+    <p:spTree>
+      <p:nvGrpSpPr>
+        <p:cNvPr id="1" name=""/>
+        <p:cNvGrpSpPr/>
+        <p:nvPr/>
+      </p:nvGrpSpPr>
+      <p:grpSpPr>
+        <a:xfrm>
+          <a:off x="0" y="0"/>
+          <a:ext cx="0" cy="0"/>
+          <a:chOff x="0" y="0"/>
+          <a:chExt cx="0" cy="0"/>
+        </a:xfrm>
+      </p:grpSpPr>
+      <p:sp>
+        <p:nvSpPr>
+          <p:cNvPr id="2" name="Title 1">
+            <a:extLst>
+              <a:ext uri="{FF2B5EF4-FFF2-40B4-BE49-F238E27FC236}">
+                <a16:creationId xmlns:a16="http://schemas.microsoft.com/office/drawing/2014/main" id="{686C4237-8385-439A-86D4-DF3515A0EB4D}"/>
+              </a:ext>
+            </a:extLst>
+          </p:cNvPr>
+          <p:cNvSpPr>
+            <a:spLocks noGrp="1"/>
+          </p:cNvSpPr>
+          <p:nvPr>
+            <p:ph type="title"/>
+          </p:nvPr>
+        </p:nvSpPr>
         <p:spPr/>
         <p:txBody>
           <a:bodyPr/>
           <a:lstStyle/>
           <a:p>
-            <a:endParaRPr lang="en-US" dirty="0"/>
+            <a:r>
+              <a:rPr lang="en-US" dirty="0"/>
+              <a:t>History Plots</a:t>
+            </a:r>
           </a:p>
         </p:txBody>
       </p:sp>
+      <p:sp>
+        <p:nvSpPr>
+          <p:cNvPr id="15" name="TextBox 14">
+            <a:extLst>
+              <a:ext uri="{FF2B5EF4-FFF2-40B4-BE49-F238E27FC236}">
+                <a16:creationId xmlns:a16="http://schemas.microsoft.com/office/drawing/2014/main" id="{CCA3BB48-7BDD-4640-B7B1-9D4A2599EA96}"/>
+              </a:ext>
+            </a:extLst>
+          </p:cNvPr>
+          <p:cNvSpPr txBox="1"/>
+          <p:nvPr/>
+        </p:nvSpPr>
+        <p:spPr>
+          <a:xfrm>
+            <a:off x="1609930" y="4899012"/>
+            <a:ext cx="1024639" cy="523220"/>
+          </a:xfrm>
+          <a:prstGeom prst="rect">
+            <a:avLst/>
+          </a:prstGeom>
+          <a:noFill/>
+        </p:spPr>
+        <p:txBody>
+          <a:bodyPr wrap="none" rtlCol="0">
+            <a:spAutoFit/>
+          </a:bodyPr>
+          <a:lstStyle/>
+          <a:p>
+            <a:r>
+              <a:rPr lang="en-US" sz="2800" dirty="0"/>
+              <a:t>Alpha</a:t>
+            </a:r>
+          </a:p>
+        </p:txBody>
+      </p:sp>
+      <p:sp>
+        <p:nvSpPr>
+          <p:cNvPr id="16" name="TextBox 15">
+            <a:extLst>
+              <a:ext uri="{FF2B5EF4-FFF2-40B4-BE49-F238E27FC236}">
+                <a16:creationId xmlns:a16="http://schemas.microsoft.com/office/drawing/2014/main" id="{DFEC1B2A-71D6-4AAC-8706-45D107249D4C}"/>
+              </a:ext>
+            </a:extLst>
+          </p:cNvPr>
+          <p:cNvSpPr txBox="1"/>
+          <p:nvPr/>
+        </p:nvSpPr>
+        <p:spPr>
+          <a:xfrm>
+            <a:off x="5748725" y="4899012"/>
+            <a:ext cx="694549" cy="523220"/>
+          </a:xfrm>
+          <a:prstGeom prst="rect">
+            <a:avLst/>
+          </a:prstGeom>
+          <a:noFill/>
+        </p:spPr>
+        <p:txBody>
+          <a:bodyPr wrap="none" rtlCol="0">
+            <a:spAutoFit/>
+          </a:bodyPr>
+          <a:lstStyle/>
+          <a:p>
+            <a:r>
+              <a:rPr lang="en-US" sz="2800" dirty="0" err="1"/>
+              <a:t>Teq</a:t>
+            </a:r>
+            <a:endParaRPr lang="en-US" sz="2800" dirty="0"/>
+          </a:p>
+        </p:txBody>
+      </p:sp>
+      <p:sp>
+        <p:nvSpPr>
+          <p:cNvPr id="17" name="TextBox 16">
+            <a:extLst>
+              <a:ext uri="{FF2B5EF4-FFF2-40B4-BE49-F238E27FC236}">
+                <a16:creationId xmlns:a16="http://schemas.microsoft.com/office/drawing/2014/main" id="{4605670E-3745-4450-86CE-AF4751EB3C38}"/>
+              </a:ext>
+            </a:extLst>
+          </p:cNvPr>
+          <p:cNvSpPr txBox="1"/>
+          <p:nvPr/>
+        </p:nvSpPr>
+        <p:spPr>
+          <a:xfrm>
+            <a:off x="9592543" y="4899012"/>
+            <a:ext cx="758541" cy="523220"/>
+          </a:xfrm>
+          <a:prstGeom prst="rect">
+            <a:avLst/>
+          </a:prstGeom>
+          <a:noFill/>
+        </p:spPr>
+        <p:txBody>
+          <a:bodyPr wrap="none" rtlCol="0">
+            <a:spAutoFit/>
+          </a:bodyPr>
+          <a:lstStyle/>
+          <a:p>
+            <a:r>
+              <a:rPr lang="en-US" sz="2800" dirty="0"/>
+              <a:t>Rho</a:t>
+            </a:r>
+          </a:p>
+        </p:txBody>
+      </p:sp>
+      <p:pic>
+        <p:nvPicPr>
+          <p:cNvPr id="18" name="Picture 17">
+            <a:extLst>
+              <a:ext uri="{FF2B5EF4-FFF2-40B4-BE49-F238E27FC236}">
+                <a16:creationId xmlns:a16="http://schemas.microsoft.com/office/drawing/2014/main" id="{82714EE7-4ED6-4125-8573-761F58ED4771}"/>
+              </a:ext>
+            </a:extLst>
+          </p:cNvPr>
+          <p:cNvPicPr>
+            <a:picLocks noChangeAspect="1"/>
+          </p:cNvPicPr>
+          <p:nvPr/>
+        </p:nvPicPr>
+        <p:blipFill>
+          <a:blip r:embed="rId2"/>
+          <a:stretch>
+            <a:fillRect/>
+          </a:stretch>
+        </p:blipFill>
+        <p:spPr>
+          <a:xfrm>
+            <a:off x="250532" y="1958988"/>
+            <a:ext cx="3743433" cy="2607740"/>
+          </a:xfrm>
+          <a:prstGeom prst="rect">
+            <a:avLst/>
+          </a:prstGeom>
+        </p:spPr>
+      </p:pic>
+      <p:pic>
+        <p:nvPicPr>
+          <p:cNvPr id="19" name="Picture 18">
+            <a:extLst>
+              <a:ext uri="{FF2B5EF4-FFF2-40B4-BE49-F238E27FC236}">
+                <a16:creationId xmlns:a16="http://schemas.microsoft.com/office/drawing/2014/main" id="{B2104F80-1D62-472E-9EF1-AA2529BC8F10}"/>
+              </a:ext>
+            </a:extLst>
+          </p:cNvPr>
+          <p:cNvPicPr>
+            <a:picLocks noChangeAspect="1"/>
+          </p:cNvPicPr>
+          <p:nvPr/>
+        </p:nvPicPr>
+        <p:blipFill>
+          <a:blip r:embed="rId3"/>
+          <a:stretch>
+            <a:fillRect/>
+          </a:stretch>
+        </p:blipFill>
+        <p:spPr>
+          <a:xfrm>
+            <a:off x="4147304" y="1958988"/>
+            <a:ext cx="3901718" cy="2607740"/>
+          </a:xfrm>
+          <a:prstGeom prst="rect">
+            <a:avLst/>
+          </a:prstGeom>
+        </p:spPr>
+      </p:pic>
+      <p:pic>
+        <p:nvPicPr>
+          <p:cNvPr id="20" name="Picture 19">
+            <a:extLst>
+              <a:ext uri="{FF2B5EF4-FFF2-40B4-BE49-F238E27FC236}">
+                <a16:creationId xmlns:a16="http://schemas.microsoft.com/office/drawing/2014/main" id="{FACB4D70-AA54-45F5-A0E8-1761E536E2E5}"/>
+              </a:ext>
+            </a:extLst>
+          </p:cNvPr>
+          <p:cNvPicPr>
+            <a:picLocks noChangeAspect="1"/>
+          </p:cNvPicPr>
+          <p:nvPr/>
+        </p:nvPicPr>
+        <p:blipFill>
+          <a:blip r:embed="rId4"/>
+          <a:stretch>
+            <a:fillRect/>
+          </a:stretch>
+        </p:blipFill>
+        <p:spPr>
+          <a:xfrm>
+            <a:off x="8044697" y="1958988"/>
+            <a:ext cx="3854232" cy="2607740"/>
+          </a:xfrm>
+          <a:prstGeom prst="rect">
+            <a:avLst/>
+          </a:prstGeom>
+        </p:spPr>
+      </p:pic>
     </p:spTree>
     <p:extLst>
       <p:ext uri="{BB962C8B-B14F-4D97-AF65-F5344CB8AC3E}">
-        <p14:creationId xmlns:p14="http://schemas.microsoft.com/office/powerpoint/2010/main" val="1747472871"/>
+        <p14:creationId xmlns:p14="http://schemas.microsoft.com/office/powerpoint/2010/main" val="3257756258"/>
+      </p:ext>
+    </p:extLst>
+  </p:cSld>
+  <p:clrMapOvr>
+    <a:masterClrMapping/>
+  </p:clrMapOvr>
+</p:sld>
+</file>
+
+<file path=ppt/slides/slide9.xml><?xml version="1.0" encoding="utf-8"?>
+<p:sld xmlns:a="http://schemas.openxmlformats.org/drawingml/2006/main" xmlns:r="http://schemas.openxmlformats.org/officeDocument/2006/relationships" xmlns:p="http://schemas.openxmlformats.org/presentationml/2006/main">
+  <p:cSld>
+    <p:spTree>
+      <p:nvGrpSpPr>
+        <p:cNvPr id="1" name=""/>
+        <p:cNvGrpSpPr/>
+        <p:nvPr/>
+      </p:nvGrpSpPr>
+      <p:grpSpPr>
+        <a:xfrm>
+          <a:off x="0" y="0"/>
+          <a:ext cx="0" cy="0"/>
+          <a:chOff x="0" y="0"/>
+          <a:chExt cx="0" cy="0"/>
+        </a:xfrm>
+      </p:grpSpPr>
+      <p:sp>
+        <p:nvSpPr>
+          <p:cNvPr id="2" name="Title 1">
+            <a:extLst>
+              <a:ext uri="{FF2B5EF4-FFF2-40B4-BE49-F238E27FC236}">
+                <a16:creationId xmlns:a16="http://schemas.microsoft.com/office/drawing/2014/main" id="{4642D8FD-5E3D-4045-B506-E80DB9941D5A}"/>
+              </a:ext>
+            </a:extLst>
+          </p:cNvPr>
+          <p:cNvSpPr>
+            <a:spLocks noGrp="1"/>
+          </p:cNvSpPr>
+          <p:nvPr>
+            <p:ph type="title"/>
+          </p:nvPr>
+        </p:nvSpPr>
+        <p:spPr/>
+        <p:txBody>
+          <a:bodyPr/>
+          <a:lstStyle/>
+          <a:p>
+            <a:r>
+              <a:rPr lang="en-US" dirty="0"/>
+              <a:t>Gelman-Rubin Diagnostic</a:t>
+            </a:r>
+          </a:p>
+        </p:txBody>
+      </p:sp>
+      <p:pic>
+        <p:nvPicPr>
+          <p:cNvPr id="6" name="Picture 5">
+            <a:extLst>
+              <a:ext uri="{FF2B5EF4-FFF2-40B4-BE49-F238E27FC236}">
+                <a16:creationId xmlns:a16="http://schemas.microsoft.com/office/drawing/2014/main" id="{78618CFB-AD78-42C9-ABE2-65EC0953947F}"/>
+              </a:ext>
+            </a:extLst>
+          </p:cNvPr>
+          <p:cNvPicPr>
+            <a:picLocks noChangeAspect="1"/>
+          </p:cNvPicPr>
+          <p:nvPr/>
+        </p:nvPicPr>
+        <p:blipFill>
+          <a:blip r:embed="rId2"/>
+          <a:stretch>
+            <a:fillRect/>
+          </a:stretch>
+        </p:blipFill>
+        <p:spPr>
+          <a:xfrm>
+            <a:off x="2807368" y="1644785"/>
+            <a:ext cx="6577263" cy="4605369"/>
+          </a:xfrm>
+          <a:prstGeom prst="rect">
+            <a:avLst/>
+          </a:prstGeom>
+        </p:spPr>
+      </p:pic>
+    </p:spTree>
+    <p:extLst>
+      <p:ext uri="{BB962C8B-B14F-4D97-AF65-F5344CB8AC3E}">
+        <p14:creationId xmlns:p14="http://schemas.microsoft.com/office/powerpoint/2010/main" val="38865976"/>
       </p:ext>
     </p:extLst>
   </p:cSld>

--- a/Mid Semester Presentation.pptx
+++ b/Mid Semester Presentation.pptx
@@ -4,6 +4,9 @@
   <p:sldMasterIdLst>
     <p:sldMasterId id="2147483672" r:id="rId1"/>
   </p:sldMasterIdLst>
+  <p:notesMasterIdLst>
+    <p:notesMasterId r:id="rId17"/>
+  </p:notesMasterIdLst>
   <p:sldIdLst>
     <p:sldId id="256" r:id="rId2"/>
     <p:sldId id="261" r:id="rId3"/>
@@ -11,14 +14,15 @@
     <p:sldId id="264" r:id="rId5"/>
     <p:sldId id="268" r:id="rId6"/>
     <p:sldId id="262" r:id="rId7"/>
-    <p:sldId id="270" r:id="rId8"/>
-    <p:sldId id="272" r:id="rId9"/>
-    <p:sldId id="273" r:id="rId10"/>
-    <p:sldId id="266" r:id="rId11"/>
-    <p:sldId id="267" r:id="rId12"/>
-    <p:sldId id="271" r:id="rId13"/>
-    <p:sldId id="257" r:id="rId14"/>
-    <p:sldId id="259" r:id="rId15"/>
+    <p:sldId id="274" r:id="rId8"/>
+    <p:sldId id="270" r:id="rId9"/>
+    <p:sldId id="272" r:id="rId10"/>
+    <p:sldId id="273" r:id="rId11"/>
+    <p:sldId id="266" r:id="rId12"/>
+    <p:sldId id="267" r:id="rId13"/>
+    <p:sldId id="271" r:id="rId14"/>
+    <p:sldId id="257" r:id="rId15"/>
+    <p:sldId id="259" r:id="rId16"/>
   </p:sldIdLst>
   <p:sldSz cx="12192000" cy="6858000"/>
   <p:notesSz cx="6858000" cy="9144000"/>
@@ -125,6 +129,1034 @@
 </p:presentation>
 </file>
 
+<file path=ppt/commentAuthors.xml><?xml version="1.0" encoding="utf-8"?>
+<p:cmAuthorLst xmlns:a="http://schemas.openxmlformats.org/drawingml/2006/main" xmlns:r="http://schemas.openxmlformats.org/officeDocument/2006/relationships" xmlns:p="http://schemas.openxmlformats.org/presentationml/2006/main">
+  <p:cmAuthor id="1" name="Anthony E Wong" initials="AEW" lastIdx="1" clrIdx="0">
+    <p:extLst>
+      <p:ext uri="{19B8F6BF-5375-455C-9EA6-DF929625EA0E}">
+        <p15:presenceInfo xmlns:p15="http://schemas.microsoft.com/office/powerpoint/2012/main" userId="" providerId=""/>
+      </p:ext>
+    </p:extLst>
+  </p:cmAuthor>
+</p:cmAuthorLst>
+</file>
+
+<file path=ppt/comments/comment1.xml><?xml version="1.0" encoding="utf-8"?>
+<p:cmLst xmlns:a="http://schemas.openxmlformats.org/drawingml/2006/main" xmlns:r="http://schemas.openxmlformats.org/officeDocument/2006/relationships" xmlns:p="http://schemas.openxmlformats.org/presentationml/2006/main">
+  <p:cm authorId="1" dt="2018-10-24T16:54:48.547" idx="1">
+    <p:pos x="10" y="10"/>
+    <p:text/>
+    <p:extLst>
+      <p:ext uri="{C676402C-5697-4E1C-873F-D02D1690AC5C}">
+        <p15:threadingInfo xmlns:p15="http://schemas.microsoft.com/office/powerpoint/2012/main" timeZoneBias="360"/>
+      </p:ext>
+    </p:extLst>
+  </p:cm>
+</p:cmLst>
+</file>
+
+<file path=ppt/notesMasters/notesMaster1.xml><?xml version="1.0" encoding="utf-8"?>
+<p:notesMaster xmlns:a="http://schemas.openxmlformats.org/drawingml/2006/main" xmlns:r="http://schemas.openxmlformats.org/officeDocument/2006/relationships" xmlns:p="http://schemas.openxmlformats.org/presentationml/2006/main">
+  <p:cSld>
+    <p:bg>
+      <p:bgRef idx="1001">
+        <a:schemeClr val="bg1"/>
+      </p:bgRef>
+    </p:bg>
+    <p:spTree>
+      <p:nvGrpSpPr>
+        <p:cNvPr id="1" name=""/>
+        <p:cNvGrpSpPr/>
+        <p:nvPr/>
+      </p:nvGrpSpPr>
+      <p:grpSpPr>
+        <a:xfrm>
+          <a:off x="0" y="0"/>
+          <a:ext cx="0" cy="0"/>
+          <a:chOff x="0" y="0"/>
+          <a:chExt cx="0" cy="0"/>
+        </a:xfrm>
+      </p:grpSpPr>
+      <p:sp>
+        <p:nvSpPr>
+          <p:cNvPr id="2" name="Header Placeholder 1"/>
+          <p:cNvSpPr>
+            <a:spLocks noGrp="1"/>
+          </p:cNvSpPr>
+          <p:nvPr>
+            <p:ph type="hdr" sz="quarter"/>
+          </p:nvPr>
+        </p:nvSpPr>
+        <p:spPr>
+          <a:xfrm>
+            <a:off x="0" y="0"/>
+            <a:ext cx="2971800" cy="458788"/>
+          </a:xfrm>
+          <a:prstGeom prst="rect">
+            <a:avLst/>
+          </a:prstGeom>
+        </p:spPr>
+        <p:txBody>
+          <a:bodyPr vert="horz" lIns="91440" tIns="45720" rIns="91440" bIns="45720" rtlCol="0"/>
+          <a:lstStyle>
+            <a:lvl1pPr algn="l">
+              <a:defRPr sz="1200"/>
+            </a:lvl1pPr>
+          </a:lstStyle>
+          <a:p>
+            <a:endParaRPr lang="en-US"/>
+          </a:p>
+        </p:txBody>
+      </p:sp>
+      <p:sp>
+        <p:nvSpPr>
+          <p:cNvPr id="3" name="Date Placeholder 2"/>
+          <p:cNvSpPr>
+            <a:spLocks noGrp="1"/>
+          </p:cNvSpPr>
+          <p:nvPr>
+            <p:ph type="dt" idx="1"/>
+          </p:nvPr>
+        </p:nvSpPr>
+        <p:spPr>
+          <a:xfrm>
+            <a:off x="3884613" y="0"/>
+            <a:ext cx="2971800" cy="458788"/>
+          </a:xfrm>
+          <a:prstGeom prst="rect">
+            <a:avLst/>
+          </a:prstGeom>
+        </p:spPr>
+        <p:txBody>
+          <a:bodyPr vert="horz" lIns="91440" tIns="45720" rIns="91440" bIns="45720" rtlCol="0"/>
+          <a:lstStyle>
+            <a:lvl1pPr algn="r">
+              <a:defRPr sz="1200"/>
+            </a:lvl1pPr>
+          </a:lstStyle>
+          <a:p>
+            <a:fld id="{BAA960FA-F8F2-8342-92CA-A28CCF2F2744}" type="datetimeFigureOut">
+              <a:rPr lang="en-US" smtClean="0"/>
+              <a:t>10/24/18</a:t>
+            </a:fld>
+            <a:endParaRPr lang="en-US"/>
+          </a:p>
+        </p:txBody>
+      </p:sp>
+      <p:sp>
+        <p:nvSpPr>
+          <p:cNvPr id="4" name="Slide Image Placeholder 3"/>
+          <p:cNvSpPr>
+            <a:spLocks noGrp="1" noRot="1" noChangeAspect="1"/>
+          </p:cNvSpPr>
+          <p:nvPr>
+            <p:ph type="sldImg" idx="2"/>
+          </p:nvPr>
+        </p:nvSpPr>
+        <p:spPr>
+          <a:xfrm>
+            <a:off x="685800" y="1143000"/>
+            <a:ext cx="5486400" cy="3086100"/>
+          </a:xfrm>
+          <a:prstGeom prst="rect">
+            <a:avLst/>
+          </a:prstGeom>
+          <a:noFill/>
+          <a:ln w="12700">
+            <a:solidFill>
+              <a:prstClr val="black"/>
+            </a:solidFill>
+          </a:ln>
+        </p:spPr>
+        <p:txBody>
+          <a:bodyPr vert="horz" lIns="91440" tIns="45720" rIns="91440" bIns="45720" rtlCol="0" anchor="ctr"/>
+          <a:lstStyle/>
+          <a:p>
+            <a:endParaRPr lang="en-US"/>
+          </a:p>
+        </p:txBody>
+      </p:sp>
+      <p:sp>
+        <p:nvSpPr>
+          <p:cNvPr id="5" name="Notes Placeholder 4"/>
+          <p:cNvSpPr>
+            <a:spLocks noGrp="1"/>
+          </p:cNvSpPr>
+          <p:nvPr>
+            <p:ph type="body" sz="quarter" idx="3"/>
+          </p:nvPr>
+        </p:nvSpPr>
+        <p:spPr>
+          <a:xfrm>
+            <a:off x="685800" y="4400550"/>
+            <a:ext cx="5486400" cy="3600450"/>
+          </a:xfrm>
+          <a:prstGeom prst="rect">
+            <a:avLst/>
+          </a:prstGeom>
+        </p:spPr>
+        <p:txBody>
+          <a:bodyPr vert="horz" lIns="91440" tIns="45720" rIns="91440" bIns="45720" rtlCol="0"/>
+          <a:lstStyle/>
+          <a:p>
+            <a:pPr lvl="0"/>
+            <a:r>
+              <a:rPr lang="en-US" smtClean="0"/>
+              <a:t>Click to edit Master text styles</a:t>
+            </a:r>
+          </a:p>
+          <a:p>
+            <a:pPr lvl="1"/>
+            <a:r>
+              <a:rPr lang="en-US" smtClean="0"/>
+              <a:t>Second level</a:t>
+            </a:r>
+          </a:p>
+          <a:p>
+            <a:pPr lvl="2"/>
+            <a:r>
+              <a:rPr lang="en-US" smtClean="0"/>
+              <a:t>Third level</a:t>
+            </a:r>
+          </a:p>
+          <a:p>
+            <a:pPr lvl="3"/>
+            <a:r>
+              <a:rPr lang="en-US" smtClean="0"/>
+              <a:t>Fourth level</a:t>
+            </a:r>
+          </a:p>
+          <a:p>
+            <a:pPr lvl="4"/>
+            <a:r>
+              <a:rPr lang="en-US" smtClean="0"/>
+              <a:t>Fifth level</a:t>
+            </a:r>
+            <a:endParaRPr lang="en-US"/>
+          </a:p>
+        </p:txBody>
+      </p:sp>
+      <p:sp>
+        <p:nvSpPr>
+          <p:cNvPr id="6" name="Footer Placeholder 5"/>
+          <p:cNvSpPr>
+            <a:spLocks noGrp="1"/>
+          </p:cNvSpPr>
+          <p:nvPr>
+            <p:ph type="ftr" sz="quarter" idx="4"/>
+          </p:nvPr>
+        </p:nvSpPr>
+        <p:spPr>
+          <a:xfrm>
+            <a:off x="0" y="8685213"/>
+            <a:ext cx="2971800" cy="458787"/>
+          </a:xfrm>
+          <a:prstGeom prst="rect">
+            <a:avLst/>
+          </a:prstGeom>
+        </p:spPr>
+        <p:txBody>
+          <a:bodyPr vert="horz" lIns="91440" tIns="45720" rIns="91440" bIns="45720" rtlCol="0" anchor="b"/>
+          <a:lstStyle>
+            <a:lvl1pPr algn="l">
+              <a:defRPr sz="1200"/>
+            </a:lvl1pPr>
+          </a:lstStyle>
+          <a:p>
+            <a:endParaRPr lang="en-US"/>
+          </a:p>
+        </p:txBody>
+      </p:sp>
+      <p:sp>
+        <p:nvSpPr>
+          <p:cNvPr id="7" name="Slide Number Placeholder 6"/>
+          <p:cNvSpPr>
+            <a:spLocks noGrp="1"/>
+          </p:cNvSpPr>
+          <p:nvPr>
+            <p:ph type="sldNum" sz="quarter" idx="5"/>
+          </p:nvPr>
+        </p:nvSpPr>
+        <p:spPr>
+          <a:xfrm>
+            <a:off x="3884613" y="8685213"/>
+            <a:ext cx="2971800" cy="458787"/>
+          </a:xfrm>
+          <a:prstGeom prst="rect">
+            <a:avLst/>
+          </a:prstGeom>
+        </p:spPr>
+        <p:txBody>
+          <a:bodyPr vert="horz" lIns="91440" tIns="45720" rIns="91440" bIns="45720" rtlCol="0" anchor="b"/>
+          <a:lstStyle>
+            <a:lvl1pPr algn="r">
+              <a:defRPr sz="1200"/>
+            </a:lvl1pPr>
+          </a:lstStyle>
+          <a:p>
+            <a:fld id="{53997451-DD4C-6845-B353-833DB10F4ADA}" type="slidenum">
+              <a:rPr lang="en-US" smtClean="0"/>
+              <a:t>‹#›</a:t>
+            </a:fld>
+            <a:endParaRPr lang="en-US"/>
+          </a:p>
+        </p:txBody>
+      </p:sp>
+    </p:spTree>
+    <p:extLst>
+      <p:ext uri="{BB962C8B-B14F-4D97-AF65-F5344CB8AC3E}">
+        <p14:creationId xmlns:p14="http://schemas.microsoft.com/office/powerpoint/2010/main" val="59428842"/>
+      </p:ext>
+    </p:extLst>
+  </p:cSld>
+  <p:clrMap bg1="lt1" tx1="dk1" bg2="lt2" tx2="dk2" accent1="accent1" accent2="accent2" accent3="accent3" accent4="accent4" accent5="accent5" accent6="accent6" hlink="hlink" folHlink="folHlink"/>
+  <p:notesStyle>
+    <a:lvl1pPr marL="0" algn="l" defTabSz="914400" rtl="0" eaLnBrk="1" latinLnBrk="0" hangingPunct="1">
+      <a:defRPr sz="1200" kern="1200">
+        <a:solidFill>
+          <a:schemeClr val="tx1"/>
+        </a:solidFill>
+        <a:latin typeface="+mn-lt"/>
+        <a:ea typeface="+mn-ea"/>
+        <a:cs typeface="+mn-cs"/>
+      </a:defRPr>
+    </a:lvl1pPr>
+    <a:lvl2pPr marL="457200" algn="l" defTabSz="914400" rtl="0" eaLnBrk="1" latinLnBrk="0" hangingPunct="1">
+      <a:defRPr sz="1200" kern="1200">
+        <a:solidFill>
+          <a:schemeClr val="tx1"/>
+        </a:solidFill>
+        <a:latin typeface="+mn-lt"/>
+        <a:ea typeface="+mn-ea"/>
+        <a:cs typeface="+mn-cs"/>
+      </a:defRPr>
+    </a:lvl2pPr>
+    <a:lvl3pPr marL="914400" algn="l" defTabSz="914400" rtl="0" eaLnBrk="1" latinLnBrk="0" hangingPunct="1">
+      <a:defRPr sz="1200" kern="1200">
+        <a:solidFill>
+          <a:schemeClr val="tx1"/>
+        </a:solidFill>
+        <a:latin typeface="+mn-lt"/>
+        <a:ea typeface="+mn-ea"/>
+        <a:cs typeface="+mn-cs"/>
+      </a:defRPr>
+    </a:lvl3pPr>
+    <a:lvl4pPr marL="1371600" algn="l" defTabSz="914400" rtl="0" eaLnBrk="1" latinLnBrk="0" hangingPunct="1">
+      <a:defRPr sz="1200" kern="1200">
+        <a:solidFill>
+          <a:schemeClr val="tx1"/>
+        </a:solidFill>
+        <a:latin typeface="+mn-lt"/>
+        <a:ea typeface="+mn-ea"/>
+        <a:cs typeface="+mn-cs"/>
+      </a:defRPr>
+    </a:lvl4pPr>
+    <a:lvl5pPr marL="1828800" algn="l" defTabSz="914400" rtl="0" eaLnBrk="1" latinLnBrk="0" hangingPunct="1">
+      <a:defRPr sz="1200" kern="1200">
+        <a:solidFill>
+          <a:schemeClr val="tx1"/>
+        </a:solidFill>
+        <a:latin typeface="+mn-lt"/>
+        <a:ea typeface="+mn-ea"/>
+        <a:cs typeface="+mn-cs"/>
+      </a:defRPr>
+    </a:lvl5pPr>
+    <a:lvl6pPr marL="2286000" algn="l" defTabSz="914400" rtl="0" eaLnBrk="1" latinLnBrk="0" hangingPunct="1">
+      <a:defRPr sz="1200" kern="1200">
+        <a:solidFill>
+          <a:schemeClr val="tx1"/>
+        </a:solidFill>
+        <a:latin typeface="+mn-lt"/>
+        <a:ea typeface="+mn-ea"/>
+        <a:cs typeface="+mn-cs"/>
+      </a:defRPr>
+    </a:lvl6pPr>
+    <a:lvl7pPr marL="2743200" algn="l" defTabSz="914400" rtl="0" eaLnBrk="1" latinLnBrk="0" hangingPunct="1">
+      <a:defRPr sz="1200" kern="1200">
+        <a:solidFill>
+          <a:schemeClr val="tx1"/>
+        </a:solidFill>
+        <a:latin typeface="+mn-lt"/>
+        <a:ea typeface="+mn-ea"/>
+        <a:cs typeface="+mn-cs"/>
+      </a:defRPr>
+    </a:lvl7pPr>
+    <a:lvl8pPr marL="3200400" algn="l" defTabSz="914400" rtl="0" eaLnBrk="1" latinLnBrk="0" hangingPunct="1">
+      <a:defRPr sz="1200" kern="1200">
+        <a:solidFill>
+          <a:schemeClr val="tx1"/>
+        </a:solidFill>
+        <a:latin typeface="+mn-lt"/>
+        <a:ea typeface="+mn-ea"/>
+        <a:cs typeface="+mn-cs"/>
+      </a:defRPr>
+    </a:lvl8pPr>
+    <a:lvl9pPr marL="3657600" algn="l" defTabSz="914400" rtl="0" eaLnBrk="1" latinLnBrk="0" hangingPunct="1">
+      <a:defRPr sz="1200" kern="1200">
+        <a:solidFill>
+          <a:schemeClr val="tx1"/>
+        </a:solidFill>
+        <a:latin typeface="+mn-lt"/>
+        <a:ea typeface="+mn-ea"/>
+        <a:cs typeface="+mn-cs"/>
+      </a:defRPr>
+    </a:lvl9pPr>
+  </p:notesStyle>
+</p:notesMaster>
+</file>
+
+<file path=ppt/notesSlides/notesSlide1.xml><?xml version="1.0" encoding="utf-8"?>
+<p:notes xmlns:a="http://schemas.openxmlformats.org/drawingml/2006/main" xmlns:r="http://schemas.openxmlformats.org/officeDocument/2006/relationships" xmlns:p="http://schemas.openxmlformats.org/presentationml/2006/main">
+  <p:cSld>
+    <p:spTree>
+      <p:nvGrpSpPr>
+        <p:cNvPr id="1" name=""/>
+        <p:cNvGrpSpPr/>
+        <p:nvPr/>
+      </p:nvGrpSpPr>
+      <p:grpSpPr>
+        <a:xfrm>
+          <a:off x="0" y="0"/>
+          <a:ext cx="0" cy="0"/>
+          <a:chOff x="0" y="0"/>
+          <a:chExt cx="0" cy="0"/>
+        </a:xfrm>
+      </p:grpSpPr>
+      <p:sp>
+        <p:nvSpPr>
+          <p:cNvPr id="2" name="Slide Image Placeholder 1"/>
+          <p:cNvSpPr>
+            <a:spLocks noGrp="1" noRot="1" noChangeAspect="1"/>
+          </p:cNvSpPr>
+          <p:nvPr>
+            <p:ph type="sldImg"/>
+          </p:nvPr>
+        </p:nvSpPr>
+        <p:spPr/>
+      </p:sp>
+      <p:sp>
+        <p:nvSpPr>
+          <p:cNvPr id="3" name="Notes Placeholder 2"/>
+          <p:cNvSpPr>
+            <a:spLocks noGrp="1"/>
+          </p:cNvSpPr>
+          <p:nvPr>
+            <p:ph type="body" idx="1"/>
+          </p:nvPr>
+        </p:nvSpPr>
+        <p:spPr/>
+        <p:txBody>
+          <a:bodyPr/>
+          <a:lstStyle/>
+          <a:p>
+            <a:endParaRPr lang="en-US" dirty="0"/>
+          </a:p>
+        </p:txBody>
+      </p:sp>
+      <p:sp>
+        <p:nvSpPr>
+          <p:cNvPr id="4" name="Slide Number Placeholder 3"/>
+          <p:cNvSpPr>
+            <a:spLocks noGrp="1"/>
+          </p:cNvSpPr>
+          <p:nvPr>
+            <p:ph type="sldNum" sz="quarter" idx="10"/>
+          </p:nvPr>
+        </p:nvSpPr>
+        <p:spPr/>
+        <p:txBody>
+          <a:bodyPr/>
+          <a:lstStyle/>
+          <a:p>
+            <a:fld id="{53997451-DD4C-6845-B353-833DB10F4ADA}" type="slidenum">
+              <a:rPr lang="en-US" smtClean="0"/>
+              <a:t>2</a:t>
+            </a:fld>
+            <a:endParaRPr lang="en-US"/>
+          </a:p>
+        </p:txBody>
+      </p:sp>
+    </p:spTree>
+    <p:extLst>
+      <p:ext uri="{BB962C8B-B14F-4D97-AF65-F5344CB8AC3E}">
+        <p14:creationId xmlns:p14="http://schemas.microsoft.com/office/powerpoint/2010/main" val="240651639"/>
+      </p:ext>
+    </p:extLst>
+  </p:cSld>
+  <p:clrMapOvr>
+    <a:masterClrMapping/>
+  </p:clrMapOvr>
+</p:notes>
+</file>
+
+<file path=ppt/notesSlides/notesSlide2.xml><?xml version="1.0" encoding="utf-8"?>
+<p:notes xmlns:a="http://schemas.openxmlformats.org/drawingml/2006/main" xmlns:r="http://schemas.openxmlformats.org/officeDocument/2006/relationships" xmlns:p="http://schemas.openxmlformats.org/presentationml/2006/main">
+  <p:cSld>
+    <p:spTree>
+      <p:nvGrpSpPr>
+        <p:cNvPr id="1" name=""/>
+        <p:cNvGrpSpPr/>
+        <p:nvPr/>
+      </p:nvGrpSpPr>
+      <p:grpSpPr>
+        <a:xfrm>
+          <a:off x="0" y="0"/>
+          <a:ext cx="0" cy="0"/>
+          <a:chOff x="0" y="0"/>
+          <a:chExt cx="0" cy="0"/>
+        </a:xfrm>
+      </p:grpSpPr>
+      <p:sp>
+        <p:nvSpPr>
+          <p:cNvPr id="2" name="Slide Image Placeholder 1"/>
+          <p:cNvSpPr>
+            <a:spLocks noGrp="1" noRot="1" noChangeAspect="1"/>
+          </p:cNvSpPr>
+          <p:nvPr>
+            <p:ph type="sldImg"/>
+          </p:nvPr>
+        </p:nvSpPr>
+        <p:spPr/>
+      </p:sp>
+      <p:sp>
+        <p:nvSpPr>
+          <p:cNvPr id="3" name="Notes Placeholder 2"/>
+          <p:cNvSpPr>
+            <a:spLocks noGrp="1"/>
+          </p:cNvSpPr>
+          <p:nvPr>
+            <p:ph type="body" idx="1"/>
+          </p:nvPr>
+        </p:nvSpPr>
+        <p:spPr/>
+        <p:txBody>
+          <a:bodyPr/>
+          <a:lstStyle/>
+          <a:p>
+            <a:r>
+              <a:rPr lang="en-US" dirty="0" smtClean="0"/>
+              <a:t>Add legend,</a:t>
+            </a:r>
+            <a:r>
+              <a:rPr lang="en-US" baseline="0" dirty="0" smtClean="0"/>
+              <a:t> reference. </a:t>
+            </a:r>
+            <a:endParaRPr lang="en-US" dirty="0"/>
+          </a:p>
+        </p:txBody>
+      </p:sp>
+      <p:sp>
+        <p:nvSpPr>
+          <p:cNvPr id="4" name="Slide Number Placeholder 3"/>
+          <p:cNvSpPr>
+            <a:spLocks noGrp="1"/>
+          </p:cNvSpPr>
+          <p:nvPr>
+            <p:ph type="sldNum" sz="quarter" idx="10"/>
+          </p:nvPr>
+        </p:nvSpPr>
+        <p:spPr/>
+        <p:txBody>
+          <a:bodyPr/>
+          <a:lstStyle/>
+          <a:p>
+            <a:fld id="{53997451-DD4C-6845-B353-833DB10F4ADA}" type="slidenum">
+              <a:rPr lang="en-US" smtClean="0"/>
+              <a:t>3</a:t>
+            </a:fld>
+            <a:endParaRPr lang="en-US"/>
+          </a:p>
+        </p:txBody>
+      </p:sp>
+    </p:spTree>
+    <p:extLst>
+      <p:ext uri="{BB962C8B-B14F-4D97-AF65-F5344CB8AC3E}">
+        <p14:creationId xmlns:p14="http://schemas.microsoft.com/office/powerpoint/2010/main" val="133407593"/>
+      </p:ext>
+    </p:extLst>
+  </p:cSld>
+  <p:clrMapOvr>
+    <a:masterClrMapping/>
+  </p:clrMapOvr>
+</p:notes>
+</file>
+
+<file path=ppt/notesSlides/notesSlide3.xml><?xml version="1.0" encoding="utf-8"?>
+<p:notes xmlns:a="http://schemas.openxmlformats.org/drawingml/2006/main" xmlns:r="http://schemas.openxmlformats.org/officeDocument/2006/relationships" xmlns:p="http://schemas.openxmlformats.org/presentationml/2006/main">
+  <p:cSld>
+    <p:spTree>
+      <p:nvGrpSpPr>
+        <p:cNvPr id="1" name=""/>
+        <p:cNvGrpSpPr/>
+        <p:nvPr/>
+      </p:nvGrpSpPr>
+      <p:grpSpPr>
+        <a:xfrm>
+          <a:off x="0" y="0"/>
+          <a:ext cx="0" cy="0"/>
+          <a:chOff x="0" y="0"/>
+          <a:chExt cx="0" cy="0"/>
+        </a:xfrm>
+      </p:grpSpPr>
+      <p:sp>
+        <p:nvSpPr>
+          <p:cNvPr id="2" name="Slide Image Placeholder 1"/>
+          <p:cNvSpPr>
+            <a:spLocks noGrp="1" noRot="1" noChangeAspect="1"/>
+          </p:cNvSpPr>
+          <p:nvPr>
+            <p:ph type="sldImg"/>
+          </p:nvPr>
+        </p:nvSpPr>
+        <p:spPr/>
+      </p:sp>
+      <p:sp>
+        <p:nvSpPr>
+          <p:cNvPr id="3" name="Notes Placeholder 2"/>
+          <p:cNvSpPr>
+            <a:spLocks noGrp="1"/>
+          </p:cNvSpPr>
+          <p:nvPr>
+            <p:ph type="body" idx="1"/>
+          </p:nvPr>
+        </p:nvSpPr>
+        <p:spPr/>
+        <p:txBody>
+          <a:bodyPr/>
+          <a:lstStyle/>
+          <a:p>
+            <a:r>
+              <a:rPr lang="en-US" dirty="0" smtClean="0"/>
+              <a:t>Remove this slide. Replace with RCP scenario plot and discussion (Moss et al 2010 pdf from tony)</a:t>
+            </a:r>
+            <a:endParaRPr lang="en-US" dirty="0"/>
+          </a:p>
+        </p:txBody>
+      </p:sp>
+      <p:sp>
+        <p:nvSpPr>
+          <p:cNvPr id="4" name="Slide Number Placeholder 3"/>
+          <p:cNvSpPr>
+            <a:spLocks noGrp="1"/>
+          </p:cNvSpPr>
+          <p:nvPr>
+            <p:ph type="sldNum" sz="quarter" idx="10"/>
+          </p:nvPr>
+        </p:nvSpPr>
+        <p:spPr/>
+        <p:txBody>
+          <a:bodyPr/>
+          <a:lstStyle/>
+          <a:p>
+            <a:fld id="{53997451-DD4C-6845-B353-833DB10F4ADA}" type="slidenum">
+              <a:rPr lang="en-US" smtClean="0"/>
+              <a:t>4</a:t>
+            </a:fld>
+            <a:endParaRPr lang="en-US"/>
+          </a:p>
+        </p:txBody>
+      </p:sp>
+    </p:spTree>
+    <p:extLst>
+      <p:ext uri="{BB962C8B-B14F-4D97-AF65-F5344CB8AC3E}">
+        <p14:creationId xmlns:p14="http://schemas.microsoft.com/office/powerpoint/2010/main" val="1387225776"/>
+      </p:ext>
+    </p:extLst>
+  </p:cSld>
+  <p:clrMapOvr>
+    <a:masterClrMapping/>
+  </p:clrMapOvr>
+</p:notes>
+</file>
+
+<file path=ppt/notesSlides/notesSlide4.xml><?xml version="1.0" encoding="utf-8"?>
+<p:notes xmlns:a="http://schemas.openxmlformats.org/drawingml/2006/main" xmlns:r="http://schemas.openxmlformats.org/officeDocument/2006/relationships" xmlns:p="http://schemas.openxmlformats.org/presentationml/2006/main">
+  <p:cSld>
+    <p:spTree>
+      <p:nvGrpSpPr>
+        <p:cNvPr id="1" name=""/>
+        <p:cNvGrpSpPr/>
+        <p:nvPr/>
+      </p:nvGrpSpPr>
+      <p:grpSpPr>
+        <a:xfrm>
+          <a:off x="0" y="0"/>
+          <a:ext cx="0" cy="0"/>
+          <a:chOff x="0" y="0"/>
+          <a:chExt cx="0" cy="0"/>
+        </a:xfrm>
+      </p:grpSpPr>
+      <p:sp>
+        <p:nvSpPr>
+          <p:cNvPr id="2" name="Slide Image Placeholder 1"/>
+          <p:cNvSpPr>
+            <a:spLocks noGrp="1" noRot="1" noChangeAspect="1"/>
+          </p:cNvSpPr>
+          <p:nvPr>
+            <p:ph type="sldImg"/>
+          </p:nvPr>
+        </p:nvSpPr>
+        <p:spPr/>
+      </p:sp>
+      <p:sp>
+        <p:nvSpPr>
+          <p:cNvPr id="3" name="Notes Placeholder 2"/>
+          <p:cNvSpPr>
+            <a:spLocks noGrp="1"/>
+          </p:cNvSpPr>
+          <p:nvPr>
+            <p:ph type="body" idx="1"/>
+          </p:nvPr>
+        </p:nvSpPr>
+        <p:spPr/>
+        <p:txBody>
+          <a:bodyPr/>
+          <a:lstStyle/>
+          <a:p>
+            <a:r>
+              <a:rPr lang="en-US" dirty="0" smtClean="0"/>
+              <a:t>Make the connection between radiative forcing</a:t>
+            </a:r>
+            <a:r>
+              <a:rPr lang="en-US" baseline="0" dirty="0" smtClean="0"/>
+              <a:t> and this slide. </a:t>
+            </a:r>
+            <a:endParaRPr lang="en-US" dirty="0"/>
+          </a:p>
+        </p:txBody>
+      </p:sp>
+      <p:sp>
+        <p:nvSpPr>
+          <p:cNvPr id="4" name="Slide Number Placeholder 3"/>
+          <p:cNvSpPr>
+            <a:spLocks noGrp="1"/>
+          </p:cNvSpPr>
+          <p:nvPr>
+            <p:ph type="sldNum" sz="quarter" idx="10"/>
+          </p:nvPr>
+        </p:nvSpPr>
+        <p:spPr/>
+        <p:txBody>
+          <a:bodyPr/>
+          <a:lstStyle/>
+          <a:p>
+            <a:fld id="{53997451-DD4C-6845-B353-833DB10F4ADA}" type="slidenum">
+              <a:rPr lang="en-US" smtClean="0"/>
+              <a:t>5</a:t>
+            </a:fld>
+            <a:endParaRPr lang="en-US"/>
+          </a:p>
+        </p:txBody>
+      </p:sp>
+    </p:spTree>
+    <p:extLst>
+      <p:ext uri="{BB962C8B-B14F-4D97-AF65-F5344CB8AC3E}">
+        <p14:creationId xmlns:p14="http://schemas.microsoft.com/office/powerpoint/2010/main" val="1903416440"/>
+      </p:ext>
+    </p:extLst>
+  </p:cSld>
+  <p:clrMapOvr>
+    <a:masterClrMapping/>
+  </p:clrMapOvr>
+</p:notes>
+</file>
+
+<file path=ppt/notesSlides/notesSlide5.xml><?xml version="1.0" encoding="utf-8"?>
+<p:notes xmlns:a="http://schemas.openxmlformats.org/drawingml/2006/main" xmlns:r="http://schemas.openxmlformats.org/officeDocument/2006/relationships" xmlns:p="http://schemas.openxmlformats.org/presentationml/2006/main">
+  <p:cSld>
+    <p:spTree>
+      <p:nvGrpSpPr>
+        <p:cNvPr id="1" name=""/>
+        <p:cNvGrpSpPr/>
+        <p:nvPr/>
+      </p:nvGrpSpPr>
+      <p:grpSpPr>
+        <a:xfrm>
+          <a:off x="0" y="0"/>
+          <a:ext cx="0" cy="0"/>
+          <a:chOff x="0" y="0"/>
+          <a:chExt cx="0" cy="0"/>
+        </a:xfrm>
+      </p:grpSpPr>
+      <p:sp>
+        <p:nvSpPr>
+          <p:cNvPr id="2" name="Slide Image Placeholder 1"/>
+          <p:cNvSpPr>
+            <a:spLocks noGrp="1" noRot="1" noChangeAspect="1"/>
+          </p:cNvSpPr>
+          <p:nvPr>
+            <p:ph type="sldImg"/>
+          </p:nvPr>
+        </p:nvSpPr>
+        <p:spPr/>
+      </p:sp>
+      <p:sp>
+        <p:nvSpPr>
+          <p:cNvPr id="3" name="Notes Placeholder 2"/>
+          <p:cNvSpPr>
+            <a:spLocks noGrp="1"/>
+          </p:cNvSpPr>
+          <p:nvPr>
+            <p:ph type="body" idx="1"/>
+          </p:nvPr>
+        </p:nvSpPr>
+        <p:spPr/>
+        <p:txBody>
+          <a:bodyPr/>
+          <a:lstStyle/>
+          <a:p>
+            <a:r>
+              <a:rPr lang="en-US" dirty="0" smtClean="0"/>
+              <a:t>add reference to </a:t>
+            </a:r>
+            <a:r>
+              <a:rPr lang="en-US" dirty="0" err="1" smtClean="0"/>
+              <a:t>Rahmstorf</a:t>
+            </a:r>
+            <a:r>
+              <a:rPr lang="en-US" dirty="0" smtClean="0"/>
+              <a:t> 2007 (Science paper)</a:t>
+            </a:r>
+            <a:endParaRPr lang="en-US" dirty="0"/>
+          </a:p>
+        </p:txBody>
+      </p:sp>
+      <p:sp>
+        <p:nvSpPr>
+          <p:cNvPr id="4" name="Slide Number Placeholder 3"/>
+          <p:cNvSpPr>
+            <a:spLocks noGrp="1"/>
+          </p:cNvSpPr>
+          <p:nvPr>
+            <p:ph type="sldNum" sz="quarter" idx="10"/>
+          </p:nvPr>
+        </p:nvSpPr>
+        <p:spPr/>
+        <p:txBody>
+          <a:bodyPr/>
+          <a:lstStyle/>
+          <a:p>
+            <a:fld id="{53997451-DD4C-6845-B353-833DB10F4ADA}" type="slidenum">
+              <a:rPr lang="en-US" smtClean="0"/>
+              <a:t>6</a:t>
+            </a:fld>
+            <a:endParaRPr lang="en-US"/>
+          </a:p>
+        </p:txBody>
+      </p:sp>
+    </p:spTree>
+    <p:extLst>
+      <p:ext uri="{BB962C8B-B14F-4D97-AF65-F5344CB8AC3E}">
+        <p14:creationId xmlns:p14="http://schemas.microsoft.com/office/powerpoint/2010/main" val="1024818193"/>
+      </p:ext>
+    </p:extLst>
+  </p:cSld>
+  <p:clrMapOvr>
+    <a:masterClrMapping/>
+  </p:clrMapOvr>
+</p:notes>
+</file>
+
+<file path=ppt/notesSlides/notesSlide6.xml><?xml version="1.0" encoding="utf-8"?>
+<p:notes xmlns:a="http://schemas.openxmlformats.org/drawingml/2006/main" xmlns:r="http://schemas.openxmlformats.org/officeDocument/2006/relationships" xmlns:p="http://schemas.openxmlformats.org/presentationml/2006/main">
+  <p:cSld>
+    <p:spTree>
+      <p:nvGrpSpPr>
+        <p:cNvPr id="1" name=""/>
+        <p:cNvGrpSpPr/>
+        <p:nvPr/>
+      </p:nvGrpSpPr>
+      <p:grpSpPr>
+        <a:xfrm>
+          <a:off x="0" y="0"/>
+          <a:ext cx="0" cy="0"/>
+          <a:chOff x="0" y="0"/>
+          <a:chExt cx="0" cy="0"/>
+        </a:xfrm>
+      </p:grpSpPr>
+      <p:sp>
+        <p:nvSpPr>
+          <p:cNvPr id="2" name="Slide Image Placeholder 1"/>
+          <p:cNvSpPr>
+            <a:spLocks noGrp="1" noRot="1" noChangeAspect="1"/>
+          </p:cNvSpPr>
+          <p:nvPr>
+            <p:ph type="sldImg"/>
+          </p:nvPr>
+        </p:nvSpPr>
+        <p:spPr/>
+      </p:sp>
+      <p:sp>
+        <p:nvSpPr>
+          <p:cNvPr id="3" name="Notes Placeholder 2"/>
+          <p:cNvSpPr>
+            <a:spLocks noGrp="1"/>
+          </p:cNvSpPr>
+          <p:nvPr>
+            <p:ph type="body" idx="1"/>
+          </p:nvPr>
+        </p:nvSpPr>
+        <p:spPr/>
+        <p:txBody>
+          <a:bodyPr/>
+          <a:lstStyle/>
+          <a:p>
+            <a:r>
+              <a:rPr lang="en-US" dirty="0" smtClean="0"/>
+              <a:t>We want to characterize the uncertainty on our projections. </a:t>
+            </a:r>
+            <a:r>
+              <a:rPr lang="en-US" dirty="0" err="1" smtClean="0"/>
+              <a:t>sigma_i</a:t>
+            </a:r>
+            <a:r>
+              <a:rPr lang="en-US" dirty="0" smtClean="0"/>
+              <a:t> in figure (likelihood). Change</a:t>
+            </a:r>
+            <a:r>
+              <a:rPr lang="en-US" baseline="0" dirty="0" smtClean="0"/>
+              <a:t> likelihood to include AR1 sigma.</a:t>
+            </a:r>
+            <a:endParaRPr lang="en-US" dirty="0"/>
+          </a:p>
+        </p:txBody>
+      </p:sp>
+      <p:sp>
+        <p:nvSpPr>
+          <p:cNvPr id="4" name="Slide Number Placeholder 3"/>
+          <p:cNvSpPr>
+            <a:spLocks noGrp="1"/>
+          </p:cNvSpPr>
+          <p:nvPr>
+            <p:ph type="sldNum" sz="quarter" idx="10"/>
+          </p:nvPr>
+        </p:nvSpPr>
+        <p:spPr/>
+        <p:txBody>
+          <a:bodyPr/>
+          <a:lstStyle/>
+          <a:p>
+            <a:fld id="{53997451-DD4C-6845-B353-833DB10F4ADA}" type="slidenum">
+              <a:rPr lang="en-US" smtClean="0"/>
+              <a:t>8</a:t>
+            </a:fld>
+            <a:endParaRPr lang="en-US"/>
+          </a:p>
+        </p:txBody>
+      </p:sp>
+    </p:spTree>
+    <p:extLst>
+      <p:ext uri="{BB962C8B-B14F-4D97-AF65-F5344CB8AC3E}">
+        <p14:creationId xmlns:p14="http://schemas.microsoft.com/office/powerpoint/2010/main" val="309109745"/>
+      </p:ext>
+    </p:extLst>
+  </p:cSld>
+  <p:clrMapOvr>
+    <a:masterClrMapping/>
+  </p:clrMapOvr>
+</p:notes>
+</file>
+
+<file path=ppt/notesSlides/notesSlide7.xml><?xml version="1.0" encoding="utf-8"?>
+<p:notes xmlns:a="http://schemas.openxmlformats.org/drawingml/2006/main" xmlns:r="http://schemas.openxmlformats.org/officeDocument/2006/relationships" xmlns:p="http://schemas.openxmlformats.org/presentationml/2006/main">
+  <p:cSld>
+    <p:spTree>
+      <p:nvGrpSpPr>
+        <p:cNvPr id="1" name=""/>
+        <p:cNvGrpSpPr/>
+        <p:nvPr/>
+      </p:nvGrpSpPr>
+      <p:grpSpPr>
+        <a:xfrm>
+          <a:off x="0" y="0"/>
+          <a:ext cx="0" cy="0"/>
+          <a:chOff x="0" y="0"/>
+          <a:chExt cx="0" cy="0"/>
+        </a:xfrm>
+      </p:grpSpPr>
+      <p:sp>
+        <p:nvSpPr>
+          <p:cNvPr id="2" name="Slide Image Placeholder 1"/>
+          <p:cNvSpPr>
+            <a:spLocks noGrp="1" noRot="1" noChangeAspect="1"/>
+          </p:cNvSpPr>
+          <p:nvPr>
+            <p:ph type="sldImg"/>
+          </p:nvPr>
+        </p:nvSpPr>
+        <p:spPr/>
+      </p:sp>
+      <p:sp>
+        <p:nvSpPr>
+          <p:cNvPr id="3" name="Notes Placeholder 2"/>
+          <p:cNvSpPr>
+            <a:spLocks noGrp="1"/>
+          </p:cNvSpPr>
+          <p:nvPr>
+            <p:ph type="body" idx="1"/>
+          </p:nvPr>
+        </p:nvSpPr>
+        <p:spPr/>
+        <p:txBody>
+          <a:bodyPr/>
+          <a:lstStyle/>
+          <a:p>
+            <a:r>
+              <a:rPr lang="en-US" dirty="0" smtClean="0"/>
+              <a:t>Just show the residual</a:t>
+            </a:r>
+            <a:r>
+              <a:rPr lang="en-US" baseline="0" dirty="0" smtClean="0"/>
+              <a:t> </a:t>
+            </a:r>
+            <a:r>
+              <a:rPr lang="en-US" dirty="0" smtClean="0"/>
+              <a:t>equation</a:t>
+            </a:r>
+            <a:r>
+              <a:rPr lang="en-US" baseline="0" dirty="0" smtClean="0"/>
+              <a:t> for AR1. </a:t>
+            </a:r>
+            <a:endParaRPr lang="en-US" dirty="0"/>
+          </a:p>
+        </p:txBody>
+      </p:sp>
+      <p:sp>
+        <p:nvSpPr>
+          <p:cNvPr id="4" name="Slide Number Placeholder 3"/>
+          <p:cNvSpPr>
+            <a:spLocks noGrp="1"/>
+          </p:cNvSpPr>
+          <p:nvPr>
+            <p:ph type="sldNum" sz="quarter" idx="10"/>
+          </p:nvPr>
+        </p:nvSpPr>
+        <p:spPr/>
+        <p:txBody>
+          <a:bodyPr/>
+          <a:lstStyle/>
+          <a:p>
+            <a:fld id="{53997451-DD4C-6845-B353-833DB10F4ADA}" type="slidenum">
+              <a:rPr lang="en-US" smtClean="0"/>
+              <a:t>11</a:t>
+            </a:fld>
+            <a:endParaRPr lang="en-US"/>
+          </a:p>
+        </p:txBody>
+      </p:sp>
+    </p:spTree>
+    <p:extLst>
+      <p:ext uri="{BB962C8B-B14F-4D97-AF65-F5344CB8AC3E}">
+        <p14:creationId xmlns:p14="http://schemas.microsoft.com/office/powerpoint/2010/main" val="661607713"/>
+      </p:ext>
+    </p:extLst>
+  </p:cSld>
+  <p:clrMapOvr>
+    <a:masterClrMapping/>
+  </p:clrMapOvr>
+</p:notes>
+</file>
+
 <file path=ppt/slideLayouts/slideLayout1.xml><?xml version="1.0" encoding="utf-8"?>
 <p:sldLayout xmlns:a="http://schemas.openxmlformats.org/drawingml/2006/main" xmlns:r="http://schemas.openxmlformats.org/officeDocument/2006/relationships" xmlns:p="http://schemas.openxmlformats.org/presentationml/2006/main" type="title" preserve="1">
   <p:cSld name="Title Slide">
@@ -147,7 +1179,7 @@
           <p:cNvPr id="2" name="Title 1">
             <a:extLst>
               <a:ext uri="{FF2B5EF4-FFF2-40B4-BE49-F238E27FC236}">
-                <a16:creationId xmlns:a16="http://schemas.microsoft.com/office/drawing/2014/main" id="{B8B3E9FE-347F-4AA7-B5D0-2966CC58A8C0}"/>
+                <a16:creationId xmlns:a16="http://schemas.microsoft.com/office/drawing/2014/main" xmlns="" id="{B8B3E9FE-347F-4AA7-B5D0-2966CC58A8C0}"/>
               </a:ext>
             </a:extLst>
           </p:cNvPr>
@@ -184,7 +1216,7 @@
           <p:cNvPr id="3" name="Subtitle 2">
             <a:extLst>
               <a:ext uri="{FF2B5EF4-FFF2-40B4-BE49-F238E27FC236}">
-                <a16:creationId xmlns:a16="http://schemas.microsoft.com/office/drawing/2014/main" id="{85C5580E-3F1C-4A9A-84E1-44EE3481C1C0}"/>
+                <a16:creationId xmlns:a16="http://schemas.microsoft.com/office/drawing/2014/main" xmlns="" id="{85C5580E-3F1C-4A9A-84E1-44EE3481C1C0}"/>
               </a:ext>
             </a:extLst>
           </p:cNvPr>
@@ -254,7 +1286,7 @@
           <p:cNvPr id="4" name="Date Placeholder 3">
             <a:extLst>
               <a:ext uri="{FF2B5EF4-FFF2-40B4-BE49-F238E27FC236}">
-                <a16:creationId xmlns:a16="http://schemas.microsoft.com/office/drawing/2014/main" id="{7BE380AA-CCC0-4FA7-9C4E-EA2984862757}"/>
+                <a16:creationId xmlns:a16="http://schemas.microsoft.com/office/drawing/2014/main" xmlns="" id="{7BE380AA-CCC0-4FA7-9C4E-EA2984862757}"/>
               </a:ext>
             </a:extLst>
           </p:cNvPr>
@@ -272,7 +1304,7 @@
           <a:p>
             <a:fld id="{43CEAD56-E5CE-4A48-BE26-3F874B3EFFB2}" type="datetimeFigureOut">
               <a:rPr lang="en-US" smtClean="0"/>
-              <a:t>10/23/2018</a:t>
+              <a:t>10/24/18</a:t>
             </a:fld>
             <a:endParaRPr lang="en-US"/>
           </a:p>
@@ -283,7 +1315,7 @@
           <p:cNvPr id="5" name="Footer Placeholder 4">
             <a:extLst>
               <a:ext uri="{FF2B5EF4-FFF2-40B4-BE49-F238E27FC236}">
-                <a16:creationId xmlns:a16="http://schemas.microsoft.com/office/drawing/2014/main" id="{10735B48-001C-49CB-84DC-99D2695978DF}"/>
+                <a16:creationId xmlns:a16="http://schemas.microsoft.com/office/drawing/2014/main" xmlns="" id="{10735B48-001C-49CB-84DC-99D2695978DF}"/>
               </a:ext>
             </a:extLst>
           </p:cNvPr>
@@ -308,7 +1340,7 @@
           <p:cNvPr id="6" name="Slide Number Placeholder 5">
             <a:extLst>
               <a:ext uri="{FF2B5EF4-FFF2-40B4-BE49-F238E27FC236}">
-                <a16:creationId xmlns:a16="http://schemas.microsoft.com/office/drawing/2014/main" id="{5D18854D-1F70-4998-A8C0-77FFEFD9D99A}"/>
+                <a16:creationId xmlns:a16="http://schemas.microsoft.com/office/drawing/2014/main" xmlns="" id="{5D18854D-1F70-4998-A8C0-77FFEFD9D99A}"/>
               </a:ext>
             </a:extLst>
           </p:cNvPr>
@@ -367,7 +1399,7 @@
           <p:cNvPr id="2" name="Title 1">
             <a:extLst>
               <a:ext uri="{FF2B5EF4-FFF2-40B4-BE49-F238E27FC236}">
-                <a16:creationId xmlns:a16="http://schemas.microsoft.com/office/drawing/2014/main" id="{298D67BC-E415-4F07-8E15-F1E0C8FE2EFA}"/>
+                <a16:creationId xmlns:a16="http://schemas.microsoft.com/office/drawing/2014/main" xmlns="" id="{298D67BC-E415-4F07-8E15-F1E0C8FE2EFA}"/>
               </a:ext>
             </a:extLst>
           </p:cNvPr>
@@ -395,7 +1427,7 @@
           <p:cNvPr id="3" name="Vertical Text Placeholder 2">
             <a:extLst>
               <a:ext uri="{FF2B5EF4-FFF2-40B4-BE49-F238E27FC236}">
-                <a16:creationId xmlns:a16="http://schemas.microsoft.com/office/drawing/2014/main" id="{C0E76AB9-B45F-4D8A-AEC8-2D287D76CF12}"/>
+                <a16:creationId xmlns:a16="http://schemas.microsoft.com/office/drawing/2014/main" xmlns="" id="{C0E76AB9-B45F-4D8A-AEC8-2D287D76CF12}"/>
               </a:ext>
             </a:extLst>
           </p:cNvPr>
@@ -452,7 +1484,7 @@
           <p:cNvPr id="4" name="Date Placeholder 3">
             <a:extLst>
               <a:ext uri="{FF2B5EF4-FFF2-40B4-BE49-F238E27FC236}">
-                <a16:creationId xmlns:a16="http://schemas.microsoft.com/office/drawing/2014/main" id="{286872AA-386D-49F0-8CAE-2FB0C7E0CB2E}"/>
+                <a16:creationId xmlns:a16="http://schemas.microsoft.com/office/drawing/2014/main" xmlns="" id="{286872AA-386D-49F0-8CAE-2FB0C7E0CB2E}"/>
               </a:ext>
             </a:extLst>
           </p:cNvPr>
@@ -470,7 +1502,7 @@
           <a:p>
             <a:fld id="{43CEAD56-E5CE-4A48-BE26-3F874B3EFFB2}" type="datetimeFigureOut">
               <a:rPr lang="en-US" smtClean="0"/>
-              <a:t>10/23/2018</a:t>
+              <a:t>10/24/18</a:t>
             </a:fld>
             <a:endParaRPr lang="en-US"/>
           </a:p>
@@ -481,7 +1513,7 @@
           <p:cNvPr id="5" name="Footer Placeholder 4">
             <a:extLst>
               <a:ext uri="{FF2B5EF4-FFF2-40B4-BE49-F238E27FC236}">
-                <a16:creationId xmlns:a16="http://schemas.microsoft.com/office/drawing/2014/main" id="{9DC01DDE-A963-4484-8462-77D4C35F70D9}"/>
+                <a16:creationId xmlns:a16="http://schemas.microsoft.com/office/drawing/2014/main" xmlns="" id="{9DC01DDE-A963-4484-8462-77D4C35F70D9}"/>
               </a:ext>
             </a:extLst>
           </p:cNvPr>
@@ -506,7 +1538,7 @@
           <p:cNvPr id="6" name="Slide Number Placeholder 5">
             <a:extLst>
               <a:ext uri="{FF2B5EF4-FFF2-40B4-BE49-F238E27FC236}">
-                <a16:creationId xmlns:a16="http://schemas.microsoft.com/office/drawing/2014/main" id="{DAB58AA0-543C-4042-B5E0-7AD43CC32E4D}"/>
+                <a16:creationId xmlns:a16="http://schemas.microsoft.com/office/drawing/2014/main" xmlns="" id="{DAB58AA0-543C-4042-B5E0-7AD43CC32E4D}"/>
               </a:ext>
             </a:extLst>
           </p:cNvPr>
@@ -565,7 +1597,7 @@
           <p:cNvPr id="2" name="Vertical Title 1">
             <a:extLst>
               <a:ext uri="{FF2B5EF4-FFF2-40B4-BE49-F238E27FC236}">
-                <a16:creationId xmlns:a16="http://schemas.microsoft.com/office/drawing/2014/main" id="{70845774-C8D6-4CAB-A2F4-9D474CBB2AE3}"/>
+                <a16:creationId xmlns:a16="http://schemas.microsoft.com/office/drawing/2014/main" xmlns="" id="{70845774-C8D6-4CAB-A2F4-9D474CBB2AE3}"/>
               </a:ext>
             </a:extLst>
           </p:cNvPr>
@@ -598,7 +1630,7 @@
           <p:cNvPr id="3" name="Vertical Text Placeholder 2">
             <a:extLst>
               <a:ext uri="{FF2B5EF4-FFF2-40B4-BE49-F238E27FC236}">
-                <a16:creationId xmlns:a16="http://schemas.microsoft.com/office/drawing/2014/main" id="{BA3E64F6-6D7C-41E5-861C-FB405CC610B3}"/>
+                <a16:creationId xmlns:a16="http://schemas.microsoft.com/office/drawing/2014/main" xmlns="" id="{BA3E64F6-6D7C-41E5-861C-FB405CC610B3}"/>
               </a:ext>
             </a:extLst>
           </p:cNvPr>
@@ -660,7 +1692,7 @@
           <p:cNvPr id="4" name="Date Placeholder 3">
             <a:extLst>
               <a:ext uri="{FF2B5EF4-FFF2-40B4-BE49-F238E27FC236}">
-                <a16:creationId xmlns:a16="http://schemas.microsoft.com/office/drawing/2014/main" id="{E8F78E00-DF1A-43CF-BBBB-84B645B400B5}"/>
+                <a16:creationId xmlns:a16="http://schemas.microsoft.com/office/drawing/2014/main" xmlns="" id="{E8F78E00-DF1A-43CF-BBBB-84B645B400B5}"/>
               </a:ext>
             </a:extLst>
           </p:cNvPr>
@@ -678,7 +1710,7 @@
           <a:p>
             <a:fld id="{43CEAD56-E5CE-4A48-BE26-3F874B3EFFB2}" type="datetimeFigureOut">
               <a:rPr lang="en-US" smtClean="0"/>
-              <a:t>10/23/2018</a:t>
+              <a:t>10/24/18</a:t>
             </a:fld>
             <a:endParaRPr lang="en-US"/>
           </a:p>
@@ -689,7 +1721,7 @@
           <p:cNvPr id="5" name="Footer Placeholder 4">
             <a:extLst>
               <a:ext uri="{FF2B5EF4-FFF2-40B4-BE49-F238E27FC236}">
-                <a16:creationId xmlns:a16="http://schemas.microsoft.com/office/drawing/2014/main" id="{80A8A1CF-EDAE-424B-8971-0025DE80DE09}"/>
+                <a16:creationId xmlns:a16="http://schemas.microsoft.com/office/drawing/2014/main" xmlns="" id="{80A8A1CF-EDAE-424B-8971-0025DE80DE09}"/>
               </a:ext>
             </a:extLst>
           </p:cNvPr>
@@ -714,7 +1746,7 @@
           <p:cNvPr id="6" name="Slide Number Placeholder 5">
             <a:extLst>
               <a:ext uri="{FF2B5EF4-FFF2-40B4-BE49-F238E27FC236}">
-                <a16:creationId xmlns:a16="http://schemas.microsoft.com/office/drawing/2014/main" id="{C8F4ADAF-C15A-41C3-8BEF-CB2E5B0B3B17}"/>
+                <a16:creationId xmlns:a16="http://schemas.microsoft.com/office/drawing/2014/main" xmlns="" id="{C8F4ADAF-C15A-41C3-8BEF-CB2E5B0B3B17}"/>
               </a:ext>
             </a:extLst>
           </p:cNvPr>
@@ -773,7 +1805,7 @@
           <p:cNvPr id="2" name="Title 1">
             <a:extLst>
               <a:ext uri="{FF2B5EF4-FFF2-40B4-BE49-F238E27FC236}">
-                <a16:creationId xmlns:a16="http://schemas.microsoft.com/office/drawing/2014/main" id="{C5D053B8-0E96-4A96-955D-54A151644769}"/>
+                <a16:creationId xmlns:a16="http://schemas.microsoft.com/office/drawing/2014/main" xmlns="" id="{C5D053B8-0E96-4A96-955D-54A151644769}"/>
               </a:ext>
             </a:extLst>
           </p:cNvPr>
@@ -806,7 +1838,7 @@
           <p:cNvPr id="3" name="Content Placeholder 2">
             <a:extLst>
               <a:ext uri="{FF2B5EF4-FFF2-40B4-BE49-F238E27FC236}">
-                <a16:creationId xmlns:a16="http://schemas.microsoft.com/office/drawing/2014/main" id="{6C11D560-0399-4A07-91FA-0ED96ED01D2E}"/>
+                <a16:creationId xmlns:a16="http://schemas.microsoft.com/office/drawing/2014/main" xmlns="" id="{6C11D560-0399-4A07-91FA-0ED96ED01D2E}"/>
               </a:ext>
             </a:extLst>
           </p:cNvPr>
@@ -868,7 +1900,7 @@
           <p:cNvPr id="4" name="Date Placeholder 3">
             <a:extLst>
               <a:ext uri="{FF2B5EF4-FFF2-40B4-BE49-F238E27FC236}">
-                <a16:creationId xmlns:a16="http://schemas.microsoft.com/office/drawing/2014/main" id="{90B12041-A368-4396-A1E0-3E9A85C11775}"/>
+                <a16:creationId xmlns:a16="http://schemas.microsoft.com/office/drawing/2014/main" xmlns="" id="{90B12041-A368-4396-A1E0-3E9A85C11775}"/>
               </a:ext>
             </a:extLst>
           </p:cNvPr>
@@ -886,7 +1918,7 @@
           <a:p>
             <a:fld id="{43CEAD56-E5CE-4A48-BE26-3F874B3EFFB2}" type="datetimeFigureOut">
               <a:rPr lang="en-US" smtClean="0"/>
-              <a:t>10/23/2018</a:t>
+              <a:t>10/24/18</a:t>
             </a:fld>
             <a:endParaRPr lang="en-US"/>
           </a:p>
@@ -897,7 +1929,7 @@
           <p:cNvPr id="5" name="Footer Placeholder 4">
             <a:extLst>
               <a:ext uri="{FF2B5EF4-FFF2-40B4-BE49-F238E27FC236}">
-                <a16:creationId xmlns:a16="http://schemas.microsoft.com/office/drawing/2014/main" id="{A53D7D04-BBF4-4DD8-B294-BCA088A3DC17}"/>
+                <a16:creationId xmlns:a16="http://schemas.microsoft.com/office/drawing/2014/main" xmlns="" id="{A53D7D04-BBF4-4DD8-B294-BCA088A3DC17}"/>
               </a:ext>
             </a:extLst>
           </p:cNvPr>
@@ -922,7 +1954,7 @@
           <p:cNvPr id="6" name="Slide Number Placeholder 5">
             <a:extLst>
               <a:ext uri="{FF2B5EF4-FFF2-40B4-BE49-F238E27FC236}">
-                <a16:creationId xmlns:a16="http://schemas.microsoft.com/office/drawing/2014/main" id="{00F43743-13F2-424A-88FA-CA4A9EDEC803}"/>
+                <a16:creationId xmlns:a16="http://schemas.microsoft.com/office/drawing/2014/main" xmlns="" id="{00F43743-13F2-424A-88FA-CA4A9EDEC803}"/>
               </a:ext>
             </a:extLst>
           </p:cNvPr>
@@ -981,7 +2013,7 @@
           <p:cNvPr id="2" name="Title 1">
             <a:extLst>
               <a:ext uri="{FF2B5EF4-FFF2-40B4-BE49-F238E27FC236}">
-                <a16:creationId xmlns:a16="http://schemas.microsoft.com/office/drawing/2014/main" id="{5F9DC917-BCF9-4111-9DA7-17087B895777}"/>
+                <a16:creationId xmlns:a16="http://schemas.microsoft.com/office/drawing/2014/main" xmlns="" id="{5F9DC917-BCF9-4111-9DA7-17087B895777}"/>
               </a:ext>
             </a:extLst>
           </p:cNvPr>
@@ -1018,7 +2050,7 @@
           <p:cNvPr id="3" name="Text Placeholder 2">
             <a:extLst>
               <a:ext uri="{FF2B5EF4-FFF2-40B4-BE49-F238E27FC236}">
-                <a16:creationId xmlns:a16="http://schemas.microsoft.com/office/drawing/2014/main" id="{550C78B4-87BB-4206-B367-1480414F9D8B}"/>
+                <a16:creationId xmlns:a16="http://schemas.microsoft.com/office/drawing/2014/main" xmlns="" id="{550C78B4-87BB-4206-B367-1480414F9D8B}"/>
               </a:ext>
             </a:extLst>
           </p:cNvPr>
@@ -1143,7 +2175,7 @@
           <p:cNvPr id="4" name="Date Placeholder 3">
             <a:extLst>
               <a:ext uri="{FF2B5EF4-FFF2-40B4-BE49-F238E27FC236}">
-                <a16:creationId xmlns:a16="http://schemas.microsoft.com/office/drawing/2014/main" id="{3410CF73-041D-4836-96A0-3B7A8592B614}"/>
+                <a16:creationId xmlns:a16="http://schemas.microsoft.com/office/drawing/2014/main" xmlns="" id="{3410CF73-041D-4836-96A0-3B7A8592B614}"/>
               </a:ext>
             </a:extLst>
           </p:cNvPr>
@@ -1161,7 +2193,7 @@
           <a:p>
             <a:fld id="{43CEAD56-E5CE-4A48-BE26-3F874B3EFFB2}" type="datetimeFigureOut">
               <a:rPr lang="en-US" smtClean="0"/>
-              <a:t>10/23/2018</a:t>
+              <a:t>10/24/18</a:t>
             </a:fld>
             <a:endParaRPr lang="en-US"/>
           </a:p>
@@ -1172,7 +2204,7 @@
           <p:cNvPr id="5" name="Footer Placeholder 4">
             <a:extLst>
               <a:ext uri="{FF2B5EF4-FFF2-40B4-BE49-F238E27FC236}">
-                <a16:creationId xmlns:a16="http://schemas.microsoft.com/office/drawing/2014/main" id="{30BE432E-3E01-4725-A9E9-EBB86F71C6DA}"/>
+                <a16:creationId xmlns:a16="http://schemas.microsoft.com/office/drawing/2014/main" xmlns="" id="{30BE432E-3E01-4725-A9E9-EBB86F71C6DA}"/>
               </a:ext>
             </a:extLst>
           </p:cNvPr>
@@ -1197,7 +2229,7 @@
           <p:cNvPr id="6" name="Slide Number Placeholder 5">
             <a:extLst>
               <a:ext uri="{FF2B5EF4-FFF2-40B4-BE49-F238E27FC236}">
-                <a16:creationId xmlns:a16="http://schemas.microsoft.com/office/drawing/2014/main" id="{9050BEF3-5810-43C6-B364-60970834EEE3}"/>
+                <a16:creationId xmlns:a16="http://schemas.microsoft.com/office/drawing/2014/main" xmlns="" id="{9050BEF3-5810-43C6-B364-60970834EEE3}"/>
               </a:ext>
             </a:extLst>
           </p:cNvPr>
@@ -1256,7 +2288,7 @@
           <p:cNvPr id="2" name="Title 1">
             <a:extLst>
               <a:ext uri="{FF2B5EF4-FFF2-40B4-BE49-F238E27FC236}">
-                <a16:creationId xmlns:a16="http://schemas.microsoft.com/office/drawing/2014/main" id="{BD370E30-BC99-419F-B20B-99A8B924F27A}"/>
+                <a16:creationId xmlns:a16="http://schemas.microsoft.com/office/drawing/2014/main" xmlns="" id="{BD370E30-BC99-419F-B20B-99A8B924F27A}"/>
               </a:ext>
             </a:extLst>
           </p:cNvPr>
@@ -1284,7 +2316,7 @@
           <p:cNvPr id="3" name="Content Placeholder 2">
             <a:extLst>
               <a:ext uri="{FF2B5EF4-FFF2-40B4-BE49-F238E27FC236}">
-                <a16:creationId xmlns:a16="http://schemas.microsoft.com/office/drawing/2014/main" id="{F7A86DD6-75F6-4720-BD69-9EA8AFDCD5BC}"/>
+                <a16:creationId xmlns:a16="http://schemas.microsoft.com/office/drawing/2014/main" xmlns="" id="{F7A86DD6-75F6-4720-BD69-9EA8AFDCD5BC}"/>
               </a:ext>
             </a:extLst>
           </p:cNvPr>
@@ -1346,7 +2378,7 @@
           <p:cNvPr id="4" name="Content Placeholder 3">
             <a:extLst>
               <a:ext uri="{FF2B5EF4-FFF2-40B4-BE49-F238E27FC236}">
-                <a16:creationId xmlns:a16="http://schemas.microsoft.com/office/drawing/2014/main" id="{2E1F27B6-5A13-4339-9827-242CD2C093C2}"/>
+                <a16:creationId xmlns:a16="http://schemas.microsoft.com/office/drawing/2014/main" xmlns="" id="{2E1F27B6-5A13-4339-9827-242CD2C093C2}"/>
               </a:ext>
             </a:extLst>
           </p:cNvPr>
@@ -1408,7 +2440,7 @@
           <p:cNvPr id="5" name="Date Placeholder 4">
             <a:extLst>
               <a:ext uri="{FF2B5EF4-FFF2-40B4-BE49-F238E27FC236}">
-                <a16:creationId xmlns:a16="http://schemas.microsoft.com/office/drawing/2014/main" id="{0500A199-0BFD-435B-8853-E251FA964C0D}"/>
+                <a16:creationId xmlns:a16="http://schemas.microsoft.com/office/drawing/2014/main" xmlns="" id="{0500A199-0BFD-435B-8853-E251FA964C0D}"/>
               </a:ext>
             </a:extLst>
           </p:cNvPr>
@@ -1426,7 +2458,7 @@
           <a:p>
             <a:fld id="{43CEAD56-E5CE-4A48-BE26-3F874B3EFFB2}" type="datetimeFigureOut">
               <a:rPr lang="en-US" smtClean="0"/>
-              <a:t>10/23/2018</a:t>
+              <a:t>10/24/18</a:t>
             </a:fld>
             <a:endParaRPr lang="en-US"/>
           </a:p>
@@ -1437,7 +2469,7 @@
           <p:cNvPr id="6" name="Footer Placeholder 5">
             <a:extLst>
               <a:ext uri="{FF2B5EF4-FFF2-40B4-BE49-F238E27FC236}">
-                <a16:creationId xmlns:a16="http://schemas.microsoft.com/office/drawing/2014/main" id="{2EDAF3BD-F030-4963-9B4D-DE0284FA9DBA}"/>
+                <a16:creationId xmlns:a16="http://schemas.microsoft.com/office/drawing/2014/main" xmlns="" id="{2EDAF3BD-F030-4963-9B4D-DE0284FA9DBA}"/>
               </a:ext>
             </a:extLst>
           </p:cNvPr>
@@ -1462,7 +2494,7 @@
           <p:cNvPr id="7" name="Slide Number Placeholder 6">
             <a:extLst>
               <a:ext uri="{FF2B5EF4-FFF2-40B4-BE49-F238E27FC236}">
-                <a16:creationId xmlns:a16="http://schemas.microsoft.com/office/drawing/2014/main" id="{2F28FC9B-24E8-476B-8EA9-278A81CC814C}"/>
+                <a16:creationId xmlns:a16="http://schemas.microsoft.com/office/drawing/2014/main" xmlns="" id="{2F28FC9B-24E8-476B-8EA9-278A81CC814C}"/>
               </a:ext>
             </a:extLst>
           </p:cNvPr>
@@ -1521,7 +2553,7 @@
           <p:cNvPr id="2" name="Title 1">
             <a:extLst>
               <a:ext uri="{FF2B5EF4-FFF2-40B4-BE49-F238E27FC236}">
-                <a16:creationId xmlns:a16="http://schemas.microsoft.com/office/drawing/2014/main" id="{0F71E4E3-5A5C-4D0C-89B5-1A779F52B94B}"/>
+                <a16:creationId xmlns:a16="http://schemas.microsoft.com/office/drawing/2014/main" xmlns="" id="{0F71E4E3-5A5C-4D0C-89B5-1A779F52B94B}"/>
               </a:ext>
             </a:extLst>
           </p:cNvPr>
@@ -1554,7 +2586,7 @@
           <p:cNvPr id="3" name="Text Placeholder 2">
             <a:extLst>
               <a:ext uri="{FF2B5EF4-FFF2-40B4-BE49-F238E27FC236}">
-                <a16:creationId xmlns:a16="http://schemas.microsoft.com/office/drawing/2014/main" id="{8BEC8857-DA8C-4344-9865-DDC8F7D02391}"/>
+                <a16:creationId xmlns:a16="http://schemas.microsoft.com/office/drawing/2014/main" xmlns="" id="{8BEC8857-DA8C-4344-9865-DDC8F7D02391}"/>
               </a:ext>
             </a:extLst>
           </p:cNvPr>
@@ -1625,7 +2657,7 @@
           <p:cNvPr id="4" name="Content Placeholder 3">
             <a:extLst>
               <a:ext uri="{FF2B5EF4-FFF2-40B4-BE49-F238E27FC236}">
-                <a16:creationId xmlns:a16="http://schemas.microsoft.com/office/drawing/2014/main" id="{9114E18C-7619-4081-9417-0AFA00BB6CD6}"/>
+                <a16:creationId xmlns:a16="http://schemas.microsoft.com/office/drawing/2014/main" xmlns="" id="{9114E18C-7619-4081-9417-0AFA00BB6CD6}"/>
               </a:ext>
             </a:extLst>
           </p:cNvPr>
@@ -1687,7 +2719,7 @@
           <p:cNvPr id="5" name="Text Placeholder 4">
             <a:extLst>
               <a:ext uri="{FF2B5EF4-FFF2-40B4-BE49-F238E27FC236}">
-                <a16:creationId xmlns:a16="http://schemas.microsoft.com/office/drawing/2014/main" id="{A18B93C0-2C63-4717-AC82-D4D6525949D0}"/>
+                <a16:creationId xmlns:a16="http://schemas.microsoft.com/office/drawing/2014/main" xmlns="" id="{A18B93C0-2C63-4717-AC82-D4D6525949D0}"/>
               </a:ext>
             </a:extLst>
           </p:cNvPr>
@@ -1758,7 +2790,7 @@
           <p:cNvPr id="6" name="Content Placeholder 5">
             <a:extLst>
               <a:ext uri="{FF2B5EF4-FFF2-40B4-BE49-F238E27FC236}">
-                <a16:creationId xmlns:a16="http://schemas.microsoft.com/office/drawing/2014/main" id="{FF965ECB-4E31-466C-8D0F-E4F2B005C606}"/>
+                <a16:creationId xmlns:a16="http://schemas.microsoft.com/office/drawing/2014/main" xmlns="" id="{FF965ECB-4E31-466C-8D0F-E4F2B005C606}"/>
               </a:ext>
             </a:extLst>
           </p:cNvPr>
@@ -1820,7 +2852,7 @@
           <p:cNvPr id="7" name="Date Placeholder 6">
             <a:extLst>
               <a:ext uri="{FF2B5EF4-FFF2-40B4-BE49-F238E27FC236}">
-                <a16:creationId xmlns:a16="http://schemas.microsoft.com/office/drawing/2014/main" id="{FA76C466-3255-47D0-9E37-DFDA49345D6A}"/>
+                <a16:creationId xmlns:a16="http://schemas.microsoft.com/office/drawing/2014/main" xmlns="" id="{FA76C466-3255-47D0-9E37-DFDA49345D6A}"/>
               </a:ext>
             </a:extLst>
           </p:cNvPr>
@@ -1838,7 +2870,7 @@
           <a:p>
             <a:fld id="{43CEAD56-E5CE-4A48-BE26-3F874B3EFFB2}" type="datetimeFigureOut">
               <a:rPr lang="en-US" smtClean="0"/>
-              <a:t>10/23/2018</a:t>
+              <a:t>10/24/18</a:t>
             </a:fld>
             <a:endParaRPr lang="en-US"/>
           </a:p>
@@ -1849,7 +2881,7 @@
           <p:cNvPr id="8" name="Footer Placeholder 7">
             <a:extLst>
               <a:ext uri="{FF2B5EF4-FFF2-40B4-BE49-F238E27FC236}">
-                <a16:creationId xmlns:a16="http://schemas.microsoft.com/office/drawing/2014/main" id="{60F40B7F-38F7-4E26-BCA6-60830A5AEF75}"/>
+                <a16:creationId xmlns:a16="http://schemas.microsoft.com/office/drawing/2014/main" xmlns="" id="{60F40B7F-38F7-4E26-BCA6-60830A5AEF75}"/>
               </a:ext>
             </a:extLst>
           </p:cNvPr>
@@ -1874,7 +2906,7 @@
           <p:cNvPr id="9" name="Slide Number Placeholder 8">
             <a:extLst>
               <a:ext uri="{FF2B5EF4-FFF2-40B4-BE49-F238E27FC236}">
-                <a16:creationId xmlns:a16="http://schemas.microsoft.com/office/drawing/2014/main" id="{F25BF69D-9308-4455-9EEF-AE51A9B48114}"/>
+                <a16:creationId xmlns:a16="http://schemas.microsoft.com/office/drawing/2014/main" xmlns="" id="{F25BF69D-9308-4455-9EEF-AE51A9B48114}"/>
               </a:ext>
             </a:extLst>
           </p:cNvPr>
@@ -1933,7 +2965,7 @@
           <p:cNvPr id="2" name="Title 1">
             <a:extLst>
               <a:ext uri="{FF2B5EF4-FFF2-40B4-BE49-F238E27FC236}">
-                <a16:creationId xmlns:a16="http://schemas.microsoft.com/office/drawing/2014/main" id="{DFD5095D-EC49-460F-928D-67384BF1C5A4}"/>
+                <a16:creationId xmlns:a16="http://schemas.microsoft.com/office/drawing/2014/main" xmlns="" id="{DFD5095D-EC49-460F-928D-67384BF1C5A4}"/>
               </a:ext>
             </a:extLst>
           </p:cNvPr>
@@ -1961,7 +2993,7 @@
           <p:cNvPr id="3" name="Date Placeholder 2">
             <a:extLst>
               <a:ext uri="{FF2B5EF4-FFF2-40B4-BE49-F238E27FC236}">
-                <a16:creationId xmlns:a16="http://schemas.microsoft.com/office/drawing/2014/main" id="{7AE5C1A1-7DF8-43A4-AB39-1801ACE8B5A5}"/>
+                <a16:creationId xmlns:a16="http://schemas.microsoft.com/office/drawing/2014/main" xmlns="" id="{7AE5C1A1-7DF8-43A4-AB39-1801ACE8B5A5}"/>
               </a:ext>
             </a:extLst>
           </p:cNvPr>
@@ -1979,7 +3011,7 @@
           <a:p>
             <a:fld id="{43CEAD56-E5CE-4A48-BE26-3F874B3EFFB2}" type="datetimeFigureOut">
               <a:rPr lang="en-US" smtClean="0"/>
-              <a:t>10/23/2018</a:t>
+              <a:t>10/24/18</a:t>
             </a:fld>
             <a:endParaRPr lang="en-US"/>
           </a:p>
@@ -1990,7 +3022,7 @@
           <p:cNvPr id="4" name="Footer Placeholder 3">
             <a:extLst>
               <a:ext uri="{FF2B5EF4-FFF2-40B4-BE49-F238E27FC236}">
-                <a16:creationId xmlns:a16="http://schemas.microsoft.com/office/drawing/2014/main" id="{5987A75C-E0D2-43AF-ADEC-2C1E0C2D5CCE}"/>
+                <a16:creationId xmlns:a16="http://schemas.microsoft.com/office/drawing/2014/main" xmlns="" id="{5987A75C-E0D2-43AF-ADEC-2C1E0C2D5CCE}"/>
               </a:ext>
             </a:extLst>
           </p:cNvPr>
@@ -2015,7 +3047,7 @@
           <p:cNvPr id="5" name="Slide Number Placeholder 4">
             <a:extLst>
               <a:ext uri="{FF2B5EF4-FFF2-40B4-BE49-F238E27FC236}">
-                <a16:creationId xmlns:a16="http://schemas.microsoft.com/office/drawing/2014/main" id="{9553D0AD-E56E-4CE8-908D-DE0E2CF849C0}"/>
+                <a16:creationId xmlns:a16="http://schemas.microsoft.com/office/drawing/2014/main" xmlns="" id="{9553D0AD-E56E-4CE8-908D-DE0E2CF849C0}"/>
               </a:ext>
             </a:extLst>
           </p:cNvPr>
@@ -2074,7 +3106,7 @@
           <p:cNvPr id="2" name="Date Placeholder 1">
             <a:extLst>
               <a:ext uri="{FF2B5EF4-FFF2-40B4-BE49-F238E27FC236}">
-                <a16:creationId xmlns:a16="http://schemas.microsoft.com/office/drawing/2014/main" id="{CA028CA5-13F0-4611-AE48-040330822A22}"/>
+                <a16:creationId xmlns:a16="http://schemas.microsoft.com/office/drawing/2014/main" xmlns="" id="{CA028CA5-13F0-4611-AE48-040330822A22}"/>
               </a:ext>
             </a:extLst>
           </p:cNvPr>
@@ -2092,7 +3124,7 @@
           <a:p>
             <a:fld id="{43CEAD56-E5CE-4A48-BE26-3F874B3EFFB2}" type="datetimeFigureOut">
               <a:rPr lang="en-US" smtClean="0"/>
-              <a:t>10/23/2018</a:t>
+              <a:t>10/24/18</a:t>
             </a:fld>
             <a:endParaRPr lang="en-US"/>
           </a:p>
@@ -2103,7 +3135,7 @@
           <p:cNvPr id="3" name="Footer Placeholder 2">
             <a:extLst>
               <a:ext uri="{FF2B5EF4-FFF2-40B4-BE49-F238E27FC236}">
-                <a16:creationId xmlns:a16="http://schemas.microsoft.com/office/drawing/2014/main" id="{1D10BC7B-9807-4005-8219-3A8D732A0C0B}"/>
+                <a16:creationId xmlns:a16="http://schemas.microsoft.com/office/drawing/2014/main" xmlns="" id="{1D10BC7B-9807-4005-8219-3A8D732A0C0B}"/>
               </a:ext>
             </a:extLst>
           </p:cNvPr>
@@ -2128,7 +3160,7 @@
           <p:cNvPr id="4" name="Slide Number Placeholder 3">
             <a:extLst>
               <a:ext uri="{FF2B5EF4-FFF2-40B4-BE49-F238E27FC236}">
-                <a16:creationId xmlns:a16="http://schemas.microsoft.com/office/drawing/2014/main" id="{E4C4EE15-5B44-48E9-BE4D-57B5FCE0F256}"/>
+                <a16:creationId xmlns:a16="http://schemas.microsoft.com/office/drawing/2014/main" xmlns="" id="{E4C4EE15-5B44-48E9-BE4D-57B5FCE0F256}"/>
               </a:ext>
             </a:extLst>
           </p:cNvPr>
@@ -2187,7 +3219,7 @@
           <p:cNvPr id="2" name="Title 1">
             <a:extLst>
               <a:ext uri="{FF2B5EF4-FFF2-40B4-BE49-F238E27FC236}">
-                <a16:creationId xmlns:a16="http://schemas.microsoft.com/office/drawing/2014/main" id="{B5D3FB5F-2D46-40BD-B1EC-69896A53E1C9}"/>
+                <a16:creationId xmlns:a16="http://schemas.microsoft.com/office/drawing/2014/main" xmlns="" id="{B5D3FB5F-2D46-40BD-B1EC-69896A53E1C9}"/>
               </a:ext>
             </a:extLst>
           </p:cNvPr>
@@ -2224,7 +3256,7 @@
           <p:cNvPr id="3" name="Content Placeholder 2">
             <a:extLst>
               <a:ext uri="{FF2B5EF4-FFF2-40B4-BE49-F238E27FC236}">
-                <a16:creationId xmlns:a16="http://schemas.microsoft.com/office/drawing/2014/main" id="{413F67DE-F302-4D0C-8BB6-0363A0F226B8}"/>
+                <a16:creationId xmlns:a16="http://schemas.microsoft.com/office/drawing/2014/main" xmlns="" id="{413F67DE-F302-4D0C-8BB6-0363A0F226B8}"/>
               </a:ext>
             </a:extLst>
           </p:cNvPr>
@@ -2314,7 +3346,7 @@
           <p:cNvPr id="4" name="Text Placeholder 3">
             <a:extLst>
               <a:ext uri="{FF2B5EF4-FFF2-40B4-BE49-F238E27FC236}">
-                <a16:creationId xmlns:a16="http://schemas.microsoft.com/office/drawing/2014/main" id="{D62894C8-99A6-4CC6-BA5C-164BC7FE1EC0}"/>
+                <a16:creationId xmlns:a16="http://schemas.microsoft.com/office/drawing/2014/main" xmlns="" id="{D62894C8-99A6-4CC6-BA5C-164BC7FE1EC0}"/>
               </a:ext>
             </a:extLst>
           </p:cNvPr>
@@ -2385,7 +3417,7 @@
           <p:cNvPr id="5" name="Date Placeholder 4">
             <a:extLst>
               <a:ext uri="{FF2B5EF4-FFF2-40B4-BE49-F238E27FC236}">
-                <a16:creationId xmlns:a16="http://schemas.microsoft.com/office/drawing/2014/main" id="{D51FC759-AC48-4F8E-9E54-153DAFCE05AC}"/>
+                <a16:creationId xmlns:a16="http://schemas.microsoft.com/office/drawing/2014/main" xmlns="" id="{D51FC759-AC48-4F8E-9E54-153DAFCE05AC}"/>
               </a:ext>
             </a:extLst>
           </p:cNvPr>
@@ -2403,7 +3435,7 @@
           <a:p>
             <a:fld id="{43CEAD56-E5CE-4A48-BE26-3F874B3EFFB2}" type="datetimeFigureOut">
               <a:rPr lang="en-US" smtClean="0"/>
-              <a:t>10/23/2018</a:t>
+              <a:t>10/24/18</a:t>
             </a:fld>
             <a:endParaRPr lang="en-US"/>
           </a:p>
@@ -2414,7 +3446,7 @@
           <p:cNvPr id="6" name="Footer Placeholder 5">
             <a:extLst>
               <a:ext uri="{FF2B5EF4-FFF2-40B4-BE49-F238E27FC236}">
-                <a16:creationId xmlns:a16="http://schemas.microsoft.com/office/drawing/2014/main" id="{56235A42-5080-41B0-96E2-918F0499E7FC}"/>
+                <a16:creationId xmlns:a16="http://schemas.microsoft.com/office/drawing/2014/main" xmlns="" id="{56235A42-5080-41B0-96E2-918F0499E7FC}"/>
               </a:ext>
             </a:extLst>
           </p:cNvPr>
@@ -2439,7 +3471,7 @@
           <p:cNvPr id="7" name="Slide Number Placeholder 6">
             <a:extLst>
               <a:ext uri="{FF2B5EF4-FFF2-40B4-BE49-F238E27FC236}">
-                <a16:creationId xmlns:a16="http://schemas.microsoft.com/office/drawing/2014/main" id="{0132E0C8-66A7-4FD5-8F64-E46FBB08E965}"/>
+                <a16:creationId xmlns:a16="http://schemas.microsoft.com/office/drawing/2014/main" xmlns="" id="{0132E0C8-66A7-4FD5-8F64-E46FBB08E965}"/>
               </a:ext>
             </a:extLst>
           </p:cNvPr>
@@ -2498,7 +3530,7 @@
           <p:cNvPr id="2" name="Title 1">
             <a:extLst>
               <a:ext uri="{FF2B5EF4-FFF2-40B4-BE49-F238E27FC236}">
-                <a16:creationId xmlns:a16="http://schemas.microsoft.com/office/drawing/2014/main" id="{FBDF9722-6B31-4F43-8844-6FA5D71D0EC8}"/>
+                <a16:creationId xmlns:a16="http://schemas.microsoft.com/office/drawing/2014/main" xmlns="" id="{FBDF9722-6B31-4F43-8844-6FA5D71D0EC8}"/>
               </a:ext>
             </a:extLst>
           </p:cNvPr>
@@ -2535,7 +3567,7 @@
           <p:cNvPr id="3" name="Picture Placeholder 2">
             <a:extLst>
               <a:ext uri="{FF2B5EF4-FFF2-40B4-BE49-F238E27FC236}">
-                <a16:creationId xmlns:a16="http://schemas.microsoft.com/office/drawing/2014/main" id="{E1A3055F-F681-4828-A3E0-2B6E173CF4AA}"/>
+                <a16:creationId xmlns:a16="http://schemas.microsoft.com/office/drawing/2014/main" xmlns="" id="{E1A3055F-F681-4828-A3E0-2B6E173CF4AA}"/>
               </a:ext>
             </a:extLst>
           </p:cNvPr>
@@ -2602,7 +3634,7 @@
           <p:cNvPr id="4" name="Text Placeholder 3">
             <a:extLst>
               <a:ext uri="{FF2B5EF4-FFF2-40B4-BE49-F238E27FC236}">
-                <a16:creationId xmlns:a16="http://schemas.microsoft.com/office/drawing/2014/main" id="{B7B159A9-C15B-4B14-B4CC-AD5E17D9CFA7}"/>
+                <a16:creationId xmlns:a16="http://schemas.microsoft.com/office/drawing/2014/main" xmlns="" id="{B7B159A9-C15B-4B14-B4CC-AD5E17D9CFA7}"/>
               </a:ext>
             </a:extLst>
           </p:cNvPr>
@@ -2673,7 +3705,7 @@
           <p:cNvPr id="5" name="Date Placeholder 4">
             <a:extLst>
               <a:ext uri="{FF2B5EF4-FFF2-40B4-BE49-F238E27FC236}">
-                <a16:creationId xmlns:a16="http://schemas.microsoft.com/office/drawing/2014/main" id="{18DB940C-254C-4068-AA22-E999FF6AF331}"/>
+                <a16:creationId xmlns:a16="http://schemas.microsoft.com/office/drawing/2014/main" xmlns="" id="{18DB940C-254C-4068-AA22-E999FF6AF331}"/>
               </a:ext>
             </a:extLst>
           </p:cNvPr>
@@ -2691,7 +3723,7 @@
           <a:p>
             <a:fld id="{43CEAD56-E5CE-4A48-BE26-3F874B3EFFB2}" type="datetimeFigureOut">
               <a:rPr lang="en-US" smtClean="0"/>
-              <a:t>10/23/2018</a:t>
+              <a:t>10/24/18</a:t>
             </a:fld>
             <a:endParaRPr lang="en-US"/>
           </a:p>
@@ -2702,7 +3734,7 @@
           <p:cNvPr id="6" name="Footer Placeholder 5">
             <a:extLst>
               <a:ext uri="{FF2B5EF4-FFF2-40B4-BE49-F238E27FC236}">
-                <a16:creationId xmlns:a16="http://schemas.microsoft.com/office/drawing/2014/main" id="{E1785F6C-141E-460A-ABBA-E1F88757D9AD}"/>
+                <a16:creationId xmlns:a16="http://schemas.microsoft.com/office/drawing/2014/main" xmlns="" id="{E1785F6C-141E-460A-ABBA-E1F88757D9AD}"/>
               </a:ext>
             </a:extLst>
           </p:cNvPr>
@@ -2727,7 +3759,7 @@
           <p:cNvPr id="7" name="Slide Number Placeholder 6">
             <a:extLst>
               <a:ext uri="{FF2B5EF4-FFF2-40B4-BE49-F238E27FC236}">
-                <a16:creationId xmlns:a16="http://schemas.microsoft.com/office/drawing/2014/main" id="{AF40B232-DA99-40A3-9E4B-EC9A313CBC58}"/>
+                <a16:creationId xmlns:a16="http://schemas.microsoft.com/office/drawing/2014/main" xmlns="" id="{AF40B232-DA99-40A3-9E4B-EC9A313CBC58}"/>
               </a:ext>
             </a:extLst>
           </p:cNvPr>
@@ -2791,7 +3823,7 @@
           <p:cNvPr id="2" name="Title Placeholder 1">
             <a:extLst>
               <a:ext uri="{FF2B5EF4-FFF2-40B4-BE49-F238E27FC236}">
-                <a16:creationId xmlns:a16="http://schemas.microsoft.com/office/drawing/2014/main" id="{22E93C2A-753E-456C-8C84-B5984DF5B446}"/>
+                <a16:creationId xmlns:a16="http://schemas.microsoft.com/office/drawing/2014/main" xmlns="" id="{22E93C2A-753E-456C-8C84-B5984DF5B446}"/>
               </a:ext>
             </a:extLst>
           </p:cNvPr>
@@ -2829,7 +3861,7 @@
           <p:cNvPr id="3" name="Text Placeholder 2">
             <a:extLst>
               <a:ext uri="{FF2B5EF4-FFF2-40B4-BE49-F238E27FC236}">
-                <a16:creationId xmlns:a16="http://schemas.microsoft.com/office/drawing/2014/main" id="{ED02B75F-78B7-4083-9BDE-BDCF2E9C6110}"/>
+                <a16:creationId xmlns:a16="http://schemas.microsoft.com/office/drawing/2014/main" xmlns="" id="{ED02B75F-78B7-4083-9BDE-BDCF2E9C6110}"/>
               </a:ext>
             </a:extLst>
           </p:cNvPr>
@@ -2896,7 +3928,7 @@
           <p:cNvPr id="4" name="Date Placeholder 3">
             <a:extLst>
               <a:ext uri="{FF2B5EF4-FFF2-40B4-BE49-F238E27FC236}">
-                <a16:creationId xmlns:a16="http://schemas.microsoft.com/office/drawing/2014/main" id="{14EDD2ED-1E44-4EB4-87EA-E417381BC572}"/>
+                <a16:creationId xmlns:a16="http://schemas.microsoft.com/office/drawing/2014/main" xmlns="" id="{14EDD2ED-1E44-4EB4-87EA-E417381BC572}"/>
               </a:ext>
             </a:extLst>
           </p:cNvPr>
@@ -2932,7 +3964,7 @@
           <a:p>
             <a:fld id="{43CEAD56-E5CE-4A48-BE26-3F874B3EFFB2}" type="datetimeFigureOut">
               <a:rPr lang="en-US" smtClean="0"/>
-              <a:t>10/23/2018</a:t>
+              <a:t>10/24/18</a:t>
             </a:fld>
             <a:endParaRPr lang="en-US"/>
           </a:p>
@@ -2943,7 +3975,7 @@
           <p:cNvPr id="5" name="Footer Placeholder 4">
             <a:extLst>
               <a:ext uri="{FF2B5EF4-FFF2-40B4-BE49-F238E27FC236}">
-                <a16:creationId xmlns:a16="http://schemas.microsoft.com/office/drawing/2014/main" id="{375FF47C-3C8A-4991-9246-88D3F1A9F793}"/>
+                <a16:creationId xmlns:a16="http://schemas.microsoft.com/office/drawing/2014/main" xmlns="" id="{375FF47C-3C8A-4991-9246-88D3F1A9F793}"/>
               </a:ext>
             </a:extLst>
           </p:cNvPr>
@@ -2986,7 +4018,7 @@
           <p:cNvPr id="6" name="Slide Number Placeholder 5">
             <a:extLst>
               <a:ext uri="{FF2B5EF4-FFF2-40B4-BE49-F238E27FC236}">
-                <a16:creationId xmlns:a16="http://schemas.microsoft.com/office/drawing/2014/main" id="{88FC58EC-EB4F-4827-BEC5-0EBF23E2BF1C}"/>
+                <a16:creationId xmlns:a16="http://schemas.microsoft.com/office/drawing/2014/main" xmlns="" id="{88FC58EC-EB4F-4827-BEC5-0EBF23E2BF1C}"/>
               </a:ext>
             </a:extLst>
           </p:cNvPr>
@@ -3354,7 +4386,7 @@
           <p:cNvPr id="2" name="Title 1">
             <a:extLst>
               <a:ext uri="{FF2B5EF4-FFF2-40B4-BE49-F238E27FC236}">
-                <a16:creationId xmlns:a16="http://schemas.microsoft.com/office/drawing/2014/main" id="{1B7EDC7E-AB10-433C-949E-719BCAAC75BB}"/>
+                <a16:creationId xmlns:a16="http://schemas.microsoft.com/office/drawing/2014/main" xmlns="" id="{1B7EDC7E-AB10-433C-949E-719BCAAC75BB}"/>
               </a:ext>
             </a:extLst>
           </p:cNvPr>
@@ -3382,7 +4414,7 @@
           <p:cNvPr id="3" name="Subtitle 2">
             <a:extLst>
               <a:ext uri="{FF2B5EF4-FFF2-40B4-BE49-F238E27FC236}">
-                <a16:creationId xmlns:a16="http://schemas.microsoft.com/office/drawing/2014/main" id="{C6545BBF-C756-495B-99D7-71EE3A06F136}"/>
+                <a16:creationId xmlns:a16="http://schemas.microsoft.com/office/drawing/2014/main" xmlns="" id="{C6545BBF-C756-495B-99D7-71EE3A06F136}"/>
               </a:ext>
             </a:extLst>
           </p:cNvPr>
@@ -3435,6 +4467,94 @@
           <a:chExt cx="0" cy="0"/>
         </a:xfrm>
       </p:grpSpPr>
+      <p:sp>
+        <p:nvSpPr>
+          <p:cNvPr id="2" name="Title 1">
+            <a:extLst>
+              <a:ext uri="{FF2B5EF4-FFF2-40B4-BE49-F238E27FC236}">
+                <a16:creationId xmlns:a16="http://schemas.microsoft.com/office/drawing/2014/main" xmlns="" id="{4642D8FD-5E3D-4045-B506-E80DB9941D5A}"/>
+              </a:ext>
+            </a:extLst>
+          </p:cNvPr>
+          <p:cNvSpPr>
+            <a:spLocks noGrp="1"/>
+          </p:cNvSpPr>
+          <p:nvPr>
+            <p:ph type="title"/>
+          </p:nvPr>
+        </p:nvSpPr>
+        <p:spPr/>
+        <p:txBody>
+          <a:bodyPr/>
+          <a:lstStyle/>
+          <a:p>
+            <a:r>
+              <a:rPr lang="en-US" dirty="0"/>
+              <a:t>Gelman-Rubin Diagnostic</a:t>
+            </a:r>
+          </a:p>
+        </p:txBody>
+      </p:sp>
+      <p:pic>
+        <p:nvPicPr>
+          <p:cNvPr id="6" name="Picture 5">
+            <a:extLst>
+              <a:ext uri="{FF2B5EF4-FFF2-40B4-BE49-F238E27FC236}">
+                <a16:creationId xmlns:a16="http://schemas.microsoft.com/office/drawing/2014/main" xmlns="" id="{78618CFB-AD78-42C9-ABE2-65EC0953947F}"/>
+              </a:ext>
+            </a:extLst>
+          </p:cNvPr>
+          <p:cNvPicPr>
+            <a:picLocks noChangeAspect="1"/>
+          </p:cNvPicPr>
+          <p:nvPr/>
+        </p:nvPicPr>
+        <p:blipFill>
+          <a:blip r:embed="rId2"/>
+          <a:stretch>
+            <a:fillRect/>
+          </a:stretch>
+        </p:blipFill>
+        <p:spPr>
+          <a:xfrm>
+            <a:off x="2807368" y="1644785"/>
+            <a:ext cx="6577263" cy="4605369"/>
+          </a:xfrm>
+          <a:prstGeom prst="rect">
+            <a:avLst/>
+          </a:prstGeom>
+        </p:spPr>
+      </p:pic>
+    </p:spTree>
+    <p:extLst>
+      <p:ext uri="{BB962C8B-B14F-4D97-AF65-F5344CB8AC3E}">
+        <p14:creationId xmlns:p14="http://schemas.microsoft.com/office/powerpoint/2010/main" val="38865976"/>
+      </p:ext>
+    </p:extLst>
+  </p:cSld>
+  <p:clrMapOvr>
+    <a:masterClrMapping/>
+  </p:clrMapOvr>
+</p:sld>
+</file>
+
+<file path=ppt/slides/slide11.xml><?xml version="1.0" encoding="utf-8"?>
+<p:sld xmlns:a="http://schemas.openxmlformats.org/drawingml/2006/main" xmlns:r="http://schemas.openxmlformats.org/officeDocument/2006/relationships" xmlns:p="http://schemas.openxmlformats.org/presentationml/2006/main">
+  <p:cSld>
+    <p:spTree>
+      <p:nvGrpSpPr>
+        <p:cNvPr id="1" name=""/>
+        <p:cNvGrpSpPr/>
+        <p:nvPr/>
+      </p:nvGrpSpPr>
+      <p:grpSpPr>
+        <a:xfrm>
+          <a:off x="0" y="0"/>
+          <a:ext cx="0" cy="0"/>
+          <a:chOff x="0" y="0"/>
+          <a:chExt cx="0" cy="0"/>
+        </a:xfrm>
+      </p:grpSpPr>
       <mc:AlternateContent xmlns:mc="http://schemas.openxmlformats.org/markup-compatibility/2006">
         <mc:Choice xmlns:a14="http://schemas.microsoft.com/office/drawing/2010/main" Requires="a14">
           <p:sp>
@@ -3442,7 +4562,7 @@
               <p:cNvPr id="3" name="Content Placeholder 2">
                 <a:extLst>
                   <a:ext uri="{FF2B5EF4-FFF2-40B4-BE49-F238E27FC236}">
-                    <a16:creationId xmlns:a16="http://schemas.microsoft.com/office/drawing/2014/main" id="{DDA4DCC2-56D4-4FEB-BA98-1C25194A0BD4}"/>
+                    <a16:creationId xmlns:a16="http://schemas.microsoft.com/office/drawing/2014/main" xmlns="" id="{DDA4DCC2-56D4-4FEB-BA98-1C25194A0BD4}"/>
                   </a:ext>
                 </a:extLst>
               </p:cNvPr>
@@ -3469,7 +4589,7 @@
                       <m:sSubPr>
                         <m:ctrlPr>
                           <a:rPr lang="en-US" b="0" i="1" smtClean="0">
-                            <a:latin typeface="Cambria Math" panose="02040503050406030204" pitchFamily="18" charset="0"/>
+                            <a:latin typeface="Cambria Math" charset="0"/>
                           </a:rPr>
                         </m:ctrlPr>
                       </m:sSubPr>
@@ -3506,7 +4626,7 @@
                       <m:sSubPr>
                         <m:ctrlPr>
                           <a:rPr lang="en-US" b="0" i="1" smtClean="0">
-                            <a:latin typeface="Cambria Math" panose="02040503050406030204" pitchFamily="18" charset="0"/>
+                            <a:latin typeface="Cambria Math" charset="0"/>
                           </a:rPr>
                         </m:ctrlPr>
                       </m:sSubPr>
@@ -3543,7 +4663,7 @@
                       <m:sSubPr>
                         <m:ctrlPr>
                           <a:rPr lang="en-US" b="0" i="1" smtClean="0">
-                            <a:latin typeface="Cambria Math" panose="02040503050406030204" pitchFamily="18" charset="0"/>
+                            <a:latin typeface="Cambria Math" charset="0"/>
                           </a:rPr>
                         </m:ctrlPr>
                       </m:sSubPr>
@@ -3578,7 +4698,7 @@
                       <m:sSubPr>
                         <m:ctrlPr>
                           <a:rPr lang="en-US" i="1">
-                            <a:latin typeface="Cambria Math" panose="02040503050406030204" pitchFamily="18" charset="0"/>
+                            <a:latin typeface="Cambria Math" charset="0"/>
                           </a:rPr>
                         </m:ctrlPr>
                       </m:sSubPr>
@@ -3633,7 +4753,7 @@
                       <m:dPr>
                         <m:ctrlPr>
                           <a:rPr lang="en-US" b="0" i="1" smtClean="0">
-                            <a:latin typeface="Cambria Math" panose="02040503050406030204" pitchFamily="18" charset="0"/>
+                            <a:latin typeface="Cambria Math" charset="0"/>
                           </a:rPr>
                         </m:ctrlPr>
                       </m:dPr>
@@ -3648,7 +4768,7 @@
                           <m:sSubPr>
                             <m:ctrlPr>
                               <a:rPr lang="en-US" i="1">
-                                <a:latin typeface="Cambria Math" panose="02040503050406030204" pitchFamily="18" charset="0"/>
+                                <a:latin typeface="Cambria Math" charset="0"/>
                               </a:rPr>
                             </m:ctrlPr>
                           </m:sSubPr>
@@ -3681,11 +4801,17 @@
                           </a:rPr>
                           <m:t>+</m:t>
                         </m:r>
+                        <m:r>
+                          <a:rPr lang="en-US" b="0" i="1" smtClean="0">
+                            <a:latin typeface="Cambria Math" charset="0"/>
+                          </a:rPr>
+                          <m:t>\</m:t>
+                        </m:r>
                         <m:sSub>
                           <m:sSubPr>
                             <m:ctrlPr>
-                              <a:rPr lang="en-US" i="1">
-                                <a:latin typeface="Cambria Math" panose="02040503050406030204" pitchFamily="18" charset="0"/>
+                              <a:rPr lang="en-US" b="0" i="1" smtClean="0">
+                                <a:latin typeface="Cambria Math" charset="0"/>
                               </a:rPr>
                             </m:ctrlPr>
                           </m:sSubPr>
@@ -3694,16 +4820,16 @@
                               <m:rPr>
                                 <m:sty m:val="p"/>
                               </m:rPr>
-                              <a:rPr lang="en-US">
-                                <a:latin typeface="Cambria Math" panose="02040503050406030204" pitchFamily="18" charset="0"/>
+                              <a:rPr lang="en-US" b="0" i="0" smtClean="0">
+                                <a:latin typeface="Cambria Math" charset="0"/>
                               </a:rPr>
-                              <m:t>Σ</m:t>
+                              <m:t>epsilon</m:t>
                             </m:r>
                           </m:e>
                           <m:sub>
                             <m:r>
-                              <a:rPr lang="en-US" i="1">
-                                <a:latin typeface="Cambria Math" panose="02040503050406030204" pitchFamily="18" charset="0"/>
+                              <a:rPr lang="en-US" b="0" i="1" smtClean="0">
+                                <a:latin typeface="Cambria Math" charset="0"/>
                               </a:rPr>
                               <m:t>𝑛</m:t>
                             </m:r>
@@ -3722,7 +4848,7 @@
                       <m:sSupPr>
                         <m:ctrlPr>
                           <a:rPr lang="en-US" b="0" i="1" smtClean="0">
-                            <a:latin typeface="Cambria Math" panose="02040503050406030204" pitchFamily="18" charset="0"/>
+                            <a:latin typeface="Cambria Math" charset="0"/>
                           </a:rPr>
                         </m:ctrlPr>
                       </m:sSupPr>
@@ -3753,7 +4879,7 @@
                       <m:sSupPr>
                         <m:ctrlPr>
                           <a:rPr lang="en-US" b="0" i="1" smtClean="0">
-                            <a:latin typeface="Cambria Math" panose="02040503050406030204" pitchFamily="18" charset="0"/>
+                            <a:latin typeface="Cambria Math" charset="0"/>
                           </a:rPr>
                         </m:ctrlPr>
                       </m:sSupPr>
@@ -3784,7 +4910,7 @@
                       <m:sSupPr>
                         <m:ctrlPr>
                           <a:rPr lang="en-US" b="0" i="1" smtClean="0">
-                            <a:latin typeface="Cambria Math" panose="02040503050406030204" pitchFamily="18" charset="0"/>
+                            <a:latin typeface="Cambria Math" charset="0"/>
                           </a:rPr>
                         </m:ctrlPr>
                       </m:sSupPr>
@@ -3821,7 +4947,7 @@
                       <m:dPr>
                         <m:ctrlPr>
                           <a:rPr lang="en-US" b="0" i="1" smtClean="0">
-                            <a:latin typeface="Cambria Math" panose="02040503050406030204" pitchFamily="18" charset="0"/>
+                            <a:latin typeface="Cambria Math" charset="0"/>
                           </a:rPr>
                         </m:ctrlPr>
                       </m:dPr>
@@ -3830,7 +4956,7 @@
                           <m:sSubPr>
                             <m:ctrlPr>
                               <a:rPr lang="en-US" b="0" i="1" smtClean="0">
-                                <a:latin typeface="Cambria Math" panose="02040503050406030204" pitchFamily="18" charset="0"/>
+                                <a:latin typeface="Cambria Math" charset="0"/>
                               </a:rPr>
                             </m:ctrlPr>
                           </m:sSubPr>
@@ -3867,7 +4993,7 @@
                       <m:sSupPr>
                         <m:ctrlPr>
                           <a:rPr lang="en-US" i="1">
-                            <a:latin typeface="Cambria Math" panose="02040503050406030204" pitchFamily="18" charset="0"/>
+                            <a:latin typeface="Cambria Math" charset="0"/>
                           </a:rPr>
                         </m:ctrlPr>
                       </m:sSupPr>
@@ -3898,7 +5024,7 @@
                       <m:sSupPr>
                         <m:ctrlPr>
                           <a:rPr lang="en-US" i="1">
-                            <a:latin typeface="Cambria Math" panose="02040503050406030204" pitchFamily="18" charset="0"/>
+                            <a:latin typeface="Cambria Math" charset="0"/>
                           </a:rPr>
                         </m:ctrlPr>
                       </m:sSupPr>
@@ -3929,7 +5055,7 @@
                       <m:sSupPr>
                         <m:ctrlPr>
                           <a:rPr lang="en-US" i="1">
-                            <a:latin typeface="Cambria Math" panose="02040503050406030204" pitchFamily="18" charset="0"/>
+                            <a:latin typeface="Cambria Math" charset="0"/>
                           </a:rPr>
                         </m:ctrlPr>
                       </m:sSupPr>
@@ -3960,7 +5086,7 @@
                       <m:sSubSupPr>
                         <m:ctrlPr>
                           <a:rPr lang="en-US" b="0" i="1" smtClean="0">
-                            <a:latin typeface="Cambria Math" panose="02040503050406030204" pitchFamily="18" charset="0"/>
+                            <a:latin typeface="Cambria Math" charset="0"/>
                           </a:rPr>
                         </m:ctrlPr>
                       </m:sSubSupPr>
@@ -4006,7 +5132,7 @@
                       <m:sSupPr>
                         <m:ctrlPr>
                           <a:rPr lang="en-US" i="1">
-                            <a:latin typeface="Cambria Math" panose="02040503050406030204" pitchFamily="18" charset="0"/>
+                            <a:latin typeface="Cambria Math" charset="0"/>
                           </a:rPr>
                         </m:ctrlPr>
                       </m:sSupPr>
@@ -4037,7 +5163,7 @@
                       <m:sSupPr>
                         <m:ctrlPr>
                           <a:rPr lang="en-US" b="0" i="1" smtClean="0">
-                            <a:latin typeface="Cambria Math" panose="02040503050406030204" pitchFamily="18" charset="0"/>
+                            <a:latin typeface="Cambria Math" charset="0"/>
                           </a:rPr>
                         </m:ctrlPr>
                       </m:sSupPr>
@@ -4074,7 +5200,7 @@
                       <m:sSubSupPr>
                         <m:ctrlPr>
                           <a:rPr lang="en-US" i="1">
-                            <a:latin typeface="Cambria Math" panose="02040503050406030204" pitchFamily="18" charset="0"/>
+                            <a:latin typeface="Cambria Math" charset="0"/>
                           </a:rPr>
                         </m:ctrlPr>
                       </m:sSubSupPr>
@@ -4138,7 +5264,7 @@
               <p:cNvPr id="3" name="Content Placeholder 2">
                 <a:extLst>
                   <a:ext uri="{FF2B5EF4-FFF2-40B4-BE49-F238E27FC236}">
-                    <a16:creationId xmlns:a16="http://schemas.microsoft.com/office/drawing/2014/main" id="{DDA4DCC2-56D4-4FEB-BA98-1C25194A0BD4}"/>
+                    <a16:creationId xmlns:a16="http://schemas.microsoft.com/office/drawing/2014/main" xmlns:a14="http://schemas.microsoft.com/office/drawing/2010/main" xmlns="" id="{DDA4DCC2-56D4-4FEB-BA98-1C25194A0BD4}"/>
                   </a:ext>
                 </a:extLst>
               </p:cNvPr>
@@ -4154,8 +5280,8 @@
                 <a:off x="838200" y="1315453"/>
                 <a:ext cx="10515600" cy="4861509"/>
               </a:xfrm>
-              <a:blipFill>
-                <a:blip r:embed="rId2"/>
+              <a:blipFill rotWithShape="0">
+                <a:blip r:embed="rId3"/>
                 <a:stretch>
                   <a:fillRect l="-1043"/>
                 </a:stretch>
@@ -4181,7 +5307,7 @@
           <p:cNvPr id="4" name="Title 1">
             <a:extLst>
               <a:ext uri="{FF2B5EF4-FFF2-40B4-BE49-F238E27FC236}">
-                <a16:creationId xmlns:a16="http://schemas.microsoft.com/office/drawing/2014/main" id="{56632757-107D-438A-BA93-6EBF49DFD064}"/>
+                <a16:creationId xmlns:a16="http://schemas.microsoft.com/office/drawing/2014/main" xmlns="" id="{56632757-107D-438A-BA93-6EBF49DFD064}"/>
               </a:ext>
             </a:extLst>
           </p:cNvPr>
@@ -4222,7 +5348,7 @@
 </p:sld>
 </file>
 
-<file path=ppt/slides/slide11.xml><?xml version="1.0" encoding="utf-8"?>
+<file path=ppt/slides/slide12.xml><?xml version="1.0" encoding="utf-8"?>
 <p:sld xmlns:a="http://schemas.openxmlformats.org/drawingml/2006/main" xmlns:r="http://schemas.openxmlformats.org/officeDocument/2006/relationships" xmlns:p="http://schemas.openxmlformats.org/presentationml/2006/main">
   <p:cSld>
     <p:spTree>
@@ -4244,7 +5370,7 @@
           <p:cNvPr id="2" name="Title 1">
             <a:extLst>
               <a:ext uri="{FF2B5EF4-FFF2-40B4-BE49-F238E27FC236}">
-                <a16:creationId xmlns:a16="http://schemas.microsoft.com/office/drawing/2014/main" id="{BA40C42D-2B0E-4A61-B209-7B875EE7A19C}"/>
+                <a16:creationId xmlns:a16="http://schemas.microsoft.com/office/drawing/2014/main" xmlns="" id="{BA40C42D-2B0E-4A61-B209-7B875EE7A19C}"/>
               </a:ext>
             </a:extLst>
           </p:cNvPr>
@@ -4272,7 +5398,7 @@
           <p:cNvPr id="5" name="Content Placeholder 2">
             <a:extLst>
               <a:ext uri="{FF2B5EF4-FFF2-40B4-BE49-F238E27FC236}">
-                <a16:creationId xmlns:a16="http://schemas.microsoft.com/office/drawing/2014/main" id="{F99751B2-D479-42C9-BDDE-01F72208421C}"/>
+                <a16:creationId xmlns:a16="http://schemas.microsoft.com/office/drawing/2014/main" xmlns="" id="{F99751B2-D479-42C9-BDDE-01F72208421C}"/>
               </a:ext>
             </a:extLst>
           </p:cNvPr>
@@ -4307,7 +5433,7 @@
               <p:cNvPr id="4" name="Rectangle 3">
                 <a:extLst>
                   <a:ext uri="{FF2B5EF4-FFF2-40B4-BE49-F238E27FC236}">
-                    <a16:creationId xmlns:a16="http://schemas.microsoft.com/office/drawing/2014/main" id="{10F566C3-3256-48D3-8ECD-339EEFC1A330}"/>
+                    <a16:creationId xmlns:a16="http://schemas.microsoft.com/office/drawing/2014/main" xmlns="" id="{10F566C3-3256-48D3-8ECD-339EEFC1A330}"/>
                   </a:ext>
                 </a:extLst>
               </p:cNvPr>
@@ -4316,8 +5442,8 @@
             </p:nvSpPr>
             <p:spPr>
               <a:xfrm>
-                <a:off x="1845733" y="2922589"/>
-                <a:ext cx="3691467" cy="531428"/>
+                <a:off x="1494693" y="2922589"/>
+                <a:ext cx="4042508" cy="531428"/>
               </a:xfrm>
               <a:prstGeom prst="rect">
                 <a:avLst/>
@@ -4334,8 +5460,8 @@
                     <m:sSub>
                       <m:sSubPr>
                         <m:ctrlPr>
-                          <a:rPr lang="en-US" sz="2800" i="1">
-                            <a:latin typeface="Cambria Math" panose="02040503050406030204" pitchFamily="18" charset="0"/>
+                          <a:rPr lang="en-US" sz="2800" i="1" smtClean="0">
+                            <a:latin typeface="Cambria Math" charset="0"/>
                           </a:rPr>
                         </m:ctrlPr>
                       </m:sSubPr>
@@ -4383,7 +5509,7 @@
                       <m:sSubSupPr>
                         <m:ctrlPr>
                           <a:rPr lang="en-US" sz="2800" i="1">
-                            <a:latin typeface="Cambria Math" panose="02040503050406030204" pitchFamily="18" charset="0"/>
+                            <a:latin typeface="Cambria Math" charset="0"/>
                           </a:rPr>
                         </m:ctrlPr>
                       </m:sSubSupPr>
@@ -4422,7 +5548,15 @@
                 </a14:m>
                 <a:r>
                   <a:rPr lang="en-US" sz="2800" dirty="0"/>
-                  <a:t>/ </a:t>
+                  <a:t>/</a:t>
+                </a:r>
+                <a:r>
+                  <a:rPr lang="en-US" sz="2800" dirty="0" smtClean="0"/>
+                  <a:t>(</a:t>
+                </a:r>
+                <a:r>
+                  <a:rPr lang="en-US" sz="2800" dirty="0"/>
+                  <a:t> </a:t>
                 </a:r>
                 <a14:m>
                   <m:oMath xmlns:m="http://schemas.openxmlformats.org/officeDocument/2006/math">
@@ -4436,7 +5570,7 @@
                       <m:sSubSupPr>
                         <m:ctrlPr>
                           <a:rPr lang="en-US" sz="2800" i="1">
-                            <a:latin typeface="Cambria Math" panose="02040503050406030204" pitchFamily="18" charset="0"/>
+                            <a:latin typeface="Cambria Math" charset="0"/>
                           </a:rPr>
                         </m:ctrlPr>
                       </m:sSubSupPr>
@@ -4471,6 +5605,12 @@
                         </m:r>
                       </m:sup>
                     </m:sSubSup>
+                    <m:r>
+                      <a:rPr lang="en-US" sz="2800" b="0" i="1" smtClean="0">
+                        <a:latin typeface="Cambria Math" charset="0"/>
+                      </a:rPr>
+                      <m:t>)</m:t>
+                    </m:r>
                     <m:r>
                       <a:rPr lang="en-US" sz="2800" i="1">
                         <a:latin typeface="Cambria Math" panose="02040503050406030204" pitchFamily="18" charset="0"/>
@@ -4490,7 +5630,7 @@
               <p:cNvPr id="4" name="Rectangle 3">
                 <a:extLst>
                   <a:ext uri="{FF2B5EF4-FFF2-40B4-BE49-F238E27FC236}">
-                    <a16:creationId xmlns:a16="http://schemas.microsoft.com/office/drawing/2014/main" id="{10F566C3-3256-48D3-8ECD-339EEFC1A330}"/>
+                    <a16:creationId xmlns:a16="http://schemas.microsoft.com/office/drawing/2014/main" xmlns:a14="http://schemas.microsoft.com/office/drawing/2010/main" xmlns="" id="{10F566C3-3256-48D3-8ECD-339EEFC1A330}"/>
                   </a:ext>
                 </a:extLst>
               </p:cNvPr>
@@ -4501,13 +5641,13 @@
             </p:nvSpPr>
             <p:spPr>
               <a:xfrm>
-                <a:off x="1845733" y="2922589"/>
-                <a:ext cx="3691467" cy="531428"/>
+                <a:off x="1494693" y="2922589"/>
+                <a:ext cx="4042508" cy="531428"/>
               </a:xfrm>
               <a:prstGeom prst="rect">
                 <a:avLst/>
               </a:prstGeom>
-              <a:blipFill>
+              <a:blipFill rotWithShape="0">
                 <a:blip r:embed="rId2"/>
                 <a:stretch>
                   <a:fillRect t="-9091" b="-30682"/>
@@ -4529,14 +5669,14 @@
           </p:sp>
         </mc:Fallback>
       </mc:AlternateContent>
-      <mc:AlternateContent xmlns:mc="http://schemas.openxmlformats.org/markup-compatibility/2006">
-        <mc:Choice xmlns:a14="http://schemas.microsoft.com/office/drawing/2010/main" Requires="a14">
+      <mc:AlternateContent xmlns:mc="http://schemas.openxmlformats.org/markup-compatibility/2006" xmlns:a14="http://schemas.microsoft.com/office/drawing/2010/main">
+        <mc:Choice Requires="a14">
           <p:graphicFrame>
             <p:nvGraphicFramePr>
               <p:cNvPr id="6" name="Table 5">
                 <a:extLst>
                   <a:ext uri="{FF2B5EF4-FFF2-40B4-BE49-F238E27FC236}">
-                    <a16:creationId xmlns:a16="http://schemas.microsoft.com/office/drawing/2014/main" id="{E2A87B87-38A0-4161-B399-FC28948DD2A8}"/>
+                    <a16:creationId xmlns:a16="http://schemas.microsoft.com/office/drawing/2014/main" xmlns="" id="{E2A87B87-38A0-4161-B399-FC28948DD2A8}"/>
                   </a:ext>
                 </a:extLst>
               </p:cNvPr>
@@ -4565,35 +5705,35 @@
                     <a:gridCol w="812800">
                       <a:extLst>
                         <a:ext uri="{9D8B030D-6E8A-4147-A177-3AD203B41FA5}">
-                          <a16:colId xmlns:a16="http://schemas.microsoft.com/office/drawing/2014/main" val="4056166537"/>
+                          <a16:colId xmlns:a16="http://schemas.microsoft.com/office/drawing/2014/main" xmlns="" val="4056166537"/>
                         </a:ext>
                       </a:extLst>
                     </a:gridCol>
                     <a:gridCol w="812800">
                       <a:extLst>
                         <a:ext uri="{9D8B030D-6E8A-4147-A177-3AD203B41FA5}">
-                          <a16:colId xmlns:a16="http://schemas.microsoft.com/office/drawing/2014/main" val="3077311197"/>
+                          <a16:colId xmlns:a16="http://schemas.microsoft.com/office/drawing/2014/main" xmlns="" val="3077311197"/>
                         </a:ext>
                       </a:extLst>
                     </a:gridCol>
                     <a:gridCol w="812800">
                       <a:extLst>
                         <a:ext uri="{9D8B030D-6E8A-4147-A177-3AD203B41FA5}">
-                          <a16:colId xmlns:a16="http://schemas.microsoft.com/office/drawing/2014/main" val="437580007"/>
+                          <a16:colId xmlns:a16="http://schemas.microsoft.com/office/drawing/2014/main" xmlns="" val="437580007"/>
                         </a:ext>
                       </a:extLst>
                     </a:gridCol>
                     <a:gridCol w="812800">
                       <a:extLst>
                         <a:ext uri="{9D8B030D-6E8A-4147-A177-3AD203B41FA5}">
-                          <a16:colId xmlns:a16="http://schemas.microsoft.com/office/drawing/2014/main" val="3110053692"/>
+                          <a16:colId xmlns:a16="http://schemas.microsoft.com/office/drawing/2014/main" xmlns="" val="3110053692"/>
                         </a:ext>
                       </a:extLst>
                     </a:gridCol>
                     <a:gridCol w="812800">
                       <a:extLst>
                         <a:ext uri="{9D8B030D-6E8A-4147-A177-3AD203B41FA5}">
-                          <a16:colId xmlns:a16="http://schemas.microsoft.com/office/drawing/2014/main" val="1661254295"/>
+                          <a16:colId xmlns:a16="http://schemas.microsoft.com/office/drawing/2014/main" xmlns="" val="1661254295"/>
                         </a:ext>
                       </a:extLst>
                     </a:gridCol>
@@ -4743,7 +5883,7 @@
                                   <m:sSupPr>
                                     <m:ctrlPr>
                                       <a:rPr lang="en-US" sz="3200" b="0" i="1" smtClean="0">
-                                        <a:latin typeface="Cambria Math" panose="02040503050406030204" pitchFamily="18" charset="0"/>
+                                        <a:latin typeface="Cambria Math" charset="0"/>
                                       </a:rPr>
                                     </m:ctrlPr>
                                   </m:sSupPr>
@@ -4831,7 +5971,7 @@
                                   <m:sSupPr>
                                     <m:ctrlPr>
                                       <a:rPr lang="en-US" sz="3200" b="0" i="1" smtClean="0">
-                                        <a:latin typeface="Cambria Math" panose="02040503050406030204" pitchFamily="18" charset="0"/>
+                                        <a:latin typeface="Cambria Math" charset="0"/>
                                       </a:rPr>
                                     </m:ctrlPr>
                                   </m:sSupPr>
@@ -4964,7 +6104,7 @@
                     </a:tc>
                     <a:extLst>
                       <a:ext uri="{0D108BD9-81ED-4DB2-BD59-A6C34878D82A}">
-                        <a16:rowId xmlns:a16="http://schemas.microsoft.com/office/drawing/2014/main" val="2801954663"/>
+                        <a16:rowId xmlns:a16="http://schemas.microsoft.com/office/drawing/2014/main" xmlns="" val="2801954663"/>
                       </a:ext>
                     </a:extLst>
                   </a:tr>
@@ -5176,7 +6316,7 @@
                                   <m:sSupPr>
                                     <m:ctrlPr>
                                       <a:rPr lang="en-US" sz="3200" b="0" i="1" smtClean="0">
-                                        <a:latin typeface="Cambria Math" panose="02040503050406030204" pitchFamily="18" charset="0"/>
+                                        <a:latin typeface="Cambria Math" charset="0"/>
                                       </a:rPr>
                                     </m:ctrlPr>
                                   </m:sSupPr>
@@ -5309,7 +6449,7 @@
                     </a:tc>
                     <a:extLst>
                       <a:ext uri="{0D108BD9-81ED-4DB2-BD59-A6C34878D82A}">
-                        <a16:rowId xmlns:a16="http://schemas.microsoft.com/office/drawing/2014/main" val="1202998512"/>
+                        <a16:rowId xmlns:a16="http://schemas.microsoft.com/office/drawing/2014/main" xmlns="" val="1202998512"/>
                       </a:ext>
                     </a:extLst>
                   </a:tr>
@@ -5330,7 +6470,7 @@
                                   <m:sSupPr>
                                     <m:ctrlPr>
                                       <a:rPr lang="en-US" sz="3200" b="0" i="1" smtClean="0">
-                                        <a:latin typeface="Cambria Math" panose="02040503050406030204" pitchFamily="18" charset="0"/>
+                                        <a:latin typeface="Cambria Math" charset="0"/>
                                       </a:rPr>
                                     </m:ctrlPr>
                                   </m:sSupPr>
@@ -5654,7 +6794,7 @@
                     </a:tc>
                     <a:extLst>
                       <a:ext uri="{0D108BD9-81ED-4DB2-BD59-A6C34878D82A}">
-                        <a16:rowId xmlns:a16="http://schemas.microsoft.com/office/drawing/2014/main" val="1090008321"/>
+                        <a16:rowId xmlns:a16="http://schemas.microsoft.com/office/drawing/2014/main" xmlns="" val="1090008321"/>
                       </a:ext>
                     </a:extLst>
                   </a:tr>
@@ -5980,7 +7120,7 @@
                     </a:tc>
                     <a:extLst>
                       <a:ext uri="{0D108BD9-81ED-4DB2-BD59-A6C34878D82A}">
-                        <a16:rowId xmlns:a16="http://schemas.microsoft.com/office/drawing/2014/main" val="1079821898"/>
+                        <a16:rowId xmlns:a16="http://schemas.microsoft.com/office/drawing/2014/main" xmlns="" val="1079821898"/>
                       </a:ext>
                     </a:extLst>
                   </a:tr>
@@ -6306,7 +7446,7 @@
                     </a:tc>
                     <a:extLst>
                       <a:ext uri="{0D108BD9-81ED-4DB2-BD59-A6C34878D82A}">
-                        <a16:rowId xmlns:a16="http://schemas.microsoft.com/office/drawing/2014/main" val="2872114764"/>
+                        <a16:rowId xmlns:a16="http://schemas.microsoft.com/office/drawing/2014/main" xmlns="" val="2872114764"/>
                       </a:ext>
                     </a:extLst>
                   </a:tr>
@@ -6315,7 +7455,7 @@
             </a:graphic>
           </p:graphicFrame>
         </mc:Choice>
-        <mc:Fallback>
+        <mc:Fallback xmlns="">
           <p:graphicFrame>
             <p:nvGraphicFramePr>
               <p:cNvPr id="6" name="Table 5">
@@ -7782,7 +8922,7 @@
 </p:sld>
 </file>
 
-<file path=ppt/slides/slide12.xml><?xml version="1.0" encoding="utf-8"?>
+<file path=ppt/slides/slide13.xml><?xml version="1.0" encoding="utf-8"?>
 <p:sld xmlns:a="http://schemas.openxmlformats.org/drawingml/2006/main" xmlns:r="http://schemas.openxmlformats.org/officeDocument/2006/relationships" xmlns:p="http://schemas.openxmlformats.org/presentationml/2006/main">
   <p:cSld>
     <p:spTree>
@@ -7804,7 +8944,7 @@
           <p:cNvPr id="3" name="Content Placeholder 2">
             <a:extLst>
               <a:ext uri="{FF2B5EF4-FFF2-40B4-BE49-F238E27FC236}">
-                <a16:creationId xmlns:a16="http://schemas.microsoft.com/office/drawing/2014/main" id="{7E110C3B-DFF3-4036-B0AB-47526A61FE0D}"/>
+                <a16:creationId xmlns:a16="http://schemas.microsoft.com/office/drawing/2014/main" xmlns="" id="{7E110C3B-DFF3-4036-B0AB-47526A61FE0D}"/>
               </a:ext>
             </a:extLst>
           </p:cNvPr>
@@ -7817,7 +8957,9 @@
         </p:nvSpPr>
         <p:spPr/>
         <p:txBody>
-          <a:bodyPr/>
+          <a:bodyPr>
+            <a:normAutofit lnSpcReduction="10000"/>
+          </a:bodyPr>
           <a:lstStyle/>
           <a:p>
             <a:r>
@@ -7827,6 +8969,35 @@
           </a:p>
           <a:p>
             <a:r>
+              <a:rPr lang="en-US" dirty="0" smtClean="0"/>
+              <a:t>That </a:t>
+            </a:r>
+            <a:r>
+              <a:rPr lang="en-US" dirty="0"/>
+              <a:t>work (and all others) assumed different data sets’ errors are independent. </a:t>
+            </a:r>
+          </a:p>
+          <a:p>
+            <a:pPr lvl="1"/>
+            <a:r>
+              <a:rPr lang="en-US" dirty="0"/>
+              <a:t>The advance we want to make is accounting for these </a:t>
+            </a:r>
+            <a:r>
+              <a:rPr lang="en-US" dirty="0" smtClean="0"/>
+              <a:t>dependencies</a:t>
+            </a:r>
+          </a:p>
+          <a:p>
+            <a:pPr lvl="1"/>
+            <a:r>
+              <a:rPr lang="en-US" dirty="0"/>
+              <a:t>show AR1 matrix with correlated uncertainties. </a:t>
+            </a:r>
+            <a:endParaRPr lang="en-US" dirty="0" smtClean="0"/>
+          </a:p>
+          <a:p>
+            <a:r>
               <a:rPr lang="en-US" dirty="0"/>
               <a:t>Previous work with </a:t>
             </a:r>
@@ -7836,38 +9007,19 @@
             </a:r>
             <a:r>
               <a:rPr lang="en-US" dirty="0"/>
-              <a:t> GMSL</a:t>
-            </a:r>
-          </a:p>
-          <a:p>
-            <a:pPr lvl="1"/>
-            <a:r>
-              <a:rPr lang="en-US" dirty="0"/>
-              <a:t>Figure from Tony (MCMC </a:t>
-            </a:r>
-            <a:r>
-              <a:rPr lang="en-US" dirty="0" err="1"/>
-              <a:t>calibration+GMSL</a:t>
-            </a:r>
-            <a:r>
-              <a:rPr lang="en-US" dirty="0"/>
-              <a:t> emulator, projections of sea-level rise)</a:t>
-            </a:r>
-          </a:p>
-          <a:p>
-            <a:r>
-              <a:rPr lang="en-US" dirty="0"/>
-              <a:t>That work (and all others) assumed different data sets’ errors are independent. </a:t>
-            </a:r>
-          </a:p>
-          <a:p>
-            <a:pPr lvl="1"/>
-            <a:r>
-              <a:rPr lang="en-US" dirty="0"/>
-              <a:t>The advance we want to make is accounting for these dependencies</a:t>
-            </a:r>
-          </a:p>
-          <a:p>
+              <a:t> </a:t>
+            </a:r>
+            <a:r>
+              <a:rPr lang="en-US" dirty="0" smtClean="0"/>
+              <a:t>GMSL</a:t>
+            </a:r>
+            <a:endParaRPr lang="en-US" dirty="0"/>
+          </a:p>
+          <a:p>
+            <a:r>
+              <a:rPr lang="en-US" dirty="0" smtClean="0"/>
+              <a:t>Use this better error structure than previous simulations and compare the differences with the new sea-level and temperature projections.  </a:t>
+            </a:r>
             <a:endParaRPr lang="en-US" dirty="0"/>
           </a:p>
         </p:txBody>
@@ -7885,7 +9037,7 @@
 </p:sld>
 </file>
 
-<file path=ppt/slides/slide13.xml><?xml version="1.0" encoding="utf-8"?>
+<file path=ppt/slides/slide14.xml><?xml version="1.0" encoding="utf-8"?>
 <p:sld xmlns:a="http://schemas.openxmlformats.org/drawingml/2006/main" xmlns:r="http://schemas.openxmlformats.org/officeDocument/2006/relationships" xmlns:p="http://schemas.openxmlformats.org/presentationml/2006/main">
   <p:cSld>
     <p:spTree>
@@ -7907,7 +9059,7 @@
           <p:cNvPr id="2" name="Title 1">
             <a:extLst>
               <a:ext uri="{FF2B5EF4-FFF2-40B4-BE49-F238E27FC236}">
-                <a16:creationId xmlns:a16="http://schemas.microsoft.com/office/drawing/2014/main" id="{2FAF5C53-EDB5-44E6-A94A-9D1BB26632F2}"/>
+                <a16:creationId xmlns:a16="http://schemas.microsoft.com/office/drawing/2014/main" xmlns="" id="{2FAF5C53-EDB5-44E6-A94A-9D1BB26632F2}"/>
               </a:ext>
             </a:extLst>
           </p:cNvPr>
@@ -7935,7 +9087,7 @@
           <p:cNvPr id="3" name="Content Placeholder 2">
             <a:extLst>
               <a:ext uri="{FF2B5EF4-FFF2-40B4-BE49-F238E27FC236}">
-                <a16:creationId xmlns:a16="http://schemas.microsoft.com/office/drawing/2014/main" id="{42DD9501-7E18-4D69-80B6-157C1A7938FB}"/>
+                <a16:creationId xmlns:a16="http://schemas.microsoft.com/office/drawing/2014/main" xmlns="" id="{42DD9501-7E18-4D69-80B6-157C1A7938FB}"/>
               </a:ext>
             </a:extLst>
           </p:cNvPr>
@@ -7970,8 +9122,13 @@
           <a:p>
             <a:r>
               <a:rPr lang="en-US" dirty="0"/>
-              <a:t>Simple AR1 matrix</a:t>
-            </a:r>
+              <a:t>Simple AR1 </a:t>
+            </a:r>
+            <a:r>
+              <a:rPr lang="en-US" dirty="0" smtClean="0"/>
+              <a:t>matrix with 0’s off the diagonal</a:t>
+            </a:r>
+            <a:endParaRPr lang="en-US" dirty="0"/>
           </a:p>
           <a:p>
             <a:endParaRPr lang="en-US" dirty="0"/>
@@ -7983,7 +9140,7 @@
           <p:cNvPr id="4" name="Title 1">
             <a:extLst>
               <a:ext uri="{FF2B5EF4-FFF2-40B4-BE49-F238E27FC236}">
-                <a16:creationId xmlns:a16="http://schemas.microsoft.com/office/drawing/2014/main" id="{22ACA028-7EC0-46AF-9E9A-CF2B98A6B0CB}"/>
+                <a16:creationId xmlns:a16="http://schemas.microsoft.com/office/drawing/2014/main" xmlns="" id="{22ACA028-7EC0-46AF-9E9A-CF2B98A6B0CB}"/>
               </a:ext>
             </a:extLst>
           </p:cNvPr>
@@ -8037,7 +9194,7 @@
           <p:cNvPr id="5" name="Content Placeholder 2">
             <a:extLst>
               <a:ext uri="{FF2B5EF4-FFF2-40B4-BE49-F238E27FC236}">
-                <a16:creationId xmlns:a16="http://schemas.microsoft.com/office/drawing/2014/main" id="{BAE375AF-8ED2-4553-99D9-C07D927D090D}"/>
+                <a16:creationId xmlns:a16="http://schemas.microsoft.com/office/drawing/2014/main" xmlns="" id="{BAE375AF-8ED2-4553-99D9-C07D927D090D}"/>
               </a:ext>
             </a:extLst>
           </p:cNvPr>
@@ -8259,7 +9416,7 @@
 </p:sld>
 </file>
 
-<file path=ppt/slides/slide14.xml><?xml version="1.0" encoding="utf-8"?>
+<file path=ppt/slides/slide15.xml><?xml version="1.0" encoding="utf-8"?>
 <p:sld xmlns:a="http://schemas.openxmlformats.org/drawingml/2006/main" xmlns:r="http://schemas.openxmlformats.org/officeDocument/2006/relationships" xmlns:p="http://schemas.openxmlformats.org/presentationml/2006/main">
   <p:cSld>
     <p:spTree>
@@ -8281,7 +9438,7 @@
           <p:cNvPr id="2" name="Title 1">
             <a:extLst>
               <a:ext uri="{FF2B5EF4-FFF2-40B4-BE49-F238E27FC236}">
-                <a16:creationId xmlns:a16="http://schemas.microsoft.com/office/drawing/2014/main" id="{55E080C1-8EA5-4A70-9B44-C543F4A56777}"/>
+                <a16:creationId xmlns:a16="http://schemas.microsoft.com/office/drawing/2014/main" xmlns="" id="{55E080C1-8EA5-4A70-9B44-C543F4A56777}"/>
               </a:ext>
             </a:extLst>
           </p:cNvPr>
@@ -8309,7 +9466,7 @@
           <p:cNvPr id="3" name="Content Placeholder 2">
             <a:extLst>
               <a:ext uri="{FF2B5EF4-FFF2-40B4-BE49-F238E27FC236}">
-                <a16:creationId xmlns:a16="http://schemas.microsoft.com/office/drawing/2014/main" id="{A318EF24-B224-4155-91B1-E792DE57068A}"/>
+                <a16:creationId xmlns:a16="http://schemas.microsoft.com/office/drawing/2014/main" xmlns="" id="{A318EF24-B224-4155-91B1-E792DE57068A}"/>
               </a:ext>
             </a:extLst>
           </p:cNvPr>
@@ -8326,9 +9483,75 @@
           <a:lstStyle/>
           <a:p>
             <a:r>
+              <a:rPr lang="en-US" dirty="0" smtClean="0"/>
+              <a:t>November </a:t>
+            </a:r>
+            <a:r>
+              <a:rPr lang="mr-IN" dirty="0" smtClean="0"/>
+              <a:t>–</a:t>
+            </a:r>
+            <a:endParaRPr lang="en-US" dirty="0" smtClean="0"/>
+          </a:p>
+          <a:p>
+            <a:pPr lvl="1"/>
+            <a:r>
+              <a:rPr lang="en-US" dirty="0" smtClean="0"/>
+              <a:t>DOECLIM + GMSL model coupling (no calibration)</a:t>
+            </a:r>
+            <a:endParaRPr lang="en-US" dirty="0" smtClean="0"/>
+          </a:p>
+          <a:p>
+            <a:r>
+              <a:rPr lang="en-US" dirty="0" smtClean="0"/>
+              <a:t>December </a:t>
+            </a:r>
+            <a:r>
               <a:rPr lang="en-US" dirty="0"/>
-              <a:t>This December – Finish combining DOECLIM model with the MCMC model</a:t>
-            </a:r>
+              <a:t>– </a:t>
+            </a:r>
+            <a:endParaRPr lang="en-US" dirty="0" smtClean="0"/>
+          </a:p>
+          <a:p>
+            <a:pPr lvl="1"/>
+            <a:r>
+              <a:rPr lang="en-US" dirty="0" smtClean="0"/>
+              <a:t>Finish </a:t>
+            </a:r>
+            <a:r>
+              <a:rPr lang="en-US" dirty="0"/>
+              <a:t>combining DOECLIM model with the </a:t>
+            </a:r>
+            <a:r>
+              <a:rPr lang="en-US" dirty="0" smtClean="0"/>
+              <a:t>GMSL model and the calibration.</a:t>
+            </a:r>
+          </a:p>
+          <a:p>
+            <a:r>
+              <a:rPr lang="en-US" dirty="0" smtClean="0"/>
+              <a:t>Jan </a:t>
+            </a:r>
+            <a:r>
+              <a:rPr lang="mr-IN" dirty="0" smtClean="0"/>
+              <a:t>–</a:t>
+            </a:r>
+            <a:r>
+              <a:rPr lang="en-US" dirty="0" smtClean="0"/>
+              <a:t> April </a:t>
+            </a:r>
+            <a:r>
+              <a:rPr lang="mr-IN" dirty="0" smtClean="0"/>
+              <a:t>–</a:t>
+            </a:r>
+            <a:r>
+              <a:rPr lang="en-US" dirty="0" smtClean="0"/>
+              <a:t> Experiments and error </a:t>
+            </a:r>
+            <a:r>
+              <a:rPr lang="en-US" smtClean="0"/>
+              <a:t>checking along with write-up.</a:t>
+            </a:r>
+            <a:endParaRPr lang="en-US" dirty="0"/>
           </a:p>
           <a:p>
             <a:r>
@@ -8373,7 +9596,7 @@
           <p:cNvPr id="2" name="Title 1">
             <a:extLst>
               <a:ext uri="{FF2B5EF4-FFF2-40B4-BE49-F238E27FC236}">
-                <a16:creationId xmlns:a16="http://schemas.microsoft.com/office/drawing/2014/main" id="{E22DE6EA-3F5C-474F-A7EA-28C968D928C7}"/>
+                <a16:creationId xmlns:a16="http://schemas.microsoft.com/office/drawing/2014/main" xmlns="" id="{E22DE6EA-3F5C-474F-A7EA-28C968D928C7}"/>
               </a:ext>
             </a:extLst>
           </p:cNvPr>
@@ -8401,7 +9624,7 @@
           <p:cNvPr id="3" name="Content Placeholder 2">
             <a:extLst>
               <a:ext uri="{FF2B5EF4-FFF2-40B4-BE49-F238E27FC236}">
-                <a16:creationId xmlns:a16="http://schemas.microsoft.com/office/drawing/2014/main" id="{3230AD4E-D176-421B-BC59-33FB77F4EEC6}"/>
+                <a16:creationId xmlns:a16="http://schemas.microsoft.com/office/drawing/2014/main" xmlns="" id="{3230AD4E-D176-421B-BC59-33FB77F4EEC6}"/>
               </a:ext>
             </a:extLst>
           </p:cNvPr>
@@ -8429,7 +9652,7 @@
           <p:cNvPr id="5" name="Picture 4" descr="A close up of a map&#10;&#10;Description generated with high confidence">
             <a:extLst>
               <a:ext uri="{FF2B5EF4-FFF2-40B4-BE49-F238E27FC236}">
-                <a16:creationId xmlns:a16="http://schemas.microsoft.com/office/drawing/2014/main" id="{08FDA5AB-AC10-4D16-A31E-560E06A28E45}"/>
+                <a16:creationId xmlns:a16="http://schemas.microsoft.com/office/drawing/2014/main" xmlns="" id="{08FDA5AB-AC10-4D16-A31E-560E06A28E45}"/>
               </a:ext>
             </a:extLst>
           </p:cNvPr>
@@ -8439,7 +9662,7 @@
           <p:nvPr/>
         </p:nvPicPr>
         <p:blipFill>
-          <a:blip r:embed="rId2">
+          <a:blip r:embed="rId3">
             <a:extLst>
               <a:ext uri="{28A0092B-C50C-407E-A947-70E740481C1C}">
                 <a14:useLocalDpi xmlns:a14="http://schemas.microsoft.com/office/drawing/2010/main" val="0"/>
@@ -8465,7 +9688,7 @@
           <p:cNvPr id="6" name="TextBox 5">
             <a:extLst>
               <a:ext uri="{FF2B5EF4-FFF2-40B4-BE49-F238E27FC236}">
-                <a16:creationId xmlns:a16="http://schemas.microsoft.com/office/drawing/2014/main" id="{A752EAE1-821A-4B72-8427-5C229E34A29B}"/>
+                <a16:creationId xmlns:a16="http://schemas.microsoft.com/office/drawing/2014/main" xmlns="" id="{A752EAE1-821A-4B72-8427-5C229E34A29B}"/>
               </a:ext>
             </a:extLst>
           </p:cNvPr>
@@ -8530,7 +9753,7 @@
           <p:cNvPr id="2" name="Title 1">
             <a:extLst>
               <a:ext uri="{FF2B5EF4-FFF2-40B4-BE49-F238E27FC236}">
-                <a16:creationId xmlns:a16="http://schemas.microsoft.com/office/drawing/2014/main" id="{75AFADDB-45DD-488E-AE69-0F8F750774A9}"/>
+                <a16:creationId xmlns:a16="http://schemas.microsoft.com/office/drawing/2014/main" xmlns="" id="{75AFADDB-45DD-488E-AE69-0F8F750774A9}"/>
               </a:ext>
             </a:extLst>
           </p:cNvPr>
@@ -8558,7 +9781,7 @@
           <p:cNvPr id="4" name="Picture 2" descr="http://science.sciencemag.org/content/sci/315/5810/368/F3.large.jpg?width=800&amp;height=600&amp;carousel=1">
             <a:extLst>
               <a:ext uri="{FF2B5EF4-FFF2-40B4-BE49-F238E27FC236}">
-                <a16:creationId xmlns:a16="http://schemas.microsoft.com/office/drawing/2014/main" id="{133AE4AD-3332-44F1-88CD-AAFAC8B6ED67}"/>
+                <a16:creationId xmlns:a16="http://schemas.microsoft.com/office/drawing/2014/main" xmlns="" id="{133AE4AD-3332-44F1-88CD-AAFAC8B6ED67}"/>
               </a:ext>
             </a:extLst>
           </p:cNvPr>
@@ -8568,7 +9791,7 @@
           <p:nvPr/>
         </p:nvPicPr>
         <p:blipFill>
-          <a:blip r:embed="rId2">
+          <a:blip r:embed="rId3">
             <a:extLst>
               <a:ext uri="{28A0092B-C50C-407E-A947-70E740481C1C}">
                 <a14:useLocalDpi xmlns:a14="http://schemas.microsoft.com/office/drawing/2010/main" val="0"/>
@@ -8605,7 +9828,7 @@
           <p:cNvPr id="5" name="TextBox 4">
             <a:extLst>
               <a:ext uri="{FF2B5EF4-FFF2-40B4-BE49-F238E27FC236}">
-                <a16:creationId xmlns:a16="http://schemas.microsoft.com/office/drawing/2014/main" id="{9D916D68-5816-4CE5-877F-89CD9333233B}"/>
+                <a16:creationId xmlns:a16="http://schemas.microsoft.com/office/drawing/2014/main" xmlns="" id="{9D916D68-5816-4CE5-877F-89CD9333233B}"/>
               </a:ext>
             </a:extLst>
           </p:cNvPr>
@@ -8615,7 +9838,7 @@
         <p:spPr>
           <a:xfrm>
             <a:off x="5181600" y="1716505"/>
-            <a:ext cx="6172200" cy="1815882"/>
+            <a:ext cx="6172200" cy="2246769"/>
           </a:xfrm>
           <a:prstGeom prst="rect">
             <a:avLst/>
@@ -8630,7 +9853,23 @@
           <a:p>
             <a:r>
               <a:rPr lang="en-US" sz="2800" dirty="0"/>
-              <a:t>DOECLIM and GMSL: the two of these combined gives a simplified model for how radiative forcing affect temperatures and in effect sea level. </a:t>
+              <a:t>DOECLIM and </a:t>
+            </a:r>
+            <a:r>
+              <a:rPr lang="en-US" sz="2800" dirty="0" smtClean="0"/>
+              <a:t>GMSL model: </a:t>
+            </a:r>
+            <a:r>
+              <a:rPr lang="en-US" sz="2800" dirty="0"/>
+              <a:t>the two of these combined gives a simplified model for how radiative forcing affect temperatures and in </a:t>
+            </a:r>
+            <a:r>
+              <a:rPr lang="en-US" sz="2800" dirty="0" smtClean="0"/>
+              <a:t>turn affects </a:t>
+            </a:r>
+            <a:r>
+              <a:rPr lang="en-US" sz="2800" dirty="0"/>
+              <a:t>sea level. </a:t>
             </a:r>
           </a:p>
         </p:txBody>
@@ -8640,7 +9879,7 @@
           <p:cNvPr id="6" name="TextBox 5">
             <a:extLst>
               <a:ext uri="{FF2B5EF4-FFF2-40B4-BE49-F238E27FC236}">
-                <a16:creationId xmlns:a16="http://schemas.microsoft.com/office/drawing/2014/main" id="{CABACD87-10C4-43ED-A554-2DF860F7584B}"/>
+                <a16:creationId xmlns:a16="http://schemas.microsoft.com/office/drawing/2014/main" xmlns="" id="{CABACD87-10C4-43ED-A554-2DF860F7584B}"/>
               </a:ext>
             </a:extLst>
           </p:cNvPr>
@@ -8711,7 +9950,7 @@
           <p:cNvPr id="4" name="Picture 3">
             <a:extLst>
               <a:ext uri="{FF2B5EF4-FFF2-40B4-BE49-F238E27FC236}">
-                <a16:creationId xmlns:a16="http://schemas.microsoft.com/office/drawing/2014/main" id="{50DC2089-725A-4C88-834A-C66BA229D437}"/>
+                <a16:creationId xmlns:a16="http://schemas.microsoft.com/office/drawing/2014/main" xmlns="" id="{50DC2089-725A-4C88-834A-C66BA229D437}"/>
               </a:ext>
             </a:extLst>
           </p:cNvPr>
@@ -8721,7 +9960,7 @@
           <p:nvPr/>
         </p:nvPicPr>
         <p:blipFill rotWithShape="1">
-          <a:blip r:embed="rId2"/>
+          <a:blip r:embed="rId3"/>
           <a:srcRect l="51556" t="8364" r="4110"/>
           <a:stretch/>
         </p:blipFill>
@@ -8740,7 +9979,7 @@
           <p:cNvPr id="5" name="Picture 4">
             <a:extLst>
               <a:ext uri="{FF2B5EF4-FFF2-40B4-BE49-F238E27FC236}">
-                <a16:creationId xmlns:a16="http://schemas.microsoft.com/office/drawing/2014/main" id="{CD7627A4-9F79-4113-9EF5-906B30973605}"/>
+                <a16:creationId xmlns:a16="http://schemas.microsoft.com/office/drawing/2014/main" xmlns="" id="{CD7627A4-9F79-4113-9EF5-906B30973605}"/>
               </a:ext>
             </a:extLst>
           </p:cNvPr>
@@ -8750,7 +9989,7 @@
           <p:nvPr/>
         </p:nvPicPr>
         <p:blipFill rotWithShape="1">
-          <a:blip r:embed="rId2"/>
+          <a:blip r:embed="rId3"/>
           <a:srcRect l="6431" t="6186" r="49235"/>
           <a:stretch/>
         </p:blipFill>
@@ -8769,7 +10008,7 @@
           <p:cNvPr id="6" name="TextBox 5">
             <a:extLst>
               <a:ext uri="{FF2B5EF4-FFF2-40B4-BE49-F238E27FC236}">
-                <a16:creationId xmlns:a16="http://schemas.microsoft.com/office/drawing/2014/main" id="{45A10F1E-4D5A-4DA1-AB1A-19125F698D7B}"/>
+                <a16:creationId xmlns:a16="http://schemas.microsoft.com/office/drawing/2014/main" xmlns="" id="{45A10F1E-4D5A-4DA1-AB1A-19125F698D7B}"/>
               </a:ext>
             </a:extLst>
           </p:cNvPr>
@@ -8779,7 +10018,7 @@
         <p:spPr>
           <a:xfrm>
             <a:off x="2685417" y="6395978"/>
-            <a:ext cx="6821163" cy="369332"/>
+            <a:ext cx="6813147" cy="646331"/>
           </a:xfrm>
           <a:prstGeom prst="rect">
             <a:avLst/>
@@ -8793,8 +10032,22 @@
           <a:lstStyle/>
           <a:p>
             <a:r>
+              <a:rPr lang="en-US" dirty="0" err="1" smtClean="0"/>
+              <a:t>Kriegler</a:t>
+            </a:r>
+            <a:r>
+              <a:rPr lang="en-US" dirty="0" smtClean="0"/>
+              <a:t> (2005)</a:t>
+            </a:r>
+          </a:p>
+          <a:p>
+            <a:r>
+              <a:rPr lang="en-US" dirty="0" smtClean="0"/>
+              <a:t>https</a:t>
+            </a:r>
+            <a:r>
               <a:rPr lang="en-US" dirty="0"/>
-              <a:t>https://www.pik-potsdam.de/members/edenh/theses/PhDKriegler.pdf</a:t>
+              <a:t>://www.pik-potsdam.de/members/edenh/theses/PhDKriegler.pdf</a:t>
             </a:r>
           </a:p>
         </p:txBody>
@@ -8834,7 +10087,7 @@
           <p:cNvPr id="2" name="Title 1">
             <a:extLst>
               <a:ext uri="{FF2B5EF4-FFF2-40B4-BE49-F238E27FC236}">
-                <a16:creationId xmlns:a16="http://schemas.microsoft.com/office/drawing/2014/main" id="{114DD8FB-57DD-4729-A59E-332E30E6072D}"/>
+                <a16:creationId xmlns:a16="http://schemas.microsoft.com/office/drawing/2014/main" xmlns="" id="{114DD8FB-57DD-4729-A59E-332E30E6072D}"/>
               </a:ext>
             </a:extLst>
           </p:cNvPr>
@@ -8862,7 +10115,7 @@
           <p:cNvPr id="4" name="Picture 3">
             <a:extLst>
               <a:ext uri="{FF2B5EF4-FFF2-40B4-BE49-F238E27FC236}">
-                <a16:creationId xmlns:a16="http://schemas.microsoft.com/office/drawing/2014/main" id="{63DB7D39-4248-42E8-9C50-36770C95852F}"/>
+                <a16:creationId xmlns:a16="http://schemas.microsoft.com/office/drawing/2014/main" xmlns="" id="{63DB7D39-4248-42E8-9C50-36770C95852F}"/>
               </a:ext>
             </a:extLst>
           </p:cNvPr>
@@ -8872,7 +10125,7 @@
           <p:nvPr/>
         </p:nvPicPr>
         <p:blipFill>
-          <a:blip r:embed="rId2"/>
+          <a:blip r:embed="rId3"/>
           <a:stretch>
             <a:fillRect/>
           </a:stretch>
@@ -8892,7 +10145,7 @@
           <p:cNvPr id="3" name="TextBox 2">
             <a:extLst>
               <a:ext uri="{FF2B5EF4-FFF2-40B4-BE49-F238E27FC236}">
-                <a16:creationId xmlns:a16="http://schemas.microsoft.com/office/drawing/2014/main" id="{B7FBE051-D5F9-400C-9044-F20FB63B77D2}"/>
+                <a16:creationId xmlns:a16="http://schemas.microsoft.com/office/drawing/2014/main" xmlns="" id="{B7FBE051-D5F9-400C-9044-F20FB63B77D2}"/>
               </a:ext>
             </a:extLst>
           </p:cNvPr>
@@ -8957,7 +10210,7 @@
           <p:cNvPr id="2" name="Title 1">
             <a:extLst>
               <a:ext uri="{FF2B5EF4-FFF2-40B4-BE49-F238E27FC236}">
-                <a16:creationId xmlns:a16="http://schemas.microsoft.com/office/drawing/2014/main" id="{AD5A2747-C860-4886-B9BB-651841A1DFEC}"/>
+                <a16:creationId xmlns:a16="http://schemas.microsoft.com/office/drawing/2014/main" xmlns="" id="{AD5A2747-C860-4886-B9BB-651841A1DFEC}"/>
               </a:ext>
             </a:extLst>
           </p:cNvPr>
@@ -8987,7 +10240,7 @@
               <p:cNvPr id="3" name="Content Placeholder 2">
                 <a:extLst>
                   <a:ext uri="{FF2B5EF4-FFF2-40B4-BE49-F238E27FC236}">
-                    <a16:creationId xmlns:a16="http://schemas.microsoft.com/office/drawing/2014/main" id="{38720C92-7700-40CA-979E-55B1448F2966}"/>
+                    <a16:creationId xmlns:a16="http://schemas.microsoft.com/office/drawing/2014/main" xmlns="" id="{38720C92-7700-40CA-979E-55B1448F2966}"/>
                   </a:ext>
                 </a:extLst>
               </p:cNvPr>
@@ -9001,7 +10254,7 @@
             <p:spPr/>
             <p:txBody>
               <a:bodyPr>
-                <a:normAutofit fontScale="92500" lnSpcReduction="20000"/>
+                <a:normAutofit lnSpcReduction="10000"/>
               </a:bodyPr>
               <a:lstStyle/>
               <a:p>
@@ -9012,7 +10265,7 @@
                       <m:fPr>
                         <m:ctrlPr>
                           <a:rPr lang="en-US" b="0" i="1" smtClean="0">
-                            <a:latin typeface="Cambria Math" panose="02040503050406030204" pitchFamily="18" charset="0"/>
+                            <a:latin typeface="Cambria Math" charset="0"/>
                           </a:rPr>
                         </m:ctrlPr>
                       </m:fPr>
@@ -9049,7 +10302,7 @@
                       <m:dPr>
                         <m:ctrlPr>
                           <a:rPr lang="en-US" b="0" i="1" smtClean="0">
-                            <a:latin typeface="Cambria Math" panose="02040503050406030204" pitchFamily="18" charset="0"/>
+                            <a:latin typeface="Cambria Math" charset="0"/>
                           </a:rPr>
                         </m:ctrlPr>
                       </m:dPr>
@@ -9064,7 +10317,7 @@
                           <m:dPr>
                             <m:ctrlPr>
                               <a:rPr lang="en-US" b="0" i="1" smtClean="0">
-                                <a:latin typeface="Cambria Math" panose="02040503050406030204" pitchFamily="18" charset="0"/>
+                                <a:latin typeface="Cambria Math" charset="0"/>
                               </a:rPr>
                             </m:ctrlPr>
                           </m:dPr>
@@ -9087,7 +10340,7 @@
                           <m:sSubPr>
                             <m:ctrlPr>
                               <a:rPr lang="en-US" b="0" i="1" smtClean="0">
-                                <a:latin typeface="Cambria Math" panose="02040503050406030204" pitchFamily="18" charset="0"/>
+                                <a:latin typeface="Cambria Math" charset="0"/>
                               </a:rPr>
                             </m:ctrlPr>
                           </m:sSubPr>
@@ -9152,7 +10405,7 @@
                       <m:dPr>
                         <m:ctrlPr>
                           <a:rPr lang="en-US" b="0" i="1" smtClean="0">
-                            <a:latin typeface="Cambria Math" panose="02040503050406030204" pitchFamily="18" charset="0"/>
+                            <a:latin typeface="Cambria Math" charset="0"/>
                           </a:rPr>
                         </m:ctrlPr>
                       </m:dPr>
@@ -9167,7 +10420,7 @@
                           <m:dPr>
                             <m:ctrlPr>
                               <a:rPr lang="en-US" b="0" i="1" smtClean="0">
-                                <a:latin typeface="Cambria Math" panose="02040503050406030204" pitchFamily="18" charset="0"/>
+                                <a:latin typeface="Cambria Math" charset="0"/>
                               </a:rPr>
                             </m:ctrlPr>
                           </m:dPr>
@@ -9190,7 +10443,7 @@
                           <m:sSubPr>
                             <m:ctrlPr>
                               <a:rPr lang="en-US" b="0" i="1" smtClean="0">
-                                <a:latin typeface="Cambria Math" panose="02040503050406030204" pitchFamily="18" charset="0"/>
+                                <a:latin typeface="Cambria Math" charset="0"/>
                               </a:rPr>
                             </m:ctrlPr>
                           </m:sSubPr>
@@ -9225,7 +10478,7 @@
                       <m:sSubPr>
                         <m:ctrlPr>
                           <a:rPr lang="en-US" b="0" i="1" smtClean="0">
-                            <a:latin typeface="Cambria Math" panose="02040503050406030204" pitchFamily="18" charset="0"/>
+                            <a:latin typeface="Cambria Math" charset="0"/>
                           </a:rPr>
                         </m:ctrlPr>
                       </m:sSubPr>
@@ -9262,7 +10515,7 @@
                       <m:sSubPr>
                         <m:ctrlPr>
                           <a:rPr lang="en-US" b="0" i="1" smtClean="0">
-                            <a:latin typeface="Cambria Math" panose="02040503050406030204" pitchFamily="18" charset="0"/>
+                            <a:latin typeface="Cambria Math" charset="0"/>
                           </a:rPr>
                         </m:ctrlPr>
                       </m:sSubPr>
@@ -9320,7 +10573,7 @@
                       <m:dPr>
                         <m:ctrlPr>
                           <a:rPr lang="en-US" b="0" i="1" smtClean="0">
-                            <a:latin typeface="Cambria Math" panose="02040503050406030204" pitchFamily="18" charset="0"/>
+                            <a:latin typeface="Cambria Math" charset="0"/>
                           </a:rPr>
                         </m:ctrlPr>
                       </m:dPr>
@@ -9329,7 +10582,7 @@
                           <m:sSubPr>
                             <m:ctrlPr>
                               <a:rPr lang="en-US" b="0" i="1" smtClean="0">
-                                <a:latin typeface="Cambria Math" panose="02040503050406030204" pitchFamily="18" charset="0"/>
+                                <a:latin typeface="Cambria Math" charset="0"/>
                               </a:rPr>
                             </m:ctrlPr>
                           </m:sSubPr>
@@ -9360,7 +10613,7 @@
                           <m:sSubPr>
                             <m:ctrlPr>
                               <a:rPr lang="en-US" b="0" i="1" smtClean="0">
-                                <a:latin typeface="Cambria Math" panose="02040503050406030204" pitchFamily="18" charset="0"/>
+                                <a:latin typeface="Cambria Math" charset="0"/>
                               </a:rPr>
                             </m:ctrlPr>
                           </m:sSubPr>
@@ -9402,7 +10655,7 @@
                       <m:sSubPr>
                         <m:ctrlPr>
                           <a:rPr lang="en-US" b="0" i="1" smtClean="0">
-                            <a:latin typeface="Cambria Math" panose="02040503050406030204" pitchFamily="18" charset="0"/>
+                            <a:latin typeface="Cambria Math" charset="0"/>
                           </a:rPr>
                         </m:ctrlPr>
                       </m:sSubPr>
@@ -9439,7 +10692,7 @@
                       <m:sSubPr>
                         <m:ctrlPr>
                           <a:rPr lang="en-US" b="0" i="1" smtClean="0">
-                            <a:latin typeface="Cambria Math" panose="02040503050406030204" pitchFamily="18" charset="0"/>
+                            <a:latin typeface="Cambria Math" charset="0"/>
                           </a:rPr>
                         </m:ctrlPr>
                       </m:sSubPr>
@@ -9497,7 +10750,7 @@
                       <m:sSubPr>
                         <m:ctrlPr>
                           <a:rPr lang="en-US" b="0" i="1" smtClean="0">
-                            <a:latin typeface="Cambria Math" panose="02040503050406030204" pitchFamily="18" charset="0"/>
+                            <a:latin typeface="Cambria Math" charset="0"/>
                           </a:rPr>
                         </m:ctrlPr>
                       </m:sSubPr>
@@ -9528,7 +10781,7 @@
                       <m:sSubPr>
                         <m:ctrlPr>
                           <a:rPr lang="en-US" b="0" i="1" smtClean="0">
-                            <a:latin typeface="Cambria Math" panose="02040503050406030204" pitchFamily="18" charset="0"/>
+                            <a:latin typeface="Cambria Math" charset="0"/>
                           </a:rPr>
                         </m:ctrlPr>
                       </m:sSubPr>
@@ -9562,23 +10815,12 @@
               <a:p>
                 <a:pPr lvl="1"/>
                 <a:r>
-                  <a:rPr lang="en-US" b="0" dirty="0"/>
-                  <a:t>Data: Temperature (forcing, NOAA), </a:t>
+                  <a:rPr lang="en-US" b="0" dirty="0" smtClean="0"/>
+                  <a:t>Start </a:t>
                 </a:r>
                 <a:r>
-                  <a:rPr lang="en-US" b="0" dirty="0" err="1"/>
-                  <a:t>Sealevel</a:t>
-                </a:r>
-                <a:r>
-                  <a:rPr lang="en-US" dirty="0"/>
-                  <a:t>: (calibration)</a:t>
-                </a:r>
-              </a:p>
-              <a:p>
-                <a:pPr lvl="1"/>
-                <a:r>
                   <a:rPr lang="en-US" b="0" dirty="0"/>
-                  <a:t>Start Model</a:t>
+                  <a:t>Model</a:t>
                 </a:r>
               </a:p>
               <a:p>
@@ -9589,7 +10831,7 @@
                       <m:sSubPr>
                         <m:ctrlPr>
                           <a:rPr lang="en-US" b="0" i="1" smtClean="0">
-                            <a:latin typeface="Cambria Math" panose="02040503050406030204" pitchFamily="18" charset="0"/>
+                            <a:latin typeface="Cambria Math" charset="0"/>
                           </a:rPr>
                         </m:ctrlPr>
                       </m:sSubPr>
@@ -9620,7 +10862,7 @@
                       <m:sSubPr>
                         <m:ctrlPr>
                           <a:rPr lang="en-US" b="0" i="1" smtClean="0">
-                            <a:latin typeface="Cambria Math" panose="02040503050406030204" pitchFamily="18" charset="0"/>
+                            <a:latin typeface="Cambria Math" charset="0"/>
                           </a:rPr>
                         </m:ctrlPr>
                       </m:sSubPr>
@@ -9657,7 +10899,7 @@
                       <m:dPr>
                         <m:ctrlPr>
                           <a:rPr lang="en-US" b="0" i="1" smtClean="0">
-                            <a:latin typeface="Cambria Math" panose="02040503050406030204" pitchFamily="18" charset="0"/>
+                            <a:latin typeface="Cambria Math" charset="0"/>
                           </a:rPr>
                         </m:ctrlPr>
                       </m:dPr>
@@ -9678,7 +10920,7 @@
                           <m:sSubPr>
                             <m:ctrlPr>
                               <a:rPr lang="en-US" b="0" i="1" smtClean="0">
-                                <a:latin typeface="Cambria Math" panose="02040503050406030204" pitchFamily="18" charset="0"/>
+                                <a:latin typeface="Cambria Math" charset="0"/>
                               </a:rPr>
                             </m:ctrlPr>
                           </m:sSubPr>
@@ -9713,7 +10955,7 @@
                       <m:sSubPr>
                         <m:ctrlPr>
                           <a:rPr lang="en-US" b="0" i="1" smtClean="0">
-                            <a:latin typeface="Cambria Math" panose="02040503050406030204" pitchFamily="18" charset="0"/>
+                            <a:latin typeface="Cambria Math" charset="0"/>
                           </a:rPr>
                         </m:ctrlPr>
                       </m:sSubPr>
@@ -9744,7 +10986,7 @@
                       <m:sSubPr>
                         <m:ctrlPr>
                           <a:rPr lang="en-US" b="0" i="1" smtClean="0">
-                            <a:latin typeface="Cambria Math" panose="02040503050406030204" pitchFamily="18" charset="0"/>
+                            <a:latin typeface="Cambria Math" charset="0"/>
                           </a:rPr>
                         </m:ctrlPr>
                       </m:sSubPr>
@@ -9775,7 +11017,7 @@
                       <m:sSubPr>
                         <m:ctrlPr>
                           <a:rPr lang="en-US" b="0" i="1" smtClean="0">
-                            <a:latin typeface="Cambria Math" panose="02040503050406030204" pitchFamily="18" charset="0"/>
+                            <a:latin typeface="Cambria Math" charset="0"/>
                           </a:rPr>
                         </m:ctrlPr>
                       </m:sSubPr>
@@ -9839,7 +11081,7 @@
                       <m:dPr>
                         <m:ctrlPr>
                           <a:rPr lang="en-US" b="0" i="1" smtClean="0">
-                            <a:latin typeface="Cambria Math" panose="02040503050406030204" pitchFamily="18" charset="0"/>
+                            <a:latin typeface="Cambria Math" charset="0"/>
                           </a:rPr>
                         </m:ctrlPr>
                       </m:dPr>
@@ -9848,7 +11090,7 @@
                           <m:sSubPr>
                             <m:ctrlPr>
                               <a:rPr lang="en-US" b="0" i="1" smtClean="0">
-                                <a:latin typeface="Cambria Math" panose="02040503050406030204" pitchFamily="18" charset="0"/>
+                                <a:latin typeface="Cambria Math" charset="0"/>
                               </a:rPr>
                             </m:ctrlPr>
                           </m:sSubPr>
@@ -9879,7 +11121,7 @@
                           <m:sSubPr>
                             <m:ctrlPr>
                               <a:rPr lang="en-US" b="0" i="1" smtClean="0">
-                                <a:latin typeface="Cambria Math" panose="02040503050406030204" pitchFamily="18" charset="0"/>
+                                <a:latin typeface="Cambria Math" charset="0"/>
                               </a:rPr>
                             </m:ctrlPr>
                           </m:sSubPr>
@@ -9914,7 +11156,7 @@
                       <m:sSubPr>
                         <m:ctrlPr>
                           <a:rPr lang="en-US" b="0" i="1" smtClean="0">
-                            <a:latin typeface="Cambria Math" panose="02040503050406030204" pitchFamily="18" charset="0"/>
+                            <a:latin typeface="Cambria Math" charset="0"/>
                           </a:rPr>
                         </m:ctrlPr>
                       </m:sSubPr>
@@ -9945,7 +11187,7 @@
                       <m:sSubPr>
                         <m:ctrlPr>
                           <a:rPr lang="en-US" b="0" i="1" smtClean="0">
-                            <a:latin typeface="Cambria Math" panose="02040503050406030204" pitchFamily="18" charset="0"/>
+                            <a:latin typeface="Cambria Math" charset="0"/>
                           </a:rPr>
                         </m:ctrlPr>
                       </m:sSubPr>
@@ -9976,7 +11218,7 @@
                       <m:sSubPr>
                         <m:ctrlPr>
                           <a:rPr lang="en-US" b="0" i="1" smtClean="0">
-                            <a:latin typeface="Cambria Math" panose="02040503050406030204" pitchFamily="18" charset="0"/>
+                            <a:latin typeface="Cambria Math" charset="0"/>
                           </a:rPr>
                         </m:ctrlPr>
                       </m:sSubPr>
@@ -10007,7 +11249,7 @@
                       <m:dPr>
                         <m:ctrlPr>
                           <a:rPr lang="en-US" b="0" i="1" smtClean="0">
-                            <a:latin typeface="Cambria Math" panose="02040503050406030204" pitchFamily="18" charset="0"/>
+                            <a:latin typeface="Cambria Math" charset="0"/>
                           </a:rPr>
                         </m:ctrlPr>
                       </m:dPr>
@@ -10016,7 +11258,7 @@
                           <m:sSubPr>
                             <m:ctrlPr>
                               <a:rPr lang="en-US" b="0" i="1" smtClean="0">
-                                <a:latin typeface="Cambria Math" panose="02040503050406030204" pitchFamily="18" charset="0"/>
+                                <a:latin typeface="Cambria Math" charset="0"/>
                               </a:rPr>
                             </m:ctrlPr>
                           </m:sSubPr>
@@ -10047,7 +11289,7 @@
                           <m:sSubPr>
                             <m:ctrlPr>
                               <a:rPr lang="en-US" b="0" i="1" smtClean="0">
-                                <a:latin typeface="Cambria Math" panose="02040503050406030204" pitchFamily="18" charset="0"/>
+                                <a:latin typeface="Cambria Math" charset="0"/>
                               </a:rPr>
                             </m:ctrlPr>
                           </m:sSubPr>
@@ -10082,7 +11324,7 @@
                       <m:sSubPr>
                         <m:ctrlPr>
                           <a:rPr lang="en-US" i="1">
-                            <a:latin typeface="Cambria Math" panose="02040503050406030204" pitchFamily="18" charset="0"/>
+                            <a:latin typeface="Cambria Math" charset="0"/>
                           </a:rPr>
                         </m:ctrlPr>
                       </m:sSubPr>
@@ -10113,7 +11355,7 @@
                       <m:sSubPr>
                         <m:ctrlPr>
                           <a:rPr lang="en-US" i="1">
-                            <a:latin typeface="Cambria Math" panose="02040503050406030204" pitchFamily="18" charset="0"/>
+                            <a:latin typeface="Cambria Math" charset="0"/>
                           </a:rPr>
                         </m:ctrlPr>
                       </m:sSubPr>
@@ -10144,7 +11386,7 @@
                       <m:sSubPr>
                         <m:ctrlPr>
                           <a:rPr lang="en-US" i="1">
-                            <a:latin typeface="Cambria Math" panose="02040503050406030204" pitchFamily="18" charset="0"/>
+                            <a:latin typeface="Cambria Math" charset="0"/>
                           </a:rPr>
                         </m:ctrlPr>
                       </m:sSubPr>
@@ -10214,7 +11456,7 @@
                       <m:dPr>
                         <m:ctrlPr>
                           <a:rPr lang="en-US" i="1">
-                            <a:latin typeface="Cambria Math" panose="02040503050406030204" pitchFamily="18" charset="0"/>
+                            <a:latin typeface="Cambria Math" charset="0"/>
                           </a:rPr>
                         </m:ctrlPr>
                       </m:dPr>
@@ -10223,7 +11465,7 @@
                           <m:sSubPr>
                             <m:ctrlPr>
                               <a:rPr lang="en-US" i="1">
-                                <a:latin typeface="Cambria Math" panose="02040503050406030204" pitchFamily="18" charset="0"/>
+                                <a:latin typeface="Cambria Math" charset="0"/>
                               </a:rPr>
                             </m:ctrlPr>
                           </m:sSubPr>
@@ -10254,7 +11496,7 @@
                           <m:sSubPr>
                             <m:ctrlPr>
                               <a:rPr lang="en-US" i="1">
-                                <a:latin typeface="Cambria Math" panose="02040503050406030204" pitchFamily="18" charset="0"/>
+                                <a:latin typeface="Cambria Math" charset="0"/>
                               </a:rPr>
                             </m:ctrlPr>
                           </m:sSubPr>
@@ -10294,7 +11536,7 @@
               <p:cNvPr id="3" name="Content Placeholder 2">
                 <a:extLst>
                   <a:ext uri="{FF2B5EF4-FFF2-40B4-BE49-F238E27FC236}">
-                    <a16:creationId xmlns:a16="http://schemas.microsoft.com/office/drawing/2014/main" id="{38720C92-7700-40CA-979E-55B1448F2966}"/>
+                    <a16:creationId xmlns:a16="http://schemas.microsoft.com/office/drawing/2014/main" xmlns:a14="http://schemas.microsoft.com/office/drawing/2010/main" xmlns="" id="{38720C92-7700-40CA-979E-55B1448F2966}"/>
                   </a:ext>
                 </a:extLst>
               </p:cNvPr>
@@ -10306,10 +11548,10 @@
               </p:nvPr>
             </p:nvSpPr>
             <p:spPr>
-              <a:blipFill>
-                <a:blip r:embed="rId2"/>
+              <a:blipFill rotWithShape="0">
+                <a:blip r:embed="rId3"/>
                 <a:stretch>
-                  <a:fillRect b="-281"/>
+                  <a:fillRect/>
                 </a:stretch>
               </a:blipFill>
             </p:spPr>
@@ -10360,13 +11602,7 @@
       </p:grpSpPr>
       <p:sp>
         <p:nvSpPr>
-          <p:cNvPr id="2" name="Title 1">
-            <a:extLst>
-              <a:ext uri="{FF2B5EF4-FFF2-40B4-BE49-F238E27FC236}">
-                <a16:creationId xmlns:a16="http://schemas.microsoft.com/office/drawing/2014/main" id="{40634BCA-1476-44E9-9C18-A6E94B4BDCA4}"/>
-              </a:ext>
-            </a:extLst>
-          </p:cNvPr>
+          <p:cNvPr id="2" name="Title 1"/>
           <p:cNvSpPr>
             <a:spLocks noGrp="1"/>
           </p:cNvSpPr>
@@ -10380,21 +11616,16 @@
           <a:lstStyle/>
           <a:p>
             <a:r>
-              <a:rPr lang="en-US" dirty="0"/>
-              <a:t>The MCMC chain</a:t>
-            </a:r>
+              <a:rPr lang="en-US" dirty="0" smtClean="0"/>
+              <a:t>Calibrating the model to the data</a:t>
+            </a:r>
+            <a:endParaRPr lang="en-US" dirty="0"/>
           </a:p>
         </p:txBody>
       </p:sp>
       <p:sp>
         <p:nvSpPr>
-          <p:cNvPr id="3" name="Content Placeholder 2">
-            <a:extLst>
-              <a:ext uri="{FF2B5EF4-FFF2-40B4-BE49-F238E27FC236}">
-                <a16:creationId xmlns:a16="http://schemas.microsoft.com/office/drawing/2014/main" id="{9E8E30CB-2A89-4421-B4B2-A205423CBE8E}"/>
-              </a:ext>
-            </a:extLst>
-          </p:cNvPr>
+          <p:cNvPr id="3" name="Content Placeholder 2"/>
           <p:cNvSpPr>
             <a:spLocks noGrp="1"/>
           </p:cNvSpPr>
@@ -10402,118 +11633,70 @@
             <p:ph idx="1"/>
           </p:nvPr>
         </p:nvSpPr>
-        <p:spPr>
-          <a:xfrm>
-            <a:off x="838200" y="1472700"/>
-            <a:ext cx="10515600" cy="5020173"/>
-          </a:xfrm>
-        </p:spPr>
+        <p:spPr/>
         <p:txBody>
-          <a:bodyPr>
-            <a:normAutofit lnSpcReduction="10000"/>
-          </a:bodyPr>
+          <a:bodyPr/>
           <a:lstStyle/>
           <a:p>
             <a:r>
+              <a:rPr lang="en-US" dirty="0" smtClean="0"/>
+              <a:t>Temperature (from DOWCLIM)</a:t>
+            </a:r>
+          </a:p>
+          <a:p>
+            <a:r>
+              <a:rPr lang="en-US" dirty="0" smtClean="0"/>
+              <a:t>Ocean heat (from DOECLIM)</a:t>
+            </a:r>
+          </a:p>
+          <a:p>
+            <a:r>
+              <a:rPr lang="en-US" dirty="0" err="1" smtClean="0"/>
+              <a:t>Sealevel</a:t>
+            </a:r>
+            <a:r>
+              <a:rPr lang="en-US" dirty="0" smtClean="0"/>
+              <a:t> (from GMSL)</a:t>
+            </a:r>
+          </a:p>
+          <a:p>
+            <a:pPr marL="228600" lvl="1">
+              <a:spcBef>
+                <a:spcPts val="1000"/>
+              </a:spcBef>
+            </a:pPr>
+            <a:r>
               <a:rPr lang="en-US" dirty="0"/>
-              <a:t>We want accurate projections, but along with the projections we also want to characterize the uncertainties</a:t>
-            </a:r>
-          </a:p>
-          <a:p>
+              <a:t>Data: Temperature (forcing, NOAA), </a:t>
+            </a:r>
+            <a:r>
+              <a:rPr lang="en-US" dirty="0" err="1"/>
+              <a:t>Sealevel</a:t>
+            </a:r>
             <a:r>
               <a:rPr lang="en-US" dirty="0"/>
-              <a:t>We’re doing this using MCMC chains - </a:t>
-            </a:r>
-          </a:p>
-          <a:p>
-            <a:r>
-              <a:rPr lang="en-US" dirty="0"/>
-              <a:t>5 parameters in our MCMC chain –</a:t>
-            </a:r>
-          </a:p>
-          <a:p>
-            <a:pPr lvl="1"/>
-            <a:r>
-              <a:rPr lang="en-US" dirty="0"/>
-              <a:t>Alpha (Sea-level Rise)</a:t>
-            </a:r>
-          </a:p>
-          <a:p>
-            <a:pPr lvl="1"/>
-            <a:r>
-              <a:rPr lang="en-US" dirty="0"/>
-              <a:t>Temperature Equilibrium</a:t>
-            </a:r>
-          </a:p>
-          <a:p>
-            <a:pPr lvl="1"/>
-            <a:r>
-              <a:rPr lang="en-US" dirty="0"/>
-              <a:t>Initial sea level value of model</a:t>
-            </a:r>
-          </a:p>
-          <a:p>
-            <a:pPr lvl="1"/>
-            <a:r>
-              <a:rPr lang="en-US" dirty="0"/>
-              <a:t>Rho (Uncertainty in sea-level estimates)</a:t>
-            </a:r>
-          </a:p>
-          <a:p>
-            <a:pPr lvl="1"/>
-            <a:r>
-              <a:rPr lang="en-US" dirty="0"/>
-              <a:t>Uncertainty in AR1 matrix</a:t>
-            </a:r>
-          </a:p>
-          <a:p>
-            <a:r>
-              <a:rPr lang="en-US" dirty="0"/>
-              <a:t>The data that we use for the calibration are the sea-levels from the NOAA dataset. </a:t>
-            </a:r>
-          </a:p>
-          <a:p>
-            <a:r>
-              <a:rPr lang="en-US" dirty="0"/>
-              <a:t>Likelihood function - </a:t>
-            </a:r>
+              <a:t>: (calibration)</a:t>
+            </a:r>
+          </a:p>
+          <a:p>
+            <a:r>
+              <a:rPr lang="en-US" dirty="0" smtClean="0"/>
+              <a:t>Calibrate the model using the above data. </a:t>
+            </a:r>
+          </a:p>
+          <a:p>
+            <a:r>
+              <a:rPr lang="en-US" dirty="0" smtClean="0"/>
+              <a:t>We have to design a likelihood function using these data sets. </a:t>
+            </a:r>
+            <a:endParaRPr lang="en-US" dirty="0"/>
           </a:p>
         </p:txBody>
       </p:sp>
-      <p:pic>
-        <p:nvPicPr>
-          <p:cNvPr id="5" name="Picture 4">
-            <a:extLst>
-              <a:ext uri="{FF2B5EF4-FFF2-40B4-BE49-F238E27FC236}">
-                <a16:creationId xmlns:a16="http://schemas.microsoft.com/office/drawing/2014/main" id="{07C7BC19-A802-4A50-8EC8-83768DA9CA01}"/>
-              </a:ext>
-            </a:extLst>
-          </p:cNvPr>
-          <p:cNvPicPr>
-            <a:picLocks noChangeAspect="1"/>
-          </p:cNvPicPr>
-          <p:nvPr/>
-        </p:nvPicPr>
-        <p:blipFill>
-          <a:blip r:embed="rId2"/>
-          <a:stretch>
-            <a:fillRect/>
-          </a:stretch>
-        </p:blipFill>
-        <p:spPr>
-          <a:xfrm>
-            <a:off x="4435642" y="5542545"/>
-            <a:ext cx="6228656" cy="950328"/>
-          </a:xfrm>
-          <a:prstGeom prst="rect">
-            <a:avLst/>
-          </a:prstGeom>
-        </p:spPr>
-      </p:pic>
     </p:spTree>
     <p:extLst>
       <p:ext uri="{BB962C8B-B14F-4D97-AF65-F5344CB8AC3E}">
-        <p14:creationId xmlns:p14="http://schemas.microsoft.com/office/powerpoint/2010/main" val="1880209011"/>
+        <p14:creationId xmlns:p14="http://schemas.microsoft.com/office/powerpoint/2010/main" val="1804938215"/>
       </p:ext>
     </p:extLst>
   </p:cSld>
@@ -10545,7 +11728,7 @@
           <p:cNvPr id="2" name="Title 1">
             <a:extLst>
               <a:ext uri="{FF2B5EF4-FFF2-40B4-BE49-F238E27FC236}">
-                <a16:creationId xmlns:a16="http://schemas.microsoft.com/office/drawing/2014/main" id="{686C4237-8385-439A-86D4-DF3515A0EB4D}"/>
+                <a16:creationId xmlns:a16="http://schemas.microsoft.com/office/drawing/2014/main" xmlns="" id="{40634BCA-1476-44E9-9C18-A6E94B4BDCA4}"/>
               </a:ext>
             </a:extLst>
           </p:cNvPr>
@@ -10563,153 +11746,126 @@
           <a:p>
             <a:r>
               <a:rPr lang="en-US" dirty="0"/>
-              <a:t>History Plots</a:t>
+              <a:t>The MCMC chain</a:t>
             </a:r>
           </a:p>
         </p:txBody>
       </p:sp>
       <p:sp>
         <p:nvSpPr>
-          <p:cNvPr id="15" name="TextBox 14">
+          <p:cNvPr id="3" name="Content Placeholder 2">
             <a:extLst>
               <a:ext uri="{FF2B5EF4-FFF2-40B4-BE49-F238E27FC236}">
-                <a16:creationId xmlns:a16="http://schemas.microsoft.com/office/drawing/2014/main" id="{CCA3BB48-7BDD-4640-B7B1-9D4A2599EA96}"/>
+                <a16:creationId xmlns:a16="http://schemas.microsoft.com/office/drawing/2014/main" xmlns="" id="{9E8E30CB-2A89-4421-B4B2-A205423CBE8E}"/>
               </a:ext>
             </a:extLst>
           </p:cNvPr>
-          <p:cNvSpPr txBox="1"/>
-          <p:nvPr/>
+          <p:cNvSpPr>
+            <a:spLocks noGrp="1"/>
+          </p:cNvSpPr>
+          <p:nvPr>
+            <p:ph idx="1"/>
+          </p:nvPr>
         </p:nvSpPr>
         <p:spPr>
           <a:xfrm>
-            <a:off x="1609930" y="4899012"/>
-            <a:ext cx="1024639" cy="523220"/>
+            <a:off x="838200" y="1472700"/>
+            <a:ext cx="10515600" cy="5020173"/>
           </a:xfrm>
-          <a:prstGeom prst="rect">
-            <a:avLst/>
-          </a:prstGeom>
-          <a:noFill/>
         </p:spPr>
         <p:txBody>
-          <a:bodyPr wrap="none" rtlCol="0">
-            <a:spAutoFit/>
+          <a:bodyPr>
+            <a:normAutofit fontScale="92500" lnSpcReduction="20000"/>
           </a:bodyPr>
           <a:lstStyle/>
           <a:p>
             <a:r>
-              <a:rPr lang="en-US" sz="2800" dirty="0"/>
-              <a:t>Alpha</a:t>
-            </a:r>
-          </a:p>
-        </p:txBody>
-      </p:sp>
-      <p:sp>
-        <p:nvSpPr>
-          <p:cNvPr id="16" name="TextBox 15">
-            <a:extLst>
-              <a:ext uri="{FF2B5EF4-FFF2-40B4-BE49-F238E27FC236}">
-                <a16:creationId xmlns:a16="http://schemas.microsoft.com/office/drawing/2014/main" id="{DFEC1B2A-71D6-4AAC-8706-45D107249D4C}"/>
-              </a:ext>
-            </a:extLst>
-          </p:cNvPr>
-          <p:cNvSpPr txBox="1"/>
-          <p:nvPr/>
-        </p:nvSpPr>
-        <p:spPr>
-          <a:xfrm>
-            <a:off x="5748725" y="4899012"/>
-            <a:ext cx="694549" cy="523220"/>
-          </a:xfrm>
-          <a:prstGeom prst="rect">
-            <a:avLst/>
-          </a:prstGeom>
-          <a:noFill/>
-        </p:spPr>
-        <p:txBody>
-          <a:bodyPr wrap="none" rtlCol="0">
-            <a:spAutoFit/>
-          </a:bodyPr>
-          <a:lstStyle/>
-          <a:p>
-            <a:r>
-              <a:rPr lang="en-US" sz="2800" dirty="0" err="1"/>
-              <a:t>Teq</a:t>
-            </a:r>
-            <a:endParaRPr lang="en-US" sz="2800" dirty="0"/>
-          </a:p>
-        </p:txBody>
-      </p:sp>
-      <p:sp>
-        <p:nvSpPr>
-          <p:cNvPr id="17" name="TextBox 16">
-            <a:extLst>
-              <a:ext uri="{FF2B5EF4-FFF2-40B4-BE49-F238E27FC236}">
-                <a16:creationId xmlns:a16="http://schemas.microsoft.com/office/drawing/2014/main" id="{4605670E-3745-4450-86CE-AF4751EB3C38}"/>
-              </a:ext>
-            </a:extLst>
-          </p:cNvPr>
-          <p:cNvSpPr txBox="1"/>
-          <p:nvPr/>
-        </p:nvSpPr>
-        <p:spPr>
-          <a:xfrm>
-            <a:off x="9592543" y="4899012"/>
-            <a:ext cx="758541" cy="523220"/>
-          </a:xfrm>
-          <a:prstGeom prst="rect">
-            <a:avLst/>
-          </a:prstGeom>
-          <a:noFill/>
-        </p:spPr>
-        <p:txBody>
-          <a:bodyPr wrap="none" rtlCol="0">
-            <a:spAutoFit/>
-          </a:bodyPr>
-          <a:lstStyle/>
-          <a:p>
-            <a:r>
-              <a:rPr lang="en-US" sz="2800" dirty="0"/>
-              <a:t>Rho</a:t>
+              <a:rPr lang="en-US" dirty="0" smtClean="0"/>
+              <a:t>We want to sample parameters from the posterior distribution. Simple Bayes’ likelihood function. </a:t>
+            </a:r>
+          </a:p>
+          <a:p>
+            <a:r>
+              <a:rPr lang="en-US" dirty="0" smtClean="0"/>
+              <a:t>We </a:t>
+            </a:r>
+            <a:r>
+              <a:rPr lang="en-US" dirty="0"/>
+              <a:t>want accurate projections, but along with the projections we also want to characterize the uncertainties</a:t>
+            </a:r>
+          </a:p>
+          <a:p>
+            <a:r>
+              <a:rPr lang="en-US" dirty="0"/>
+              <a:t>We’re doing this using MCMC chains - </a:t>
+            </a:r>
+          </a:p>
+          <a:p>
+            <a:r>
+              <a:rPr lang="en-US" dirty="0"/>
+              <a:t>5 parameters in our MCMC chain –</a:t>
+            </a:r>
+          </a:p>
+          <a:p>
+            <a:pPr lvl="1"/>
+            <a:r>
+              <a:rPr lang="en-US" dirty="0"/>
+              <a:t>Alpha (Sea-level </a:t>
+            </a:r>
+            <a:r>
+              <a:rPr lang="en-US" dirty="0" smtClean="0"/>
+              <a:t>sensitivity to changes in temp.)</a:t>
+            </a:r>
+            <a:endParaRPr lang="en-US" dirty="0"/>
+          </a:p>
+          <a:p>
+            <a:pPr lvl="1"/>
+            <a:r>
+              <a:rPr lang="en-US" dirty="0"/>
+              <a:t>Temperature Equilibrium</a:t>
+            </a:r>
+          </a:p>
+          <a:p>
+            <a:pPr lvl="1"/>
+            <a:r>
+              <a:rPr lang="en-US" dirty="0"/>
+              <a:t>Initial sea level value of model</a:t>
+            </a:r>
+          </a:p>
+          <a:p>
+            <a:pPr lvl="1"/>
+            <a:r>
+              <a:rPr lang="en-US" dirty="0"/>
+              <a:t>Rho (Uncertainty in sea-level estimates)</a:t>
+            </a:r>
+          </a:p>
+          <a:p>
+            <a:pPr lvl="1"/>
+            <a:r>
+              <a:rPr lang="en-US" dirty="0"/>
+              <a:t>Uncertainty in AR1 matrix</a:t>
+            </a:r>
+          </a:p>
+          <a:p>
+            <a:r>
+              <a:rPr lang="en-US" dirty="0"/>
+              <a:t>The data that we use for the calibration are the sea-levels from the NOAA dataset. </a:t>
+            </a:r>
+          </a:p>
+          <a:p>
+            <a:r>
+              <a:rPr lang="en-US" dirty="0"/>
+              <a:t>Likelihood function - </a:t>
             </a:r>
           </a:p>
         </p:txBody>
       </p:sp>
       <p:pic>
         <p:nvPicPr>
-          <p:cNvPr id="18" name="Picture 17">
+          <p:cNvPr id="5" name="Picture 4">
             <a:extLst>
               <a:ext uri="{FF2B5EF4-FFF2-40B4-BE49-F238E27FC236}">
-                <a16:creationId xmlns:a16="http://schemas.microsoft.com/office/drawing/2014/main" id="{82714EE7-4ED6-4125-8573-761F58ED4771}"/>
-              </a:ext>
-            </a:extLst>
-          </p:cNvPr>
-          <p:cNvPicPr>
-            <a:picLocks noChangeAspect="1"/>
-          </p:cNvPicPr>
-          <p:nvPr/>
-        </p:nvPicPr>
-        <p:blipFill>
-          <a:blip r:embed="rId2"/>
-          <a:stretch>
-            <a:fillRect/>
-          </a:stretch>
-        </p:blipFill>
-        <p:spPr>
-          <a:xfrm>
-            <a:off x="250532" y="1958988"/>
-            <a:ext cx="3743433" cy="2607740"/>
-          </a:xfrm>
-          <a:prstGeom prst="rect">
-            <a:avLst/>
-          </a:prstGeom>
-        </p:spPr>
-      </p:pic>
-      <p:pic>
-        <p:nvPicPr>
-          <p:cNvPr id="19" name="Picture 18">
-            <a:extLst>
-              <a:ext uri="{FF2B5EF4-FFF2-40B4-BE49-F238E27FC236}">
-                <a16:creationId xmlns:a16="http://schemas.microsoft.com/office/drawing/2014/main" id="{B2104F80-1D62-472E-9EF1-AA2529BC8F10}"/>
+                <a16:creationId xmlns:a16="http://schemas.microsoft.com/office/drawing/2014/main" xmlns="" id="{07C7BC19-A802-4A50-8EC8-83768DA9CA01}"/>
               </a:ext>
             </a:extLst>
           </p:cNvPr>
@@ -10726,38 +11882,8 @@
         </p:blipFill>
         <p:spPr>
           <a:xfrm>
-            <a:off x="4147304" y="1958988"/>
-            <a:ext cx="3901718" cy="2607740"/>
-          </a:xfrm>
-          <a:prstGeom prst="rect">
-            <a:avLst/>
-          </a:prstGeom>
-        </p:spPr>
-      </p:pic>
-      <p:pic>
-        <p:nvPicPr>
-          <p:cNvPr id="20" name="Picture 19">
-            <a:extLst>
-              <a:ext uri="{FF2B5EF4-FFF2-40B4-BE49-F238E27FC236}">
-                <a16:creationId xmlns:a16="http://schemas.microsoft.com/office/drawing/2014/main" id="{FACB4D70-AA54-45F5-A0E8-1761E536E2E5}"/>
-              </a:ext>
-            </a:extLst>
-          </p:cNvPr>
-          <p:cNvPicPr>
-            <a:picLocks noChangeAspect="1"/>
-          </p:cNvPicPr>
-          <p:nvPr/>
-        </p:nvPicPr>
-        <p:blipFill>
-          <a:blip r:embed="rId4"/>
-          <a:stretch>
-            <a:fillRect/>
-          </a:stretch>
-        </p:blipFill>
-        <p:spPr>
-          <a:xfrm>
-            <a:off x="8044697" y="1958988"/>
-            <a:ext cx="3854232" cy="2607740"/>
+            <a:off x="4435642" y="5542545"/>
+            <a:ext cx="6228656" cy="950328"/>
           </a:xfrm>
           <a:prstGeom prst="rect">
             <a:avLst/>
@@ -10767,7 +11893,7 @@
     </p:spTree>
     <p:extLst>
       <p:ext uri="{BB962C8B-B14F-4D97-AF65-F5344CB8AC3E}">
-        <p14:creationId xmlns:p14="http://schemas.microsoft.com/office/powerpoint/2010/main" val="3257756258"/>
+        <p14:creationId xmlns:p14="http://schemas.microsoft.com/office/powerpoint/2010/main" val="1880209011"/>
       </p:ext>
     </p:extLst>
   </p:cSld>
@@ -10799,7 +11925,7 @@
           <p:cNvPr id="2" name="Title 1">
             <a:extLst>
               <a:ext uri="{FF2B5EF4-FFF2-40B4-BE49-F238E27FC236}">
-                <a16:creationId xmlns:a16="http://schemas.microsoft.com/office/drawing/2014/main" id="{4642D8FD-5E3D-4045-B506-E80DB9941D5A}"/>
+                <a16:creationId xmlns:a16="http://schemas.microsoft.com/office/drawing/2014/main" xmlns="" id="{686C4237-8385-439A-86D4-DF3515A0EB4D}"/>
               </a:ext>
             </a:extLst>
           </p:cNvPr>
@@ -10817,17 +11943,123 @@
           <a:p>
             <a:r>
               <a:rPr lang="en-US" dirty="0"/>
-              <a:t>Gelman-Rubin Diagnostic</a:t>
+              <a:t>History Plots</a:t>
+            </a:r>
+          </a:p>
+        </p:txBody>
+      </p:sp>
+      <p:sp>
+        <p:nvSpPr>
+          <p:cNvPr id="15" name="TextBox 14">
+            <a:extLst>
+              <a:ext uri="{FF2B5EF4-FFF2-40B4-BE49-F238E27FC236}">
+                <a16:creationId xmlns:a16="http://schemas.microsoft.com/office/drawing/2014/main" xmlns="" id="{CCA3BB48-7BDD-4640-B7B1-9D4A2599EA96}"/>
+              </a:ext>
+            </a:extLst>
+          </p:cNvPr>
+          <p:cNvSpPr txBox="1"/>
+          <p:nvPr/>
+        </p:nvSpPr>
+        <p:spPr>
+          <a:xfrm>
+            <a:off x="1609930" y="4899012"/>
+            <a:ext cx="1024639" cy="523220"/>
+          </a:xfrm>
+          <a:prstGeom prst="rect">
+            <a:avLst/>
+          </a:prstGeom>
+          <a:noFill/>
+        </p:spPr>
+        <p:txBody>
+          <a:bodyPr wrap="none" rtlCol="0">
+            <a:spAutoFit/>
+          </a:bodyPr>
+          <a:lstStyle/>
+          <a:p>
+            <a:r>
+              <a:rPr lang="en-US" sz="2800" dirty="0"/>
+              <a:t>Alpha</a:t>
+            </a:r>
+          </a:p>
+        </p:txBody>
+      </p:sp>
+      <p:sp>
+        <p:nvSpPr>
+          <p:cNvPr id="16" name="TextBox 15">
+            <a:extLst>
+              <a:ext uri="{FF2B5EF4-FFF2-40B4-BE49-F238E27FC236}">
+                <a16:creationId xmlns:a16="http://schemas.microsoft.com/office/drawing/2014/main" xmlns="" id="{DFEC1B2A-71D6-4AAC-8706-45D107249D4C}"/>
+              </a:ext>
+            </a:extLst>
+          </p:cNvPr>
+          <p:cNvSpPr txBox="1"/>
+          <p:nvPr/>
+        </p:nvSpPr>
+        <p:spPr>
+          <a:xfrm>
+            <a:off x="5748725" y="4899012"/>
+            <a:ext cx="694549" cy="523220"/>
+          </a:xfrm>
+          <a:prstGeom prst="rect">
+            <a:avLst/>
+          </a:prstGeom>
+          <a:noFill/>
+        </p:spPr>
+        <p:txBody>
+          <a:bodyPr wrap="none" rtlCol="0">
+            <a:spAutoFit/>
+          </a:bodyPr>
+          <a:lstStyle/>
+          <a:p>
+            <a:r>
+              <a:rPr lang="en-US" sz="2800" dirty="0" err="1"/>
+              <a:t>Teq</a:t>
+            </a:r>
+            <a:endParaRPr lang="en-US" sz="2800" dirty="0"/>
+          </a:p>
+        </p:txBody>
+      </p:sp>
+      <p:sp>
+        <p:nvSpPr>
+          <p:cNvPr id="17" name="TextBox 16">
+            <a:extLst>
+              <a:ext uri="{FF2B5EF4-FFF2-40B4-BE49-F238E27FC236}">
+                <a16:creationId xmlns:a16="http://schemas.microsoft.com/office/drawing/2014/main" xmlns="" id="{4605670E-3745-4450-86CE-AF4751EB3C38}"/>
+              </a:ext>
+            </a:extLst>
+          </p:cNvPr>
+          <p:cNvSpPr txBox="1"/>
+          <p:nvPr/>
+        </p:nvSpPr>
+        <p:spPr>
+          <a:xfrm>
+            <a:off x="9592543" y="4899012"/>
+            <a:ext cx="758541" cy="523220"/>
+          </a:xfrm>
+          <a:prstGeom prst="rect">
+            <a:avLst/>
+          </a:prstGeom>
+          <a:noFill/>
+        </p:spPr>
+        <p:txBody>
+          <a:bodyPr wrap="none" rtlCol="0">
+            <a:spAutoFit/>
+          </a:bodyPr>
+          <a:lstStyle/>
+          <a:p>
+            <a:r>
+              <a:rPr lang="en-US" sz="2800" dirty="0"/>
+              <a:t>Rho</a:t>
             </a:r>
           </a:p>
         </p:txBody>
       </p:sp>
       <p:pic>
         <p:nvPicPr>
-          <p:cNvPr id="6" name="Picture 5">
+          <p:cNvPr id="18" name="Picture 17">
             <a:extLst>
               <a:ext uri="{FF2B5EF4-FFF2-40B4-BE49-F238E27FC236}">
-                <a16:creationId xmlns:a16="http://schemas.microsoft.com/office/drawing/2014/main" id="{78618CFB-AD78-42C9-ABE2-65EC0953947F}"/>
+                <a16:creationId xmlns:a16="http://schemas.microsoft.com/office/drawing/2014/main" xmlns="" id="{82714EE7-4ED6-4125-8573-761F58ED4771}"/>
               </a:ext>
             </a:extLst>
           </p:cNvPr>
@@ -10844,8 +12076,68 @@
         </p:blipFill>
         <p:spPr>
           <a:xfrm>
-            <a:off x="2807368" y="1644785"/>
-            <a:ext cx="6577263" cy="4605369"/>
+            <a:off x="250532" y="1958988"/>
+            <a:ext cx="3743433" cy="2607740"/>
+          </a:xfrm>
+          <a:prstGeom prst="rect">
+            <a:avLst/>
+          </a:prstGeom>
+        </p:spPr>
+      </p:pic>
+      <p:pic>
+        <p:nvPicPr>
+          <p:cNvPr id="19" name="Picture 18">
+            <a:extLst>
+              <a:ext uri="{FF2B5EF4-FFF2-40B4-BE49-F238E27FC236}">
+                <a16:creationId xmlns:a16="http://schemas.microsoft.com/office/drawing/2014/main" xmlns="" id="{B2104F80-1D62-472E-9EF1-AA2529BC8F10}"/>
+              </a:ext>
+            </a:extLst>
+          </p:cNvPr>
+          <p:cNvPicPr>
+            <a:picLocks noChangeAspect="1"/>
+          </p:cNvPicPr>
+          <p:nvPr/>
+        </p:nvPicPr>
+        <p:blipFill>
+          <a:blip r:embed="rId3"/>
+          <a:stretch>
+            <a:fillRect/>
+          </a:stretch>
+        </p:blipFill>
+        <p:spPr>
+          <a:xfrm>
+            <a:off x="4147304" y="1958988"/>
+            <a:ext cx="3901718" cy="2607740"/>
+          </a:xfrm>
+          <a:prstGeom prst="rect">
+            <a:avLst/>
+          </a:prstGeom>
+        </p:spPr>
+      </p:pic>
+      <p:pic>
+        <p:nvPicPr>
+          <p:cNvPr id="20" name="Picture 19">
+            <a:extLst>
+              <a:ext uri="{FF2B5EF4-FFF2-40B4-BE49-F238E27FC236}">
+                <a16:creationId xmlns:a16="http://schemas.microsoft.com/office/drawing/2014/main" xmlns="" id="{FACB4D70-AA54-45F5-A0E8-1761E536E2E5}"/>
+              </a:ext>
+            </a:extLst>
+          </p:cNvPr>
+          <p:cNvPicPr>
+            <a:picLocks noChangeAspect="1"/>
+          </p:cNvPicPr>
+          <p:nvPr/>
+        </p:nvPicPr>
+        <p:blipFill>
+          <a:blip r:embed="rId4"/>
+          <a:stretch>
+            <a:fillRect/>
+          </a:stretch>
+        </p:blipFill>
+        <p:spPr>
+          <a:xfrm>
+            <a:off x="8044697" y="1958988"/>
+            <a:ext cx="3854232" cy="2607740"/>
           </a:xfrm>
           <a:prstGeom prst="rect">
             <a:avLst/>
@@ -10855,7 +12147,7 @@
     </p:spTree>
     <p:extLst>
       <p:ext uri="{BB962C8B-B14F-4D97-AF65-F5344CB8AC3E}">
-        <p14:creationId xmlns:p14="http://schemas.microsoft.com/office/powerpoint/2010/main" val="38865976"/>
+        <p14:creationId xmlns:p14="http://schemas.microsoft.com/office/powerpoint/2010/main" val="3257756258"/>
       </p:ext>
     </p:extLst>
   </p:cSld>
@@ -11158,4 +12450,265 @@
     </a:ext>
   </a:extLst>
 </a:theme>
+</file>
+
+<file path=ppt/theme/theme2.xml><?xml version="1.0" encoding="utf-8"?>
+<a:theme xmlns:a="http://schemas.openxmlformats.org/drawingml/2006/main" name="Office Theme">
+  <a:themeElements>
+    <a:clrScheme name="Office">
+      <a:dk1>
+        <a:sysClr val="windowText" lastClr="000000"/>
+      </a:dk1>
+      <a:lt1>
+        <a:sysClr val="window" lastClr="FFFFFF"/>
+      </a:lt1>
+      <a:dk2>
+        <a:srgbClr val="44546A"/>
+      </a:dk2>
+      <a:lt2>
+        <a:srgbClr val="E7E6E6"/>
+      </a:lt2>
+      <a:accent1>
+        <a:srgbClr val="4472C4"/>
+      </a:accent1>
+      <a:accent2>
+        <a:srgbClr val="ED7D31"/>
+      </a:accent2>
+      <a:accent3>
+        <a:srgbClr val="A5A5A5"/>
+      </a:accent3>
+      <a:accent4>
+        <a:srgbClr val="FFC000"/>
+      </a:accent4>
+      <a:accent5>
+        <a:srgbClr val="5B9BD5"/>
+      </a:accent5>
+      <a:accent6>
+        <a:srgbClr val="70AD47"/>
+      </a:accent6>
+      <a:hlink>
+        <a:srgbClr val="0563C1"/>
+      </a:hlink>
+      <a:folHlink>
+        <a:srgbClr val="954F72"/>
+      </a:folHlink>
+    </a:clrScheme>
+    <a:fontScheme name="Office">
+      <a:majorFont>
+        <a:latin typeface="Calibri Light" panose="020F0302020204030204"/>
+        <a:ea typeface=""/>
+        <a:cs typeface=""/>
+        <a:font script="Jpan" typeface="Yu Gothic Light"/>
+        <a:font script="Hang" typeface="맑은 고딕"/>
+        <a:font script="Hans" typeface="DengXian Light"/>
+        <a:font script="Hant" typeface="新細明體"/>
+        <a:font script="Arab" typeface="Times New Roman"/>
+        <a:font script="Hebr" typeface="Times New Roman"/>
+        <a:font script="Thai" typeface="Angsana New"/>
+        <a:font script="Ethi" typeface="Nyala"/>
+        <a:font script="Beng" typeface="Vrinda"/>
+        <a:font script="Gujr" typeface="Shruti"/>
+        <a:font script="Khmr" typeface="MoolBoran"/>
+        <a:font script="Knda" typeface="Tunga"/>
+        <a:font script="Guru" typeface="Raavi"/>
+        <a:font script="Cans" typeface="Euphemia"/>
+        <a:font script="Cher" typeface="Plantagenet Cherokee"/>
+        <a:font script="Yiii" typeface="Microsoft Yi Baiti"/>
+        <a:font script="Tibt" typeface="Microsoft Himalaya"/>
+        <a:font script="Thaa" typeface="MV Boli"/>
+        <a:font script="Deva" typeface="Mangal"/>
+        <a:font script="Telu" typeface="Gautami"/>
+        <a:font script="Taml" typeface="Latha"/>
+        <a:font script="Syrc" typeface="Estrangelo Edessa"/>
+        <a:font script="Orya" typeface="Kalinga"/>
+        <a:font script="Mlym" typeface="Kartika"/>
+        <a:font script="Laoo" typeface="DokChampa"/>
+        <a:font script="Sinh" typeface="Iskoola Pota"/>
+        <a:font script="Mong" typeface="Mongolian Baiti"/>
+        <a:font script="Viet" typeface="Times New Roman"/>
+        <a:font script="Uigh" typeface="Microsoft Uighur"/>
+        <a:font script="Geor" typeface="Sylfaen"/>
+      </a:majorFont>
+      <a:minorFont>
+        <a:latin typeface="Calibri" panose="020F0502020204030204"/>
+        <a:ea typeface=""/>
+        <a:cs typeface=""/>
+        <a:font script="Jpan" typeface="Yu Gothic"/>
+        <a:font script="Hang" typeface="맑은 고딕"/>
+        <a:font script="Hans" typeface="DengXian"/>
+        <a:font script="Hant" typeface="新細明體"/>
+        <a:font script="Arab" typeface="Arial"/>
+        <a:font script="Hebr" typeface="Arial"/>
+        <a:font script="Thai" typeface="Cordia New"/>
+        <a:font script="Ethi" typeface="Nyala"/>
+        <a:font script="Beng" typeface="Vrinda"/>
+        <a:font script="Gujr" typeface="Shruti"/>
+        <a:font script="Khmr" typeface="DaunPenh"/>
+        <a:font script="Knda" typeface="Tunga"/>
+        <a:font script="Guru" typeface="Raavi"/>
+        <a:font script="Cans" typeface="Euphemia"/>
+        <a:font script="Cher" typeface="Plantagenet Cherokee"/>
+        <a:font script="Yiii" typeface="Microsoft Yi Baiti"/>
+        <a:font script="Tibt" typeface="Microsoft Himalaya"/>
+        <a:font script="Thaa" typeface="MV Boli"/>
+        <a:font script="Deva" typeface="Mangal"/>
+        <a:font script="Telu" typeface="Gautami"/>
+        <a:font script="Taml" typeface="Latha"/>
+        <a:font script="Syrc" typeface="Estrangelo Edessa"/>
+        <a:font script="Orya" typeface="Kalinga"/>
+        <a:font script="Mlym" typeface="Kartika"/>
+        <a:font script="Laoo" typeface="DokChampa"/>
+        <a:font script="Sinh" typeface="Iskoola Pota"/>
+        <a:font script="Mong" typeface="Mongolian Baiti"/>
+        <a:font script="Viet" typeface="Arial"/>
+        <a:font script="Uigh" typeface="Microsoft Uighur"/>
+        <a:font script="Geor" typeface="Sylfaen"/>
+      </a:minorFont>
+    </a:fontScheme>
+    <a:fmtScheme name="Office">
+      <a:fillStyleLst>
+        <a:solidFill>
+          <a:schemeClr val="phClr"/>
+        </a:solidFill>
+        <a:gradFill rotWithShape="1">
+          <a:gsLst>
+            <a:gs pos="0">
+              <a:schemeClr val="phClr">
+                <a:lumMod val="110000"/>
+                <a:satMod val="105000"/>
+                <a:tint val="67000"/>
+              </a:schemeClr>
+            </a:gs>
+            <a:gs pos="50000">
+              <a:schemeClr val="phClr">
+                <a:lumMod val="105000"/>
+                <a:satMod val="103000"/>
+                <a:tint val="73000"/>
+              </a:schemeClr>
+            </a:gs>
+            <a:gs pos="100000">
+              <a:schemeClr val="phClr">
+                <a:lumMod val="105000"/>
+                <a:satMod val="109000"/>
+                <a:tint val="81000"/>
+              </a:schemeClr>
+            </a:gs>
+          </a:gsLst>
+          <a:lin ang="5400000" scaled="0"/>
+        </a:gradFill>
+        <a:gradFill rotWithShape="1">
+          <a:gsLst>
+            <a:gs pos="0">
+              <a:schemeClr val="phClr">
+                <a:satMod val="103000"/>
+                <a:lumMod val="102000"/>
+                <a:tint val="94000"/>
+              </a:schemeClr>
+            </a:gs>
+            <a:gs pos="50000">
+              <a:schemeClr val="phClr">
+                <a:satMod val="110000"/>
+                <a:lumMod val="100000"/>
+                <a:shade val="100000"/>
+              </a:schemeClr>
+            </a:gs>
+            <a:gs pos="100000">
+              <a:schemeClr val="phClr">
+                <a:lumMod val="99000"/>
+                <a:satMod val="120000"/>
+                <a:shade val="78000"/>
+              </a:schemeClr>
+            </a:gs>
+          </a:gsLst>
+          <a:lin ang="5400000" scaled="0"/>
+        </a:gradFill>
+      </a:fillStyleLst>
+      <a:lnStyleLst>
+        <a:ln w="6350" cap="flat" cmpd="sng" algn="ctr">
+          <a:solidFill>
+            <a:schemeClr val="phClr"/>
+          </a:solidFill>
+          <a:prstDash val="solid"/>
+          <a:miter lim="800000"/>
+        </a:ln>
+        <a:ln w="12700" cap="flat" cmpd="sng" algn="ctr">
+          <a:solidFill>
+            <a:schemeClr val="phClr"/>
+          </a:solidFill>
+          <a:prstDash val="solid"/>
+          <a:miter lim="800000"/>
+        </a:ln>
+        <a:ln w="19050" cap="flat" cmpd="sng" algn="ctr">
+          <a:solidFill>
+            <a:schemeClr val="phClr"/>
+          </a:solidFill>
+          <a:prstDash val="solid"/>
+          <a:miter lim="800000"/>
+        </a:ln>
+      </a:lnStyleLst>
+      <a:effectStyleLst>
+        <a:effectStyle>
+          <a:effectLst/>
+        </a:effectStyle>
+        <a:effectStyle>
+          <a:effectLst/>
+        </a:effectStyle>
+        <a:effectStyle>
+          <a:effectLst>
+            <a:outerShdw blurRad="57150" dist="19050" dir="5400000" algn="ctr" rotWithShape="0">
+              <a:srgbClr val="000000">
+                <a:alpha val="63000"/>
+              </a:srgbClr>
+            </a:outerShdw>
+          </a:effectLst>
+        </a:effectStyle>
+      </a:effectStyleLst>
+      <a:bgFillStyleLst>
+        <a:solidFill>
+          <a:schemeClr val="phClr"/>
+        </a:solidFill>
+        <a:solidFill>
+          <a:schemeClr val="phClr">
+            <a:tint val="95000"/>
+            <a:satMod val="170000"/>
+          </a:schemeClr>
+        </a:solidFill>
+        <a:gradFill rotWithShape="1">
+          <a:gsLst>
+            <a:gs pos="0">
+              <a:schemeClr val="phClr">
+                <a:tint val="93000"/>
+                <a:satMod val="150000"/>
+                <a:shade val="98000"/>
+                <a:lumMod val="102000"/>
+              </a:schemeClr>
+            </a:gs>
+            <a:gs pos="50000">
+              <a:schemeClr val="phClr">
+                <a:tint val="98000"/>
+                <a:satMod val="130000"/>
+                <a:shade val="90000"/>
+                <a:lumMod val="103000"/>
+              </a:schemeClr>
+            </a:gs>
+            <a:gs pos="100000">
+              <a:schemeClr val="phClr">
+                <a:shade val="63000"/>
+                <a:satMod val="120000"/>
+              </a:schemeClr>
+            </a:gs>
+          </a:gsLst>
+          <a:lin ang="5400000" scaled="0"/>
+        </a:gradFill>
+      </a:bgFillStyleLst>
+    </a:fmtScheme>
+  </a:themeElements>
+  <a:objectDefaults/>
+  <a:extraClrSchemeLst/>
+  <a:extLst>
+    <a:ext uri="{05A4C25C-085E-4340-85A3-A5531E510DB2}">
+      <thm15:themeFamily xmlns:thm15="http://schemas.microsoft.com/office/thememl/2012/main" name="Office Theme" id="{62F939B6-93AF-4DB8-9C6B-D6C7DFDC589F}" vid="{4A3C46E8-61CC-4603-A589-7422A47A8E4A}"/>
+    </a:ext>
+  </a:extLst>
+</a:theme>
 </file>
--- a/Mid Semester Presentation.pptx
+++ b/Mid Semester Presentation.pptx
@@ -5,7 +5,7 @@
     <p:sldMasterId id="2147483672" r:id="rId1"/>
   </p:sldMasterIdLst>
   <p:notesMasterIdLst>
-    <p:notesMasterId r:id="rId17"/>
+    <p:notesMasterId r:id="rId18"/>
   </p:notesMasterIdLst>
   <p:sldIdLst>
     <p:sldId id="256" r:id="rId2"/>
@@ -18,11 +18,12 @@
     <p:sldId id="270" r:id="rId9"/>
     <p:sldId id="272" r:id="rId10"/>
     <p:sldId id="273" r:id="rId11"/>
-    <p:sldId id="266" r:id="rId12"/>
-    <p:sldId id="267" r:id="rId13"/>
-    <p:sldId id="271" r:id="rId14"/>
+    <p:sldId id="267" r:id="rId12"/>
+    <p:sldId id="271" r:id="rId13"/>
+    <p:sldId id="275" r:id="rId14"/>
     <p:sldId id="257" r:id="rId15"/>
     <p:sldId id="259" r:id="rId16"/>
+    <p:sldId id="266" r:id="rId17"/>
   </p:sldIdLst>
   <p:sldSz cx="12192000" cy="6858000"/>
   <p:notesSz cx="6858000" cy="9144000"/>
@@ -132,27 +133,9 @@
 <file path=ppt/commentAuthors.xml><?xml version="1.0" encoding="utf-8"?>
 <p:cmAuthorLst xmlns:a="http://schemas.openxmlformats.org/drawingml/2006/main" xmlns:r="http://schemas.openxmlformats.org/officeDocument/2006/relationships" xmlns:p="http://schemas.openxmlformats.org/presentationml/2006/main">
   <p:cmAuthor id="1" name="Anthony E Wong" initials="AEW" lastIdx="1" clrIdx="0">
-    <p:extLst>
-      <p:ext uri="{19B8F6BF-5375-455C-9EA6-DF929625EA0E}">
-        <p15:presenceInfo xmlns:p15="http://schemas.microsoft.com/office/powerpoint/2012/main" userId="" providerId=""/>
-      </p:ext>
-    </p:extLst>
+    <p:extLst/>
   </p:cmAuthor>
 </p:cmAuthorLst>
-</file>
-
-<file path=ppt/comments/comment1.xml><?xml version="1.0" encoding="utf-8"?>
-<p:cmLst xmlns:a="http://schemas.openxmlformats.org/drawingml/2006/main" xmlns:r="http://schemas.openxmlformats.org/officeDocument/2006/relationships" xmlns:p="http://schemas.openxmlformats.org/presentationml/2006/main">
-  <p:cm authorId="1" dt="2018-10-24T16:54:48.547" idx="1">
-    <p:pos x="10" y="10"/>
-    <p:text/>
-    <p:extLst>
-      <p:ext uri="{C676402C-5697-4E1C-873F-D02D1690AC5C}">
-        <p15:threadingInfo xmlns:p15="http://schemas.microsoft.com/office/powerpoint/2012/main" timeZoneBias="360"/>
-      </p:ext>
-    </p:extLst>
-  </p:cm>
-</p:cmLst>
 </file>
 
 <file path=ppt/notesMasters/notesMaster1.xml><?xml version="1.0" encoding="utf-8"?>
@@ -237,7 +220,7 @@
           <a:p>
             <a:fld id="{BAA960FA-F8F2-8342-92CA-A28CCF2F2744}" type="datetimeFigureOut">
               <a:rPr lang="en-US" smtClean="0"/>
-              <a:t>10/24/18</a:t>
+              <a:t>10/24/2018</a:t>
             </a:fld>
             <a:endParaRPr lang="en-US"/>
           </a:p>
@@ -301,38 +284,37 @@
           <a:p>
             <a:pPr lvl="0"/>
             <a:r>
-              <a:rPr lang="en-US" smtClean="0"/>
+              <a:rPr lang="en-US"/>
               <a:t>Click to edit Master text styles</a:t>
             </a:r>
           </a:p>
           <a:p>
             <a:pPr lvl="1"/>
             <a:r>
-              <a:rPr lang="en-US" smtClean="0"/>
+              <a:rPr lang="en-US"/>
               <a:t>Second level</a:t>
             </a:r>
           </a:p>
           <a:p>
             <a:pPr lvl="2"/>
             <a:r>
-              <a:rPr lang="en-US" smtClean="0"/>
+              <a:rPr lang="en-US"/>
               <a:t>Third level</a:t>
             </a:r>
           </a:p>
           <a:p>
             <a:pPr lvl="3"/>
             <a:r>
-              <a:rPr lang="en-US" smtClean="0"/>
+              <a:rPr lang="en-US"/>
               <a:t>Fourth level</a:t>
             </a:r>
           </a:p>
           <a:p>
             <a:pPr lvl="4"/>
             <a:r>
-              <a:rPr lang="en-US" smtClean="0"/>
+              <a:rPr lang="en-US"/>
               <a:t>Fifth level</a:t>
             </a:r>
-            <a:endParaRPr lang="en-US"/>
           </a:p>
         </p:txBody>
       </p:sp>
@@ -634,11 +616,11 @@
           <a:lstStyle/>
           <a:p>
             <a:r>
-              <a:rPr lang="en-US" dirty="0" smtClean="0"/>
+              <a:rPr lang="en-US" dirty="0"/>
               <a:t>Add legend,</a:t>
             </a:r>
             <a:r>
-              <a:rPr lang="en-US" baseline="0" dirty="0" smtClean="0"/>
+              <a:rPr lang="en-US" baseline="0" dirty="0"/>
               <a:t> reference. </a:t>
             </a:r>
             <a:endParaRPr lang="en-US" dirty="0"/>
@@ -726,10 +708,9 @@
           <a:lstStyle/>
           <a:p>
             <a:r>
-              <a:rPr lang="en-US" dirty="0" smtClean="0"/>
+              <a:rPr lang="en-US" dirty="0"/>
               <a:t>Remove this slide. Replace with RCP scenario plot and discussion (Moss et al 2010 pdf from tony)</a:t>
             </a:r>
-            <a:endParaRPr lang="en-US" dirty="0"/>
           </a:p>
         </p:txBody>
       </p:sp>
@@ -814,11 +795,11 @@
           <a:lstStyle/>
           <a:p>
             <a:r>
-              <a:rPr lang="en-US" dirty="0" smtClean="0"/>
+              <a:rPr lang="en-US" dirty="0"/>
               <a:t>Make the connection between radiative forcing</a:t>
             </a:r>
             <a:r>
-              <a:rPr lang="en-US" baseline="0" dirty="0" smtClean="0"/>
+              <a:rPr lang="en-US" baseline="0" dirty="0"/>
               <a:t> and this slide. </a:t>
             </a:r>
             <a:endParaRPr lang="en-US" dirty="0"/>
@@ -906,18 +887,17 @@
           <a:lstStyle/>
           <a:p>
             <a:r>
-              <a:rPr lang="en-US" dirty="0" smtClean="0"/>
+              <a:rPr lang="en-US" dirty="0"/>
               <a:t>add reference to </a:t>
             </a:r>
             <a:r>
-              <a:rPr lang="en-US" dirty="0" err="1" smtClean="0"/>
+              <a:rPr lang="en-US" dirty="0" err="1"/>
               <a:t>Rahmstorf</a:t>
             </a:r>
             <a:r>
-              <a:rPr lang="en-US" dirty="0" smtClean="0"/>
+              <a:rPr lang="en-US" dirty="0"/>
               <a:t> 2007 (Science paper)</a:t>
             </a:r>
-            <a:endParaRPr lang="en-US" dirty="0"/>
           </a:p>
         </p:txBody>
       </p:sp>
@@ -1002,19 +982,19 @@
           <a:lstStyle/>
           <a:p>
             <a:r>
-              <a:rPr lang="en-US" dirty="0" smtClean="0"/>
+              <a:rPr lang="en-US" dirty="0"/>
               <a:t>We want to characterize the uncertainty on our projections. </a:t>
             </a:r>
             <a:r>
-              <a:rPr lang="en-US" dirty="0" err="1" smtClean="0"/>
+              <a:rPr lang="en-US" dirty="0" err="1"/>
               <a:t>sigma_i</a:t>
             </a:r>
             <a:r>
-              <a:rPr lang="en-US" dirty="0" smtClean="0"/>
+              <a:rPr lang="en-US" dirty="0"/>
               <a:t> in figure (likelihood). Change</a:t>
             </a:r>
             <a:r>
-              <a:rPr lang="en-US" baseline="0" dirty="0" smtClean="0"/>
+              <a:rPr lang="en-US" baseline="0" dirty="0"/>
               <a:t> likelihood to include AR1 sigma.</a:t>
             </a:r>
             <a:endParaRPr lang="en-US" dirty="0"/>
@@ -1102,19 +1082,19 @@
           <a:lstStyle/>
           <a:p>
             <a:r>
-              <a:rPr lang="en-US" dirty="0" smtClean="0"/>
+              <a:rPr lang="en-US" dirty="0"/>
               <a:t>Just show the residual</a:t>
             </a:r>
             <a:r>
-              <a:rPr lang="en-US" baseline="0" dirty="0" smtClean="0"/>
+              <a:rPr lang="en-US" baseline="0" dirty="0"/>
               <a:t> </a:t>
             </a:r>
             <a:r>
-              <a:rPr lang="en-US" dirty="0" smtClean="0"/>
+              <a:rPr lang="en-US" dirty="0"/>
               <a:t>equation</a:t>
             </a:r>
             <a:r>
-              <a:rPr lang="en-US" baseline="0" dirty="0" smtClean="0"/>
+              <a:rPr lang="en-US" baseline="0" dirty="0"/>
               <a:t> for AR1. </a:t>
             </a:r>
             <a:endParaRPr lang="en-US" dirty="0"/>
@@ -1138,7 +1118,7 @@
           <a:p>
             <a:fld id="{53997451-DD4C-6845-B353-833DB10F4ADA}" type="slidenum">
               <a:rPr lang="en-US" smtClean="0"/>
-              <a:t>11</a:t>
+              <a:t>16</a:t>
             </a:fld>
             <a:endParaRPr lang="en-US"/>
           </a:p>
@@ -1179,7 +1159,7 @@
           <p:cNvPr id="2" name="Title 1">
             <a:extLst>
               <a:ext uri="{FF2B5EF4-FFF2-40B4-BE49-F238E27FC236}">
-                <a16:creationId xmlns:a16="http://schemas.microsoft.com/office/drawing/2014/main" xmlns="" id="{B8B3E9FE-347F-4AA7-B5D0-2966CC58A8C0}"/>
+                <a16:creationId xmlns:a16="http://schemas.microsoft.com/office/drawing/2014/main" id="{B8B3E9FE-347F-4AA7-B5D0-2966CC58A8C0}"/>
               </a:ext>
             </a:extLst>
           </p:cNvPr>
@@ -1216,7 +1196,7 @@
           <p:cNvPr id="3" name="Subtitle 2">
             <a:extLst>
               <a:ext uri="{FF2B5EF4-FFF2-40B4-BE49-F238E27FC236}">
-                <a16:creationId xmlns:a16="http://schemas.microsoft.com/office/drawing/2014/main" xmlns="" id="{85C5580E-3F1C-4A9A-84E1-44EE3481C1C0}"/>
+                <a16:creationId xmlns:a16="http://schemas.microsoft.com/office/drawing/2014/main" id="{85C5580E-3F1C-4A9A-84E1-44EE3481C1C0}"/>
               </a:ext>
             </a:extLst>
           </p:cNvPr>
@@ -1286,7 +1266,7 @@
           <p:cNvPr id="4" name="Date Placeholder 3">
             <a:extLst>
               <a:ext uri="{FF2B5EF4-FFF2-40B4-BE49-F238E27FC236}">
-                <a16:creationId xmlns:a16="http://schemas.microsoft.com/office/drawing/2014/main" xmlns="" id="{7BE380AA-CCC0-4FA7-9C4E-EA2984862757}"/>
+                <a16:creationId xmlns:a16="http://schemas.microsoft.com/office/drawing/2014/main" id="{7BE380AA-CCC0-4FA7-9C4E-EA2984862757}"/>
               </a:ext>
             </a:extLst>
           </p:cNvPr>
@@ -1304,7 +1284,7 @@
           <a:p>
             <a:fld id="{43CEAD56-E5CE-4A48-BE26-3F874B3EFFB2}" type="datetimeFigureOut">
               <a:rPr lang="en-US" smtClean="0"/>
-              <a:t>10/24/18</a:t>
+              <a:t>10/24/2018</a:t>
             </a:fld>
             <a:endParaRPr lang="en-US"/>
           </a:p>
@@ -1315,7 +1295,7 @@
           <p:cNvPr id="5" name="Footer Placeholder 4">
             <a:extLst>
               <a:ext uri="{FF2B5EF4-FFF2-40B4-BE49-F238E27FC236}">
-                <a16:creationId xmlns:a16="http://schemas.microsoft.com/office/drawing/2014/main" xmlns="" id="{10735B48-001C-49CB-84DC-99D2695978DF}"/>
+                <a16:creationId xmlns:a16="http://schemas.microsoft.com/office/drawing/2014/main" id="{10735B48-001C-49CB-84DC-99D2695978DF}"/>
               </a:ext>
             </a:extLst>
           </p:cNvPr>
@@ -1340,7 +1320,7 @@
           <p:cNvPr id="6" name="Slide Number Placeholder 5">
             <a:extLst>
               <a:ext uri="{FF2B5EF4-FFF2-40B4-BE49-F238E27FC236}">
-                <a16:creationId xmlns:a16="http://schemas.microsoft.com/office/drawing/2014/main" xmlns="" id="{5D18854D-1F70-4998-A8C0-77FFEFD9D99A}"/>
+                <a16:creationId xmlns:a16="http://schemas.microsoft.com/office/drawing/2014/main" id="{5D18854D-1F70-4998-A8C0-77FFEFD9D99A}"/>
               </a:ext>
             </a:extLst>
           </p:cNvPr>
@@ -1399,7 +1379,7 @@
           <p:cNvPr id="2" name="Title 1">
             <a:extLst>
               <a:ext uri="{FF2B5EF4-FFF2-40B4-BE49-F238E27FC236}">
-                <a16:creationId xmlns:a16="http://schemas.microsoft.com/office/drawing/2014/main" xmlns="" id="{298D67BC-E415-4F07-8E15-F1E0C8FE2EFA}"/>
+                <a16:creationId xmlns:a16="http://schemas.microsoft.com/office/drawing/2014/main" id="{298D67BC-E415-4F07-8E15-F1E0C8FE2EFA}"/>
               </a:ext>
             </a:extLst>
           </p:cNvPr>
@@ -1427,7 +1407,7 @@
           <p:cNvPr id="3" name="Vertical Text Placeholder 2">
             <a:extLst>
               <a:ext uri="{FF2B5EF4-FFF2-40B4-BE49-F238E27FC236}">
-                <a16:creationId xmlns:a16="http://schemas.microsoft.com/office/drawing/2014/main" xmlns="" id="{C0E76AB9-B45F-4D8A-AEC8-2D287D76CF12}"/>
+                <a16:creationId xmlns:a16="http://schemas.microsoft.com/office/drawing/2014/main" id="{C0E76AB9-B45F-4D8A-AEC8-2D287D76CF12}"/>
               </a:ext>
             </a:extLst>
           </p:cNvPr>
@@ -1484,7 +1464,7 @@
           <p:cNvPr id="4" name="Date Placeholder 3">
             <a:extLst>
               <a:ext uri="{FF2B5EF4-FFF2-40B4-BE49-F238E27FC236}">
-                <a16:creationId xmlns:a16="http://schemas.microsoft.com/office/drawing/2014/main" xmlns="" id="{286872AA-386D-49F0-8CAE-2FB0C7E0CB2E}"/>
+                <a16:creationId xmlns:a16="http://schemas.microsoft.com/office/drawing/2014/main" id="{286872AA-386D-49F0-8CAE-2FB0C7E0CB2E}"/>
               </a:ext>
             </a:extLst>
           </p:cNvPr>
@@ -1502,7 +1482,7 @@
           <a:p>
             <a:fld id="{43CEAD56-E5CE-4A48-BE26-3F874B3EFFB2}" type="datetimeFigureOut">
               <a:rPr lang="en-US" smtClean="0"/>
-              <a:t>10/24/18</a:t>
+              <a:t>10/24/2018</a:t>
             </a:fld>
             <a:endParaRPr lang="en-US"/>
           </a:p>
@@ -1513,7 +1493,7 @@
           <p:cNvPr id="5" name="Footer Placeholder 4">
             <a:extLst>
               <a:ext uri="{FF2B5EF4-FFF2-40B4-BE49-F238E27FC236}">
-                <a16:creationId xmlns:a16="http://schemas.microsoft.com/office/drawing/2014/main" xmlns="" id="{9DC01DDE-A963-4484-8462-77D4C35F70D9}"/>
+                <a16:creationId xmlns:a16="http://schemas.microsoft.com/office/drawing/2014/main" id="{9DC01DDE-A963-4484-8462-77D4C35F70D9}"/>
               </a:ext>
             </a:extLst>
           </p:cNvPr>
@@ -1538,7 +1518,7 @@
           <p:cNvPr id="6" name="Slide Number Placeholder 5">
             <a:extLst>
               <a:ext uri="{FF2B5EF4-FFF2-40B4-BE49-F238E27FC236}">
-                <a16:creationId xmlns:a16="http://schemas.microsoft.com/office/drawing/2014/main" xmlns="" id="{DAB58AA0-543C-4042-B5E0-7AD43CC32E4D}"/>
+                <a16:creationId xmlns:a16="http://schemas.microsoft.com/office/drawing/2014/main" id="{DAB58AA0-543C-4042-B5E0-7AD43CC32E4D}"/>
               </a:ext>
             </a:extLst>
           </p:cNvPr>
@@ -1597,7 +1577,7 @@
           <p:cNvPr id="2" name="Vertical Title 1">
             <a:extLst>
               <a:ext uri="{FF2B5EF4-FFF2-40B4-BE49-F238E27FC236}">
-                <a16:creationId xmlns:a16="http://schemas.microsoft.com/office/drawing/2014/main" xmlns="" id="{70845774-C8D6-4CAB-A2F4-9D474CBB2AE3}"/>
+                <a16:creationId xmlns:a16="http://schemas.microsoft.com/office/drawing/2014/main" id="{70845774-C8D6-4CAB-A2F4-9D474CBB2AE3}"/>
               </a:ext>
             </a:extLst>
           </p:cNvPr>
@@ -1630,7 +1610,7 @@
           <p:cNvPr id="3" name="Vertical Text Placeholder 2">
             <a:extLst>
               <a:ext uri="{FF2B5EF4-FFF2-40B4-BE49-F238E27FC236}">
-                <a16:creationId xmlns:a16="http://schemas.microsoft.com/office/drawing/2014/main" xmlns="" id="{BA3E64F6-6D7C-41E5-861C-FB405CC610B3}"/>
+                <a16:creationId xmlns:a16="http://schemas.microsoft.com/office/drawing/2014/main" id="{BA3E64F6-6D7C-41E5-861C-FB405CC610B3}"/>
               </a:ext>
             </a:extLst>
           </p:cNvPr>
@@ -1692,7 +1672,7 @@
           <p:cNvPr id="4" name="Date Placeholder 3">
             <a:extLst>
               <a:ext uri="{FF2B5EF4-FFF2-40B4-BE49-F238E27FC236}">
-                <a16:creationId xmlns:a16="http://schemas.microsoft.com/office/drawing/2014/main" xmlns="" id="{E8F78E00-DF1A-43CF-BBBB-84B645B400B5}"/>
+                <a16:creationId xmlns:a16="http://schemas.microsoft.com/office/drawing/2014/main" id="{E8F78E00-DF1A-43CF-BBBB-84B645B400B5}"/>
               </a:ext>
             </a:extLst>
           </p:cNvPr>
@@ -1710,7 +1690,7 @@
           <a:p>
             <a:fld id="{43CEAD56-E5CE-4A48-BE26-3F874B3EFFB2}" type="datetimeFigureOut">
               <a:rPr lang="en-US" smtClean="0"/>
-              <a:t>10/24/18</a:t>
+              <a:t>10/24/2018</a:t>
             </a:fld>
             <a:endParaRPr lang="en-US"/>
           </a:p>
@@ -1721,7 +1701,7 @@
           <p:cNvPr id="5" name="Footer Placeholder 4">
             <a:extLst>
               <a:ext uri="{FF2B5EF4-FFF2-40B4-BE49-F238E27FC236}">
-                <a16:creationId xmlns:a16="http://schemas.microsoft.com/office/drawing/2014/main" xmlns="" id="{80A8A1CF-EDAE-424B-8971-0025DE80DE09}"/>
+                <a16:creationId xmlns:a16="http://schemas.microsoft.com/office/drawing/2014/main" id="{80A8A1CF-EDAE-424B-8971-0025DE80DE09}"/>
               </a:ext>
             </a:extLst>
           </p:cNvPr>
@@ -1746,7 +1726,7 @@
           <p:cNvPr id="6" name="Slide Number Placeholder 5">
             <a:extLst>
               <a:ext uri="{FF2B5EF4-FFF2-40B4-BE49-F238E27FC236}">
-                <a16:creationId xmlns:a16="http://schemas.microsoft.com/office/drawing/2014/main" xmlns="" id="{C8F4ADAF-C15A-41C3-8BEF-CB2E5B0B3B17}"/>
+                <a16:creationId xmlns:a16="http://schemas.microsoft.com/office/drawing/2014/main" id="{C8F4ADAF-C15A-41C3-8BEF-CB2E5B0B3B17}"/>
               </a:ext>
             </a:extLst>
           </p:cNvPr>
@@ -1805,7 +1785,7 @@
           <p:cNvPr id="2" name="Title 1">
             <a:extLst>
               <a:ext uri="{FF2B5EF4-FFF2-40B4-BE49-F238E27FC236}">
-                <a16:creationId xmlns:a16="http://schemas.microsoft.com/office/drawing/2014/main" xmlns="" id="{C5D053B8-0E96-4A96-955D-54A151644769}"/>
+                <a16:creationId xmlns:a16="http://schemas.microsoft.com/office/drawing/2014/main" id="{C5D053B8-0E96-4A96-955D-54A151644769}"/>
               </a:ext>
             </a:extLst>
           </p:cNvPr>
@@ -1838,7 +1818,7 @@
           <p:cNvPr id="3" name="Content Placeholder 2">
             <a:extLst>
               <a:ext uri="{FF2B5EF4-FFF2-40B4-BE49-F238E27FC236}">
-                <a16:creationId xmlns:a16="http://schemas.microsoft.com/office/drawing/2014/main" xmlns="" id="{6C11D560-0399-4A07-91FA-0ED96ED01D2E}"/>
+                <a16:creationId xmlns:a16="http://schemas.microsoft.com/office/drawing/2014/main" id="{6C11D560-0399-4A07-91FA-0ED96ED01D2E}"/>
               </a:ext>
             </a:extLst>
           </p:cNvPr>
@@ -1900,7 +1880,7 @@
           <p:cNvPr id="4" name="Date Placeholder 3">
             <a:extLst>
               <a:ext uri="{FF2B5EF4-FFF2-40B4-BE49-F238E27FC236}">
-                <a16:creationId xmlns:a16="http://schemas.microsoft.com/office/drawing/2014/main" xmlns="" id="{90B12041-A368-4396-A1E0-3E9A85C11775}"/>
+                <a16:creationId xmlns:a16="http://schemas.microsoft.com/office/drawing/2014/main" id="{90B12041-A368-4396-A1E0-3E9A85C11775}"/>
               </a:ext>
             </a:extLst>
           </p:cNvPr>
@@ -1918,7 +1898,7 @@
           <a:p>
             <a:fld id="{43CEAD56-E5CE-4A48-BE26-3F874B3EFFB2}" type="datetimeFigureOut">
               <a:rPr lang="en-US" smtClean="0"/>
-              <a:t>10/24/18</a:t>
+              <a:t>10/24/2018</a:t>
             </a:fld>
             <a:endParaRPr lang="en-US"/>
           </a:p>
@@ -1929,7 +1909,7 @@
           <p:cNvPr id="5" name="Footer Placeholder 4">
             <a:extLst>
               <a:ext uri="{FF2B5EF4-FFF2-40B4-BE49-F238E27FC236}">
-                <a16:creationId xmlns:a16="http://schemas.microsoft.com/office/drawing/2014/main" xmlns="" id="{A53D7D04-BBF4-4DD8-B294-BCA088A3DC17}"/>
+                <a16:creationId xmlns:a16="http://schemas.microsoft.com/office/drawing/2014/main" id="{A53D7D04-BBF4-4DD8-B294-BCA088A3DC17}"/>
               </a:ext>
             </a:extLst>
           </p:cNvPr>
@@ -1954,7 +1934,7 @@
           <p:cNvPr id="6" name="Slide Number Placeholder 5">
             <a:extLst>
               <a:ext uri="{FF2B5EF4-FFF2-40B4-BE49-F238E27FC236}">
-                <a16:creationId xmlns:a16="http://schemas.microsoft.com/office/drawing/2014/main" xmlns="" id="{00F43743-13F2-424A-88FA-CA4A9EDEC803}"/>
+                <a16:creationId xmlns:a16="http://schemas.microsoft.com/office/drawing/2014/main" id="{00F43743-13F2-424A-88FA-CA4A9EDEC803}"/>
               </a:ext>
             </a:extLst>
           </p:cNvPr>
@@ -2013,7 +1993,7 @@
           <p:cNvPr id="2" name="Title 1">
             <a:extLst>
               <a:ext uri="{FF2B5EF4-FFF2-40B4-BE49-F238E27FC236}">
-                <a16:creationId xmlns:a16="http://schemas.microsoft.com/office/drawing/2014/main" xmlns="" id="{5F9DC917-BCF9-4111-9DA7-17087B895777}"/>
+                <a16:creationId xmlns:a16="http://schemas.microsoft.com/office/drawing/2014/main" id="{5F9DC917-BCF9-4111-9DA7-17087B895777}"/>
               </a:ext>
             </a:extLst>
           </p:cNvPr>
@@ -2050,7 +2030,7 @@
           <p:cNvPr id="3" name="Text Placeholder 2">
             <a:extLst>
               <a:ext uri="{FF2B5EF4-FFF2-40B4-BE49-F238E27FC236}">
-                <a16:creationId xmlns:a16="http://schemas.microsoft.com/office/drawing/2014/main" xmlns="" id="{550C78B4-87BB-4206-B367-1480414F9D8B}"/>
+                <a16:creationId xmlns:a16="http://schemas.microsoft.com/office/drawing/2014/main" id="{550C78B4-87BB-4206-B367-1480414F9D8B}"/>
               </a:ext>
             </a:extLst>
           </p:cNvPr>
@@ -2175,7 +2155,7 @@
           <p:cNvPr id="4" name="Date Placeholder 3">
             <a:extLst>
               <a:ext uri="{FF2B5EF4-FFF2-40B4-BE49-F238E27FC236}">
-                <a16:creationId xmlns:a16="http://schemas.microsoft.com/office/drawing/2014/main" xmlns="" id="{3410CF73-041D-4836-96A0-3B7A8592B614}"/>
+                <a16:creationId xmlns:a16="http://schemas.microsoft.com/office/drawing/2014/main" id="{3410CF73-041D-4836-96A0-3B7A8592B614}"/>
               </a:ext>
             </a:extLst>
           </p:cNvPr>
@@ -2193,7 +2173,7 @@
           <a:p>
             <a:fld id="{43CEAD56-E5CE-4A48-BE26-3F874B3EFFB2}" type="datetimeFigureOut">
               <a:rPr lang="en-US" smtClean="0"/>
-              <a:t>10/24/18</a:t>
+              <a:t>10/24/2018</a:t>
             </a:fld>
             <a:endParaRPr lang="en-US"/>
           </a:p>
@@ -2204,7 +2184,7 @@
           <p:cNvPr id="5" name="Footer Placeholder 4">
             <a:extLst>
               <a:ext uri="{FF2B5EF4-FFF2-40B4-BE49-F238E27FC236}">
-                <a16:creationId xmlns:a16="http://schemas.microsoft.com/office/drawing/2014/main" xmlns="" id="{30BE432E-3E01-4725-A9E9-EBB86F71C6DA}"/>
+                <a16:creationId xmlns:a16="http://schemas.microsoft.com/office/drawing/2014/main" id="{30BE432E-3E01-4725-A9E9-EBB86F71C6DA}"/>
               </a:ext>
             </a:extLst>
           </p:cNvPr>
@@ -2229,7 +2209,7 @@
           <p:cNvPr id="6" name="Slide Number Placeholder 5">
             <a:extLst>
               <a:ext uri="{FF2B5EF4-FFF2-40B4-BE49-F238E27FC236}">
-                <a16:creationId xmlns:a16="http://schemas.microsoft.com/office/drawing/2014/main" xmlns="" id="{9050BEF3-5810-43C6-B364-60970834EEE3}"/>
+                <a16:creationId xmlns:a16="http://schemas.microsoft.com/office/drawing/2014/main" id="{9050BEF3-5810-43C6-B364-60970834EEE3}"/>
               </a:ext>
             </a:extLst>
           </p:cNvPr>
@@ -2288,7 +2268,7 @@
           <p:cNvPr id="2" name="Title 1">
             <a:extLst>
               <a:ext uri="{FF2B5EF4-FFF2-40B4-BE49-F238E27FC236}">
-                <a16:creationId xmlns:a16="http://schemas.microsoft.com/office/drawing/2014/main" xmlns="" id="{BD370E30-BC99-419F-B20B-99A8B924F27A}"/>
+                <a16:creationId xmlns:a16="http://schemas.microsoft.com/office/drawing/2014/main" id="{BD370E30-BC99-419F-B20B-99A8B924F27A}"/>
               </a:ext>
             </a:extLst>
           </p:cNvPr>
@@ -2316,7 +2296,7 @@
           <p:cNvPr id="3" name="Content Placeholder 2">
             <a:extLst>
               <a:ext uri="{FF2B5EF4-FFF2-40B4-BE49-F238E27FC236}">
-                <a16:creationId xmlns:a16="http://schemas.microsoft.com/office/drawing/2014/main" xmlns="" id="{F7A86DD6-75F6-4720-BD69-9EA8AFDCD5BC}"/>
+                <a16:creationId xmlns:a16="http://schemas.microsoft.com/office/drawing/2014/main" id="{F7A86DD6-75F6-4720-BD69-9EA8AFDCD5BC}"/>
               </a:ext>
             </a:extLst>
           </p:cNvPr>
@@ -2378,7 +2358,7 @@
           <p:cNvPr id="4" name="Content Placeholder 3">
             <a:extLst>
               <a:ext uri="{FF2B5EF4-FFF2-40B4-BE49-F238E27FC236}">
-                <a16:creationId xmlns:a16="http://schemas.microsoft.com/office/drawing/2014/main" xmlns="" id="{2E1F27B6-5A13-4339-9827-242CD2C093C2}"/>
+                <a16:creationId xmlns:a16="http://schemas.microsoft.com/office/drawing/2014/main" id="{2E1F27B6-5A13-4339-9827-242CD2C093C2}"/>
               </a:ext>
             </a:extLst>
           </p:cNvPr>
@@ -2440,7 +2420,7 @@
           <p:cNvPr id="5" name="Date Placeholder 4">
             <a:extLst>
               <a:ext uri="{FF2B5EF4-FFF2-40B4-BE49-F238E27FC236}">
-                <a16:creationId xmlns:a16="http://schemas.microsoft.com/office/drawing/2014/main" xmlns="" id="{0500A199-0BFD-435B-8853-E251FA964C0D}"/>
+                <a16:creationId xmlns:a16="http://schemas.microsoft.com/office/drawing/2014/main" id="{0500A199-0BFD-435B-8853-E251FA964C0D}"/>
               </a:ext>
             </a:extLst>
           </p:cNvPr>
@@ -2458,7 +2438,7 @@
           <a:p>
             <a:fld id="{43CEAD56-E5CE-4A48-BE26-3F874B3EFFB2}" type="datetimeFigureOut">
               <a:rPr lang="en-US" smtClean="0"/>
-              <a:t>10/24/18</a:t>
+              <a:t>10/24/2018</a:t>
             </a:fld>
             <a:endParaRPr lang="en-US"/>
           </a:p>
@@ -2469,7 +2449,7 @@
           <p:cNvPr id="6" name="Footer Placeholder 5">
             <a:extLst>
               <a:ext uri="{FF2B5EF4-FFF2-40B4-BE49-F238E27FC236}">
-                <a16:creationId xmlns:a16="http://schemas.microsoft.com/office/drawing/2014/main" xmlns="" id="{2EDAF3BD-F030-4963-9B4D-DE0284FA9DBA}"/>
+                <a16:creationId xmlns:a16="http://schemas.microsoft.com/office/drawing/2014/main" id="{2EDAF3BD-F030-4963-9B4D-DE0284FA9DBA}"/>
               </a:ext>
             </a:extLst>
           </p:cNvPr>
@@ -2494,7 +2474,7 @@
           <p:cNvPr id="7" name="Slide Number Placeholder 6">
             <a:extLst>
               <a:ext uri="{FF2B5EF4-FFF2-40B4-BE49-F238E27FC236}">
-                <a16:creationId xmlns:a16="http://schemas.microsoft.com/office/drawing/2014/main" xmlns="" id="{2F28FC9B-24E8-476B-8EA9-278A81CC814C}"/>
+                <a16:creationId xmlns:a16="http://schemas.microsoft.com/office/drawing/2014/main" id="{2F28FC9B-24E8-476B-8EA9-278A81CC814C}"/>
               </a:ext>
             </a:extLst>
           </p:cNvPr>
@@ -2553,7 +2533,7 @@
           <p:cNvPr id="2" name="Title 1">
             <a:extLst>
               <a:ext uri="{FF2B5EF4-FFF2-40B4-BE49-F238E27FC236}">
-                <a16:creationId xmlns:a16="http://schemas.microsoft.com/office/drawing/2014/main" xmlns="" id="{0F71E4E3-5A5C-4D0C-89B5-1A779F52B94B}"/>
+                <a16:creationId xmlns:a16="http://schemas.microsoft.com/office/drawing/2014/main" id="{0F71E4E3-5A5C-4D0C-89B5-1A779F52B94B}"/>
               </a:ext>
             </a:extLst>
           </p:cNvPr>
@@ -2586,7 +2566,7 @@
           <p:cNvPr id="3" name="Text Placeholder 2">
             <a:extLst>
               <a:ext uri="{FF2B5EF4-FFF2-40B4-BE49-F238E27FC236}">
-                <a16:creationId xmlns:a16="http://schemas.microsoft.com/office/drawing/2014/main" xmlns="" id="{8BEC8857-DA8C-4344-9865-DDC8F7D02391}"/>
+                <a16:creationId xmlns:a16="http://schemas.microsoft.com/office/drawing/2014/main" id="{8BEC8857-DA8C-4344-9865-DDC8F7D02391}"/>
               </a:ext>
             </a:extLst>
           </p:cNvPr>
@@ -2657,7 +2637,7 @@
           <p:cNvPr id="4" name="Content Placeholder 3">
             <a:extLst>
               <a:ext uri="{FF2B5EF4-FFF2-40B4-BE49-F238E27FC236}">
-                <a16:creationId xmlns:a16="http://schemas.microsoft.com/office/drawing/2014/main" xmlns="" id="{9114E18C-7619-4081-9417-0AFA00BB6CD6}"/>
+                <a16:creationId xmlns:a16="http://schemas.microsoft.com/office/drawing/2014/main" id="{9114E18C-7619-4081-9417-0AFA00BB6CD6}"/>
               </a:ext>
             </a:extLst>
           </p:cNvPr>
@@ -2719,7 +2699,7 @@
           <p:cNvPr id="5" name="Text Placeholder 4">
             <a:extLst>
               <a:ext uri="{FF2B5EF4-FFF2-40B4-BE49-F238E27FC236}">
-                <a16:creationId xmlns:a16="http://schemas.microsoft.com/office/drawing/2014/main" xmlns="" id="{A18B93C0-2C63-4717-AC82-D4D6525949D0}"/>
+                <a16:creationId xmlns:a16="http://schemas.microsoft.com/office/drawing/2014/main" id="{A18B93C0-2C63-4717-AC82-D4D6525949D0}"/>
               </a:ext>
             </a:extLst>
           </p:cNvPr>
@@ -2790,7 +2770,7 @@
           <p:cNvPr id="6" name="Content Placeholder 5">
             <a:extLst>
               <a:ext uri="{FF2B5EF4-FFF2-40B4-BE49-F238E27FC236}">
-                <a16:creationId xmlns:a16="http://schemas.microsoft.com/office/drawing/2014/main" xmlns="" id="{FF965ECB-4E31-466C-8D0F-E4F2B005C606}"/>
+                <a16:creationId xmlns:a16="http://schemas.microsoft.com/office/drawing/2014/main" id="{FF965ECB-4E31-466C-8D0F-E4F2B005C606}"/>
               </a:ext>
             </a:extLst>
           </p:cNvPr>
@@ -2852,7 +2832,7 @@
           <p:cNvPr id="7" name="Date Placeholder 6">
             <a:extLst>
               <a:ext uri="{FF2B5EF4-FFF2-40B4-BE49-F238E27FC236}">
-                <a16:creationId xmlns:a16="http://schemas.microsoft.com/office/drawing/2014/main" xmlns="" id="{FA76C466-3255-47D0-9E37-DFDA49345D6A}"/>
+                <a16:creationId xmlns:a16="http://schemas.microsoft.com/office/drawing/2014/main" id="{FA76C466-3255-47D0-9E37-DFDA49345D6A}"/>
               </a:ext>
             </a:extLst>
           </p:cNvPr>
@@ -2870,7 +2850,7 @@
           <a:p>
             <a:fld id="{43CEAD56-E5CE-4A48-BE26-3F874B3EFFB2}" type="datetimeFigureOut">
               <a:rPr lang="en-US" smtClean="0"/>
-              <a:t>10/24/18</a:t>
+              <a:t>10/24/2018</a:t>
             </a:fld>
             <a:endParaRPr lang="en-US"/>
           </a:p>
@@ -2881,7 +2861,7 @@
           <p:cNvPr id="8" name="Footer Placeholder 7">
             <a:extLst>
               <a:ext uri="{FF2B5EF4-FFF2-40B4-BE49-F238E27FC236}">
-                <a16:creationId xmlns:a16="http://schemas.microsoft.com/office/drawing/2014/main" xmlns="" id="{60F40B7F-38F7-4E26-BCA6-60830A5AEF75}"/>
+                <a16:creationId xmlns:a16="http://schemas.microsoft.com/office/drawing/2014/main" id="{60F40B7F-38F7-4E26-BCA6-60830A5AEF75}"/>
               </a:ext>
             </a:extLst>
           </p:cNvPr>
@@ -2906,7 +2886,7 @@
           <p:cNvPr id="9" name="Slide Number Placeholder 8">
             <a:extLst>
               <a:ext uri="{FF2B5EF4-FFF2-40B4-BE49-F238E27FC236}">
-                <a16:creationId xmlns:a16="http://schemas.microsoft.com/office/drawing/2014/main" xmlns="" id="{F25BF69D-9308-4455-9EEF-AE51A9B48114}"/>
+                <a16:creationId xmlns:a16="http://schemas.microsoft.com/office/drawing/2014/main" id="{F25BF69D-9308-4455-9EEF-AE51A9B48114}"/>
               </a:ext>
             </a:extLst>
           </p:cNvPr>
@@ -2965,7 +2945,7 @@
           <p:cNvPr id="2" name="Title 1">
             <a:extLst>
               <a:ext uri="{FF2B5EF4-FFF2-40B4-BE49-F238E27FC236}">
-                <a16:creationId xmlns:a16="http://schemas.microsoft.com/office/drawing/2014/main" xmlns="" id="{DFD5095D-EC49-460F-928D-67384BF1C5A4}"/>
+                <a16:creationId xmlns:a16="http://schemas.microsoft.com/office/drawing/2014/main" id="{DFD5095D-EC49-460F-928D-67384BF1C5A4}"/>
               </a:ext>
             </a:extLst>
           </p:cNvPr>
@@ -2993,7 +2973,7 @@
           <p:cNvPr id="3" name="Date Placeholder 2">
             <a:extLst>
               <a:ext uri="{FF2B5EF4-FFF2-40B4-BE49-F238E27FC236}">
-                <a16:creationId xmlns:a16="http://schemas.microsoft.com/office/drawing/2014/main" xmlns="" id="{7AE5C1A1-7DF8-43A4-AB39-1801ACE8B5A5}"/>
+                <a16:creationId xmlns:a16="http://schemas.microsoft.com/office/drawing/2014/main" id="{7AE5C1A1-7DF8-43A4-AB39-1801ACE8B5A5}"/>
               </a:ext>
             </a:extLst>
           </p:cNvPr>
@@ -3011,7 +2991,7 @@
           <a:p>
             <a:fld id="{43CEAD56-E5CE-4A48-BE26-3F874B3EFFB2}" type="datetimeFigureOut">
               <a:rPr lang="en-US" smtClean="0"/>
-              <a:t>10/24/18</a:t>
+              <a:t>10/24/2018</a:t>
             </a:fld>
             <a:endParaRPr lang="en-US"/>
           </a:p>
@@ -3022,7 +3002,7 @@
           <p:cNvPr id="4" name="Footer Placeholder 3">
             <a:extLst>
               <a:ext uri="{FF2B5EF4-FFF2-40B4-BE49-F238E27FC236}">
-                <a16:creationId xmlns:a16="http://schemas.microsoft.com/office/drawing/2014/main" xmlns="" id="{5987A75C-E0D2-43AF-ADEC-2C1E0C2D5CCE}"/>
+                <a16:creationId xmlns:a16="http://schemas.microsoft.com/office/drawing/2014/main" id="{5987A75C-E0D2-43AF-ADEC-2C1E0C2D5CCE}"/>
               </a:ext>
             </a:extLst>
           </p:cNvPr>
@@ -3047,7 +3027,7 @@
           <p:cNvPr id="5" name="Slide Number Placeholder 4">
             <a:extLst>
               <a:ext uri="{FF2B5EF4-FFF2-40B4-BE49-F238E27FC236}">
-                <a16:creationId xmlns:a16="http://schemas.microsoft.com/office/drawing/2014/main" xmlns="" id="{9553D0AD-E56E-4CE8-908D-DE0E2CF849C0}"/>
+                <a16:creationId xmlns:a16="http://schemas.microsoft.com/office/drawing/2014/main" id="{9553D0AD-E56E-4CE8-908D-DE0E2CF849C0}"/>
               </a:ext>
             </a:extLst>
           </p:cNvPr>
@@ -3106,7 +3086,7 @@
           <p:cNvPr id="2" name="Date Placeholder 1">
             <a:extLst>
               <a:ext uri="{FF2B5EF4-FFF2-40B4-BE49-F238E27FC236}">
-                <a16:creationId xmlns:a16="http://schemas.microsoft.com/office/drawing/2014/main" xmlns="" id="{CA028CA5-13F0-4611-AE48-040330822A22}"/>
+                <a16:creationId xmlns:a16="http://schemas.microsoft.com/office/drawing/2014/main" id="{CA028CA5-13F0-4611-AE48-040330822A22}"/>
               </a:ext>
             </a:extLst>
           </p:cNvPr>
@@ -3124,7 +3104,7 @@
           <a:p>
             <a:fld id="{43CEAD56-E5CE-4A48-BE26-3F874B3EFFB2}" type="datetimeFigureOut">
               <a:rPr lang="en-US" smtClean="0"/>
-              <a:t>10/24/18</a:t>
+              <a:t>10/24/2018</a:t>
             </a:fld>
             <a:endParaRPr lang="en-US"/>
           </a:p>
@@ -3135,7 +3115,7 @@
           <p:cNvPr id="3" name="Footer Placeholder 2">
             <a:extLst>
               <a:ext uri="{FF2B5EF4-FFF2-40B4-BE49-F238E27FC236}">
-                <a16:creationId xmlns:a16="http://schemas.microsoft.com/office/drawing/2014/main" xmlns="" id="{1D10BC7B-9807-4005-8219-3A8D732A0C0B}"/>
+                <a16:creationId xmlns:a16="http://schemas.microsoft.com/office/drawing/2014/main" id="{1D10BC7B-9807-4005-8219-3A8D732A0C0B}"/>
               </a:ext>
             </a:extLst>
           </p:cNvPr>
@@ -3160,7 +3140,7 @@
           <p:cNvPr id="4" name="Slide Number Placeholder 3">
             <a:extLst>
               <a:ext uri="{FF2B5EF4-FFF2-40B4-BE49-F238E27FC236}">
-                <a16:creationId xmlns:a16="http://schemas.microsoft.com/office/drawing/2014/main" xmlns="" id="{E4C4EE15-5B44-48E9-BE4D-57B5FCE0F256}"/>
+                <a16:creationId xmlns:a16="http://schemas.microsoft.com/office/drawing/2014/main" id="{E4C4EE15-5B44-48E9-BE4D-57B5FCE0F256}"/>
               </a:ext>
             </a:extLst>
           </p:cNvPr>
@@ -3219,7 +3199,7 @@
           <p:cNvPr id="2" name="Title 1">
             <a:extLst>
               <a:ext uri="{FF2B5EF4-FFF2-40B4-BE49-F238E27FC236}">
-                <a16:creationId xmlns:a16="http://schemas.microsoft.com/office/drawing/2014/main" xmlns="" id="{B5D3FB5F-2D46-40BD-B1EC-69896A53E1C9}"/>
+                <a16:creationId xmlns:a16="http://schemas.microsoft.com/office/drawing/2014/main" id="{B5D3FB5F-2D46-40BD-B1EC-69896A53E1C9}"/>
               </a:ext>
             </a:extLst>
           </p:cNvPr>
@@ -3256,7 +3236,7 @@
           <p:cNvPr id="3" name="Content Placeholder 2">
             <a:extLst>
               <a:ext uri="{FF2B5EF4-FFF2-40B4-BE49-F238E27FC236}">
-                <a16:creationId xmlns:a16="http://schemas.microsoft.com/office/drawing/2014/main" xmlns="" id="{413F67DE-F302-4D0C-8BB6-0363A0F226B8}"/>
+                <a16:creationId xmlns:a16="http://schemas.microsoft.com/office/drawing/2014/main" id="{413F67DE-F302-4D0C-8BB6-0363A0F226B8}"/>
               </a:ext>
             </a:extLst>
           </p:cNvPr>
@@ -3346,7 +3326,7 @@
           <p:cNvPr id="4" name="Text Placeholder 3">
             <a:extLst>
               <a:ext uri="{FF2B5EF4-FFF2-40B4-BE49-F238E27FC236}">
-                <a16:creationId xmlns:a16="http://schemas.microsoft.com/office/drawing/2014/main" xmlns="" id="{D62894C8-99A6-4CC6-BA5C-164BC7FE1EC0}"/>
+                <a16:creationId xmlns:a16="http://schemas.microsoft.com/office/drawing/2014/main" id="{D62894C8-99A6-4CC6-BA5C-164BC7FE1EC0}"/>
               </a:ext>
             </a:extLst>
           </p:cNvPr>
@@ -3417,7 +3397,7 @@
           <p:cNvPr id="5" name="Date Placeholder 4">
             <a:extLst>
               <a:ext uri="{FF2B5EF4-FFF2-40B4-BE49-F238E27FC236}">
-                <a16:creationId xmlns:a16="http://schemas.microsoft.com/office/drawing/2014/main" xmlns="" id="{D51FC759-AC48-4F8E-9E54-153DAFCE05AC}"/>
+                <a16:creationId xmlns:a16="http://schemas.microsoft.com/office/drawing/2014/main" id="{D51FC759-AC48-4F8E-9E54-153DAFCE05AC}"/>
               </a:ext>
             </a:extLst>
           </p:cNvPr>
@@ -3435,7 +3415,7 @@
           <a:p>
             <a:fld id="{43CEAD56-E5CE-4A48-BE26-3F874B3EFFB2}" type="datetimeFigureOut">
               <a:rPr lang="en-US" smtClean="0"/>
-              <a:t>10/24/18</a:t>
+              <a:t>10/24/2018</a:t>
             </a:fld>
             <a:endParaRPr lang="en-US"/>
           </a:p>
@@ -3446,7 +3426,7 @@
           <p:cNvPr id="6" name="Footer Placeholder 5">
             <a:extLst>
               <a:ext uri="{FF2B5EF4-FFF2-40B4-BE49-F238E27FC236}">
-                <a16:creationId xmlns:a16="http://schemas.microsoft.com/office/drawing/2014/main" xmlns="" id="{56235A42-5080-41B0-96E2-918F0499E7FC}"/>
+                <a16:creationId xmlns:a16="http://schemas.microsoft.com/office/drawing/2014/main" id="{56235A42-5080-41B0-96E2-918F0499E7FC}"/>
               </a:ext>
             </a:extLst>
           </p:cNvPr>
@@ -3471,7 +3451,7 @@
           <p:cNvPr id="7" name="Slide Number Placeholder 6">
             <a:extLst>
               <a:ext uri="{FF2B5EF4-FFF2-40B4-BE49-F238E27FC236}">
-                <a16:creationId xmlns:a16="http://schemas.microsoft.com/office/drawing/2014/main" xmlns="" id="{0132E0C8-66A7-4FD5-8F64-E46FBB08E965}"/>
+                <a16:creationId xmlns:a16="http://schemas.microsoft.com/office/drawing/2014/main" id="{0132E0C8-66A7-4FD5-8F64-E46FBB08E965}"/>
               </a:ext>
             </a:extLst>
           </p:cNvPr>
@@ -3530,7 +3510,7 @@
           <p:cNvPr id="2" name="Title 1">
             <a:extLst>
               <a:ext uri="{FF2B5EF4-FFF2-40B4-BE49-F238E27FC236}">
-                <a16:creationId xmlns:a16="http://schemas.microsoft.com/office/drawing/2014/main" xmlns="" id="{FBDF9722-6B31-4F43-8844-6FA5D71D0EC8}"/>
+                <a16:creationId xmlns:a16="http://schemas.microsoft.com/office/drawing/2014/main" id="{FBDF9722-6B31-4F43-8844-6FA5D71D0EC8}"/>
               </a:ext>
             </a:extLst>
           </p:cNvPr>
@@ -3567,7 +3547,7 @@
           <p:cNvPr id="3" name="Picture Placeholder 2">
             <a:extLst>
               <a:ext uri="{FF2B5EF4-FFF2-40B4-BE49-F238E27FC236}">
-                <a16:creationId xmlns:a16="http://schemas.microsoft.com/office/drawing/2014/main" xmlns="" id="{E1A3055F-F681-4828-A3E0-2B6E173CF4AA}"/>
+                <a16:creationId xmlns:a16="http://schemas.microsoft.com/office/drawing/2014/main" id="{E1A3055F-F681-4828-A3E0-2B6E173CF4AA}"/>
               </a:ext>
             </a:extLst>
           </p:cNvPr>
@@ -3634,7 +3614,7 @@
           <p:cNvPr id="4" name="Text Placeholder 3">
             <a:extLst>
               <a:ext uri="{FF2B5EF4-FFF2-40B4-BE49-F238E27FC236}">
-                <a16:creationId xmlns:a16="http://schemas.microsoft.com/office/drawing/2014/main" xmlns="" id="{B7B159A9-C15B-4B14-B4CC-AD5E17D9CFA7}"/>
+                <a16:creationId xmlns:a16="http://schemas.microsoft.com/office/drawing/2014/main" id="{B7B159A9-C15B-4B14-B4CC-AD5E17D9CFA7}"/>
               </a:ext>
             </a:extLst>
           </p:cNvPr>
@@ -3705,7 +3685,7 @@
           <p:cNvPr id="5" name="Date Placeholder 4">
             <a:extLst>
               <a:ext uri="{FF2B5EF4-FFF2-40B4-BE49-F238E27FC236}">
-                <a16:creationId xmlns:a16="http://schemas.microsoft.com/office/drawing/2014/main" xmlns="" id="{18DB940C-254C-4068-AA22-E999FF6AF331}"/>
+                <a16:creationId xmlns:a16="http://schemas.microsoft.com/office/drawing/2014/main" id="{18DB940C-254C-4068-AA22-E999FF6AF331}"/>
               </a:ext>
             </a:extLst>
           </p:cNvPr>
@@ -3723,7 +3703,7 @@
           <a:p>
             <a:fld id="{43CEAD56-E5CE-4A48-BE26-3F874B3EFFB2}" type="datetimeFigureOut">
               <a:rPr lang="en-US" smtClean="0"/>
-              <a:t>10/24/18</a:t>
+              <a:t>10/24/2018</a:t>
             </a:fld>
             <a:endParaRPr lang="en-US"/>
           </a:p>
@@ -3734,7 +3714,7 @@
           <p:cNvPr id="6" name="Footer Placeholder 5">
             <a:extLst>
               <a:ext uri="{FF2B5EF4-FFF2-40B4-BE49-F238E27FC236}">
-                <a16:creationId xmlns:a16="http://schemas.microsoft.com/office/drawing/2014/main" xmlns="" id="{E1785F6C-141E-460A-ABBA-E1F88757D9AD}"/>
+                <a16:creationId xmlns:a16="http://schemas.microsoft.com/office/drawing/2014/main" id="{E1785F6C-141E-460A-ABBA-E1F88757D9AD}"/>
               </a:ext>
             </a:extLst>
           </p:cNvPr>
@@ -3759,7 +3739,7 @@
           <p:cNvPr id="7" name="Slide Number Placeholder 6">
             <a:extLst>
               <a:ext uri="{FF2B5EF4-FFF2-40B4-BE49-F238E27FC236}">
-                <a16:creationId xmlns:a16="http://schemas.microsoft.com/office/drawing/2014/main" xmlns="" id="{AF40B232-DA99-40A3-9E4B-EC9A313CBC58}"/>
+                <a16:creationId xmlns:a16="http://schemas.microsoft.com/office/drawing/2014/main" id="{AF40B232-DA99-40A3-9E4B-EC9A313CBC58}"/>
               </a:ext>
             </a:extLst>
           </p:cNvPr>
@@ -3823,7 +3803,7 @@
           <p:cNvPr id="2" name="Title Placeholder 1">
             <a:extLst>
               <a:ext uri="{FF2B5EF4-FFF2-40B4-BE49-F238E27FC236}">
-                <a16:creationId xmlns:a16="http://schemas.microsoft.com/office/drawing/2014/main" xmlns="" id="{22E93C2A-753E-456C-8C84-B5984DF5B446}"/>
+                <a16:creationId xmlns:a16="http://schemas.microsoft.com/office/drawing/2014/main" id="{22E93C2A-753E-456C-8C84-B5984DF5B446}"/>
               </a:ext>
             </a:extLst>
           </p:cNvPr>
@@ -3861,7 +3841,7 @@
           <p:cNvPr id="3" name="Text Placeholder 2">
             <a:extLst>
               <a:ext uri="{FF2B5EF4-FFF2-40B4-BE49-F238E27FC236}">
-                <a16:creationId xmlns:a16="http://schemas.microsoft.com/office/drawing/2014/main" xmlns="" id="{ED02B75F-78B7-4083-9BDE-BDCF2E9C6110}"/>
+                <a16:creationId xmlns:a16="http://schemas.microsoft.com/office/drawing/2014/main" id="{ED02B75F-78B7-4083-9BDE-BDCF2E9C6110}"/>
               </a:ext>
             </a:extLst>
           </p:cNvPr>
@@ -3928,7 +3908,7 @@
           <p:cNvPr id="4" name="Date Placeholder 3">
             <a:extLst>
               <a:ext uri="{FF2B5EF4-FFF2-40B4-BE49-F238E27FC236}">
-                <a16:creationId xmlns:a16="http://schemas.microsoft.com/office/drawing/2014/main" xmlns="" id="{14EDD2ED-1E44-4EB4-87EA-E417381BC572}"/>
+                <a16:creationId xmlns:a16="http://schemas.microsoft.com/office/drawing/2014/main" id="{14EDD2ED-1E44-4EB4-87EA-E417381BC572}"/>
               </a:ext>
             </a:extLst>
           </p:cNvPr>
@@ -3964,7 +3944,7 @@
           <a:p>
             <a:fld id="{43CEAD56-E5CE-4A48-BE26-3F874B3EFFB2}" type="datetimeFigureOut">
               <a:rPr lang="en-US" smtClean="0"/>
-              <a:t>10/24/18</a:t>
+              <a:t>10/24/2018</a:t>
             </a:fld>
             <a:endParaRPr lang="en-US"/>
           </a:p>
@@ -3975,7 +3955,7 @@
           <p:cNvPr id="5" name="Footer Placeholder 4">
             <a:extLst>
               <a:ext uri="{FF2B5EF4-FFF2-40B4-BE49-F238E27FC236}">
-                <a16:creationId xmlns:a16="http://schemas.microsoft.com/office/drawing/2014/main" xmlns="" id="{375FF47C-3C8A-4991-9246-88D3F1A9F793}"/>
+                <a16:creationId xmlns:a16="http://schemas.microsoft.com/office/drawing/2014/main" id="{375FF47C-3C8A-4991-9246-88D3F1A9F793}"/>
               </a:ext>
             </a:extLst>
           </p:cNvPr>
@@ -4018,7 +3998,7 @@
           <p:cNvPr id="6" name="Slide Number Placeholder 5">
             <a:extLst>
               <a:ext uri="{FF2B5EF4-FFF2-40B4-BE49-F238E27FC236}">
-                <a16:creationId xmlns:a16="http://schemas.microsoft.com/office/drawing/2014/main" xmlns="" id="{88FC58EC-EB4F-4827-BEC5-0EBF23E2BF1C}"/>
+                <a16:creationId xmlns:a16="http://schemas.microsoft.com/office/drawing/2014/main" id="{88FC58EC-EB4F-4827-BEC5-0EBF23E2BF1C}"/>
               </a:ext>
             </a:extLst>
           </p:cNvPr>
@@ -4386,7 +4366,7 @@
           <p:cNvPr id="2" name="Title 1">
             <a:extLst>
               <a:ext uri="{FF2B5EF4-FFF2-40B4-BE49-F238E27FC236}">
-                <a16:creationId xmlns:a16="http://schemas.microsoft.com/office/drawing/2014/main" xmlns="" id="{1B7EDC7E-AB10-433C-949E-719BCAAC75BB}"/>
+                <a16:creationId xmlns:a16="http://schemas.microsoft.com/office/drawing/2014/main" id="{1B7EDC7E-AB10-433C-949E-719BCAAC75BB}"/>
               </a:ext>
             </a:extLst>
           </p:cNvPr>
@@ -4414,7 +4394,7 @@
           <p:cNvPr id="3" name="Subtitle 2">
             <a:extLst>
               <a:ext uri="{FF2B5EF4-FFF2-40B4-BE49-F238E27FC236}">
-                <a16:creationId xmlns:a16="http://schemas.microsoft.com/office/drawing/2014/main" xmlns="" id="{C6545BBF-C756-495B-99D7-71EE3A06F136}"/>
+                <a16:creationId xmlns:a16="http://schemas.microsoft.com/office/drawing/2014/main" id="{C6545BBF-C756-495B-99D7-71EE3A06F136}"/>
               </a:ext>
             </a:extLst>
           </p:cNvPr>
@@ -4472,7 +4452,7 @@
           <p:cNvPr id="2" name="Title 1">
             <a:extLst>
               <a:ext uri="{FF2B5EF4-FFF2-40B4-BE49-F238E27FC236}">
-                <a16:creationId xmlns:a16="http://schemas.microsoft.com/office/drawing/2014/main" xmlns="" id="{4642D8FD-5E3D-4045-B506-E80DB9941D5A}"/>
+                <a16:creationId xmlns:a16="http://schemas.microsoft.com/office/drawing/2014/main" id="{4642D8FD-5E3D-4045-B506-E80DB9941D5A}"/>
               </a:ext>
             </a:extLst>
           </p:cNvPr>
@@ -4500,7 +4480,7 @@
           <p:cNvPr id="6" name="Picture 5">
             <a:extLst>
               <a:ext uri="{FF2B5EF4-FFF2-40B4-BE49-F238E27FC236}">
-                <a16:creationId xmlns:a16="http://schemas.microsoft.com/office/drawing/2014/main" xmlns="" id="{78618CFB-AD78-42C9-ABE2-65EC0953947F}"/>
+                <a16:creationId xmlns:a16="http://schemas.microsoft.com/office/drawing/2014/main" id="{78618CFB-AD78-42C9-ABE2-65EC0953947F}"/>
               </a:ext>
             </a:extLst>
           </p:cNvPr>
@@ -4555,822 +4535,12 @@
           <a:chExt cx="0" cy="0"/>
         </a:xfrm>
       </p:grpSpPr>
-      <mc:AlternateContent xmlns:mc="http://schemas.openxmlformats.org/markup-compatibility/2006">
-        <mc:Choice xmlns:a14="http://schemas.microsoft.com/office/drawing/2010/main" Requires="a14">
-          <p:sp>
-            <p:nvSpPr>
-              <p:cNvPr id="3" name="Content Placeholder 2">
-                <a:extLst>
-                  <a:ext uri="{FF2B5EF4-FFF2-40B4-BE49-F238E27FC236}">
-                    <a16:creationId xmlns:a16="http://schemas.microsoft.com/office/drawing/2014/main" xmlns="" id="{DDA4DCC2-56D4-4FEB-BA98-1C25194A0BD4}"/>
-                  </a:ext>
-                </a:extLst>
-              </p:cNvPr>
-              <p:cNvSpPr>
-                <a:spLocks noGrp="1"/>
-              </p:cNvSpPr>
-              <p:nvPr>
-                <p:ph idx="1"/>
-              </p:nvPr>
-            </p:nvSpPr>
-            <p:spPr>
-              <a:xfrm>
-                <a:off x="838200" y="1315453"/>
-                <a:ext cx="10515600" cy="4861509"/>
-              </a:xfrm>
-            </p:spPr>
-            <p:txBody>
-              <a:bodyPr/>
-              <a:lstStyle/>
-              <a:p>
-                <a14:m>
-                  <m:oMath xmlns:m="http://schemas.openxmlformats.org/officeDocument/2006/math">
-                    <m:sSub>
-                      <m:sSubPr>
-                        <m:ctrlPr>
-                          <a:rPr lang="en-US" b="0" i="1" smtClean="0">
-                            <a:latin typeface="Cambria Math" charset="0"/>
-                          </a:rPr>
-                        </m:ctrlPr>
-                      </m:sSubPr>
-                      <m:e>
-                        <m:r>
-                          <a:rPr lang="en-US" b="0" i="1" smtClean="0">
-                            <a:latin typeface="Cambria Math" panose="02040503050406030204" pitchFamily="18" charset="0"/>
-                          </a:rPr>
-                          <m:t>𝜙</m:t>
-                        </m:r>
-                      </m:e>
-                      <m:sub>
-                        <m:r>
-                          <a:rPr lang="en-US" b="0" i="1" smtClean="0">
-                            <a:latin typeface="Cambria Math" panose="02040503050406030204" pitchFamily="18" charset="0"/>
-                          </a:rPr>
-                          <m:t>𝑛</m:t>
-                        </m:r>
-                      </m:sub>
-                    </m:sSub>
-                    <m:r>
-                      <a:rPr lang="en-US" b="0" i="1" smtClean="0">
-                        <a:latin typeface="Cambria Math" panose="02040503050406030204" pitchFamily="18" charset="0"/>
-                      </a:rPr>
-                      <m:t>=</m:t>
-                    </m:r>
-                    <m:r>
-                      <a:rPr lang="en-US" b="0" i="1" smtClean="0">
-                        <a:latin typeface="Cambria Math" panose="02040503050406030204" pitchFamily="18" charset="0"/>
-                      </a:rPr>
-                      <m:t>𝜌</m:t>
-                    </m:r>
-                    <m:sSub>
-                      <m:sSubPr>
-                        <m:ctrlPr>
-                          <a:rPr lang="en-US" b="0" i="1" smtClean="0">
-                            <a:latin typeface="Cambria Math" charset="0"/>
-                          </a:rPr>
-                        </m:ctrlPr>
-                      </m:sSubPr>
-                      <m:e>
-                        <m:r>
-                          <a:rPr lang="en-US" b="0" i="1" smtClean="0">
-                            <a:latin typeface="Cambria Math" panose="02040503050406030204" pitchFamily="18" charset="0"/>
-                          </a:rPr>
-                          <m:t>𝜙</m:t>
-                        </m:r>
-                      </m:e>
-                      <m:sub>
-                        <m:r>
-                          <a:rPr lang="en-US" b="0" i="1" smtClean="0">
-                            <a:latin typeface="Cambria Math" panose="02040503050406030204" pitchFamily="18" charset="0"/>
-                          </a:rPr>
-                          <m:t>𝑛</m:t>
-                        </m:r>
-                        <m:r>
-                          <a:rPr lang="en-US" b="0" i="1" smtClean="0">
-                            <a:latin typeface="Cambria Math" panose="02040503050406030204" pitchFamily="18" charset="0"/>
-                          </a:rPr>
-                          <m:t>−1</m:t>
-                        </m:r>
-                      </m:sub>
-                    </m:sSub>
-                    <m:r>
-                      <a:rPr lang="en-US" b="0" i="1" smtClean="0">
-                        <a:latin typeface="Cambria Math" panose="02040503050406030204" pitchFamily="18" charset="0"/>
-                      </a:rPr>
-                      <m:t>+</m:t>
-                    </m:r>
-                    <m:sSub>
-                      <m:sSubPr>
-                        <m:ctrlPr>
-                          <a:rPr lang="en-US" b="0" i="1" smtClean="0">
-                            <a:latin typeface="Cambria Math" charset="0"/>
-                          </a:rPr>
-                        </m:ctrlPr>
-                      </m:sSubPr>
-                      <m:e>
-                        <m:r>
-                          <m:rPr>
-                            <m:sty m:val="p"/>
-                          </m:rPr>
-                          <a:rPr lang="en-US" b="0" i="0" smtClean="0">
-                            <a:latin typeface="Cambria Math" panose="02040503050406030204" pitchFamily="18" charset="0"/>
-                          </a:rPr>
-                          <m:t>Σ</m:t>
-                        </m:r>
-                      </m:e>
-                      <m:sub>
-                        <m:r>
-                          <a:rPr lang="en-US" b="0" i="1" smtClean="0">
-                            <a:latin typeface="Cambria Math" panose="02040503050406030204" pitchFamily="18" charset="0"/>
-                          </a:rPr>
-                          <m:t>𝑛</m:t>
-                        </m:r>
-                      </m:sub>
-                    </m:sSub>
-                  </m:oMath>
-                </a14:m>
-                <a:endParaRPr lang="en-US" b="0" dirty="0"/>
-              </a:p>
-              <a:p>
-                <a14:m>
-                  <m:oMath xmlns:m="http://schemas.openxmlformats.org/officeDocument/2006/math">
-                    <m:sSub>
-                      <m:sSubPr>
-                        <m:ctrlPr>
-                          <a:rPr lang="en-US" i="1">
-                            <a:latin typeface="Cambria Math" charset="0"/>
-                          </a:rPr>
-                        </m:ctrlPr>
-                      </m:sSubPr>
-                      <m:e>
-                        <m:r>
-                          <a:rPr lang="en-US" b="0" i="1" smtClean="0">
-                            <a:latin typeface="Cambria Math" panose="02040503050406030204" pitchFamily="18" charset="0"/>
-                          </a:rPr>
-                          <m:t>𝑣𝑎𝑟</m:t>
-                        </m:r>
-                        <m:r>
-                          <a:rPr lang="en-US" b="0" i="1" smtClean="0">
-                            <a:latin typeface="Cambria Math" panose="02040503050406030204" pitchFamily="18" charset="0"/>
-                          </a:rPr>
-                          <m:t>(</m:t>
-                        </m:r>
-                        <m:r>
-                          <a:rPr lang="en-US" i="1">
-                            <a:latin typeface="Cambria Math" panose="02040503050406030204" pitchFamily="18" charset="0"/>
-                          </a:rPr>
-                          <m:t>𝜙</m:t>
-                        </m:r>
-                      </m:e>
-                      <m:sub>
-                        <m:r>
-                          <a:rPr lang="en-US" i="1">
-                            <a:latin typeface="Cambria Math" panose="02040503050406030204" pitchFamily="18" charset="0"/>
-                          </a:rPr>
-                          <m:t>𝑛</m:t>
-                        </m:r>
-                      </m:sub>
-                    </m:sSub>
-                    <m:r>
-                      <a:rPr lang="en-US" b="0" i="1" smtClean="0">
-                        <a:latin typeface="Cambria Math" panose="02040503050406030204" pitchFamily="18" charset="0"/>
-                      </a:rPr>
-                      <m:t>)</m:t>
-                    </m:r>
-                    <m:r>
-                      <a:rPr lang="en-US" i="1">
-                        <a:latin typeface="Cambria Math" panose="02040503050406030204" pitchFamily="18" charset="0"/>
-                      </a:rPr>
-                      <m:t>=</m:t>
-                    </m:r>
-                    <m:r>
-                      <a:rPr lang="en-US" b="0" i="1" smtClean="0">
-                        <a:latin typeface="Cambria Math" panose="02040503050406030204" pitchFamily="18" charset="0"/>
-                      </a:rPr>
-                      <m:t>𝑣𝑎𝑟</m:t>
-                    </m:r>
-                    <m:d>
-                      <m:dPr>
-                        <m:ctrlPr>
-                          <a:rPr lang="en-US" b="0" i="1" smtClean="0">
-                            <a:latin typeface="Cambria Math" charset="0"/>
-                          </a:rPr>
-                        </m:ctrlPr>
-                      </m:dPr>
-                      <m:e>
-                        <m:r>
-                          <a:rPr lang="en-US" i="1">
-                            <a:latin typeface="Cambria Math" panose="02040503050406030204" pitchFamily="18" charset="0"/>
-                          </a:rPr>
-                          <m:t>𝜌</m:t>
-                        </m:r>
-                        <m:sSub>
-                          <m:sSubPr>
-                            <m:ctrlPr>
-                              <a:rPr lang="en-US" i="1">
-                                <a:latin typeface="Cambria Math" charset="0"/>
-                              </a:rPr>
-                            </m:ctrlPr>
-                          </m:sSubPr>
-                          <m:e>
-                            <m:r>
-                              <a:rPr lang="en-US" i="1">
-                                <a:latin typeface="Cambria Math" panose="02040503050406030204" pitchFamily="18" charset="0"/>
-                              </a:rPr>
-                              <m:t>𝜙</m:t>
-                            </m:r>
-                          </m:e>
-                          <m:sub>
-                            <m:r>
-                              <a:rPr lang="en-US" i="1">
-                                <a:latin typeface="Cambria Math" panose="02040503050406030204" pitchFamily="18" charset="0"/>
-                              </a:rPr>
-                              <m:t>𝑛</m:t>
-                            </m:r>
-                            <m:r>
-                              <a:rPr lang="en-US" i="1">
-                                <a:latin typeface="Cambria Math" panose="02040503050406030204" pitchFamily="18" charset="0"/>
-                              </a:rPr>
-                              <m:t>−1</m:t>
-                            </m:r>
-                          </m:sub>
-                        </m:sSub>
-                        <m:r>
-                          <a:rPr lang="en-US" i="1">
-                            <a:latin typeface="Cambria Math" panose="02040503050406030204" pitchFamily="18" charset="0"/>
-                          </a:rPr>
-                          <m:t>+</m:t>
-                        </m:r>
-                        <m:r>
-                          <a:rPr lang="en-US" b="0" i="1" smtClean="0">
-                            <a:latin typeface="Cambria Math" charset="0"/>
-                          </a:rPr>
-                          <m:t>\</m:t>
-                        </m:r>
-                        <m:sSub>
-                          <m:sSubPr>
-                            <m:ctrlPr>
-                              <a:rPr lang="en-US" b="0" i="1" smtClean="0">
-                                <a:latin typeface="Cambria Math" charset="0"/>
-                              </a:rPr>
-                            </m:ctrlPr>
-                          </m:sSubPr>
-                          <m:e>
-                            <m:r>
-                              <m:rPr>
-                                <m:sty m:val="p"/>
-                              </m:rPr>
-                              <a:rPr lang="en-US" b="0" i="0" smtClean="0">
-                                <a:latin typeface="Cambria Math" charset="0"/>
-                              </a:rPr>
-                              <m:t>epsilon</m:t>
-                            </m:r>
-                          </m:e>
-                          <m:sub>
-                            <m:r>
-                              <a:rPr lang="en-US" b="0" i="1" smtClean="0">
-                                <a:latin typeface="Cambria Math" charset="0"/>
-                              </a:rPr>
-                              <m:t>𝑛</m:t>
-                            </m:r>
-                          </m:sub>
-                        </m:sSub>
-                      </m:e>
-                    </m:d>
-                  </m:oMath>
-                </a14:m>
-                <a:endParaRPr lang="en-US" b="0" dirty="0"/>
-              </a:p>
-              <a:p>
-                <a14:m>
-                  <m:oMath xmlns:m="http://schemas.openxmlformats.org/officeDocument/2006/math">
-                    <m:sSup>
-                      <m:sSupPr>
-                        <m:ctrlPr>
-                          <a:rPr lang="en-US" b="0" i="1" smtClean="0">
-                            <a:latin typeface="Cambria Math" charset="0"/>
-                          </a:rPr>
-                        </m:ctrlPr>
-                      </m:sSupPr>
-                      <m:e>
-                        <m:r>
-                          <a:rPr lang="en-US" b="0" i="1" smtClean="0">
-                            <a:latin typeface="Cambria Math" panose="02040503050406030204" pitchFamily="18" charset="0"/>
-                          </a:rPr>
-                          <m:t>𝜎</m:t>
-                        </m:r>
-                      </m:e>
-                      <m:sup>
-                        <m:r>
-                          <a:rPr lang="en-US" b="0" i="1" smtClean="0">
-                            <a:latin typeface="Cambria Math" panose="02040503050406030204" pitchFamily="18" charset="0"/>
-                          </a:rPr>
-                          <m:t>2</m:t>
-                        </m:r>
-                      </m:sup>
-                    </m:sSup>
-                    <m:r>
-                      <a:rPr lang="en-US" b="0" i="1" smtClean="0">
-                        <a:latin typeface="Cambria Math" panose="02040503050406030204" pitchFamily="18" charset="0"/>
-                      </a:rPr>
-                      <m:t>=</m:t>
-                    </m:r>
-                    <m:sSup>
-                      <m:sSupPr>
-                        <m:ctrlPr>
-                          <a:rPr lang="en-US" b="0" i="1" smtClean="0">
-                            <a:latin typeface="Cambria Math" charset="0"/>
-                          </a:rPr>
-                        </m:ctrlPr>
-                      </m:sSupPr>
-                      <m:e>
-                        <m:r>
-                          <a:rPr lang="en-US" b="0" i="1" smtClean="0">
-                            <a:latin typeface="Cambria Math" panose="02040503050406030204" pitchFamily="18" charset="0"/>
-                          </a:rPr>
-                          <m:t>𝜌</m:t>
-                        </m:r>
-                      </m:e>
-                      <m:sup>
-                        <m:r>
-                          <a:rPr lang="en-US" b="0" i="1" smtClean="0">
-                            <a:latin typeface="Cambria Math" panose="02040503050406030204" pitchFamily="18" charset="0"/>
-                          </a:rPr>
-                          <m:t>2</m:t>
-                        </m:r>
-                      </m:sup>
-                    </m:sSup>
-                    <m:r>
-                      <a:rPr lang="en-US" b="0" i="1" smtClean="0">
-                        <a:latin typeface="Cambria Math" panose="02040503050406030204" pitchFamily="18" charset="0"/>
-                      </a:rPr>
-                      <m:t>×</m:t>
-                    </m:r>
-                    <m:sSup>
-                      <m:sSupPr>
-                        <m:ctrlPr>
-                          <a:rPr lang="en-US" b="0" i="1" smtClean="0">
-                            <a:latin typeface="Cambria Math" charset="0"/>
-                          </a:rPr>
-                        </m:ctrlPr>
-                      </m:sSupPr>
-                      <m:e>
-                        <m:r>
-                          <a:rPr lang="en-US" b="0" i="1" smtClean="0">
-                            <a:latin typeface="Cambria Math" panose="02040503050406030204" pitchFamily="18" charset="0"/>
-                          </a:rPr>
-                          <m:t>𝜎</m:t>
-                        </m:r>
-                      </m:e>
-                      <m:sup>
-                        <m:r>
-                          <a:rPr lang="en-US" b="0" i="1" smtClean="0">
-                            <a:latin typeface="Cambria Math" panose="02040503050406030204" pitchFamily="18" charset="0"/>
-                          </a:rPr>
-                          <m:t>2</m:t>
-                        </m:r>
-                      </m:sup>
-                    </m:sSup>
-                    <m:r>
-                      <a:rPr lang="en-US" b="0" i="1" smtClean="0">
-                        <a:latin typeface="Cambria Math" panose="02040503050406030204" pitchFamily="18" charset="0"/>
-                      </a:rPr>
-                      <m:t>+</m:t>
-                    </m:r>
-                    <m:r>
-                      <a:rPr lang="en-US" b="0" i="1" smtClean="0">
-                        <a:latin typeface="Cambria Math" panose="02040503050406030204" pitchFamily="18" charset="0"/>
-                      </a:rPr>
-                      <m:t>𝑣𝑎𝑟</m:t>
-                    </m:r>
-                    <m:d>
-                      <m:dPr>
-                        <m:ctrlPr>
-                          <a:rPr lang="en-US" b="0" i="1" smtClean="0">
-                            <a:latin typeface="Cambria Math" charset="0"/>
-                          </a:rPr>
-                        </m:ctrlPr>
-                      </m:dPr>
-                      <m:e>
-                        <m:sSub>
-                          <m:sSubPr>
-                            <m:ctrlPr>
-                              <a:rPr lang="en-US" b="0" i="1" smtClean="0">
-                                <a:latin typeface="Cambria Math" charset="0"/>
-                              </a:rPr>
-                            </m:ctrlPr>
-                          </m:sSubPr>
-                          <m:e>
-                            <m:r>
-                              <m:rPr>
-                                <m:sty m:val="p"/>
-                              </m:rPr>
-                              <a:rPr lang="en-US" b="0" i="0" smtClean="0">
-                                <a:latin typeface="Cambria Math" panose="02040503050406030204" pitchFamily="18" charset="0"/>
-                              </a:rPr>
-                              <m:t>Σ</m:t>
-                            </m:r>
-                          </m:e>
-                          <m:sub>
-                            <m:r>
-                              <a:rPr lang="en-US" b="0" i="1" smtClean="0">
-                                <a:latin typeface="Cambria Math" panose="02040503050406030204" pitchFamily="18" charset="0"/>
-                              </a:rPr>
-                              <m:t>𝑛</m:t>
-                            </m:r>
-                          </m:sub>
-                        </m:sSub>
-                      </m:e>
-                    </m:d>
-                  </m:oMath>
-                </a14:m>
-                <a:endParaRPr lang="en-US" b="0" dirty="0"/>
-              </a:p>
-              <a:p>
-                <a14:m>
-                  <m:oMath xmlns:m="http://schemas.openxmlformats.org/officeDocument/2006/math">
-                    <m:sSup>
-                      <m:sSupPr>
-                        <m:ctrlPr>
-                          <a:rPr lang="en-US" i="1">
-                            <a:latin typeface="Cambria Math" charset="0"/>
-                          </a:rPr>
-                        </m:ctrlPr>
-                      </m:sSupPr>
-                      <m:e>
-                        <m:r>
-                          <a:rPr lang="en-US" i="1">
-                            <a:latin typeface="Cambria Math" panose="02040503050406030204" pitchFamily="18" charset="0"/>
-                          </a:rPr>
-                          <m:t>𝜎</m:t>
-                        </m:r>
-                      </m:e>
-                      <m:sup>
-                        <m:r>
-                          <a:rPr lang="en-US" i="1">
-                            <a:latin typeface="Cambria Math" panose="02040503050406030204" pitchFamily="18" charset="0"/>
-                          </a:rPr>
-                          <m:t>2</m:t>
-                        </m:r>
-                      </m:sup>
-                    </m:sSup>
-                    <m:r>
-                      <a:rPr lang="en-US" i="1">
-                        <a:latin typeface="Cambria Math" panose="02040503050406030204" pitchFamily="18" charset="0"/>
-                      </a:rPr>
-                      <m:t>=</m:t>
-                    </m:r>
-                    <m:sSup>
-                      <m:sSupPr>
-                        <m:ctrlPr>
-                          <a:rPr lang="en-US" i="1">
-                            <a:latin typeface="Cambria Math" charset="0"/>
-                          </a:rPr>
-                        </m:ctrlPr>
-                      </m:sSupPr>
-                      <m:e>
-                        <m:r>
-                          <a:rPr lang="en-US" i="1">
-                            <a:latin typeface="Cambria Math" panose="02040503050406030204" pitchFamily="18" charset="0"/>
-                          </a:rPr>
-                          <m:t>𝜌</m:t>
-                        </m:r>
-                      </m:e>
-                      <m:sup>
-                        <m:r>
-                          <a:rPr lang="en-US" i="1">
-                            <a:latin typeface="Cambria Math" panose="02040503050406030204" pitchFamily="18" charset="0"/>
-                          </a:rPr>
-                          <m:t>2</m:t>
-                        </m:r>
-                      </m:sup>
-                    </m:sSup>
-                    <m:r>
-                      <a:rPr lang="en-US" i="1">
-                        <a:latin typeface="Cambria Math" panose="02040503050406030204" pitchFamily="18" charset="0"/>
-                      </a:rPr>
-                      <m:t>×</m:t>
-                    </m:r>
-                    <m:sSup>
-                      <m:sSupPr>
-                        <m:ctrlPr>
-                          <a:rPr lang="en-US" i="1">
-                            <a:latin typeface="Cambria Math" charset="0"/>
-                          </a:rPr>
-                        </m:ctrlPr>
-                      </m:sSupPr>
-                      <m:e>
-                        <m:r>
-                          <a:rPr lang="en-US" i="1">
-                            <a:latin typeface="Cambria Math" panose="02040503050406030204" pitchFamily="18" charset="0"/>
-                          </a:rPr>
-                          <m:t>𝜎</m:t>
-                        </m:r>
-                      </m:e>
-                      <m:sup>
-                        <m:r>
-                          <a:rPr lang="en-US" i="1">
-                            <a:latin typeface="Cambria Math" panose="02040503050406030204" pitchFamily="18" charset="0"/>
-                          </a:rPr>
-                          <m:t>2</m:t>
-                        </m:r>
-                      </m:sup>
-                    </m:sSup>
-                    <m:r>
-                      <a:rPr lang="en-US" i="1">
-                        <a:latin typeface="Cambria Math" panose="02040503050406030204" pitchFamily="18" charset="0"/>
-                      </a:rPr>
-                      <m:t>+</m:t>
-                    </m:r>
-                    <m:sSubSup>
-                      <m:sSubSupPr>
-                        <m:ctrlPr>
-                          <a:rPr lang="en-US" b="0" i="1" smtClean="0">
-                            <a:latin typeface="Cambria Math" charset="0"/>
-                          </a:rPr>
-                        </m:ctrlPr>
-                      </m:sSubSupPr>
-                      <m:e>
-                        <m:r>
-                          <a:rPr lang="en-US" b="0" i="1" smtClean="0">
-                            <a:latin typeface="Cambria Math" panose="02040503050406030204" pitchFamily="18" charset="0"/>
-                          </a:rPr>
-                          <m:t>𝜎</m:t>
-                        </m:r>
-                      </m:e>
-                      <m:sub>
-                        <m:r>
-                          <a:rPr lang="en-US" b="0" i="1" smtClean="0">
-                            <a:latin typeface="Cambria Math" panose="02040503050406030204" pitchFamily="18" charset="0"/>
-                          </a:rPr>
-                          <m:t>𝐴𝑅</m:t>
-                        </m:r>
-                        <m:r>
-                          <a:rPr lang="en-US" b="0" i="1" smtClean="0">
-                            <a:latin typeface="Cambria Math" panose="02040503050406030204" pitchFamily="18" charset="0"/>
-                          </a:rPr>
-                          <m:t>1</m:t>
-                        </m:r>
-                      </m:sub>
-                      <m:sup>
-                        <m:r>
-                          <a:rPr lang="en-US" b="0" i="1" smtClean="0">
-                            <a:latin typeface="Cambria Math" panose="02040503050406030204" pitchFamily="18" charset="0"/>
-                          </a:rPr>
-                          <m:t>2</m:t>
-                        </m:r>
-                      </m:sup>
-                    </m:sSubSup>
-                  </m:oMath>
-                </a14:m>
-                <a:endParaRPr lang="en-US" b="0" dirty="0"/>
-              </a:p>
-              <a:p>
-                <a14:m>
-                  <m:oMath xmlns:m="http://schemas.openxmlformats.org/officeDocument/2006/math">
-                    <m:sSup>
-                      <m:sSupPr>
-                        <m:ctrlPr>
-                          <a:rPr lang="en-US" i="1">
-                            <a:latin typeface="Cambria Math" charset="0"/>
-                          </a:rPr>
-                        </m:ctrlPr>
-                      </m:sSupPr>
-                      <m:e>
-                        <m:r>
-                          <a:rPr lang="en-US" i="1">
-                            <a:latin typeface="Cambria Math" panose="02040503050406030204" pitchFamily="18" charset="0"/>
-                          </a:rPr>
-                          <m:t>𝜎</m:t>
-                        </m:r>
-                      </m:e>
-                      <m:sup>
-                        <m:r>
-                          <a:rPr lang="en-US" i="1">
-                            <a:latin typeface="Cambria Math" panose="02040503050406030204" pitchFamily="18" charset="0"/>
-                          </a:rPr>
-                          <m:t>2</m:t>
-                        </m:r>
-                      </m:sup>
-                    </m:sSup>
-                    <m:r>
-                      <a:rPr lang="en-US" b="0" i="1" smtClean="0">
-                        <a:latin typeface="Cambria Math" panose="02040503050406030204" pitchFamily="18" charset="0"/>
-                      </a:rPr>
-                      <m:t>(1−</m:t>
-                    </m:r>
-                    <m:sSup>
-                      <m:sSupPr>
-                        <m:ctrlPr>
-                          <a:rPr lang="en-US" b="0" i="1" smtClean="0">
-                            <a:latin typeface="Cambria Math" charset="0"/>
-                          </a:rPr>
-                        </m:ctrlPr>
-                      </m:sSupPr>
-                      <m:e>
-                        <m:r>
-                          <a:rPr lang="en-US" b="0" i="1" smtClean="0">
-                            <a:latin typeface="Cambria Math" panose="02040503050406030204" pitchFamily="18" charset="0"/>
-                          </a:rPr>
-                          <m:t>𝜌</m:t>
-                        </m:r>
-                      </m:e>
-                      <m:sup>
-                        <m:r>
-                          <a:rPr lang="en-US" b="0" i="1" smtClean="0">
-                            <a:latin typeface="Cambria Math" panose="02040503050406030204" pitchFamily="18" charset="0"/>
-                          </a:rPr>
-                          <m:t>2</m:t>
-                        </m:r>
-                      </m:sup>
-                    </m:sSup>
-                    <m:r>
-                      <a:rPr lang="en-US" b="0" i="1" smtClean="0">
-                        <a:latin typeface="Cambria Math" panose="02040503050406030204" pitchFamily="18" charset="0"/>
-                      </a:rPr>
-                      <m:t>)</m:t>
-                    </m:r>
-                    <m:r>
-                      <a:rPr lang="en-US" i="1">
-                        <a:latin typeface="Cambria Math" panose="02040503050406030204" pitchFamily="18" charset="0"/>
-                      </a:rPr>
-                      <m:t>=</m:t>
-                    </m:r>
-                    <m:sSubSup>
-                      <m:sSubSupPr>
-                        <m:ctrlPr>
-                          <a:rPr lang="en-US" i="1">
-                            <a:latin typeface="Cambria Math" charset="0"/>
-                          </a:rPr>
-                        </m:ctrlPr>
-                      </m:sSubSupPr>
-                      <m:e>
-                        <m:r>
-                          <a:rPr lang="en-US" i="1">
-                            <a:latin typeface="Cambria Math" panose="02040503050406030204" pitchFamily="18" charset="0"/>
-                          </a:rPr>
-                          <m:t>𝜎</m:t>
-                        </m:r>
-                      </m:e>
-                      <m:sub>
-                        <m:r>
-                          <a:rPr lang="en-US" i="1">
-                            <a:latin typeface="Cambria Math" panose="02040503050406030204" pitchFamily="18" charset="0"/>
-                          </a:rPr>
-                          <m:t>𝐴𝑅</m:t>
-                        </m:r>
-                        <m:r>
-                          <a:rPr lang="en-US" i="1">
-                            <a:latin typeface="Cambria Math" panose="02040503050406030204" pitchFamily="18" charset="0"/>
-                          </a:rPr>
-                          <m:t>1</m:t>
-                        </m:r>
-                      </m:sub>
-                      <m:sup>
-                        <m:r>
-                          <a:rPr lang="en-US" i="1">
-                            <a:latin typeface="Cambria Math" panose="02040503050406030204" pitchFamily="18" charset="0"/>
-                          </a:rPr>
-                          <m:t>2</m:t>
-                        </m:r>
-                      </m:sup>
-                    </m:sSubSup>
-                  </m:oMath>
-                </a14:m>
-                <a:endParaRPr lang="en-US" b="0" dirty="0"/>
-              </a:p>
-              <a:p>
-                <a:r>
-                  <a:rPr lang="en-US" dirty="0"/>
-                  <a:t>Will put each variable means</a:t>
-                </a:r>
-                <a:endParaRPr lang="en-US" b="0" dirty="0"/>
-              </a:p>
-              <a:p>
-                <a:endParaRPr lang="en-US" b="0" dirty="0"/>
-              </a:p>
-              <a:p>
-                <a:endParaRPr lang="en-US" b="0" dirty="0"/>
-              </a:p>
-              <a:p>
-                <a:endParaRPr lang="en-US" dirty="0"/>
-              </a:p>
-            </p:txBody>
-          </p:sp>
-        </mc:Choice>
-        <mc:Fallback>
-          <p:sp>
-            <p:nvSpPr>
-              <p:cNvPr id="3" name="Content Placeholder 2">
-                <a:extLst>
-                  <a:ext uri="{FF2B5EF4-FFF2-40B4-BE49-F238E27FC236}">
-                    <a16:creationId xmlns:a16="http://schemas.microsoft.com/office/drawing/2014/main" xmlns:a14="http://schemas.microsoft.com/office/drawing/2010/main" xmlns="" id="{DDA4DCC2-56D4-4FEB-BA98-1C25194A0BD4}"/>
-                  </a:ext>
-                </a:extLst>
-              </p:cNvPr>
-              <p:cNvSpPr>
-                <a:spLocks noGrp="1" noRot="1" noChangeAspect="1" noMove="1" noResize="1" noEditPoints="1" noAdjustHandles="1" noChangeArrowheads="1" noChangeShapeType="1" noTextEdit="1"/>
-              </p:cNvSpPr>
-              <p:nvPr>
-                <p:ph idx="1"/>
-              </p:nvPr>
-            </p:nvSpPr>
-            <p:spPr>
-              <a:xfrm>
-                <a:off x="838200" y="1315453"/>
-                <a:ext cx="10515600" cy="4861509"/>
-              </a:xfrm>
-              <a:blipFill rotWithShape="0">
-                <a:blip r:embed="rId3"/>
-                <a:stretch>
-                  <a:fillRect l="-1043"/>
-                </a:stretch>
-              </a:blipFill>
-            </p:spPr>
-            <p:txBody>
-              <a:bodyPr/>
-              <a:lstStyle/>
-              <a:p>
-                <a:r>
-                  <a:rPr lang="en-US">
-                    <a:noFill/>
-                  </a:rPr>
-                  <a:t> </a:t>
-                </a:r>
-              </a:p>
-            </p:txBody>
-          </p:sp>
-        </mc:Fallback>
-      </mc:AlternateContent>
-      <p:sp>
-        <p:nvSpPr>
-          <p:cNvPr id="4" name="Title 1">
-            <a:extLst>
-              <a:ext uri="{FF2B5EF4-FFF2-40B4-BE49-F238E27FC236}">
-                <a16:creationId xmlns:a16="http://schemas.microsoft.com/office/drawing/2014/main" xmlns="" id="{56632757-107D-438A-BA93-6EBF49DFD064}"/>
-              </a:ext>
-            </a:extLst>
-          </p:cNvPr>
-          <p:cNvSpPr>
-            <a:spLocks noGrp="1"/>
-          </p:cNvSpPr>
-          <p:nvPr>
-            <p:ph type="title"/>
-          </p:nvPr>
-        </p:nvSpPr>
-        <p:spPr>
-          <a:xfrm>
-            <a:off x="838200" y="365126"/>
-            <a:ext cx="10515600" cy="950328"/>
-          </a:xfrm>
-        </p:spPr>
-        <p:txBody>
-          <a:bodyPr/>
-          <a:lstStyle/>
-          <a:p>
-            <a:r>
-              <a:rPr lang="en-US" dirty="0"/>
-              <a:t>Building the AR1 Matrix</a:t>
-            </a:r>
-          </a:p>
-        </p:txBody>
-      </p:sp>
-    </p:spTree>
-    <p:extLst>
-      <p:ext uri="{BB962C8B-B14F-4D97-AF65-F5344CB8AC3E}">
-        <p14:creationId xmlns:p14="http://schemas.microsoft.com/office/powerpoint/2010/main" val="2434353050"/>
-      </p:ext>
-    </p:extLst>
-  </p:cSld>
-  <p:clrMapOvr>
-    <a:masterClrMapping/>
-  </p:clrMapOvr>
-</p:sld>
-</file>
-
-<file path=ppt/slides/slide12.xml><?xml version="1.0" encoding="utf-8"?>
-<p:sld xmlns:a="http://schemas.openxmlformats.org/drawingml/2006/main" xmlns:r="http://schemas.openxmlformats.org/officeDocument/2006/relationships" xmlns:p="http://schemas.openxmlformats.org/presentationml/2006/main">
-  <p:cSld>
-    <p:spTree>
-      <p:nvGrpSpPr>
-        <p:cNvPr id="1" name=""/>
-        <p:cNvGrpSpPr/>
-        <p:nvPr/>
-      </p:nvGrpSpPr>
-      <p:grpSpPr>
-        <a:xfrm>
-          <a:off x="0" y="0"/>
-          <a:ext cx="0" cy="0"/>
-          <a:chOff x="0" y="0"/>
-          <a:chExt cx="0" cy="0"/>
-        </a:xfrm>
-      </p:grpSpPr>
       <p:sp>
         <p:nvSpPr>
           <p:cNvPr id="2" name="Title 1">
             <a:extLst>
               <a:ext uri="{FF2B5EF4-FFF2-40B4-BE49-F238E27FC236}">
-                <a16:creationId xmlns:a16="http://schemas.microsoft.com/office/drawing/2014/main" xmlns="" id="{BA40C42D-2B0E-4A61-B209-7B875EE7A19C}"/>
+                <a16:creationId xmlns:a16="http://schemas.microsoft.com/office/drawing/2014/main" id="{BA40C42D-2B0E-4A61-B209-7B875EE7A19C}"/>
               </a:ext>
             </a:extLst>
           </p:cNvPr>
@@ -5398,7 +4568,7 @@
           <p:cNvPr id="5" name="Content Placeholder 2">
             <a:extLst>
               <a:ext uri="{FF2B5EF4-FFF2-40B4-BE49-F238E27FC236}">
-                <a16:creationId xmlns:a16="http://schemas.microsoft.com/office/drawing/2014/main" xmlns="" id="{F99751B2-D479-42C9-BDDE-01F72208421C}"/>
+                <a16:creationId xmlns:a16="http://schemas.microsoft.com/office/drawing/2014/main" id="{F99751B2-D479-42C9-BDDE-01F72208421C}"/>
               </a:ext>
             </a:extLst>
           </p:cNvPr>
@@ -5426,14 +4596,14 @@
           </a:p>
         </p:txBody>
       </p:sp>
-      <mc:AlternateContent xmlns:mc="http://schemas.openxmlformats.org/markup-compatibility/2006">
-        <mc:Choice xmlns:a14="http://schemas.microsoft.com/office/drawing/2010/main" Requires="a14">
+      <mc:AlternateContent xmlns:mc="http://schemas.openxmlformats.org/markup-compatibility/2006" xmlns:a14="http://schemas.microsoft.com/office/drawing/2010/main">
+        <mc:Choice Requires="a14">
           <p:sp>
             <p:nvSpPr>
               <p:cNvPr id="4" name="Rectangle 3">
                 <a:extLst>
                   <a:ext uri="{FF2B5EF4-FFF2-40B4-BE49-F238E27FC236}">
-                    <a16:creationId xmlns:a16="http://schemas.microsoft.com/office/drawing/2014/main" xmlns="" id="{10F566C3-3256-48D3-8ECD-339EEFC1A330}"/>
+                    <a16:creationId xmlns:a16="http://schemas.microsoft.com/office/drawing/2014/main" id="{10F566C3-3256-48D3-8ECD-339EEFC1A330}"/>
                   </a:ext>
                 </a:extLst>
               </p:cNvPr>
@@ -5461,7 +4631,7 @@
                       <m:sSubPr>
                         <m:ctrlPr>
                           <a:rPr lang="en-US" sz="2800" i="1" smtClean="0">
-                            <a:latin typeface="Cambria Math" charset="0"/>
+                            <a:latin typeface="Cambria Math" panose="02040503050406030204" pitchFamily="18" charset="0"/>
                           </a:rPr>
                         </m:ctrlPr>
                       </m:sSubPr>
@@ -5509,7 +4679,7 @@
                       <m:sSubSupPr>
                         <m:ctrlPr>
                           <a:rPr lang="en-US" sz="2800" i="1">
-                            <a:latin typeface="Cambria Math" charset="0"/>
+                            <a:latin typeface="Cambria Math" panose="02040503050406030204" pitchFamily="18" charset="0"/>
                           </a:rPr>
                         </m:ctrlPr>
                       </m:sSubSupPr>
@@ -5548,15 +4718,7 @@
                 </a14:m>
                 <a:r>
                   <a:rPr lang="en-US" sz="2800" dirty="0"/>
-                  <a:t>/</a:t>
-                </a:r>
-                <a:r>
-                  <a:rPr lang="en-US" sz="2800" dirty="0" smtClean="0"/>
-                  <a:t>(</a:t>
-                </a:r>
-                <a:r>
-                  <a:rPr lang="en-US" sz="2800" dirty="0"/>
-                  <a:t> </a:t>
+                  <a:t>/( </a:t>
                 </a:r>
                 <a14:m>
                   <m:oMath xmlns:m="http://schemas.openxmlformats.org/officeDocument/2006/math">
@@ -5570,7 +4732,7 @@
                       <m:sSubSupPr>
                         <m:ctrlPr>
                           <a:rPr lang="en-US" sz="2800" i="1">
-                            <a:latin typeface="Cambria Math" charset="0"/>
+                            <a:latin typeface="Cambria Math" panose="02040503050406030204" pitchFamily="18" charset="0"/>
                           </a:rPr>
                         </m:ctrlPr>
                       </m:sSubSupPr>
@@ -5624,7 +4786,7 @@
             </p:txBody>
           </p:sp>
         </mc:Choice>
-        <mc:Fallback>
+        <mc:Fallback xmlns="">
           <p:sp>
             <p:nvSpPr>
               <p:cNvPr id="4" name="Rectangle 3">
@@ -5669,14 +4831,14 @@
           </p:sp>
         </mc:Fallback>
       </mc:AlternateContent>
-      <mc:AlternateContent xmlns:mc="http://schemas.openxmlformats.org/markup-compatibility/2006" xmlns:a14="http://schemas.microsoft.com/office/drawing/2010/main">
-        <mc:Choice Requires="a14">
+      <mc:AlternateContent xmlns:mc="http://schemas.openxmlformats.org/markup-compatibility/2006">
+        <mc:Choice xmlns:a14="http://schemas.microsoft.com/office/drawing/2010/main" Requires="a14">
           <p:graphicFrame>
             <p:nvGraphicFramePr>
               <p:cNvPr id="6" name="Table 5">
                 <a:extLst>
                   <a:ext uri="{FF2B5EF4-FFF2-40B4-BE49-F238E27FC236}">
-                    <a16:creationId xmlns:a16="http://schemas.microsoft.com/office/drawing/2014/main" xmlns="" id="{E2A87B87-38A0-4161-B399-FC28948DD2A8}"/>
+                    <a16:creationId xmlns:a16="http://schemas.microsoft.com/office/drawing/2014/main" id="{E2A87B87-38A0-4161-B399-FC28948DD2A8}"/>
                   </a:ext>
                 </a:extLst>
               </p:cNvPr>
@@ -5686,7 +4848,7 @@
               <p:nvPr>
                 <p:extLst>
                   <p:ext uri="{D42A27DB-BD31-4B8C-83A1-F6EECF244321}">
-                    <p14:modId xmlns:p14="http://schemas.microsoft.com/office/powerpoint/2010/main" val="4203199658"/>
+                    <p14:modId xmlns:p14="http://schemas.microsoft.com/office/powerpoint/2010/main" val="312389518"/>
                   </p:ext>
                 </p:extLst>
               </p:nvPr>
@@ -5705,35 +4867,35 @@
                     <a:gridCol w="812800">
                       <a:extLst>
                         <a:ext uri="{9D8B030D-6E8A-4147-A177-3AD203B41FA5}">
-                          <a16:colId xmlns:a16="http://schemas.microsoft.com/office/drawing/2014/main" xmlns="" val="4056166537"/>
+                          <a16:colId xmlns:a16="http://schemas.microsoft.com/office/drawing/2014/main" val="4056166537"/>
                         </a:ext>
                       </a:extLst>
                     </a:gridCol>
                     <a:gridCol w="812800">
                       <a:extLst>
                         <a:ext uri="{9D8B030D-6E8A-4147-A177-3AD203B41FA5}">
-                          <a16:colId xmlns:a16="http://schemas.microsoft.com/office/drawing/2014/main" xmlns="" val="3077311197"/>
+                          <a16:colId xmlns:a16="http://schemas.microsoft.com/office/drawing/2014/main" val="3077311197"/>
                         </a:ext>
                       </a:extLst>
                     </a:gridCol>
                     <a:gridCol w="812800">
                       <a:extLst>
                         <a:ext uri="{9D8B030D-6E8A-4147-A177-3AD203B41FA5}">
-                          <a16:colId xmlns:a16="http://schemas.microsoft.com/office/drawing/2014/main" xmlns="" val="437580007"/>
+                          <a16:colId xmlns:a16="http://schemas.microsoft.com/office/drawing/2014/main" val="437580007"/>
                         </a:ext>
                       </a:extLst>
                     </a:gridCol>
                     <a:gridCol w="812800">
                       <a:extLst>
                         <a:ext uri="{9D8B030D-6E8A-4147-A177-3AD203B41FA5}">
-                          <a16:colId xmlns:a16="http://schemas.microsoft.com/office/drawing/2014/main" xmlns="" val="3110053692"/>
+                          <a16:colId xmlns:a16="http://schemas.microsoft.com/office/drawing/2014/main" val="3110053692"/>
                         </a:ext>
                       </a:extLst>
                     </a:gridCol>
                     <a:gridCol w="812800">
                       <a:extLst>
                         <a:ext uri="{9D8B030D-6E8A-4147-A177-3AD203B41FA5}">
-                          <a16:colId xmlns:a16="http://schemas.microsoft.com/office/drawing/2014/main" xmlns="" val="1661254295"/>
+                          <a16:colId xmlns:a16="http://schemas.microsoft.com/office/drawing/2014/main" val="1661254295"/>
                         </a:ext>
                       </a:extLst>
                     </a:gridCol>
@@ -5781,7 +4943,9 @@
                           <a:tailEnd type="none" w="med" len="med"/>
                         </a:lnR>
                         <a:lnT w="12700" cap="flat" cmpd="sng" algn="ctr">
-                          <a:noFill/>
+                          <a:solidFill>
+                            <a:schemeClr val="tx1"/>
+                          </a:solidFill>
                           <a:prstDash val="solid"/>
                           <a:round/>
                           <a:headEnd type="none" w="med" len="med"/>
@@ -5883,7 +5047,7 @@
                                   <m:sSupPr>
                                     <m:ctrlPr>
                                       <a:rPr lang="en-US" sz="3200" b="0" i="1" smtClean="0">
-                                        <a:latin typeface="Cambria Math" charset="0"/>
+                                        <a:latin typeface="Cambria Math" panose="02040503050406030204" pitchFamily="18" charset="0"/>
                                       </a:rPr>
                                     </m:ctrlPr>
                                   </m:sSupPr>
@@ -5971,7 +5135,7 @@
                                   <m:sSupPr>
                                     <m:ctrlPr>
                                       <a:rPr lang="en-US" sz="3200" b="0" i="1" smtClean="0">
-                                        <a:latin typeface="Cambria Math" charset="0"/>
+                                        <a:latin typeface="Cambria Math" panose="02040503050406030204" pitchFamily="18" charset="0"/>
                                       </a:rPr>
                                     </m:ctrlPr>
                                   </m:sSupPr>
@@ -6079,7 +5243,9 @@
                           <a:tailEnd type="none" w="med" len="med"/>
                         </a:lnR>
                         <a:lnT w="12700" cap="flat" cmpd="sng" algn="ctr">
-                          <a:noFill/>
+                          <a:solidFill>
+                            <a:schemeClr val="tx1"/>
+                          </a:solidFill>
                           <a:prstDash val="solid"/>
                           <a:round/>
                           <a:headEnd type="none" w="med" len="med"/>
@@ -6104,7 +5270,7 @@
                     </a:tc>
                     <a:extLst>
                       <a:ext uri="{0D108BD9-81ED-4DB2-BD59-A6C34878D82A}">
-                        <a16:rowId xmlns:a16="http://schemas.microsoft.com/office/drawing/2014/main" xmlns="" val="2801954663"/>
+                        <a16:rowId xmlns:a16="http://schemas.microsoft.com/office/drawing/2014/main" val="2801954663"/>
                       </a:ext>
                     </a:extLst>
                   </a:tr>
@@ -6316,7 +5482,7 @@
                                   <m:sSupPr>
                                     <m:ctrlPr>
                                       <a:rPr lang="en-US" sz="3200" b="0" i="1" smtClean="0">
-                                        <a:latin typeface="Cambria Math" charset="0"/>
+                                        <a:latin typeface="Cambria Math" panose="02040503050406030204" pitchFamily="18" charset="0"/>
                                       </a:rPr>
                                     </m:ctrlPr>
                                   </m:sSupPr>
@@ -6449,7 +5615,7 @@
                     </a:tc>
                     <a:extLst>
                       <a:ext uri="{0D108BD9-81ED-4DB2-BD59-A6C34878D82A}">
-                        <a16:rowId xmlns:a16="http://schemas.microsoft.com/office/drawing/2014/main" xmlns="" val="1202998512"/>
+                        <a16:rowId xmlns:a16="http://schemas.microsoft.com/office/drawing/2014/main" val="1202998512"/>
                       </a:ext>
                     </a:extLst>
                   </a:tr>
@@ -6470,7 +5636,7 @@
                                   <m:sSupPr>
                                     <m:ctrlPr>
                                       <a:rPr lang="en-US" sz="3200" b="0" i="1" smtClean="0">
-                                        <a:latin typeface="Cambria Math" charset="0"/>
+                                        <a:latin typeface="Cambria Math" panose="02040503050406030204" pitchFamily="18" charset="0"/>
                                       </a:rPr>
                                     </m:ctrlPr>
                                   </m:sSupPr>
@@ -6794,7 +5960,7 @@
                     </a:tc>
                     <a:extLst>
                       <a:ext uri="{0D108BD9-81ED-4DB2-BD59-A6C34878D82A}">
-                        <a16:rowId xmlns:a16="http://schemas.microsoft.com/office/drawing/2014/main" xmlns="" val="1090008321"/>
+                        <a16:rowId xmlns:a16="http://schemas.microsoft.com/office/drawing/2014/main" val="1090008321"/>
                       </a:ext>
                     </a:extLst>
                   </a:tr>
@@ -7120,7 +6286,7 @@
                     </a:tc>
                     <a:extLst>
                       <a:ext uri="{0D108BD9-81ED-4DB2-BD59-A6C34878D82A}">
-                        <a16:rowId xmlns:a16="http://schemas.microsoft.com/office/drawing/2014/main" xmlns="" val="1079821898"/>
+                        <a16:rowId xmlns:a16="http://schemas.microsoft.com/office/drawing/2014/main" val="1079821898"/>
                       </a:ext>
                     </a:extLst>
                   </a:tr>
@@ -7174,7 +6340,9 @@
                           <a:tailEnd type="none" w="med" len="med"/>
                         </a:lnT>
                         <a:lnB w="12700" cap="flat" cmpd="sng" algn="ctr">
-                          <a:noFill/>
+                          <a:solidFill>
+                            <a:schemeClr val="tx1"/>
+                          </a:solidFill>
                           <a:prstDash val="solid"/>
                           <a:round/>
                           <a:headEnd type="none" w="med" len="med"/>
@@ -7428,7 +6596,9 @@
                           <a:tailEnd type="none" w="med" len="med"/>
                         </a:lnT>
                         <a:lnB w="12700" cap="flat" cmpd="sng" algn="ctr">
-                          <a:noFill/>
+                          <a:solidFill>
+                            <a:schemeClr val="tx1"/>
+                          </a:solidFill>
                           <a:prstDash val="solid"/>
                           <a:round/>
                           <a:headEnd type="none" w="med" len="med"/>
@@ -7446,7 +6616,7 @@
                     </a:tc>
                     <a:extLst>
                       <a:ext uri="{0D108BD9-81ED-4DB2-BD59-A6C34878D82A}">
-                        <a16:rowId xmlns:a16="http://schemas.microsoft.com/office/drawing/2014/main" xmlns="" val="2872114764"/>
+                        <a16:rowId xmlns:a16="http://schemas.microsoft.com/office/drawing/2014/main" val="2872114764"/>
                       </a:ext>
                     </a:extLst>
                   </a:tr>
@@ -7455,7 +6625,7 @@
             </a:graphic>
           </p:graphicFrame>
         </mc:Choice>
-        <mc:Fallback xmlns="">
+        <mc:Fallback>
           <p:graphicFrame>
             <p:nvGraphicFramePr>
               <p:cNvPr id="6" name="Table 5">
@@ -7471,7 +6641,7 @@
               <p:nvPr>
                 <p:extLst>
                   <p:ext uri="{D42A27DB-BD31-4B8C-83A1-F6EECF244321}">
-                    <p14:modId xmlns:p14="http://schemas.microsoft.com/office/powerpoint/2010/main" val="4203199658"/>
+                    <p14:modId xmlns:p14="http://schemas.microsoft.com/office/powerpoint/2010/main" val="312389518"/>
                   </p:ext>
                 </p:extLst>
               </p:nvPr>
@@ -7550,7 +6720,9 @@
                           <a:tailEnd type="none" w="med" len="med"/>
                         </a:lnR>
                         <a:lnT w="12700" cap="flat" cmpd="sng" algn="ctr">
-                          <a:noFill/>
+                          <a:solidFill>
+                            <a:schemeClr val="tx1"/>
+                          </a:solidFill>
                           <a:prstDash val="solid"/>
                           <a:round/>
                           <a:headEnd type="none" w="med" len="med"/>
@@ -7574,7 +6746,7 @@
                         <a:blipFill>
                           <a:blip r:embed="rId3"/>
                           <a:stretch>
-                            <a:fillRect l="-752" r="-403008" b="-403061"/>
+                            <a:fillRect l="-752" t="-1020" r="-403759" b="-404082"/>
                           </a:stretch>
                         </a:blipFill>
                       </a:tcPr>
@@ -7627,7 +6799,7 @@
                         <a:blipFill>
                           <a:blip r:embed="rId3"/>
                           <a:stretch>
-                            <a:fillRect l="-100000" r="-300000" b="-403061"/>
+                            <a:fillRect l="-100000" t="-1020" r="-300746" b="-404082"/>
                           </a:stretch>
                         </a:blipFill>
                       </a:tcPr>
@@ -7680,7 +6852,7 @@
                         <a:blipFill>
                           <a:blip r:embed="rId3"/>
                           <a:stretch>
-                            <a:fillRect l="-201504" r="-202256" b="-403061"/>
+                            <a:fillRect l="-201504" t="-1020" r="-203008" b="-404082"/>
                           </a:stretch>
                         </a:blipFill>
                       </a:tcPr>
@@ -7733,7 +6905,7 @@
                         <a:blipFill>
                           <a:blip r:embed="rId3"/>
                           <a:stretch>
-                            <a:fillRect l="-299254" r="-100746" b="-403061"/>
+                            <a:fillRect l="-299254" t="-1020" r="-101493" b="-404082"/>
                           </a:stretch>
                         </a:blipFill>
                       </a:tcPr>
@@ -7764,7 +6936,9 @@
                           <a:tailEnd type="none" w="med" len="med"/>
                         </a:lnR>
                         <a:lnT w="12700" cap="flat" cmpd="sng" algn="ctr">
-                          <a:noFill/>
+                          <a:solidFill>
+                            <a:schemeClr val="tx1"/>
+                          </a:solidFill>
                           <a:prstDash val="solid"/>
                           <a:round/>
                           <a:headEnd type="none" w="med" len="med"/>
@@ -7788,7 +6962,7 @@
                         <a:blipFill>
                           <a:blip r:embed="rId3"/>
                           <a:stretch>
-                            <a:fillRect l="-402256" r="-1504" b="-403061"/>
+                            <a:fillRect l="-402256" t="-1020" r="-2256" b="-404082"/>
                           </a:stretch>
                         </a:blipFill>
                       </a:tcPr>
@@ -7850,7 +7024,7 @@
                         <a:blipFill>
                           <a:blip r:embed="rId3"/>
                           <a:stretch>
-                            <a:fillRect l="-752" t="-98990" r="-403008" b="-298990"/>
+                            <a:fillRect l="-752" t="-100000" r="-403759" b="-300000"/>
                           </a:stretch>
                         </a:blipFill>
                       </a:tcPr>
@@ -7903,7 +7077,7 @@
                         <a:blipFill>
                           <a:blip r:embed="rId3"/>
                           <a:stretch>
-                            <a:fillRect l="-100000" t="-98990" r="-300000" b="-298990"/>
+                            <a:fillRect l="-100000" t="-100000" r="-300746" b="-300000"/>
                           </a:stretch>
                         </a:blipFill>
                       </a:tcPr>
@@ -7956,7 +7130,7 @@
                         <a:blipFill>
                           <a:blip r:embed="rId3"/>
                           <a:stretch>
-                            <a:fillRect l="-201504" t="-98990" r="-202256" b="-298990"/>
+                            <a:fillRect l="-201504" t="-100000" r="-203008" b="-300000"/>
                           </a:stretch>
                         </a:blipFill>
                       </a:tcPr>
@@ -8009,7 +7183,7 @@
                         <a:blipFill>
                           <a:blip r:embed="rId3"/>
                           <a:stretch>
-                            <a:fillRect l="-299254" t="-98990" r="-100746" b="-298990"/>
+                            <a:fillRect l="-299254" t="-100000" r="-101493" b="-300000"/>
                           </a:stretch>
                         </a:blipFill>
                       </a:tcPr>
@@ -8064,7 +7238,7 @@
                         <a:blipFill>
                           <a:blip r:embed="rId3"/>
                           <a:stretch>
-                            <a:fillRect l="-402256" t="-98990" r="-1504" b="-298990"/>
+                            <a:fillRect l="-402256" t="-100000" r="-2256" b="-300000"/>
                           </a:stretch>
                         </a:blipFill>
                       </a:tcPr>
@@ -8126,7 +7300,7 @@
                         <a:blipFill>
                           <a:blip r:embed="rId3"/>
                           <a:stretch>
-                            <a:fillRect l="-752" t="-201020" r="-403008" b="-202041"/>
+                            <a:fillRect l="-752" t="-202041" r="-403759" b="-203061"/>
                           </a:stretch>
                         </a:blipFill>
                       </a:tcPr>
@@ -8179,7 +7353,7 @@
                         <a:blipFill>
                           <a:blip r:embed="rId3"/>
                           <a:stretch>
-                            <a:fillRect l="-100000" t="-201020" r="-300000" b="-202041"/>
+                            <a:fillRect l="-100000" t="-202041" r="-300746" b="-203061"/>
                           </a:stretch>
                         </a:blipFill>
                       </a:tcPr>
@@ -8232,7 +7406,7 @@
                         <a:blipFill>
                           <a:blip r:embed="rId3"/>
                           <a:stretch>
-                            <a:fillRect l="-201504" t="-201020" r="-202256" b="-202041"/>
+                            <a:fillRect l="-201504" t="-202041" r="-203008" b="-203061"/>
                           </a:stretch>
                         </a:blipFill>
                       </a:tcPr>
@@ -8285,7 +7459,7 @@
                         <a:blipFill>
                           <a:blip r:embed="rId3"/>
                           <a:stretch>
-                            <a:fillRect l="-299254" t="-201020" r="-100746" b="-202041"/>
+                            <a:fillRect l="-299254" t="-202041" r="-101493" b="-203061"/>
                           </a:stretch>
                         </a:blipFill>
                       </a:tcPr>
@@ -8340,7 +7514,7 @@
                         <a:blipFill>
                           <a:blip r:embed="rId3"/>
                           <a:stretch>
-                            <a:fillRect l="-402256" t="-201020" r="-1504" b="-202041"/>
+                            <a:fillRect l="-402256" t="-202041" r="-2256" b="-203061"/>
                           </a:stretch>
                         </a:blipFill>
                       </a:tcPr>
@@ -8402,7 +7576,7 @@
                         <a:blipFill>
                           <a:blip r:embed="rId3"/>
                           <a:stretch>
-                            <a:fillRect l="-752" t="-297980" r="-403008" b="-100000"/>
+                            <a:fillRect l="-752" t="-298990" r="-403759" b="-101010"/>
                           </a:stretch>
                         </a:blipFill>
                       </a:tcPr>
@@ -8455,7 +7629,7 @@
                         <a:blipFill>
                           <a:blip r:embed="rId3"/>
                           <a:stretch>
-                            <a:fillRect l="-100000" t="-297980" r="-300000" b="-100000"/>
+                            <a:fillRect l="-100000" t="-298990" r="-300746" b="-101010"/>
                           </a:stretch>
                         </a:blipFill>
                       </a:tcPr>
@@ -8508,7 +7682,7 @@
                         <a:blipFill>
                           <a:blip r:embed="rId3"/>
                           <a:stretch>
-                            <a:fillRect l="-201504" t="-297980" r="-202256" b="-100000"/>
+                            <a:fillRect l="-201504" t="-298990" r="-203008" b="-101010"/>
                           </a:stretch>
                         </a:blipFill>
                       </a:tcPr>
@@ -8561,7 +7735,7 @@
                         <a:blipFill>
                           <a:blip r:embed="rId3"/>
                           <a:stretch>
-                            <a:fillRect l="-299254" t="-297980" r="-100746" b="-100000"/>
+                            <a:fillRect l="-299254" t="-298990" r="-101493" b="-101010"/>
                           </a:stretch>
                         </a:blipFill>
                       </a:tcPr>
@@ -8616,7 +7790,7 @@
                         <a:blipFill>
                           <a:blip r:embed="rId3"/>
                           <a:stretch>
-                            <a:fillRect l="-402256" t="-297980" r="-1504" b="-100000"/>
+                            <a:fillRect l="-402256" t="-298990" r="-2256" b="-101010"/>
                           </a:stretch>
                         </a:blipFill>
                       </a:tcPr>
@@ -8661,7 +7835,9 @@
                           <a:tailEnd type="none" w="med" len="med"/>
                         </a:lnT>
                         <a:lnB w="12700" cap="flat" cmpd="sng" algn="ctr">
-                          <a:noFill/>
+                          <a:solidFill>
+                            <a:schemeClr val="tx1"/>
+                          </a:solidFill>
                           <a:prstDash val="solid"/>
                           <a:round/>
                           <a:headEnd type="none" w="med" len="med"/>
@@ -8678,7 +7854,7 @@
                         <a:blipFill>
                           <a:blip r:embed="rId3"/>
                           <a:stretch>
-                            <a:fillRect l="-752" t="-402041" r="-403008" b="-1020"/>
+                            <a:fillRect l="-752" t="-403061" r="-403759" b="-2041"/>
                           </a:stretch>
                         </a:blipFill>
                       </a:tcPr>
@@ -8731,7 +7907,7 @@
                         <a:blipFill>
                           <a:blip r:embed="rId3"/>
                           <a:stretch>
-                            <a:fillRect l="-100000" t="-402041" r="-300000" b="-1020"/>
+                            <a:fillRect l="-100000" t="-403061" r="-300746" b="-2041"/>
                           </a:stretch>
                         </a:blipFill>
                       </a:tcPr>
@@ -8784,7 +7960,7 @@
                         <a:blipFill>
                           <a:blip r:embed="rId3"/>
                           <a:stretch>
-                            <a:fillRect l="-201504" t="-402041" r="-202256" b="-1020"/>
+                            <a:fillRect l="-201504" t="-403061" r="-203008" b="-2041"/>
                           </a:stretch>
                         </a:blipFill>
                       </a:tcPr>
@@ -8837,7 +8013,7 @@
                         <a:blipFill>
                           <a:blip r:embed="rId3"/>
                           <a:stretch>
-                            <a:fillRect l="-299254" t="-402041" r="-100746" b="-1020"/>
+                            <a:fillRect l="-299254" t="-403061" r="-101493" b="-2041"/>
                           </a:stretch>
                         </a:blipFill>
                       </a:tcPr>
@@ -8875,7 +8051,9 @@
                           <a:tailEnd type="none" w="med" len="med"/>
                         </a:lnT>
                         <a:lnB w="12700" cap="flat" cmpd="sng" algn="ctr">
-                          <a:noFill/>
+                          <a:solidFill>
+                            <a:schemeClr val="tx1"/>
+                          </a:solidFill>
                           <a:prstDash val="solid"/>
                           <a:round/>
                           <a:headEnd type="none" w="med" len="med"/>
@@ -8892,7 +8070,7 @@
                         <a:blipFill>
                           <a:blip r:embed="rId3"/>
                           <a:stretch>
-                            <a:fillRect l="-402256" t="-402041" r="-1504" b="-1020"/>
+                            <a:fillRect l="-402256" t="-403061" r="-2256" b="-2041"/>
                           </a:stretch>
                         </a:blipFill>
                       </a:tcPr>
@@ -8922,7 +8100,7 @@
 </p:sld>
 </file>
 
-<file path=ppt/slides/slide13.xml><?xml version="1.0" encoding="utf-8"?>
+<file path=ppt/slides/slide12.xml><?xml version="1.0" encoding="utf-8"?>
 <p:sld xmlns:a="http://schemas.openxmlformats.org/drawingml/2006/main" xmlns:r="http://schemas.openxmlformats.org/officeDocument/2006/relationships" xmlns:p="http://schemas.openxmlformats.org/presentationml/2006/main">
   <p:cSld>
     <p:spTree>
@@ -8944,7 +8122,7 @@
           <p:cNvPr id="3" name="Content Placeholder 2">
             <a:extLst>
               <a:ext uri="{FF2B5EF4-FFF2-40B4-BE49-F238E27FC236}">
-                <a16:creationId xmlns:a16="http://schemas.microsoft.com/office/drawing/2014/main" xmlns="" id="{7E110C3B-DFF3-4036-B0AB-47526A61FE0D}"/>
+                <a16:creationId xmlns:a16="http://schemas.microsoft.com/office/drawing/2014/main" id="{7E110C3B-DFF3-4036-B0AB-47526A61FE0D}"/>
               </a:ext>
             </a:extLst>
           </p:cNvPr>
@@ -8969,23 +8147,15 @@
           </a:p>
           <a:p>
             <a:r>
-              <a:rPr lang="en-US" dirty="0" smtClean="0"/>
-              <a:t>That </a:t>
-            </a:r>
-            <a:r>
               <a:rPr lang="en-US" dirty="0"/>
-              <a:t>work (and all others) assumed different data sets’ errors are independent. </a:t>
+              <a:t>That work (and all others) assumed different data sets’ errors are independent. </a:t>
             </a:r>
           </a:p>
           <a:p>
             <a:pPr lvl="1"/>
             <a:r>
               <a:rPr lang="en-US" dirty="0"/>
-              <a:t>The advance we want to make is accounting for these </a:t>
-            </a:r>
-            <a:r>
-              <a:rPr lang="en-US" dirty="0" smtClean="0"/>
-              <a:t>dependencies</a:t>
+              <a:t>The advance we want to make is accounting for these dependencies</a:t>
             </a:r>
           </a:p>
           <a:p>
@@ -8994,7 +8164,6 @@
               <a:rPr lang="en-US" dirty="0"/>
               <a:t>show AR1 matrix with correlated uncertainties. </a:t>
             </a:r>
-            <a:endParaRPr lang="en-US" dirty="0" smtClean="0"/>
           </a:p>
           <a:p>
             <a:r>
@@ -9007,20 +8176,14 @@
             </a:r>
             <a:r>
               <a:rPr lang="en-US" dirty="0"/>
-              <a:t> </a:t>
-            </a:r>
-            <a:r>
-              <a:rPr lang="en-US" dirty="0" smtClean="0"/>
-              <a:t>GMSL</a:t>
-            </a:r>
-            <a:endParaRPr lang="en-US" dirty="0"/>
-          </a:p>
-          <a:p>
-            <a:r>
-              <a:rPr lang="en-US" dirty="0" smtClean="0"/>
+              <a:t> GMSL</a:t>
+            </a:r>
+          </a:p>
+          <a:p>
+            <a:r>
+              <a:rPr lang="en-US" dirty="0"/>
               <a:t>Use this better error structure than previous simulations and compare the differences with the new sea-level and temperature projections.  </a:t>
             </a:r>
-            <a:endParaRPr lang="en-US" dirty="0"/>
           </a:p>
         </p:txBody>
       </p:sp>
@@ -9028,6 +8191,1544 @@
     <p:extLst>
       <p:ext uri="{BB962C8B-B14F-4D97-AF65-F5344CB8AC3E}">
         <p14:creationId xmlns:p14="http://schemas.microsoft.com/office/powerpoint/2010/main" val="406993840"/>
+      </p:ext>
+    </p:extLst>
+  </p:cSld>
+  <p:clrMapOvr>
+    <a:masterClrMapping/>
+  </p:clrMapOvr>
+</p:sld>
+</file>
+
+<file path=ppt/slides/slide13.xml><?xml version="1.0" encoding="utf-8"?>
+<p:sld xmlns:a="http://schemas.openxmlformats.org/drawingml/2006/main" xmlns:r="http://schemas.openxmlformats.org/officeDocument/2006/relationships" xmlns:p="http://schemas.openxmlformats.org/presentationml/2006/main">
+  <p:cSld>
+    <p:spTree>
+      <p:nvGrpSpPr>
+        <p:cNvPr id="1" name=""/>
+        <p:cNvGrpSpPr/>
+        <p:nvPr/>
+      </p:nvGrpSpPr>
+      <p:grpSpPr>
+        <a:xfrm>
+          <a:off x="0" y="0"/>
+          <a:ext cx="0" cy="0"/>
+          <a:chOff x="0" y="0"/>
+          <a:chExt cx="0" cy="0"/>
+        </a:xfrm>
+      </p:grpSpPr>
+      <p:sp>
+        <p:nvSpPr>
+          <p:cNvPr id="2" name="Title 1">
+            <a:extLst>
+              <a:ext uri="{FF2B5EF4-FFF2-40B4-BE49-F238E27FC236}">
+                <a16:creationId xmlns:a16="http://schemas.microsoft.com/office/drawing/2014/main" id="{C34A126C-3ADC-4275-8446-6A01EEAE6499}"/>
+              </a:ext>
+            </a:extLst>
+          </p:cNvPr>
+          <p:cNvSpPr>
+            <a:spLocks noGrp="1"/>
+          </p:cNvSpPr>
+          <p:nvPr>
+            <p:ph type="title"/>
+          </p:nvPr>
+        </p:nvSpPr>
+        <p:spPr/>
+        <p:txBody>
+          <a:bodyPr/>
+          <a:lstStyle/>
+          <a:p>
+            <a:r>
+              <a:rPr lang="en-US" dirty="0"/>
+              <a:t>AR1 Matrix with correlated uncertainties</a:t>
+            </a:r>
+          </a:p>
+        </p:txBody>
+      </p:sp>
+      <mc:AlternateContent xmlns:mc="http://schemas.openxmlformats.org/markup-compatibility/2006">
+        <mc:Choice xmlns:a14="http://schemas.microsoft.com/office/drawing/2010/main" Requires="a14">
+          <p:graphicFrame>
+            <p:nvGraphicFramePr>
+              <p:cNvPr id="4" name="Table 3">
+                <a:extLst>
+                  <a:ext uri="{FF2B5EF4-FFF2-40B4-BE49-F238E27FC236}">
+                    <a16:creationId xmlns:a16="http://schemas.microsoft.com/office/drawing/2014/main" id="{9BDCAB5F-0ECA-459D-9B22-2763CDA254E6}"/>
+                  </a:ext>
+                </a:extLst>
+              </p:cNvPr>
+              <p:cNvGraphicFramePr>
+                <a:graphicFrameLocks noGrp="1"/>
+              </p:cNvGraphicFramePr>
+              <p:nvPr>
+                <p:extLst>
+                  <p:ext uri="{D42A27DB-BD31-4B8C-83A1-F6EECF244321}">
+                    <p14:modId xmlns:p14="http://schemas.microsoft.com/office/powerpoint/2010/main" val="2932139143"/>
+                  </p:ext>
+                </p:extLst>
+              </p:nvPr>
+            </p:nvGraphicFramePr>
+            <p:xfrm>
+              <a:off x="2573867" y="2530431"/>
+              <a:ext cx="2438400" cy="1797138"/>
+            </p:xfrm>
+            <a:graphic>
+              <a:graphicData uri="http://schemas.openxmlformats.org/drawingml/2006/table">
+                <a:tbl>
+                  <a:tblPr firstRow="1" bandRow="1">
+                    <a:tableStyleId>{2D5ABB26-0587-4C30-8999-92F81FD0307C}</a:tableStyleId>
+                  </a:tblPr>
+                  <a:tblGrid>
+                    <a:gridCol w="812800">
+                      <a:extLst>
+                        <a:ext uri="{9D8B030D-6E8A-4147-A177-3AD203B41FA5}">
+                          <a16:colId xmlns:a16="http://schemas.microsoft.com/office/drawing/2014/main" val="4056166537"/>
+                        </a:ext>
+                      </a:extLst>
+                    </a:gridCol>
+                    <a:gridCol w="812800">
+                      <a:extLst>
+                        <a:ext uri="{9D8B030D-6E8A-4147-A177-3AD203B41FA5}">
+                          <a16:colId xmlns:a16="http://schemas.microsoft.com/office/drawing/2014/main" val="3077311197"/>
+                        </a:ext>
+                      </a:extLst>
+                    </a:gridCol>
+                    <a:gridCol w="812800">
+                      <a:extLst>
+                        <a:ext uri="{9D8B030D-6E8A-4147-A177-3AD203B41FA5}">
+                          <a16:colId xmlns:a16="http://schemas.microsoft.com/office/drawing/2014/main" val="437580007"/>
+                        </a:ext>
+                      </a:extLst>
+                    </a:gridCol>
+                  </a:tblGrid>
+                  <a:tr h="599046">
+                    <a:tc>
+                      <a:txBody>
+                        <a:bodyPr/>
+                        <a:lstStyle/>
+                        <a:p>
+                          <a:pPr/>
+                          <a14:m>
+                            <m:oMathPara xmlns:m="http://schemas.openxmlformats.org/officeDocument/2006/math">
+                              <m:oMathParaPr>
+                                <m:jc m:val="centerGroup"/>
+                              </m:oMathParaPr>
+                              <m:oMath xmlns:m="http://schemas.openxmlformats.org/officeDocument/2006/math">
+                                <m:r>
+                                  <a:rPr lang="en-US" sz="3200" b="0" i="1" smtClean="0">
+                                    <a:latin typeface="Cambria Math" panose="02040503050406030204" pitchFamily="18" charset="0"/>
+                                  </a:rPr>
+                                  <m:t>𝑆𝐿</m:t>
+                                </m:r>
+                              </m:oMath>
+                            </m:oMathPara>
+                          </a14:m>
+                          <a:endParaRPr lang="en-US" sz="3200" dirty="0"/>
+                        </a:p>
+                      </a:txBody>
+                      <a:tcPr>
+                        <a:lnL w="12700" cap="flat" cmpd="sng" algn="ctr">
+                          <a:solidFill>
+                            <a:schemeClr val="tx1"/>
+                          </a:solidFill>
+                          <a:prstDash val="solid"/>
+                          <a:round/>
+                          <a:headEnd type="none" w="med" len="med"/>
+                          <a:tailEnd type="none" w="med" len="med"/>
+                        </a:lnL>
+                        <a:lnR w="12700" cap="flat" cmpd="sng" algn="ctr">
+                          <a:noFill/>
+                          <a:prstDash val="solid"/>
+                          <a:round/>
+                          <a:headEnd type="none" w="med" len="med"/>
+                          <a:tailEnd type="none" w="med" len="med"/>
+                        </a:lnR>
+                        <a:lnT w="12700" cap="flat" cmpd="sng" algn="ctr">
+                          <a:solidFill>
+                            <a:schemeClr val="tx1"/>
+                          </a:solidFill>
+                          <a:prstDash val="solid"/>
+                          <a:round/>
+                          <a:headEnd type="none" w="med" len="med"/>
+                          <a:tailEnd type="none" w="med" len="med"/>
+                        </a:lnT>
+                        <a:lnB w="12700" cap="flat" cmpd="sng" algn="ctr">
+                          <a:noFill/>
+                          <a:prstDash val="solid"/>
+                          <a:round/>
+                          <a:headEnd type="none" w="med" len="med"/>
+                          <a:tailEnd type="none" w="med" len="med"/>
+                        </a:lnB>
+                        <a:lnTlToBr w="12700" cmpd="sng">
+                          <a:noFill/>
+                          <a:prstDash val="solid"/>
+                        </a:lnTlToBr>
+                        <a:lnBlToTr w="12700" cmpd="sng">
+                          <a:noFill/>
+                          <a:prstDash val="solid"/>
+                        </a:lnBlToTr>
+                      </a:tcPr>
+                    </a:tc>
+                    <a:tc>
+                      <a:txBody>
+                        <a:bodyPr/>
+                        <a:lstStyle/>
+                        <a:p>
+                          <a:pPr/>
+                          <a14:m>
+                            <m:oMathPara xmlns:m="http://schemas.openxmlformats.org/officeDocument/2006/math">
+                              <m:oMathParaPr>
+                                <m:jc m:val="centerGroup"/>
+                              </m:oMathParaPr>
+                              <m:oMath xmlns:m="http://schemas.openxmlformats.org/officeDocument/2006/math">
+                                <m:r>
+                                  <a:rPr lang="en-US" sz="3200" b="0" i="1" smtClean="0">
+                                    <a:latin typeface="Cambria Math" panose="02040503050406030204" pitchFamily="18" charset="0"/>
+                                  </a:rPr>
+                                  <m:t>\</m:t>
+                                </m:r>
+                              </m:oMath>
+                            </m:oMathPara>
+                          </a14:m>
+                          <a:endParaRPr lang="en-US" sz="3200" dirty="0"/>
+                        </a:p>
+                      </a:txBody>
+                      <a:tcPr>
+                        <a:lnL w="12700" cap="flat" cmpd="sng" algn="ctr">
+                          <a:noFill/>
+                          <a:prstDash val="solid"/>
+                          <a:round/>
+                          <a:headEnd type="none" w="med" len="med"/>
+                          <a:tailEnd type="none" w="med" len="med"/>
+                        </a:lnL>
+                        <a:lnR w="12700" cap="flat" cmpd="sng" algn="ctr">
+                          <a:noFill/>
+                          <a:prstDash val="solid"/>
+                          <a:round/>
+                          <a:headEnd type="none" w="med" len="med"/>
+                          <a:tailEnd type="none" w="med" len="med"/>
+                        </a:lnR>
+                        <a:lnT w="12700" cap="flat" cmpd="sng" algn="ctr">
+                          <a:noFill/>
+                          <a:prstDash val="solid"/>
+                          <a:round/>
+                          <a:headEnd type="none" w="med" len="med"/>
+                          <a:tailEnd type="none" w="med" len="med"/>
+                        </a:lnT>
+                        <a:lnB w="12700" cap="flat" cmpd="sng" algn="ctr">
+                          <a:noFill/>
+                          <a:prstDash val="solid"/>
+                          <a:round/>
+                          <a:headEnd type="none" w="med" len="med"/>
+                          <a:tailEnd type="none" w="med" len="med"/>
+                        </a:lnB>
+                        <a:lnTlToBr w="12700" cmpd="sng">
+                          <a:noFill/>
+                          <a:prstDash val="solid"/>
+                        </a:lnTlToBr>
+                        <a:lnBlToTr w="12700" cmpd="sng">
+                          <a:noFill/>
+                          <a:prstDash val="solid"/>
+                        </a:lnBlToTr>
+                      </a:tcPr>
+                    </a:tc>
+                    <a:tc>
+                      <a:txBody>
+                        <a:bodyPr/>
+                        <a:lstStyle/>
+                        <a:p>
+                          <a:pPr/>
+                          <a14:m>
+                            <m:oMathPara xmlns:m="http://schemas.openxmlformats.org/officeDocument/2006/math">
+                              <m:oMathParaPr>
+                                <m:jc m:val="centerGroup"/>
+                              </m:oMathParaPr>
+                              <m:oMath xmlns:m="http://schemas.openxmlformats.org/officeDocument/2006/math">
+                                <m:r>
+                                  <a:rPr lang="en-US" sz="3200" b="0" i="1" smtClean="0">
+                                    <a:latin typeface="Cambria Math" panose="02040503050406030204" pitchFamily="18" charset="0"/>
+                                  </a:rPr>
+                                  <m:t>\</m:t>
+                                </m:r>
+                              </m:oMath>
+                            </m:oMathPara>
+                          </a14:m>
+                          <a:endParaRPr lang="en-US" sz="3200" dirty="0"/>
+                        </a:p>
+                      </a:txBody>
+                      <a:tcPr>
+                        <a:lnL w="12700" cap="flat" cmpd="sng" algn="ctr">
+                          <a:noFill/>
+                          <a:prstDash val="solid"/>
+                          <a:round/>
+                          <a:headEnd type="none" w="med" len="med"/>
+                          <a:tailEnd type="none" w="med" len="med"/>
+                        </a:lnL>
+                        <a:lnR w="12700" cap="flat" cmpd="sng" algn="ctr">
+                          <a:solidFill>
+                            <a:schemeClr val="tx1"/>
+                          </a:solidFill>
+                          <a:prstDash val="solid"/>
+                          <a:round/>
+                          <a:headEnd type="none" w="med" len="med"/>
+                          <a:tailEnd type="none" w="med" len="med"/>
+                        </a:lnR>
+                        <a:lnT w="12700" cap="flat" cmpd="sng" algn="ctr">
+                          <a:solidFill>
+                            <a:schemeClr val="tx1"/>
+                          </a:solidFill>
+                          <a:prstDash val="solid"/>
+                          <a:round/>
+                          <a:headEnd type="none" w="med" len="med"/>
+                          <a:tailEnd type="none" w="med" len="med"/>
+                        </a:lnT>
+                        <a:lnB w="12700" cap="flat" cmpd="sng" algn="ctr">
+                          <a:noFill/>
+                          <a:prstDash val="solid"/>
+                          <a:round/>
+                          <a:headEnd type="none" w="med" len="med"/>
+                          <a:tailEnd type="none" w="med" len="med"/>
+                        </a:lnB>
+                        <a:lnTlToBr w="12700" cmpd="sng">
+                          <a:noFill/>
+                          <a:prstDash val="solid"/>
+                        </a:lnTlToBr>
+                        <a:lnBlToTr w="12700" cmpd="sng">
+                          <a:noFill/>
+                          <a:prstDash val="solid"/>
+                        </a:lnBlToTr>
+                      </a:tcPr>
+                    </a:tc>
+                    <a:extLst>
+                      <a:ext uri="{0D108BD9-81ED-4DB2-BD59-A6C34878D82A}">
+                        <a16:rowId xmlns:a16="http://schemas.microsoft.com/office/drawing/2014/main" val="2801954663"/>
+                      </a:ext>
+                    </a:extLst>
+                  </a:tr>
+                  <a:tr h="599046">
+                    <a:tc>
+                      <a:txBody>
+                        <a:bodyPr/>
+                        <a:lstStyle/>
+                        <a:p>
+                          <a:pPr/>
+                          <a14:m>
+                            <m:oMathPara xmlns:m="http://schemas.openxmlformats.org/officeDocument/2006/math">
+                              <m:oMathParaPr>
+                                <m:jc m:val="centerGroup"/>
+                              </m:oMathParaPr>
+                              <m:oMath xmlns:m="http://schemas.openxmlformats.org/officeDocument/2006/math">
+                                <m:r>
+                                  <a:rPr lang="en-US" sz="3200" b="0" i="1" smtClean="0">
+                                    <a:latin typeface="Cambria Math" panose="02040503050406030204" pitchFamily="18" charset="0"/>
+                                  </a:rPr>
+                                  <m:t>\</m:t>
+                                </m:r>
+                              </m:oMath>
+                            </m:oMathPara>
+                          </a14:m>
+                          <a:endParaRPr lang="en-US" sz="3200" dirty="0"/>
+                        </a:p>
+                      </a:txBody>
+                      <a:tcPr>
+                        <a:lnL w="12700" cap="flat" cmpd="sng" algn="ctr">
+                          <a:solidFill>
+                            <a:schemeClr val="tx1"/>
+                          </a:solidFill>
+                          <a:prstDash val="solid"/>
+                          <a:round/>
+                          <a:headEnd type="none" w="med" len="med"/>
+                          <a:tailEnd type="none" w="med" len="med"/>
+                        </a:lnL>
+                        <a:lnR w="12700" cap="flat" cmpd="sng" algn="ctr">
+                          <a:noFill/>
+                          <a:prstDash val="solid"/>
+                          <a:round/>
+                          <a:headEnd type="none" w="med" len="med"/>
+                          <a:tailEnd type="none" w="med" len="med"/>
+                        </a:lnR>
+                        <a:lnT w="12700" cap="flat" cmpd="sng" algn="ctr">
+                          <a:noFill/>
+                          <a:prstDash val="solid"/>
+                          <a:round/>
+                          <a:headEnd type="none" w="med" len="med"/>
+                          <a:tailEnd type="none" w="med" len="med"/>
+                        </a:lnT>
+                        <a:lnB w="12700" cap="flat" cmpd="sng" algn="ctr">
+                          <a:noFill/>
+                          <a:prstDash val="solid"/>
+                          <a:round/>
+                          <a:headEnd type="none" w="med" len="med"/>
+                          <a:tailEnd type="none" w="med" len="med"/>
+                        </a:lnB>
+                        <a:lnTlToBr w="12700" cmpd="sng">
+                          <a:noFill/>
+                          <a:prstDash val="solid"/>
+                        </a:lnTlToBr>
+                        <a:lnBlToTr w="12700" cmpd="sng">
+                          <a:noFill/>
+                          <a:prstDash val="solid"/>
+                        </a:lnBlToTr>
+                      </a:tcPr>
+                    </a:tc>
+                    <a:tc>
+                      <a:txBody>
+                        <a:bodyPr/>
+                        <a:lstStyle/>
+                        <a:p>
+                          <a:pPr/>
+                          <a14:m>
+                            <m:oMathPara xmlns:m="http://schemas.openxmlformats.org/officeDocument/2006/math">
+                              <m:oMathParaPr>
+                                <m:jc m:val="centerGroup"/>
+                              </m:oMathParaPr>
+                              <m:oMath xmlns:m="http://schemas.openxmlformats.org/officeDocument/2006/math">
+                                <m:r>
+                                  <a:rPr lang="en-US" sz="3200" b="0" i="1" smtClean="0">
+                                    <a:latin typeface="Cambria Math" panose="02040503050406030204" pitchFamily="18" charset="0"/>
+                                  </a:rPr>
+                                  <m:t>𝑇</m:t>
+                                </m:r>
+                              </m:oMath>
+                            </m:oMathPara>
+                          </a14:m>
+                          <a:endParaRPr lang="en-US" sz="3200" dirty="0"/>
+                        </a:p>
+                      </a:txBody>
+                      <a:tcPr>
+                        <a:lnL w="12700" cap="flat" cmpd="sng" algn="ctr">
+                          <a:noFill/>
+                          <a:prstDash val="solid"/>
+                          <a:round/>
+                          <a:headEnd type="none" w="med" len="med"/>
+                          <a:tailEnd type="none" w="med" len="med"/>
+                        </a:lnL>
+                        <a:lnR w="12700" cap="flat" cmpd="sng" algn="ctr">
+                          <a:noFill/>
+                          <a:prstDash val="solid"/>
+                          <a:round/>
+                          <a:headEnd type="none" w="med" len="med"/>
+                          <a:tailEnd type="none" w="med" len="med"/>
+                        </a:lnR>
+                        <a:lnT w="12700" cap="flat" cmpd="sng" algn="ctr">
+                          <a:noFill/>
+                          <a:prstDash val="solid"/>
+                          <a:round/>
+                          <a:headEnd type="none" w="med" len="med"/>
+                          <a:tailEnd type="none" w="med" len="med"/>
+                        </a:lnT>
+                        <a:lnB w="12700" cap="flat" cmpd="sng" algn="ctr">
+                          <a:noFill/>
+                          <a:prstDash val="solid"/>
+                          <a:round/>
+                          <a:headEnd type="none" w="med" len="med"/>
+                          <a:tailEnd type="none" w="med" len="med"/>
+                        </a:lnB>
+                        <a:lnTlToBr w="12700" cmpd="sng">
+                          <a:noFill/>
+                          <a:prstDash val="solid"/>
+                        </a:lnTlToBr>
+                        <a:lnBlToTr w="12700" cmpd="sng">
+                          <a:noFill/>
+                          <a:prstDash val="solid"/>
+                        </a:lnBlToTr>
+                      </a:tcPr>
+                    </a:tc>
+                    <a:tc>
+                      <a:txBody>
+                        <a:bodyPr/>
+                        <a:lstStyle/>
+                        <a:p>
+                          <a:pPr/>
+                          <a14:m>
+                            <m:oMathPara xmlns:m="http://schemas.openxmlformats.org/officeDocument/2006/math">
+                              <m:oMathParaPr>
+                                <m:jc m:val="centerGroup"/>
+                              </m:oMathParaPr>
+                              <m:oMath xmlns:m="http://schemas.openxmlformats.org/officeDocument/2006/math">
+                                <m:r>
+                                  <a:rPr lang="en-US" sz="3200" b="0" i="1" smtClean="0">
+                                    <a:latin typeface="Cambria Math" panose="02040503050406030204" pitchFamily="18" charset="0"/>
+                                  </a:rPr>
+                                  <m:t>\</m:t>
+                                </m:r>
+                              </m:oMath>
+                            </m:oMathPara>
+                          </a14:m>
+                          <a:endParaRPr lang="en-US" sz="3200" dirty="0"/>
+                        </a:p>
+                      </a:txBody>
+                      <a:tcPr>
+                        <a:lnL w="12700" cap="flat" cmpd="sng" algn="ctr">
+                          <a:noFill/>
+                          <a:prstDash val="solid"/>
+                          <a:round/>
+                          <a:headEnd type="none" w="med" len="med"/>
+                          <a:tailEnd type="none" w="med" len="med"/>
+                        </a:lnL>
+                        <a:lnR w="12700" cap="flat" cmpd="sng" algn="ctr">
+                          <a:solidFill>
+                            <a:schemeClr val="tx1"/>
+                          </a:solidFill>
+                          <a:prstDash val="solid"/>
+                          <a:round/>
+                          <a:headEnd type="none" w="med" len="med"/>
+                          <a:tailEnd type="none" w="med" len="med"/>
+                        </a:lnR>
+                        <a:lnT w="12700" cap="flat" cmpd="sng" algn="ctr">
+                          <a:noFill/>
+                          <a:prstDash val="solid"/>
+                          <a:round/>
+                          <a:headEnd type="none" w="med" len="med"/>
+                          <a:tailEnd type="none" w="med" len="med"/>
+                        </a:lnT>
+                        <a:lnB w="12700" cap="flat" cmpd="sng" algn="ctr">
+                          <a:noFill/>
+                          <a:prstDash val="solid"/>
+                          <a:round/>
+                          <a:headEnd type="none" w="med" len="med"/>
+                          <a:tailEnd type="none" w="med" len="med"/>
+                        </a:lnB>
+                        <a:lnTlToBr w="12700" cmpd="sng">
+                          <a:noFill/>
+                          <a:prstDash val="solid"/>
+                        </a:lnTlToBr>
+                        <a:lnBlToTr w="12700" cmpd="sng">
+                          <a:noFill/>
+                          <a:prstDash val="solid"/>
+                        </a:lnBlToTr>
+                      </a:tcPr>
+                    </a:tc>
+                    <a:extLst>
+                      <a:ext uri="{0D108BD9-81ED-4DB2-BD59-A6C34878D82A}">
+                        <a16:rowId xmlns:a16="http://schemas.microsoft.com/office/drawing/2014/main" val="1202998512"/>
+                      </a:ext>
+                    </a:extLst>
+                  </a:tr>
+                  <a:tr h="599046">
+                    <a:tc>
+                      <a:txBody>
+                        <a:bodyPr/>
+                        <a:lstStyle/>
+                        <a:p>
+                          <a:pPr/>
+                          <a14:m>
+                            <m:oMathPara xmlns:m="http://schemas.openxmlformats.org/officeDocument/2006/math">
+                              <m:oMathParaPr>
+                                <m:jc m:val="centerGroup"/>
+                              </m:oMathParaPr>
+                              <m:oMath xmlns:m="http://schemas.openxmlformats.org/officeDocument/2006/math">
+                                <m:r>
+                                  <a:rPr lang="en-US" sz="3200" b="0" i="1" smtClean="0">
+                                    <a:latin typeface="Cambria Math" panose="02040503050406030204" pitchFamily="18" charset="0"/>
+                                  </a:rPr>
+                                  <m:t>\</m:t>
+                                </m:r>
+                              </m:oMath>
+                            </m:oMathPara>
+                          </a14:m>
+                          <a:endParaRPr lang="en-US" sz="3200" dirty="0"/>
+                        </a:p>
+                      </a:txBody>
+                      <a:tcPr>
+                        <a:lnL w="12700" cap="flat" cmpd="sng" algn="ctr">
+                          <a:solidFill>
+                            <a:schemeClr val="tx1"/>
+                          </a:solidFill>
+                          <a:prstDash val="solid"/>
+                          <a:round/>
+                          <a:headEnd type="none" w="med" len="med"/>
+                          <a:tailEnd type="none" w="med" len="med"/>
+                        </a:lnL>
+                        <a:lnR w="12700" cap="flat" cmpd="sng" algn="ctr">
+                          <a:noFill/>
+                          <a:prstDash val="solid"/>
+                          <a:round/>
+                          <a:headEnd type="none" w="med" len="med"/>
+                          <a:tailEnd type="none" w="med" len="med"/>
+                        </a:lnR>
+                        <a:lnT w="12700" cap="flat" cmpd="sng" algn="ctr">
+                          <a:noFill/>
+                          <a:prstDash val="solid"/>
+                          <a:round/>
+                          <a:headEnd type="none" w="med" len="med"/>
+                          <a:tailEnd type="none" w="med" len="med"/>
+                        </a:lnT>
+                        <a:lnB w="12700" cap="flat" cmpd="sng" algn="ctr">
+                          <a:solidFill>
+                            <a:schemeClr val="tx1"/>
+                          </a:solidFill>
+                          <a:prstDash val="solid"/>
+                          <a:round/>
+                          <a:headEnd type="none" w="med" len="med"/>
+                          <a:tailEnd type="none" w="med" len="med"/>
+                        </a:lnB>
+                        <a:lnTlToBr w="12700" cmpd="sng">
+                          <a:noFill/>
+                          <a:prstDash val="solid"/>
+                        </a:lnTlToBr>
+                        <a:lnBlToTr w="12700" cmpd="sng">
+                          <a:noFill/>
+                          <a:prstDash val="solid"/>
+                        </a:lnBlToTr>
+                      </a:tcPr>
+                    </a:tc>
+                    <a:tc>
+                      <a:txBody>
+                        <a:bodyPr/>
+                        <a:lstStyle/>
+                        <a:p>
+                          <a:pPr/>
+                          <a14:m>
+                            <m:oMathPara xmlns:m="http://schemas.openxmlformats.org/officeDocument/2006/math">
+                              <m:oMathParaPr>
+                                <m:jc m:val="centerGroup"/>
+                              </m:oMathParaPr>
+                              <m:oMath xmlns:m="http://schemas.openxmlformats.org/officeDocument/2006/math">
+                                <m:r>
+                                  <a:rPr lang="en-US" sz="3200" b="0" i="1" smtClean="0">
+                                    <a:latin typeface="Cambria Math" panose="02040503050406030204" pitchFamily="18" charset="0"/>
+                                  </a:rPr>
+                                  <m:t>\</m:t>
+                                </m:r>
+                              </m:oMath>
+                            </m:oMathPara>
+                          </a14:m>
+                          <a:endParaRPr lang="en-US" sz="3200" dirty="0"/>
+                        </a:p>
+                      </a:txBody>
+                      <a:tcPr>
+                        <a:lnL w="12700" cap="flat" cmpd="sng" algn="ctr">
+                          <a:noFill/>
+                          <a:prstDash val="solid"/>
+                          <a:round/>
+                          <a:headEnd type="none" w="med" len="med"/>
+                          <a:tailEnd type="none" w="med" len="med"/>
+                        </a:lnL>
+                        <a:lnR w="12700" cap="flat" cmpd="sng" algn="ctr">
+                          <a:noFill/>
+                          <a:prstDash val="solid"/>
+                          <a:round/>
+                          <a:headEnd type="none" w="med" len="med"/>
+                          <a:tailEnd type="none" w="med" len="med"/>
+                        </a:lnR>
+                        <a:lnT w="12700" cap="flat" cmpd="sng" algn="ctr">
+                          <a:noFill/>
+                          <a:prstDash val="solid"/>
+                          <a:round/>
+                          <a:headEnd type="none" w="med" len="med"/>
+                          <a:tailEnd type="none" w="med" len="med"/>
+                        </a:lnT>
+                        <a:lnB w="12700" cap="flat" cmpd="sng" algn="ctr">
+                          <a:noFill/>
+                          <a:prstDash val="solid"/>
+                          <a:round/>
+                          <a:headEnd type="none" w="med" len="med"/>
+                          <a:tailEnd type="none" w="med" len="med"/>
+                        </a:lnB>
+                        <a:lnTlToBr w="12700" cmpd="sng">
+                          <a:noFill/>
+                          <a:prstDash val="solid"/>
+                        </a:lnTlToBr>
+                        <a:lnBlToTr w="12700" cmpd="sng">
+                          <a:noFill/>
+                          <a:prstDash val="solid"/>
+                        </a:lnBlToTr>
+                      </a:tcPr>
+                    </a:tc>
+                    <a:tc>
+                      <a:txBody>
+                        <a:bodyPr/>
+                        <a:lstStyle/>
+                        <a:p>
+                          <a:pPr/>
+                          <a14:m>
+                            <m:oMathPara xmlns:m="http://schemas.openxmlformats.org/officeDocument/2006/math">
+                              <m:oMathParaPr>
+                                <m:jc m:val="centerGroup"/>
+                              </m:oMathParaPr>
+                              <m:oMath xmlns:m="http://schemas.openxmlformats.org/officeDocument/2006/math">
+                                <m:r>
+                                  <a:rPr lang="en-US" sz="3200" b="0" i="1" smtClean="0">
+                                    <a:latin typeface="Cambria Math" panose="02040503050406030204" pitchFamily="18" charset="0"/>
+                                  </a:rPr>
+                                  <m:t>𝑂</m:t>
+                                </m:r>
+                              </m:oMath>
+                            </m:oMathPara>
+                          </a14:m>
+                          <a:endParaRPr lang="en-US" sz="3200" dirty="0"/>
+                        </a:p>
+                      </a:txBody>
+                      <a:tcPr>
+                        <a:lnL w="12700" cap="flat" cmpd="sng" algn="ctr">
+                          <a:noFill/>
+                          <a:prstDash val="solid"/>
+                          <a:round/>
+                          <a:headEnd type="none" w="med" len="med"/>
+                          <a:tailEnd type="none" w="med" len="med"/>
+                        </a:lnL>
+                        <a:lnR w="12700" cap="flat" cmpd="sng" algn="ctr">
+                          <a:solidFill>
+                            <a:schemeClr val="tx1"/>
+                          </a:solidFill>
+                          <a:prstDash val="solid"/>
+                          <a:round/>
+                          <a:headEnd type="none" w="med" len="med"/>
+                          <a:tailEnd type="none" w="med" len="med"/>
+                        </a:lnR>
+                        <a:lnT w="12700" cap="flat" cmpd="sng" algn="ctr">
+                          <a:noFill/>
+                          <a:prstDash val="solid"/>
+                          <a:round/>
+                          <a:headEnd type="none" w="med" len="med"/>
+                          <a:tailEnd type="none" w="med" len="med"/>
+                        </a:lnT>
+                        <a:lnB w="12700" cap="flat" cmpd="sng" algn="ctr">
+                          <a:solidFill>
+                            <a:schemeClr val="tx1"/>
+                          </a:solidFill>
+                          <a:prstDash val="solid"/>
+                          <a:round/>
+                          <a:headEnd type="none" w="med" len="med"/>
+                          <a:tailEnd type="none" w="med" len="med"/>
+                        </a:lnB>
+                        <a:lnTlToBr w="12700" cmpd="sng">
+                          <a:noFill/>
+                          <a:prstDash val="solid"/>
+                        </a:lnTlToBr>
+                        <a:lnBlToTr w="12700" cmpd="sng">
+                          <a:noFill/>
+                          <a:prstDash val="solid"/>
+                        </a:lnBlToTr>
+                      </a:tcPr>
+                    </a:tc>
+                    <a:extLst>
+                      <a:ext uri="{0D108BD9-81ED-4DB2-BD59-A6C34878D82A}">
+                        <a16:rowId xmlns:a16="http://schemas.microsoft.com/office/drawing/2014/main" val="1090008321"/>
+                      </a:ext>
+                    </a:extLst>
+                  </a:tr>
+                </a:tbl>
+              </a:graphicData>
+            </a:graphic>
+          </p:graphicFrame>
+        </mc:Choice>
+        <mc:Fallback>
+          <p:graphicFrame>
+            <p:nvGraphicFramePr>
+              <p:cNvPr id="4" name="Table 3">
+                <a:extLst>
+                  <a:ext uri="{FF2B5EF4-FFF2-40B4-BE49-F238E27FC236}">
+                    <a16:creationId xmlns:a16="http://schemas.microsoft.com/office/drawing/2014/main" id="{9BDCAB5F-0ECA-459D-9B22-2763CDA254E6}"/>
+                  </a:ext>
+                </a:extLst>
+              </p:cNvPr>
+              <p:cNvGraphicFramePr>
+                <a:graphicFrameLocks noGrp="1"/>
+              </p:cNvGraphicFramePr>
+              <p:nvPr>
+                <p:extLst>
+                  <p:ext uri="{D42A27DB-BD31-4B8C-83A1-F6EECF244321}">
+                    <p14:modId xmlns:p14="http://schemas.microsoft.com/office/powerpoint/2010/main" val="2932139143"/>
+                  </p:ext>
+                </p:extLst>
+              </p:nvPr>
+            </p:nvGraphicFramePr>
+            <p:xfrm>
+              <a:off x="2573867" y="2530431"/>
+              <a:ext cx="2438400" cy="1797138"/>
+            </p:xfrm>
+            <a:graphic>
+              <a:graphicData uri="http://schemas.openxmlformats.org/drawingml/2006/table">
+                <a:tbl>
+                  <a:tblPr firstRow="1" bandRow="1">
+                    <a:tableStyleId>{2D5ABB26-0587-4C30-8999-92F81FD0307C}</a:tableStyleId>
+                  </a:tblPr>
+                  <a:tblGrid>
+                    <a:gridCol w="812800">
+                      <a:extLst>
+                        <a:ext uri="{9D8B030D-6E8A-4147-A177-3AD203B41FA5}">
+                          <a16:colId xmlns:a16="http://schemas.microsoft.com/office/drawing/2014/main" val="4056166537"/>
+                        </a:ext>
+                      </a:extLst>
+                    </a:gridCol>
+                    <a:gridCol w="812800">
+                      <a:extLst>
+                        <a:ext uri="{9D8B030D-6E8A-4147-A177-3AD203B41FA5}">
+                          <a16:colId xmlns:a16="http://schemas.microsoft.com/office/drawing/2014/main" val="3077311197"/>
+                        </a:ext>
+                      </a:extLst>
+                    </a:gridCol>
+                    <a:gridCol w="812800">
+                      <a:extLst>
+                        <a:ext uri="{9D8B030D-6E8A-4147-A177-3AD203B41FA5}">
+                          <a16:colId xmlns:a16="http://schemas.microsoft.com/office/drawing/2014/main" val="437580007"/>
+                        </a:ext>
+                      </a:extLst>
+                    </a:gridCol>
+                  </a:tblGrid>
+                  <a:tr h="599046">
+                    <a:tc>
+                      <a:txBody>
+                        <a:bodyPr/>
+                        <a:lstStyle/>
+                        <a:p>
+                          <a:endParaRPr lang="en-US"/>
+                        </a:p>
+                      </a:txBody>
+                      <a:tcPr>
+                        <a:lnL w="12700" cap="flat" cmpd="sng" algn="ctr">
+                          <a:solidFill>
+                            <a:schemeClr val="tx1"/>
+                          </a:solidFill>
+                          <a:prstDash val="solid"/>
+                          <a:round/>
+                          <a:headEnd type="none" w="med" len="med"/>
+                          <a:tailEnd type="none" w="med" len="med"/>
+                        </a:lnL>
+                        <a:lnR w="12700" cap="flat" cmpd="sng" algn="ctr">
+                          <a:noFill/>
+                          <a:prstDash val="solid"/>
+                          <a:round/>
+                          <a:headEnd type="none" w="med" len="med"/>
+                          <a:tailEnd type="none" w="med" len="med"/>
+                        </a:lnR>
+                        <a:lnT w="12700" cap="flat" cmpd="sng" algn="ctr">
+                          <a:solidFill>
+                            <a:schemeClr val="tx1"/>
+                          </a:solidFill>
+                          <a:prstDash val="solid"/>
+                          <a:round/>
+                          <a:headEnd type="none" w="med" len="med"/>
+                          <a:tailEnd type="none" w="med" len="med"/>
+                        </a:lnT>
+                        <a:lnB w="12700" cap="flat" cmpd="sng" algn="ctr">
+                          <a:noFill/>
+                          <a:prstDash val="solid"/>
+                          <a:round/>
+                          <a:headEnd type="none" w="med" len="med"/>
+                          <a:tailEnd type="none" w="med" len="med"/>
+                        </a:lnB>
+                        <a:lnTlToBr w="12700" cmpd="sng">
+                          <a:noFill/>
+                          <a:prstDash val="solid"/>
+                        </a:lnTlToBr>
+                        <a:lnBlToTr w="12700" cmpd="sng">
+                          <a:noFill/>
+                          <a:prstDash val="solid"/>
+                        </a:lnBlToTr>
+                        <a:blipFill>
+                          <a:blip r:embed="rId2"/>
+                          <a:stretch>
+                            <a:fillRect l="-746" t="-1020" r="-200746" b="-203061"/>
+                          </a:stretch>
+                        </a:blipFill>
+                      </a:tcPr>
+                    </a:tc>
+                    <a:tc>
+                      <a:txBody>
+                        <a:bodyPr/>
+                        <a:lstStyle/>
+                        <a:p>
+                          <a:endParaRPr lang="en-US"/>
+                        </a:p>
+                      </a:txBody>
+                      <a:tcPr>
+                        <a:lnL w="12700" cap="flat" cmpd="sng" algn="ctr">
+                          <a:noFill/>
+                          <a:prstDash val="solid"/>
+                          <a:round/>
+                          <a:headEnd type="none" w="med" len="med"/>
+                          <a:tailEnd type="none" w="med" len="med"/>
+                        </a:lnL>
+                        <a:lnR w="12700" cap="flat" cmpd="sng" algn="ctr">
+                          <a:noFill/>
+                          <a:prstDash val="solid"/>
+                          <a:round/>
+                          <a:headEnd type="none" w="med" len="med"/>
+                          <a:tailEnd type="none" w="med" len="med"/>
+                        </a:lnR>
+                        <a:lnT w="12700" cap="flat" cmpd="sng" algn="ctr">
+                          <a:noFill/>
+                          <a:prstDash val="solid"/>
+                          <a:round/>
+                          <a:headEnd type="none" w="med" len="med"/>
+                          <a:tailEnd type="none" w="med" len="med"/>
+                        </a:lnT>
+                        <a:lnB w="12700" cap="flat" cmpd="sng" algn="ctr">
+                          <a:noFill/>
+                          <a:prstDash val="solid"/>
+                          <a:round/>
+                          <a:headEnd type="none" w="med" len="med"/>
+                          <a:tailEnd type="none" w="med" len="med"/>
+                        </a:lnB>
+                        <a:lnTlToBr w="12700" cmpd="sng">
+                          <a:noFill/>
+                          <a:prstDash val="solid"/>
+                        </a:lnTlToBr>
+                        <a:lnBlToTr w="12700" cmpd="sng">
+                          <a:noFill/>
+                          <a:prstDash val="solid"/>
+                        </a:lnBlToTr>
+                        <a:blipFill>
+                          <a:blip r:embed="rId2"/>
+                          <a:stretch>
+                            <a:fillRect l="-101504" t="-1020" r="-102256" b="-203061"/>
+                          </a:stretch>
+                        </a:blipFill>
+                      </a:tcPr>
+                    </a:tc>
+                    <a:tc>
+                      <a:txBody>
+                        <a:bodyPr/>
+                        <a:lstStyle/>
+                        <a:p>
+                          <a:endParaRPr lang="en-US"/>
+                        </a:p>
+                      </a:txBody>
+                      <a:tcPr>
+                        <a:lnL w="12700" cap="flat" cmpd="sng" algn="ctr">
+                          <a:noFill/>
+                          <a:prstDash val="solid"/>
+                          <a:round/>
+                          <a:headEnd type="none" w="med" len="med"/>
+                          <a:tailEnd type="none" w="med" len="med"/>
+                        </a:lnL>
+                        <a:lnR w="12700" cap="flat" cmpd="sng" algn="ctr">
+                          <a:solidFill>
+                            <a:schemeClr val="tx1"/>
+                          </a:solidFill>
+                          <a:prstDash val="solid"/>
+                          <a:round/>
+                          <a:headEnd type="none" w="med" len="med"/>
+                          <a:tailEnd type="none" w="med" len="med"/>
+                        </a:lnR>
+                        <a:lnT w="12700" cap="flat" cmpd="sng" algn="ctr">
+                          <a:solidFill>
+                            <a:schemeClr val="tx1"/>
+                          </a:solidFill>
+                          <a:prstDash val="solid"/>
+                          <a:round/>
+                          <a:headEnd type="none" w="med" len="med"/>
+                          <a:tailEnd type="none" w="med" len="med"/>
+                        </a:lnT>
+                        <a:lnB w="12700" cap="flat" cmpd="sng" algn="ctr">
+                          <a:noFill/>
+                          <a:prstDash val="solid"/>
+                          <a:round/>
+                          <a:headEnd type="none" w="med" len="med"/>
+                          <a:tailEnd type="none" w="med" len="med"/>
+                        </a:lnB>
+                        <a:lnTlToBr w="12700" cmpd="sng">
+                          <a:noFill/>
+                          <a:prstDash val="solid"/>
+                        </a:lnTlToBr>
+                        <a:lnBlToTr w="12700" cmpd="sng">
+                          <a:noFill/>
+                          <a:prstDash val="solid"/>
+                        </a:lnBlToTr>
+                        <a:blipFill>
+                          <a:blip r:embed="rId2"/>
+                          <a:stretch>
+                            <a:fillRect l="-200000" t="-1020" r="-1493" b="-203061"/>
+                          </a:stretch>
+                        </a:blipFill>
+                      </a:tcPr>
+                    </a:tc>
+                    <a:extLst>
+                      <a:ext uri="{0D108BD9-81ED-4DB2-BD59-A6C34878D82A}">
+                        <a16:rowId xmlns:a16="http://schemas.microsoft.com/office/drawing/2014/main" val="2801954663"/>
+                      </a:ext>
+                    </a:extLst>
+                  </a:tr>
+                  <a:tr h="599046">
+                    <a:tc>
+                      <a:txBody>
+                        <a:bodyPr/>
+                        <a:lstStyle/>
+                        <a:p>
+                          <a:endParaRPr lang="en-US"/>
+                        </a:p>
+                      </a:txBody>
+                      <a:tcPr>
+                        <a:lnL w="12700" cap="flat" cmpd="sng" algn="ctr">
+                          <a:solidFill>
+                            <a:schemeClr val="tx1"/>
+                          </a:solidFill>
+                          <a:prstDash val="solid"/>
+                          <a:round/>
+                          <a:headEnd type="none" w="med" len="med"/>
+                          <a:tailEnd type="none" w="med" len="med"/>
+                        </a:lnL>
+                        <a:lnR w="12700" cap="flat" cmpd="sng" algn="ctr">
+                          <a:noFill/>
+                          <a:prstDash val="solid"/>
+                          <a:round/>
+                          <a:headEnd type="none" w="med" len="med"/>
+                          <a:tailEnd type="none" w="med" len="med"/>
+                        </a:lnR>
+                        <a:lnT w="12700" cap="flat" cmpd="sng" algn="ctr">
+                          <a:noFill/>
+                          <a:prstDash val="solid"/>
+                          <a:round/>
+                          <a:headEnd type="none" w="med" len="med"/>
+                          <a:tailEnd type="none" w="med" len="med"/>
+                        </a:lnT>
+                        <a:lnB w="12700" cap="flat" cmpd="sng" algn="ctr">
+                          <a:noFill/>
+                          <a:prstDash val="solid"/>
+                          <a:round/>
+                          <a:headEnd type="none" w="med" len="med"/>
+                          <a:tailEnd type="none" w="med" len="med"/>
+                        </a:lnB>
+                        <a:lnTlToBr w="12700" cmpd="sng">
+                          <a:noFill/>
+                          <a:prstDash val="solid"/>
+                        </a:lnTlToBr>
+                        <a:lnBlToTr w="12700" cmpd="sng">
+                          <a:noFill/>
+                          <a:prstDash val="solid"/>
+                        </a:lnBlToTr>
+                        <a:blipFill>
+                          <a:blip r:embed="rId2"/>
+                          <a:stretch>
+                            <a:fillRect l="-746" t="-100000" r="-200746" b="-101010"/>
+                          </a:stretch>
+                        </a:blipFill>
+                      </a:tcPr>
+                    </a:tc>
+                    <a:tc>
+                      <a:txBody>
+                        <a:bodyPr/>
+                        <a:lstStyle/>
+                        <a:p>
+                          <a:endParaRPr lang="en-US"/>
+                        </a:p>
+                      </a:txBody>
+                      <a:tcPr>
+                        <a:lnL w="12700" cap="flat" cmpd="sng" algn="ctr">
+                          <a:noFill/>
+                          <a:prstDash val="solid"/>
+                          <a:round/>
+                          <a:headEnd type="none" w="med" len="med"/>
+                          <a:tailEnd type="none" w="med" len="med"/>
+                        </a:lnL>
+                        <a:lnR w="12700" cap="flat" cmpd="sng" algn="ctr">
+                          <a:noFill/>
+                          <a:prstDash val="solid"/>
+                          <a:round/>
+                          <a:headEnd type="none" w="med" len="med"/>
+                          <a:tailEnd type="none" w="med" len="med"/>
+                        </a:lnR>
+                        <a:lnT w="12700" cap="flat" cmpd="sng" algn="ctr">
+                          <a:noFill/>
+                          <a:prstDash val="solid"/>
+                          <a:round/>
+                          <a:headEnd type="none" w="med" len="med"/>
+                          <a:tailEnd type="none" w="med" len="med"/>
+                        </a:lnT>
+                        <a:lnB w="12700" cap="flat" cmpd="sng" algn="ctr">
+                          <a:noFill/>
+                          <a:prstDash val="solid"/>
+                          <a:round/>
+                          <a:headEnd type="none" w="med" len="med"/>
+                          <a:tailEnd type="none" w="med" len="med"/>
+                        </a:lnB>
+                        <a:lnTlToBr w="12700" cmpd="sng">
+                          <a:noFill/>
+                          <a:prstDash val="solid"/>
+                        </a:lnTlToBr>
+                        <a:lnBlToTr w="12700" cmpd="sng">
+                          <a:noFill/>
+                          <a:prstDash val="solid"/>
+                        </a:lnBlToTr>
+                        <a:blipFill>
+                          <a:blip r:embed="rId2"/>
+                          <a:stretch>
+                            <a:fillRect l="-101504" t="-100000" r="-102256" b="-101010"/>
+                          </a:stretch>
+                        </a:blipFill>
+                      </a:tcPr>
+                    </a:tc>
+                    <a:tc>
+                      <a:txBody>
+                        <a:bodyPr/>
+                        <a:lstStyle/>
+                        <a:p>
+                          <a:endParaRPr lang="en-US"/>
+                        </a:p>
+                      </a:txBody>
+                      <a:tcPr>
+                        <a:lnL w="12700" cap="flat" cmpd="sng" algn="ctr">
+                          <a:noFill/>
+                          <a:prstDash val="solid"/>
+                          <a:round/>
+                          <a:headEnd type="none" w="med" len="med"/>
+                          <a:tailEnd type="none" w="med" len="med"/>
+                        </a:lnL>
+                        <a:lnR w="12700" cap="flat" cmpd="sng" algn="ctr">
+                          <a:solidFill>
+                            <a:schemeClr val="tx1"/>
+                          </a:solidFill>
+                          <a:prstDash val="solid"/>
+                          <a:round/>
+                          <a:headEnd type="none" w="med" len="med"/>
+                          <a:tailEnd type="none" w="med" len="med"/>
+                        </a:lnR>
+                        <a:lnT w="12700" cap="flat" cmpd="sng" algn="ctr">
+                          <a:noFill/>
+                          <a:prstDash val="solid"/>
+                          <a:round/>
+                          <a:headEnd type="none" w="med" len="med"/>
+                          <a:tailEnd type="none" w="med" len="med"/>
+                        </a:lnT>
+                        <a:lnB w="12700" cap="flat" cmpd="sng" algn="ctr">
+                          <a:noFill/>
+                          <a:prstDash val="solid"/>
+                          <a:round/>
+                          <a:headEnd type="none" w="med" len="med"/>
+                          <a:tailEnd type="none" w="med" len="med"/>
+                        </a:lnB>
+                        <a:lnTlToBr w="12700" cmpd="sng">
+                          <a:noFill/>
+                          <a:prstDash val="solid"/>
+                        </a:lnTlToBr>
+                        <a:lnBlToTr w="12700" cmpd="sng">
+                          <a:noFill/>
+                          <a:prstDash val="solid"/>
+                        </a:lnBlToTr>
+                        <a:blipFill>
+                          <a:blip r:embed="rId2"/>
+                          <a:stretch>
+                            <a:fillRect l="-200000" t="-100000" r="-1493" b="-101010"/>
+                          </a:stretch>
+                        </a:blipFill>
+                      </a:tcPr>
+                    </a:tc>
+                    <a:extLst>
+                      <a:ext uri="{0D108BD9-81ED-4DB2-BD59-A6C34878D82A}">
+                        <a16:rowId xmlns:a16="http://schemas.microsoft.com/office/drawing/2014/main" val="1202998512"/>
+                      </a:ext>
+                    </a:extLst>
+                  </a:tr>
+                  <a:tr h="599046">
+                    <a:tc>
+                      <a:txBody>
+                        <a:bodyPr/>
+                        <a:lstStyle/>
+                        <a:p>
+                          <a:endParaRPr lang="en-US"/>
+                        </a:p>
+                      </a:txBody>
+                      <a:tcPr>
+                        <a:lnL w="12700" cap="flat" cmpd="sng" algn="ctr">
+                          <a:solidFill>
+                            <a:schemeClr val="tx1"/>
+                          </a:solidFill>
+                          <a:prstDash val="solid"/>
+                          <a:round/>
+                          <a:headEnd type="none" w="med" len="med"/>
+                          <a:tailEnd type="none" w="med" len="med"/>
+                        </a:lnL>
+                        <a:lnR w="12700" cap="flat" cmpd="sng" algn="ctr">
+                          <a:noFill/>
+                          <a:prstDash val="solid"/>
+                          <a:round/>
+                          <a:headEnd type="none" w="med" len="med"/>
+                          <a:tailEnd type="none" w="med" len="med"/>
+                        </a:lnR>
+                        <a:lnT w="12700" cap="flat" cmpd="sng" algn="ctr">
+                          <a:noFill/>
+                          <a:prstDash val="solid"/>
+                          <a:round/>
+                          <a:headEnd type="none" w="med" len="med"/>
+                          <a:tailEnd type="none" w="med" len="med"/>
+                        </a:lnT>
+                        <a:lnB w="12700" cap="flat" cmpd="sng" algn="ctr">
+                          <a:solidFill>
+                            <a:schemeClr val="tx1"/>
+                          </a:solidFill>
+                          <a:prstDash val="solid"/>
+                          <a:round/>
+                          <a:headEnd type="none" w="med" len="med"/>
+                          <a:tailEnd type="none" w="med" len="med"/>
+                        </a:lnB>
+                        <a:lnTlToBr w="12700" cmpd="sng">
+                          <a:noFill/>
+                          <a:prstDash val="solid"/>
+                        </a:lnTlToBr>
+                        <a:lnBlToTr w="12700" cmpd="sng">
+                          <a:noFill/>
+                          <a:prstDash val="solid"/>
+                        </a:lnBlToTr>
+                        <a:blipFill>
+                          <a:blip r:embed="rId2"/>
+                          <a:stretch>
+                            <a:fillRect l="-746" t="-202041" r="-200746" b="-2041"/>
+                          </a:stretch>
+                        </a:blipFill>
+                      </a:tcPr>
+                    </a:tc>
+                    <a:tc>
+                      <a:txBody>
+                        <a:bodyPr/>
+                        <a:lstStyle/>
+                        <a:p>
+                          <a:endParaRPr lang="en-US"/>
+                        </a:p>
+                      </a:txBody>
+                      <a:tcPr>
+                        <a:lnL w="12700" cap="flat" cmpd="sng" algn="ctr">
+                          <a:noFill/>
+                          <a:prstDash val="solid"/>
+                          <a:round/>
+                          <a:headEnd type="none" w="med" len="med"/>
+                          <a:tailEnd type="none" w="med" len="med"/>
+                        </a:lnL>
+                        <a:lnR w="12700" cap="flat" cmpd="sng" algn="ctr">
+                          <a:noFill/>
+                          <a:prstDash val="solid"/>
+                          <a:round/>
+                          <a:headEnd type="none" w="med" len="med"/>
+                          <a:tailEnd type="none" w="med" len="med"/>
+                        </a:lnR>
+                        <a:lnT w="12700" cap="flat" cmpd="sng" algn="ctr">
+                          <a:noFill/>
+                          <a:prstDash val="solid"/>
+                          <a:round/>
+                          <a:headEnd type="none" w="med" len="med"/>
+                          <a:tailEnd type="none" w="med" len="med"/>
+                        </a:lnT>
+                        <a:lnB w="12700" cap="flat" cmpd="sng" algn="ctr">
+                          <a:noFill/>
+                          <a:prstDash val="solid"/>
+                          <a:round/>
+                          <a:headEnd type="none" w="med" len="med"/>
+                          <a:tailEnd type="none" w="med" len="med"/>
+                        </a:lnB>
+                        <a:lnTlToBr w="12700" cmpd="sng">
+                          <a:noFill/>
+                          <a:prstDash val="solid"/>
+                        </a:lnTlToBr>
+                        <a:lnBlToTr w="12700" cmpd="sng">
+                          <a:noFill/>
+                          <a:prstDash val="solid"/>
+                        </a:lnBlToTr>
+                        <a:blipFill>
+                          <a:blip r:embed="rId2"/>
+                          <a:stretch>
+                            <a:fillRect l="-101504" t="-202041" r="-102256" b="-2041"/>
+                          </a:stretch>
+                        </a:blipFill>
+                      </a:tcPr>
+                    </a:tc>
+                    <a:tc>
+                      <a:txBody>
+                        <a:bodyPr/>
+                        <a:lstStyle/>
+                        <a:p>
+                          <a:endParaRPr lang="en-US"/>
+                        </a:p>
+                      </a:txBody>
+                      <a:tcPr>
+                        <a:lnL w="12700" cap="flat" cmpd="sng" algn="ctr">
+                          <a:noFill/>
+                          <a:prstDash val="solid"/>
+                          <a:round/>
+                          <a:headEnd type="none" w="med" len="med"/>
+                          <a:tailEnd type="none" w="med" len="med"/>
+                        </a:lnL>
+                        <a:lnR w="12700" cap="flat" cmpd="sng" algn="ctr">
+                          <a:solidFill>
+                            <a:schemeClr val="tx1"/>
+                          </a:solidFill>
+                          <a:prstDash val="solid"/>
+                          <a:round/>
+                          <a:headEnd type="none" w="med" len="med"/>
+                          <a:tailEnd type="none" w="med" len="med"/>
+                        </a:lnR>
+                        <a:lnT w="12700" cap="flat" cmpd="sng" algn="ctr">
+                          <a:noFill/>
+                          <a:prstDash val="solid"/>
+                          <a:round/>
+                          <a:headEnd type="none" w="med" len="med"/>
+                          <a:tailEnd type="none" w="med" len="med"/>
+                        </a:lnT>
+                        <a:lnB w="12700" cap="flat" cmpd="sng" algn="ctr">
+                          <a:solidFill>
+                            <a:schemeClr val="tx1"/>
+                          </a:solidFill>
+                          <a:prstDash val="solid"/>
+                          <a:round/>
+                          <a:headEnd type="none" w="med" len="med"/>
+                          <a:tailEnd type="none" w="med" len="med"/>
+                        </a:lnB>
+                        <a:lnTlToBr w="12700" cmpd="sng">
+                          <a:noFill/>
+                          <a:prstDash val="solid"/>
+                        </a:lnTlToBr>
+                        <a:lnBlToTr w="12700" cmpd="sng">
+                          <a:noFill/>
+                          <a:prstDash val="solid"/>
+                        </a:lnBlToTr>
+                        <a:blipFill>
+                          <a:blip r:embed="rId2"/>
+                          <a:stretch>
+                            <a:fillRect l="-200000" t="-202041" r="-1493" b="-2041"/>
+                          </a:stretch>
+                        </a:blipFill>
+                      </a:tcPr>
+                    </a:tc>
+                    <a:extLst>
+                      <a:ext uri="{0D108BD9-81ED-4DB2-BD59-A6C34878D82A}">
+                        <a16:rowId xmlns:a16="http://schemas.microsoft.com/office/drawing/2014/main" val="1090008321"/>
+                      </a:ext>
+                    </a:extLst>
+                  </a:tr>
+                </a:tbl>
+              </a:graphicData>
+            </a:graphic>
+          </p:graphicFrame>
+        </mc:Fallback>
+      </mc:AlternateContent>
+      <mc:AlternateContent xmlns:mc="http://schemas.openxmlformats.org/markup-compatibility/2006">
+        <mc:Choice xmlns:a14="http://schemas.microsoft.com/office/drawing/2010/main" Requires="a14">
+          <p:sp>
+            <p:nvSpPr>
+              <p:cNvPr id="5" name="TextBox 4">
+                <a:extLst>
+                  <a:ext uri="{FF2B5EF4-FFF2-40B4-BE49-F238E27FC236}">
+                    <a16:creationId xmlns:a16="http://schemas.microsoft.com/office/drawing/2014/main" id="{603035F8-57A6-4FA2-B23C-B65122E7DBE8}"/>
+                  </a:ext>
+                </a:extLst>
+              </p:cNvPr>
+              <p:cNvSpPr txBox="1"/>
+              <p:nvPr/>
+            </p:nvSpPr>
+            <p:spPr>
+              <a:xfrm>
+                <a:off x="1565578" y="3213557"/>
+                <a:ext cx="627351" cy="430887"/>
+              </a:xfrm>
+              <a:prstGeom prst="rect">
+                <a:avLst/>
+              </a:prstGeom>
+              <a:noFill/>
+            </p:spPr>
+            <p:txBody>
+              <a:bodyPr wrap="none" lIns="0" tIns="0" rIns="0" bIns="0" rtlCol="0">
+                <a:spAutoFit/>
+              </a:bodyPr>
+              <a:lstStyle/>
+              <a:p>
+                <a14:m>
+                  <m:oMathPara xmlns:m="http://schemas.openxmlformats.org/officeDocument/2006/math">
+                    <m:oMathParaPr>
+                      <m:jc m:val="centerGroup"/>
+                    </m:oMathParaPr>
+                    <m:oMath xmlns:m="http://schemas.openxmlformats.org/officeDocument/2006/math">
+                      <m:r>
+                        <a:rPr lang="en-US" sz="2800" b="0" i="1" smtClean="0">
+                          <a:latin typeface="Cambria Math" panose="02040503050406030204" pitchFamily="18" charset="0"/>
+                        </a:rPr>
+                        <m:t>𝜖</m:t>
+                      </m:r>
+                      <m:r>
+                        <a:rPr lang="en-US" sz="2800" b="0" i="1" smtClean="0">
+                          <a:latin typeface="Cambria Math" panose="02040503050406030204" pitchFamily="18" charset="0"/>
+                        </a:rPr>
+                        <m:t>=</m:t>
+                      </m:r>
+                    </m:oMath>
+                  </m:oMathPara>
+                </a14:m>
+                <a:endParaRPr lang="en-US" sz="2800" dirty="0"/>
+              </a:p>
+            </p:txBody>
+          </p:sp>
+        </mc:Choice>
+        <mc:Fallback>
+          <p:sp>
+            <p:nvSpPr>
+              <p:cNvPr id="5" name="TextBox 4">
+                <a:extLst>
+                  <a:ext uri="{FF2B5EF4-FFF2-40B4-BE49-F238E27FC236}">
+                    <a16:creationId xmlns:a16="http://schemas.microsoft.com/office/drawing/2014/main" id="{603035F8-57A6-4FA2-B23C-B65122E7DBE8}"/>
+                  </a:ext>
+                </a:extLst>
+              </p:cNvPr>
+              <p:cNvSpPr txBox="1">
+                <a:spLocks noRot="1" noChangeAspect="1" noMove="1" noResize="1" noEditPoints="1" noAdjustHandles="1" noChangeArrowheads="1" noChangeShapeType="1" noTextEdit="1"/>
+              </p:cNvSpPr>
+              <p:nvPr/>
+            </p:nvSpPr>
+            <p:spPr>
+              <a:xfrm>
+                <a:off x="1565578" y="3213557"/>
+                <a:ext cx="627351" cy="430887"/>
+              </a:xfrm>
+              <a:prstGeom prst="rect">
+                <a:avLst/>
+              </a:prstGeom>
+              <a:blipFill>
+                <a:blip r:embed="rId3"/>
+                <a:stretch>
+                  <a:fillRect/>
+                </a:stretch>
+              </a:blipFill>
+            </p:spPr>
+            <p:txBody>
+              <a:bodyPr/>
+              <a:lstStyle/>
+              <a:p>
+                <a:r>
+                  <a:rPr lang="en-US">
+                    <a:noFill/>
+                  </a:rPr>
+                  <a:t> </a:t>
+                </a:r>
+              </a:p>
+            </p:txBody>
+          </p:sp>
+        </mc:Fallback>
+      </mc:AlternateContent>
+      <p:sp>
+        <p:nvSpPr>
+          <p:cNvPr id="6" name="TextBox 5">
+            <a:extLst>
+              <a:ext uri="{FF2B5EF4-FFF2-40B4-BE49-F238E27FC236}">
+                <a16:creationId xmlns:a16="http://schemas.microsoft.com/office/drawing/2014/main" id="{871BA26C-6510-4DBD-8CDD-0DD98FB3168D}"/>
+              </a:ext>
+            </a:extLst>
+          </p:cNvPr>
+          <p:cNvSpPr txBox="1"/>
+          <p:nvPr/>
+        </p:nvSpPr>
+        <p:spPr>
+          <a:xfrm>
+            <a:off x="5393205" y="2736502"/>
+            <a:ext cx="4597734" cy="1384995"/>
+          </a:xfrm>
+          <a:prstGeom prst="rect">
+            <a:avLst/>
+          </a:prstGeom>
+          <a:noFill/>
+        </p:spPr>
+        <p:txBody>
+          <a:bodyPr wrap="none" rtlCol="0">
+            <a:spAutoFit/>
+          </a:bodyPr>
+          <a:lstStyle/>
+          <a:p>
+            <a:r>
+              <a:rPr lang="en-US" sz="2800" dirty="0"/>
+              <a:t>Relation between SL and T. </a:t>
+            </a:r>
+          </a:p>
+          <a:p>
+            <a:r>
+              <a:rPr lang="en-US" sz="2800" dirty="0"/>
+              <a:t>This is a parameter that will</a:t>
+            </a:r>
+          </a:p>
+          <a:p>
+            <a:r>
+              <a:rPr lang="en-US" sz="2800" dirty="0"/>
+              <a:t> be a part of the MCMC Chain.</a:t>
+            </a:r>
+          </a:p>
+        </p:txBody>
+      </p:sp>
+      <p:cxnSp>
+        <p:nvCxnSpPr>
+          <p:cNvPr id="18" name="Straight Arrow Connector 17">
+            <a:extLst>
+              <a:ext uri="{FF2B5EF4-FFF2-40B4-BE49-F238E27FC236}">
+                <a16:creationId xmlns:a16="http://schemas.microsoft.com/office/drawing/2014/main" id="{A9127E69-775F-4207-8F6A-D3F704A8A198}"/>
+              </a:ext>
+            </a:extLst>
+          </p:cNvPr>
+          <p:cNvCxnSpPr/>
+          <p:nvPr/>
+        </p:nvCxnSpPr>
+        <p:spPr>
+          <a:xfrm flipV="1">
+            <a:off x="3793067" y="1744133"/>
+            <a:ext cx="2032000" cy="992369"/>
+          </a:xfrm>
+          <a:prstGeom prst="straightConnector1">
+            <a:avLst/>
+          </a:prstGeom>
+          <a:ln>
+            <a:solidFill>
+              <a:schemeClr val="tx1"/>
+            </a:solidFill>
+            <a:tailEnd type="triangle"/>
+          </a:ln>
+        </p:spPr>
+        <p:style>
+          <a:lnRef idx="1">
+            <a:schemeClr val="accent1"/>
+          </a:lnRef>
+          <a:fillRef idx="0">
+            <a:schemeClr val="accent1"/>
+          </a:fillRef>
+          <a:effectRef idx="0">
+            <a:schemeClr val="accent1"/>
+          </a:effectRef>
+          <a:fontRef idx="minor">
+            <a:schemeClr val="tx1"/>
+          </a:fontRef>
+        </p:style>
+      </p:cxnSp>
+      <p:cxnSp>
+        <p:nvCxnSpPr>
+          <p:cNvPr id="20" name="Straight Arrow Connector 19">
+            <a:extLst>
+              <a:ext uri="{FF2B5EF4-FFF2-40B4-BE49-F238E27FC236}">
+                <a16:creationId xmlns:a16="http://schemas.microsoft.com/office/drawing/2014/main" id="{0889115B-B1B2-4D85-9766-C37F4E393F2F}"/>
+              </a:ext>
+            </a:extLst>
+          </p:cNvPr>
+          <p:cNvCxnSpPr>
+            <a:endCxn id="6" idx="0"/>
+          </p:cNvCxnSpPr>
+          <p:nvPr/>
+        </p:nvCxnSpPr>
+        <p:spPr>
+          <a:xfrm>
+            <a:off x="5842000" y="1768321"/>
+            <a:ext cx="1850072" cy="968181"/>
+          </a:xfrm>
+          <a:prstGeom prst="straightConnector1">
+            <a:avLst/>
+          </a:prstGeom>
+          <a:ln>
+            <a:solidFill>
+              <a:schemeClr val="tx1"/>
+            </a:solidFill>
+            <a:tailEnd type="triangle"/>
+          </a:ln>
+        </p:spPr>
+        <p:style>
+          <a:lnRef idx="1">
+            <a:schemeClr val="accent1"/>
+          </a:lnRef>
+          <a:fillRef idx="0">
+            <a:schemeClr val="accent1"/>
+          </a:fillRef>
+          <a:effectRef idx="0">
+            <a:schemeClr val="accent1"/>
+          </a:effectRef>
+          <a:fontRef idx="minor">
+            <a:schemeClr val="tx1"/>
+          </a:fontRef>
+        </p:style>
+      </p:cxnSp>
+    </p:spTree>
+    <p:extLst>
+      <p:ext uri="{BB962C8B-B14F-4D97-AF65-F5344CB8AC3E}">
+        <p14:creationId xmlns:p14="http://schemas.microsoft.com/office/powerpoint/2010/main" val="2697230809"/>
       </p:ext>
     </p:extLst>
   </p:cSld>
@@ -9059,7 +9760,7 @@
           <p:cNvPr id="2" name="Title 1">
             <a:extLst>
               <a:ext uri="{FF2B5EF4-FFF2-40B4-BE49-F238E27FC236}">
-                <a16:creationId xmlns:a16="http://schemas.microsoft.com/office/drawing/2014/main" xmlns="" id="{2FAF5C53-EDB5-44E6-A94A-9D1BB26632F2}"/>
+                <a16:creationId xmlns:a16="http://schemas.microsoft.com/office/drawing/2014/main" id="{2FAF5C53-EDB5-44E6-A94A-9D1BB26632F2}"/>
               </a:ext>
             </a:extLst>
           </p:cNvPr>
@@ -9087,7 +9788,7 @@
           <p:cNvPr id="3" name="Content Placeholder 2">
             <a:extLst>
               <a:ext uri="{FF2B5EF4-FFF2-40B4-BE49-F238E27FC236}">
-                <a16:creationId xmlns:a16="http://schemas.microsoft.com/office/drawing/2014/main" xmlns="" id="{42DD9501-7E18-4D69-80B6-157C1A7938FB}"/>
+                <a16:creationId xmlns:a16="http://schemas.microsoft.com/office/drawing/2014/main" id="{42DD9501-7E18-4D69-80B6-157C1A7938FB}"/>
               </a:ext>
             </a:extLst>
           </p:cNvPr>
@@ -9122,13 +9823,8 @@
           <a:p>
             <a:r>
               <a:rPr lang="en-US" dirty="0"/>
-              <a:t>Simple AR1 </a:t>
-            </a:r>
-            <a:r>
-              <a:rPr lang="en-US" dirty="0" smtClean="0"/>
-              <a:t>matrix with 0’s off the diagonal</a:t>
-            </a:r>
-            <a:endParaRPr lang="en-US" dirty="0"/>
+              <a:t>Simple AR1 matrix with 0’s as off-diagonal values</a:t>
+            </a:r>
           </a:p>
           <a:p>
             <a:endParaRPr lang="en-US" dirty="0"/>
@@ -9140,7 +9836,7 @@
           <p:cNvPr id="4" name="Title 1">
             <a:extLst>
               <a:ext uri="{FF2B5EF4-FFF2-40B4-BE49-F238E27FC236}">
-                <a16:creationId xmlns:a16="http://schemas.microsoft.com/office/drawing/2014/main" xmlns="" id="{22ACA028-7EC0-46AF-9E9A-CF2B98A6B0CB}"/>
+                <a16:creationId xmlns:a16="http://schemas.microsoft.com/office/drawing/2014/main" id="{22ACA028-7EC0-46AF-9E9A-CF2B98A6B0CB}"/>
               </a:ext>
             </a:extLst>
           </p:cNvPr>
@@ -9194,7 +9890,7 @@
           <p:cNvPr id="5" name="Content Placeholder 2">
             <a:extLst>
               <a:ext uri="{FF2B5EF4-FFF2-40B4-BE49-F238E27FC236}">
-                <a16:creationId xmlns:a16="http://schemas.microsoft.com/office/drawing/2014/main" xmlns="" id="{BAE375AF-8ED2-4553-99D9-C07D927D090D}"/>
+                <a16:creationId xmlns:a16="http://schemas.microsoft.com/office/drawing/2014/main" id="{BAE375AF-8ED2-4553-99D9-C07D927D090D}"/>
               </a:ext>
             </a:extLst>
           </p:cNvPr>
@@ -9438,7 +10134,7 @@
           <p:cNvPr id="2" name="Title 1">
             <a:extLst>
               <a:ext uri="{FF2B5EF4-FFF2-40B4-BE49-F238E27FC236}">
-                <a16:creationId xmlns:a16="http://schemas.microsoft.com/office/drawing/2014/main" xmlns="" id="{55E080C1-8EA5-4A70-9B44-C543F4A56777}"/>
+                <a16:creationId xmlns:a16="http://schemas.microsoft.com/office/drawing/2014/main" id="{55E080C1-8EA5-4A70-9B44-C543F4A56777}"/>
               </a:ext>
             </a:extLst>
           </p:cNvPr>
@@ -9466,7 +10162,7 @@
           <p:cNvPr id="3" name="Content Placeholder 2">
             <a:extLst>
               <a:ext uri="{FF2B5EF4-FFF2-40B4-BE49-F238E27FC236}">
-                <a16:creationId xmlns:a16="http://schemas.microsoft.com/office/drawing/2014/main" xmlns="" id="{A318EF24-B224-4155-91B1-E792DE57068A}"/>
+                <a16:creationId xmlns:a16="http://schemas.microsoft.com/office/drawing/2014/main" id="{A318EF24-B224-4155-91B1-E792DE57068A}"/>
               </a:ext>
             </a:extLst>
           </p:cNvPr>
@@ -9483,72 +10179,58 @@
           <a:lstStyle/>
           <a:p>
             <a:r>
-              <a:rPr lang="en-US" dirty="0" smtClean="0"/>
+              <a:rPr lang="en-US" dirty="0"/>
               <a:t>November </a:t>
             </a:r>
             <a:r>
-              <a:rPr lang="mr-IN" dirty="0" smtClean="0"/>
+              <a:rPr lang="mr-IN" dirty="0"/>
               <a:t>–</a:t>
             </a:r>
-            <a:endParaRPr lang="en-US" dirty="0" smtClean="0"/>
+            <a:endParaRPr lang="en-US" dirty="0"/>
           </a:p>
           <a:p>
             <a:pPr lvl="1"/>
             <a:r>
-              <a:rPr lang="en-US" dirty="0" smtClean="0"/>
+              <a:rPr lang="en-US" dirty="0"/>
               <a:t>DOECLIM + GMSL model coupling (no calibration)</a:t>
             </a:r>
-            <a:endParaRPr lang="en-US" dirty="0" smtClean="0"/>
-          </a:p>
-          <a:p>
-            <a:r>
-              <a:rPr lang="en-US" dirty="0" smtClean="0"/>
-              <a:t>December </a:t>
-            </a:r>
+          </a:p>
+          <a:p>
             <a:r>
               <a:rPr lang="en-US" dirty="0"/>
-              <a:t>– </a:t>
-            </a:r>
-            <a:endParaRPr lang="en-US" dirty="0" smtClean="0"/>
+              <a:t>December – </a:t>
+            </a:r>
           </a:p>
           <a:p>
             <a:pPr lvl="1"/>
             <a:r>
-              <a:rPr lang="en-US" dirty="0" smtClean="0"/>
-              <a:t>Finish </a:t>
-            </a:r>
-            <a:r>
               <a:rPr lang="en-US" dirty="0"/>
-              <a:t>combining DOECLIM model with the </a:t>
-            </a:r>
-            <a:r>
-              <a:rPr lang="en-US" dirty="0" smtClean="0"/>
-              <a:t>GMSL model and the calibration.</a:t>
-            </a:r>
-          </a:p>
-          <a:p>
-            <a:r>
-              <a:rPr lang="en-US" dirty="0" smtClean="0"/>
+              <a:t>Finish combining DOECLIM model with the GMSL model and the calibration.</a:t>
+            </a:r>
+          </a:p>
+          <a:p>
+            <a:r>
+              <a:rPr lang="en-US" dirty="0"/>
               <a:t>Jan </a:t>
             </a:r>
             <a:r>
-              <a:rPr lang="mr-IN" dirty="0" smtClean="0"/>
+              <a:rPr lang="mr-IN" dirty="0"/>
               <a:t>–</a:t>
             </a:r>
             <a:r>
-              <a:rPr lang="en-US" dirty="0" smtClean="0"/>
+              <a:rPr lang="en-US" dirty="0"/>
               <a:t> April </a:t>
             </a:r>
             <a:r>
-              <a:rPr lang="mr-IN" dirty="0" smtClean="0"/>
+              <a:rPr lang="mr-IN" dirty="0"/>
               <a:t>–</a:t>
             </a:r>
             <a:r>
-              <a:rPr lang="en-US" dirty="0" smtClean="0"/>
+              <a:rPr lang="en-US" dirty="0"/>
               <a:t> Experiments and error </a:t>
             </a:r>
             <a:r>
-              <a:rPr lang="en-US" smtClean="0"/>
+              <a:rPr lang="en-US"/>
               <a:t>checking along with write-up.</a:t>
             </a:r>
             <a:endParaRPr lang="en-US" dirty="0"/>
@@ -9565,6 +10247,816 @@
     <p:extLst>
       <p:ext uri="{BB962C8B-B14F-4D97-AF65-F5344CB8AC3E}">
         <p14:creationId xmlns:p14="http://schemas.microsoft.com/office/powerpoint/2010/main" val="1747472871"/>
+      </p:ext>
+    </p:extLst>
+  </p:cSld>
+  <p:clrMapOvr>
+    <a:masterClrMapping/>
+  </p:clrMapOvr>
+</p:sld>
+</file>
+
+<file path=ppt/slides/slide16.xml><?xml version="1.0" encoding="utf-8"?>
+<p:sld xmlns:a="http://schemas.openxmlformats.org/drawingml/2006/main" xmlns:r="http://schemas.openxmlformats.org/officeDocument/2006/relationships" xmlns:p="http://schemas.openxmlformats.org/presentationml/2006/main" show="0">
+  <p:cSld>
+    <p:spTree>
+      <p:nvGrpSpPr>
+        <p:cNvPr id="1" name=""/>
+        <p:cNvGrpSpPr/>
+        <p:nvPr/>
+      </p:nvGrpSpPr>
+      <p:grpSpPr>
+        <a:xfrm>
+          <a:off x="0" y="0"/>
+          <a:ext cx="0" cy="0"/>
+          <a:chOff x="0" y="0"/>
+          <a:chExt cx="0" cy="0"/>
+        </a:xfrm>
+      </p:grpSpPr>
+      <mc:AlternateContent xmlns:mc="http://schemas.openxmlformats.org/markup-compatibility/2006" xmlns:a14="http://schemas.microsoft.com/office/drawing/2010/main">
+        <mc:Choice Requires="a14">
+          <p:sp>
+            <p:nvSpPr>
+              <p:cNvPr id="3" name="Content Placeholder 2">
+                <a:extLst>
+                  <a:ext uri="{FF2B5EF4-FFF2-40B4-BE49-F238E27FC236}">
+                    <a16:creationId xmlns:a16="http://schemas.microsoft.com/office/drawing/2014/main" id="{DDA4DCC2-56D4-4FEB-BA98-1C25194A0BD4}"/>
+                  </a:ext>
+                </a:extLst>
+              </p:cNvPr>
+              <p:cNvSpPr>
+                <a:spLocks noGrp="1"/>
+              </p:cNvSpPr>
+              <p:nvPr>
+                <p:ph idx="1"/>
+              </p:nvPr>
+            </p:nvSpPr>
+            <p:spPr>
+              <a:xfrm>
+                <a:off x="838200" y="1315453"/>
+                <a:ext cx="10515600" cy="4861509"/>
+              </a:xfrm>
+            </p:spPr>
+            <p:txBody>
+              <a:bodyPr/>
+              <a:lstStyle/>
+              <a:p>
+                <a14:m>
+                  <m:oMath xmlns:m="http://schemas.openxmlformats.org/officeDocument/2006/math">
+                    <m:sSub>
+                      <m:sSubPr>
+                        <m:ctrlPr>
+                          <a:rPr lang="en-US" b="0" i="1" smtClean="0">
+                            <a:latin typeface="Cambria Math" panose="02040503050406030204" pitchFamily="18" charset="0"/>
+                          </a:rPr>
+                        </m:ctrlPr>
+                      </m:sSubPr>
+                      <m:e>
+                        <m:r>
+                          <a:rPr lang="en-US" b="0" i="1" smtClean="0">
+                            <a:latin typeface="Cambria Math" panose="02040503050406030204" pitchFamily="18" charset="0"/>
+                          </a:rPr>
+                          <m:t>𝜙</m:t>
+                        </m:r>
+                      </m:e>
+                      <m:sub>
+                        <m:r>
+                          <a:rPr lang="en-US" b="0" i="1" smtClean="0">
+                            <a:latin typeface="Cambria Math" panose="02040503050406030204" pitchFamily="18" charset="0"/>
+                          </a:rPr>
+                          <m:t>𝑛</m:t>
+                        </m:r>
+                      </m:sub>
+                    </m:sSub>
+                    <m:r>
+                      <a:rPr lang="en-US" b="0" i="1" smtClean="0">
+                        <a:latin typeface="Cambria Math" panose="02040503050406030204" pitchFamily="18" charset="0"/>
+                      </a:rPr>
+                      <m:t>=</m:t>
+                    </m:r>
+                    <m:r>
+                      <a:rPr lang="en-US" b="0" i="1" smtClean="0">
+                        <a:latin typeface="Cambria Math" panose="02040503050406030204" pitchFamily="18" charset="0"/>
+                      </a:rPr>
+                      <m:t>𝜌</m:t>
+                    </m:r>
+                    <m:sSub>
+                      <m:sSubPr>
+                        <m:ctrlPr>
+                          <a:rPr lang="en-US" b="0" i="1" smtClean="0">
+                            <a:latin typeface="Cambria Math" panose="02040503050406030204" pitchFamily="18" charset="0"/>
+                          </a:rPr>
+                        </m:ctrlPr>
+                      </m:sSubPr>
+                      <m:e>
+                        <m:r>
+                          <a:rPr lang="en-US" b="0" i="1" smtClean="0">
+                            <a:latin typeface="Cambria Math" panose="02040503050406030204" pitchFamily="18" charset="0"/>
+                          </a:rPr>
+                          <m:t>𝜙</m:t>
+                        </m:r>
+                      </m:e>
+                      <m:sub>
+                        <m:r>
+                          <a:rPr lang="en-US" b="0" i="1" smtClean="0">
+                            <a:latin typeface="Cambria Math" panose="02040503050406030204" pitchFamily="18" charset="0"/>
+                          </a:rPr>
+                          <m:t>𝑛</m:t>
+                        </m:r>
+                        <m:r>
+                          <a:rPr lang="en-US" b="0" i="1" smtClean="0">
+                            <a:latin typeface="Cambria Math" panose="02040503050406030204" pitchFamily="18" charset="0"/>
+                          </a:rPr>
+                          <m:t>−1</m:t>
+                        </m:r>
+                      </m:sub>
+                    </m:sSub>
+                    <m:r>
+                      <a:rPr lang="en-US" b="0" i="1" smtClean="0">
+                        <a:latin typeface="Cambria Math" panose="02040503050406030204" pitchFamily="18" charset="0"/>
+                      </a:rPr>
+                      <m:t>+</m:t>
+                    </m:r>
+                    <m:sSub>
+                      <m:sSubPr>
+                        <m:ctrlPr>
+                          <a:rPr lang="en-US" b="0" i="1" smtClean="0">
+                            <a:latin typeface="Cambria Math" panose="02040503050406030204" pitchFamily="18" charset="0"/>
+                          </a:rPr>
+                        </m:ctrlPr>
+                      </m:sSubPr>
+                      <m:e>
+                        <m:r>
+                          <m:rPr>
+                            <m:sty m:val="p"/>
+                          </m:rPr>
+                          <a:rPr lang="en-US" b="0" i="0" smtClean="0">
+                            <a:latin typeface="Cambria Math" panose="02040503050406030204" pitchFamily="18" charset="0"/>
+                          </a:rPr>
+                          <m:t>Σ</m:t>
+                        </m:r>
+                      </m:e>
+                      <m:sub>
+                        <m:r>
+                          <a:rPr lang="en-US" b="0" i="1" smtClean="0">
+                            <a:latin typeface="Cambria Math" panose="02040503050406030204" pitchFamily="18" charset="0"/>
+                          </a:rPr>
+                          <m:t>𝑛</m:t>
+                        </m:r>
+                      </m:sub>
+                    </m:sSub>
+                  </m:oMath>
+                </a14:m>
+                <a:endParaRPr lang="en-US" b="0" dirty="0"/>
+              </a:p>
+              <a:p>
+                <a14:m>
+                  <m:oMath xmlns:m="http://schemas.openxmlformats.org/officeDocument/2006/math">
+                    <m:sSub>
+                      <m:sSubPr>
+                        <m:ctrlPr>
+                          <a:rPr lang="en-US" i="1">
+                            <a:latin typeface="Cambria Math" panose="02040503050406030204" pitchFamily="18" charset="0"/>
+                          </a:rPr>
+                        </m:ctrlPr>
+                      </m:sSubPr>
+                      <m:e>
+                        <m:r>
+                          <a:rPr lang="en-US" b="0" i="1" smtClean="0">
+                            <a:latin typeface="Cambria Math" panose="02040503050406030204" pitchFamily="18" charset="0"/>
+                          </a:rPr>
+                          <m:t>𝑣𝑎𝑟</m:t>
+                        </m:r>
+                        <m:r>
+                          <a:rPr lang="en-US" b="0" i="1" smtClean="0">
+                            <a:latin typeface="Cambria Math" panose="02040503050406030204" pitchFamily="18" charset="0"/>
+                          </a:rPr>
+                          <m:t>(</m:t>
+                        </m:r>
+                        <m:r>
+                          <a:rPr lang="en-US" i="1">
+                            <a:latin typeface="Cambria Math" panose="02040503050406030204" pitchFamily="18" charset="0"/>
+                          </a:rPr>
+                          <m:t>𝜙</m:t>
+                        </m:r>
+                      </m:e>
+                      <m:sub>
+                        <m:r>
+                          <a:rPr lang="en-US" i="1">
+                            <a:latin typeface="Cambria Math" panose="02040503050406030204" pitchFamily="18" charset="0"/>
+                          </a:rPr>
+                          <m:t>𝑛</m:t>
+                        </m:r>
+                      </m:sub>
+                    </m:sSub>
+                    <m:r>
+                      <a:rPr lang="en-US" b="0" i="1" smtClean="0">
+                        <a:latin typeface="Cambria Math" panose="02040503050406030204" pitchFamily="18" charset="0"/>
+                      </a:rPr>
+                      <m:t>)</m:t>
+                    </m:r>
+                    <m:r>
+                      <a:rPr lang="en-US" i="1">
+                        <a:latin typeface="Cambria Math" panose="02040503050406030204" pitchFamily="18" charset="0"/>
+                      </a:rPr>
+                      <m:t>=</m:t>
+                    </m:r>
+                    <m:r>
+                      <a:rPr lang="en-US" b="0" i="1" smtClean="0">
+                        <a:latin typeface="Cambria Math" panose="02040503050406030204" pitchFamily="18" charset="0"/>
+                      </a:rPr>
+                      <m:t>𝑣𝑎𝑟</m:t>
+                    </m:r>
+                    <m:d>
+                      <m:dPr>
+                        <m:ctrlPr>
+                          <a:rPr lang="en-US" b="0" i="1" smtClean="0">
+                            <a:latin typeface="Cambria Math" panose="02040503050406030204" pitchFamily="18" charset="0"/>
+                          </a:rPr>
+                        </m:ctrlPr>
+                      </m:dPr>
+                      <m:e>
+                        <m:r>
+                          <a:rPr lang="en-US" i="1">
+                            <a:latin typeface="Cambria Math" panose="02040503050406030204" pitchFamily="18" charset="0"/>
+                          </a:rPr>
+                          <m:t>𝜌</m:t>
+                        </m:r>
+                        <m:sSub>
+                          <m:sSubPr>
+                            <m:ctrlPr>
+                              <a:rPr lang="en-US" i="1">
+                                <a:latin typeface="Cambria Math" panose="02040503050406030204" pitchFamily="18" charset="0"/>
+                              </a:rPr>
+                            </m:ctrlPr>
+                          </m:sSubPr>
+                          <m:e>
+                            <m:r>
+                              <a:rPr lang="en-US" i="1">
+                                <a:latin typeface="Cambria Math" panose="02040503050406030204" pitchFamily="18" charset="0"/>
+                              </a:rPr>
+                              <m:t>𝜙</m:t>
+                            </m:r>
+                          </m:e>
+                          <m:sub>
+                            <m:r>
+                              <a:rPr lang="en-US" i="1">
+                                <a:latin typeface="Cambria Math" panose="02040503050406030204" pitchFamily="18" charset="0"/>
+                              </a:rPr>
+                              <m:t>𝑛</m:t>
+                            </m:r>
+                            <m:r>
+                              <a:rPr lang="en-US" i="1">
+                                <a:latin typeface="Cambria Math" panose="02040503050406030204" pitchFamily="18" charset="0"/>
+                              </a:rPr>
+                              <m:t>−1</m:t>
+                            </m:r>
+                          </m:sub>
+                        </m:sSub>
+                        <m:r>
+                          <a:rPr lang="en-US" i="1">
+                            <a:latin typeface="Cambria Math" panose="02040503050406030204" pitchFamily="18" charset="0"/>
+                          </a:rPr>
+                          <m:t>+</m:t>
+                        </m:r>
+                        <m:r>
+                          <a:rPr lang="en-US" b="0" i="1" smtClean="0">
+                            <a:latin typeface="Cambria Math" charset="0"/>
+                          </a:rPr>
+                          <m:t>\</m:t>
+                        </m:r>
+                        <m:sSub>
+                          <m:sSubPr>
+                            <m:ctrlPr>
+                              <a:rPr lang="en-US" b="0" i="1" smtClean="0">
+                                <a:latin typeface="Cambria Math" panose="02040503050406030204" pitchFamily="18" charset="0"/>
+                              </a:rPr>
+                            </m:ctrlPr>
+                          </m:sSubPr>
+                          <m:e>
+                            <m:r>
+                              <m:rPr>
+                                <m:sty m:val="p"/>
+                              </m:rPr>
+                              <a:rPr lang="en-US" b="0" i="0" smtClean="0">
+                                <a:latin typeface="Cambria Math" charset="0"/>
+                              </a:rPr>
+                              <m:t>epsilon</m:t>
+                            </m:r>
+                          </m:e>
+                          <m:sub>
+                            <m:r>
+                              <a:rPr lang="en-US" b="0" i="1" smtClean="0">
+                                <a:latin typeface="Cambria Math" charset="0"/>
+                              </a:rPr>
+                              <m:t>𝑛</m:t>
+                            </m:r>
+                          </m:sub>
+                        </m:sSub>
+                      </m:e>
+                    </m:d>
+                  </m:oMath>
+                </a14:m>
+                <a:endParaRPr lang="en-US" b="0" dirty="0"/>
+              </a:p>
+              <a:p>
+                <a14:m>
+                  <m:oMath xmlns:m="http://schemas.openxmlformats.org/officeDocument/2006/math">
+                    <m:sSup>
+                      <m:sSupPr>
+                        <m:ctrlPr>
+                          <a:rPr lang="en-US" b="0" i="1" smtClean="0">
+                            <a:latin typeface="Cambria Math" panose="02040503050406030204" pitchFamily="18" charset="0"/>
+                          </a:rPr>
+                        </m:ctrlPr>
+                      </m:sSupPr>
+                      <m:e>
+                        <m:r>
+                          <a:rPr lang="en-US" b="0" i="1" smtClean="0">
+                            <a:latin typeface="Cambria Math" panose="02040503050406030204" pitchFamily="18" charset="0"/>
+                          </a:rPr>
+                          <m:t>𝜎</m:t>
+                        </m:r>
+                      </m:e>
+                      <m:sup>
+                        <m:r>
+                          <a:rPr lang="en-US" b="0" i="1" smtClean="0">
+                            <a:latin typeface="Cambria Math" panose="02040503050406030204" pitchFamily="18" charset="0"/>
+                          </a:rPr>
+                          <m:t>2</m:t>
+                        </m:r>
+                      </m:sup>
+                    </m:sSup>
+                    <m:r>
+                      <a:rPr lang="en-US" b="0" i="1" smtClean="0">
+                        <a:latin typeface="Cambria Math" panose="02040503050406030204" pitchFamily="18" charset="0"/>
+                      </a:rPr>
+                      <m:t>=</m:t>
+                    </m:r>
+                    <m:sSup>
+                      <m:sSupPr>
+                        <m:ctrlPr>
+                          <a:rPr lang="en-US" b="0" i="1" smtClean="0">
+                            <a:latin typeface="Cambria Math" panose="02040503050406030204" pitchFamily="18" charset="0"/>
+                          </a:rPr>
+                        </m:ctrlPr>
+                      </m:sSupPr>
+                      <m:e>
+                        <m:r>
+                          <a:rPr lang="en-US" b="0" i="1" smtClean="0">
+                            <a:latin typeface="Cambria Math" panose="02040503050406030204" pitchFamily="18" charset="0"/>
+                          </a:rPr>
+                          <m:t>𝜌</m:t>
+                        </m:r>
+                      </m:e>
+                      <m:sup>
+                        <m:r>
+                          <a:rPr lang="en-US" b="0" i="1" smtClean="0">
+                            <a:latin typeface="Cambria Math" panose="02040503050406030204" pitchFamily="18" charset="0"/>
+                          </a:rPr>
+                          <m:t>2</m:t>
+                        </m:r>
+                      </m:sup>
+                    </m:sSup>
+                    <m:r>
+                      <a:rPr lang="en-US" b="0" i="1" smtClean="0">
+                        <a:latin typeface="Cambria Math" panose="02040503050406030204" pitchFamily="18" charset="0"/>
+                      </a:rPr>
+                      <m:t>×</m:t>
+                    </m:r>
+                    <m:sSup>
+                      <m:sSupPr>
+                        <m:ctrlPr>
+                          <a:rPr lang="en-US" b="0" i="1" smtClean="0">
+                            <a:latin typeface="Cambria Math" panose="02040503050406030204" pitchFamily="18" charset="0"/>
+                          </a:rPr>
+                        </m:ctrlPr>
+                      </m:sSupPr>
+                      <m:e>
+                        <m:r>
+                          <a:rPr lang="en-US" b="0" i="1" smtClean="0">
+                            <a:latin typeface="Cambria Math" panose="02040503050406030204" pitchFamily="18" charset="0"/>
+                          </a:rPr>
+                          <m:t>𝜎</m:t>
+                        </m:r>
+                      </m:e>
+                      <m:sup>
+                        <m:r>
+                          <a:rPr lang="en-US" b="0" i="1" smtClean="0">
+                            <a:latin typeface="Cambria Math" panose="02040503050406030204" pitchFamily="18" charset="0"/>
+                          </a:rPr>
+                          <m:t>2</m:t>
+                        </m:r>
+                      </m:sup>
+                    </m:sSup>
+                    <m:r>
+                      <a:rPr lang="en-US" b="0" i="1" smtClean="0">
+                        <a:latin typeface="Cambria Math" panose="02040503050406030204" pitchFamily="18" charset="0"/>
+                      </a:rPr>
+                      <m:t>+</m:t>
+                    </m:r>
+                    <m:r>
+                      <a:rPr lang="en-US" b="0" i="1" smtClean="0">
+                        <a:latin typeface="Cambria Math" panose="02040503050406030204" pitchFamily="18" charset="0"/>
+                      </a:rPr>
+                      <m:t>𝑣𝑎𝑟</m:t>
+                    </m:r>
+                    <m:d>
+                      <m:dPr>
+                        <m:ctrlPr>
+                          <a:rPr lang="en-US" b="0" i="1" smtClean="0">
+                            <a:latin typeface="Cambria Math" panose="02040503050406030204" pitchFamily="18" charset="0"/>
+                          </a:rPr>
+                        </m:ctrlPr>
+                      </m:dPr>
+                      <m:e>
+                        <m:sSub>
+                          <m:sSubPr>
+                            <m:ctrlPr>
+                              <a:rPr lang="en-US" b="0" i="1" smtClean="0">
+                                <a:latin typeface="Cambria Math" panose="02040503050406030204" pitchFamily="18" charset="0"/>
+                              </a:rPr>
+                            </m:ctrlPr>
+                          </m:sSubPr>
+                          <m:e>
+                            <m:r>
+                              <m:rPr>
+                                <m:sty m:val="p"/>
+                              </m:rPr>
+                              <a:rPr lang="en-US" b="0" i="0" smtClean="0">
+                                <a:latin typeface="Cambria Math" panose="02040503050406030204" pitchFamily="18" charset="0"/>
+                              </a:rPr>
+                              <m:t>Σ</m:t>
+                            </m:r>
+                          </m:e>
+                          <m:sub>
+                            <m:r>
+                              <a:rPr lang="en-US" b="0" i="1" smtClean="0">
+                                <a:latin typeface="Cambria Math" panose="02040503050406030204" pitchFamily="18" charset="0"/>
+                              </a:rPr>
+                              <m:t>𝑛</m:t>
+                            </m:r>
+                          </m:sub>
+                        </m:sSub>
+                      </m:e>
+                    </m:d>
+                  </m:oMath>
+                </a14:m>
+                <a:endParaRPr lang="en-US" b="0" dirty="0"/>
+              </a:p>
+              <a:p>
+                <a14:m>
+                  <m:oMath xmlns:m="http://schemas.openxmlformats.org/officeDocument/2006/math">
+                    <m:sSup>
+                      <m:sSupPr>
+                        <m:ctrlPr>
+                          <a:rPr lang="en-US" i="1">
+                            <a:latin typeface="Cambria Math" panose="02040503050406030204" pitchFamily="18" charset="0"/>
+                          </a:rPr>
+                        </m:ctrlPr>
+                      </m:sSupPr>
+                      <m:e>
+                        <m:r>
+                          <a:rPr lang="en-US" i="1">
+                            <a:latin typeface="Cambria Math" panose="02040503050406030204" pitchFamily="18" charset="0"/>
+                          </a:rPr>
+                          <m:t>𝜎</m:t>
+                        </m:r>
+                      </m:e>
+                      <m:sup>
+                        <m:r>
+                          <a:rPr lang="en-US" i="1">
+                            <a:latin typeface="Cambria Math" panose="02040503050406030204" pitchFamily="18" charset="0"/>
+                          </a:rPr>
+                          <m:t>2</m:t>
+                        </m:r>
+                      </m:sup>
+                    </m:sSup>
+                    <m:r>
+                      <a:rPr lang="en-US" i="1">
+                        <a:latin typeface="Cambria Math" panose="02040503050406030204" pitchFamily="18" charset="0"/>
+                      </a:rPr>
+                      <m:t>=</m:t>
+                    </m:r>
+                    <m:sSup>
+                      <m:sSupPr>
+                        <m:ctrlPr>
+                          <a:rPr lang="en-US" i="1">
+                            <a:latin typeface="Cambria Math" panose="02040503050406030204" pitchFamily="18" charset="0"/>
+                          </a:rPr>
+                        </m:ctrlPr>
+                      </m:sSupPr>
+                      <m:e>
+                        <m:r>
+                          <a:rPr lang="en-US" i="1">
+                            <a:latin typeface="Cambria Math" panose="02040503050406030204" pitchFamily="18" charset="0"/>
+                          </a:rPr>
+                          <m:t>𝜌</m:t>
+                        </m:r>
+                      </m:e>
+                      <m:sup>
+                        <m:r>
+                          <a:rPr lang="en-US" i="1">
+                            <a:latin typeface="Cambria Math" panose="02040503050406030204" pitchFamily="18" charset="0"/>
+                          </a:rPr>
+                          <m:t>2</m:t>
+                        </m:r>
+                      </m:sup>
+                    </m:sSup>
+                    <m:r>
+                      <a:rPr lang="en-US" i="1">
+                        <a:latin typeface="Cambria Math" panose="02040503050406030204" pitchFamily="18" charset="0"/>
+                      </a:rPr>
+                      <m:t>×</m:t>
+                    </m:r>
+                    <m:sSup>
+                      <m:sSupPr>
+                        <m:ctrlPr>
+                          <a:rPr lang="en-US" i="1">
+                            <a:latin typeface="Cambria Math" panose="02040503050406030204" pitchFamily="18" charset="0"/>
+                          </a:rPr>
+                        </m:ctrlPr>
+                      </m:sSupPr>
+                      <m:e>
+                        <m:r>
+                          <a:rPr lang="en-US" i="1">
+                            <a:latin typeface="Cambria Math" panose="02040503050406030204" pitchFamily="18" charset="0"/>
+                          </a:rPr>
+                          <m:t>𝜎</m:t>
+                        </m:r>
+                      </m:e>
+                      <m:sup>
+                        <m:r>
+                          <a:rPr lang="en-US" i="1">
+                            <a:latin typeface="Cambria Math" panose="02040503050406030204" pitchFamily="18" charset="0"/>
+                          </a:rPr>
+                          <m:t>2</m:t>
+                        </m:r>
+                      </m:sup>
+                    </m:sSup>
+                    <m:r>
+                      <a:rPr lang="en-US" i="1">
+                        <a:latin typeface="Cambria Math" panose="02040503050406030204" pitchFamily="18" charset="0"/>
+                      </a:rPr>
+                      <m:t>+</m:t>
+                    </m:r>
+                    <m:sSubSup>
+                      <m:sSubSupPr>
+                        <m:ctrlPr>
+                          <a:rPr lang="en-US" b="0" i="1" smtClean="0">
+                            <a:latin typeface="Cambria Math" panose="02040503050406030204" pitchFamily="18" charset="0"/>
+                          </a:rPr>
+                        </m:ctrlPr>
+                      </m:sSubSupPr>
+                      <m:e>
+                        <m:r>
+                          <a:rPr lang="en-US" b="0" i="1" smtClean="0">
+                            <a:latin typeface="Cambria Math" panose="02040503050406030204" pitchFamily="18" charset="0"/>
+                          </a:rPr>
+                          <m:t>𝜎</m:t>
+                        </m:r>
+                      </m:e>
+                      <m:sub>
+                        <m:r>
+                          <a:rPr lang="en-US" b="0" i="1" smtClean="0">
+                            <a:latin typeface="Cambria Math" panose="02040503050406030204" pitchFamily="18" charset="0"/>
+                          </a:rPr>
+                          <m:t>𝐴𝑅</m:t>
+                        </m:r>
+                        <m:r>
+                          <a:rPr lang="en-US" b="0" i="1" smtClean="0">
+                            <a:latin typeface="Cambria Math" panose="02040503050406030204" pitchFamily="18" charset="0"/>
+                          </a:rPr>
+                          <m:t>1</m:t>
+                        </m:r>
+                      </m:sub>
+                      <m:sup>
+                        <m:r>
+                          <a:rPr lang="en-US" b="0" i="1" smtClean="0">
+                            <a:latin typeface="Cambria Math" panose="02040503050406030204" pitchFamily="18" charset="0"/>
+                          </a:rPr>
+                          <m:t>2</m:t>
+                        </m:r>
+                      </m:sup>
+                    </m:sSubSup>
+                  </m:oMath>
+                </a14:m>
+                <a:endParaRPr lang="en-US" b="0" dirty="0"/>
+              </a:p>
+              <a:p>
+                <a14:m>
+                  <m:oMath xmlns:m="http://schemas.openxmlformats.org/officeDocument/2006/math">
+                    <m:sSup>
+                      <m:sSupPr>
+                        <m:ctrlPr>
+                          <a:rPr lang="en-US" i="1">
+                            <a:latin typeface="Cambria Math" panose="02040503050406030204" pitchFamily="18" charset="0"/>
+                          </a:rPr>
+                        </m:ctrlPr>
+                      </m:sSupPr>
+                      <m:e>
+                        <m:r>
+                          <a:rPr lang="en-US" i="1">
+                            <a:latin typeface="Cambria Math" panose="02040503050406030204" pitchFamily="18" charset="0"/>
+                          </a:rPr>
+                          <m:t>𝜎</m:t>
+                        </m:r>
+                      </m:e>
+                      <m:sup>
+                        <m:r>
+                          <a:rPr lang="en-US" i="1">
+                            <a:latin typeface="Cambria Math" panose="02040503050406030204" pitchFamily="18" charset="0"/>
+                          </a:rPr>
+                          <m:t>2</m:t>
+                        </m:r>
+                      </m:sup>
+                    </m:sSup>
+                    <m:r>
+                      <a:rPr lang="en-US" b="0" i="1" smtClean="0">
+                        <a:latin typeface="Cambria Math" panose="02040503050406030204" pitchFamily="18" charset="0"/>
+                      </a:rPr>
+                      <m:t>(1−</m:t>
+                    </m:r>
+                    <m:sSup>
+                      <m:sSupPr>
+                        <m:ctrlPr>
+                          <a:rPr lang="en-US" b="0" i="1" smtClean="0">
+                            <a:latin typeface="Cambria Math" panose="02040503050406030204" pitchFamily="18" charset="0"/>
+                          </a:rPr>
+                        </m:ctrlPr>
+                      </m:sSupPr>
+                      <m:e>
+                        <m:r>
+                          <a:rPr lang="en-US" b="0" i="1" smtClean="0">
+                            <a:latin typeface="Cambria Math" panose="02040503050406030204" pitchFamily="18" charset="0"/>
+                          </a:rPr>
+                          <m:t>𝜌</m:t>
+                        </m:r>
+                      </m:e>
+                      <m:sup>
+                        <m:r>
+                          <a:rPr lang="en-US" b="0" i="1" smtClean="0">
+                            <a:latin typeface="Cambria Math" panose="02040503050406030204" pitchFamily="18" charset="0"/>
+                          </a:rPr>
+                          <m:t>2</m:t>
+                        </m:r>
+                      </m:sup>
+                    </m:sSup>
+                    <m:r>
+                      <a:rPr lang="en-US" b="0" i="1" smtClean="0">
+                        <a:latin typeface="Cambria Math" panose="02040503050406030204" pitchFamily="18" charset="0"/>
+                      </a:rPr>
+                      <m:t>)</m:t>
+                    </m:r>
+                    <m:r>
+                      <a:rPr lang="en-US" i="1">
+                        <a:latin typeface="Cambria Math" panose="02040503050406030204" pitchFamily="18" charset="0"/>
+                      </a:rPr>
+                      <m:t>=</m:t>
+                    </m:r>
+                    <m:sSubSup>
+                      <m:sSubSupPr>
+                        <m:ctrlPr>
+                          <a:rPr lang="en-US" i="1">
+                            <a:latin typeface="Cambria Math" panose="02040503050406030204" pitchFamily="18" charset="0"/>
+                          </a:rPr>
+                        </m:ctrlPr>
+                      </m:sSubSupPr>
+                      <m:e>
+                        <m:r>
+                          <a:rPr lang="en-US" i="1">
+                            <a:latin typeface="Cambria Math" panose="02040503050406030204" pitchFamily="18" charset="0"/>
+                          </a:rPr>
+                          <m:t>𝜎</m:t>
+                        </m:r>
+                      </m:e>
+                      <m:sub>
+                        <m:r>
+                          <a:rPr lang="en-US" i="1">
+                            <a:latin typeface="Cambria Math" panose="02040503050406030204" pitchFamily="18" charset="0"/>
+                          </a:rPr>
+                          <m:t>𝐴𝑅</m:t>
+                        </m:r>
+                        <m:r>
+                          <a:rPr lang="en-US" i="1">
+                            <a:latin typeface="Cambria Math" panose="02040503050406030204" pitchFamily="18" charset="0"/>
+                          </a:rPr>
+                          <m:t>1</m:t>
+                        </m:r>
+                      </m:sub>
+                      <m:sup>
+                        <m:r>
+                          <a:rPr lang="en-US" i="1">
+                            <a:latin typeface="Cambria Math" panose="02040503050406030204" pitchFamily="18" charset="0"/>
+                          </a:rPr>
+                          <m:t>2</m:t>
+                        </m:r>
+                      </m:sup>
+                    </m:sSubSup>
+                  </m:oMath>
+                </a14:m>
+                <a:endParaRPr lang="en-US" b="0" dirty="0"/>
+              </a:p>
+              <a:p>
+                <a:r>
+                  <a:rPr lang="en-US" dirty="0"/>
+                  <a:t>Will put each variable means</a:t>
+                </a:r>
+                <a:endParaRPr lang="en-US" b="0" dirty="0"/>
+              </a:p>
+              <a:p>
+                <a:endParaRPr lang="en-US" b="0" dirty="0"/>
+              </a:p>
+              <a:p>
+                <a:endParaRPr lang="en-US" b="0" dirty="0"/>
+              </a:p>
+              <a:p>
+                <a:endParaRPr lang="en-US" dirty="0"/>
+              </a:p>
+            </p:txBody>
+          </p:sp>
+        </mc:Choice>
+        <mc:Fallback xmlns="">
+          <p:sp>
+            <p:nvSpPr>
+              <p:cNvPr id="3" name="Content Placeholder 2">
+                <a:extLst>
+                  <a:ext uri="{FF2B5EF4-FFF2-40B4-BE49-F238E27FC236}">
+                    <a16:creationId xmlns:a16="http://schemas.microsoft.com/office/drawing/2014/main" xmlns:a14="http://schemas.microsoft.com/office/drawing/2010/main" xmlns="" id="{DDA4DCC2-56D4-4FEB-BA98-1C25194A0BD4}"/>
+                  </a:ext>
+                </a:extLst>
+              </p:cNvPr>
+              <p:cNvSpPr>
+                <a:spLocks noGrp="1" noRot="1" noChangeAspect="1" noMove="1" noResize="1" noEditPoints="1" noAdjustHandles="1" noChangeArrowheads="1" noChangeShapeType="1" noTextEdit="1"/>
+              </p:cNvSpPr>
+              <p:nvPr>
+                <p:ph idx="1"/>
+              </p:nvPr>
+            </p:nvSpPr>
+            <p:spPr>
+              <a:xfrm>
+                <a:off x="838200" y="1315453"/>
+                <a:ext cx="10515600" cy="4861509"/>
+              </a:xfrm>
+              <a:blipFill rotWithShape="0">
+                <a:blip r:embed="rId3"/>
+                <a:stretch>
+                  <a:fillRect l="-1043"/>
+                </a:stretch>
+              </a:blipFill>
+            </p:spPr>
+            <p:txBody>
+              <a:bodyPr/>
+              <a:lstStyle/>
+              <a:p>
+                <a:r>
+                  <a:rPr lang="en-US">
+                    <a:noFill/>
+                  </a:rPr>
+                  <a:t> </a:t>
+                </a:r>
+              </a:p>
+            </p:txBody>
+          </p:sp>
+        </mc:Fallback>
+      </mc:AlternateContent>
+      <p:sp>
+        <p:nvSpPr>
+          <p:cNvPr id="4" name="Title 1">
+            <a:extLst>
+              <a:ext uri="{FF2B5EF4-FFF2-40B4-BE49-F238E27FC236}">
+                <a16:creationId xmlns:a16="http://schemas.microsoft.com/office/drawing/2014/main" id="{56632757-107D-438A-BA93-6EBF49DFD064}"/>
+              </a:ext>
+            </a:extLst>
+          </p:cNvPr>
+          <p:cNvSpPr>
+            <a:spLocks noGrp="1"/>
+          </p:cNvSpPr>
+          <p:nvPr>
+            <p:ph type="title"/>
+          </p:nvPr>
+        </p:nvSpPr>
+        <p:spPr>
+          <a:xfrm>
+            <a:off x="838200" y="365126"/>
+            <a:ext cx="10515600" cy="950328"/>
+          </a:xfrm>
+        </p:spPr>
+        <p:txBody>
+          <a:bodyPr/>
+          <a:lstStyle/>
+          <a:p>
+            <a:r>
+              <a:rPr lang="en-US" dirty="0"/>
+              <a:t>Building the AR1 Matrix</a:t>
+            </a:r>
+          </a:p>
+        </p:txBody>
+      </p:sp>
+    </p:spTree>
+    <p:extLst>
+      <p:ext uri="{BB962C8B-B14F-4D97-AF65-F5344CB8AC3E}">
+        <p14:creationId xmlns:p14="http://schemas.microsoft.com/office/powerpoint/2010/main" val="2434353050"/>
       </p:ext>
     </p:extLst>
   </p:cSld>
@@ -9596,7 +11088,7 @@
           <p:cNvPr id="2" name="Title 1">
             <a:extLst>
               <a:ext uri="{FF2B5EF4-FFF2-40B4-BE49-F238E27FC236}">
-                <a16:creationId xmlns:a16="http://schemas.microsoft.com/office/drawing/2014/main" xmlns="" id="{E22DE6EA-3F5C-474F-A7EA-28C968D928C7}"/>
+                <a16:creationId xmlns:a16="http://schemas.microsoft.com/office/drawing/2014/main" id="{E22DE6EA-3F5C-474F-A7EA-28C968D928C7}"/>
               </a:ext>
             </a:extLst>
           </p:cNvPr>
@@ -9614,7 +11106,7 @@
           <a:p>
             <a:r>
               <a:rPr lang="en-US" dirty="0"/>
-              <a:t>Primary Goal</a:t>
+              <a:t>Motivation</a:t>
             </a:r>
           </a:p>
         </p:txBody>
@@ -9624,7 +11116,7 @@
           <p:cNvPr id="3" name="Content Placeholder 2">
             <a:extLst>
               <a:ext uri="{FF2B5EF4-FFF2-40B4-BE49-F238E27FC236}">
-                <a16:creationId xmlns:a16="http://schemas.microsoft.com/office/drawing/2014/main" xmlns="" id="{3230AD4E-D176-421B-BC59-33FB77F4EEC6}"/>
+                <a16:creationId xmlns:a16="http://schemas.microsoft.com/office/drawing/2014/main" id="{3230AD4E-D176-421B-BC59-33FB77F4EEC6}"/>
               </a:ext>
             </a:extLst>
           </p:cNvPr>
@@ -9652,7 +11144,7 @@
           <p:cNvPr id="5" name="Picture 4" descr="A close up of a map&#10;&#10;Description generated with high confidence">
             <a:extLst>
               <a:ext uri="{FF2B5EF4-FFF2-40B4-BE49-F238E27FC236}">
-                <a16:creationId xmlns:a16="http://schemas.microsoft.com/office/drawing/2014/main" xmlns="" id="{08FDA5AB-AC10-4D16-A31E-560E06A28E45}"/>
+                <a16:creationId xmlns:a16="http://schemas.microsoft.com/office/drawing/2014/main" id="{08FDA5AB-AC10-4D16-A31E-560E06A28E45}"/>
               </a:ext>
             </a:extLst>
           </p:cNvPr>
@@ -9688,7 +11180,7 @@
           <p:cNvPr id="6" name="TextBox 5">
             <a:extLst>
               <a:ext uri="{FF2B5EF4-FFF2-40B4-BE49-F238E27FC236}">
-                <a16:creationId xmlns:a16="http://schemas.microsoft.com/office/drawing/2014/main" xmlns="" id="{A752EAE1-821A-4B72-8427-5C229E34A29B}"/>
+                <a16:creationId xmlns:a16="http://schemas.microsoft.com/office/drawing/2014/main" id="{A752EAE1-821A-4B72-8427-5C229E34A29B}"/>
               </a:ext>
             </a:extLst>
           </p:cNvPr>
@@ -9753,7 +11245,7 @@
           <p:cNvPr id="2" name="Title 1">
             <a:extLst>
               <a:ext uri="{FF2B5EF4-FFF2-40B4-BE49-F238E27FC236}">
-                <a16:creationId xmlns:a16="http://schemas.microsoft.com/office/drawing/2014/main" xmlns="" id="{75AFADDB-45DD-488E-AE69-0F8F750774A9}"/>
+                <a16:creationId xmlns:a16="http://schemas.microsoft.com/office/drawing/2014/main" id="{75AFADDB-45DD-488E-AE69-0F8F750774A9}"/>
               </a:ext>
             </a:extLst>
           </p:cNvPr>
@@ -9781,7 +11273,7 @@
           <p:cNvPr id="4" name="Picture 2" descr="http://science.sciencemag.org/content/sci/315/5810/368/F3.large.jpg?width=800&amp;height=600&amp;carousel=1">
             <a:extLst>
               <a:ext uri="{FF2B5EF4-FFF2-40B4-BE49-F238E27FC236}">
-                <a16:creationId xmlns:a16="http://schemas.microsoft.com/office/drawing/2014/main" xmlns="" id="{133AE4AD-3332-44F1-88CD-AAFAC8B6ED67}"/>
+                <a16:creationId xmlns:a16="http://schemas.microsoft.com/office/drawing/2014/main" id="{133AE4AD-3332-44F1-88CD-AAFAC8B6ED67}"/>
               </a:ext>
             </a:extLst>
           </p:cNvPr>
@@ -9828,7 +11320,7 @@
           <p:cNvPr id="5" name="TextBox 4">
             <a:extLst>
               <a:ext uri="{FF2B5EF4-FFF2-40B4-BE49-F238E27FC236}">
-                <a16:creationId xmlns:a16="http://schemas.microsoft.com/office/drawing/2014/main" xmlns="" id="{9D916D68-5816-4CE5-877F-89CD9333233B}"/>
+                <a16:creationId xmlns:a16="http://schemas.microsoft.com/office/drawing/2014/main" id="{9D916D68-5816-4CE5-877F-89CD9333233B}"/>
               </a:ext>
             </a:extLst>
           </p:cNvPr>
@@ -9837,7 +11329,7 @@
         </p:nvSpPr>
         <p:spPr>
           <a:xfrm>
-            <a:off x="5181600" y="1716505"/>
+            <a:off x="5181600" y="1315454"/>
             <a:ext cx="6172200" cy="2246769"/>
           </a:xfrm>
           <a:prstGeom prst="rect">
@@ -9853,23 +11345,7 @@
           <a:p>
             <a:r>
               <a:rPr lang="en-US" sz="2800" dirty="0"/>
-              <a:t>DOECLIM and </a:t>
-            </a:r>
-            <a:r>
-              <a:rPr lang="en-US" sz="2800" dirty="0" smtClean="0"/>
-              <a:t>GMSL model: </a:t>
-            </a:r>
-            <a:r>
-              <a:rPr lang="en-US" sz="2800" dirty="0"/>
-              <a:t>the two of these combined gives a simplified model for how radiative forcing affect temperatures and in </a:t>
-            </a:r>
-            <a:r>
-              <a:rPr lang="en-US" sz="2800" dirty="0" smtClean="0"/>
-              <a:t>turn affects </a:t>
-            </a:r>
-            <a:r>
-              <a:rPr lang="en-US" sz="2800" dirty="0"/>
-              <a:t>sea level. </a:t>
+              <a:t>DOECLIM and GMSL model: the two of these combined gives a simplified model for how radiative forcing affect temperatures and in turn affects sea level. </a:t>
             </a:r>
           </a:p>
         </p:txBody>
@@ -9879,7 +11355,7 @@
           <p:cNvPr id="6" name="TextBox 5">
             <a:extLst>
               <a:ext uri="{FF2B5EF4-FFF2-40B4-BE49-F238E27FC236}">
-                <a16:creationId xmlns:a16="http://schemas.microsoft.com/office/drawing/2014/main" xmlns="" id="{CABACD87-10C4-43ED-A554-2DF860F7584B}"/>
+                <a16:creationId xmlns:a16="http://schemas.microsoft.com/office/drawing/2014/main" id="{CABACD87-10C4-43ED-A554-2DF860F7584B}"/>
               </a:ext>
             </a:extLst>
           </p:cNvPr>
@@ -9888,7 +11364,7 @@
         </p:nvSpPr>
         <p:spPr>
           <a:xfrm>
-            <a:off x="5181600" y="4154904"/>
+            <a:off x="5181600" y="3753853"/>
             <a:ext cx="6172200" cy="1384995"/>
           </a:xfrm>
           <a:prstGeom prst="rect">
@@ -9912,6 +11388,106 @@
               <a:rPr lang="en-US" sz="2800" dirty="0"/>
               <a:t>GMSL – Global mean sea level</a:t>
             </a:r>
+          </a:p>
+        </p:txBody>
+      </p:sp>
+      <p:sp>
+        <p:nvSpPr>
+          <p:cNvPr id="7" name="Rectangle 6">
+            <a:extLst>
+              <a:ext uri="{FF2B5EF4-FFF2-40B4-BE49-F238E27FC236}">
+                <a16:creationId xmlns:a16="http://schemas.microsoft.com/office/drawing/2014/main" id="{A37ECA5B-B176-48F1-92CB-907CDCC12288}"/>
+              </a:ext>
+            </a:extLst>
+          </p:cNvPr>
+          <p:cNvSpPr/>
+          <p:nvPr/>
+        </p:nvSpPr>
+        <p:spPr>
+          <a:xfrm>
+            <a:off x="1756554" y="6334780"/>
+            <a:ext cx="2599238" cy="523220"/>
+          </a:xfrm>
+          <a:prstGeom prst="rect">
+            <a:avLst/>
+          </a:prstGeom>
+        </p:spPr>
+        <p:txBody>
+          <a:bodyPr wrap="none">
+            <a:spAutoFit/>
+          </a:bodyPr>
+          <a:lstStyle/>
+          <a:p>
+            <a:r>
+              <a:rPr lang="en-US" sz="2800" dirty="0" err="1"/>
+              <a:t>Rahmstorf</a:t>
+            </a:r>
+            <a:r>
+              <a:rPr lang="en-US" sz="2800" dirty="0"/>
+              <a:t> 2007 </a:t>
+            </a:r>
+          </a:p>
+        </p:txBody>
+      </p:sp>
+      <p:sp>
+        <p:nvSpPr>
+          <p:cNvPr id="8" name="TextBox 7">
+            <a:extLst>
+              <a:ext uri="{FF2B5EF4-FFF2-40B4-BE49-F238E27FC236}">
+                <a16:creationId xmlns:a16="http://schemas.microsoft.com/office/drawing/2014/main" id="{986C9AF7-1F91-4E88-B465-6B16353280A0}"/>
+              </a:ext>
+            </a:extLst>
+          </p:cNvPr>
+          <p:cNvSpPr txBox="1"/>
+          <p:nvPr/>
+        </p:nvSpPr>
+        <p:spPr>
+          <a:xfrm>
+            <a:off x="5181600" y="5242289"/>
+            <a:ext cx="6484532" cy="1754326"/>
+          </a:xfrm>
+          <a:prstGeom prst="rect">
+            <a:avLst/>
+          </a:prstGeom>
+          <a:noFill/>
+        </p:spPr>
+        <p:txBody>
+          <a:bodyPr wrap="none" rtlCol="0">
+            <a:spAutoFit/>
+          </a:bodyPr>
+          <a:lstStyle/>
+          <a:p>
+            <a:r>
+              <a:rPr lang="en-US" dirty="0"/>
+              <a:t>(1)</a:t>
+            </a:r>
+          </a:p>
+          <a:p>
+            <a:r>
+              <a:rPr lang="en-US" dirty="0"/>
+              <a:t>Red - Rate of sea-level rise obtained from tide gauge observations </a:t>
+            </a:r>
+          </a:p>
+          <a:p>
+            <a:r>
+              <a:rPr lang="en-US" dirty="0"/>
+              <a:t>Blue band - the statistical error</a:t>
+            </a:r>
+          </a:p>
+          <a:p>
+            <a:r>
+              <a:rPr lang="en-US" dirty="0"/>
+              <a:t>(2)</a:t>
+            </a:r>
+          </a:p>
+          <a:p>
+            <a:r>
+              <a:rPr lang="en-US" dirty="0"/>
+              <a:t>Red squares - unsmoothed, annual sea-level data.</a:t>
+            </a:r>
+          </a:p>
+          <a:p>
+            <a:endParaRPr lang="en-US" dirty="0"/>
           </a:p>
         </p:txBody>
       </p:sp>
@@ -9945,70 +11521,12 @@
           <a:chExt cx="0" cy="0"/>
         </a:xfrm>
       </p:grpSpPr>
-      <p:pic>
-        <p:nvPicPr>
-          <p:cNvPr id="4" name="Picture 3">
-            <a:extLst>
-              <a:ext uri="{FF2B5EF4-FFF2-40B4-BE49-F238E27FC236}">
-                <a16:creationId xmlns:a16="http://schemas.microsoft.com/office/drawing/2014/main" xmlns="" id="{50DC2089-725A-4C88-834A-C66BA229D437}"/>
-              </a:ext>
-            </a:extLst>
-          </p:cNvPr>
-          <p:cNvPicPr>
-            <a:picLocks noChangeAspect="1"/>
-          </p:cNvPicPr>
-          <p:nvPr/>
-        </p:nvPicPr>
-        <p:blipFill rotWithShape="1">
-          <a:blip r:embed="rId3"/>
-          <a:srcRect l="51556" t="8364" r="4110"/>
-          <a:stretch/>
-        </p:blipFill>
-        <p:spPr>
-          <a:xfrm rot="5400000">
-            <a:off x="6471305" y="748709"/>
-            <a:ext cx="4981840" cy="5732451"/>
-          </a:xfrm>
-          <a:prstGeom prst="rect">
-            <a:avLst/>
-          </a:prstGeom>
-        </p:spPr>
-      </p:pic>
-      <p:pic>
-        <p:nvPicPr>
-          <p:cNvPr id="5" name="Picture 4">
-            <a:extLst>
-              <a:ext uri="{FF2B5EF4-FFF2-40B4-BE49-F238E27FC236}">
-                <a16:creationId xmlns:a16="http://schemas.microsoft.com/office/drawing/2014/main" xmlns="" id="{CD7627A4-9F79-4113-9EF5-906B30973605}"/>
-              </a:ext>
-            </a:extLst>
-          </p:cNvPr>
-          <p:cNvPicPr>
-            <a:picLocks noChangeAspect="1"/>
-          </p:cNvPicPr>
-          <p:nvPr/>
-        </p:nvPicPr>
-        <p:blipFill rotWithShape="1">
-          <a:blip r:embed="rId3"/>
-          <a:srcRect l="6431" t="6186" r="49235"/>
-          <a:stretch/>
-        </p:blipFill>
-        <p:spPr>
-          <a:xfrm rot="5400000">
-            <a:off x="670722" y="619032"/>
-            <a:ext cx="4981838" cy="5868718"/>
-          </a:xfrm>
-          <a:prstGeom prst="rect">
-            <a:avLst/>
-          </a:prstGeom>
-        </p:spPr>
-      </p:pic>
       <p:sp>
         <p:nvSpPr>
           <p:cNvPr id="6" name="TextBox 5">
             <a:extLst>
               <a:ext uri="{FF2B5EF4-FFF2-40B4-BE49-F238E27FC236}">
-                <a16:creationId xmlns:a16="http://schemas.microsoft.com/office/drawing/2014/main" xmlns="" id="{45A10F1E-4D5A-4DA1-AB1A-19125F698D7B}"/>
+                <a16:creationId xmlns:a16="http://schemas.microsoft.com/office/drawing/2014/main" id="{45A10F1E-4D5A-4DA1-AB1A-19125F698D7B}"/>
               </a:ext>
             </a:extLst>
           </p:cNvPr>
@@ -10017,8 +11535,8 @@
         </p:nvSpPr>
         <p:spPr>
           <a:xfrm>
-            <a:off x="2685417" y="6395978"/>
-            <a:ext cx="6813147" cy="646331"/>
+            <a:off x="4851267" y="6334780"/>
+            <a:ext cx="2489464" cy="523220"/>
           </a:xfrm>
           <a:prstGeom prst="rect">
             <a:avLst/>
@@ -10032,22 +11550,73 @@
           <a:lstStyle/>
           <a:p>
             <a:r>
-              <a:rPr lang="en-US" dirty="0" err="1" smtClean="0"/>
-              <a:t>Kriegler</a:t>
-            </a:r>
-            <a:r>
-              <a:rPr lang="en-US" dirty="0" smtClean="0"/>
-              <a:t> (2005)</a:t>
-            </a:r>
-          </a:p>
-          <a:p>
-            <a:r>
-              <a:rPr lang="en-US" dirty="0" smtClean="0"/>
-              <a:t>https</a:t>
-            </a:r>
+              <a:rPr lang="en-US" sz="2800" dirty="0"/>
+              <a:t>Moss et al 2010</a:t>
+            </a:r>
+          </a:p>
+        </p:txBody>
+      </p:sp>
+      <p:pic>
+        <p:nvPicPr>
+          <p:cNvPr id="2" name="Picture 1">
+            <a:extLst>
+              <a:ext uri="{FF2B5EF4-FFF2-40B4-BE49-F238E27FC236}">
+                <a16:creationId xmlns:a16="http://schemas.microsoft.com/office/drawing/2014/main" id="{5BE00FFC-D0B5-4BAF-9314-F13EBF934872}"/>
+              </a:ext>
+            </a:extLst>
+          </p:cNvPr>
+          <p:cNvPicPr>
+            <a:picLocks noChangeAspect="1"/>
+          </p:cNvPicPr>
+          <p:nvPr/>
+        </p:nvPicPr>
+        <p:blipFill>
+          <a:blip r:embed="rId3"/>
+          <a:stretch>
+            <a:fillRect/>
+          </a:stretch>
+        </p:blipFill>
+        <p:spPr>
+          <a:xfrm>
+            <a:off x="863755" y="1114424"/>
+            <a:ext cx="10464489" cy="4629151"/>
+          </a:xfrm>
+          <a:prstGeom prst="rect">
+            <a:avLst/>
+          </a:prstGeom>
+        </p:spPr>
+      </p:pic>
+      <p:sp>
+        <p:nvSpPr>
+          <p:cNvPr id="7" name="Title 1">
+            <a:extLst>
+              <a:ext uri="{FF2B5EF4-FFF2-40B4-BE49-F238E27FC236}">
+                <a16:creationId xmlns:a16="http://schemas.microsoft.com/office/drawing/2014/main" id="{2F3DFA6D-0FB0-421D-B899-7DF212608F9B}"/>
+              </a:ext>
+            </a:extLst>
+          </p:cNvPr>
+          <p:cNvSpPr>
+            <a:spLocks noGrp="1"/>
+          </p:cNvSpPr>
+          <p:nvPr>
+            <p:ph type="title"/>
+          </p:nvPr>
+        </p:nvSpPr>
+        <p:spPr>
+          <a:xfrm>
+            <a:off x="838200" y="365126"/>
+            <a:ext cx="10515600" cy="950328"/>
+          </a:xfrm>
+        </p:spPr>
+        <p:txBody>
+          <a:bodyPr>
+            <a:normAutofit fontScale="90000"/>
+          </a:bodyPr>
+          <a:lstStyle/>
+          <a:p>
             <a:r>
               <a:rPr lang="en-US" dirty="0"/>
-              <a:t>://www.pik-potsdam.de/members/edenh/theses/PhDKriegler.pdf</a:t>
+              <a:t>Future radiative forcing in difference scenarios</a:t>
             </a:r>
           </a:p>
         </p:txBody>
@@ -10087,7 +11656,7 @@
           <p:cNvPr id="2" name="Title 1">
             <a:extLst>
               <a:ext uri="{FF2B5EF4-FFF2-40B4-BE49-F238E27FC236}">
-                <a16:creationId xmlns:a16="http://schemas.microsoft.com/office/drawing/2014/main" xmlns="" id="{114DD8FB-57DD-4729-A59E-332E30E6072D}"/>
+                <a16:creationId xmlns:a16="http://schemas.microsoft.com/office/drawing/2014/main" id="{114DD8FB-57DD-4729-A59E-332E30E6072D}"/>
               </a:ext>
             </a:extLst>
           </p:cNvPr>
@@ -10115,7 +11684,7 @@
           <p:cNvPr id="4" name="Picture 3">
             <a:extLst>
               <a:ext uri="{FF2B5EF4-FFF2-40B4-BE49-F238E27FC236}">
-                <a16:creationId xmlns:a16="http://schemas.microsoft.com/office/drawing/2014/main" xmlns="" id="{63DB7D39-4248-42E8-9C50-36770C95852F}"/>
+                <a16:creationId xmlns:a16="http://schemas.microsoft.com/office/drawing/2014/main" id="{63DB7D39-4248-42E8-9C50-36770C95852F}"/>
               </a:ext>
             </a:extLst>
           </p:cNvPr>
@@ -10145,7 +11714,7 @@
           <p:cNvPr id="3" name="TextBox 2">
             <a:extLst>
               <a:ext uri="{FF2B5EF4-FFF2-40B4-BE49-F238E27FC236}">
-                <a16:creationId xmlns:a16="http://schemas.microsoft.com/office/drawing/2014/main" xmlns="" id="{B7FBE051-D5F9-400C-9044-F20FB63B77D2}"/>
+                <a16:creationId xmlns:a16="http://schemas.microsoft.com/office/drawing/2014/main" id="{B7FBE051-D5F9-400C-9044-F20FB63B77D2}"/>
               </a:ext>
             </a:extLst>
           </p:cNvPr>
@@ -10171,6 +11740,41 @@
             <a:r>
               <a:rPr lang="en-US" sz="2800" dirty="0"/>
               <a:t>NOAA -National Oceanic and Atmospheric Administration </a:t>
+            </a:r>
+          </a:p>
+        </p:txBody>
+      </p:sp>
+      <p:sp>
+        <p:nvSpPr>
+          <p:cNvPr id="5" name="TextBox 4">
+            <a:extLst>
+              <a:ext uri="{FF2B5EF4-FFF2-40B4-BE49-F238E27FC236}">
+                <a16:creationId xmlns:a16="http://schemas.microsoft.com/office/drawing/2014/main" id="{52CFAF36-E8CB-41DB-8D00-5232CF576800}"/>
+              </a:ext>
+            </a:extLst>
+          </p:cNvPr>
+          <p:cNvSpPr txBox="1"/>
+          <p:nvPr/>
+        </p:nvSpPr>
+        <p:spPr>
+          <a:xfrm>
+            <a:off x="524933" y="5130801"/>
+            <a:ext cx="11142133" cy="954107"/>
+          </a:xfrm>
+          <a:prstGeom prst="rect">
+            <a:avLst/>
+          </a:prstGeom>
+          <a:noFill/>
+        </p:spPr>
+        <p:txBody>
+          <a:bodyPr wrap="square" rtlCol="0">
+            <a:spAutoFit/>
+          </a:bodyPr>
+          <a:lstStyle/>
+          <a:p>
+            <a:r>
+              <a:rPr lang="en-US" sz="2800" dirty="0"/>
+              <a:t>We can see how an increase in radiative forcing has caused an increase in global mean temperatures and global mean sea-levels over the years.</a:t>
             </a:r>
           </a:p>
         </p:txBody>
@@ -10210,7 +11814,7 @@
           <p:cNvPr id="2" name="Title 1">
             <a:extLst>
               <a:ext uri="{FF2B5EF4-FFF2-40B4-BE49-F238E27FC236}">
-                <a16:creationId xmlns:a16="http://schemas.microsoft.com/office/drawing/2014/main" xmlns="" id="{AD5A2747-C860-4886-B9BB-651841A1DFEC}"/>
+                <a16:creationId xmlns:a16="http://schemas.microsoft.com/office/drawing/2014/main" id="{AD5A2747-C860-4886-B9BB-651841A1DFEC}"/>
               </a:ext>
             </a:extLst>
           </p:cNvPr>
@@ -10228,19 +11832,19 @@
           <a:p>
             <a:r>
               <a:rPr lang="en-US" dirty="0"/>
-              <a:t>Equations -</a:t>
+              <a:t>Equation to model Sea-level Rise -</a:t>
             </a:r>
           </a:p>
         </p:txBody>
       </p:sp>
-      <mc:AlternateContent xmlns:mc="http://schemas.openxmlformats.org/markup-compatibility/2006">
-        <mc:Choice xmlns:a14="http://schemas.microsoft.com/office/drawing/2010/main" Requires="a14">
+      <mc:AlternateContent xmlns:mc="http://schemas.openxmlformats.org/markup-compatibility/2006" xmlns:a14="http://schemas.microsoft.com/office/drawing/2010/main">
+        <mc:Choice Requires="a14">
           <p:sp>
             <p:nvSpPr>
               <p:cNvPr id="3" name="Content Placeholder 2">
                 <a:extLst>
                   <a:ext uri="{FF2B5EF4-FFF2-40B4-BE49-F238E27FC236}">
-                    <a16:creationId xmlns:a16="http://schemas.microsoft.com/office/drawing/2014/main" xmlns="" id="{38720C92-7700-40CA-979E-55B1448F2966}"/>
+                    <a16:creationId xmlns:a16="http://schemas.microsoft.com/office/drawing/2014/main" id="{38720C92-7700-40CA-979E-55B1448F2966}"/>
                   </a:ext>
                 </a:extLst>
               </p:cNvPr>
@@ -10265,7 +11869,7 @@
                       <m:fPr>
                         <m:ctrlPr>
                           <a:rPr lang="en-US" b="0" i="1" smtClean="0">
-                            <a:latin typeface="Cambria Math" charset="0"/>
+                            <a:latin typeface="Cambria Math" panose="02040503050406030204" pitchFamily="18" charset="0"/>
                           </a:rPr>
                         </m:ctrlPr>
                       </m:fPr>
@@ -10302,7 +11906,7 @@
                       <m:dPr>
                         <m:ctrlPr>
                           <a:rPr lang="en-US" b="0" i="1" smtClean="0">
-                            <a:latin typeface="Cambria Math" charset="0"/>
+                            <a:latin typeface="Cambria Math" panose="02040503050406030204" pitchFamily="18" charset="0"/>
                           </a:rPr>
                         </m:ctrlPr>
                       </m:dPr>
@@ -10317,7 +11921,7 @@
                           <m:dPr>
                             <m:ctrlPr>
                               <a:rPr lang="en-US" b="0" i="1" smtClean="0">
-                                <a:latin typeface="Cambria Math" charset="0"/>
+                                <a:latin typeface="Cambria Math" panose="02040503050406030204" pitchFamily="18" charset="0"/>
                               </a:rPr>
                             </m:ctrlPr>
                           </m:dPr>
@@ -10340,7 +11944,7 @@
                           <m:sSubPr>
                             <m:ctrlPr>
                               <a:rPr lang="en-US" b="0" i="1" smtClean="0">
-                                <a:latin typeface="Cambria Math" charset="0"/>
+                                <a:latin typeface="Cambria Math" panose="02040503050406030204" pitchFamily="18" charset="0"/>
                               </a:rPr>
                             </m:ctrlPr>
                           </m:sSubPr>
@@ -10405,7 +12009,7 @@
                       <m:dPr>
                         <m:ctrlPr>
                           <a:rPr lang="en-US" b="0" i="1" smtClean="0">
-                            <a:latin typeface="Cambria Math" charset="0"/>
+                            <a:latin typeface="Cambria Math" panose="02040503050406030204" pitchFamily="18" charset="0"/>
                           </a:rPr>
                         </m:ctrlPr>
                       </m:dPr>
@@ -10420,7 +12024,7 @@
                           <m:dPr>
                             <m:ctrlPr>
                               <a:rPr lang="en-US" b="0" i="1" smtClean="0">
-                                <a:latin typeface="Cambria Math" charset="0"/>
+                                <a:latin typeface="Cambria Math" panose="02040503050406030204" pitchFamily="18" charset="0"/>
                               </a:rPr>
                             </m:ctrlPr>
                           </m:dPr>
@@ -10443,7 +12047,7 @@
                           <m:sSubPr>
                             <m:ctrlPr>
                               <a:rPr lang="en-US" b="0" i="1" smtClean="0">
-                                <a:latin typeface="Cambria Math" charset="0"/>
+                                <a:latin typeface="Cambria Math" panose="02040503050406030204" pitchFamily="18" charset="0"/>
                               </a:rPr>
                             </m:ctrlPr>
                           </m:sSubPr>
@@ -10478,7 +12082,7 @@
                       <m:sSubPr>
                         <m:ctrlPr>
                           <a:rPr lang="en-US" b="0" i="1" smtClean="0">
-                            <a:latin typeface="Cambria Math" charset="0"/>
+                            <a:latin typeface="Cambria Math" panose="02040503050406030204" pitchFamily="18" charset="0"/>
                           </a:rPr>
                         </m:ctrlPr>
                       </m:sSubPr>
@@ -10515,7 +12119,7 @@
                       <m:sSubPr>
                         <m:ctrlPr>
                           <a:rPr lang="en-US" b="0" i="1" smtClean="0">
-                            <a:latin typeface="Cambria Math" charset="0"/>
+                            <a:latin typeface="Cambria Math" panose="02040503050406030204" pitchFamily="18" charset="0"/>
                           </a:rPr>
                         </m:ctrlPr>
                       </m:sSubPr>
@@ -10573,7 +12177,7 @@
                       <m:dPr>
                         <m:ctrlPr>
                           <a:rPr lang="en-US" b="0" i="1" smtClean="0">
-                            <a:latin typeface="Cambria Math" charset="0"/>
+                            <a:latin typeface="Cambria Math" panose="02040503050406030204" pitchFamily="18" charset="0"/>
                           </a:rPr>
                         </m:ctrlPr>
                       </m:dPr>
@@ -10582,7 +12186,7 @@
                           <m:sSubPr>
                             <m:ctrlPr>
                               <a:rPr lang="en-US" b="0" i="1" smtClean="0">
-                                <a:latin typeface="Cambria Math" charset="0"/>
+                                <a:latin typeface="Cambria Math" panose="02040503050406030204" pitchFamily="18" charset="0"/>
                               </a:rPr>
                             </m:ctrlPr>
                           </m:sSubPr>
@@ -10613,7 +12217,7 @@
                           <m:sSubPr>
                             <m:ctrlPr>
                               <a:rPr lang="en-US" b="0" i="1" smtClean="0">
-                                <a:latin typeface="Cambria Math" charset="0"/>
+                                <a:latin typeface="Cambria Math" panose="02040503050406030204" pitchFamily="18" charset="0"/>
                               </a:rPr>
                             </m:ctrlPr>
                           </m:sSubPr>
@@ -10655,7 +12259,7 @@
                       <m:sSubPr>
                         <m:ctrlPr>
                           <a:rPr lang="en-US" b="0" i="1" smtClean="0">
-                            <a:latin typeface="Cambria Math" charset="0"/>
+                            <a:latin typeface="Cambria Math" panose="02040503050406030204" pitchFamily="18" charset="0"/>
                           </a:rPr>
                         </m:ctrlPr>
                       </m:sSubPr>
@@ -10692,7 +12296,7 @@
                       <m:sSubPr>
                         <m:ctrlPr>
                           <a:rPr lang="en-US" b="0" i="1" smtClean="0">
-                            <a:latin typeface="Cambria Math" charset="0"/>
+                            <a:latin typeface="Cambria Math" panose="02040503050406030204" pitchFamily="18" charset="0"/>
                           </a:rPr>
                         </m:ctrlPr>
                       </m:sSubPr>
@@ -10750,7 +12354,7 @@
                       <m:sSubPr>
                         <m:ctrlPr>
                           <a:rPr lang="en-US" b="0" i="1" smtClean="0">
-                            <a:latin typeface="Cambria Math" charset="0"/>
+                            <a:latin typeface="Cambria Math" panose="02040503050406030204" pitchFamily="18" charset="0"/>
                           </a:rPr>
                         </m:ctrlPr>
                       </m:sSubPr>
@@ -10781,7 +12385,7 @@
                       <m:sSubPr>
                         <m:ctrlPr>
                           <a:rPr lang="en-US" b="0" i="1" smtClean="0">
-                            <a:latin typeface="Cambria Math" charset="0"/>
+                            <a:latin typeface="Cambria Math" panose="02040503050406030204" pitchFamily="18" charset="0"/>
                           </a:rPr>
                         </m:ctrlPr>
                       </m:sSubPr>
@@ -10815,12 +12419,8 @@
               <a:p>
                 <a:pPr lvl="1"/>
                 <a:r>
-                  <a:rPr lang="en-US" b="0" dirty="0" smtClean="0"/>
-                  <a:t>Start </a:t>
-                </a:r>
-                <a:r>
                   <a:rPr lang="en-US" b="0" dirty="0"/>
-                  <a:t>Model</a:t>
+                  <a:t>Start Model</a:t>
                 </a:r>
               </a:p>
               <a:p>
@@ -10831,7 +12431,7 @@
                       <m:sSubPr>
                         <m:ctrlPr>
                           <a:rPr lang="en-US" b="0" i="1" smtClean="0">
-                            <a:latin typeface="Cambria Math" charset="0"/>
+                            <a:latin typeface="Cambria Math" panose="02040503050406030204" pitchFamily="18" charset="0"/>
                           </a:rPr>
                         </m:ctrlPr>
                       </m:sSubPr>
@@ -10862,7 +12462,7 @@
                       <m:sSubPr>
                         <m:ctrlPr>
                           <a:rPr lang="en-US" b="0" i="1" smtClean="0">
-                            <a:latin typeface="Cambria Math" charset="0"/>
+                            <a:latin typeface="Cambria Math" panose="02040503050406030204" pitchFamily="18" charset="0"/>
                           </a:rPr>
                         </m:ctrlPr>
                       </m:sSubPr>
@@ -10899,7 +12499,7 @@
                       <m:dPr>
                         <m:ctrlPr>
                           <a:rPr lang="en-US" b="0" i="1" smtClean="0">
-                            <a:latin typeface="Cambria Math" charset="0"/>
+                            <a:latin typeface="Cambria Math" panose="02040503050406030204" pitchFamily="18" charset="0"/>
                           </a:rPr>
                         </m:ctrlPr>
                       </m:dPr>
@@ -10920,7 +12520,7 @@
                           <m:sSubPr>
                             <m:ctrlPr>
                               <a:rPr lang="en-US" b="0" i="1" smtClean="0">
-                                <a:latin typeface="Cambria Math" charset="0"/>
+                                <a:latin typeface="Cambria Math" panose="02040503050406030204" pitchFamily="18" charset="0"/>
                               </a:rPr>
                             </m:ctrlPr>
                           </m:sSubPr>
@@ -10955,7 +12555,7 @@
                       <m:sSubPr>
                         <m:ctrlPr>
                           <a:rPr lang="en-US" b="0" i="1" smtClean="0">
-                            <a:latin typeface="Cambria Math" charset="0"/>
+                            <a:latin typeface="Cambria Math" panose="02040503050406030204" pitchFamily="18" charset="0"/>
                           </a:rPr>
                         </m:ctrlPr>
                       </m:sSubPr>
@@ -10986,7 +12586,7 @@
                       <m:sSubPr>
                         <m:ctrlPr>
                           <a:rPr lang="en-US" b="0" i="1" smtClean="0">
-                            <a:latin typeface="Cambria Math" charset="0"/>
+                            <a:latin typeface="Cambria Math" panose="02040503050406030204" pitchFamily="18" charset="0"/>
                           </a:rPr>
                         </m:ctrlPr>
                       </m:sSubPr>
@@ -11017,7 +12617,7 @@
                       <m:sSubPr>
                         <m:ctrlPr>
                           <a:rPr lang="en-US" b="0" i="1" smtClean="0">
-                            <a:latin typeface="Cambria Math" charset="0"/>
+                            <a:latin typeface="Cambria Math" panose="02040503050406030204" pitchFamily="18" charset="0"/>
                           </a:rPr>
                         </m:ctrlPr>
                       </m:sSubPr>
@@ -11081,7 +12681,7 @@
                       <m:dPr>
                         <m:ctrlPr>
                           <a:rPr lang="en-US" b="0" i="1" smtClean="0">
-                            <a:latin typeface="Cambria Math" charset="0"/>
+                            <a:latin typeface="Cambria Math" panose="02040503050406030204" pitchFamily="18" charset="0"/>
                           </a:rPr>
                         </m:ctrlPr>
                       </m:dPr>
@@ -11090,7 +12690,7 @@
                           <m:sSubPr>
                             <m:ctrlPr>
                               <a:rPr lang="en-US" b="0" i="1" smtClean="0">
-                                <a:latin typeface="Cambria Math" charset="0"/>
+                                <a:latin typeface="Cambria Math" panose="02040503050406030204" pitchFamily="18" charset="0"/>
                               </a:rPr>
                             </m:ctrlPr>
                           </m:sSubPr>
@@ -11121,7 +12721,7 @@
                           <m:sSubPr>
                             <m:ctrlPr>
                               <a:rPr lang="en-US" b="0" i="1" smtClean="0">
-                                <a:latin typeface="Cambria Math" charset="0"/>
+                                <a:latin typeface="Cambria Math" panose="02040503050406030204" pitchFamily="18" charset="0"/>
                               </a:rPr>
                             </m:ctrlPr>
                           </m:sSubPr>
@@ -11156,7 +12756,7 @@
                       <m:sSubPr>
                         <m:ctrlPr>
                           <a:rPr lang="en-US" b="0" i="1" smtClean="0">
-                            <a:latin typeface="Cambria Math" charset="0"/>
+                            <a:latin typeface="Cambria Math" panose="02040503050406030204" pitchFamily="18" charset="0"/>
                           </a:rPr>
                         </m:ctrlPr>
                       </m:sSubPr>
@@ -11187,7 +12787,7 @@
                       <m:sSubPr>
                         <m:ctrlPr>
                           <a:rPr lang="en-US" b="0" i="1" smtClean="0">
-                            <a:latin typeface="Cambria Math" charset="0"/>
+                            <a:latin typeface="Cambria Math" panose="02040503050406030204" pitchFamily="18" charset="0"/>
                           </a:rPr>
                         </m:ctrlPr>
                       </m:sSubPr>
@@ -11218,7 +12818,7 @@
                       <m:sSubPr>
                         <m:ctrlPr>
                           <a:rPr lang="en-US" b="0" i="1" smtClean="0">
-                            <a:latin typeface="Cambria Math" charset="0"/>
+                            <a:latin typeface="Cambria Math" panose="02040503050406030204" pitchFamily="18" charset="0"/>
                           </a:rPr>
                         </m:ctrlPr>
                       </m:sSubPr>
@@ -11249,7 +12849,7 @@
                       <m:dPr>
                         <m:ctrlPr>
                           <a:rPr lang="en-US" b="0" i="1" smtClean="0">
-                            <a:latin typeface="Cambria Math" charset="0"/>
+                            <a:latin typeface="Cambria Math" panose="02040503050406030204" pitchFamily="18" charset="0"/>
                           </a:rPr>
                         </m:ctrlPr>
                       </m:dPr>
@@ -11258,7 +12858,7 @@
                           <m:sSubPr>
                             <m:ctrlPr>
                               <a:rPr lang="en-US" b="0" i="1" smtClean="0">
-                                <a:latin typeface="Cambria Math" charset="0"/>
+                                <a:latin typeface="Cambria Math" panose="02040503050406030204" pitchFamily="18" charset="0"/>
                               </a:rPr>
                             </m:ctrlPr>
                           </m:sSubPr>
@@ -11289,7 +12889,7 @@
                           <m:sSubPr>
                             <m:ctrlPr>
                               <a:rPr lang="en-US" b="0" i="1" smtClean="0">
-                                <a:latin typeface="Cambria Math" charset="0"/>
+                                <a:latin typeface="Cambria Math" panose="02040503050406030204" pitchFamily="18" charset="0"/>
                               </a:rPr>
                             </m:ctrlPr>
                           </m:sSubPr>
@@ -11324,7 +12924,7 @@
                       <m:sSubPr>
                         <m:ctrlPr>
                           <a:rPr lang="en-US" i="1">
-                            <a:latin typeface="Cambria Math" charset="0"/>
+                            <a:latin typeface="Cambria Math" panose="02040503050406030204" pitchFamily="18" charset="0"/>
                           </a:rPr>
                         </m:ctrlPr>
                       </m:sSubPr>
@@ -11355,7 +12955,7 @@
                       <m:sSubPr>
                         <m:ctrlPr>
                           <a:rPr lang="en-US" i="1">
-                            <a:latin typeface="Cambria Math" charset="0"/>
+                            <a:latin typeface="Cambria Math" panose="02040503050406030204" pitchFamily="18" charset="0"/>
                           </a:rPr>
                         </m:ctrlPr>
                       </m:sSubPr>
@@ -11386,7 +12986,7 @@
                       <m:sSubPr>
                         <m:ctrlPr>
                           <a:rPr lang="en-US" i="1">
-                            <a:latin typeface="Cambria Math" charset="0"/>
+                            <a:latin typeface="Cambria Math" panose="02040503050406030204" pitchFamily="18" charset="0"/>
                           </a:rPr>
                         </m:ctrlPr>
                       </m:sSubPr>
@@ -11456,7 +13056,7 @@
                       <m:dPr>
                         <m:ctrlPr>
                           <a:rPr lang="en-US" i="1">
-                            <a:latin typeface="Cambria Math" charset="0"/>
+                            <a:latin typeface="Cambria Math" panose="02040503050406030204" pitchFamily="18" charset="0"/>
                           </a:rPr>
                         </m:ctrlPr>
                       </m:dPr>
@@ -11465,7 +13065,7 @@
                           <m:sSubPr>
                             <m:ctrlPr>
                               <a:rPr lang="en-US" i="1">
-                                <a:latin typeface="Cambria Math" charset="0"/>
+                                <a:latin typeface="Cambria Math" panose="02040503050406030204" pitchFamily="18" charset="0"/>
                               </a:rPr>
                             </m:ctrlPr>
                           </m:sSubPr>
@@ -11496,7 +13096,7 @@
                           <m:sSubPr>
                             <m:ctrlPr>
                               <a:rPr lang="en-US" i="1">
-                                <a:latin typeface="Cambria Math" charset="0"/>
+                                <a:latin typeface="Cambria Math" panose="02040503050406030204" pitchFamily="18" charset="0"/>
                               </a:rPr>
                             </m:ctrlPr>
                           </m:sSubPr>
@@ -11530,7 +13130,7 @@
             </p:txBody>
           </p:sp>
         </mc:Choice>
-        <mc:Fallback>
+        <mc:Fallback xmlns="">
           <p:sp>
             <p:nvSpPr>
               <p:cNvPr id="3" name="Content Placeholder 2">
@@ -11570,6 +13170,227 @@
           </p:sp>
         </mc:Fallback>
       </mc:AlternateContent>
+      <mc:AlternateContent xmlns:mc="http://schemas.openxmlformats.org/markup-compatibility/2006">
+        <mc:Choice xmlns:a14="http://schemas.microsoft.com/office/drawing/2010/main" Requires="a14">
+          <p:sp>
+            <p:nvSpPr>
+              <p:cNvPr id="4" name="TextBox 3">
+                <a:extLst>
+                  <a:ext uri="{FF2B5EF4-FFF2-40B4-BE49-F238E27FC236}">
+                    <a16:creationId xmlns:a16="http://schemas.microsoft.com/office/drawing/2014/main" id="{B5CFA646-A8F0-440F-9C5E-CC11B4AD2484}"/>
+                  </a:ext>
+                </a:extLst>
+              </p:cNvPr>
+              <p:cNvSpPr txBox="1"/>
+              <p:nvPr/>
+            </p:nvSpPr>
+            <p:spPr>
+              <a:xfrm>
+                <a:off x="5858934" y="1315454"/>
+                <a:ext cx="6281335" cy="1849096"/>
+              </a:xfrm>
+              <a:prstGeom prst="rect">
+                <a:avLst/>
+              </a:prstGeom>
+              <a:noFill/>
+            </p:spPr>
+            <p:txBody>
+              <a:bodyPr wrap="none" rtlCol="0">
+                <a:spAutoFit/>
+              </a:bodyPr>
+              <a:lstStyle/>
+              <a:p>
+                <a14:m>
+                  <m:oMath xmlns:m="http://schemas.openxmlformats.org/officeDocument/2006/math">
+                    <m:r>
+                      <a:rPr lang="en-US" sz="2800" i="1" dirty="0" smtClean="0">
+                        <a:latin typeface="Cambria Math" panose="02040503050406030204" pitchFamily="18" charset="0"/>
+                      </a:rPr>
+                      <m:t>𝑆</m:t>
+                    </m:r>
+                  </m:oMath>
+                </a14:m>
+                <a:r>
+                  <a:rPr lang="en-US" sz="2800" dirty="0"/>
+                  <a:t> – </a:t>
+                </a:r>
+                <a:r>
+                  <a:rPr lang="en-US" sz="2800" dirty="0" err="1"/>
+                  <a:t>Sealevel</a:t>
+                </a:r>
+                <a:endParaRPr lang="en-US" sz="2800" dirty="0"/>
+              </a:p>
+              <a:p>
+                <a14:m>
+                  <m:oMath xmlns:m="http://schemas.openxmlformats.org/officeDocument/2006/math">
+                    <m:r>
+                      <a:rPr lang="en-US" sz="2800" i="1" dirty="0" smtClean="0">
+                        <a:latin typeface="Cambria Math" panose="02040503050406030204" pitchFamily="18" charset="0"/>
+                      </a:rPr>
+                      <m:t>𝑡</m:t>
+                    </m:r>
+                  </m:oMath>
+                </a14:m>
+                <a:r>
+                  <a:rPr lang="en-US" sz="2800" dirty="0"/>
+                  <a:t> – time</a:t>
+                </a:r>
+              </a:p>
+              <a:p>
+                <a14:m>
+                  <m:oMath xmlns:m="http://schemas.openxmlformats.org/officeDocument/2006/math">
+                    <m:r>
+                      <a:rPr lang="en-US" sz="2800" i="1" dirty="0" smtClean="0">
+                        <a:latin typeface="Cambria Math" panose="02040503050406030204" pitchFamily="18" charset="0"/>
+                      </a:rPr>
+                      <m:t>𝑇</m:t>
+                    </m:r>
+                    <m:r>
+                      <a:rPr lang="en-US" sz="2800" i="1" dirty="0" smtClean="0">
+                        <a:latin typeface="Cambria Math" panose="02040503050406030204" pitchFamily="18" charset="0"/>
+                      </a:rPr>
+                      <m:t>(</m:t>
+                    </m:r>
+                    <m:r>
+                      <a:rPr lang="en-US" sz="2800" i="1" dirty="0" smtClean="0">
+                        <a:latin typeface="Cambria Math" panose="02040503050406030204" pitchFamily="18" charset="0"/>
+                      </a:rPr>
+                      <m:t>𝑡</m:t>
+                    </m:r>
+                    <m:r>
+                      <a:rPr lang="en-US" sz="2800" i="1" dirty="0" smtClean="0">
+                        <a:latin typeface="Cambria Math" panose="02040503050406030204" pitchFamily="18" charset="0"/>
+                      </a:rPr>
+                      <m:t>) </m:t>
+                    </m:r>
+                  </m:oMath>
+                </a14:m>
+                <a:r>
+                  <a:rPr lang="en-US" sz="2800" dirty="0"/>
+                  <a:t>– global mean temperature at time T</a:t>
+                </a:r>
+              </a:p>
+              <a:p>
+                <a14:m>
+                  <m:oMath xmlns:m="http://schemas.openxmlformats.org/officeDocument/2006/math">
+                    <m:sSub>
+                      <m:sSubPr>
+                        <m:ctrlPr>
+                          <a:rPr lang="en-US" sz="2800" b="0" i="1" dirty="0" smtClean="0">
+                            <a:latin typeface="Cambria Math" panose="02040503050406030204" pitchFamily="18" charset="0"/>
+                          </a:rPr>
+                        </m:ctrlPr>
+                      </m:sSubPr>
+                      <m:e>
+                        <m:r>
+                          <a:rPr lang="en-US" sz="2800" b="0" i="1" dirty="0" smtClean="0">
+                            <a:latin typeface="Cambria Math" panose="02040503050406030204" pitchFamily="18" charset="0"/>
+                          </a:rPr>
+                          <m:t>𝑇</m:t>
+                        </m:r>
+                      </m:e>
+                      <m:sub>
+                        <m:r>
+                          <a:rPr lang="en-US" sz="2800" i="1" dirty="0" smtClean="0">
+                            <a:latin typeface="Cambria Math" panose="02040503050406030204" pitchFamily="18" charset="0"/>
+                          </a:rPr>
+                          <m:t>𝑒𝑞</m:t>
+                        </m:r>
+                      </m:sub>
+                    </m:sSub>
+                  </m:oMath>
+                </a14:m>
+                <a:r>
+                  <a:rPr lang="en-US" sz="2800" dirty="0"/>
+                  <a:t> – Temperature equilibrium value</a:t>
+                </a:r>
+              </a:p>
+            </p:txBody>
+          </p:sp>
+        </mc:Choice>
+        <mc:Fallback>
+          <p:sp>
+            <p:nvSpPr>
+              <p:cNvPr id="4" name="TextBox 3">
+                <a:extLst>
+                  <a:ext uri="{FF2B5EF4-FFF2-40B4-BE49-F238E27FC236}">
+                    <a16:creationId xmlns:a16="http://schemas.microsoft.com/office/drawing/2014/main" id="{B5CFA646-A8F0-440F-9C5E-CC11B4AD2484}"/>
+                  </a:ext>
+                </a:extLst>
+              </p:cNvPr>
+              <p:cNvSpPr txBox="1">
+                <a:spLocks noRot="1" noChangeAspect="1" noMove="1" noResize="1" noEditPoints="1" noAdjustHandles="1" noChangeArrowheads="1" noChangeShapeType="1" noTextEdit="1"/>
+              </p:cNvSpPr>
+              <p:nvPr/>
+            </p:nvSpPr>
+            <p:spPr>
+              <a:xfrm>
+                <a:off x="5858934" y="1315454"/>
+                <a:ext cx="6281335" cy="1849096"/>
+              </a:xfrm>
+              <a:prstGeom prst="rect">
+                <a:avLst/>
+              </a:prstGeom>
+              <a:blipFill>
+                <a:blip r:embed="rId4"/>
+                <a:stretch>
+                  <a:fillRect t="-3300" r="-970" b="-6931"/>
+                </a:stretch>
+              </a:blipFill>
+            </p:spPr>
+            <p:txBody>
+              <a:bodyPr/>
+              <a:lstStyle/>
+              <a:p>
+                <a:r>
+                  <a:rPr lang="en-US">
+                    <a:noFill/>
+                  </a:rPr>
+                  <a:t> </a:t>
+                </a:r>
+              </a:p>
+            </p:txBody>
+          </p:sp>
+        </mc:Fallback>
+      </mc:AlternateContent>
+      <p:sp>
+        <p:nvSpPr>
+          <p:cNvPr id="5" name="Rectangle 4">
+            <a:extLst>
+              <a:ext uri="{FF2B5EF4-FFF2-40B4-BE49-F238E27FC236}">
+                <a16:creationId xmlns:a16="http://schemas.microsoft.com/office/drawing/2014/main" id="{77854C55-13CD-4BBF-B60B-D4D6820F6AD7}"/>
+              </a:ext>
+            </a:extLst>
+          </p:cNvPr>
+          <p:cNvSpPr/>
+          <p:nvPr/>
+        </p:nvSpPr>
+        <p:spPr>
+          <a:xfrm>
+            <a:off x="4559315" y="6231264"/>
+            <a:ext cx="2599238" cy="523220"/>
+          </a:xfrm>
+          <a:prstGeom prst="rect">
+            <a:avLst/>
+          </a:prstGeom>
+        </p:spPr>
+        <p:txBody>
+          <a:bodyPr wrap="none">
+            <a:spAutoFit/>
+          </a:bodyPr>
+          <a:lstStyle/>
+          <a:p>
+            <a:r>
+              <a:rPr lang="en-US" sz="2800" dirty="0" err="1"/>
+              <a:t>Rahmstorf</a:t>
+            </a:r>
+            <a:r>
+              <a:rPr lang="en-US" sz="2800" dirty="0"/>
+              <a:t> 2007 </a:t>
+            </a:r>
+          </a:p>
+        </p:txBody>
+      </p:sp>
     </p:spTree>
     <p:extLst>
       <p:ext uri="{BB962C8B-B14F-4D97-AF65-F5344CB8AC3E}">
@@ -11616,10 +13437,9 @@
           <a:lstStyle/>
           <a:p>
             <a:r>
-              <a:rPr lang="en-US" dirty="0" smtClean="0"/>
+              <a:rPr lang="en-US" dirty="0"/>
               <a:t>Calibrating the model to the data</a:t>
             </a:r>
-            <a:endParaRPr lang="en-US" dirty="0"/>
           </a:p>
         </p:txBody>
       </p:sp>
@@ -11635,28 +13455,26 @@
         </p:nvSpPr>
         <p:spPr/>
         <p:txBody>
-          <a:bodyPr/>
+          <a:bodyPr>
+            <a:normAutofit/>
+          </a:bodyPr>
           <a:lstStyle/>
           <a:p>
             <a:r>
-              <a:rPr lang="en-US" dirty="0" smtClean="0"/>
-              <a:t>Temperature (from DOWCLIM)</a:t>
-            </a:r>
-          </a:p>
-          <a:p>
-            <a:r>
-              <a:rPr lang="en-US" dirty="0" smtClean="0"/>
+              <a:rPr lang="en-US" dirty="0"/>
+              <a:t>Temperature (from DOECLIM)</a:t>
+            </a:r>
+          </a:p>
+          <a:p>
+            <a:r>
+              <a:rPr lang="en-US" dirty="0"/>
               <a:t>Ocean heat (from DOECLIM)</a:t>
             </a:r>
           </a:p>
           <a:p>
             <a:r>
-              <a:rPr lang="en-US" dirty="0" err="1" smtClean="0"/>
-              <a:t>Sealevel</a:t>
-            </a:r>
-            <a:r>
-              <a:rPr lang="en-US" dirty="0" smtClean="0"/>
-              <a:t> (from GMSL)</a:t>
+              <a:rPr lang="en-US" dirty="0"/>
+              <a:t>Sea-level (from GMSL)</a:t>
             </a:r>
           </a:p>
           <a:p>
@@ -11666,30 +13484,21 @@
               </a:spcBef>
             </a:pPr>
             <a:r>
+              <a:rPr lang="en-US" sz="2800" dirty="0"/>
+              <a:t>Data: Temperature (forcing, NOAA), Sea-level: (calibration)</a:t>
+            </a:r>
+          </a:p>
+          <a:p>
+            <a:r>
               <a:rPr lang="en-US" dirty="0"/>
-              <a:t>Data: Temperature (forcing, NOAA), </a:t>
-            </a:r>
-            <a:r>
-              <a:rPr lang="en-US" dirty="0" err="1"/>
-              <a:t>Sealevel</a:t>
-            </a:r>
+              <a:t>Calibrate the model using the above data. </a:t>
+            </a:r>
+          </a:p>
+          <a:p>
             <a:r>
               <a:rPr lang="en-US" dirty="0"/>
-              <a:t>: (calibration)</a:t>
-            </a:r>
-          </a:p>
-          <a:p>
-            <a:r>
-              <a:rPr lang="en-US" dirty="0" smtClean="0"/>
-              <a:t>Calibrate the model using the above data. </a:t>
-            </a:r>
-          </a:p>
-          <a:p>
-            <a:r>
-              <a:rPr lang="en-US" dirty="0" smtClean="0"/>
               <a:t>We have to design a likelihood function using these data sets. </a:t>
             </a:r>
-            <a:endParaRPr lang="en-US" dirty="0"/>
           </a:p>
         </p:txBody>
       </p:sp>
@@ -11728,7 +13537,7 @@
           <p:cNvPr id="2" name="Title 1">
             <a:extLst>
               <a:ext uri="{FF2B5EF4-FFF2-40B4-BE49-F238E27FC236}">
-                <a16:creationId xmlns:a16="http://schemas.microsoft.com/office/drawing/2014/main" xmlns="" id="{40634BCA-1476-44E9-9C18-A6E94B4BDCA4}"/>
+                <a16:creationId xmlns:a16="http://schemas.microsoft.com/office/drawing/2014/main" id="{40634BCA-1476-44E9-9C18-A6E94B4BDCA4}"/>
               </a:ext>
             </a:extLst>
           </p:cNvPr>
@@ -11756,7 +13565,7 @@
           <p:cNvPr id="3" name="Content Placeholder 2">
             <a:extLst>
               <a:ext uri="{FF2B5EF4-FFF2-40B4-BE49-F238E27FC236}">
-                <a16:creationId xmlns:a16="http://schemas.microsoft.com/office/drawing/2014/main" xmlns="" id="{9E8E30CB-2A89-4421-B4B2-A205423CBE8E}"/>
+                <a16:creationId xmlns:a16="http://schemas.microsoft.com/office/drawing/2014/main" id="{9E8E30CB-2A89-4421-B4B2-A205423CBE8E}"/>
               </a:ext>
             </a:extLst>
           </p:cNvPr>
@@ -11780,18 +13589,14 @@
           <a:lstStyle/>
           <a:p>
             <a:r>
-              <a:rPr lang="en-US" dirty="0" smtClean="0"/>
+              <a:rPr lang="en-US" dirty="0"/>
               <a:t>We want to sample parameters from the posterior distribution. Simple Bayes’ likelihood function. </a:t>
             </a:r>
           </a:p>
           <a:p>
             <a:r>
-              <a:rPr lang="en-US" dirty="0" smtClean="0"/>
-              <a:t>We </a:t>
-            </a:r>
-            <a:r>
               <a:rPr lang="en-US" dirty="0"/>
-              <a:t>want accurate projections, but along with the projections we also want to characterize the uncertainties</a:t>
+              <a:t>We want accurate projections, but along with the projections we also want to characterize the uncertainties</a:t>
             </a:r>
           </a:p>
           <a:p>
@@ -11810,13 +13615,8 @@
             <a:pPr lvl="1"/>
             <a:r>
               <a:rPr lang="en-US" dirty="0"/>
-              <a:t>Alpha (Sea-level </a:t>
-            </a:r>
-            <a:r>
-              <a:rPr lang="en-US" dirty="0" smtClean="0"/>
-              <a:t>sensitivity to changes in temp.)</a:t>
-            </a:r>
-            <a:endParaRPr lang="en-US" dirty="0"/>
+              <a:t>Alpha (Sea-level sensitivity to changes in temp.)</a:t>
+            </a:r>
           </a:p>
           <a:p>
             <a:pPr lvl="1"/>
@@ -11860,36 +13660,6 @@
           </a:p>
         </p:txBody>
       </p:sp>
-      <p:pic>
-        <p:nvPicPr>
-          <p:cNvPr id="5" name="Picture 4">
-            <a:extLst>
-              <a:ext uri="{FF2B5EF4-FFF2-40B4-BE49-F238E27FC236}">
-                <a16:creationId xmlns:a16="http://schemas.microsoft.com/office/drawing/2014/main" xmlns="" id="{07C7BC19-A802-4A50-8EC8-83768DA9CA01}"/>
-              </a:ext>
-            </a:extLst>
-          </p:cNvPr>
-          <p:cNvPicPr>
-            <a:picLocks noChangeAspect="1"/>
-          </p:cNvPicPr>
-          <p:nvPr/>
-        </p:nvPicPr>
-        <p:blipFill>
-          <a:blip r:embed="rId3"/>
-          <a:stretch>
-            <a:fillRect/>
-          </a:stretch>
-        </p:blipFill>
-        <p:spPr>
-          <a:xfrm>
-            <a:off x="4435642" y="5542545"/>
-            <a:ext cx="6228656" cy="950328"/>
-          </a:xfrm>
-          <a:prstGeom prst="rect">
-            <a:avLst/>
-          </a:prstGeom>
-        </p:spPr>
-      </p:pic>
     </p:spTree>
     <p:extLst>
       <p:ext uri="{BB962C8B-B14F-4D97-AF65-F5344CB8AC3E}">
@@ -11925,7 +13695,7 @@
           <p:cNvPr id="2" name="Title 1">
             <a:extLst>
               <a:ext uri="{FF2B5EF4-FFF2-40B4-BE49-F238E27FC236}">
-                <a16:creationId xmlns:a16="http://schemas.microsoft.com/office/drawing/2014/main" xmlns="" id="{686C4237-8385-439A-86D4-DF3515A0EB4D}"/>
+                <a16:creationId xmlns:a16="http://schemas.microsoft.com/office/drawing/2014/main" id="{686C4237-8385-439A-86D4-DF3515A0EB4D}"/>
               </a:ext>
             </a:extLst>
           </p:cNvPr>
@@ -11953,7 +13723,7 @@
           <p:cNvPr id="15" name="TextBox 14">
             <a:extLst>
               <a:ext uri="{FF2B5EF4-FFF2-40B4-BE49-F238E27FC236}">
-                <a16:creationId xmlns:a16="http://schemas.microsoft.com/office/drawing/2014/main" xmlns="" id="{CCA3BB48-7BDD-4640-B7B1-9D4A2599EA96}"/>
+                <a16:creationId xmlns:a16="http://schemas.microsoft.com/office/drawing/2014/main" id="{CCA3BB48-7BDD-4640-B7B1-9D4A2599EA96}"/>
               </a:ext>
             </a:extLst>
           </p:cNvPr>
@@ -11988,7 +13758,7 @@
           <p:cNvPr id="16" name="TextBox 15">
             <a:extLst>
               <a:ext uri="{FF2B5EF4-FFF2-40B4-BE49-F238E27FC236}">
-                <a16:creationId xmlns:a16="http://schemas.microsoft.com/office/drawing/2014/main" xmlns="" id="{DFEC1B2A-71D6-4AAC-8706-45D107249D4C}"/>
+                <a16:creationId xmlns:a16="http://schemas.microsoft.com/office/drawing/2014/main" id="{DFEC1B2A-71D6-4AAC-8706-45D107249D4C}"/>
               </a:ext>
             </a:extLst>
           </p:cNvPr>
@@ -12024,7 +13794,7 @@
           <p:cNvPr id="17" name="TextBox 16">
             <a:extLst>
               <a:ext uri="{FF2B5EF4-FFF2-40B4-BE49-F238E27FC236}">
-                <a16:creationId xmlns:a16="http://schemas.microsoft.com/office/drawing/2014/main" xmlns="" id="{4605670E-3745-4450-86CE-AF4751EB3C38}"/>
+                <a16:creationId xmlns:a16="http://schemas.microsoft.com/office/drawing/2014/main" id="{4605670E-3745-4450-86CE-AF4751EB3C38}"/>
               </a:ext>
             </a:extLst>
           </p:cNvPr>
@@ -12059,7 +13829,7 @@
           <p:cNvPr id="18" name="Picture 17">
             <a:extLst>
               <a:ext uri="{FF2B5EF4-FFF2-40B4-BE49-F238E27FC236}">
-                <a16:creationId xmlns:a16="http://schemas.microsoft.com/office/drawing/2014/main" xmlns="" id="{82714EE7-4ED6-4125-8573-761F58ED4771}"/>
+                <a16:creationId xmlns:a16="http://schemas.microsoft.com/office/drawing/2014/main" id="{82714EE7-4ED6-4125-8573-761F58ED4771}"/>
               </a:ext>
             </a:extLst>
           </p:cNvPr>
@@ -12089,7 +13859,7 @@
           <p:cNvPr id="19" name="Picture 18">
             <a:extLst>
               <a:ext uri="{FF2B5EF4-FFF2-40B4-BE49-F238E27FC236}">
-                <a16:creationId xmlns:a16="http://schemas.microsoft.com/office/drawing/2014/main" xmlns="" id="{B2104F80-1D62-472E-9EF1-AA2529BC8F10}"/>
+                <a16:creationId xmlns:a16="http://schemas.microsoft.com/office/drawing/2014/main" id="{B2104F80-1D62-472E-9EF1-AA2529BC8F10}"/>
               </a:ext>
             </a:extLst>
           </p:cNvPr>
@@ -12119,7 +13889,7 @@
           <p:cNvPr id="20" name="Picture 19">
             <a:extLst>
               <a:ext uri="{FF2B5EF4-FFF2-40B4-BE49-F238E27FC236}">
-                <a16:creationId xmlns:a16="http://schemas.microsoft.com/office/drawing/2014/main" xmlns="" id="{FACB4D70-AA54-45F5-A0E8-1761E536E2E5}"/>
+                <a16:creationId xmlns:a16="http://schemas.microsoft.com/office/drawing/2014/main" id="{FACB4D70-AA54-45F5-A0E8-1761E536E2E5}"/>
               </a:ext>
             </a:extLst>
           </p:cNvPr>

--- a/Mid Semester Presentation.pptx
+++ b/Mid Semester Presentation.pptx
@@ -2,28 +2,30 @@
 <file path=ppt/presentation.xml><?xml version="1.0" encoding="utf-8"?>
 <p:presentation xmlns:a="http://schemas.openxmlformats.org/drawingml/2006/main" xmlns:r="http://schemas.openxmlformats.org/officeDocument/2006/relationships" xmlns:p="http://schemas.openxmlformats.org/presentationml/2006/main" saveSubsetFonts="1">
   <p:sldMasterIdLst>
-    <p:sldMasterId id="2147483672" r:id="rId1"/>
+    <p:sldMasterId id="2147483696" r:id="rId1"/>
   </p:sldMasterIdLst>
   <p:notesMasterIdLst>
-    <p:notesMasterId r:id="rId18"/>
+    <p:notesMasterId r:id="rId20"/>
   </p:notesMasterIdLst>
   <p:sldIdLst>
     <p:sldId id="256" r:id="rId2"/>
     <p:sldId id="261" r:id="rId3"/>
-    <p:sldId id="269" r:id="rId4"/>
-    <p:sldId id="264" r:id="rId5"/>
-    <p:sldId id="268" r:id="rId6"/>
-    <p:sldId id="262" r:id="rId7"/>
-    <p:sldId id="274" r:id="rId8"/>
-    <p:sldId id="270" r:id="rId9"/>
-    <p:sldId id="272" r:id="rId10"/>
-    <p:sldId id="273" r:id="rId11"/>
-    <p:sldId id="267" r:id="rId12"/>
-    <p:sldId id="271" r:id="rId13"/>
-    <p:sldId id="275" r:id="rId14"/>
-    <p:sldId id="257" r:id="rId15"/>
-    <p:sldId id="259" r:id="rId16"/>
-    <p:sldId id="266" r:id="rId17"/>
+    <p:sldId id="276" r:id="rId4"/>
+    <p:sldId id="269" r:id="rId5"/>
+    <p:sldId id="264" r:id="rId6"/>
+    <p:sldId id="268" r:id="rId7"/>
+    <p:sldId id="262" r:id="rId8"/>
+    <p:sldId id="274" r:id="rId9"/>
+    <p:sldId id="270" r:id="rId10"/>
+    <p:sldId id="272" r:id="rId11"/>
+    <p:sldId id="273" r:id="rId12"/>
+    <p:sldId id="267" r:id="rId13"/>
+    <p:sldId id="271" r:id="rId14"/>
+    <p:sldId id="275" r:id="rId15"/>
+    <p:sldId id="257" r:id="rId16"/>
+    <p:sldId id="259" r:id="rId17"/>
+    <p:sldId id="266" r:id="rId18"/>
+    <p:sldId id="277" r:id="rId19"/>
   </p:sldIdLst>
   <p:sldSz cx="12192000" cy="6858000"/>
   <p:notesSz cx="6858000" cy="9144000"/>
@@ -220,7 +222,7 @@
           <a:p>
             <a:fld id="{BAA960FA-F8F2-8342-92CA-A28CCF2F2744}" type="datetimeFigureOut">
               <a:rPr lang="en-US" smtClean="0"/>
-              <a:t>10/24/2018</a:t>
+              <a:t>10/25/2018</a:t>
             </a:fld>
             <a:endParaRPr lang="en-US"/>
           </a:p>
@@ -644,7 +646,7 @@
           <a:p>
             <a:fld id="{53997451-DD4C-6845-B353-833DB10F4ADA}" type="slidenum">
               <a:rPr lang="en-US" smtClean="0"/>
-              <a:t>3</a:t>
+              <a:t>4</a:t>
             </a:fld>
             <a:endParaRPr lang="en-US"/>
           </a:p>
@@ -731,7 +733,7 @@
           <a:p>
             <a:fld id="{53997451-DD4C-6845-B353-833DB10F4ADA}" type="slidenum">
               <a:rPr lang="en-US" smtClean="0"/>
-              <a:t>4</a:t>
+              <a:t>5</a:t>
             </a:fld>
             <a:endParaRPr lang="en-US"/>
           </a:p>
@@ -823,7 +825,7 @@
           <a:p>
             <a:fld id="{53997451-DD4C-6845-B353-833DB10F4ADA}" type="slidenum">
               <a:rPr lang="en-US" smtClean="0"/>
-              <a:t>5</a:t>
+              <a:t>6</a:t>
             </a:fld>
             <a:endParaRPr lang="en-US"/>
           </a:p>
@@ -918,7 +920,7 @@
           <a:p>
             <a:fld id="{53997451-DD4C-6845-B353-833DB10F4ADA}" type="slidenum">
               <a:rPr lang="en-US" smtClean="0"/>
-              <a:t>6</a:t>
+              <a:t>7</a:t>
             </a:fld>
             <a:endParaRPr lang="en-US"/>
           </a:p>
@@ -1018,7 +1020,7 @@
           <a:p>
             <a:fld id="{53997451-DD4C-6845-B353-833DB10F4ADA}" type="slidenum">
               <a:rPr lang="en-US" smtClean="0"/>
-              <a:t>8</a:t>
+              <a:t>9</a:t>
             </a:fld>
             <a:endParaRPr lang="en-US"/>
           </a:p>
@@ -1118,7 +1120,7 @@
           <a:p>
             <a:fld id="{53997451-DD4C-6845-B353-833DB10F4ADA}" type="slidenum">
               <a:rPr lang="en-US" smtClean="0"/>
-              <a:t>16</a:t>
+              <a:t>17</a:t>
             </a:fld>
             <a:endParaRPr lang="en-US"/>
           </a:p>
@@ -1159,7 +1161,7 @@
           <p:cNvPr id="2" name="Title 1">
             <a:extLst>
               <a:ext uri="{FF2B5EF4-FFF2-40B4-BE49-F238E27FC236}">
-                <a16:creationId xmlns:a16="http://schemas.microsoft.com/office/drawing/2014/main" id="{B8B3E9FE-347F-4AA7-B5D0-2966CC58A8C0}"/>
+                <a16:creationId xmlns:a16="http://schemas.microsoft.com/office/drawing/2014/main" id="{B32BD684-9960-4710-AFCC-716D94063E95}"/>
               </a:ext>
             </a:extLst>
           </p:cNvPr>
@@ -1180,7 +1182,9 @@
           <a:bodyPr anchor="b"/>
           <a:lstStyle>
             <a:lvl1pPr algn="ctr">
-              <a:defRPr sz="6000"/>
+              <a:defRPr sz="6000">
+                <a:latin typeface="Bahnschrift" panose="020B0502040204020203" pitchFamily="34" charset="0"/>
+              </a:defRPr>
             </a:lvl1pPr>
           </a:lstStyle>
           <a:p>
@@ -1196,7 +1200,7 @@
           <p:cNvPr id="3" name="Subtitle 2">
             <a:extLst>
               <a:ext uri="{FF2B5EF4-FFF2-40B4-BE49-F238E27FC236}">
-                <a16:creationId xmlns:a16="http://schemas.microsoft.com/office/drawing/2014/main" id="{85C5580E-3F1C-4A9A-84E1-44EE3481C1C0}"/>
+                <a16:creationId xmlns:a16="http://schemas.microsoft.com/office/drawing/2014/main" id="{7699D10A-223E-446A-BD73-587C8BD378FE}"/>
               </a:ext>
             </a:extLst>
           </p:cNvPr>
@@ -1218,7 +1222,9 @@
           <a:lstStyle>
             <a:lvl1pPr marL="0" indent="0" algn="ctr">
               <a:buNone/>
-              <a:defRPr sz="2400"/>
+              <a:defRPr sz="2400">
+                <a:latin typeface="Bahnschrift" panose="020B0502040204020203" pitchFamily="34" charset="0"/>
+              </a:defRPr>
             </a:lvl1pPr>
             <a:lvl2pPr marL="457200" indent="0" algn="ctr">
               <a:buNone/>
@@ -1266,7 +1272,7 @@
           <p:cNvPr id="4" name="Date Placeholder 3">
             <a:extLst>
               <a:ext uri="{FF2B5EF4-FFF2-40B4-BE49-F238E27FC236}">
-                <a16:creationId xmlns:a16="http://schemas.microsoft.com/office/drawing/2014/main" id="{7BE380AA-CCC0-4FA7-9C4E-EA2984862757}"/>
+                <a16:creationId xmlns:a16="http://schemas.microsoft.com/office/drawing/2014/main" id="{47854030-5DDB-4B2A-A339-D70D14B3219C}"/>
               </a:ext>
             </a:extLst>
           </p:cNvPr>
@@ -1284,7 +1290,7 @@
           <a:p>
             <a:fld id="{43CEAD56-E5CE-4A48-BE26-3F874B3EFFB2}" type="datetimeFigureOut">
               <a:rPr lang="en-US" smtClean="0"/>
-              <a:t>10/24/2018</a:t>
+              <a:t>10/25/2018</a:t>
             </a:fld>
             <a:endParaRPr lang="en-US"/>
           </a:p>
@@ -1295,7 +1301,7 @@
           <p:cNvPr id="5" name="Footer Placeholder 4">
             <a:extLst>
               <a:ext uri="{FF2B5EF4-FFF2-40B4-BE49-F238E27FC236}">
-                <a16:creationId xmlns:a16="http://schemas.microsoft.com/office/drawing/2014/main" id="{10735B48-001C-49CB-84DC-99D2695978DF}"/>
+                <a16:creationId xmlns:a16="http://schemas.microsoft.com/office/drawing/2014/main" id="{86C4DF1F-40E1-4941-8613-2182A8D1BB06}"/>
               </a:ext>
             </a:extLst>
           </p:cNvPr>
@@ -1320,7 +1326,7 @@
           <p:cNvPr id="6" name="Slide Number Placeholder 5">
             <a:extLst>
               <a:ext uri="{FF2B5EF4-FFF2-40B4-BE49-F238E27FC236}">
-                <a16:creationId xmlns:a16="http://schemas.microsoft.com/office/drawing/2014/main" id="{5D18854D-1F70-4998-A8C0-77FFEFD9D99A}"/>
+                <a16:creationId xmlns:a16="http://schemas.microsoft.com/office/drawing/2014/main" id="{79803115-496D-4124-835B-1B13337C7ADA}"/>
               </a:ext>
             </a:extLst>
           </p:cNvPr>
@@ -1347,7 +1353,7 @@
     </p:spTree>
     <p:extLst>
       <p:ext uri="{BB962C8B-B14F-4D97-AF65-F5344CB8AC3E}">
-        <p14:creationId xmlns:p14="http://schemas.microsoft.com/office/powerpoint/2010/main" val="3292973654"/>
+        <p14:creationId xmlns:p14="http://schemas.microsoft.com/office/powerpoint/2010/main" val="2777549979"/>
       </p:ext>
     </p:extLst>
   </p:cSld>
@@ -1379,7 +1385,7 @@
           <p:cNvPr id="2" name="Title 1">
             <a:extLst>
               <a:ext uri="{FF2B5EF4-FFF2-40B4-BE49-F238E27FC236}">
-                <a16:creationId xmlns:a16="http://schemas.microsoft.com/office/drawing/2014/main" id="{298D67BC-E415-4F07-8E15-F1E0C8FE2EFA}"/>
+                <a16:creationId xmlns:a16="http://schemas.microsoft.com/office/drawing/2014/main" id="{D3A5977B-9833-40F6-8CAA-D94F62DD3653}"/>
               </a:ext>
             </a:extLst>
           </p:cNvPr>
@@ -1407,7 +1413,7 @@
           <p:cNvPr id="3" name="Vertical Text Placeholder 2">
             <a:extLst>
               <a:ext uri="{FF2B5EF4-FFF2-40B4-BE49-F238E27FC236}">
-                <a16:creationId xmlns:a16="http://schemas.microsoft.com/office/drawing/2014/main" id="{C0E76AB9-B45F-4D8A-AEC8-2D287D76CF12}"/>
+                <a16:creationId xmlns:a16="http://schemas.microsoft.com/office/drawing/2014/main" id="{C96AD966-59ED-4DE1-8ECF-1B4B4CF6B671}"/>
               </a:ext>
             </a:extLst>
           </p:cNvPr>
@@ -1464,7 +1470,7 @@
           <p:cNvPr id="4" name="Date Placeholder 3">
             <a:extLst>
               <a:ext uri="{FF2B5EF4-FFF2-40B4-BE49-F238E27FC236}">
-                <a16:creationId xmlns:a16="http://schemas.microsoft.com/office/drawing/2014/main" id="{286872AA-386D-49F0-8CAE-2FB0C7E0CB2E}"/>
+                <a16:creationId xmlns:a16="http://schemas.microsoft.com/office/drawing/2014/main" id="{7E3334FD-A943-46AB-9FF6-7833D6464E5E}"/>
               </a:ext>
             </a:extLst>
           </p:cNvPr>
@@ -1482,7 +1488,7 @@
           <a:p>
             <a:fld id="{43CEAD56-E5CE-4A48-BE26-3F874B3EFFB2}" type="datetimeFigureOut">
               <a:rPr lang="en-US" smtClean="0"/>
-              <a:t>10/24/2018</a:t>
+              <a:t>10/25/2018</a:t>
             </a:fld>
             <a:endParaRPr lang="en-US"/>
           </a:p>
@@ -1493,7 +1499,7 @@
           <p:cNvPr id="5" name="Footer Placeholder 4">
             <a:extLst>
               <a:ext uri="{FF2B5EF4-FFF2-40B4-BE49-F238E27FC236}">
-                <a16:creationId xmlns:a16="http://schemas.microsoft.com/office/drawing/2014/main" id="{9DC01DDE-A963-4484-8462-77D4C35F70D9}"/>
+                <a16:creationId xmlns:a16="http://schemas.microsoft.com/office/drawing/2014/main" id="{71106AED-B522-4ABE-B1D2-52CCC3130CE5}"/>
               </a:ext>
             </a:extLst>
           </p:cNvPr>
@@ -1518,7 +1524,7 @@
           <p:cNvPr id="6" name="Slide Number Placeholder 5">
             <a:extLst>
               <a:ext uri="{FF2B5EF4-FFF2-40B4-BE49-F238E27FC236}">
-                <a16:creationId xmlns:a16="http://schemas.microsoft.com/office/drawing/2014/main" id="{DAB58AA0-543C-4042-B5E0-7AD43CC32E4D}"/>
+                <a16:creationId xmlns:a16="http://schemas.microsoft.com/office/drawing/2014/main" id="{A9AA2E61-4845-444E-A3ED-5D1C54272B4B}"/>
               </a:ext>
             </a:extLst>
           </p:cNvPr>
@@ -1545,7 +1551,7 @@
     </p:spTree>
     <p:extLst>
       <p:ext uri="{BB962C8B-B14F-4D97-AF65-F5344CB8AC3E}">
-        <p14:creationId xmlns:p14="http://schemas.microsoft.com/office/powerpoint/2010/main" val="2709421034"/>
+        <p14:creationId xmlns:p14="http://schemas.microsoft.com/office/powerpoint/2010/main" val="1500033776"/>
       </p:ext>
     </p:extLst>
   </p:cSld>
@@ -1577,7 +1583,7 @@
           <p:cNvPr id="2" name="Vertical Title 1">
             <a:extLst>
               <a:ext uri="{FF2B5EF4-FFF2-40B4-BE49-F238E27FC236}">
-                <a16:creationId xmlns:a16="http://schemas.microsoft.com/office/drawing/2014/main" id="{70845774-C8D6-4CAB-A2F4-9D474CBB2AE3}"/>
+                <a16:creationId xmlns:a16="http://schemas.microsoft.com/office/drawing/2014/main" id="{0FE34143-25A3-41A7-A795-33F64F5A276C}"/>
               </a:ext>
             </a:extLst>
           </p:cNvPr>
@@ -1610,7 +1616,7 @@
           <p:cNvPr id="3" name="Vertical Text Placeholder 2">
             <a:extLst>
               <a:ext uri="{FF2B5EF4-FFF2-40B4-BE49-F238E27FC236}">
-                <a16:creationId xmlns:a16="http://schemas.microsoft.com/office/drawing/2014/main" id="{BA3E64F6-6D7C-41E5-861C-FB405CC610B3}"/>
+                <a16:creationId xmlns:a16="http://schemas.microsoft.com/office/drawing/2014/main" id="{25822171-E004-4275-8647-0923AF1C40E4}"/>
               </a:ext>
             </a:extLst>
           </p:cNvPr>
@@ -1672,7 +1678,7 @@
           <p:cNvPr id="4" name="Date Placeholder 3">
             <a:extLst>
               <a:ext uri="{FF2B5EF4-FFF2-40B4-BE49-F238E27FC236}">
-                <a16:creationId xmlns:a16="http://schemas.microsoft.com/office/drawing/2014/main" id="{E8F78E00-DF1A-43CF-BBBB-84B645B400B5}"/>
+                <a16:creationId xmlns:a16="http://schemas.microsoft.com/office/drawing/2014/main" id="{A8B89405-9274-457B-934C-C11D3D728245}"/>
               </a:ext>
             </a:extLst>
           </p:cNvPr>
@@ -1690,7 +1696,7 @@
           <a:p>
             <a:fld id="{43CEAD56-E5CE-4A48-BE26-3F874B3EFFB2}" type="datetimeFigureOut">
               <a:rPr lang="en-US" smtClean="0"/>
-              <a:t>10/24/2018</a:t>
+              <a:t>10/25/2018</a:t>
             </a:fld>
             <a:endParaRPr lang="en-US"/>
           </a:p>
@@ -1701,7 +1707,7 @@
           <p:cNvPr id="5" name="Footer Placeholder 4">
             <a:extLst>
               <a:ext uri="{FF2B5EF4-FFF2-40B4-BE49-F238E27FC236}">
-                <a16:creationId xmlns:a16="http://schemas.microsoft.com/office/drawing/2014/main" id="{80A8A1CF-EDAE-424B-8971-0025DE80DE09}"/>
+                <a16:creationId xmlns:a16="http://schemas.microsoft.com/office/drawing/2014/main" id="{B0128D3E-2F1B-45EF-A1F7-CCF3E4B3BF55}"/>
               </a:ext>
             </a:extLst>
           </p:cNvPr>
@@ -1726,7 +1732,7 @@
           <p:cNvPr id="6" name="Slide Number Placeholder 5">
             <a:extLst>
               <a:ext uri="{FF2B5EF4-FFF2-40B4-BE49-F238E27FC236}">
-                <a16:creationId xmlns:a16="http://schemas.microsoft.com/office/drawing/2014/main" id="{C8F4ADAF-C15A-41C3-8BEF-CB2E5B0B3B17}"/>
+                <a16:creationId xmlns:a16="http://schemas.microsoft.com/office/drawing/2014/main" id="{CFF90C26-677E-4EE7-B2A7-7BB86EEFE14A}"/>
               </a:ext>
             </a:extLst>
           </p:cNvPr>
@@ -1753,7 +1759,7 @@
     </p:spTree>
     <p:extLst>
       <p:ext uri="{BB962C8B-B14F-4D97-AF65-F5344CB8AC3E}">
-        <p14:creationId xmlns:p14="http://schemas.microsoft.com/office/powerpoint/2010/main" val="2370825056"/>
+        <p14:creationId xmlns:p14="http://schemas.microsoft.com/office/powerpoint/2010/main" val="2476131830"/>
       </p:ext>
     </p:extLst>
   </p:cSld>
@@ -1785,7 +1791,7 @@
           <p:cNvPr id="2" name="Title 1">
             <a:extLst>
               <a:ext uri="{FF2B5EF4-FFF2-40B4-BE49-F238E27FC236}">
-                <a16:creationId xmlns:a16="http://schemas.microsoft.com/office/drawing/2014/main" id="{C5D053B8-0E96-4A96-955D-54A151644769}"/>
+                <a16:creationId xmlns:a16="http://schemas.microsoft.com/office/drawing/2014/main" id="{3BA43CAC-8101-4C91-A669-80C0980990EC}"/>
               </a:ext>
             </a:extLst>
           </p:cNvPr>
@@ -1796,15 +1802,16 @@
             <p:ph type="title"/>
           </p:nvPr>
         </p:nvSpPr>
-        <p:spPr>
-          <a:xfrm>
-            <a:off x="838200" y="365126"/>
-            <a:ext cx="10515600" cy="950328"/>
-          </a:xfrm>
-        </p:spPr>
+        <p:spPr/>
         <p:txBody>
           <a:bodyPr/>
-          <a:lstStyle/>
+          <a:lstStyle>
+            <a:lvl1pPr>
+              <a:defRPr>
+                <a:latin typeface="Bahnschrift" panose="020B0502040204020203" pitchFamily="34" charset="0"/>
+              </a:defRPr>
+            </a:lvl1pPr>
+          </a:lstStyle>
           <a:p>
             <a:r>
               <a:rPr lang="en-US"/>
@@ -1818,7 +1825,7 @@
           <p:cNvPr id="3" name="Content Placeholder 2">
             <a:extLst>
               <a:ext uri="{FF2B5EF4-FFF2-40B4-BE49-F238E27FC236}">
-                <a16:creationId xmlns:a16="http://schemas.microsoft.com/office/drawing/2014/main" id="{6C11D560-0399-4A07-91FA-0ED96ED01D2E}"/>
+                <a16:creationId xmlns:a16="http://schemas.microsoft.com/office/drawing/2014/main" id="{8FBB33BC-6595-4BDF-84BF-3A09AB66341F}"/>
               </a:ext>
             </a:extLst>
           </p:cNvPr>
@@ -1829,15 +1836,36 @@
             <p:ph idx="1"/>
           </p:nvPr>
         </p:nvSpPr>
-        <p:spPr>
-          <a:xfrm>
-            <a:off x="838200" y="1472701"/>
-            <a:ext cx="10515600" cy="4351338"/>
-          </a:xfrm>
-        </p:spPr>
+        <p:spPr/>
         <p:txBody>
           <a:bodyPr/>
-          <a:lstStyle/>
+          <a:lstStyle>
+            <a:lvl1pPr>
+              <a:defRPr>
+                <a:latin typeface="Bahnschrift" panose="020B0502040204020203" pitchFamily="34" charset="0"/>
+              </a:defRPr>
+            </a:lvl1pPr>
+            <a:lvl2pPr>
+              <a:defRPr>
+                <a:latin typeface="Bahnschrift" panose="020B0502040204020203" pitchFamily="34" charset="0"/>
+              </a:defRPr>
+            </a:lvl2pPr>
+            <a:lvl3pPr>
+              <a:defRPr>
+                <a:latin typeface="Bahnschrift" panose="020B0502040204020203" pitchFamily="34" charset="0"/>
+              </a:defRPr>
+            </a:lvl3pPr>
+            <a:lvl4pPr>
+              <a:defRPr>
+                <a:latin typeface="Bahnschrift" panose="020B0502040204020203" pitchFamily="34" charset="0"/>
+              </a:defRPr>
+            </a:lvl4pPr>
+            <a:lvl5pPr>
+              <a:defRPr>
+                <a:latin typeface="Bahnschrift" panose="020B0502040204020203" pitchFamily="34" charset="0"/>
+              </a:defRPr>
+            </a:lvl5pPr>
+          </a:lstStyle>
           <a:p>
             <a:pPr lvl="0"/>
             <a:r>
@@ -1880,7 +1908,7 @@
           <p:cNvPr id="4" name="Date Placeholder 3">
             <a:extLst>
               <a:ext uri="{FF2B5EF4-FFF2-40B4-BE49-F238E27FC236}">
-                <a16:creationId xmlns:a16="http://schemas.microsoft.com/office/drawing/2014/main" id="{90B12041-A368-4396-A1E0-3E9A85C11775}"/>
+                <a16:creationId xmlns:a16="http://schemas.microsoft.com/office/drawing/2014/main" id="{5375B9E3-7991-426A-B617-91AD1053A98D}"/>
               </a:ext>
             </a:extLst>
           </p:cNvPr>
@@ -1894,11 +1922,18 @@
         <p:spPr/>
         <p:txBody>
           <a:bodyPr/>
-          <a:lstStyle/>
+          <a:lstStyle>
+            <a:lvl1pPr>
+              <a:defRPr>
+                <a:latin typeface="Bahnschrift" panose="020B0502040204020203" pitchFamily="34" charset="0"/>
+              </a:defRPr>
+            </a:lvl1pPr>
+          </a:lstStyle>
           <a:p>
             <a:fld id="{43CEAD56-E5CE-4A48-BE26-3F874B3EFFB2}" type="datetimeFigureOut">
               <a:rPr lang="en-US" smtClean="0"/>
-              <a:t>10/24/2018</a:t>
+              <a:pPr/>
+              <a:t>10/25/2018</a:t>
             </a:fld>
             <a:endParaRPr lang="en-US"/>
           </a:p>
@@ -1909,7 +1944,7 @@
           <p:cNvPr id="5" name="Footer Placeholder 4">
             <a:extLst>
               <a:ext uri="{FF2B5EF4-FFF2-40B4-BE49-F238E27FC236}">
-                <a16:creationId xmlns:a16="http://schemas.microsoft.com/office/drawing/2014/main" id="{A53D7D04-BBF4-4DD8-B294-BCA088A3DC17}"/>
+                <a16:creationId xmlns:a16="http://schemas.microsoft.com/office/drawing/2014/main" id="{59EA8710-9730-4DA2-834C-6FF7F80794E2}"/>
               </a:ext>
             </a:extLst>
           </p:cNvPr>
@@ -1923,7 +1958,13 @@
         <p:spPr/>
         <p:txBody>
           <a:bodyPr/>
-          <a:lstStyle/>
+          <a:lstStyle>
+            <a:lvl1pPr>
+              <a:defRPr>
+                <a:latin typeface="Bahnschrift" panose="020B0502040204020203" pitchFamily="34" charset="0"/>
+              </a:defRPr>
+            </a:lvl1pPr>
+          </a:lstStyle>
           <a:p>
             <a:endParaRPr lang="en-US"/>
           </a:p>
@@ -1934,7 +1975,7 @@
           <p:cNvPr id="6" name="Slide Number Placeholder 5">
             <a:extLst>
               <a:ext uri="{FF2B5EF4-FFF2-40B4-BE49-F238E27FC236}">
-                <a16:creationId xmlns:a16="http://schemas.microsoft.com/office/drawing/2014/main" id="{00F43743-13F2-424A-88FA-CA4A9EDEC803}"/>
+                <a16:creationId xmlns:a16="http://schemas.microsoft.com/office/drawing/2014/main" id="{2F0B1668-8539-4E7C-85F9-102009D4BDA6}"/>
               </a:ext>
             </a:extLst>
           </p:cNvPr>
@@ -1948,20 +1989,63 @@
         <p:spPr/>
         <p:txBody>
           <a:bodyPr/>
-          <a:lstStyle/>
+          <a:lstStyle>
+            <a:lvl1pPr>
+              <a:defRPr>
+                <a:latin typeface="Bahnschrift" panose="020B0502040204020203" pitchFamily="34" charset="0"/>
+              </a:defRPr>
+            </a:lvl1pPr>
+          </a:lstStyle>
           <a:p>
             <a:fld id="{4DC36BF6-A249-4B54-A7AC-5D17690532DB}" type="slidenum">
               <a:rPr lang="en-US" smtClean="0"/>
+              <a:pPr/>
               <a:t>‹#›</a:t>
             </a:fld>
             <a:endParaRPr lang="en-US"/>
           </a:p>
         </p:txBody>
       </p:sp>
+      <p:pic>
+        <p:nvPicPr>
+          <p:cNvPr id="10" name="Picture 9" descr="A close up of a sign&#10;&#10;Description generated with high confidence">
+            <a:extLst>
+              <a:ext uri="{FF2B5EF4-FFF2-40B4-BE49-F238E27FC236}">
+                <a16:creationId xmlns:a16="http://schemas.microsoft.com/office/drawing/2014/main" id="{F56C89C9-57C3-422E-ACD9-933F1BF4CE97}"/>
+              </a:ext>
+            </a:extLst>
+          </p:cNvPr>
+          <p:cNvPicPr>
+            <a:picLocks noChangeAspect="1"/>
+          </p:cNvPicPr>
+          <p:nvPr userDrawn="1"/>
+        </p:nvPicPr>
+        <p:blipFill>
+          <a:blip r:embed="rId2">
+            <a:extLst>
+              <a:ext uri="{28A0092B-C50C-407E-A947-70E740481C1C}">
+                <a14:useLocalDpi xmlns:a14="http://schemas.microsoft.com/office/drawing/2010/main" val="0"/>
+              </a:ext>
+            </a:extLst>
+          </a:blip>
+          <a:stretch>
+            <a:fillRect/>
+          </a:stretch>
+        </p:blipFill>
+        <p:spPr>
+          <a:xfrm>
+            <a:off x="10859056" y="550084"/>
+            <a:ext cx="989487" cy="955644"/>
+          </a:xfrm>
+          <a:prstGeom prst="rect">
+            <a:avLst/>
+          </a:prstGeom>
+        </p:spPr>
+      </p:pic>
     </p:spTree>
     <p:extLst>
       <p:ext uri="{BB962C8B-B14F-4D97-AF65-F5344CB8AC3E}">
-        <p14:creationId xmlns:p14="http://schemas.microsoft.com/office/powerpoint/2010/main" val="3936030935"/>
+        <p14:creationId xmlns:p14="http://schemas.microsoft.com/office/powerpoint/2010/main" val="1445320905"/>
       </p:ext>
     </p:extLst>
   </p:cSld>
@@ -1993,7 +2077,7 @@
           <p:cNvPr id="2" name="Title 1">
             <a:extLst>
               <a:ext uri="{FF2B5EF4-FFF2-40B4-BE49-F238E27FC236}">
-                <a16:creationId xmlns:a16="http://schemas.microsoft.com/office/drawing/2014/main" id="{5F9DC917-BCF9-4111-9DA7-17087B895777}"/>
+                <a16:creationId xmlns:a16="http://schemas.microsoft.com/office/drawing/2014/main" id="{0475E265-DA4F-40E6-9EEE-026624B0239A}"/>
               </a:ext>
             </a:extLst>
           </p:cNvPr>
@@ -2030,7 +2114,7 @@
           <p:cNvPr id="3" name="Text Placeholder 2">
             <a:extLst>
               <a:ext uri="{FF2B5EF4-FFF2-40B4-BE49-F238E27FC236}">
-                <a16:creationId xmlns:a16="http://schemas.microsoft.com/office/drawing/2014/main" id="{550C78B4-87BB-4206-B367-1480414F9D8B}"/>
+                <a16:creationId xmlns:a16="http://schemas.microsoft.com/office/drawing/2014/main" id="{44F81E34-19E9-4617-B42C-D0105C86D7E3}"/>
               </a:ext>
             </a:extLst>
           </p:cNvPr>
@@ -2155,7 +2239,7 @@
           <p:cNvPr id="4" name="Date Placeholder 3">
             <a:extLst>
               <a:ext uri="{FF2B5EF4-FFF2-40B4-BE49-F238E27FC236}">
-                <a16:creationId xmlns:a16="http://schemas.microsoft.com/office/drawing/2014/main" id="{3410CF73-041D-4836-96A0-3B7A8592B614}"/>
+                <a16:creationId xmlns:a16="http://schemas.microsoft.com/office/drawing/2014/main" id="{13F88E5C-3D51-445A-AD9F-9957DF6ACAAC}"/>
               </a:ext>
             </a:extLst>
           </p:cNvPr>
@@ -2173,7 +2257,7 @@
           <a:p>
             <a:fld id="{43CEAD56-E5CE-4A48-BE26-3F874B3EFFB2}" type="datetimeFigureOut">
               <a:rPr lang="en-US" smtClean="0"/>
-              <a:t>10/24/2018</a:t>
+              <a:t>10/25/2018</a:t>
             </a:fld>
             <a:endParaRPr lang="en-US"/>
           </a:p>
@@ -2184,7 +2268,7 @@
           <p:cNvPr id="5" name="Footer Placeholder 4">
             <a:extLst>
               <a:ext uri="{FF2B5EF4-FFF2-40B4-BE49-F238E27FC236}">
-                <a16:creationId xmlns:a16="http://schemas.microsoft.com/office/drawing/2014/main" id="{30BE432E-3E01-4725-A9E9-EBB86F71C6DA}"/>
+                <a16:creationId xmlns:a16="http://schemas.microsoft.com/office/drawing/2014/main" id="{4C1468B0-9ADB-4CF9-A1F7-D9D9A735CCA3}"/>
               </a:ext>
             </a:extLst>
           </p:cNvPr>
@@ -2209,7 +2293,7 @@
           <p:cNvPr id="6" name="Slide Number Placeholder 5">
             <a:extLst>
               <a:ext uri="{FF2B5EF4-FFF2-40B4-BE49-F238E27FC236}">
-                <a16:creationId xmlns:a16="http://schemas.microsoft.com/office/drawing/2014/main" id="{9050BEF3-5810-43C6-B364-60970834EEE3}"/>
+                <a16:creationId xmlns:a16="http://schemas.microsoft.com/office/drawing/2014/main" id="{8A7AADE1-66B5-4040-A491-EA936CD73012}"/>
               </a:ext>
             </a:extLst>
           </p:cNvPr>
@@ -2236,7 +2320,7 @@
     </p:spTree>
     <p:extLst>
       <p:ext uri="{BB962C8B-B14F-4D97-AF65-F5344CB8AC3E}">
-        <p14:creationId xmlns:p14="http://schemas.microsoft.com/office/powerpoint/2010/main" val="1848040265"/>
+        <p14:creationId xmlns:p14="http://schemas.microsoft.com/office/powerpoint/2010/main" val="134439041"/>
       </p:ext>
     </p:extLst>
   </p:cSld>
@@ -2268,7 +2352,7 @@
           <p:cNvPr id="2" name="Title 1">
             <a:extLst>
               <a:ext uri="{FF2B5EF4-FFF2-40B4-BE49-F238E27FC236}">
-                <a16:creationId xmlns:a16="http://schemas.microsoft.com/office/drawing/2014/main" id="{BD370E30-BC99-419F-B20B-99A8B924F27A}"/>
+                <a16:creationId xmlns:a16="http://schemas.microsoft.com/office/drawing/2014/main" id="{6A6BBB2B-2AE4-4C3C-BCCB-64EF58B5560F}"/>
               </a:ext>
             </a:extLst>
           </p:cNvPr>
@@ -2296,7 +2380,7 @@
           <p:cNvPr id="3" name="Content Placeholder 2">
             <a:extLst>
               <a:ext uri="{FF2B5EF4-FFF2-40B4-BE49-F238E27FC236}">
-                <a16:creationId xmlns:a16="http://schemas.microsoft.com/office/drawing/2014/main" id="{F7A86DD6-75F6-4720-BD69-9EA8AFDCD5BC}"/>
+                <a16:creationId xmlns:a16="http://schemas.microsoft.com/office/drawing/2014/main" id="{9CA44EF8-7617-4C9B-B8CE-1FFE0998E5BA}"/>
               </a:ext>
             </a:extLst>
           </p:cNvPr>
@@ -2358,7 +2442,7 @@
           <p:cNvPr id="4" name="Content Placeholder 3">
             <a:extLst>
               <a:ext uri="{FF2B5EF4-FFF2-40B4-BE49-F238E27FC236}">
-                <a16:creationId xmlns:a16="http://schemas.microsoft.com/office/drawing/2014/main" id="{2E1F27B6-5A13-4339-9827-242CD2C093C2}"/>
+                <a16:creationId xmlns:a16="http://schemas.microsoft.com/office/drawing/2014/main" id="{77C27334-0329-4E87-8846-E729CD66A243}"/>
               </a:ext>
             </a:extLst>
           </p:cNvPr>
@@ -2420,7 +2504,7 @@
           <p:cNvPr id="5" name="Date Placeholder 4">
             <a:extLst>
               <a:ext uri="{FF2B5EF4-FFF2-40B4-BE49-F238E27FC236}">
-                <a16:creationId xmlns:a16="http://schemas.microsoft.com/office/drawing/2014/main" id="{0500A199-0BFD-435B-8853-E251FA964C0D}"/>
+                <a16:creationId xmlns:a16="http://schemas.microsoft.com/office/drawing/2014/main" id="{47739559-D3DB-4DF5-9828-35813139F28F}"/>
               </a:ext>
             </a:extLst>
           </p:cNvPr>
@@ -2438,7 +2522,7 @@
           <a:p>
             <a:fld id="{43CEAD56-E5CE-4A48-BE26-3F874B3EFFB2}" type="datetimeFigureOut">
               <a:rPr lang="en-US" smtClean="0"/>
-              <a:t>10/24/2018</a:t>
+              <a:t>10/25/2018</a:t>
             </a:fld>
             <a:endParaRPr lang="en-US"/>
           </a:p>
@@ -2449,7 +2533,7 @@
           <p:cNvPr id="6" name="Footer Placeholder 5">
             <a:extLst>
               <a:ext uri="{FF2B5EF4-FFF2-40B4-BE49-F238E27FC236}">
-                <a16:creationId xmlns:a16="http://schemas.microsoft.com/office/drawing/2014/main" id="{2EDAF3BD-F030-4963-9B4D-DE0284FA9DBA}"/>
+                <a16:creationId xmlns:a16="http://schemas.microsoft.com/office/drawing/2014/main" id="{7C1B35CC-EAB4-4B00-BD12-A45514C7F53D}"/>
               </a:ext>
             </a:extLst>
           </p:cNvPr>
@@ -2474,7 +2558,7 @@
           <p:cNvPr id="7" name="Slide Number Placeholder 6">
             <a:extLst>
               <a:ext uri="{FF2B5EF4-FFF2-40B4-BE49-F238E27FC236}">
-                <a16:creationId xmlns:a16="http://schemas.microsoft.com/office/drawing/2014/main" id="{2F28FC9B-24E8-476B-8EA9-278A81CC814C}"/>
+                <a16:creationId xmlns:a16="http://schemas.microsoft.com/office/drawing/2014/main" id="{F138E135-CA40-4987-B16F-F82A7B224351}"/>
               </a:ext>
             </a:extLst>
           </p:cNvPr>
@@ -2501,7 +2585,7 @@
     </p:spTree>
     <p:extLst>
       <p:ext uri="{BB962C8B-B14F-4D97-AF65-F5344CB8AC3E}">
-        <p14:creationId xmlns:p14="http://schemas.microsoft.com/office/powerpoint/2010/main" val="1635436613"/>
+        <p14:creationId xmlns:p14="http://schemas.microsoft.com/office/powerpoint/2010/main" val="3750254291"/>
       </p:ext>
     </p:extLst>
   </p:cSld>
@@ -2533,7 +2617,7 @@
           <p:cNvPr id="2" name="Title 1">
             <a:extLst>
               <a:ext uri="{FF2B5EF4-FFF2-40B4-BE49-F238E27FC236}">
-                <a16:creationId xmlns:a16="http://schemas.microsoft.com/office/drawing/2014/main" id="{0F71E4E3-5A5C-4D0C-89B5-1A779F52B94B}"/>
+                <a16:creationId xmlns:a16="http://schemas.microsoft.com/office/drawing/2014/main" id="{CDF1FE84-5043-4FB3-90D1-A68220C9CC7C}"/>
               </a:ext>
             </a:extLst>
           </p:cNvPr>
@@ -2566,7 +2650,7 @@
           <p:cNvPr id="3" name="Text Placeholder 2">
             <a:extLst>
               <a:ext uri="{FF2B5EF4-FFF2-40B4-BE49-F238E27FC236}">
-                <a16:creationId xmlns:a16="http://schemas.microsoft.com/office/drawing/2014/main" id="{8BEC8857-DA8C-4344-9865-DDC8F7D02391}"/>
+                <a16:creationId xmlns:a16="http://schemas.microsoft.com/office/drawing/2014/main" id="{6A415D7D-57C6-42AF-8DAA-28AC9665BA08}"/>
               </a:ext>
             </a:extLst>
           </p:cNvPr>
@@ -2637,7 +2721,7 @@
           <p:cNvPr id="4" name="Content Placeholder 3">
             <a:extLst>
               <a:ext uri="{FF2B5EF4-FFF2-40B4-BE49-F238E27FC236}">
-                <a16:creationId xmlns:a16="http://schemas.microsoft.com/office/drawing/2014/main" id="{9114E18C-7619-4081-9417-0AFA00BB6CD6}"/>
+                <a16:creationId xmlns:a16="http://schemas.microsoft.com/office/drawing/2014/main" id="{05DA166A-BB30-439B-8634-7F0CEC2FEC07}"/>
               </a:ext>
             </a:extLst>
           </p:cNvPr>
@@ -2699,7 +2783,7 @@
           <p:cNvPr id="5" name="Text Placeholder 4">
             <a:extLst>
               <a:ext uri="{FF2B5EF4-FFF2-40B4-BE49-F238E27FC236}">
-                <a16:creationId xmlns:a16="http://schemas.microsoft.com/office/drawing/2014/main" id="{A18B93C0-2C63-4717-AC82-D4D6525949D0}"/>
+                <a16:creationId xmlns:a16="http://schemas.microsoft.com/office/drawing/2014/main" id="{DE8E7921-A9C5-4535-97D9-BC847906E7E0}"/>
               </a:ext>
             </a:extLst>
           </p:cNvPr>
@@ -2770,7 +2854,7 @@
           <p:cNvPr id="6" name="Content Placeholder 5">
             <a:extLst>
               <a:ext uri="{FF2B5EF4-FFF2-40B4-BE49-F238E27FC236}">
-                <a16:creationId xmlns:a16="http://schemas.microsoft.com/office/drawing/2014/main" id="{FF965ECB-4E31-466C-8D0F-E4F2B005C606}"/>
+                <a16:creationId xmlns:a16="http://schemas.microsoft.com/office/drawing/2014/main" id="{88DDA552-E26C-4625-B5CB-F502D9FB5A26}"/>
               </a:ext>
             </a:extLst>
           </p:cNvPr>
@@ -2832,7 +2916,7 @@
           <p:cNvPr id="7" name="Date Placeholder 6">
             <a:extLst>
               <a:ext uri="{FF2B5EF4-FFF2-40B4-BE49-F238E27FC236}">
-                <a16:creationId xmlns:a16="http://schemas.microsoft.com/office/drawing/2014/main" id="{FA76C466-3255-47D0-9E37-DFDA49345D6A}"/>
+                <a16:creationId xmlns:a16="http://schemas.microsoft.com/office/drawing/2014/main" id="{17F4FEF0-02F9-4D88-9494-4F3109B6BCDB}"/>
               </a:ext>
             </a:extLst>
           </p:cNvPr>
@@ -2850,7 +2934,7 @@
           <a:p>
             <a:fld id="{43CEAD56-E5CE-4A48-BE26-3F874B3EFFB2}" type="datetimeFigureOut">
               <a:rPr lang="en-US" smtClean="0"/>
-              <a:t>10/24/2018</a:t>
+              <a:t>10/25/2018</a:t>
             </a:fld>
             <a:endParaRPr lang="en-US"/>
           </a:p>
@@ -2861,7 +2945,7 @@
           <p:cNvPr id="8" name="Footer Placeholder 7">
             <a:extLst>
               <a:ext uri="{FF2B5EF4-FFF2-40B4-BE49-F238E27FC236}">
-                <a16:creationId xmlns:a16="http://schemas.microsoft.com/office/drawing/2014/main" id="{60F40B7F-38F7-4E26-BCA6-60830A5AEF75}"/>
+                <a16:creationId xmlns:a16="http://schemas.microsoft.com/office/drawing/2014/main" id="{D6C8F848-4294-44C2-871F-256B4E495AFF}"/>
               </a:ext>
             </a:extLst>
           </p:cNvPr>
@@ -2886,7 +2970,7 @@
           <p:cNvPr id="9" name="Slide Number Placeholder 8">
             <a:extLst>
               <a:ext uri="{FF2B5EF4-FFF2-40B4-BE49-F238E27FC236}">
-                <a16:creationId xmlns:a16="http://schemas.microsoft.com/office/drawing/2014/main" id="{F25BF69D-9308-4455-9EEF-AE51A9B48114}"/>
+                <a16:creationId xmlns:a16="http://schemas.microsoft.com/office/drawing/2014/main" id="{811DF4AE-E05C-4C58-BCB4-8E48B2BC3424}"/>
               </a:ext>
             </a:extLst>
           </p:cNvPr>
@@ -2913,7 +2997,7 @@
     </p:spTree>
     <p:extLst>
       <p:ext uri="{BB962C8B-B14F-4D97-AF65-F5344CB8AC3E}">
-        <p14:creationId xmlns:p14="http://schemas.microsoft.com/office/powerpoint/2010/main" val="626933865"/>
+        <p14:creationId xmlns:p14="http://schemas.microsoft.com/office/powerpoint/2010/main" val="2251006651"/>
       </p:ext>
     </p:extLst>
   </p:cSld>
@@ -2945,7 +3029,7 @@
           <p:cNvPr id="2" name="Title 1">
             <a:extLst>
               <a:ext uri="{FF2B5EF4-FFF2-40B4-BE49-F238E27FC236}">
-                <a16:creationId xmlns:a16="http://schemas.microsoft.com/office/drawing/2014/main" id="{DFD5095D-EC49-460F-928D-67384BF1C5A4}"/>
+                <a16:creationId xmlns:a16="http://schemas.microsoft.com/office/drawing/2014/main" id="{D9EF4ADA-7D87-4F08-AC95-6ECB0D4454F5}"/>
               </a:ext>
             </a:extLst>
           </p:cNvPr>
@@ -2973,7 +3057,7 @@
           <p:cNvPr id="3" name="Date Placeholder 2">
             <a:extLst>
               <a:ext uri="{FF2B5EF4-FFF2-40B4-BE49-F238E27FC236}">
-                <a16:creationId xmlns:a16="http://schemas.microsoft.com/office/drawing/2014/main" id="{7AE5C1A1-7DF8-43A4-AB39-1801ACE8B5A5}"/>
+                <a16:creationId xmlns:a16="http://schemas.microsoft.com/office/drawing/2014/main" id="{468B6DBB-F685-4ECF-8432-7066E27C68F8}"/>
               </a:ext>
             </a:extLst>
           </p:cNvPr>
@@ -2991,7 +3075,7 @@
           <a:p>
             <a:fld id="{43CEAD56-E5CE-4A48-BE26-3F874B3EFFB2}" type="datetimeFigureOut">
               <a:rPr lang="en-US" smtClean="0"/>
-              <a:t>10/24/2018</a:t>
+              <a:t>10/25/2018</a:t>
             </a:fld>
             <a:endParaRPr lang="en-US"/>
           </a:p>
@@ -3002,7 +3086,7 @@
           <p:cNvPr id="4" name="Footer Placeholder 3">
             <a:extLst>
               <a:ext uri="{FF2B5EF4-FFF2-40B4-BE49-F238E27FC236}">
-                <a16:creationId xmlns:a16="http://schemas.microsoft.com/office/drawing/2014/main" id="{5987A75C-E0D2-43AF-ADEC-2C1E0C2D5CCE}"/>
+                <a16:creationId xmlns:a16="http://schemas.microsoft.com/office/drawing/2014/main" id="{821B579E-E71F-4B93-83F3-79DB15CE22E0}"/>
               </a:ext>
             </a:extLst>
           </p:cNvPr>
@@ -3027,7 +3111,7 @@
           <p:cNvPr id="5" name="Slide Number Placeholder 4">
             <a:extLst>
               <a:ext uri="{FF2B5EF4-FFF2-40B4-BE49-F238E27FC236}">
-                <a16:creationId xmlns:a16="http://schemas.microsoft.com/office/drawing/2014/main" id="{9553D0AD-E56E-4CE8-908D-DE0E2CF849C0}"/>
+                <a16:creationId xmlns:a16="http://schemas.microsoft.com/office/drawing/2014/main" id="{5F73CC85-E405-43F1-A45F-088AD399149C}"/>
               </a:ext>
             </a:extLst>
           </p:cNvPr>
@@ -3054,7 +3138,7 @@
     </p:spTree>
     <p:extLst>
       <p:ext uri="{BB962C8B-B14F-4D97-AF65-F5344CB8AC3E}">
-        <p14:creationId xmlns:p14="http://schemas.microsoft.com/office/powerpoint/2010/main" val="2883067251"/>
+        <p14:creationId xmlns:p14="http://schemas.microsoft.com/office/powerpoint/2010/main" val="2751137425"/>
       </p:ext>
     </p:extLst>
   </p:cSld>
@@ -3086,7 +3170,7 @@
           <p:cNvPr id="2" name="Date Placeholder 1">
             <a:extLst>
               <a:ext uri="{FF2B5EF4-FFF2-40B4-BE49-F238E27FC236}">
-                <a16:creationId xmlns:a16="http://schemas.microsoft.com/office/drawing/2014/main" id="{CA028CA5-13F0-4611-AE48-040330822A22}"/>
+                <a16:creationId xmlns:a16="http://schemas.microsoft.com/office/drawing/2014/main" id="{BD8F2744-9A09-4A3A-81CB-C2355FF88B21}"/>
               </a:ext>
             </a:extLst>
           </p:cNvPr>
@@ -3104,7 +3188,7 @@
           <a:p>
             <a:fld id="{43CEAD56-E5CE-4A48-BE26-3F874B3EFFB2}" type="datetimeFigureOut">
               <a:rPr lang="en-US" smtClean="0"/>
-              <a:t>10/24/2018</a:t>
+              <a:t>10/25/2018</a:t>
             </a:fld>
             <a:endParaRPr lang="en-US"/>
           </a:p>
@@ -3115,7 +3199,7 @@
           <p:cNvPr id="3" name="Footer Placeholder 2">
             <a:extLst>
               <a:ext uri="{FF2B5EF4-FFF2-40B4-BE49-F238E27FC236}">
-                <a16:creationId xmlns:a16="http://schemas.microsoft.com/office/drawing/2014/main" id="{1D10BC7B-9807-4005-8219-3A8D732A0C0B}"/>
+                <a16:creationId xmlns:a16="http://schemas.microsoft.com/office/drawing/2014/main" id="{E93BD100-7C63-48C4-B9EC-15E3B668FDCB}"/>
               </a:ext>
             </a:extLst>
           </p:cNvPr>
@@ -3140,7 +3224,7 @@
           <p:cNvPr id="4" name="Slide Number Placeholder 3">
             <a:extLst>
               <a:ext uri="{FF2B5EF4-FFF2-40B4-BE49-F238E27FC236}">
-                <a16:creationId xmlns:a16="http://schemas.microsoft.com/office/drawing/2014/main" id="{E4C4EE15-5B44-48E9-BE4D-57B5FCE0F256}"/>
+                <a16:creationId xmlns:a16="http://schemas.microsoft.com/office/drawing/2014/main" id="{7BCBAAA7-9A70-431A-AF0D-91635362EA60}"/>
               </a:ext>
             </a:extLst>
           </p:cNvPr>
@@ -3167,7 +3251,7 @@
     </p:spTree>
     <p:extLst>
       <p:ext uri="{BB962C8B-B14F-4D97-AF65-F5344CB8AC3E}">
-        <p14:creationId xmlns:p14="http://schemas.microsoft.com/office/powerpoint/2010/main" val="1439787638"/>
+        <p14:creationId xmlns:p14="http://schemas.microsoft.com/office/powerpoint/2010/main" val="3034056471"/>
       </p:ext>
     </p:extLst>
   </p:cSld>
@@ -3199,7 +3283,7 @@
           <p:cNvPr id="2" name="Title 1">
             <a:extLst>
               <a:ext uri="{FF2B5EF4-FFF2-40B4-BE49-F238E27FC236}">
-                <a16:creationId xmlns:a16="http://schemas.microsoft.com/office/drawing/2014/main" id="{B5D3FB5F-2D46-40BD-B1EC-69896A53E1C9}"/>
+                <a16:creationId xmlns:a16="http://schemas.microsoft.com/office/drawing/2014/main" id="{43B98785-FF9C-40EE-96C5-4156E76FECDE}"/>
               </a:ext>
             </a:extLst>
           </p:cNvPr>
@@ -3236,7 +3320,7 @@
           <p:cNvPr id="3" name="Content Placeholder 2">
             <a:extLst>
               <a:ext uri="{FF2B5EF4-FFF2-40B4-BE49-F238E27FC236}">
-                <a16:creationId xmlns:a16="http://schemas.microsoft.com/office/drawing/2014/main" id="{413F67DE-F302-4D0C-8BB6-0363A0F226B8}"/>
+                <a16:creationId xmlns:a16="http://schemas.microsoft.com/office/drawing/2014/main" id="{094331A7-B85A-437F-B546-E951C8612C14}"/>
               </a:ext>
             </a:extLst>
           </p:cNvPr>
@@ -3326,7 +3410,7 @@
           <p:cNvPr id="4" name="Text Placeholder 3">
             <a:extLst>
               <a:ext uri="{FF2B5EF4-FFF2-40B4-BE49-F238E27FC236}">
-                <a16:creationId xmlns:a16="http://schemas.microsoft.com/office/drawing/2014/main" id="{D62894C8-99A6-4CC6-BA5C-164BC7FE1EC0}"/>
+                <a16:creationId xmlns:a16="http://schemas.microsoft.com/office/drawing/2014/main" id="{AF034E88-6139-40D2-AE10-7757907A3716}"/>
               </a:ext>
             </a:extLst>
           </p:cNvPr>
@@ -3397,7 +3481,7 @@
           <p:cNvPr id="5" name="Date Placeholder 4">
             <a:extLst>
               <a:ext uri="{FF2B5EF4-FFF2-40B4-BE49-F238E27FC236}">
-                <a16:creationId xmlns:a16="http://schemas.microsoft.com/office/drawing/2014/main" id="{D51FC759-AC48-4F8E-9E54-153DAFCE05AC}"/>
+                <a16:creationId xmlns:a16="http://schemas.microsoft.com/office/drawing/2014/main" id="{C75B43E8-9518-46F1-9326-18E8DA3EB411}"/>
               </a:ext>
             </a:extLst>
           </p:cNvPr>
@@ -3415,7 +3499,7 @@
           <a:p>
             <a:fld id="{43CEAD56-E5CE-4A48-BE26-3F874B3EFFB2}" type="datetimeFigureOut">
               <a:rPr lang="en-US" smtClean="0"/>
-              <a:t>10/24/2018</a:t>
+              <a:t>10/25/2018</a:t>
             </a:fld>
             <a:endParaRPr lang="en-US"/>
           </a:p>
@@ -3426,7 +3510,7 @@
           <p:cNvPr id="6" name="Footer Placeholder 5">
             <a:extLst>
               <a:ext uri="{FF2B5EF4-FFF2-40B4-BE49-F238E27FC236}">
-                <a16:creationId xmlns:a16="http://schemas.microsoft.com/office/drawing/2014/main" id="{56235A42-5080-41B0-96E2-918F0499E7FC}"/>
+                <a16:creationId xmlns:a16="http://schemas.microsoft.com/office/drawing/2014/main" id="{50FD5361-30DF-4949-8508-01B18AE495C5}"/>
               </a:ext>
             </a:extLst>
           </p:cNvPr>
@@ -3451,7 +3535,7 @@
           <p:cNvPr id="7" name="Slide Number Placeholder 6">
             <a:extLst>
               <a:ext uri="{FF2B5EF4-FFF2-40B4-BE49-F238E27FC236}">
-                <a16:creationId xmlns:a16="http://schemas.microsoft.com/office/drawing/2014/main" id="{0132E0C8-66A7-4FD5-8F64-E46FBB08E965}"/>
+                <a16:creationId xmlns:a16="http://schemas.microsoft.com/office/drawing/2014/main" id="{2CF2A971-4769-45F0-A0D3-C194BD253DC2}"/>
               </a:ext>
             </a:extLst>
           </p:cNvPr>
@@ -3478,7 +3562,7 @@
     </p:spTree>
     <p:extLst>
       <p:ext uri="{BB962C8B-B14F-4D97-AF65-F5344CB8AC3E}">
-        <p14:creationId xmlns:p14="http://schemas.microsoft.com/office/powerpoint/2010/main" val="3162862313"/>
+        <p14:creationId xmlns:p14="http://schemas.microsoft.com/office/powerpoint/2010/main" val="624882859"/>
       </p:ext>
     </p:extLst>
   </p:cSld>
@@ -3510,7 +3594,7 @@
           <p:cNvPr id="2" name="Title 1">
             <a:extLst>
               <a:ext uri="{FF2B5EF4-FFF2-40B4-BE49-F238E27FC236}">
-                <a16:creationId xmlns:a16="http://schemas.microsoft.com/office/drawing/2014/main" id="{FBDF9722-6B31-4F43-8844-6FA5D71D0EC8}"/>
+                <a16:creationId xmlns:a16="http://schemas.microsoft.com/office/drawing/2014/main" id="{1DCB8260-8A27-4A3B-AADC-0D418F9E7BD8}"/>
               </a:ext>
             </a:extLst>
           </p:cNvPr>
@@ -3547,7 +3631,7 @@
           <p:cNvPr id="3" name="Picture Placeholder 2">
             <a:extLst>
               <a:ext uri="{FF2B5EF4-FFF2-40B4-BE49-F238E27FC236}">
-                <a16:creationId xmlns:a16="http://schemas.microsoft.com/office/drawing/2014/main" id="{E1A3055F-F681-4828-A3E0-2B6E173CF4AA}"/>
+                <a16:creationId xmlns:a16="http://schemas.microsoft.com/office/drawing/2014/main" id="{0A9CAAA9-4A28-480F-89AB-CC5B92121659}"/>
               </a:ext>
             </a:extLst>
           </p:cNvPr>
@@ -3614,7 +3698,7 @@
           <p:cNvPr id="4" name="Text Placeholder 3">
             <a:extLst>
               <a:ext uri="{FF2B5EF4-FFF2-40B4-BE49-F238E27FC236}">
-                <a16:creationId xmlns:a16="http://schemas.microsoft.com/office/drawing/2014/main" id="{B7B159A9-C15B-4B14-B4CC-AD5E17D9CFA7}"/>
+                <a16:creationId xmlns:a16="http://schemas.microsoft.com/office/drawing/2014/main" id="{E0C3FCFF-8324-4EFE-93F0-7698288B14F6}"/>
               </a:ext>
             </a:extLst>
           </p:cNvPr>
@@ -3685,7 +3769,7 @@
           <p:cNvPr id="5" name="Date Placeholder 4">
             <a:extLst>
               <a:ext uri="{FF2B5EF4-FFF2-40B4-BE49-F238E27FC236}">
-                <a16:creationId xmlns:a16="http://schemas.microsoft.com/office/drawing/2014/main" id="{18DB940C-254C-4068-AA22-E999FF6AF331}"/>
+                <a16:creationId xmlns:a16="http://schemas.microsoft.com/office/drawing/2014/main" id="{5D146B3F-4EB5-474C-966A-E217E0B01CFF}"/>
               </a:ext>
             </a:extLst>
           </p:cNvPr>
@@ -3703,7 +3787,7 @@
           <a:p>
             <a:fld id="{43CEAD56-E5CE-4A48-BE26-3F874B3EFFB2}" type="datetimeFigureOut">
               <a:rPr lang="en-US" smtClean="0"/>
-              <a:t>10/24/2018</a:t>
+              <a:t>10/25/2018</a:t>
             </a:fld>
             <a:endParaRPr lang="en-US"/>
           </a:p>
@@ -3714,7 +3798,7 @@
           <p:cNvPr id="6" name="Footer Placeholder 5">
             <a:extLst>
               <a:ext uri="{FF2B5EF4-FFF2-40B4-BE49-F238E27FC236}">
-                <a16:creationId xmlns:a16="http://schemas.microsoft.com/office/drawing/2014/main" id="{E1785F6C-141E-460A-ABBA-E1F88757D9AD}"/>
+                <a16:creationId xmlns:a16="http://schemas.microsoft.com/office/drawing/2014/main" id="{9612E246-210E-4874-9A38-5A68CDAE9BB4}"/>
               </a:ext>
             </a:extLst>
           </p:cNvPr>
@@ -3739,7 +3823,7 @@
           <p:cNvPr id="7" name="Slide Number Placeholder 6">
             <a:extLst>
               <a:ext uri="{FF2B5EF4-FFF2-40B4-BE49-F238E27FC236}">
-                <a16:creationId xmlns:a16="http://schemas.microsoft.com/office/drawing/2014/main" id="{AF40B232-DA99-40A3-9E4B-EC9A313CBC58}"/>
+                <a16:creationId xmlns:a16="http://schemas.microsoft.com/office/drawing/2014/main" id="{DF1020F8-919F-4DBE-8348-1A327A4BC801}"/>
               </a:ext>
             </a:extLst>
           </p:cNvPr>
@@ -3766,7 +3850,7 @@
     </p:spTree>
     <p:extLst>
       <p:ext uri="{BB962C8B-B14F-4D97-AF65-F5344CB8AC3E}">
-        <p14:creationId xmlns:p14="http://schemas.microsoft.com/office/powerpoint/2010/main" val="1964011052"/>
+        <p14:creationId xmlns:p14="http://schemas.microsoft.com/office/powerpoint/2010/main" val="1634133715"/>
       </p:ext>
     </p:extLst>
   </p:cSld>
@@ -3803,7 +3887,7 @@
           <p:cNvPr id="2" name="Title Placeholder 1">
             <a:extLst>
               <a:ext uri="{FF2B5EF4-FFF2-40B4-BE49-F238E27FC236}">
-                <a16:creationId xmlns:a16="http://schemas.microsoft.com/office/drawing/2014/main" id="{22E93C2A-753E-456C-8C84-B5984DF5B446}"/>
+                <a16:creationId xmlns:a16="http://schemas.microsoft.com/office/drawing/2014/main" id="{77BE0C88-9068-4B00-BF05-3EA4EEB36348}"/>
               </a:ext>
             </a:extLst>
           </p:cNvPr>
@@ -3841,7 +3925,7 @@
           <p:cNvPr id="3" name="Text Placeholder 2">
             <a:extLst>
               <a:ext uri="{FF2B5EF4-FFF2-40B4-BE49-F238E27FC236}">
-                <a16:creationId xmlns:a16="http://schemas.microsoft.com/office/drawing/2014/main" id="{ED02B75F-78B7-4083-9BDE-BDCF2E9C6110}"/>
+                <a16:creationId xmlns:a16="http://schemas.microsoft.com/office/drawing/2014/main" id="{682C6975-5406-453F-A3DF-7169DE295019}"/>
               </a:ext>
             </a:extLst>
           </p:cNvPr>
@@ -3908,7 +3992,7 @@
           <p:cNvPr id="4" name="Date Placeholder 3">
             <a:extLst>
               <a:ext uri="{FF2B5EF4-FFF2-40B4-BE49-F238E27FC236}">
-                <a16:creationId xmlns:a16="http://schemas.microsoft.com/office/drawing/2014/main" id="{14EDD2ED-1E44-4EB4-87EA-E417381BC572}"/>
+                <a16:creationId xmlns:a16="http://schemas.microsoft.com/office/drawing/2014/main" id="{603658DA-7F2A-4184-9536-1CCD65D1E3B7}"/>
               </a:ext>
             </a:extLst>
           </p:cNvPr>
@@ -3944,7 +4028,7 @@
           <a:p>
             <a:fld id="{43CEAD56-E5CE-4A48-BE26-3F874B3EFFB2}" type="datetimeFigureOut">
               <a:rPr lang="en-US" smtClean="0"/>
-              <a:t>10/24/2018</a:t>
+              <a:t>10/25/2018</a:t>
             </a:fld>
             <a:endParaRPr lang="en-US"/>
           </a:p>
@@ -3955,7 +4039,7 @@
           <p:cNvPr id="5" name="Footer Placeholder 4">
             <a:extLst>
               <a:ext uri="{FF2B5EF4-FFF2-40B4-BE49-F238E27FC236}">
-                <a16:creationId xmlns:a16="http://schemas.microsoft.com/office/drawing/2014/main" id="{375FF47C-3C8A-4991-9246-88D3F1A9F793}"/>
+                <a16:creationId xmlns:a16="http://schemas.microsoft.com/office/drawing/2014/main" id="{A5B6B6C9-3028-4ADF-81FA-CB1511723C17}"/>
               </a:ext>
             </a:extLst>
           </p:cNvPr>
@@ -3998,7 +4082,7 @@
           <p:cNvPr id="6" name="Slide Number Placeholder 5">
             <a:extLst>
               <a:ext uri="{FF2B5EF4-FFF2-40B4-BE49-F238E27FC236}">
-                <a16:creationId xmlns:a16="http://schemas.microsoft.com/office/drawing/2014/main" id="{88FC58EC-EB4F-4827-BEC5-0EBF23E2BF1C}"/>
+                <a16:creationId xmlns:a16="http://schemas.microsoft.com/office/drawing/2014/main" id="{C1317902-2357-4FCC-B113-F8E32ABDC757}"/>
               </a:ext>
             </a:extLst>
           </p:cNvPr>
@@ -4043,23 +4127,23 @@
     </p:spTree>
     <p:extLst>
       <p:ext uri="{BB962C8B-B14F-4D97-AF65-F5344CB8AC3E}">
-        <p14:creationId xmlns:p14="http://schemas.microsoft.com/office/powerpoint/2010/main" val="3342743368"/>
+        <p14:creationId xmlns:p14="http://schemas.microsoft.com/office/powerpoint/2010/main" val="673523143"/>
       </p:ext>
     </p:extLst>
   </p:cSld>
   <p:clrMap bg1="lt1" tx1="dk1" bg2="lt2" tx2="dk2" accent1="accent1" accent2="accent2" accent3="accent3" accent4="accent4" accent5="accent5" accent6="accent6" hlink="hlink" folHlink="folHlink"/>
   <p:sldLayoutIdLst>
-    <p:sldLayoutId id="2147483673" r:id="rId1"/>
-    <p:sldLayoutId id="2147483674" r:id="rId2"/>
-    <p:sldLayoutId id="2147483675" r:id="rId3"/>
-    <p:sldLayoutId id="2147483676" r:id="rId4"/>
-    <p:sldLayoutId id="2147483677" r:id="rId5"/>
-    <p:sldLayoutId id="2147483678" r:id="rId6"/>
-    <p:sldLayoutId id="2147483679" r:id="rId7"/>
-    <p:sldLayoutId id="2147483680" r:id="rId8"/>
-    <p:sldLayoutId id="2147483681" r:id="rId9"/>
-    <p:sldLayoutId id="2147483682" r:id="rId10"/>
-    <p:sldLayoutId id="2147483683" r:id="rId11"/>
+    <p:sldLayoutId id="2147483697" r:id="rId1"/>
+    <p:sldLayoutId id="2147483698" r:id="rId2"/>
+    <p:sldLayoutId id="2147483699" r:id="rId3"/>
+    <p:sldLayoutId id="2147483700" r:id="rId4"/>
+    <p:sldLayoutId id="2147483701" r:id="rId5"/>
+    <p:sldLayoutId id="2147483702" r:id="rId6"/>
+    <p:sldLayoutId id="2147483703" r:id="rId7"/>
+    <p:sldLayoutId id="2147483704" r:id="rId8"/>
+    <p:sldLayoutId id="2147483705" r:id="rId9"/>
+    <p:sldLayoutId id="2147483706" r:id="rId10"/>
+    <p:sldLayoutId id="2147483707" r:id="rId11"/>
   </p:sldLayoutIdLst>
   <p:txStyles>
     <p:titleStyle>
@@ -4452,6 +4536,401 @@
           <p:cNvPr id="2" name="Title 1">
             <a:extLst>
               <a:ext uri="{FF2B5EF4-FFF2-40B4-BE49-F238E27FC236}">
+                <a16:creationId xmlns:a16="http://schemas.microsoft.com/office/drawing/2014/main" id="{686C4237-8385-439A-86D4-DF3515A0EB4D}"/>
+              </a:ext>
+            </a:extLst>
+          </p:cNvPr>
+          <p:cNvSpPr>
+            <a:spLocks noGrp="1"/>
+          </p:cNvSpPr>
+          <p:nvPr>
+            <p:ph type="title"/>
+          </p:nvPr>
+        </p:nvSpPr>
+        <p:spPr>
+          <a:xfrm>
+            <a:off x="838200" y="365125"/>
+            <a:ext cx="10515600" cy="1325563"/>
+          </a:xfrm>
+        </p:spPr>
+        <p:txBody>
+          <a:bodyPr/>
+          <a:lstStyle/>
+          <a:p>
+            <a:r>
+              <a:rPr lang="en-US" dirty="0"/>
+              <a:t>History Plots</a:t>
+            </a:r>
+          </a:p>
+        </p:txBody>
+      </p:sp>
+      <p:pic>
+        <p:nvPicPr>
+          <p:cNvPr id="3" name="Picture 2">
+            <a:extLst>
+              <a:ext uri="{FF2B5EF4-FFF2-40B4-BE49-F238E27FC236}">
+                <a16:creationId xmlns:a16="http://schemas.microsoft.com/office/drawing/2014/main" id="{01EE7A77-4376-450F-8C0E-A607950184F6}"/>
+              </a:ext>
+            </a:extLst>
+          </p:cNvPr>
+          <p:cNvPicPr>
+            <a:picLocks noChangeAspect="1"/>
+          </p:cNvPicPr>
+          <p:nvPr/>
+        </p:nvPicPr>
+        <p:blipFill>
+          <a:blip r:embed="rId2"/>
+          <a:stretch>
+            <a:fillRect/>
+          </a:stretch>
+        </p:blipFill>
+        <p:spPr>
+          <a:xfrm>
+            <a:off x="451155" y="1349191"/>
+            <a:ext cx="3473992" cy="2420043"/>
+          </a:xfrm>
+          <a:prstGeom prst="rect">
+            <a:avLst/>
+          </a:prstGeom>
+        </p:spPr>
+      </p:pic>
+      <p:pic>
+        <p:nvPicPr>
+          <p:cNvPr id="4" name="Picture 3">
+            <a:extLst>
+              <a:ext uri="{FF2B5EF4-FFF2-40B4-BE49-F238E27FC236}">
+                <a16:creationId xmlns:a16="http://schemas.microsoft.com/office/drawing/2014/main" id="{70D5F3BB-1A80-454D-988D-E1D4750E90D9}"/>
+              </a:ext>
+            </a:extLst>
+          </p:cNvPr>
+          <p:cNvPicPr>
+            <a:picLocks noChangeAspect="1"/>
+          </p:cNvPicPr>
+          <p:nvPr/>
+        </p:nvPicPr>
+        <p:blipFill>
+          <a:blip r:embed="rId3"/>
+          <a:stretch>
+            <a:fillRect/>
+          </a:stretch>
+        </p:blipFill>
+        <p:spPr>
+          <a:xfrm>
+            <a:off x="4117202" y="1348137"/>
+            <a:ext cx="3620884" cy="2420043"/>
+          </a:xfrm>
+          <a:prstGeom prst="rect">
+            <a:avLst/>
+          </a:prstGeom>
+        </p:spPr>
+      </p:pic>
+      <p:pic>
+        <p:nvPicPr>
+          <p:cNvPr id="5" name="Picture 4">
+            <a:extLst>
+              <a:ext uri="{FF2B5EF4-FFF2-40B4-BE49-F238E27FC236}">
+                <a16:creationId xmlns:a16="http://schemas.microsoft.com/office/drawing/2014/main" id="{1BA517AD-6F2D-482B-A2A2-DBFCFE917F50}"/>
+              </a:ext>
+            </a:extLst>
+          </p:cNvPr>
+          <p:cNvPicPr>
+            <a:picLocks noChangeAspect="1"/>
+          </p:cNvPicPr>
+          <p:nvPr/>
+        </p:nvPicPr>
+        <p:blipFill>
+          <a:blip r:embed="rId4"/>
+          <a:stretch>
+            <a:fillRect/>
+          </a:stretch>
+        </p:blipFill>
+        <p:spPr>
+          <a:xfrm>
+            <a:off x="7947005" y="1348136"/>
+            <a:ext cx="3598850" cy="2420043"/>
+          </a:xfrm>
+          <a:prstGeom prst="rect">
+            <a:avLst/>
+          </a:prstGeom>
+        </p:spPr>
+      </p:pic>
+      <p:pic>
+        <p:nvPicPr>
+          <p:cNvPr id="6" name="Picture 5">
+            <a:extLst>
+              <a:ext uri="{FF2B5EF4-FFF2-40B4-BE49-F238E27FC236}">
+                <a16:creationId xmlns:a16="http://schemas.microsoft.com/office/drawing/2014/main" id="{4AFDAC70-70FF-4429-A93D-5C9D453C73D3}"/>
+              </a:ext>
+            </a:extLst>
+          </p:cNvPr>
+          <p:cNvPicPr>
+            <a:picLocks noChangeAspect="1"/>
+          </p:cNvPicPr>
+          <p:nvPr/>
+        </p:nvPicPr>
+        <p:blipFill>
+          <a:blip r:embed="rId5"/>
+          <a:stretch>
+            <a:fillRect/>
+          </a:stretch>
+        </p:blipFill>
+        <p:spPr>
+          <a:xfrm>
+            <a:off x="2156936" y="4259095"/>
+            <a:ext cx="3536421" cy="2420043"/>
+          </a:xfrm>
+          <a:prstGeom prst="rect">
+            <a:avLst/>
+          </a:prstGeom>
+        </p:spPr>
+      </p:pic>
+      <p:pic>
+        <p:nvPicPr>
+          <p:cNvPr id="7" name="Picture 6">
+            <a:extLst>
+              <a:ext uri="{FF2B5EF4-FFF2-40B4-BE49-F238E27FC236}">
+                <a16:creationId xmlns:a16="http://schemas.microsoft.com/office/drawing/2014/main" id="{DA3E2F94-9BEE-4A5A-9D8F-3714FCD52832}"/>
+              </a:ext>
+            </a:extLst>
+          </p:cNvPr>
+          <p:cNvPicPr>
+            <a:picLocks noChangeAspect="1"/>
+          </p:cNvPicPr>
+          <p:nvPr/>
+        </p:nvPicPr>
+        <p:blipFill>
+          <a:blip r:embed="rId6"/>
+          <a:stretch>
+            <a:fillRect/>
+          </a:stretch>
+        </p:blipFill>
+        <p:spPr>
+          <a:xfrm>
+            <a:off x="6178794" y="4259094"/>
+            <a:ext cx="3536421" cy="2420043"/>
+          </a:xfrm>
+          <a:prstGeom prst="rect">
+            <a:avLst/>
+          </a:prstGeom>
+        </p:spPr>
+      </p:pic>
+      <p:sp>
+        <p:nvSpPr>
+          <p:cNvPr id="8" name="TextBox 7">
+            <a:extLst>
+              <a:ext uri="{FF2B5EF4-FFF2-40B4-BE49-F238E27FC236}">
+                <a16:creationId xmlns:a16="http://schemas.microsoft.com/office/drawing/2014/main" id="{DD194B80-F244-40FF-A5C8-55B989FC9477}"/>
+              </a:ext>
+            </a:extLst>
+          </p:cNvPr>
+          <p:cNvSpPr txBox="1"/>
+          <p:nvPr/>
+        </p:nvSpPr>
+        <p:spPr>
+          <a:xfrm>
+            <a:off x="1661041" y="3887150"/>
+            <a:ext cx="724878" cy="369332"/>
+          </a:xfrm>
+          <a:prstGeom prst="rect">
+            <a:avLst/>
+          </a:prstGeom>
+          <a:noFill/>
+        </p:spPr>
+        <p:txBody>
+          <a:bodyPr wrap="none" rtlCol="0">
+            <a:spAutoFit/>
+          </a:bodyPr>
+          <a:lstStyle/>
+          <a:p>
+            <a:r>
+              <a:rPr lang="en-US" dirty="0"/>
+              <a:t>Alpha</a:t>
+            </a:r>
+          </a:p>
+        </p:txBody>
+      </p:sp>
+      <p:sp>
+        <p:nvSpPr>
+          <p:cNvPr id="21" name="TextBox 20">
+            <a:extLst>
+              <a:ext uri="{FF2B5EF4-FFF2-40B4-BE49-F238E27FC236}">
+                <a16:creationId xmlns:a16="http://schemas.microsoft.com/office/drawing/2014/main" id="{C95CBA2A-2779-420C-9290-9411B3CBEF2A}"/>
+              </a:ext>
+            </a:extLst>
+          </p:cNvPr>
+          <p:cNvSpPr txBox="1"/>
+          <p:nvPr/>
+        </p:nvSpPr>
+        <p:spPr>
+          <a:xfrm>
+            <a:off x="9383991" y="3887150"/>
+            <a:ext cx="522900" cy="369332"/>
+          </a:xfrm>
+          <a:prstGeom prst="rect">
+            <a:avLst/>
+          </a:prstGeom>
+          <a:noFill/>
+        </p:spPr>
+        <p:txBody>
+          <a:bodyPr wrap="none" rtlCol="0">
+            <a:spAutoFit/>
+          </a:bodyPr>
+          <a:lstStyle/>
+          <a:p>
+            <a:r>
+              <a:rPr lang="en-US" dirty="0"/>
+              <a:t>S_0</a:t>
+            </a:r>
+          </a:p>
+        </p:txBody>
+      </p:sp>
+      <p:sp>
+        <p:nvSpPr>
+          <p:cNvPr id="22" name="TextBox 21">
+            <a:extLst>
+              <a:ext uri="{FF2B5EF4-FFF2-40B4-BE49-F238E27FC236}">
+                <a16:creationId xmlns:a16="http://schemas.microsoft.com/office/drawing/2014/main" id="{E869EBA6-772E-4E9B-AE88-4848CE327154}"/>
+              </a:ext>
+            </a:extLst>
+          </p:cNvPr>
+          <p:cNvSpPr txBox="1"/>
+          <p:nvPr/>
+        </p:nvSpPr>
+        <p:spPr>
+          <a:xfrm>
+            <a:off x="5565205" y="3887150"/>
+            <a:ext cx="513602" cy="369332"/>
+          </a:xfrm>
+          <a:prstGeom prst="rect">
+            <a:avLst/>
+          </a:prstGeom>
+          <a:noFill/>
+        </p:spPr>
+        <p:txBody>
+          <a:bodyPr wrap="none" rtlCol="0">
+            <a:spAutoFit/>
+          </a:bodyPr>
+          <a:lstStyle/>
+          <a:p>
+            <a:r>
+              <a:rPr lang="en-US" dirty="0" err="1"/>
+              <a:t>Teq</a:t>
+            </a:r>
+            <a:endParaRPr lang="en-US" dirty="0"/>
+          </a:p>
+        </p:txBody>
+      </p:sp>
+      <p:sp>
+        <p:nvSpPr>
+          <p:cNvPr id="23" name="TextBox 22">
+            <a:extLst>
+              <a:ext uri="{FF2B5EF4-FFF2-40B4-BE49-F238E27FC236}">
+                <a16:creationId xmlns:a16="http://schemas.microsoft.com/office/drawing/2014/main" id="{4F667A8B-0417-4A01-9DB5-122C4BA2363F}"/>
+              </a:ext>
+            </a:extLst>
+          </p:cNvPr>
+          <p:cNvSpPr txBox="1"/>
+          <p:nvPr/>
+        </p:nvSpPr>
+        <p:spPr>
+          <a:xfrm>
+            <a:off x="946621" y="5099783"/>
+            <a:ext cx="553357" cy="369332"/>
+          </a:xfrm>
+          <a:prstGeom prst="rect">
+            <a:avLst/>
+          </a:prstGeom>
+          <a:noFill/>
+        </p:spPr>
+        <p:txBody>
+          <a:bodyPr wrap="none" rtlCol="0">
+            <a:spAutoFit/>
+          </a:bodyPr>
+          <a:lstStyle/>
+          <a:p>
+            <a:r>
+              <a:rPr lang="en-US" dirty="0"/>
+              <a:t>Rho</a:t>
+            </a:r>
+          </a:p>
+        </p:txBody>
+      </p:sp>
+      <p:sp>
+        <p:nvSpPr>
+          <p:cNvPr id="24" name="TextBox 23">
+            <a:extLst>
+              <a:ext uri="{FF2B5EF4-FFF2-40B4-BE49-F238E27FC236}">
+                <a16:creationId xmlns:a16="http://schemas.microsoft.com/office/drawing/2014/main" id="{49C27530-6180-4F47-885E-AD6A062AB9BB}"/>
+              </a:ext>
+            </a:extLst>
+          </p:cNvPr>
+          <p:cNvSpPr txBox="1"/>
+          <p:nvPr/>
+        </p:nvSpPr>
+        <p:spPr>
+          <a:xfrm>
+            <a:off x="10200652" y="4961283"/>
+            <a:ext cx="1566326" cy="646331"/>
+          </a:xfrm>
+          <a:prstGeom prst="rect">
+            <a:avLst/>
+          </a:prstGeom>
+          <a:noFill/>
+        </p:spPr>
+        <p:txBody>
+          <a:bodyPr wrap="none" rtlCol="0">
+            <a:spAutoFit/>
+          </a:bodyPr>
+          <a:lstStyle/>
+          <a:p>
+            <a:r>
+              <a:rPr lang="en-US" dirty="0"/>
+              <a:t>Uncertainty in </a:t>
+            </a:r>
+          </a:p>
+          <a:p>
+            <a:r>
+              <a:rPr lang="en-US" dirty="0"/>
+              <a:t>AR1 Matrix</a:t>
+            </a:r>
+          </a:p>
+        </p:txBody>
+      </p:sp>
+    </p:spTree>
+    <p:extLst>
+      <p:ext uri="{BB962C8B-B14F-4D97-AF65-F5344CB8AC3E}">
+        <p14:creationId xmlns:p14="http://schemas.microsoft.com/office/powerpoint/2010/main" val="3257756258"/>
+      </p:ext>
+    </p:extLst>
+  </p:cSld>
+  <p:clrMapOvr>
+    <a:masterClrMapping/>
+  </p:clrMapOvr>
+</p:sld>
+</file>
+
+<file path=ppt/slides/slide11.xml><?xml version="1.0" encoding="utf-8"?>
+<p:sld xmlns:a="http://schemas.openxmlformats.org/drawingml/2006/main" xmlns:r="http://schemas.openxmlformats.org/officeDocument/2006/relationships" xmlns:p="http://schemas.openxmlformats.org/presentationml/2006/main">
+  <p:cSld>
+    <p:spTree>
+      <p:nvGrpSpPr>
+        <p:cNvPr id="1" name=""/>
+        <p:cNvGrpSpPr/>
+        <p:nvPr/>
+      </p:nvGrpSpPr>
+      <p:grpSpPr>
+        <a:xfrm>
+          <a:off x="0" y="0"/>
+          <a:ext cx="0" cy="0"/>
+          <a:chOff x="0" y="0"/>
+          <a:chExt cx="0" cy="0"/>
+        </a:xfrm>
+      </p:grpSpPr>
+      <p:sp>
+        <p:nvSpPr>
+          <p:cNvPr id="2" name="Title 1">
+            <a:extLst>
+              <a:ext uri="{FF2B5EF4-FFF2-40B4-BE49-F238E27FC236}">
                 <a16:creationId xmlns:a16="http://schemas.microsoft.com/office/drawing/2014/main" id="{4642D8FD-5E3D-4045-B506-E80DB9941D5A}"/>
               </a:ext>
             </a:extLst>
@@ -4518,7 +4997,7 @@
 </p:sld>
 </file>
 
-<file path=ppt/slides/slide11.xml><?xml version="1.0" encoding="utf-8"?>
+<file path=ppt/slides/slide12.xml><?xml version="1.0" encoding="utf-8"?>
 <p:sld xmlns:a="http://schemas.openxmlformats.org/drawingml/2006/main" xmlns:r="http://schemas.openxmlformats.org/officeDocument/2006/relationships" xmlns:p="http://schemas.openxmlformats.org/presentationml/2006/main">
   <p:cSld>
     <p:spTree>
@@ -4831,8 +5310,8 @@
           </p:sp>
         </mc:Fallback>
       </mc:AlternateContent>
-      <mc:AlternateContent xmlns:mc="http://schemas.openxmlformats.org/markup-compatibility/2006">
-        <mc:Choice xmlns:a14="http://schemas.microsoft.com/office/drawing/2010/main" Requires="a14">
+      <mc:AlternateContent xmlns:mc="http://schemas.openxmlformats.org/markup-compatibility/2006" xmlns:a14="http://schemas.microsoft.com/office/drawing/2010/main">
+        <mc:Choice Requires="a14">
           <p:graphicFrame>
             <p:nvGraphicFramePr>
               <p:cNvPr id="6" name="Table 5">
@@ -6625,7 +7104,7 @@
             </a:graphic>
           </p:graphicFrame>
         </mc:Choice>
-        <mc:Fallback>
+        <mc:Fallback xmlns="">
           <p:graphicFrame>
             <p:nvGraphicFramePr>
               <p:cNvPr id="6" name="Table 5">
@@ -8100,7 +8579,7 @@
 </p:sld>
 </file>
 
-<file path=ppt/slides/slide12.xml><?xml version="1.0" encoding="utf-8"?>
+<file path=ppt/slides/slide13.xml><?xml version="1.0" encoding="utf-8"?>
 <p:sld xmlns:a="http://schemas.openxmlformats.org/drawingml/2006/main" xmlns:r="http://schemas.openxmlformats.org/officeDocument/2006/relationships" xmlns:p="http://schemas.openxmlformats.org/presentationml/2006/main">
   <p:cSld>
     <p:spTree>
@@ -8200,7 +8679,7 @@
 </p:sld>
 </file>
 
-<file path=ppt/slides/slide13.xml><?xml version="1.0" encoding="utf-8"?>
+<file path=ppt/slides/slide14.xml><?xml version="1.0" encoding="utf-8"?>
 <p:sld xmlns:a="http://schemas.openxmlformats.org/drawingml/2006/main" xmlns:r="http://schemas.openxmlformats.org/officeDocument/2006/relationships" xmlns:p="http://schemas.openxmlformats.org/presentationml/2006/main">
   <p:cSld>
     <p:spTree>
@@ -8245,8 +8724,8 @@
           </a:p>
         </p:txBody>
       </p:sp>
-      <mc:AlternateContent xmlns:mc="http://schemas.openxmlformats.org/markup-compatibility/2006">
-        <mc:Choice xmlns:a14="http://schemas.microsoft.com/office/drawing/2010/main" Requires="a14">
+      <mc:AlternateContent xmlns:mc="http://schemas.openxmlformats.org/markup-compatibility/2006" xmlns:a14="http://schemas.microsoft.com/office/drawing/2010/main">
+        <mc:Choice Requires="a14">
           <p:graphicFrame>
             <p:nvGraphicFramePr>
               <p:cNvPr id="4" name="Table 3">
@@ -8913,7 +9392,7 @@
             </a:graphic>
           </p:graphicFrame>
         </mc:Choice>
-        <mc:Fallback>
+        <mc:Fallback xmlns="">
           <p:graphicFrame>
             <p:nvGraphicFramePr>
               <p:cNvPr id="4" name="Table 3">
@@ -9491,8 +9970,8 @@
           </p:graphicFrame>
         </mc:Fallback>
       </mc:AlternateContent>
-      <mc:AlternateContent xmlns:mc="http://schemas.openxmlformats.org/markup-compatibility/2006">
-        <mc:Choice xmlns:a14="http://schemas.microsoft.com/office/drawing/2010/main" Requires="a14">
+      <mc:AlternateContent xmlns:mc="http://schemas.openxmlformats.org/markup-compatibility/2006" xmlns:a14="http://schemas.microsoft.com/office/drawing/2010/main">
+        <mc:Choice Requires="a14">
           <p:sp>
             <p:nvSpPr>
               <p:cNvPr id="5" name="TextBox 4">
@@ -9521,6 +10000,7 @@
               </a:bodyPr>
               <a:lstStyle/>
               <a:p>
+                <a:pPr/>
                 <a14:m>
                   <m:oMathPara xmlns:m="http://schemas.openxmlformats.org/officeDocument/2006/math">
                     <m:oMathParaPr>
@@ -9547,7 +10027,7 @@
             </p:txBody>
           </p:sp>
         </mc:Choice>
-        <mc:Fallback>
+        <mc:Fallback xmlns="">
           <p:sp>
             <p:nvSpPr>
               <p:cNvPr id="5" name="TextBox 4">
@@ -9738,7 +10218,7 @@
 </p:sld>
 </file>
 
-<file path=ppt/slides/slide14.xml><?xml version="1.0" encoding="utf-8"?>
+<file path=ppt/slides/slide15.xml><?xml version="1.0" encoding="utf-8"?>
 <p:sld xmlns:a="http://schemas.openxmlformats.org/drawingml/2006/main" xmlns:r="http://schemas.openxmlformats.org/officeDocument/2006/relationships" xmlns:p="http://schemas.openxmlformats.org/presentationml/2006/main">
   <p:cSld>
     <p:spTree>
@@ -9879,7 +10359,9 @@
           </a:lstStyle>
           <a:p>
             <a:r>
-              <a:rPr lang="en-US" dirty="0"/>
+              <a:rPr lang="en-US" dirty="0">
+                <a:latin typeface="Bahnschrift" panose="020B0502040204020203" pitchFamily="34" charset="0"/>
+              </a:rPr>
               <a:t>What we’re going to do</a:t>
             </a:r>
           </a:p>
@@ -10078,24 +10560,32 @@
           </a:lstStyle>
           <a:p>
             <a:r>
-              <a:rPr lang="en-US" dirty="0"/>
+              <a:rPr lang="en-US" dirty="0">
+                <a:latin typeface="Bahnschrift" panose="020B0502040204020203" pitchFamily="34" charset="0"/>
+              </a:rPr>
               <a:t>MCMC model which takes in sea-level values and gives us estimates on temperature </a:t>
             </a:r>
           </a:p>
           <a:p>
             <a:r>
-              <a:rPr lang="en-US" dirty="0"/>
+              <a:rPr lang="en-US" dirty="0">
+                <a:latin typeface="Bahnschrift" panose="020B0502040204020203" pitchFamily="34" charset="0"/>
+              </a:rPr>
               <a:t>Combined and easy-to-use python script</a:t>
             </a:r>
           </a:p>
           <a:p>
             <a:r>
-              <a:rPr lang="en-US" dirty="0"/>
+              <a:rPr lang="en-US" dirty="0">
+                <a:latin typeface="Bahnschrift" panose="020B0502040204020203" pitchFamily="34" charset="0"/>
+              </a:rPr>
               <a:t>AR1 matrix which includes correlated uncertainties</a:t>
             </a:r>
           </a:p>
           <a:p>
-            <a:endParaRPr lang="en-US" dirty="0"/>
+            <a:endParaRPr lang="en-US" dirty="0">
+              <a:latin typeface="Bahnschrift" panose="020B0502040204020203" pitchFamily="34" charset="0"/>
+            </a:endParaRPr>
           </a:p>
         </p:txBody>
       </p:sp>
@@ -10112,7 +10602,7 @@
 </p:sld>
 </file>
 
-<file path=ppt/slides/slide15.xml><?xml version="1.0" encoding="utf-8"?>
+<file path=ppt/slides/slide16.xml><?xml version="1.0" encoding="utf-8"?>
 <p:sld xmlns:a="http://schemas.openxmlformats.org/drawingml/2006/main" xmlns:r="http://schemas.openxmlformats.org/officeDocument/2006/relationships" xmlns:p="http://schemas.openxmlformats.org/presentationml/2006/main">
   <p:cSld>
     <p:spTree>
@@ -10256,7 +10746,7 @@
 </p:sld>
 </file>
 
-<file path=ppt/slides/slide16.xml><?xml version="1.0" encoding="utf-8"?>
+<file path=ppt/slides/slide17.xml><?xml version="1.0" encoding="utf-8"?>
 <p:sld xmlns:a="http://schemas.openxmlformats.org/drawingml/2006/main" xmlns:r="http://schemas.openxmlformats.org/officeDocument/2006/relationships" xmlns:p="http://schemas.openxmlformats.org/presentationml/2006/main" show="0">
   <p:cSld>
     <p:spTree>
@@ -10273,6 +10763,34 @@
           <a:chExt cx="0" cy="0"/>
         </a:xfrm>
       </p:grpSpPr>
+      <p:sp>
+        <p:nvSpPr>
+          <p:cNvPr id="4" name="Title 1">
+            <a:extLst>
+              <a:ext uri="{FF2B5EF4-FFF2-40B4-BE49-F238E27FC236}">
+                <a16:creationId xmlns:a16="http://schemas.microsoft.com/office/drawing/2014/main" id="{56632757-107D-438A-BA93-6EBF49DFD064}"/>
+              </a:ext>
+            </a:extLst>
+          </p:cNvPr>
+          <p:cNvSpPr>
+            <a:spLocks noGrp="1"/>
+          </p:cNvSpPr>
+          <p:nvPr>
+            <p:ph type="title"/>
+          </p:nvPr>
+        </p:nvSpPr>
+        <p:spPr/>
+        <p:txBody>
+          <a:bodyPr/>
+          <a:lstStyle/>
+          <a:p>
+            <a:r>
+              <a:rPr lang="en-US" dirty="0"/>
+              <a:t>Building the AR1 Matrix</a:t>
+            </a:r>
+          </a:p>
+        </p:txBody>
+      </p:sp>
       <mc:AlternateContent xmlns:mc="http://schemas.openxmlformats.org/markup-compatibility/2006" xmlns:a14="http://schemas.microsoft.com/office/drawing/2010/main">
         <mc:Choice Requires="a14">
           <p:sp>
@@ -11020,43 +11538,40 @@
           </p:sp>
         </mc:Fallback>
       </mc:AlternateContent>
-      <p:sp>
-        <p:nvSpPr>
-          <p:cNvPr id="4" name="Title 1">
-            <a:extLst>
-              <a:ext uri="{FF2B5EF4-FFF2-40B4-BE49-F238E27FC236}">
-                <a16:creationId xmlns:a16="http://schemas.microsoft.com/office/drawing/2014/main" id="{56632757-107D-438A-BA93-6EBF49DFD064}"/>
-              </a:ext>
-            </a:extLst>
-          </p:cNvPr>
-          <p:cNvSpPr>
-            <a:spLocks noGrp="1"/>
-          </p:cNvSpPr>
-          <p:nvPr>
-            <p:ph type="title"/>
-          </p:nvPr>
-        </p:nvSpPr>
-        <p:spPr>
-          <a:xfrm>
-            <a:off x="838200" y="365126"/>
-            <a:ext cx="10515600" cy="950328"/>
-          </a:xfrm>
-        </p:spPr>
-        <p:txBody>
-          <a:bodyPr/>
-          <a:lstStyle/>
-          <a:p>
-            <a:r>
-              <a:rPr lang="en-US" dirty="0"/>
-              <a:t>Building the AR1 Matrix</a:t>
-            </a:r>
-          </a:p>
-        </p:txBody>
-      </p:sp>
     </p:spTree>
     <p:extLst>
       <p:ext uri="{BB962C8B-B14F-4D97-AF65-F5344CB8AC3E}">
         <p14:creationId xmlns:p14="http://schemas.microsoft.com/office/powerpoint/2010/main" val="2434353050"/>
+      </p:ext>
+    </p:extLst>
+  </p:cSld>
+  <p:clrMapOvr>
+    <a:masterClrMapping/>
+  </p:clrMapOvr>
+</p:sld>
+</file>
+
+<file path=ppt/slides/slide18.xml><?xml version="1.0" encoding="utf-8"?>
+<p:sld xmlns:a="http://schemas.openxmlformats.org/drawingml/2006/main" xmlns:r="http://schemas.openxmlformats.org/officeDocument/2006/relationships" xmlns:p="http://schemas.openxmlformats.org/presentationml/2006/main">
+  <p:cSld>
+    <p:spTree>
+      <p:nvGrpSpPr>
+        <p:cNvPr id="1" name=""/>
+        <p:cNvGrpSpPr/>
+        <p:nvPr/>
+      </p:nvGrpSpPr>
+      <p:grpSpPr>
+        <a:xfrm>
+          <a:off x="0" y="0"/>
+          <a:ext cx="0" cy="0"/>
+          <a:chOff x="0" y="0"/>
+          <a:chExt cx="0" cy="0"/>
+        </a:xfrm>
+      </p:grpSpPr>
+    </p:spTree>
+    <p:extLst>
+      <p:ext uri="{BB962C8B-B14F-4D97-AF65-F5344CB8AC3E}">
+        <p14:creationId xmlns:p14="http://schemas.microsoft.com/office/powerpoint/2010/main" val="2018495462"/>
       </p:ext>
     </p:extLst>
   </p:cSld>
@@ -11139,42 +11654,6 @@
           </a:p>
         </p:txBody>
       </p:sp>
-      <p:pic>
-        <p:nvPicPr>
-          <p:cNvPr id="5" name="Picture 4" descr="A close up of a map&#10;&#10;Description generated with high confidence">
-            <a:extLst>
-              <a:ext uri="{FF2B5EF4-FFF2-40B4-BE49-F238E27FC236}">
-                <a16:creationId xmlns:a16="http://schemas.microsoft.com/office/drawing/2014/main" id="{08FDA5AB-AC10-4D16-A31E-560E06A28E45}"/>
-              </a:ext>
-            </a:extLst>
-          </p:cNvPr>
-          <p:cNvPicPr>
-            <a:picLocks noChangeAspect="1"/>
-          </p:cNvPicPr>
-          <p:nvPr/>
-        </p:nvPicPr>
-        <p:blipFill>
-          <a:blip r:embed="rId3">
-            <a:extLst>
-              <a:ext uri="{28A0092B-C50C-407E-A947-70E740481C1C}">
-                <a14:useLocalDpi xmlns:a14="http://schemas.microsoft.com/office/drawing/2010/main" val="0"/>
-              </a:ext>
-            </a:extLst>
-          </a:blip>
-          <a:stretch>
-            <a:fillRect/>
-          </a:stretch>
-        </p:blipFill>
-        <p:spPr>
-          <a:xfrm>
-            <a:off x="1509736" y="3080084"/>
-            <a:ext cx="4490012" cy="3412790"/>
-          </a:xfrm>
-          <a:prstGeom prst="rect">
-            <a:avLst/>
-          </a:prstGeom>
-        </p:spPr>
-      </p:pic>
       <p:sp>
         <p:nvSpPr>
           <p:cNvPr id="6" name="TextBox 5">
@@ -11189,7 +11668,7 @@
         </p:nvSpPr>
         <p:spPr>
           <a:xfrm>
-            <a:off x="6192254" y="4008157"/>
+            <a:off x="6446251" y="4008157"/>
             <a:ext cx="5257800" cy="1815882"/>
           </a:xfrm>
           <a:prstGeom prst="rect">
@@ -11210,6 +11689,504 @@
           </a:p>
         </p:txBody>
       </p:sp>
+      <p:grpSp>
+        <p:nvGrpSpPr>
+          <p:cNvPr id="7" name="Group 6">
+            <a:extLst>
+              <a:ext uri="{FF2B5EF4-FFF2-40B4-BE49-F238E27FC236}">
+                <a16:creationId xmlns:a16="http://schemas.microsoft.com/office/drawing/2014/main" id="{90E7C165-7543-4178-BBDD-3967AB63B6C3}"/>
+              </a:ext>
+            </a:extLst>
+          </p:cNvPr>
+          <p:cNvGrpSpPr/>
+          <p:nvPr/>
+        </p:nvGrpSpPr>
+        <p:grpSpPr>
+          <a:xfrm>
+            <a:off x="318612" y="3556000"/>
+            <a:ext cx="6115686" cy="3159971"/>
+            <a:chOff x="0" y="0"/>
+            <a:chExt cx="12192000" cy="6858000"/>
+          </a:xfrm>
+        </p:grpSpPr>
+        <p:pic>
+          <p:nvPicPr>
+            <p:cNvPr id="8" name="Picture 7" descr="A close up of a beach&#10;&#10;Description generated with high confidence">
+              <a:extLst>
+                <a:ext uri="{FF2B5EF4-FFF2-40B4-BE49-F238E27FC236}">
+                  <a16:creationId xmlns:a16="http://schemas.microsoft.com/office/drawing/2014/main" id="{AE53D155-7F4B-47D8-8A35-E288DAAD6F36}"/>
+                </a:ext>
+              </a:extLst>
+            </p:cNvPr>
+            <p:cNvPicPr>
+              <a:picLocks noChangeAspect="1"/>
+            </p:cNvPicPr>
+            <p:nvPr/>
+          </p:nvPicPr>
+          <p:blipFill>
+            <a:blip r:embed="rId3">
+              <a:extLst>
+                <a:ext uri="{28A0092B-C50C-407E-A947-70E740481C1C}">
+                  <a14:useLocalDpi xmlns:a14="http://schemas.microsoft.com/office/drawing/2010/main" val="0"/>
+                </a:ext>
+              </a:extLst>
+            </a:blip>
+            <a:stretch>
+              <a:fillRect/>
+            </a:stretch>
+          </p:blipFill>
+          <p:spPr>
+            <a:xfrm>
+              <a:off x="0" y="0"/>
+              <a:ext cx="12192000" cy="6858000"/>
+            </a:xfrm>
+            <a:prstGeom prst="rect">
+              <a:avLst/>
+            </a:prstGeom>
+          </p:spPr>
+        </p:pic>
+        <p:sp>
+          <p:nvSpPr>
+            <p:cNvPr id="9" name="TextBox 8">
+              <a:extLst>
+                <a:ext uri="{FF2B5EF4-FFF2-40B4-BE49-F238E27FC236}">
+                  <a16:creationId xmlns:a16="http://schemas.microsoft.com/office/drawing/2014/main" id="{9317079B-A5F3-475F-848F-B0B52AD2E559}"/>
+                </a:ext>
+              </a:extLst>
+            </p:cNvPr>
+            <p:cNvSpPr txBox="1"/>
+            <p:nvPr/>
+          </p:nvSpPr>
+          <p:spPr>
+            <a:xfrm>
+              <a:off x="9247228" y="5991198"/>
+              <a:ext cx="1390830" cy="369332"/>
+            </a:xfrm>
+            <a:prstGeom prst="rect">
+              <a:avLst/>
+            </a:prstGeom>
+            <a:noFill/>
+          </p:spPr>
+          <p:txBody>
+            <a:bodyPr wrap="none" rtlCol="0">
+              <a:spAutoFit/>
+            </a:bodyPr>
+            <a:lstStyle/>
+            <a:p>
+              <a:pPr algn="ctr"/>
+              <a:r>
+                <a:rPr lang="en-US" dirty="0"/>
+                <a:t>DEEP OCEAN</a:t>
+              </a:r>
+            </a:p>
+          </p:txBody>
+        </p:sp>
+        <p:sp>
+          <p:nvSpPr>
+            <p:cNvPr id="10" name="TextBox 9">
+              <a:extLst>
+                <a:ext uri="{FF2B5EF4-FFF2-40B4-BE49-F238E27FC236}">
+                  <a16:creationId xmlns:a16="http://schemas.microsoft.com/office/drawing/2014/main" id="{0ECB96F6-6A65-4740-85DF-DBCE009DE8B4}"/>
+                </a:ext>
+              </a:extLst>
+            </p:cNvPr>
+            <p:cNvSpPr txBox="1"/>
+            <p:nvPr/>
+          </p:nvSpPr>
+          <p:spPr>
+            <a:xfrm>
+              <a:off x="9516533" y="5029199"/>
+              <a:ext cx="852221" cy="369332"/>
+            </a:xfrm>
+            <a:prstGeom prst="rect">
+              <a:avLst/>
+            </a:prstGeom>
+            <a:noFill/>
+          </p:spPr>
+          <p:txBody>
+            <a:bodyPr wrap="none" rtlCol="0">
+              <a:spAutoFit/>
+            </a:bodyPr>
+            <a:lstStyle/>
+            <a:p>
+              <a:pPr algn="ctr"/>
+              <a:r>
+                <a:rPr lang="en-US" dirty="0"/>
+                <a:t>OCEAN</a:t>
+              </a:r>
+            </a:p>
+          </p:txBody>
+        </p:sp>
+        <p:sp>
+          <p:nvSpPr>
+            <p:cNvPr id="11" name="TextBox 10">
+              <a:extLst>
+                <a:ext uri="{FF2B5EF4-FFF2-40B4-BE49-F238E27FC236}">
+                  <a16:creationId xmlns:a16="http://schemas.microsoft.com/office/drawing/2014/main" id="{8A32EE01-46DA-480A-B288-DF58F95AF23C}"/>
+                </a:ext>
+              </a:extLst>
+            </p:cNvPr>
+            <p:cNvSpPr txBox="1"/>
+            <p:nvPr/>
+          </p:nvSpPr>
+          <p:spPr>
+            <a:xfrm>
+              <a:off x="626533" y="3776133"/>
+              <a:ext cx="707245" cy="369332"/>
+            </a:xfrm>
+            <a:prstGeom prst="rect">
+              <a:avLst/>
+            </a:prstGeom>
+            <a:noFill/>
+          </p:spPr>
+          <p:txBody>
+            <a:bodyPr wrap="none" rtlCol="0">
+              <a:spAutoFit/>
+            </a:bodyPr>
+            <a:lstStyle/>
+            <a:p>
+              <a:r>
+                <a:rPr lang="en-US" dirty="0"/>
+                <a:t>LAND</a:t>
+              </a:r>
+            </a:p>
+          </p:txBody>
+        </p:sp>
+        <p:cxnSp>
+          <p:nvCxnSpPr>
+            <p:cNvPr id="12" name="Straight Arrow Connector 11">
+              <a:extLst>
+                <a:ext uri="{FF2B5EF4-FFF2-40B4-BE49-F238E27FC236}">
+                  <a16:creationId xmlns:a16="http://schemas.microsoft.com/office/drawing/2014/main" id="{5D9AB01F-CD89-4E95-95E8-A94CC3988828}"/>
+                </a:ext>
+              </a:extLst>
+            </p:cNvPr>
+            <p:cNvCxnSpPr>
+              <a:cxnSpLocks/>
+            </p:cNvCxnSpPr>
+            <p:nvPr/>
+          </p:nvCxnSpPr>
+          <p:spPr>
+            <a:xfrm flipH="1">
+              <a:off x="6637867" y="1651000"/>
+              <a:ext cx="1405466" cy="452966"/>
+            </a:xfrm>
+            <a:prstGeom prst="straightConnector1">
+              <a:avLst/>
+            </a:prstGeom>
+            <a:ln>
+              <a:tailEnd type="triangle"/>
+            </a:ln>
+          </p:spPr>
+          <p:style>
+            <a:lnRef idx="1">
+              <a:schemeClr val="accent1"/>
+            </a:lnRef>
+            <a:fillRef idx="0">
+              <a:schemeClr val="accent1"/>
+            </a:fillRef>
+            <a:effectRef idx="0">
+              <a:schemeClr val="accent1"/>
+            </a:effectRef>
+            <a:fontRef idx="minor">
+              <a:schemeClr val="tx1"/>
+            </a:fontRef>
+          </p:style>
+        </p:cxnSp>
+        <p:cxnSp>
+          <p:nvCxnSpPr>
+            <p:cNvPr id="13" name="Straight Arrow Connector 12">
+              <a:extLst>
+                <a:ext uri="{FF2B5EF4-FFF2-40B4-BE49-F238E27FC236}">
+                  <a16:creationId xmlns:a16="http://schemas.microsoft.com/office/drawing/2014/main" id="{C831B2DE-7B90-43F6-BB73-CE742A952B70}"/>
+                </a:ext>
+              </a:extLst>
+            </p:cNvPr>
+            <p:cNvCxnSpPr>
+              <a:cxnSpLocks/>
+            </p:cNvCxnSpPr>
+            <p:nvPr/>
+          </p:nvCxnSpPr>
+          <p:spPr>
+            <a:xfrm flipH="1">
+              <a:off x="7154333" y="2269066"/>
+              <a:ext cx="1193801" cy="778934"/>
+            </a:xfrm>
+            <a:prstGeom prst="straightConnector1">
+              <a:avLst/>
+            </a:prstGeom>
+            <a:ln>
+              <a:tailEnd type="triangle"/>
+            </a:ln>
+          </p:spPr>
+          <p:style>
+            <a:lnRef idx="1">
+              <a:schemeClr val="accent1"/>
+            </a:lnRef>
+            <a:fillRef idx="0">
+              <a:schemeClr val="accent1"/>
+            </a:fillRef>
+            <a:effectRef idx="0">
+              <a:schemeClr val="accent1"/>
+            </a:effectRef>
+            <a:fontRef idx="minor">
+              <a:schemeClr val="tx1"/>
+            </a:fontRef>
+          </p:style>
+        </p:cxnSp>
+        <p:cxnSp>
+          <p:nvCxnSpPr>
+            <p:cNvPr id="14" name="Straight Arrow Connector 13">
+              <a:extLst>
+                <a:ext uri="{FF2B5EF4-FFF2-40B4-BE49-F238E27FC236}">
+                  <a16:creationId xmlns:a16="http://schemas.microsoft.com/office/drawing/2014/main" id="{CCADAF8C-B7BC-465E-A457-D4E70A582E25}"/>
+                </a:ext>
+              </a:extLst>
+            </p:cNvPr>
+            <p:cNvCxnSpPr>
+              <a:cxnSpLocks/>
+            </p:cNvCxnSpPr>
+            <p:nvPr/>
+          </p:nvCxnSpPr>
+          <p:spPr>
+            <a:xfrm flipH="1">
+              <a:off x="7988299" y="2666999"/>
+              <a:ext cx="736600" cy="1259932"/>
+            </a:xfrm>
+            <a:prstGeom prst="straightConnector1">
+              <a:avLst/>
+            </a:prstGeom>
+            <a:ln>
+              <a:tailEnd type="triangle"/>
+            </a:ln>
+          </p:spPr>
+          <p:style>
+            <a:lnRef idx="1">
+              <a:schemeClr val="accent1"/>
+            </a:lnRef>
+            <a:fillRef idx="0">
+              <a:schemeClr val="accent1"/>
+            </a:fillRef>
+            <a:effectRef idx="0">
+              <a:schemeClr val="accent1"/>
+            </a:effectRef>
+            <a:fontRef idx="minor">
+              <a:schemeClr val="tx1"/>
+            </a:fontRef>
+          </p:style>
+        </p:cxnSp>
+        <p:sp>
+          <p:nvSpPr>
+            <p:cNvPr id="15" name="TextBox 14">
+              <a:extLst>
+                <a:ext uri="{FF2B5EF4-FFF2-40B4-BE49-F238E27FC236}">
+                  <a16:creationId xmlns:a16="http://schemas.microsoft.com/office/drawing/2014/main" id="{D8220945-813C-4100-B4E8-49043195E363}"/>
+                </a:ext>
+              </a:extLst>
+            </p:cNvPr>
+            <p:cNvSpPr txBox="1"/>
+            <p:nvPr/>
+          </p:nvSpPr>
+          <p:spPr>
+            <a:xfrm>
+              <a:off x="8271556" y="1745501"/>
+              <a:ext cx="1566711" cy="646331"/>
+            </a:xfrm>
+            <a:prstGeom prst="rect">
+              <a:avLst/>
+            </a:prstGeom>
+            <a:noFill/>
+          </p:spPr>
+          <p:txBody>
+            <a:bodyPr wrap="none" rtlCol="0">
+              <a:spAutoFit/>
+            </a:bodyPr>
+            <a:lstStyle/>
+            <a:p>
+              <a:pPr algn="ctr"/>
+              <a:r>
+                <a:rPr lang="en-US" dirty="0"/>
+                <a:t>ENERGY FROM</a:t>
+              </a:r>
+            </a:p>
+            <a:p>
+              <a:pPr algn="ctr"/>
+              <a:r>
+                <a:rPr lang="en-US" dirty="0"/>
+                <a:t>SUN</a:t>
+              </a:r>
+            </a:p>
+          </p:txBody>
+        </p:sp>
+        <p:sp>
+          <p:nvSpPr>
+            <p:cNvPr id="16" name="Rectangle 15">
+              <a:extLst>
+                <a:ext uri="{FF2B5EF4-FFF2-40B4-BE49-F238E27FC236}">
+                  <a16:creationId xmlns:a16="http://schemas.microsoft.com/office/drawing/2014/main" id="{D2BE2834-BD8A-49B2-BD33-A893440FD714}"/>
+                </a:ext>
+              </a:extLst>
+            </p:cNvPr>
+            <p:cNvSpPr/>
+            <p:nvPr/>
+          </p:nvSpPr>
+          <p:spPr>
+            <a:xfrm>
+              <a:off x="0" y="3429000"/>
+              <a:ext cx="12192000" cy="367268"/>
+            </a:xfrm>
+            <a:prstGeom prst="rect">
+              <a:avLst/>
+            </a:prstGeom>
+            <a:solidFill>
+              <a:srgbClr val="7F7F7F">
+                <a:alpha val="20000"/>
+              </a:srgbClr>
+            </a:solidFill>
+            <a:ln>
+              <a:solidFill>
+                <a:schemeClr val="tx1">
+                  <a:lumMod val="50000"/>
+                  <a:lumOff val="50000"/>
+                </a:schemeClr>
+              </a:solidFill>
+            </a:ln>
+          </p:spPr>
+          <p:style>
+            <a:lnRef idx="2">
+              <a:schemeClr val="accent1">
+                <a:shade val="50000"/>
+              </a:schemeClr>
+            </a:lnRef>
+            <a:fillRef idx="1">
+              <a:schemeClr val="accent1"/>
+            </a:fillRef>
+            <a:effectRef idx="0">
+              <a:schemeClr val="accent1"/>
+            </a:effectRef>
+            <a:fontRef idx="minor">
+              <a:schemeClr val="lt1"/>
+            </a:fontRef>
+          </p:style>
+          <p:txBody>
+            <a:bodyPr rtlCol="0" anchor="ctr"/>
+            <a:lstStyle/>
+            <a:p>
+              <a:pPr algn="ctr"/>
+              <a:r>
+                <a:rPr lang="en-US" dirty="0"/>
+                <a:t>AEROSOL LAYER</a:t>
+              </a:r>
+            </a:p>
+          </p:txBody>
+        </p:sp>
+        <p:cxnSp>
+          <p:nvCxnSpPr>
+            <p:cNvPr id="17" name="Straight Arrow Connector 16">
+              <a:extLst>
+                <a:ext uri="{FF2B5EF4-FFF2-40B4-BE49-F238E27FC236}">
+                  <a16:creationId xmlns:a16="http://schemas.microsoft.com/office/drawing/2014/main" id="{B7322AAD-19C8-4AEB-9E7D-2FCD07414E7C}"/>
+                </a:ext>
+              </a:extLst>
+            </p:cNvPr>
+            <p:cNvCxnSpPr>
+              <a:cxnSpLocks/>
+            </p:cNvCxnSpPr>
+            <p:nvPr/>
+          </p:nvCxnSpPr>
+          <p:spPr>
+            <a:xfrm>
+              <a:off x="9908776" y="5398531"/>
+              <a:ext cx="0" cy="592667"/>
+            </a:xfrm>
+            <a:prstGeom prst="straightConnector1">
+              <a:avLst/>
+            </a:prstGeom>
+            <a:ln w="57150">
+              <a:solidFill>
+                <a:schemeClr val="bg1"/>
+              </a:solidFill>
+              <a:headEnd type="triangle"/>
+              <a:tailEnd type="triangle"/>
+            </a:ln>
+          </p:spPr>
+          <p:style>
+            <a:lnRef idx="1">
+              <a:schemeClr val="accent1"/>
+            </a:lnRef>
+            <a:fillRef idx="0">
+              <a:schemeClr val="accent1"/>
+            </a:fillRef>
+            <a:effectRef idx="0">
+              <a:schemeClr val="accent1"/>
+            </a:effectRef>
+            <a:fontRef idx="minor">
+              <a:schemeClr val="tx1"/>
+            </a:fontRef>
+          </p:style>
+        </p:cxnSp>
+        <p:sp>
+          <p:nvSpPr>
+            <p:cNvPr id="18" name="Rectangle 17">
+              <a:extLst>
+                <a:ext uri="{FF2B5EF4-FFF2-40B4-BE49-F238E27FC236}">
+                  <a16:creationId xmlns:a16="http://schemas.microsoft.com/office/drawing/2014/main" id="{70BC1E01-291C-48EF-9B85-E906809ADB82}"/>
+                </a:ext>
+              </a:extLst>
+            </p:cNvPr>
+            <p:cNvSpPr/>
+            <p:nvPr/>
+          </p:nvSpPr>
+          <p:spPr>
+            <a:xfrm>
+              <a:off x="3674533" y="6158931"/>
+              <a:ext cx="4597023" cy="546669"/>
+            </a:xfrm>
+            <a:prstGeom prst="rect">
+              <a:avLst/>
+            </a:prstGeom>
+            <a:solidFill>
+              <a:schemeClr val="bg1"/>
+            </a:solidFill>
+            <a:ln>
+              <a:solidFill>
+                <a:schemeClr val="tx1"/>
+              </a:solidFill>
+            </a:ln>
+          </p:spPr>
+          <p:style>
+            <a:lnRef idx="2">
+              <a:schemeClr val="accent1">
+                <a:shade val="50000"/>
+              </a:schemeClr>
+            </a:lnRef>
+            <a:fillRef idx="1">
+              <a:schemeClr val="accent1"/>
+            </a:fillRef>
+            <a:effectRef idx="0">
+              <a:schemeClr val="accent1"/>
+            </a:effectRef>
+            <a:fontRef idx="minor">
+              <a:schemeClr val="lt1"/>
+            </a:fontRef>
+          </p:style>
+          <p:txBody>
+            <a:bodyPr rtlCol="0" anchor="ctr"/>
+            <a:lstStyle/>
+            <a:p>
+              <a:pPr algn="ctr"/>
+              <a:r>
+                <a:rPr lang="en-US" dirty="0">
+                  <a:solidFill>
+                    <a:sysClr val="windowText" lastClr="000000"/>
+                  </a:solidFill>
+                </a:rPr>
+                <a:t>RADIATIVE ENERGY</a:t>
+              </a:r>
+            </a:p>
+          </p:txBody>
+        </p:sp>
+      </p:grpSp>
     </p:spTree>
     <p:extLst>
       <p:ext uri="{BB962C8B-B14F-4D97-AF65-F5344CB8AC3E}">
@@ -11224,6 +12201,92 @@
 </file>
 
 <file path=ppt/slides/slide3.xml><?xml version="1.0" encoding="utf-8"?>
+<p:sld xmlns:a="http://schemas.openxmlformats.org/drawingml/2006/main" xmlns:r="http://schemas.openxmlformats.org/officeDocument/2006/relationships" xmlns:p="http://schemas.openxmlformats.org/presentationml/2006/main">
+  <p:cSld>
+    <p:spTree>
+      <p:nvGrpSpPr>
+        <p:cNvPr id="1" name=""/>
+        <p:cNvGrpSpPr/>
+        <p:nvPr/>
+      </p:nvGrpSpPr>
+      <p:grpSpPr>
+        <a:xfrm>
+          <a:off x="0" y="0"/>
+          <a:ext cx="0" cy="0"/>
+          <a:chOff x="0" y="0"/>
+          <a:chExt cx="0" cy="0"/>
+        </a:xfrm>
+      </p:grpSpPr>
+      <p:sp>
+        <p:nvSpPr>
+          <p:cNvPr id="2" name="Title 1">
+            <a:extLst>
+              <a:ext uri="{FF2B5EF4-FFF2-40B4-BE49-F238E27FC236}">
+                <a16:creationId xmlns:a16="http://schemas.microsoft.com/office/drawing/2014/main" id="{034A4F87-0806-4F3D-B4DC-063BF2768860}"/>
+              </a:ext>
+            </a:extLst>
+          </p:cNvPr>
+          <p:cNvSpPr>
+            <a:spLocks noGrp="1"/>
+          </p:cNvSpPr>
+          <p:nvPr>
+            <p:ph type="title"/>
+          </p:nvPr>
+        </p:nvSpPr>
+        <p:spPr/>
+        <p:txBody>
+          <a:bodyPr/>
+          <a:lstStyle/>
+          <a:p>
+            <a:r>
+              <a:rPr lang="en-US" dirty="0"/>
+              <a:t>Goal</a:t>
+            </a:r>
+          </a:p>
+        </p:txBody>
+      </p:sp>
+      <p:sp>
+        <p:nvSpPr>
+          <p:cNvPr id="3" name="Content Placeholder 2">
+            <a:extLst>
+              <a:ext uri="{FF2B5EF4-FFF2-40B4-BE49-F238E27FC236}">
+                <a16:creationId xmlns:a16="http://schemas.microsoft.com/office/drawing/2014/main" id="{6C88DE16-C4CA-40DD-8257-596CBBBD7832}"/>
+              </a:ext>
+            </a:extLst>
+          </p:cNvPr>
+          <p:cNvSpPr>
+            <a:spLocks noGrp="1"/>
+          </p:cNvSpPr>
+          <p:nvPr>
+            <p:ph idx="1"/>
+          </p:nvPr>
+        </p:nvSpPr>
+        <p:spPr/>
+        <p:txBody>
+          <a:bodyPr/>
+          <a:lstStyle/>
+          <a:p>
+            <a:r>
+              <a:rPr lang="en-US" dirty="0"/>
+              <a:t>We want to be able to model the sea-level rise but we also want to account for the uncertainties with correlated parameters. </a:t>
+            </a:r>
+          </a:p>
+        </p:txBody>
+      </p:sp>
+    </p:spTree>
+    <p:extLst>
+      <p:ext uri="{BB962C8B-B14F-4D97-AF65-F5344CB8AC3E}">
+        <p14:creationId xmlns:p14="http://schemas.microsoft.com/office/powerpoint/2010/main" val="1888932851"/>
+      </p:ext>
+    </p:extLst>
+  </p:cSld>
+  <p:clrMapOvr>
+    <a:masterClrMapping/>
+  </p:clrMapOvr>
+</p:sld>
+</file>
+
+<file path=ppt/slides/slide4.xml><?xml version="1.0" encoding="utf-8"?>
 <p:sld xmlns:a="http://schemas.openxmlformats.org/drawingml/2006/main" xmlns:r="http://schemas.openxmlformats.org/officeDocument/2006/relationships" xmlns:p="http://schemas.openxmlformats.org/presentationml/2006/main">
   <p:cSld>
     <p:spTree>
@@ -11504,7 +12567,7 @@
 </p:sld>
 </file>
 
-<file path=ppt/slides/slide4.xml><?xml version="1.0" encoding="utf-8"?>
+<file path=ppt/slides/slide5.xml><?xml version="1.0" encoding="utf-8"?>
 <p:sld xmlns:a="http://schemas.openxmlformats.org/drawingml/2006/main" xmlns:r="http://schemas.openxmlformats.org/officeDocument/2006/relationships" xmlns:p="http://schemas.openxmlformats.org/presentationml/2006/main">
   <p:cSld>
     <p:spTree>
@@ -11578,7 +12641,7 @@
         </p:blipFill>
         <p:spPr>
           <a:xfrm>
-            <a:off x="863755" y="1114424"/>
+            <a:off x="863755" y="1537753"/>
             <a:ext cx="10464489" cy="4629151"/>
           </a:xfrm>
           <a:prstGeom prst="rect">
@@ -11602,15 +12665,10 @@
             <p:ph type="title"/>
           </p:nvPr>
         </p:nvSpPr>
-        <p:spPr>
-          <a:xfrm>
-            <a:off x="838200" y="365126"/>
-            <a:ext cx="10515600" cy="950328"/>
-          </a:xfrm>
-        </p:spPr>
+        <p:spPr/>
         <p:txBody>
           <a:bodyPr>
-            <a:normAutofit fontScale="90000"/>
+            <a:normAutofit/>
           </a:bodyPr>
           <a:lstStyle/>
           <a:p>
@@ -11634,7 +12692,7 @@
 </p:sld>
 </file>
 
-<file path=ppt/slides/slide5.xml><?xml version="1.0" encoding="utf-8"?>
+<file path=ppt/slides/slide6.xml><?xml version="1.0" encoding="utf-8"?>
 <p:sld xmlns:a="http://schemas.openxmlformats.org/drawingml/2006/main" xmlns:r="http://schemas.openxmlformats.org/officeDocument/2006/relationships" xmlns:p="http://schemas.openxmlformats.org/presentationml/2006/main">
   <p:cSld>
     <p:spTree>
@@ -11759,7 +12817,7 @@
         <p:spPr>
           <a:xfrm>
             <a:off x="524933" y="5130801"/>
-            <a:ext cx="11142133" cy="954107"/>
+            <a:ext cx="11142133" cy="1384995"/>
           </a:xfrm>
           <a:prstGeom prst="rect">
             <a:avLst/>
@@ -11773,7 +12831,9 @@
           <a:lstStyle/>
           <a:p>
             <a:r>
-              <a:rPr lang="en-US" sz="2800" dirty="0"/>
+              <a:rPr lang="en-US" sz="2800" dirty="0">
+                <a:latin typeface="Bahnschrift" panose="020B0502040204020203" pitchFamily="34" charset="0"/>
+              </a:rPr>
               <a:t>We can see how an increase in radiative forcing has caused an increase in global mean temperatures and global mean sea-levels over the years.</a:t>
             </a:r>
           </a:p>
@@ -11792,7 +12852,7 @@
 </p:sld>
 </file>
 
-<file path=ppt/slides/slide6.xml><?xml version="1.0" encoding="utf-8"?>
+<file path=ppt/slides/slide7.xml><?xml version="1.0" encoding="utf-8"?>
 <p:sld xmlns:a="http://schemas.openxmlformats.org/drawingml/2006/main" xmlns:r="http://schemas.openxmlformats.org/officeDocument/2006/relationships" xmlns:p="http://schemas.openxmlformats.org/presentationml/2006/main">
   <p:cSld>
     <p:spTree>
@@ -11837,8 +12897,8 @@
           </a:p>
         </p:txBody>
       </p:sp>
-      <mc:AlternateContent xmlns:mc="http://schemas.openxmlformats.org/markup-compatibility/2006" xmlns:a14="http://schemas.microsoft.com/office/drawing/2010/main">
-        <mc:Choice Requires="a14">
+      <mc:AlternateContent xmlns:mc="http://schemas.openxmlformats.org/markup-compatibility/2006">
+        <mc:Choice xmlns:a14="http://schemas.microsoft.com/office/drawing/2010/main" Requires="a14">
           <p:sp>
             <p:nvSpPr>
               <p:cNvPr id="3" name="Content Placeholder 2">
@@ -11858,7 +12918,7 @@
             <p:spPr/>
             <p:txBody>
               <a:bodyPr>
-                <a:normAutofit lnSpcReduction="10000"/>
+                <a:normAutofit/>
               </a:bodyPr>
               <a:lstStyle/>
               <a:p>
@@ -11895,109 +12955,6 @@
                         <a:latin typeface="Cambria Math" panose="02040503050406030204" pitchFamily="18" charset="0"/>
                       </a:rPr>
                       <m:t>=</m:t>
-                    </m:r>
-                    <m:r>
-                      <a:rPr lang="en-US" b="0" i="1" smtClean="0">
-                        <a:latin typeface="Cambria Math" panose="02040503050406030204" pitchFamily="18" charset="0"/>
-                      </a:rPr>
-                      <m:t>𝛼</m:t>
-                    </m:r>
-                    <m:d>
-                      <m:dPr>
-                        <m:ctrlPr>
-                          <a:rPr lang="en-US" b="0" i="1" smtClean="0">
-                            <a:latin typeface="Cambria Math" panose="02040503050406030204" pitchFamily="18" charset="0"/>
-                          </a:rPr>
-                        </m:ctrlPr>
-                      </m:dPr>
-                      <m:e>
-                        <m:r>
-                          <a:rPr lang="en-US" b="0" i="1" smtClean="0">
-                            <a:latin typeface="Cambria Math" panose="02040503050406030204" pitchFamily="18" charset="0"/>
-                          </a:rPr>
-                          <m:t>𝑇</m:t>
-                        </m:r>
-                        <m:d>
-                          <m:dPr>
-                            <m:ctrlPr>
-                              <a:rPr lang="en-US" b="0" i="1" smtClean="0">
-                                <a:latin typeface="Cambria Math" panose="02040503050406030204" pitchFamily="18" charset="0"/>
-                              </a:rPr>
-                            </m:ctrlPr>
-                          </m:dPr>
-                          <m:e>
-                            <m:r>
-                              <a:rPr lang="en-US" b="0" i="1" smtClean="0">
-                                <a:latin typeface="Cambria Math" panose="02040503050406030204" pitchFamily="18" charset="0"/>
-                              </a:rPr>
-                              <m:t>𝑡</m:t>
-                            </m:r>
-                          </m:e>
-                        </m:d>
-                        <m:r>
-                          <a:rPr lang="en-US" b="0" i="1" smtClean="0">
-                            <a:latin typeface="Cambria Math" panose="02040503050406030204" pitchFamily="18" charset="0"/>
-                          </a:rPr>
-                          <m:t>−</m:t>
-                        </m:r>
-                        <m:sSub>
-                          <m:sSubPr>
-                            <m:ctrlPr>
-                              <a:rPr lang="en-US" b="0" i="1" smtClean="0">
-                                <a:latin typeface="Cambria Math" panose="02040503050406030204" pitchFamily="18" charset="0"/>
-                              </a:rPr>
-                            </m:ctrlPr>
-                          </m:sSubPr>
-                          <m:e>
-                            <m:r>
-                              <a:rPr lang="en-US" b="0" i="1" smtClean="0">
-                                <a:latin typeface="Cambria Math" panose="02040503050406030204" pitchFamily="18" charset="0"/>
-                              </a:rPr>
-                              <m:t>𝑇</m:t>
-                            </m:r>
-                          </m:e>
-                          <m:sub>
-                            <m:r>
-                              <a:rPr lang="en-US" b="0" i="1" smtClean="0">
-                                <a:latin typeface="Cambria Math" panose="02040503050406030204" pitchFamily="18" charset="0"/>
-                              </a:rPr>
-                              <m:t>𝑒𝑞</m:t>
-                            </m:r>
-                          </m:sub>
-                        </m:sSub>
-                      </m:e>
-                    </m:d>
-                  </m:oMath>
-                </a14:m>
-                <a:endParaRPr lang="en-US" b="0" dirty="0"/>
-              </a:p>
-              <a:p>
-                <a:pPr lvl="1"/>
-                <a14:m>
-                  <m:oMath xmlns:m="http://schemas.openxmlformats.org/officeDocument/2006/math">
-                    <m:r>
-                      <a:rPr lang="en-US" b="0" i="1" smtClean="0">
-                        <a:latin typeface="Cambria Math" panose="02040503050406030204" pitchFamily="18" charset="0"/>
-                      </a:rPr>
-                      <m:t>𝑑𝑆</m:t>
-                    </m:r>
-                    <m:r>
-                      <a:rPr lang="en-US" b="0" i="1" smtClean="0">
-                        <a:latin typeface="Cambria Math" panose="02040503050406030204" pitchFamily="18" charset="0"/>
-                      </a:rPr>
-                      <m:t>=</m:t>
-                    </m:r>
-                    <m:r>
-                      <a:rPr lang="en-US" b="0" i="1" smtClean="0">
-                        <a:latin typeface="Cambria Math" panose="02040503050406030204" pitchFamily="18" charset="0"/>
-                      </a:rPr>
-                      <m:t>𝑑𝑡</m:t>
-                    </m:r>
-                    <m:r>
-                      <a:rPr lang="en-US" b="0" i="1" smtClean="0">
-                        <a:latin typeface="Cambria Math" panose="02040503050406030204" pitchFamily="18" charset="0"/>
-                      </a:rPr>
-                      <m:t>×</m:t>
                     </m:r>
                     <m:r>
                       <a:rPr lang="en-US" b="0" i="1" smtClean="0">
@@ -12418,506 +13375,6 @@
               </a:p>
               <a:p>
                 <a:pPr lvl="1"/>
-                <a:r>
-                  <a:rPr lang="en-US" b="0" dirty="0"/>
-                  <a:t>Start Model</a:t>
-                </a:r>
-              </a:p>
-              <a:p>
-                <a:pPr lvl="1"/>
-                <a14:m>
-                  <m:oMath xmlns:m="http://schemas.openxmlformats.org/officeDocument/2006/math">
-                    <m:sSub>
-                      <m:sSubPr>
-                        <m:ctrlPr>
-                          <a:rPr lang="en-US" b="0" i="1" smtClean="0">
-                            <a:latin typeface="Cambria Math" panose="02040503050406030204" pitchFamily="18" charset="0"/>
-                          </a:rPr>
-                        </m:ctrlPr>
-                      </m:sSubPr>
-                      <m:e>
-                        <m:r>
-                          <a:rPr lang="en-US" b="0" i="1" smtClean="0">
-                            <a:latin typeface="Cambria Math" panose="02040503050406030204" pitchFamily="18" charset="0"/>
-                          </a:rPr>
-                          <m:t>𝑑</m:t>
-                        </m:r>
-                      </m:e>
-                      <m:sub>
-                        <m:r>
-                          <a:rPr lang="en-US" b="0" i="1" smtClean="0">
-                            <a:latin typeface="Cambria Math" panose="02040503050406030204" pitchFamily="18" charset="0"/>
-                          </a:rPr>
-                          <m:t>0</m:t>
-                        </m:r>
-                      </m:sub>
-                    </m:sSub>
-                    <m:r>
-                      <a:rPr lang="en-US" b="0" i="1" smtClean="0">
-                        <a:latin typeface="Cambria Math" panose="02040503050406030204" pitchFamily="18" charset="0"/>
-                      </a:rPr>
-                      <m:t>←</m:t>
-                    </m:r>
-                    <m:sSub>
-                      <m:sSubPr>
-                        <m:ctrlPr>
-                          <a:rPr lang="en-US" b="0" i="1" smtClean="0">
-                            <a:latin typeface="Cambria Math" panose="02040503050406030204" pitchFamily="18" charset="0"/>
-                          </a:rPr>
-                        </m:ctrlPr>
-                      </m:sSubPr>
-                      <m:e>
-                        <m:r>
-                          <a:rPr lang="en-US" b="0" i="1" smtClean="0">
-                            <a:latin typeface="Cambria Math" panose="02040503050406030204" pitchFamily="18" charset="0"/>
-                          </a:rPr>
-                          <m:t>𝑆</m:t>
-                        </m:r>
-                      </m:e>
-                      <m:sub>
-                        <m:r>
-                          <a:rPr lang="en-US" b="0" i="1" smtClean="0">
-                            <a:latin typeface="Cambria Math" panose="02040503050406030204" pitchFamily="18" charset="0"/>
-                          </a:rPr>
-                          <m:t>0</m:t>
-                        </m:r>
-                      </m:sub>
-                    </m:sSub>
-                    <m:r>
-                      <a:rPr lang="en-US" b="0" i="1" smtClean="0">
-                        <a:latin typeface="Cambria Math" panose="02040503050406030204" pitchFamily="18" charset="0"/>
-                      </a:rPr>
-                      <m:t> </m:t>
-                    </m:r>
-                    <m:r>
-                      <a:rPr lang="en-US" b="0" i="1" smtClean="0">
-                        <a:latin typeface="Cambria Math" panose="02040503050406030204" pitchFamily="18" charset="0"/>
-                      </a:rPr>
-                      <m:t>𝑎𝑠𝑠𝑢𝑚𝑒</m:t>
-                    </m:r>
-                    <m:d>
-                      <m:dPr>
-                        <m:ctrlPr>
-                          <a:rPr lang="en-US" b="0" i="1" smtClean="0">
-                            <a:latin typeface="Cambria Math" panose="02040503050406030204" pitchFamily="18" charset="0"/>
-                          </a:rPr>
-                        </m:ctrlPr>
-                      </m:dPr>
-                      <m:e>
-                        <m:r>
-                          <a:rPr lang="en-US" b="0" i="1" smtClean="0">
-                            <a:latin typeface="Cambria Math" panose="02040503050406030204" pitchFamily="18" charset="0"/>
-                          </a:rPr>
-                          <m:t>𝛼</m:t>
-                        </m:r>
-                        <m:r>
-                          <a:rPr lang="en-US" b="0" i="1" smtClean="0">
-                            <a:latin typeface="Cambria Math" panose="02040503050406030204" pitchFamily="18" charset="0"/>
-                          </a:rPr>
-                          <m:t>,</m:t>
-                        </m:r>
-                        <m:sSub>
-                          <m:sSubPr>
-                            <m:ctrlPr>
-                              <a:rPr lang="en-US" b="0" i="1" smtClean="0">
-                                <a:latin typeface="Cambria Math" panose="02040503050406030204" pitchFamily="18" charset="0"/>
-                              </a:rPr>
-                            </m:ctrlPr>
-                          </m:sSubPr>
-                          <m:e>
-                            <m:r>
-                              <a:rPr lang="en-US" b="0" i="1" smtClean="0">
-                                <a:latin typeface="Cambria Math" panose="02040503050406030204" pitchFamily="18" charset="0"/>
-                              </a:rPr>
-                              <m:t>𝑇</m:t>
-                            </m:r>
-                          </m:e>
-                          <m:sub>
-                            <m:r>
-                              <a:rPr lang="en-US" b="0" i="1" smtClean="0">
-                                <a:latin typeface="Cambria Math" panose="02040503050406030204" pitchFamily="18" charset="0"/>
-                              </a:rPr>
-                              <m:t>𝑒𝑞</m:t>
-                            </m:r>
-                          </m:sub>
-                        </m:sSub>
-                      </m:e>
-                    </m:d>
-                  </m:oMath>
-                </a14:m>
-                <a:endParaRPr lang="en-US" b="0" dirty="0"/>
-              </a:p>
-              <a:p>
-                <a:pPr lvl="1"/>
-                <a14:m>
-                  <m:oMath xmlns:m="http://schemas.openxmlformats.org/officeDocument/2006/math">
-                    <m:sSub>
-                      <m:sSubPr>
-                        <m:ctrlPr>
-                          <a:rPr lang="en-US" b="0" i="1" smtClean="0">
-                            <a:latin typeface="Cambria Math" panose="02040503050406030204" pitchFamily="18" charset="0"/>
-                          </a:rPr>
-                        </m:ctrlPr>
-                      </m:sSubPr>
-                      <m:e>
-                        <m:r>
-                          <a:rPr lang="en-US" b="0" i="1" smtClean="0">
-                            <a:latin typeface="Cambria Math" panose="02040503050406030204" pitchFamily="18" charset="0"/>
-                          </a:rPr>
-                          <m:t>𝑑</m:t>
-                        </m:r>
-                      </m:e>
-                      <m:sub>
-                        <m:r>
-                          <a:rPr lang="en-US" b="0" i="1" smtClean="0">
-                            <a:latin typeface="Cambria Math" panose="02040503050406030204" pitchFamily="18" charset="0"/>
-                          </a:rPr>
-                          <m:t>1</m:t>
-                        </m:r>
-                      </m:sub>
-                    </m:sSub>
-                    <m:r>
-                      <a:rPr lang="en-US" b="0" i="1" smtClean="0">
-                        <a:latin typeface="Cambria Math" panose="02040503050406030204" pitchFamily="18" charset="0"/>
-                      </a:rPr>
-                      <m:t>←</m:t>
-                    </m:r>
-                    <m:sSub>
-                      <m:sSubPr>
-                        <m:ctrlPr>
-                          <a:rPr lang="en-US" b="0" i="1" smtClean="0">
-                            <a:latin typeface="Cambria Math" panose="02040503050406030204" pitchFamily="18" charset="0"/>
-                          </a:rPr>
-                        </m:ctrlPr>
-                      </m:sSubPr>
-                      <m:e>
-                        <m:r>
-                          <a:rPr lang="en-US" b="0" i="1" smtClean="0">
-                            <a:latin typeface="Cambria Math" panose="02040503050406030204" pitchFamily="18" charset="0"/>
-                          </a:rPr>
-                          <m:t>𝑆</m:t>
-                        </m:r>
-                      </m:e>
-                      <m:sub>
-                        <m:r>
-                          <a:rPr lang="en-US" b="0" i="1" smtClean="0">
-                            <a:latin typeface="Cambria Math" panose="02040503050406030204" pitchFamily="18" charset="0"/>
-                          </a:rPr>
-                          <m:t>1</m:t>
-                        </m:r>
-                      </m:sub>
-                    </m:sSub>
-                    <m:r>
-                      <a:rPr lang="en-US" b="0" i="1" smtClean="0">
-                        <a:latin typeface="Cambria Math" panose="02040503050406030204" pitchFamily="18" charset="0"/>
-                      </a:rPr>
-                      <m:t>=</m:t>
-                    </m:r>
-                    <m:sSub>
-                      <m:sSubPr>
-                        <m:ctrlPr>
-                          <a:rPr lang="en-US" b="0" i="1" smtClean="0">
-                            <a:latin typeface="Cambria Math" panose="02040503050406030204" pitchFamily="18" charset="0"/>
-                          </a:rPr>
-                        </m:ctrlPr>
-                      </m:sSubPr>
-                      <m:e>
-                        <m:r>
-                          <a:rPr lang="en-US" b="0" i="1" smtClean="0">
-                            <a:latin typeface="Cambria Math" panose="02040503050406030204" pitchFamily="18" charset="0"/>
-                          </a:rPr>
-                          <m:t>𝑆</m:t>
-                        </m:r>
-                      </m:e>
-                      <m:sub>
-                        <m:r>
-                          <a:rPr lang="en-US" b="0" i="1" smtClean="0">
-                            <a:latin typeface="Cambria Math" panose="02040503050406030204" pitchFamily="18" charset="0"/>
-                          </a:rPr>
-                          <m:t>0</m:t>
-                        </m:r>
-                      </m:sub>
-                    </m:sSub>
-                    <m:r>
-                      <a:rPr lang="en-US" b="0" i="1" smtClean="0">
-                        <a:latin typeface="Cambria Math" panose="02040503050406030204" pitchFamily="18" charset="0"/>
-                      </a:rPr>
-                      <m:t>+</m:t>
-                    </m:r>
-                    <m:r>
-                      <m:rPr>
-                        <m:sty m:val="p"/>
-                      </m:rPr>
-                      <a:rPr lang="en-US" b="0" i="0" smtClean="0">
-                        <a:latin typeface="Cambria Math" panose="02040503050406030204" pitchFamily="18" charset="0"/>
-                      </a:rPr>
-                      <m:t>Δ</m:t>
-                    </m:r>
-                    <m:r>
-                      <a:rPr lang="en-US" b="0" i="1" smtClean="0">
-                        <a:latin typeface="Cambria Math" panose="02040503050406030204" pitchFamily="18" charset="0"/>
-                      </a:rPr>
-                      <m:t>𝑡</m:t>
-                    </m:r>
-                    <m:r>
-                      <a:rPr lang="en-US" b="0" i="1" smtClean="0">
-                        <a:latin typeface="Cambria Math" panose="02040503050406030204" pitchFamily="18" charset="0"/>
-                      </a:rPr>
-                      <m:t>×</m:t>
-                    </m:r>
-                    <m:r>
-                      <a:rPr lang="en-US" b="0" i="1" smtClean="0">
-                        <a:latin typeface="Cambria Math" panose="02040503050406030204" pitchFamily="18" charset="0"/>
-                      </a:rPr>
-                      <m:t>𝛼</m:t>
-                    </m:r>
-                    <m:r>
-                      <a:rPr lang="en-US" b="0" i="1" smtClean="0">
-                        <a:latin typeface="Cambria Math" panose="02040503050406030204" pitchFamily="18" charset="0"/>
-                      </a:rPr>
-                      <m:t>×</m:t>
-                    </m:r>
-                    <m:d>
-                      <m:dPr>
-                        <m:ctrlPr>
-                          <a:rPr lang="en-US" b="0" i="1" smtClean="0">
-                            <a:latin typeface="Cambria Math" panose="02040503050406030204" pitchFamily="18" charset="0"/>
-                          </a:rPr>
-                        </m:ctrlPr>
-                      </m:dPr>
-                      <m:e>
-                        <m:sSub>
-                          <m:sSubPr>
-                            <m:ctrlPr>
-                              <a:rPr lang="en-US" b="0" i="1" smtClean="0">
-                                <a:latin typeface="Cambria Math" panose="02040503050406030204" pitchFamily="18" charset="0"/>
-                              </a:rPr>
-                            </m:ctrlPr>
-                          </m:sSubPr>
-                          <m:e>
-                            <m:r>
-                              <a:rPr lang="en-US" b="0" i="1" smtClean="0">
-                                <a:latin typeface="Cambria Math" panose="02040503050406030204" pitchFamily="18" charset="0"/>
-                              </a:rPr>
-                              <m:t>𝑇</m:t>
-                            </m:r>
-                          </m:e>
-                          <m:sub>
-                            <m:r>
-                              <a:rPr lang="en-US" b="0" i="1" smtClean="0">
-                                <a:latin typeface="Cambria Math" panose="02040503050406030204" pitchFamily="18" charset="0"/>
-                              </a:rPr>
-                              <m:t>0</m:t>
-                            </m:r>
-                          </m:sub>
-                        </m:sSub>
-                        <m:r>
-                          <a:rPr lang="en-US" b="0" i="1" smtClean="0">
-                            <a:latin typeface="Cambria Math" panose="02040503050406030204" pitchFamily="18" charset="0"/>
-                          </a:rPr>
-                          <m:t>−</m:t>
-                        </m:r>
-                        <m:sSub>
-                          <m:sSubPr>
-                            <m:ctrlPr>
-                              <a:rPr lang="en-US" b="0" i="1" smtClean="0">
-                                <a:latin typeface="Cambria Math" panose="02040503050406030204" pitchFamily="18" charset="0"/>
-                              </a:rPr>
-                            </m:ctrlPr>
-                          </m:sSubPr>
-                          <m:e>
-                            <m:r>
-                              <a:rPr lang="en-US" b="0" i="1" smtClean="0">
-                                <a:latin typeface="Cambria Math" panose="02040503050406030204" pitchFamily="18" charset="0"/>
-                              </a:rPr>
-                              <m:t>𝑇</m:t>
-                            </m:r>
-                          </m:e>
-                          <m:sub>
-                            <m:r>
-                              <a:rPr lang="en-US" b="0" i="1" smtClean="0">
-                                <a:latin typeface="Cambria Math" panose="02040503050406030204" pitchFamily="18" charset="0"/>
-                              </a:rPr>
-                              <m:t>𝑒𝑞</m:t>
-                            </m:r>
-                          </m:sub>
-                        </m:sSub>
-                      </m:e>
-                    </m:d>
-                  </m:oMath>
-                </a14:m>
-                <a:endParaRPr lang="en-US" b="0" dirty="0"/>
-              </a:p>
-              <a:p>
-                <a:pPr lvl="1"/>
-                <a14:m>
-                  <m:oMath xmlns:m="http://schemas.openxmlformats.org/officeDocument/2006/math">
-                    <m:sSub>
-                      <m:sSubPr>
-                        <m:ctrlPr>
-                          <a:rPr lang="en-US" b="0" i="1" smtClean="0">
-                            <a:latin typeface="Cambria Math" panose="02040503050406030204" pitchFamily="18" charset="0"/>
-                          </a:rPr>
-                        </m:ctrlPr>
-                      </m:sSubPr>
-                      <m:e>
-                        <m:r>
-                          <a:rPr lang="en-US" b="0" i="1" smtClean="0">
-                            <a:latin typeface="Cambria Math" panose="02040503050406030204" pitchFamily="18" charset="0"/>
-                          </a:rPr>
-                          <m:t>𝑑</m:t>
-                        </m:r>
-                      </m:e>
-                      <m:sub>
-                        <m:r>
-                          <a:rPr lang="en-US" b="0" i="1" smtClean="0">
-                            <a:latin typeface="Cambria Math" panose="02040503050406030204" pitchFamily="18" charset="0"/>
-                          </a:rPr>
-                          <m:t>2</m:t>
-                        </m:r>
-                      </m:sub>
-                    </m:sSub>
-                    <m:r>
-                      <a:rPr lang="en-US" b="0" i="1" smtClean="0">
-                        <a:latin typeface="Cambria Math" panose="02040503050406030204" pitchFamily="18" charset="0"/>
-                      </a:rPr>
-                      <m:t>←</m:t>
-                    </m:r>
-                    <m:sSub>
-                      <m:sSubPr>
-                        <m:ctrlPr>
-                          <a:rPr lang="en-US" b="0" i="1" smtClean="0">
-                            <a:latin typeface="Cambria Math" panose="02040503050406030204" pitchFamily="18" charset="0"/>
-                          </a:rPr>
-                        </m:ctrlPr>
-                      </m:sSubPr>
-                      <m:e>
-                        <m:r>
-                          <a:rPr lang="en-US" b="0" i="1" smtClean="0">
-                            <a:latin typeface="Cambria Math" panose="02040503050406030204" pitchFamily="18" charset="0"/>
-                          </a:rPr>
-                          <m:t>𝑆</m:t>
-                        </m:r>
-                      </m:e>
-                      <m:sub>
-                        <m:r>
-                          <a:rPr lang="en-US" b="0" i="1" smtClean="0">
-                            <a:latin typeface="Cambria Math" panose="02040503050406030204" pitchFamily="18" charset="0"/>
-                          </a:rPr>
-                          <m:t>2</m:t>
-                        </m:r>
-                      </m:sub>
-                    </m:sSub>
-                    <m:r>
-                      <a:rPr lang="en-US" b="0" i="1" smtClean="0">
-                        <a:latin typeface="Cambria Math" panose="02040503050406030204" pitchFamily="18" charset="0"/>
-                      </a:rPr>
-                      <m:t>=</m:t>
-                    </m:r>
-                    <m:sSub>
-                      <m:sSubPr>
-                        <m:ctrlPr>
-                          <a:rPr lang="en-US" b="0" i="1" smtClean="0">
-                            <a:latin typeface="Cambria Math" panose="02040503050406030204" pitchFamily="18" charset="0"/>
-                          </a:rPr>
-                        </m:ctrlPr>
-                      </m:sSubPr>
-                      <m:e>
-                        <m:r>
-                          <a:rPr lang="en-US" b="0" i="1" smtClean="0">
-                            <a:latin typeface="Cambria Math" panose="02040503050406030204" pitchFamily="18" charset="0"/>
-                          </a:rPr>
-                          <m:t>𝑆</m:t>
-                        </m:r>
-                      </m:e>
-                      <m:sub>
-                        <m:r>
-                          <a:rPr lang="en-US" b="0" i="1" smtClean="0">
-                            <a:latin typeface="Cambria Math" panose="02040503050406030204" pitchFamily="18" charset="0"/>
-                          </a:rPr>
-                          <m:t>1</m:t>
-                        </m:r>
-                      </m:sub>
-                    </m:sSub>
-                    <m:r>
-                      <a:rPr lang="en-US" b="0" i="1" smtClean="0">
-                        <a:latin typeface="Cambria Math" panose="02040503050406030204" pitchFamily="18" charset="0"/>
-                      </a:rPr>
-                      <m:t>+…</m:t>
-                    </m:r>
-                    <m:d>
-                      <m:dPr>
-                        <m:ctrlPr>
-                          <a:rPr lang="en-US" b="0" i="1" smtClean="0">
-                            <a:latin typeface="Cambria Math" panose="02040503050406030204" pitchFamily="18" charset="0"/>
-                          </a:rPr>
-                        </m:ctrlPr>
-                      </m:dPr>
-                      <m:e>
-                        <m:sSub>
-                          <m:sSubPr>
-                            <m:ctrlPr>
-                              <a:rPr lang="en-US" b="0" i="1" smtClean="0">
-                                <a:latin typeface="Cambria Math" panose="02040503050406030204" pitchFamily="18" charset="0"/>
-                              </a:rPr>
-                            </m:ctrlPr>
-                          </m:sSubPr>
-                          <m:e>
-                            <m:r>
-                              <a:rPr lang="en-US" b="0" i="1" smtClean="0">
-                                <a:latin typeface="Cambria Math" panose="02040503050406030204" pitchFamily="18" charset="0"/>
-                              </a:rPr>
-                              <m:t>𝑇</m:t>
-                            </m:r>
-                          </m:e>
-                          <m:sub>
-                            <m:r>
-                              <a:rPr lang="en-US" b="0" i="1" smtClean="0">
-                                <a:latin typeface="Cambria Math" panose="02040503050406030204" pitchFamily="18" charset="0"/>
-                              </a:rPr>
-                              <m:t>1</m:t>
-                            </m:r>
-                          </m:sub>
-                        </m:sSub>
-                        <m:r>
-                          <a:rPr lang="en-US" b="0" i="1" smtClean="0">
-                            <a:latin typeface="Cambria Math" panose="02040503050406030204" pitchFamily="18" charset="0"/>
-                          </a:rPr>
-                          <m:t>−</m:t>
-                        </m:r>
-                        <m:sSub>
-                          <m:sSubPr>
-                            <m:ctrlPr>
-                              <a:rPr lang="en-US" b="0" i="1" smtClean="0">
-                                <a:latin typeface="Cambria Math" panose="02040503050406030204" pitchFamily="18" charset="0"/>
-                              </a:rPr>
-                            </m:ctrlPr>
-                          </m:sSubPr>
-                          <m:e>
-                            <m:r>
-                              <a:rPr lang="en-US" b="0" i="1" smtClean="0">
-                                <a:latin typeface="Cambria Math" panose="02040503050406030204" pitchFamily="18" charset="0"/>
-                              </a:rPr>
-                              <m:t>𝑇</m:t>
-                            </m:r>
-                          </m:e>
-                          <m:sub>
-                            <m:r>
-                              <a:rPr lang="en-US" b="0" i="1" smtClean="0">
-                                <a:latin typeface="Cambria Math" panose="02040503050406030204" pitchFamily="18" charset="0"/>
-                              </a:rPr>
-                              <m:t>𝑒𝑞</m:t>
-                            </m:r>
-                          </m:sub>
-                        </m:sSub>
-                      </m:e>
-                    </m:d>
-                  </m:oMath>
-                </a14:m>
-                <a:endParaRPr lang="en-US" b="0" dirty="0"/>
-              </a:p>
-              <a:p>
-                <a:pPr lvl="1"/>
                 <a14:m>
                   <m:oMath xmlns:m="http://schemas.openxmlformats.org/officeDocument/2006/math">
                     <m:sSub>
@@ -13123,20 +13580,16 @@
                 </a14:m>
                 <a:endParaRPr lang="en-US" b="0" dirty="0"/>
               </a:p>
-              <a:p>
-                <a:pPr lvl="1"/>
-                <a:endParaRPr lang="en-US" b="0" dirty="0"/>
-              </a:p>
             </p:txBody>
           </p:sp>
         </mc:Choice>
-        <mc:Fallback xmlns="">
+        <mc:Fallback>
           <p:sp>
             <p:nvSpPr>
               <p:cNvPr id="3" name="Content Placeholder 2">
                 <a:extLst>
                   <a:ext uri="{FF2B5EF4-FFF2-40B4-BE49-F238E27FC236}">
-                    <a16:creationId xmlns:a16="http://schemas.microsoft.com/office/drawing/2014/main" xmlns:a14="http://schemas.microsoft.com/office/drawing/2010/main" xmlns="" id="{38720C92-7700-40CA-979E-55B1448F2966}"/>
+                    <a16:creationId xmlns:a16="http://schemas.microsoft.com/office/drawing/2014/main" id="{38720C92-7700-40CA-979E-55B1448F2966}"/>
                   </a:ext>
                 </a:extLst>
               </p:cNvPr>
@@ -13148,7 +13601,7 @@
               </p:nvPr>
             </p:nvSpPr>
             <p:spPr>
-              <a:blipFill rotWithShape="0">
+              <a:blipFill>
                 <a:blip r:embed="rId3"/>
                 <a:stretch>
                   <a:fillRect/>
@@ -13186,7 +13639,7 @@
             </p:nvSpPr>
             <p:spPr>
               <a:xfrm>
-                <a:off x="5858934" y="1315454"/>
+                <a:off x="1418647" y="3974943"/>
                 <a:ext cx="6281335" cy="1849096"/>
               </a:xfrm>
               <a:prstGeom prst="rect">
@@ -13325,7 +13778,7 @@
             </p:nvSpPr>
             <p:spPr>
               <a:xfrm>
-                <a:off x="5858934" y="1315454"/>
+                <a:off x="1418647" y="3974943"/>
                 <a:ext cx="6281335" cy="1849096"/>
               </a:xfrm>
               <a:prstGeom prst="rect">
@@ -13334,7 +13787,7 @@
               <a:blipFill>
                 <a:blip r:embed="rId4"/>
                 <a:stretch>
-                  <a:fillRect t="-3300" r="-970" b="-6931"/>
+                  <a:fillRect t="-2970" r="-971" b="-6931"/>
                 </a:stretch>
               </a:blipFill>
             </p:spPr>
@@ -13404,7 +13857,7 @@
 </p:sld>
 </file>
 
-<file path=ppt/slides/slide7.xml><?xml version="1.0" encoding="utf-8"?>
+<file path=ppt/slides/slide8.xml><?xml version="1.0" encoding="utf-8"?>
 <p:sld xmlns:a="http://schemas.openxmlformats.org/drawingml/2006/main" xmlns:r="http://schemas.openxmlformats.org/officeDocument/2006/relationships" xmlns:p="http://schemas.openxmlformats.org/presentationml/2006/main">
   <p:cSld>
     <p:spTree>
@@ -13515,7 +13968,7 @@
 </p:sld>
 </file>
 
-<file path=ppt/slides/slide8.xml><?xml version="1.0" encoding="utf-8"?>
+<file path=ppt/slides/slide9.xml><?xml version="1.0" encoding="utf-8"?>
 <p:sld xmlns:a="http://schemas.openxmlformats.org/drawingml/2006/main" xmlns:r="http://schemas.openxmlformats.org/officeDocument/2006/relationships" xmlns:p="http://schemas.openxmlformats.org/presentationml/2006/main">
   <p:cSld>
     <p:spTree>
@@ -13655,211 +14108,17 @@
           <a:p>
             <a:r>
               <a:rPr lang="en-US" dirty="0"/>
-              <a:t>Likelihood function - </a:t>
-            </a:r>
-          </a:p>
-        </p:txBody>
-      </p:sp>
-    </p:spTree>
-    <p:extLst>
-      <p:ext uri="{BB962C8B-B14F-4D97-AF65-F5344CB8AC3E}">
-        <p14:creationId xmlns:p14="http://schemas.microsoft.com/office/powerpoint/2010/main" val="1880209011"/>
-      </p:ext>
-    </p:extLst>
-  </p:cSld>
-  <p:clrMapOvr>
-    <a:masterClrMapping/>
-  </p:clrMapOvr>
-</p:sld>
-</file>
-
-<file path=ppt/slides/slide9.xml><?xml version="1.0" encoding="utf-8"?>
-<p:sld xmlns:a="http://schemas.openxmlformats.org/drawingml/2006/main" xmlns:r="http://schemas.openxmlformats.org/officeDocument/2006/relationships" xmlns:p="http://schemas.openxmlformats.org/presentationml/2006/main">
-  <p:cSld>
-    <p:spTree>
-      <p:nvGrpSpPr>
-        <p:cNvPr id="1" name=""/>
-        <p:cNvGrpSpPr/>
-        <p:nvPr/>
-      </p:nvGrpSpPr>
-      <p:grpSpPr>
-        <a:xfrm>
-          <a:off x="0" y="0"/>
-          <a:ext cx="0" cy="0"/>
-          <a:chOff x="0" y="0"/>
-          <a:chExt cx="0" cy="0"/>
-        </a:xfrm>
-      </p:grpSpPr>
-      <p:sp>
-        <p:nvSpPr>
-          <p:cNvPr id="2" name="Title 1">
-            <a:extLst>
-              <a:ext uri="{FF2B5EF4-FFF2-40B4-BE49-F238E27FC236}">
-                <a16:creationId xmlns:a16="http://schemas.microsoft.com/office/drawing/2014/main" id="{686C4237-8385-439A-86D4-DF3515A0EB4D}"/>
-              </a:ext>
-            </a:extLst>
-          </p:cNvPr>
-          <p:cNvSpPr>
-            <a:spLocks noGrp="1"/>
-          </p:cNvSpPr>
-          <p:nvPr>
-            <p:ph type="title"/>
-          </p:nvPr>
-        </p:nvSpPr>
-        <p:spPr/>
-        <p:txBody>
-          <a:bodyPr/>
-          <a:lstStyle/>
-          <a:p>
-            <a:r>
-              <a:rPr lang="en-US" dirty="0"/>
-              <a:t>History Plots</a:t>
-            </a:r>
-          </a:p>
-        </p:txBody>
-      </p:sp>
-      <p:sp>
-        <p:nvSpPr>
-          <p:cNvPr id="15" name="TextBox 14">
-            <a:extLst>
-              <a:ext uri="{FF2B5EF4-FFF2-40B4-BE49-F238E27FC236}">
-                <a16:creationId xmlns:a16="http://schemas.microsoft.com/office/drawing/2014/main" id="{CCA3BB48-7BDD-4640-B7B1-9D4A2599EA96}"/>
-              </a:ext>
-            </a:extLst>
-          </p:cNvPr>
-          <p:cNvSpPr txBox="1"/>
-          <p:nvPr/>
-        </p:nvSpPr>
-        <p:spPr>
-          <a:xfrm>
-            <a:off x="1609930" y="4899012"/>
-            <a:ext cx="1024639" cy="523220"/>
-          </a:xfrm>
-          <a:prstGeom prst="rect">
-            <a:avLst/>
-          </a:prstGeom>
-          <a:noFill/>
-        </p:spPr>
-        <p:txBody>
-          <a:bodyPr wrap="none" rtlCol="0">
-            <a:spAutoFit/>
-          </a:bodyPr>
-          <a:lstStyle/>
-          <a:p>
-            <a:r>
-              <a:rPr lang="en-US" sz="2800" dirty="0"/>
-              <a:t>Alpha</a:t>
-            </a:r>
-          </a:p>
-        </p:txBody>
-      </p:sp>
-      <p:sp>
-        <p:nvSpPr>
-          <p:cNvPr id="16" name="TextBox 15">
-            <a:extLst>
-              <a:ext uri="{FF2B5EF4-FFF2-40B4-BE49-F238E27FC236}">
-                <a16:creationId xmlns:a16="http://schemas.microsoft.com/office/drawing/2014/main" id="{DFEC1B2A-71D6-4AAC-8706-45D107249D4C}"/>
-              </a:ext>
-            </a:extLst>
-          </p:cNvPr>
-          <p:cNvSpPr txBox="1"/>
-          <p:nvPr/>
-        </p:nvSpPr>
-        <p:spPr>
-          <a:xfrm>
-            <a:off x="5748725" y="4899012"/>
-            <a:ext cx="694549" cy="523220"/>
-          </a:xfrm>
-          <a:prstGeom prst="rect">
-            <a:avLst/>
-          </a:prstGeom>
-          <a:noFill/>
-        </p:spPr>
-        <p:txBody>
-          <a:bodyPr wrap="none" rtlCol="0">
-            <a:spAutoFit/>
-          </a:bodyPr>
-          <a:lstStyle/>
-          <a:p>
-            <a:r>
-              <a:rPr lang="en-US" sz="2800" dirty="0" err="1"/>
-              <a:t>Teq</a:t>
-            </a:r>
-            <a:endParaRPr lang="en-US" sz="2800" dirty="0"/>
-          </a:p>
-        </p:txBody>
-      </p:sp>
-      <p:sp>
-        <p:nvSpPr>
-          <p:cNvPr id="17" name="TextBox 16">
-            <a:extLst>
-              <a:ext uri="{FF2B5EF4-FFF2-40B4-BE49-F238E27FC236}">
-                <a16:creationId xmlns:a16="http://schemas.microsoft.com/office/drawing/2014/main" id="{4605670E-3745-4450-86CE-AF4751EB3C38}"/>
-              </a:ext>
-            </a:extLst>
-          </p:cNvPr>
-          <p:cNvSpPr txBox="1"/>
-          <p:nvPr/>
-        </p:nvSpPr>
-        <p:spPr>
-          <a:xfrm>
-            <a:off x="9592543" y="4899012"/>
-            <a:ext cx="758541" cy="523220"/>
-          </a:xfrm>
-          <a:prstGeom prst="rect">
-            <a:avLst/>
-          </a:prstGeom>
-          <a:noFill/>
-        </p:spPr>
-        <p:txBody>
-          <a:bodyPr wrap="none" rtlCol="0">
-            <a:spAutoFit/>
-          </a:bodyPr>
-          <a:lstStyle/>
-          <a:p>
-            <a:r>
-              <a:rPr lang="en-US" sz="2800" dirty="0"/>
-              <a:t>Rho</a:t>
+              <a:t>Log-Likelihood function - </a:t>
             </a:r>
           </a:p>
         </p:txBody>
       </p:sp>
       <p:pic>
         <p:nvPicPr>
-          <p:cNvPr id="18" name="Picture 17">
+          <p:cNvPr id="6" name="Picture 5">
             <a:extLst>
               <a:ext uri="{FF2B5EF4-FFF2-40B4-BE49-F238E27FC236}">
-                <a16:creationId xmlns:a16="http://schemas.microsoft.com/office/drawing/2014/main" id="{82714EE7-4ED6-4125-8573-761F58ED4771}"/>
-              </a:ext>
-            </a:extLst>
-          </p:cNvPr>
-          <p:cNvPicPr>
-            <a:picLocks noChangeAspect="1"/>
-          </p:cNvPicPr>
-          <p:nvPr/>
-        </p:nvPicPr>
-        <p:blipFill>
-          <a:blip r:embed="rId2"/>
-          <a:stretch>
-            <a:fillRect/>
-          </a:stretch>
-        </p:blipFill>
-        <p:spPr>
-          <a:xfrm>
-            <a:off x="250532" y="1958988"/>
-            <a:ext cx="3743433" cy="2607740"/>
-          </a:xfrm>
-          <a:prstGeom prst="rect">
-            <a:avLst/>
-          </a:prstGeom>
-        </p:spPr>
-      </p:pic>
-      <p:pic>
-        <p:nvPicPr>
-          <p:cNvPr id="19" name="Picture 18">
-            <a:extLst>
-              <a:ext uri="{FF2B5EF4-FFF2-40B4-BE49-F238E27FC236}">
-                <a16:creationId xmlns:a16="http://schemas.microsoft.com/office/drawing/2014/main" id="{B2104F80-1D62-472E-9EF1-AA2529BC8F10}"/>
+                <a16:creationId xmlns:a16="http://schemas.microsoft.com/office/drawing/2014/main" id="{D7E556E6-B722-4995-B48A-ED5CF03EC91B}"/>
               </a:ext>
             </a:extLst>
           </p:cNvPr>
@@ -13876,38 +14135,8 @@
         </p:blipFill>
         <p:spPr>
           <a:xfrm>
-            <a:off x="4147304" y="1958988"/>
-            <a:ext cx="3901718" cy="2607740"/>
-          </a:xfrm>
-          <a:prstGeom prst="rect">
-            <a:avLst/>
-          </a:prstGeom>
-        </p:spPr>
-      </p:pic>
-      <p:pic>
-        <p:nvPicPr>
-          <p:cNvPr id="20" name="Picture 19">
-            <a:extLst>
-              <a:ext uri="{FF2B5EF4-FFF2-40B4-BE49-F238E27FC236}">
-                <a16:creationId xmlns:a16="http://schemas.microsoft.com/office/drawing/2014/main" id="{FACB4D70-AA54-45F5-A0E8-1761E536E2E5}"/>
-              </a:ext>
-            </a:extLst>
-          </p:cNvPr>
-          <p:cNvPicPr>
-            <a:picLocks noChangeAspect="1"/>
-          </p:cNvPicPr>
-          <p:nvPr/>
-        </p:nvPicPr>
-        <p:blipFill>
-          <a:blip r:embed="rId4"/>
-          <a:stretch>
-            <a:fillRect/>
-          </a:stretch>
-        </p:blipFill>
-        <p:spPr>
-          <a:xfrm>
-            <a:off x="8044697" y="1958988"/>
-            <a:ext cx="3854232" cy="2607740"/>
+            <a:off x="5010149" y="5689055"/>
+            <a:ext cx="7024453" cy="660944"/>
           </a:xfrm>
           <a:prstGeom prst="rect">
             <a:avLst/>
@@ -13917,7 +14146,7 @@
     </p:spTree>
     <p:extLst>
       <p:ext uri="{BB962C8B-B14F-4D97-AF65-F5344CB8AC3E}">
-        <p14:creationId xmlns:p14="http://schemas.microsoft.com/office/powerpoint/2010/main" val="3257756258"/>
+        <p14:creationId xmlns:p14="http://schemas.microsoft.com/office/powerpoint/2010/main" val="1880209011"/>
       </p:ext>
     </p:extLst>
   </p:cSld>

--- a/Mid Semester Presentation.pptx
+++ b/Mid Semester Presentation.pptx
@@ -8741,7 +8741,7 @@
               <p:nvPr>
                 <p:extLst>
                   <p:ext uri="{D42A27DB-BD31-4B8C-83A1-F6EECF244321}">
-                    <p14:modId xmlns:p14="http://schemas.microsoft.com/office/powerpoint/2010/main" val="2932139143"/>
+                    <p14:modId xmlns:p14="http://schemas.microsoft.com/office/powerpoint/2010/main" val="3793150119"/>
                   </p:ext>
                 </p:extLst>
               </p:nvPr>
@@ -9326,12 +9326,31 @@
                                 <m:jc m:val="centerGroup"/>
                               </m:oMathParaPr>
                               <m:oMath xmlns:m="http://schemas.openxmlformats.org/officeDocument/2006/math">
-                                <m:r>
-                                  <a:rPr lang="en-US" sz="3200" b="0" i="1" smtClean="0">
-                                    <a:latin typeface="Cambria Math" panose="02040503050406030204" pitchFamily="18" charset="0"/>
-                                  </a:rPr>
-                                  <m:t>𝑂</m:t>
-                                </m:r>
+                                <m:sSub>
+                                  <m:sSubPr>
+                                    <m:ctrlPr>
+                                      <a:rPr lang="en-US" sz="3200" b="0" i="1" smtClean="0">
+                                        <a:latin typeface="Cambria Math" panose="02040503050406030204" pitchFamily="18" charset="0"/>
+                                      </a:rPr>
+                                    </m:ctrlPr>
+                                  </m:sSubPr>
+                                  <m:e>
+                                    <m:r>
+                                      <a:rPr lang="en-US" sz="3200" b="0" i="1" smtClean="0">
+                                        <a:latin typeface="Cambria Math" panose="02040503050406030204" pitchFamily="18" charset="0"/>
+                                      </a:rPr>
+                                      <m:t>𝑂</m:t>
+                                    </m:r>
+                                  </m:e>
+                                  <m:sub>
+                                    <m:r>
+                                      <a:rPr lang="en-US" sz="3200" b="0" i="1" smtClean="0">
+                                        <a:latin typeface="Cambria Math" panose="02040503050406030204" pitchFamily="18" charset="0"/>
+                                      </a:rPr>
+                                      <m:t>𝑐</m:t>
+                                    </m:r>
+                                  </m:sub>
+                                </m:sSub>
                               </m:oMath>
                             </m:oMathPara>
                           </a14:m>
@@ -9408,7 +9427,7 @@
               <p:nvPr>
                 <p:extLst>
                   <p:ext uri="{D42A27DB-BD31-4B8C-83A1-F6EECF244321}">
-                    <p14:modId xmlns:p14="http://schemas.microsoft.com/office/powerpoint/2010/main" val="2932139143"/>
+                    <p14:modId xmlns:p14="http://schemas.microsoft.com/office/powerpoint/2010/main" val="3793150119"/>
                   </p:ext>
                 </p:extLst>
               </p:nvPr>
@@ -9987,7 +10006,7 @@
             <p:spPr>
               <a:xfrm>
                 <a:off x="1565578" y="3213557"/>
-                <a:ext cx="627351" cy="430887"/>
+                <a:ext cx="646395" cy="430887"/>
               </a:xfrm>
               <a:prstGeom prst="rect">
                 <a:avLst/>
@@ -10008,10 +10027,13 @@
                     </m:oMathParaPr>
                     <m:oMath xmlns:m="http://schemas.openxmlformats.org/officeDocument/2006/math">
                       <m:r>
-                        <a:rPr lang="en-US" sz="2800" b="0" i="1" smtClean="0">
+                        <m:rPr>
+                          <m:sty m:val="p"/>
+                        </m:rPr>
+                        <a:rPr lang="en-US" sz="2800" b="0" i="0" smtClean="0">
                           <a:latin typeface="Cambria Math" panose="02040503050406030204" pitchFamily="18" charset="0"/>
                         </a:rPr>
-                        <m:t>𝜖</m:t>
+                        <m:t>Σ</m:t>
                       </m:r>
                       <m:r>
                         <a:rPr lang="en-US" sz="2800" b="0" i="1" smtClean="0">
@@ -10045,7 +10067,7 @@
             <p:spPr>
               <a:xfrm>
                 <a:off x="1565578" y="3213557"/>
-                <a:ext cx="627351" cy="430887"/>
+                <a:ext cx="646395" cy="430887"/>
               </a:xfrm>
               <a:prstGeom prst="rect">
                 <a:avLst/>
@@ -10072,53 +10094,134 @@
           </p:sp>
         </mc:Fallback>
       </mc:AlternateContent>
-      <p:sp>
-        <p:nvSpPr>
-          <p:cNvPr id="6" name="TextBox 5">
-            <a:extLst>
-              <a:ext uri="{FF2B5EF4-FFF2-40B4-BE49-F238E27FC236}">
-                <a16:creationId xmlns:a16="http://schemas.microsoft.com/office/drawing/2014/main" id="{871BA26C-6510-4DBD-8CDD-0DD98FB3168D}"/>
-              </a:ext>
-            </a:extLst>
-          </p:cNvPr>
-          <p:cNvSpPr txBox="1"/>
-          <p:nvPr/>
-        </p:nvSpPr>
-        <p:spPr>
-          <a:xfrm>
-            <a:off x="5393205" y="2736502"/>
-            <a:ext cx="4597734" cy="1384995"/>
-          </a:xfrm>
-          <a:prstGeom prst="rect">
-            <a:avLst/>
-          </a:prstGeom>
-          <a:noFill/>
-        </p:spPr>
-        <p:txBody>
-          <a:bodyPr wrap="none" rtlCol="0">
-            <a:spAutoFit/>
-          </a:bodyPr>
-          <a:lstStyle/>
-          <a:p>
-            <a:r>
-              <a:rPr lang="en-US" sz="2800" dirty="0"/>
-              <a:t>Relation between SL and T. </a:t>
-            </a:r>
-          </a:p>
-          <a:p>
-            <a:r>
-              <a:rPr lang="en-US" sz="2800" dirty="0"/>
-              <a:t>This is a parameter that will</a:t>
-            </a:r>
-          </a:p>
-          <a:p>
-            <a:r>
-              <a:rPr lang="en-US" sz="2800" dirty="0"/>
-              <a:t> be a part of the MCMC Chain.</a:t>
-            </a:r>
-          </a:p>
-        </p:txBody>
-      </p:sp>
+      <mc:AlternateContent xmlns:mc="http://schemas.openxmlformats.org/markup-compatibility/2006" xmlns:a14="http://schemas.microsoft.com/office/drawing/2010/main">
+        <mc:Choice Requires="a14">
+          <p:sp>
+            <p:nvSpPr>
+              <p:cNvPr id="6" name="TextBox 5">
+                <a:extLst>
+                  <a:ext uri="{FF2B5EF4-FFF2-40B4-BE49-F238E27FC236}">
+                    <a16:creationId xmlns:a16="http://schemas.microsoft.com/office/drawing/2014/main" id="{871BA26C-6510-4DBD-8CDD-0DD98FB3168D}"/>
+                  </a:ext>
+                </a:extLst>
+              </p:cNvPr>
+              <p:cNvSpPr txBox="1"/>
+              <p:nvPr/>
+            </p:nvSpPr>
+            <p:spPr>
+              <a:xfrm>
+                <a:off x="5393205" y="2736502"/>
+                <a:ext cx="5560240" cy="1384995"/>
+              </a:xfrm>
+              <a:prstGeom prst="rect">
+                <a:avLst/>
+              </a:prstGeom>
+              <a:noFill/>
+            </p:spPr>
+            <p:txBody>
+              <a:bodyPr wrap="none" rtlCol="0">
+                <a:spAutoFit/>
+              </a:bodyPr>
+              <a:lstStyle/>
+              <a:p>
+                <a:r>
+                  <a:rPr lang="en-US" sz="2800" dirty="0"/>
+                  <a:t>Relation between SL and T, </a:t>
+                </a:r>
+                <a14:m>
+                  <m:oMath xmlns:m="http://schemas.openxmlformats.org/officeDocument/2006/math">
+                    <m:sSub>
+                      <m:sSubPr>
+                        <m:ctrlPr>
+                          <a:rPr lang="en-US" sz="2800" b="0" i="1" smtClean="0">
+                            <a:latin typeface="Cambria Math" panose="02040503050406030204" pitchFamily="18" charset="0"/>
+                          </a:rPr>
+                        </m:ctrlPr>
+                      </m:sSubPr>
+                      <m:e>
+                        <m:r>
+                          <a:rPr lang="en-US" sz="2800" b="0" i="1" smtClean="0">
+                            <a:latin typeface="Cambria Math" panose="02040503050406030204" pitchFamily="18" charset="0"/>
+                          </a:rPr>
+                          <m:t>𝑂</m:t>
+                        </m:r>
+                      </m:e>
+                      <m:sub>
+                        <m:r>
+                          <a:rPr lang="en-US" sz="2800" b="0" i="1" smtClean="0">
+                            <a:latin typeface="Cambria Math" panose="02040503050406030204" pitchFamily="18" charset="0"/>
+                          </a:rPr>
+                          <m:t>𝑐</m:t>
+                        </m:r>
+                      </m:sub>
+                    </m:sSub>
+                  </m:oMath>
+                </a14:m>
+                <a:r>
+                  <a:rPr lang="en-US" sz="2800" dirty="0"/>
+                  <a:t> and T. </a:t>
+                </a:r>
+              </a:p>
+              <a:p>
+                <a:r>
+                  <a:rPr lang="en-US" sz="2800" dirty="0"/>
+                  <a:t>This is a parameter that will</a:t>
+                </a:r>
+              </a:p>
+              <a:p>
+                <a:r>
+                  <a:rPr lang="en-US" sz="2800" dirty="0"/>
+                  <a:t> be a part of the MCMC Chain.</a:t>
+                </a:r>
+              </a:p>
+            </p:txBody>
+          </p:sp>
+        </mc:Choice>
+        <mc:Fallback xmlns="">
+          <p:sp>
+            <p:nvSpPr>
+              <p:cNvPr id="6" name="TextBox 5">
+                <a:extLst>
+                  <a:ext uri="{FF2B5EF4-FFF2-40B4-BE49-F238E27FC236}">
+                    <a16:creationId xmlns:a16="http://schemas.microsoft.com/office/drawing/2014/main" id="{871BA26C-6510-4DBD-8CDD-0DD98FB3168D}"/>
+                  </a:ext>
+                </a:extLst>
+              </p:cNvPr>
+              <p:cNvSpPr txBox="1">
+                <a:spLocks noRot="1" noChangeAspect="1" noMove="1" noResize="1" noEditPoints="1" noAdjustHandles="1" noChangeArrowheads="1" noChangeShapeType="1" noTextEdit="1"/>
+              </p:cNvSpPr>
+              <p:nvPr/>
+            </p:nvSpPr>
+            <p:spPr>
+              <a:xfrm>
+                <a:off x="5393205" y="2736502"/>
+                <a:ext cx="5560240" cy="1384995"/>
+              </a:xfrm>
+              <a:prstGeom prst="rect">
+                <a:avLst/>
+              </a:prstGeom>
+              <a:blipFill>
+                <a:blip r:embed="rId4"/>
+                <a:stretch>
+                  <a:fillRect l="-2303" t="-4405" r="-1316" b="-11894"/>
+                </a:stretch>
+              </a:blipFill>
+            </p:spPr>
+            <p:txBody>
+              <a:bodyPr/>
+              <a:lstStyle/>
+              <a:p>
+                <a:r>
+                  <a:rPr lang="en-US">
+                    <a:noFill/>
+                  </a:rPr>
+                  <a:t> </a:t>
+                </a:r>
+              </a:p>
+            </p:txBody>
+          </p:sp>
+        </mc:Fallback>
+      </mc:AlternateContent>
       <p:cxnSp>
         <p:nvCxnSpPr>
           <p:cNvPr id="18" name="Straight Arrow Connector 17">
@@ -10178,7 +10281,7 @@
         <p:spPr>
           <a:xfrm>
             <a:off x="5842000" y="1768321"/>
-            <a:ext cx="1850072" cy="968181"/>
+            <a:ext cx="2331325" cy="968181"/>
           </a:xfrm>
           <a:prstGeom prst="straightConnector1">
             <a:avLst/>
@@ -10291,7 +10394,7 @@
           <a:p>
             <a:r>
               <a:rPr lang="en-US" dirty="0"/>
-              <a:t>MCMC model</a:t>
+              <a:t>MCMC chain for GMSL model</a:t>
             </a:r>
           </a:p>
           <a:p>
@@ -11689,504 +11792,483 @@
           </a:p>
         </p:txBody>
       </p:sp>
-      <p:grpSp>
-        <p:nvGrpSpPr>
-          <p:cNvPr id="7" name="Group 6">
+      <p:pic>
+        <p:nvPicPr>
+          <p:cNvPr id="8" name="Picture 7" descr="A close up of a beach&#10;&#10;Description generated with high confidence">
             <a:extLst>
               <a:ext uri="{FF2B5EF4-FFF2-40B4-BE49-F238E27FC236}">
-                <a16:creationId xmlns:a16="http://schemas.microsoft.com/office/drawing/2014/main" id="{90E7C165-7543-4178-BBDD-3967AB63B6C3}"/>
+                <a16:creationId xmlns:a16="http://schemas.microsoft.com/office/drawing/2014/main" id="{AE53D155-7F4B-47D8-8A35-E288DAAD6F36}"/>
               </a:ext>
             </a:extLst>
           </p:cNvPr>
-          <p:cNvGrpSpPr/>
+          <p:cNvPicPr>
+            <a:picLocks noChangeAspect="1"/>
+          </p:cNvPicPr>
           <p:nvPr/>
-        </p:nvGrpSpPr>
-        <p:grpSpPr>
+        </p:nvPicPr>
+        <p:blipFill>
+          <a:blip r:embed="rId3">
+            <a:extLst>
+              <a:ext uri="{28A0092B-C50C-407E-A947-70E740481C1C}">
+                <a14:useLocalDpi xmlns:a14="http://schemas.microsoft.com/office/drawing/2010/main" val="0"/>
+              </a:ext>
+            </a:extLst>
+          </a:blip>
+          <a:stretch>
+            <a:fillRect/>
+          </a:stretch>
+        </p:blipFill>
+        <p:spPr>
           <a:xfrm>
             <a:off x="318612" y="3556000"/>
             <a:ext cx="6115686" cy="3159971"/>
-            <a:chOff x="0" y="0"/>
-            <a:chExt cx="12192000" cy="6858000"/>
           </a:xfrm>
-        </p:grpSpPr>
-        <p:pic>
-          <p:nvPicPr>
-            <p:cNvPr id="8" name="Picture 7" descr="A close up of a beach&#10;&#10;Description generated with high confidence">
-              <a:extLst>
-                <a:ext uri="{FF2B5EF4-FFF2-40B4-BE49-F238E27FC236}">
-                  <a16:creationId xmlns:a16="http://schemas.microsoft.com/office/drawing/2014/main" id="{AE53D155-7F4B-47D8-8A35-E288DAAD6F36}"/>
-                </a:ext>
-              </a:extLst>
-            </p:cNvPr>
-            <p:cNvPicPr>
-              <a:picLocks noChangeAspect="1"/>
-            </p:cNvPicPr>
-            <p:nvPr/>
-          </p:nvPicPr>
-          <p:blipFill>
-            <a:blip r:embed="rId3">
-              <a:extLst>
-                <a:ext uri="{28A0092B-C50C-407E-A947-70E740481C1C}">
-                  <a14:useLocalDpi xmlns:a14="http://schemas.microsoft.com/office/drawing/2010/main" val="0"/>
-                </a:ext>
-              </a:extLst>
-            </a:blip>
-            <a:stretch>
-              <a:fillRect/>
-            </a:stretch>
-          </p:blipFill>
-          <p:spPr>
-            <a:xfrm>
-              <a:off x="0" y="0"/>
-              <a:ext cx="12192000" cy="6858000"/>
-            </a:xfrm>
-            <a:prstGeom prst="rect">
-              <a:avLst/>
-            </a:prstGeom>
-          </p:spPr>
-        </p:pic>
-        <p:sp>
-          <p:nvSpPr>
-            <p:cNvPr id="9" name="TextBox 8">
-              <a:extLst>
-                <a:ext uri="{FF2B5EF4-FFF2-40B4-BE49-F238E27FC236}">
-                  <a16:creationId xmlns:a16="http://schemas.microsoft.com/office/drawing/2014/main" id="{9317079B-A5F3-475F-848F-B0B52AD2E559}"/>
-                </a:ext>
-              </a:extLst>
-            </p:cNvPr>
-            <p:cNvSpPr txBox="1"/>
-            <p:nvPr/>
-          </p:nvSpPr>
-          <p:spPr>
-            <a:xfrm>
-              <a:off x="9247228" y="5991198"/>
-              <a:ext cx="1390830" cy="369332"/>
-            </a:xfrm>
-            <a:prstGeom prst="rect">
-              <a:avLst/>
-            </a:prstGeom>
-            <a:noFill/>
-          </p:spPr>
-          <p:txBody>
-            <a:bodyPr wrap="none" rtlCol="0">
-              <a:spAutoFit/>
-            </a:bodyPr>
-            <a:lstStyle/>
-            <a:p>
-              <a:pPr algn="ctr"/>
-              <a:r>
-                <a:rPr lang="en-US" dirty="0"/>
-                <a:t>DEEP OCEAN</a:t>
-              </a:r>
-            </a:p>
-          </p:txBody>
-        </p:sp>
-        <p:sp>
-          <p:nvSpPr>
-            <p:cNvPr id="10" name="TextBox 9">
-              <a:extLst>
-                <a:ext uri="{FF2B5EF4-FFF2-40B4-BE49-F238E27FC236}">
-                  <a16:creationId xmlns:a16="http://schemas.microsoft.com/office/drawing/2014/main" id="{0ECB96F6-6A65-4740-85DF-DBCE009DE8B4}"/>
-                </a:ext>
-              </a:extLst>
-            </p:cNvPr>
-            <p:cNvSpPr txBox="1"/>
-            <p:nvPr/>
-          </p:nvSpPr>
-          <p:spPr>
-            <a:xfrm>
-              <a:off x="9516533" y="5029199"/>
-              <a:ext cx="852221" cy="369332"/>
-            </a:xfrm>
-            <a:prstGeom prst="rect">
-              <a:avLst/>
-            </a:prstGeom>
-            <a:noFill/>
-          </p:spPr>
-          <p:txBody>
-            <a:bodyPr wrap="none" rtlCol="0">
-              <a:spAutoFit/>
-            </a:bodyPr>
-            <a:lstStyle/>
-            <a:p>
-              <a:pPr algn="ctr"/>
-              <a:r>
-                <a:rPr lang="en-US" dirty="0"/>
-                <a:t>OCEAN</a:t>
-              </a:r>
-            </a:p>
-          </p:txBody>
-        </p:sp>
-        <p:sp>
-          <p:nvSpPr>
-            <p:cNvPr id="11" name="TextBox 10">
-              <a:extLst>
-                <a:ext uri="{FF2B5EF4-FFF2-40B4-BE49-F238E27FC236}">
-                  <a16:creationId xmlns:a16="http://schemas.microsoft.com/office/drawing/2014/main" id="{8A32EE01-46DA-480A-B288-DF58F95AF23C}"/>
-                </a:ext>
-              </a:extLst>
-            </p:cNvPr>
-            <p:cNvSpPr txBox="1"/>
-            <p:nvPr/>
-          </p:nvSpPr>
-          <p:spPr>
-            <a:xfrm>
-              <a:off x="626533" y="3776133"/>
-              <a:ext cx="707245" cy="369332"/>
-            </a:xfrm>
-            <a:prstGeom prst="rect">
-              <a:avLst/>
-            </a:prstGeom>
-            <a:noFill/>
-          </p:spPr>
-          <p:txBody>
-            <a:bodyPr wrap="none" rtlCol="0">
-              <a:spAutoFit/>
-            </a:bodyPr>
-            <a:lstStyle/>
-            <a:p>
-              <a:r>
-                <a:rPr lang="en-US" dirty="0"/>
-                <a:t>LAND</a:t>
-              </a:r>
-            </a:p>
-          </p:txBody>
-        </p:sp>
-        <p:cxnSp>
-          <p:nvCxnSpPr>
-            <p:cNvPr id="12" name="Straight Arrow Connector 11">
-              <a:extLst>
-                <a:ext uri="{FF2B5EF4-FFF2-40B4-BE49-F238E27FC236}">
-                  <a16:creationId xmlns:a16="http://schemas.microsoft.com/office/drawing/2014/main" id="{5D9AB01F-CD89-4E95-95E8-A94CC3988828}"/>
-                </a:ext>
-              </a:extLst>
-            </p:cNvPr>
-            <p:cNvCxnSpPr>
-              <a:cxnSpLocks/>
-            </p:cNvCxnSpPr>
-            <p:nvPr/>
-          </p:nvCxnSpPr>
-          <p:spPr>
-            <a:xfrm flipH="1">
-              <a:off x="6637867" y="1651000"/>
-              <a:ext cx="1405466" cy="452966"/>
-            </a:xfrm>
-            <a:prstGeom prst="straightConnector1">
-              <a:avLst/>
-            </a:prstGeom>
-            <a:ln>
-              <a:tailEnd type="triangle"/>
-            </a:ln>
-          </p:spPr>
-          <p:style>
-            <a:lnRef idx="1">
-              <a:schemeClr val="accent1"/>
-            </a:lnRef>
-            <a:fillRef idx="0">
-              <a:schemeClr val="accent1"/>
-            </a:fillRef>
-            <a:effectRef idx="0">
-              <a:schemeClr val="accent1"/>
-            </a:effectRef>
-            <a:fontRef idx="minor">
-              <a:schemeClr val="tx1"/>
-            </a:fontRef>
-          </p:style>
-        </p:cxnSp>
-        <p:cxnSp>
-          <p:nvCxnSpPr>
-            <p:cNvPr id="13" name="Straight Arrow Connector 12">
-              <a:extLst>
-                <a:ext uri="{FF2B5EF4-FFF2-40B4-BE49-F238E27FC236}">
-                  <a16:creationId xmlns:a16="http://schemas.microsoft.com/office/drawing/2014/main" id="{C831B2DE-7B90-43F6-BB73-CE742A952B70}"/>
-                </a:ext>
-              </a:extLst>
-            </p:cNvPr>
-            <p:cNvCxnSpPr>
-              <a:cxnSpLocks/>
-            </p:cNvCxnSpPr>
-            <p:nvPr/>
-          </p:nvCxnSpPr>
-          <p:spPr>
-            <a:xfrm flipH="1">
-              <a:off x="7154333" y="2269066"/>
-              <a:ext cx="1193801" cy="778934"/>
-            </a:xfrm>
-            <a:prstGeom prst="straightConnector1">
-              <a:avLst/>
-            </a:prstGeom>
-            <a:ln>
-              <a:tailEnd type="triangle"/>
-            </a:ln>
-          </p:spPr>
-          <p:style>
-            <a:lnRef idx="1">
-              <a:schemeClr val="accent1"/>
-            </a:lnRef>
-            <a:fillRef idx="0">
-              <a:schemeClr val="accent1"/>
-            </a:fillRef>
-            <a:effectRef idx="0">
-              <a:schemeClr val="accent1"/>
-            </a:effectRef>
-            <a:fontRef idx="minor">
-              <a:schemeClr val="tx1"/>
-            </a:fontRef>
-          </p:style>
-        </p:cxnSp>
-        <p:cxnSp>
-          <p:nvCxnSpPr>
-            <p:cNvPr id="14" name="Straight Arrow Connector 13">
-              <a:extLst>
-                <a:ext uri="{FF2B5EF4-FFF2-40B4-BE49-F238E27FC236}">
-                  <a16:creationId xmlns:a16="http://schemas.microsoft.com/office/drawing/2014/main" id="{CCADAF8C-B7BC-465E-A457-D4E70A582E25}"/>
-                </a:ext>
-              </a:extLst>
-            </p:cNvPr>
-            <p:cNvCxnSpPr>
-              <a:cxnSpLocks/>
-            </p:cNvCxnSpPr>
-            <p:nvPr/>
-          </p:nvCxnSpPr>
-          <p:spPr>
-            <a:xfrm flipH="1">
-              <a:off x="7988299" y="2666999"/>
-              <a:ext cx="736600" cy="1259932"/>
-            </a:xfrm>
-            <a:prstGeom prst="straightConnector1">
-              <a:avLst/>
-            </a:prstGeom>
-            <a:ln>
-              <a:tailEnd type="triangle"/>
-            </a:ln>
-          </p:spPr>
-          <p:style>
-            <a:lnRef idx="1">
-              <a:schemeClr val="accent1"/>
-            </a:lnRef>
-            <a:fillRef idx="0">
-              <a:schemeClr val="accent1"/>
-            </a:fillRef>
-            <a:effectRef idx="0">
-              <a:schemeClr val="accent1"/>
-            </a:effectRef>
-            <a:fontRef idx="minor">
-              <a:schemeClr val="tx1"/>
-            </a:fontRef>
-          </p:style>
-        </p:cxnSp>
-        <p:sp>
-          <p:nvSpPr>
-            <p:cNvPr id="15" name="TextBox 14">
-              <a:extLst>
-                <a:ext uri="{FF2B5EF4-FFF2-40B4-BE49-F238E27FC236}">
-                  <a16:creationId xmlns:a16="http://schemas.microsoft.com/office/drawing/2014/main" id="{D8220945-813C-4100-B4E8-49043195E363}"/>
-                </a:ext>
-              </a:extLst>
-            </p:cNvPr>
-            <p:cNvSpPr txBox="1"/>
-            <p:nvPr/>
-          </p:nvSpPr>
-          <p:spPr>
-            <a:xfrm>
-              <a:off x="8271556" y="1745501"/>
-              <a:ext cx="1566711" cy="646331"/>
-            </a:xfrm>
-            <a:prstGeom prst="rect">
-              <a:avLst/>
-            </a:prstGeom>
-            <a:noFill/>
-          </p:spPr>
-          <p:txBody>
-            <a:bodyPr wrap="none" rtlCol="0">
-              <a:spAutoFit/>
-            </a:bodyPr>
-            <a:lstStyle/>
-            <a:p>
-              <a:pPr algn="ctr"/>
-              <a:r>
-                <a:rPr lang="en-US" dirty="0"/>
-                <a:t>ENERGY FROM</a:t>
-              </a:r>
-            </a:p>
-            <a:p>
-              <a:pPr algn="ctr"/>
-              <a:r>
-                <a:rPr lang="en-US" dirty="0"/>
-                <a:t>SUN</a:t>
-              </a:r>
-            </a:p>
-          </p:txBody>
-        </p:sp>
-        <p:sp>
-          <p:nvSpPr>
-            <p:cNvPr id="16" name="Rectangle 15">
-              <a:extLst>
-                <a:ext uri="{FF2B5EF4-FFF2-40B4-BE49-F238E27FC236}">
-                  <a16:creationId xmlns:a16="http://schemas.microsoft.com/office/drawing/2014/main" id="{D2BE2834-BD8A-49B2-BD33-A893440FD714}"/>
-                </a:ext>
-              </a:extLst>
-            </p:cNvPr>
-            <p:cNvSpPr/>
-            <p:nvPr/>
-          </p:nvSpPr>
-          <p:spPr>
-            <a:xfrm>
-              <a:off x="0" y="3429000"/>
-              <a:ext cx="12192000" cy="367268"/>
-            </a:xfrm>
-            <a:prstGeom prst="rect">
-              <a:avLst/>
-            </a:prstGeom>
+          <a:prstGeom prst="rect">
+            <a:avLst/>
+          </a:prstGeom>
+        </p:spPr>
+      </p:pic>
+      <p:sp>
+        <p:nvSpPr>
+          <p:cNvPr id="9" name="TextBox 8">
+            <a:extLst>
+              <a:ext uri="{FF2B5EF4-FFF2-40B4-BE49-F238E27FC236}">
+                <a16:creationId xmlns:a16="http://schemas.microsoft.com/office/drawing/2014/main" id="{9317079B-A5F3-475F-848F-B0B52AD2E559}"/>
+              </a:ext>
+            </a:extLst>
+          </p:cNvPr>
+          <p:cNvSpPr txBox="1"/>
+          <p:nvPr/>
+        </p:nvSpPr>
+        <p:spPr>
+          <a:xfrm>
+            <a:off x="4957157" y="6316573"/>
+            <a:ext cx="697661" cy="170178"/>
+          </a:xfrm>
+          <a:prstGeom prst="rect">
+            <a:avLst/>
+          </a:prstGeom>
+          <a:noFill/>
+        </p:spPr>
+        <p:txBody>
+          <a:bodyPr wrap="none" rtlCol="0">
+            <a:spAutoFit/>
+          </a:bodyPr>
+          <a:lstStyle/>
+          <a:p>
+            <a:pPr algn="ctr"/>
+            <a:r>
+              <a:rPr lang="en-US" dirty="0"/>
+              <a:t>DEEP OCEAN</a:t>
+            </a:r>
+          </a:p>
+        </p:txBody>
+      </p:sp>
+      <p:sp>
+        <p:nvSpPr>
+          <p:cNvPr id="10" name="TextBox 9">
+            <a:extLst>
+              <a:ext uri="{FF2B5EF4-FFF2-40B4-BE49-F238E27FC236}">
+                <a16:creationId xmlns:a16="http://schemas.microsoft.com/office/drawing/2014/main" id="{0ECB96F6-6A65-4740-85DF-DBCE009DE8B4}"/>
+              </a:ext>
+            </a:extLst>
+          </p:cNvPr>
+          <p:cNvSpPr txBox="1"/>
+          <p:nvPr/>
+        </p:nvSpPr>
+        <p:spPr>
+          <a:xfrm>
+            <a:off x="5092245" y="5806637"/>
+            <a:ext cx="427487" cy="170178"/>
+          </a:xfrm>
+          <a:prstGeom prst="rect">
+            <a:avLst/>
+          </a:prstGeom>
+          <a:noFill/>
+        </p:spPr>
+        <p:txBody>
+          <a:bodyPr wrap="none" rtlCol="0">
+            <a:spAutoFit/>
+          </a:bodyPr>
+          <a:lstStyle/>
+          <a:p>
+            <a:pPr algn="ctr"/>
+            <a:r>
+              <a:rPr lang="en-US" dirty="0"/>
+              <a:t>OCEAN</a:t>
+            </a:r>
+          </a:p>
+        </p:txBody>
+      </p:sp>
+      <p:sp>
+        <p:nvSpPr>
+          <p:cNvPr id="11" name="TextBox 10">
+            <a:extLst>
+              <a:ext uri="{FF2B5EF4-FFF2-40B4-BE49-F238E27FC236}">
+                <a16:creationId xmlns:a16="http://schemas.microsoft.com/office/drawing/2014/main" id="{8A32EE01-46DA-480A-B288-DF58F95AF23C}"/>
+              </a:ext>
+            </a:extLst>
+          </p:cNvPr>
+          <p:cNvSpPr txBox="1"/>
+          <p:nvPr/>
+        </p:nvSpPr>
+        <p:spPr>
+          <a:xfrm>
+            <a:off x="632890" y="5295934"/>
+            <a:ext cx="354764" cy="170178"/>
+          </a:xfrm>
+          <a:prstGeom prst="rect">
+            <a:avLst/>
+          </a:prstGeom>
+          <a:noFill/>
+        </p:spPr>
+        <p:txBody>
+          <a:bodyPr wrap="none" rtlCol="0">
+            <a:spAutoFit/>
+          </a:bodyPr>
+          <a:lstStyle/>
+          <a:p>
+            <a:r>
+              <a:rPr lang="en-US" dirty="0"/>
+              <a:t>LAND</a:t>
+            </a:r>
+          </a:p>
+        </p:txBody>
+      </p:sp>
+      <p:cxnSp>
+        <p:nvCxnSpPr>
+          <p:cNvPr id="12" name="Straight Arrow Connector 11">
+            <a:extLst>
+              <a:ext uri="{FF2B5EF4-FFF2-40B4-BE49-F238E27FC236}">
+                <a16:creationId xmlns:a16="http://schemas.microsoft.com/office/drawing/2014/main" id="{5D9AB01F-CD89-4E95-95E8-A94CC3988828}"/>
+              </a:ext>
+            </a:extLst>
+          </p:cNvPr>
+          <p:cNvCxnSpPr>
+            <a:cxnSpLocks/>
+          </p:cNvCxnSpPr>
+          <p:nvPr/>
+        </p:nvCxnSpPr>
+        <p:spPr>
+          <a:xfrm flipH="1">
+            <a:off x="3648263" y="4316734"/>
+            <a:ext cx="705002" cy="208714"/>
+          </a:xfrm>
+          <a:prstGeom prst="straightConnector1">
+            <a:avLst/>
+          </a:prstGeom>
+          <a:ln>
+            <a:tailEnd type="triangle"/>
+          </a:ln>
+        </p:spPr>
+        <p:style>
+          <a:lnRef idx="1">
+            <a:schemeClr val="accent1"/>
+          </a:lnRef>
+          <a:fillRef idx="0">
+            <a:schemeClr val="accent1"/>
+          </a:fillRef>
+          <a:effectRef idx="0">
+            <a:schemeClr val="accent1"/>
+          </a:effectRef>
+          <a:fontRef idx="minor">
+            <a:schemeClr val="tx1"/>
+          </a:fontRef>
+        </p:style>
+      </p:cxnSp>
+      <p:cxnSp>
+        <p:nvCxnSpPr>
+          <p:cNvPr id="13" name="Straight Arrow Connector 12">
+            <a:extLst>
+              <a:ext uri="{FF2B5EF4-FFF2-40B4-BE49-F238E27FC236}">
+                <a16:creationId xmlns:a16="http://schemas.microsoft.com/office/drawing/2014/main" id="{C831B2DE-7B90-43F6-BB73-CE742A952B70}"/>
+              </a:ext>
+            </a:extLst>
+          </p:cNvPr>
+          <p:cNvCxnSpPr>
+            <a:cxnSpLocks/>
+          </p:cNvCxnSpPr>
+          <p:nvPr/>
+        </p:nvCxnSpPr>
+        <p:spPr>
+          <a:xfrm flipH="1">
+            <a:off x="3907330" y="4601521"/>
+            <a:ext cx="598828" cy="358911"/>
+          </a:xfrm>
+          <a:prstGeom prst="straightConnector1">
+            <a:avLst/>
+          </a:prstGeom>
+          <a:ln>
+            <a:tailEnd type="triangle"/>
+          </a:ln>
+        </p:spPr>
+        <p:style>
+          <a:lnRef idx="1">
+            <a:schemeClr val="accent1"/>
+          </a:lnRef>
+          <a:fillRef idx="0">
+            <a:schemeClr val="accent1"/>
+          </a:fillRef>
+          <a:effectRef idx="0">
+            <a:schemeClr val="accent1"/>
+          </a:effectRef>
+          <a:fontRef idx="minor">
+            <a:schemeClr val="tx1"/>
+          </a:fontRef>
+        </p:style>
+      </p:cxnSp>
+      <p:cxnSp>
+        <p:nvCxnSpPr>
+          <p:cNvPr id="14" name="Straight Arrow Connector 13">
+            <a:extLst>
+              <a:ext uri="{FF2B5EF4-FFF2-40B4-BE49-F238E27FC236}">
+                <a16:creationId xmlns:a16="http://schemas.microsoft.com/office/drawing/2014/main" id="{CCADAF8C-B7BC-465E-A457-D4E70A582E25}"/>
+              </a:ext>
+            </a:extLst>
+          </p:cNvPr>
+          <p:cNvCxnSpPr>
+            <a:cxnSpLocks/>
+          </p:cNvCxnSpPr>
+          <p:nvPr/>
+        </p:nvCxnSpPr>
+        <p:spPr>
+          <a:xfrm flipH="1">
+            <a:off x="4325660" y="4784877"/>
+            <a:ext cx="369489" cy="580541"/>
+          </a:xfrm>
+          <a:prstGeom prst="straightConnector1">
+            <a:avLst/>
+          </a:prstGeom>
+          <a:ln>
+            <a:tailEnd type="triangle"/>
+          </a:ln>
+        </p:spPr>
+        <p:style>
+          <a:lnRef idx="1">
+            <a:schemeClr val="accent1"/>
+          </a:lnRef>
+          <a:fillRef idx="0">
+            <a:schemeClr val="accent1"/>
+          </a:fillRef>
+          <a:effectRef idx="0">
+            <a:schemeClr val="accent1"/>
+          </a:effectRef>
+          <a:fontRef idx="minor">
+            <a:schemeClr val="tx1"/>
+          </a:fontRef>
+        </p:style>
+      </p:cxnSp>
+      <p:sp>
+        <p:nvSpPr>
+          <p:cNvPr id="15" name="TextBox 14">
+            <a:extLst>
+              <a:ext uri="{FF2B5EF4-FFF2-40B4-BE49-F238E27FC236}">
+                <a16:creationId xmlns:a16="http://schemas.microsoft.com/office/drawing/2014/main" id="{D8220945-813C-4100-B4E8-49043195E363}"/>
+              </a:ext>
+            </a:extLst>
+          </p:cNvPr>
+          <p:cNvSpPr txBox="1"/>
+          <p:nvPr/>
+        </p:nvSpPr>
+        <p:spPr>
+          <a:xfrm>
+            <a:off x="4467746" y="4360277"/>
+            <a:ext cx="785885" cy="297811"/>
+          </a:xfrm>
+          <a:prstGeom prst="rect">
+            <a:avLst/>
+          </a:prstGeom>
+          <a:noFill/>
+        </p:spPr>
+        <p:txBody>
+          <a:bodyPr wrap="none" rtlCol="0">
+            <a:spAutoFit/>
+          </a:bodyPr>
+          <a:lstStyle/>
+          <a:p>
+            <a:pPr algn="ctr"/>
+            <a:r>
+              <a:rPr lang="en-US" dirty="0"/>
+              <a:t>ENERGY FROM</a:t>
+            </a:r>
+          </a:p>
+          <a:p>
+            <a:pPr algn="ctr"/>
+            <a:r>
+              <a:rPr lang="en-US" dirty="0"/>
+              <a:t>SUN</a:t>
+            </a:r>
+          </a:p>
+        </p:txBody>
+      </p:sp>
+      <p:sp>
+        <p:nvSpPr>
+          <p:cNvPr id="16" name="Rectangle 15">
+            <a:extLst>
+              <a:ext uri="{FF2B5EF4-FFF2-40B4-BE49-F238E27FC236}">
+                <a16:creationId xmlns:a16="http://schemas.microsoft.com/office/drawing/2014/main" id="{D2BE2834-BD8A-49B2-BD33-A893440FD714}"/>
+              </a:ext>
+            </a:extLst>
+          </p:cNvPr>
+          <p:cNvSpPr/>
+          <p:nvPr/>
+        </p:nvSpPr>
+        <p:spPr>
+          <a:xfrm>
+            <a:off x="318612" y="5135986"/>
+            <a:ext cx="6115686" cy="169227"/>
+          </a:xfrm>
+          <a:prstGeom prst="rect">
+            <a:avLst/>
+          </a:prstGeom>
+          <a:solidFill>
+            <a:srgbClr val="7F7F7F">
+              <a:alpha val="20000"/>
+            </a:srgbClr>
+          </a:solidFill>
+          <a:ln>
             <a:solidFill>
-              <a:srgbClr val="7F7F7F">
-                <a:alpha val="20000"/>
-              </a:srgbClr>
+              <a:schemeClr val="tx1">
+                <a:lumMod val="50000"/>
+                <a:lumOff val="50000"/>
+              </a:schemeClr>
             </a:solidFill>
-            <a:ln>
-              <a:solidFill>
-                <a:schemeClr val="tx1">
-                  <a:lumMod val="50000"/>
-                  <a:lumOff val="50000"/>
-                </a:schemeClr>
-              </a:solidFill>
-            </a:ln>
-          </p:spPr>
-          <p:style>
-            <a:lnRef idx="2">
-              <a:schemeClr val="accent1">
-                <a:shade val="50000"/>
-              </a:schemeClr>
-            </a:lnRef>
-            <a:fillRef idx="1">
-              <a:schemeClr val="accent1"/>
-            </a:fillRef>
-            <a:effectRef idx="0">
-              <a:schemeClr val="accent1"/>
-            </a:effectRef>
-            <a:fontRef idx="minor">
-              <a:schemeClr val="lt1"/>
-            </a:fontRef>
-          </p:style>
-          <p:txBody>
-            <a:bodyPr rtlCol="0" anchor="ctr"/>
-            <a:lstStyle/>
-            <a:p>
-              <a:pPr algn="ctr"/>
-              <a:r>
-                <a:rPr lang="en-US" dirty="0"/>
-                <a:t>AEROSOL LAYER</a:t>
-              </a:r>
-            </a:p>
-          </p:txBody>
-        </p:sp>
-        <p:cxnSp>
-          <p:nvCxnSpPr>
-            <p:cNvPr id="17" name="Straight Arrow Connector 16">
-              <a:extLst>
-                <a:ext uri="{FF2B5EF4-FFF2-40B4-BE49-F238E27FC236}">
-                  <a16:creationId xmlns:a16="http://schemas.microsoft.com/office/drawing/2014/main" id="{B7322AAD-19C8-4AEB-9E7D-2FCD07414E7C}"/>
-                </a:ext>
-              </a:extLst>
-            </p:cNvPr>
-            <p:cNvCxnSpPr>
-              <a:cxnSpLocks/>
-            </p:cNvCxnSpPr>
-            <p:nvPr/>
-          </p:nvCxnSpPr>
-          <p:spPr>
-            <a:xfrm>
-              <a:off x="9908776" y="5398531"/>
-              <a:ext cx="0" cy="592667"/>
-            </a:xfrm>
-            <a:prstGeom prst="straightConnector1">
-              <a:avLst/>
-            </a:prstGeom>
-            <a:ln w="57150">
-              <a:solidFill>
-                <a:schemeClr val="bg1"/>
-              </a:solidFill>
-              <a:headEnd type="triangle"/>
-              <a:tailEnd type="triangle"/>
-            </a:ln>
-          </p:spPr>
-          <p:style>
-            <a:lnRef idx="1">
-              <a:schemeClr val="accent1"/>
-            </a:lnRef>
-            <a:fillRef idx="0">
-              <a:schemeClr val="accent1"/>
-            </a:fillRef>
-            <a:effectRef idx="0">
-              <a:schemeClr val="accent1"/>
-            </a:effectRef>
-            <a:fontRef idx="minor">
-              <a:schemeClr val="tx1"/>
-            </a:fontRef>
-          </p:style>
-        </p:cxnSp>
-        <p:sp>
-          <p:nvSpPr>
-            <p:cNvPr id="18" name="Rectangle 17">
-              <a:extLst>
-                <a:ext uri="{FF2B5EF4-FFF2-40B4-BE49-F238E27FC236}">
-                  <a16:creationId xmlns:a16="http://schemas.microsoft.com/office/drawing/2014/main" id="{70BC1E01-291C-48EF-9B85-E906809ADB82}"/>
-                </a:ext>
-              </a:extLst>
-            </p:cNvPr>
-            <p:cNvSpPr/>
-            <p:nvPr/>
-          </p:nvSpPr>
-          <p:spPr>
-            <a:xfrm>
-              <a:off x="3674533" y="6158931"/>
-              <a:ext cx="4597023" cy="546669"/>
-            </a:xfrm>
-            <a:prstGeom prst="rect">
-              <a:avLst/>
-            </a:prstGeom>
+          </a:ln>
+        </p:spPr>
+        <p:style>
+          <a:lnRef idx="2">
+            <a:schemeClr val="accent1">
+              <a:shade val="50000"/>
+            </a:schemeClr>
+          </a:lnRef>
+          <a:fillRef idx="1">
+            <a:schemeClr val="accent1"/>
+          </a:fillRef>
+          <a:effectRef idx="0">
+            <a:schemeClr val="accent1"/>
+          </a:effectRef>
+          <a:fontRef idx="minor">
+            <a:schemeClr val="lt1"/>
+          </a:fontRef>
+        </p:style>
+        <p:txBody>
+          <a:bodyPr rtlCol="0" anchor="ctr"/>
+          <a:lstStyle/>
+          <a:p>
+            <a:pPr algn="ctr"/>
+            <a:r>
+              <a:rPr lang="en-US" dirty="0"/>
+              <a:t>AEROSOL LAYER</a:t>
+            </a:r>
+          </a:p>
+        </p:txBody>
+      </p:sp>
+      <p:cxnSp>
+        <p:nvCxnSpPr>
+          <p:cNvPr id="17" name="Straight Arrow Connector 16">
+            <a:extLst>
+              <a:ext uri="{FF2B5EF4-FFF2-40B4-BE49-F238E27FC236}">
+                <a16:creationId xmlns:a16="http://schemas.microsoft.com/office/drawing/2014/main" id="{B7322AAD-19C8-4AEB-9E7D-2FCD07414E7C}"/>
+              </a:ext>
+            </a:extLst>
+          </p:cNvPr>
+          <p:cNvCxnSpPr>
+            <a:cxnSpLocks/>
+          </p:cNvCxnSpPr>
+          <p:nvPr/>
+        </p:nvCxnSpPr>
+        <p:spPr>
+          <a:xfrm>
+            <a:off x="5288999" y="6024439"/>
+            <a:ext cx="16989" cy="443262"/>
+          </a:xfrm>
+          <a:prstGeom prst="straightConnector1">
+            <a:avLst/>
+          </a:prstGeom>
+          <a:ln w="57150">
             <a:solidFill>
               <a:schemeClr val="bg1"/>
             </a:solidFill>
-            <a:ln>
-              <a:solidFill>
-                <a:schemeClr val="tx1"/>
-              </a:solidFill>
-            </a:ln>
-          </p:spPr>
-          <p:style>
-            <a:lnRef idx="2">
-              <a:schemeClr val="accent1">
-                <a:shade val="50000"/>
-              </a:schemeClr>
-            </a:lnRef>
-            <a:fillRef idx="1">
-              <a:schemeClr val="accent1"/>
-            </a:fillRef>
-            <a:effectRef idx="0">
-              <a:schemeClr val="accent1"/>
-            </a:effectRef>
-            <a:fontRef idx="minor">
-              <a:schemeClr val="lt1"/>
-            </a:fontRef>
-          </p:style>
-          <p:txBody>
-            <a:bodyPr rtlCol="0" anchor="ctr"/>
-            <a:lstStyle/>
-            <a:p>
-              <a:pPr algn="ctr"/>
-              <a:r>
-                <a:rPr lang="en-US" dirty="0">
-                  <a:solidFill>
-                    <a:sysClr val="windowText" lastClr="000000"/>
-                  </a:solidFill>
-                </a:rPr>
-                <a:t>RADIATIVE ENERGY</a:t>
-              </a:r>
-            </a:p>
-          </p:txBody>
-        </p:sp>
-      </p:grpSp>
+            <a:headEnd type="triangle"/>
+            <a:tailEnd type="triangle"/>
+          </a:ln>
+        </p:spPr>
+        <p:style>
+          <a:lnRef idx="1">
+            <a:schemeClr val="accent1"/>
+          </a:lnRef>
+          <a:fillRef idx="0">
+            <a:schemeClr val="accent1"/>
+          </a:fillRef>
+          <a:effectRef idx="0">
+            <a:schemeClr val="accent1"/>
+          </a:effectRef>
+          <a:fontRef idx="minor">
+            <a:schemeClr val="tx1"/>
+          </a:fontRef>
+        </p:style>
+      </p:cxnSp>
+      <p:sp>
+        <p:nvSpPr>
+          <p:cNvPr id="18" name="Rectangle 17">
+            <a:extLst>
+              <a:ext uri="{FF2B5EF4-FFF2-40B4-BE49-F238E27FC236}">
+                <a16:creationId xmlns:a16="http://schemas.microsoft.com/office/drawing/2014/main" id="{70BC1E01-291C-48EF-9B85-E906809ADB82}"/>
+              </a:ext>
+            </a:extLst>
+          </p:cNvPr>
+          <p:cNvSpPr/>
+          <p:nvPr/>
+        </p:nvSpPr>
+        <p:spPr>
+          <a:xfrm>
+            <a:off x="2161812" y="6393860"/>
+            <a:ext cx="2305934" cy="251889"/>
+          </a:xfrm>
+          <a:prstGeom prst="rect">
+            <a:avLst/>
+          </a:prstGeom>
+          <a:solidFill>
+            <a:schemeClr val="bg1"/>
+          </a:solidFill>
+          <a:ln>
+            <a:solidFill>
+              <a:schemeClr val="tx1"/>
+            </a:solidFill>
+          </a:ln>
+        </p:spPr>
+        <p:style>
+          <a:lnRef idx="2">
+            <a:schemeClr val="accent1">
+              <a:shade val="50000"/>
+            </a:schemeClr>
+          </a:lnRef>
+          <a:fillRef idx="1">
+            <a:schemeClr val="accent1"/>
+          </a:fillRef>
+          <a:effectRef idx="0">
+            <a:schemeClr val="accent1"/>
+          </a:effectRef>
+          <a:fontRef idx="minor">
+            <a:schemeClr val="lt1"/>
+          </a:fontRef>
+        </p:style>
+        <p:txBody>
+          <a:bodyPr rtlCol="0" anchor="ctr"/>
+          <a:lstStyle/>
+          <a:p>
+            <a:pPr algn="ctr"/>
+            <a:r>
+              <a:rPr lang="en-US" dirty="0">
+                <a:solidFill>
+                  <a:sysClr val="windowText" lastClr="000000"/>
+                </a:solidFill>
+              </a:rPr>
+              <a:t>RADIATIVE ENERGY</a:t>
+            </a:r>
+          </a:p>
+        </p:txBody>
+      </p:sp>
     </p:spTree>
     <p:extLst>
       <p:ext uri="{BB962C8B-B14F-4D97-AF65-F5344CB8AC3E}">
@@ -12897,8 +12979,8 @@
           </a:p>
         </p:txBody>
       </p:sp>
-      <mc:AlternateContent xmlns:mc="http://schemas.openxmlformats.org/markup-compatibility/2006">
-        <mc:Choice xmlns:a14="http://schemas.microsoft.com/office/drawing/2010/main" Requires="a14">
+      <mc:AlternateContent xmlns:mc="http://schemas.openxmlformats.org/markup-compatibility/2006" xmlns:a14="http://schemas.microsoft.com/office/drawing/2010/main">
+        <mc:Choice Requires="a14">
           <p:sp>
             <p:nvSpPr>
               <p:cNvPr id="3" name="Content Placeholder 2">
@@ -13583,7 +13665,7 @@
             </p:txBody>
           </p:sp>
         </mc:Choice>
-        <mc:Fallback>
+        <mc:Fallback xmlns="">
           <p:sp>
             <p:nvSpPr>
               <p:cNvPr id="3" name="Content Placeholder 2">
@@ -13623,8 +13705,8 @@
           </p:sp>
         </mc:Fallback>
       </mc:AlternateContent>
-      <mc:AlternateContent xmlns:mc="http://schemas.openxmlformats.org/markup-compatibility/2006">
-        <mc:Choice xmlns:a14="http://schemas.microsoft.com/office/drawing/2010/main" Requires="a14">
+      <mc:AlternateContent xmlns:mc="http://schemas.openxmlformats.org/markup-compatibility/2006" xmlns:a14="http://schemas.microsoft.com/office/drawing/2010/main">
+        <mc:Choice Requires="a14">
           <p:sp>
             <p:nvSpPr>
               <p:cNvPr id="4" name="TextBox 3">
@@ -13761,7 +13843,7 @@
             </p:txBody>
           </p:sp>
         </mc:Choice>
-        <mc:Fallback>
+        <mc:Fallback xmlns="">
           <p:sp>
             <p:nvSpPr>
               <p:cNvPr id="4" name="TextBox 3">
@@ -14043,7 +14125,13 @@
           <a:p>
             <a:r>
               <a:rPr lang="en-US" dirty="0"/>
-              <a:t>We want to sample parameters from the posterior distribution. Simple Bayes’ likelihood function. </a:t>
+              <a:t>We want to sample parameters from the posterior distribution.</a:t>
+            </a:r>
+          </a:p>
+          <a:p>
+            <a:r>
+              <a:rPr lang="en-US" dirty="0"/>
+              <a:t>Acceptance function - </a:t>
             </a:r>
           </a:p>
           <a:p>
@@ -14137,6 +14225,36 @@
           <a:xfrm>
             <a:off x="5010149" y="5689055"/>
             <a:ext cx="7024453" cy="660944"/>
+          </a:xfrm>
+          <a:prstGeom prst="rect">
+            <a:avLst/>
+          </a:prstGeom>
+        </p:spPr>
+      </p:pic>
+      <p:pic>
+        <p:nvPicPr>
+          <p:cNvPr id="4" name="Picture 3">
+            <a:extLst>
+              <a:ext uri="{FF2B5EF4-FFF2-40B4-BE49-F238E27FC236}">
+                <a16:creationId xmlns:a16="http://schemas.microsoft.com/office/drawing/2014/main" id="{4740F1BF-E036-4D25-83AF-08BB06E106E4}"/>
+              </a:ext>
+            </a:extLst>
+          </p:cNvPr>
+          <p:cNvPicPr>
+            <a:picLocks noChangeAspect="1"/>
+          </p:cNvPicPr>
+          <p:nvPr/>
+        </p:nvPicPr>
+        <p:blipFill>
+          <a:blip r:embed="rId4"/>
+          <a:stretch>
+            <a:fillRect/>
+          </a:stretch>
+        </p:blipFill>
+        <p:spPr>
+          <a:xfrm>
+            <a:off x="4420280" y="1818099"/>
+            <a:ext cx="4657725" cy="466725"/>
           </a:xfrm>
           <a:prstGeom prst="rect">
             <a:avLst/>

--- a/Mid Semester Presentation.pptx
+++ b/Mid Semester Presentation.pptx
@@ -12350,7 +12350,13 @@
           <a:p>
             <a:r>
               <a:rPr lang="en-US" dirty="0"/>
-              <a:t>We want to be able to model the sea-level rise but we also want to account for the uncertainties with correlated parameters. </a:t>
+              <a:t>Science/policy goal: know what future sea-level and temperature values are i.e. climate</a:t>
+            </a:r>
+          </a:p>
+          <a:p>
+            <a:r>
+              <a:rPr lang="en-US" dirty="0"/>
+              <a:t>Statistical goal:  examine how different projections of future climate are affected by the statistical models used to make these projections</a:t>
             </a:r>
           </a:p>
         </p:txBody>

--- a/Mid Semester Presentation.pptx
+++ b/Mid Semester Presentation.pptx
@@ -11,8 +11,8 @@
     <p:sldId id="256" r:id="rId2"/>
     <p:sldId id="261" r:id="rId3"/>
     <p:sldId id="276" r:id="rId4"/>
-    <p:sldId id="269" r:id="rId5"/>
-    <p:sldId id="264" r:id="rId6"/>
+    <p:sldId id="264" r:id="rId5"/>
+    <p:sldId id="269" r:id="rId6"/>
     <p:sldId id="268" r:id="rId7"/>
     <p:sldId id="262" r:id="rId8"/>
     <p:sldId id="274" r:id="rId9"/>
@@ -222,7 +222,7 @@
           <a:p>
             <a:fld id="{BAA960FA-F8F2-8342-92CA-A28CCF2F2744}" type="datetimeFigureOut">
               <a:rPr lang="en-US" smtClean="0"/>
-              <a:t>10/25/2018</a:t>
+              <a:t>10/25/18</a:t>
             </a:fld>
             <a:endParaRPr lang="en-US"/>
           </a:p>
@@ -619,13 +619,8 @@
           <a:p>
             <a:r>
               <a:rPr lang="en-US" dirty="0"/>
-              <a:t>Add legend,</a:t>
-            </a:r>
-            <a:r>
-              <a:rPr lang="en-US" baseline="0" dirty="0"/>
-              <a:t> reference. </a:t>
-            </a:r>
-            <a:endParaRPr lang="en-US" dirty="0"/>
+              <a:t>Remove this slide. Replace with RCP scenario plot and discussion (Moss et al 2010 pdf from tony)</a:t>
+            </a:r>
           </a:p>
         </p:txBody>
       </p:sp>
@@ -655,7 +650,7 @@
     </p:spTree>
     <p:extLst>
       <p:ext uri="{BB962C8B-B14F-4D97-AF65-F5344CB8AC3E}">
-        <p14:creationId xmlns:p14="http://schemas.microsoft.com/office/powerpoint/2010/main" val="133407593"/>
+        <p14:creationId xmlns:p14="http://schemas.microsoft.com/office/powerpoint/2010/main" val="1387225776"/>
       </p:ext>
     </p:extLst>
   </p:cSld>
@@ -711,8 +706,13 @@
           <a:p>
             <a:r>
               <a:rPr lang="en-US" dirty="0"/>
-              <a:t>Remove this slide. Replace with RCP scenario plot and discussion (Moss et al 2010 pdf from tony)</a:t>
-            </a:r>
+              <a:t>Add legend,</a:t>
+            </a:r>
+            <a:r>
+              <a:rPr lang="en-US" baseline="0" dirty="0"/>
+              <a:t> reference. </a:t>
+            </a:r>
+            <a:endParaRPr lang="en-US" dirty="0"/>
           </a:p>
         </p:txBody>
       </p:sp>
@@ -742,7 +742,7 @@
     </p:spTree>
     <p:extLst>
       <p:ext uri="{BB962C8B-B14F-4D97-AF65-F5344CB8AC3E}">
-        <p14:creationId xmlns:p14="http://schemas.microsoft.com/office/powerpoint/2010/main" val="1387225776"/>
+        <p14:creationId xmlns:p14="http://schemas.microsoft.com/office/powerpoint/2010/main" val="133407593"/>
       </p:ext>
     </p:extLst>
   </p:cSld>
@@ -1290,7 +1290,7 @@
           <a:p>
             <a:fld id="{43CEAD56-E5CE-4A48-BE26-3F874B3EFFB2}" type="datetimeFigureOut">
               <a:rPr lang="en-US" smtClean="0"/>
-              <a:t>10/25/2018</a:t>
+              <a:t>10/25/18</a:t>
             </a:fld>
             <a:endParaRPr lang="en-US"/>
           </a:p>
@@ -1488,7 +1488,7 @@
           <a:p>
             <a:fld id="{43CEAD56-E5CE-4A48-BE26-3F874B3EFFB2}" type="datetimeFigureOut">
               <a:rPr lang="en-US" smtClean="0"/>
-              <a:t>10/25/2018</a:t>
+              <a:t>10/25/18</a:t>
             </a:fld>
             <a:endParaRPr lang="en-US"/>
           </a:p>
@@ -1696,7 +1696,7 @@
           <a:p>
             <a:fld id="{43CEAD56-E5CE-4A48-BE26-3F874B3EFFB2}" type="datetimeFigureOut">
               <a:rPr lang="en-US" smtClean="0"/>
-              <a:t>10/25/2018</a:t>
+              <a:t>10/25/18</a:t>
             </a:fld>
             <a:endParaRPr lang="en-US"/>
           </a:p>
@@ -1933,7 +1933,7 @@
             <a:fld id="{43CEAD56-E5CE-4A48-BE26-3F874B3EFFB2}" type="datetimeFigureOut">
               <a:rPr lang="en-US" smtClean="0"/>
               <a:pPr/>
-              <a:t>10/25/2018</a:t>
+              <a:t>10/25/18</a:t>
             </a:fld>
             <a:endParaRPr lang="en-US"/>
           </a:p>
@@ -2257,7 +2257,7 @@
           <a:p>
             <a:fld id="{43CEAD56-E5CE-4A48-BE26-3F874B3EFFB2}" type="datetimeFigureOut">
               <a:rPr lang="en-US" smtClean="0"/>
-              <a:t>10/25/2018</a:t>
+              <a:t>10/25/18</a:t>
             </a:fld>
             <a:endParaRPr lang="en-US"/>
           </a:p>
@@ -2522,7 +2522,7 @@
           <a:p>
             <a:fld id="{43CEAD56-E5CE-4A48-BE26-3F874B3EFFB2}" type="datetimeFigureOut">
               <a:rPr lang="en-US" smtClean="0"/>
-              <a:t>10/25/2018</a:t>
+              <a:t>10/25/18</a:t>
             </a:fld>
             <a:endParaRPr lang="en-US"/>
           </a:p>
@@ -2934,7 +2934,7 @@
           <a:p>
             <a:fld id="{43CEAD56-E5CE-4A48-BE26-3F874B3EFFB2}" type="datetimeFigureOut">
               <a:rPr lang="en-US" smtClean="0"/>
-              <a:t>10/25/2018</a:t>
+              <a:t>10/25/18</a:t>
             </a:fld>
             <a:endParaRPr lang="en-US"/>
           </a:p>
@@ -3075,7 +3075,7 @@
           <a:p>
             <a:fld id="{43CEAD56-E5CE-4A48-BE26-3F874B3EFFB2}" type="datetimeFigureOut">
               <a:rPr lang="en-US" smtClean="0"/>
-              <a:t>10/25/2018</a:t>
+              <a:t>10/25/18</a:t>
             </a:fld>
             <a:endParaRPr lang="en-US"/>
           </a:p>
@@ -3188,7 +3188,7 @@
           <a:p>
             <a:fld id="{43CEAD56-E5CE-4A48-BE26-3F874B3EFFB2}" type="datetimeFigureOut">
               <a:rPr lang="en-US" smtClean="0"/>
-              <a:t>10/25/2018</a:t>
+              <a:t>10/25/18</a:t>
             </a:fld>
             <a:endParaRPr lang="en-US"/>
           </a:p>
@@ -3499,7 +3499,7 @@
           <a:p>
             <a:fld id="{43CEAD56-E5CE-4A48-BE26-3F874B3EFFB2}" type="datetimeFigureOut">
               <a:rPr lang="en-US" smtClean="0"/>
-              <a:t>10/25/2018</a:t>
+              <a:t>10/25/18</a:t>
             </a:fld>
             <a:endParaRPr lang="en-US"/>
           </a:p>
@@ -3787,7 +3787,7 @@
           <a:p>
             <a:fld id="{43CEAD56-E5CE-4A48-BE26-3F874B3EFFB2}" type="datetimeFigureOut">
               <a:rPr lang="en-US" smtClean="0"/>
-              <a:t>10/25/2018</a:t>
+              <a:t>10/25/18</a:t>
             </a:fld>
             <a:endParaRPr lang="en-US"/>
           </a:p>
@@ -4028,7 +4028,7 @@
           <a:p>
             <a:fld id="{43CEAD56-E5CE-4A48-BE26-3F874B3EFFB2}" type="datetimeFigureOut">
               <a:rPr lang="en-US" smtClean="0"/>
-              <a:t>10/25/2018</a:t>
+              <a:t>10/25/18</a:t>
             </a:fld>
             <a:endParaRPr lang="en-US"/>
           </a:p>
@@ -8641,7 +8641,7 @@
             <a:pPr lvl="1"/>
             <a:r>
               <a:rPr lang="en-US" dirty="0"/>
-              <a:t>show AR1 matrix with correlated uncertainties. </a:t>
+              <a:t>Build AR1 matrix with correlated uncertainties. </a:t>
             </a:r>
           </a:p>
           <a:p>
@@ -10094,8 +10094,8 @@
           </p:sp>
         </mc:Fallback>
       </mc:AlternateContent>
-      <mc:AlternateContent xmlns:mc="http://schemas.openxmlformats.org/markup-compatibility/2006" xmlns:a14="http://schemas.microsoft.com/office/drawing/2010/main">
-        <mc:Choice Requires="a14">
+      <mc:AlternateContent xmlns:mc="http://schemas.openxmlformats.org/markup-compatibility/2006">
+        <mc:Choice xmlns:a14="http://schemas.microsoft.com/office/drawing/2010/main" Requires="a14">
           <p:sp>
             <p:nvSpPr>
               <p:cNvPr id="6" name="TextBox 5">
@@ -10111,7 +10111,7 @@
             <p:spPr>
               <a:xfrm>
                 <a:off x="5393205" y="2736502"/>
-                <a:ext cx="5560240" cy="1384995"/>
+                <a:ext cx="5840638" cy="3108543"/>
               </a:xfrm>
               <a:prstGeom prst="rect">
                 <a:avLst/>
@@ -10174,10 +10174,88 @@
                   <a:t> be a part of the MCMC Chain.</a:t>
                 </a:r>
               </a:p>
+              <a:p>
+                <a:r>
+                  <a:rPr lang="en-US" sz="2800" dirty="0"/>
+                  <a:t>Each will be a diagonal matrix relating</a:t>
+                </a:r>
+              </a:p>
+              <a:p>
+                <a:r>
+                  <a:rPr lang="en-US" sz="2800" dirty="0"/>
+                  <a:t>SL(t) to T(t) and T(t) to </a:t>
+                </a:r>
+                <a14:m>
+                  <m:oMath xmlns:m="http://schemas.openxmlformats.org/officeDocument/2006/math">
+                    <m:sSub>
+                      <m:sSubPr>
+                        <m:ctrlPr>
+                          <a:rPr lang="en-US" sz="2800" b="0" i="1" smtClean="0">
+                            <a:latin typeface="Cambria Math" panose="02040503050406030204" pitchFamily="18" charset="0"/>
+                          </a:rPr>
+                        </m:ctrlPr>
+                      </m:sSubPr>
+                      <m:e>
+                        <m:r>
+                          <a:rPr lang="en-US" sz="2800" b="0" i="1" smtClean="0">
+                            <a:latin typeface="Cambria Math" panose="02040503050406030204" pitchFamily="18" charset="0"/>
+                          </a:rPr>
+                          <m:t>𝑂</m:t>
+                        </m:r>
+                      </m:e>
+                      <m:sub>
+                        <m:r>
+                          <a:rPr lang="en-US" sz="2800" b="0" i="1" smtClean="0">
+                            <a:latin typeface="Cambria Math" panose="02040503050406030204" pitchFamily="18" charset="0"/>
+                          </a:rPr>
+                          <m:t>𝑐</m:t>
+                        </m:r>
+                      </m:sub>
+                    </m:sSub>
+                    <m:r>
+                      <a:rPr lang="en-US" sz="2800" b="0" i="1" smtClean="0">
+                        <a:latin typeface="Cambria Math" panose="02040503050406030204" pitchFamily="18" charset="0"/>
+                      </a:rPr>
+                      <m:t>(</m:t>
+                    </m:r>
+                    <m:r>
+                      <m:rPr>
+                        <m:sty m:val="p"/>
+                      </m:rPr>
+                      <a:rPr lang="en-US" sz="2800" b="0" i="1" smtClean="0">
+                        <a:latin typeface="Cambria Math" panose="02040503050406030204" pitchFamily="18" charset="0"/>
+                      </a:rPr>
+                      <m:t>t</m:t>
+                    </m:r>
+                    <m:r>
+                      <a:rPr lang="en-US" sz="2800" b="0" i="1" smtClean="0">
+                        <a:latin typeface="Cambria Math" panose="02040503050406030204" pitchFamily="18" charset="0"/>
+                      </a:rPr>
+                      <m:t>)</m:t>
+                    </m:r>
+                  </m:oMath>
+                </a14:m>
+                <a:r>
+                  <a:rPr lang="en-US" sz="2800" dirty="0"/>
+                  <a:t>.</a:t>
+                </a:r>
+              </a:p>
+              <a:p>
+                <a:r>
+                  <a:rPr lang="en-US" sz="2800" dirty="0"/>
+                  <a:t>If time permits, we are going to fill the </a:t>
+                </a:r>
+              </a:p>
+              <a:p>
+                <a:r>
+                  <a:rPr lang="en-US" sz="2800" dirty="0"/>
+                  <a:t>entire matrix. </a:t>
+                </a:r>
+              </a:p>
             </p:txBody>
           </p:sp>
         </mc:Choice>
-        <mc:Fallback xmlns="">
+        <mc:Fallback>
           <p:sp>
             <p:nvSpPr>
               <p:cNvPr id="6" name="TextBox 5">
@@ -10195,7 +10273,7 @@
             <p:spPr>
               <a:xfrm>
                 <a:off x="5393205" y="2736502"/>
-                <a:ext cx="5560240" cy="1384995"/>
+                <a:ext cx="5840638" cy="3108543"/>
               </a:xfrm>
               <a:prstGeom prst="rect">
                 <a:avLst/>
@@ -10203,7 +10281,7 @@
               <a:blipFill>
                 <a:blip r:embed="rId4"/>
                 <a:stretch>
-                  <a:fillRect l="-2303" t="-4405" r="-1316" b="-11894"/>
+                  <a:fillRect l="-2169" t="-1626" b="-4472"/>
                 </a:stretch>
               </a:blipFill>
             </p:spPr>
@@ -10281,7 +10359,7 @@
         <p:spPr>
           <a:xfrm>
             <a:off x="5842000" y="1768321"/>
-            <a:ext cx="2331325" cy="968181"/>
+            <a:ext cx="2471524" cy="968181"/>
           </a:xfrm>
           <a:prstGeom prst="straightConnector1">
             <a:avLst/>
@@ -12356,7 +12434,7 @@
           <a:p>
             <a:r>
               <a:rPr lang="en-US" dirty="0"/>
-              <a:t>Statistical goal:  examine how different projections of future climate are affected by the statistical models used to make these projections</a:t>
+              <a:t>Statistical goal:  examine how projections of future climate are affected by the different statistical models used to make these projections</a:t>
             </a:r>
           </a:p>
         </p:txBody>
@@ -12375,6 +12453,161 @@
 </file>
 
 <file path=ppt/slides/slide4.xml><?xml version="1.0" encoding="utf-8"?>
+<p:sld xmlns:a="http://schemas.openxmlformats.org/drawingml/2006/main" xmlns:r="http://schemas.openxmlformats.org/officeDocument/2006/relationships" xmlns:p="http://schemas.openxmlformats.org/presentationml/2006/main">
+  <p:cSld>
+    <p:spTree>
+      <p:nvGrpSpPr>
+        <p:cNvPr id="1" name=""/>
+        <p:cNvGrpSpPr/>
+        <p:nvPr/>
+      </p:nvGrpSpPr>
+      <p:grpSpPr>
+        <a:xfrm>
+          <a:off x="0" y="0"/>
+          <a:ext cx="0" cy="0"/>
+          <a:chOff x="0" y="0"/>
+          <a:chExt cx="0" cy="0"/>
+        </a:xfrm>
+      </p:grpSpPr>
+      <p:sp>
+        <p:nvSpPr>
+          <p:cNvPr id="6" name="TextBox 5">
+            <a:extLst>
+              <a:ext uri="{FF2B5EF4-FFF2-40B4-BE49-F238E27FC236}">
+                <a16:creationId xmlns:a16="http://schemas.microsoft.com/office/drawing/2014/main" id="{45A10F1E-4D5A-4DA1-AB1A-19125F698D7B}"/>
+              </a:ext>
+            </a:extLst>
+          </p:cNvPr>
+          <p:cNvSpPr txBox="1"/>
+          <p:nvPr/>
+        </p:nvSpPr>
+        <p:spPr>
+          <a:xfrm>
+            <a:off x="4851267" y="6334780"/>
+            <a:ext cx="2489464" cy="523220"/>
+          </a:xfrm>
+          <a:prstGeom prst="rect">
+            <a:avLst/>
+          </a:prstGeom>
+          <a:noFill/>
+        </p:spPr>
+        <p:txBody>
+          <a:bodyPr wrap="none" rtlCol="0">
+            <a:spAutoFit/>
+          </a:bodyPr>
+          <a:lstStyle/>
+          <a:p>
+            <a:r>
+              <a:rPr lang="en-US" sz="2800" dirty="0"/>
+              <a:t>Moss et al 2010</a:t>
+            </a:r>
+          </a:p>
+        </p:txBody>
+      </p:sp>
+      <p:pic>
+        <p:nvPicPr>
+          <p:cNvPr id="2" name="Picture 1">
+            <a:extLst>
+              <a:ext uri="{FF2B5EF4-FFF2-40B4-BE49-F238E27FC236}">
+                <a16:creationId xmlns:a16="http://schemas.microsoft.com/office/drawing/2014/main" id="{5BE00FFC-D0B5-4BAF-9314-F13EBF934872}"/>
+              </a:ext>
+            </a:extLst>
+          </p:cNvPr>
+          <p:cNvPicPr>
+            <a:picLocks noChangeAspect="1"/>
+          </p:cNvPicPr>
+          <p:nvPr/>
+        </p:nvPicPr>
+        <p:blipFill>
+          <a:blip r:embed="rId3"/>
+          <a:stretch>
+            <a:fillRect/>
+          </a:stretch>
+        </p:blipFill>
+        <p:spPr>
+          <a:xfrm>
+            <a:off x="0" y="1524097"/>
+            <a:ext cx="10464489" cy="4629151"/>
+          </a:xfrm>
+          <a:prstGeom prst="rect">
+            <a:avLst/>
+          </a:prstGeom>
+        </p:spPr>
+      </p:pic>
+      <p:sp>
+        <p:nvSpPr>
+          <p:cNvPr id="7" name="Title 1">
+            <a:extLst>
+              <a:ext uri="{FF2B5EF4-FFF2-40B4-BE49-F238E27FC236}">
+                <a16:creationId xmlns:a16="http://schemas.microsoft.com/office/drawing/2014/main" id="{2F3DFA6D-0FB0-421D-B899-7DF212608F9B}"/>
+              </a:ext>
+            </a:extLst>
+          </p:cNvPr>
+          <p:cNvSpPr>
+            <a:spLocks noGrp="1"/>
+          </p:cNvSpPr>
+          <p:nvPr>
+            <p:ph type="title"/>
+          </p:nvPr>
+        </p:nvSpPr>
+        <p:spPr/>
+        <p:txBody>
+          <a:bodyPr>
+            <a:normAutofit/>
+          </a:bodyPr>
+          <a:lstStyle/>
+          <a:p>
+            <a:r>
+              <a:rPr lang="en-US" dirty="0"/>
+              <a:t>Future radiative forcing in difference scenarios</a:t>
+            </a:r>
+          </a:p>
+        </p:txBody>
+      </p:sp>
+      <p:pic>
+        <p:nvPicPr>
+          <p:cNvPr id="5" name="Picture 4">
+            <a:extLst>
+              <a:ext uri="{FF2B5EF4-FFF2-40B4-BE49-F238E27FC236}">
+                <a16:creationId xmlns:a16="http://schemas.microsoft.com/office/drawing/2014/main" id="{ACB87BC0-0224-EA41-BF4D-E278C5F9B2F3}"/>
+              </a:ext>
+            </a:extLst>
+          </p:cNvPr>
+          <p:cNvPicPr>
+            <a:picLocks noChangeAspect="1"/>
+          </p:cNvPicPr>
+          <p:nvPr/>
+        </p:nvPicPr>
+        <p:blipFill>
+          <a:blip r:embed="rId4"/>
+          <a:stretch>
+            <a:fillRect/>
+          </a:stretch>
+        </p:blipFill>
+        <p:spPr>
+          <a:xfrm>
+            <a:off x="9320170" y="5457903"/>
+            <a:ext cx="2489465" cy="961123"/>
+          </a:xfrm>
+          <a:prstGeom prst="rect">
+            <a:avLst/>
+          </a:prstGeom>
+        </p:spPr>
+      </p:pic>
+    </p:spTree>
+    <p:extLst>
+      <p:ext uri="{BB962C8B-B14F-4D97-AF65-F5344CB8AC3E}">
+        <p14:creationId xmlns:p14="http://schemas.microsoft.com/office/powerpoint/2010/main" val="1655937908"/>
+      </p:ext>
+    </p:extLst>
+  </p:cSld>
+  <p:clrMapOvr>
+    <a:masterClrMapping/>
+  </p:clrMapOvr>
+</p:sld>
+</file>
+
+<file path=ppt/slides/slide5.xml><?xml version="1.0" encoding="utf-8"?>
 <p:sld xmlns:a="http://schemas.openxmlformats.org/drawingml/2006/main" xmlns:r="http://schemas.openxmlformats.org/officeDocument/2006/relationships" xmlns:p="http://schemas.openxmlformats.org/presentationml/2006/main">
   <p:cSld>
     <p:spTree>
@@ -12646,131 +12879,6 @@
     <p:extLst>
       <p:ext uri="{BB962C8B-B14F-4D97-AF65-F5344CB8AC3E}">
         <p14:creationId xmlns:p14="http://schemas.microsoft.com/office/powerpoint/2010/main" val="4051654378"/>
-      </p:ext>
-    </p:extLst>
-  </p:cSld>
-  <p:clrMapOvr>
-    <a:masterClrMapping/>
-  </p:clrMapOvr>
-</p:sld>
-</file>
-
-<file path=ppt/slides/slide5.xml><?xml version="1.0" encoding="utf-8"?>
-<p:sld xmlns:a="http://schemas.openxmlformats.org/drawingml/2006/main" xmlns:r="http://schemas.openxmlformats.org/officeDocument/2006/relationships" xmlns:p="http://schemas.openxmlformats.org/presentationml/2006/main">
-  <p:cSld>
-    <p:spTree>
-      <p:nvGrpSpPr>
-        <p:cNvPr id="1" name=""/>
-        <p:cNvGrpSpPr/>
-        <p:nvPr/>
-      </p:nvGrpSpPr>
-      <p:grpSpPr>
-        <a:xfrm>
-          <a:off x="0" y="0"/>
-          <a:ext cx="0" cy="0"/>
-          <a:chOff x="0" y="0"/>
-          <a:chExt cx="0" cy="0"/>
-        </a:xfrm>
-      </p:grpSpPr>
-      <p:sp>
-        <p:nvSpPr>
-          <p:cNvPr id="6" name="TextBox 5">
-            <a:extLst>
-              <a:ext uri="{FF2B5EF4-FFF2-40B4-BE49-F238E27FC236}">
-                <a16:creationId xmlns:a16="http://schemas.microsoft.com/office/drawing/2014/main" id="{45A10F1E-4D5A-4DA1-AB1A-19125F698D7B}"/>
-              </a:ext>
-            </a:extLst>
-          </p:cNvPr>
-          <p:cNvSpPr txBox="1"/>
-          <p:nvPr/>
-        </p:nvSpPr>
-        <p:spPr>
-          <a:xfrm>
-            <a:off x="4851267" y="6334780"/>
-            <a:ext cx="2489464" cy="523220"/>
-          </a:xfrm>
-          <a:prstGeom prst="rect">
-            <a:avLst/>
-          </a:prstGeom>
-          <a:noFill/>
-        </p:spPr>
-        <p:txBody>
-          <a:bodyPr wrap="none" rtlCol="0">
-            <a:spAutoFit/>
-          </a:bodyPr>
-          <a:lstStyle/>
-          <a:p>
-            <a:r>
-              <a:rPr lang="en-US" sz="2800" dirty="0"/>
-              <a:t>Moss et al 2010</a:t>
-            </a:r>
-          </a:p>
-        </p:txBody>
-      </p:sp>
-      <p:pic>
-        <p:nvPicPr>
-          <p:cNvPr id="2" name="Picture 1">
-            <a:extLst>
-              <a:ext uri="{FF2B5EF4-FFF2-40B4-BE49-F238E27FC236}">
-                <a16:creationId xmlns:a16="http://schemas.microsoft.com/office/drawing/2014/main" id="{5BE00FFC-D0B5-4BAF-9314-F13EBF934872}"/>
-              </a:ext>
-            </a:extLst>
-          </p:cNvPr>
-          <p:cNvPicPr>
-            <a:picLocks noChangeAspect="1"/>
-          </p:cNvPicPr>
-          <p:nvPr/>
-        </p:nvPicPr>
-        <p:blipFill>
-          <a:blip r:embed="rId3"/>
-          <a:stretch>
-            <a:fillRect/>
-          </a:stretch>
-        </p:blipFill>
-        <p:spPr>
-          <a:xfrm>
-            <a:off x="863755" y="1537753"/>
-            <a:ext cx="10464489" cy="4629151"/>
-          </a:xfrm>
-          <a:prstGeom prst="rect">
-            <a:avLst/>
-          </a:prstGeom>
-        </p:spPr>
-      </p:pic>
-      <p:sp>
-        <p:nvSpPr>
-          <p:cNvPr id="7" name="Title 1">
-            <a:extLst>
-              <a:ext uri="{FF2B5EF4-FFF2-40B4-BE49-F238E27FC236}">
-                <a16:creationId xmlns:a16="http://schemas.microsoft.com/office/drawing/2014/main" id="{2F3DFA6D-0FB0-421D-B899-7DF212608F9B}"/>
-              </a:ext>
-            </a:extLst>
-          </p:cNvPr>
-          <p:cNvSpPr>
-            <a:spLocks noGrp="1"/>
-          </p:cNvSpPr>
-          <p:nvPr>
-            <p:ph type="title"/>
-          </p:nvPr>
-        </p:nvSpPr>
-        <p:spPr/>
-        <p:txBody>
-          <a:bodyPr>
-            <a:normAutofit/>
-          </a:bodyPr>
-          <a:lstStyle/>
-          <a:p>
-            <a:r>
-              <a:rPr lang="en-US" dirty="0"/>
-              <a:t>Future radiative forcing in difference scenarios</a:t>
-            </a:r>
-          </a:p>
-        </p:txBody>
-      </p:sp>
-    </p:spTree>
-    <p:extLst>
-      <p:ext uri="{BB962C8B-B14F-4D97-AF65-F5344CB8AC3E}">
-        <p14:creationId xmlns:p14="http://schemas.microsoft.com/office/powerpoint/2010/main" val="1655937908"/>
       </p:ext>
     </p:extLst>
   </p:cSld>
@@ -13711,8 +13819,8 @@
           </p:sp>
         </mc:Fallback>
       </mc:AlternateContent>
-      <mc:AlternateContent xmlns:mc="http://schemas.openxmlformats.org/markup-compatibility/2006" xmlns:a14="http://schemas.microsoft.com/office/drawing/2010/main">
-        <mc:Choice Requires="a14">
+      <mc:AlternateContent xmlns:mc="http://schemas.openxmlformats.org/markup-compatibility/2006">
+        <mc:Choice xmlns:a14="http://schemas.microsoft.com/office/drawing/2010/main" Requires="a14">
           <p:sp>
             <p:nvSpPr>
               <p:cNvPr id="4" name="TextBox 3">
@@ -13727,8 +13835,8 @@
             </p:nvSpPr>
             <p:spPr>
               <a:xfrm>
-                <a:off x="1418647" y="3974943"/>
-                <a:ext cx="6281335" cy="1849096"/>
+                <a:off x="3489033" y="4506563"/>
+                <a:ext cx="4548617" cy="1347100"/>
               </a:xfrm>
               <a:prstGeom prst="rect">
                 <a:avLst/>
@@ -13744,7 +13852,7 @@
                 <a14:m>
                   <m:oMath xmlns:m="http://schemas.openxmlformats.org/officeDocument/2006/math">
                     <m:r>
-                      <a:rPr lang="en-US" sz="2800" i="1" dirty="0" smtClean="0">
+                      <a:rPr lang="en-US" sz="2000" i="1" dirty="0" smtClean="0">
                         <a:latin typeface="Cambria Math" panose="02040503050406030204" pitchFamily="18" charset="0"/>
                       </a:rPr>
                       <m:t>𝑆</m:t>
@@ -13752,20 +13860,20 @@
                   </m:oMath>
                 </a14:m>
                 <a:r>
-                  <a:rPr lang="en-US" sz="2800" dirty="0"/>
+                  <a:rPr lang="en-US" sz="2000" dirty="0"/>
                   <a:t> – </a:t>
                 </a:r>
                 <a:r>
-                  <a:rPr lang="en-US" sz="2800" dirty="0" err="1"/>
+                  <a:rPr lang="en-US" sz="2000" dirty="0" err="1"/>
                   <a:t>Sealevel</a:t>
                 </a:r>
-                <a:endParaRPr lang="en-US" sz="2800" dirty="0"/>
+                <a:endParaRPr lang="en-US" sz="2000" dirty="0"/>
               </a:p>
               <a:p>
                 <a14:m>
                   <m:oMath xmlns:m="http://schemas.openxmlformats.org/officeDocument/2006/math">
                     <m:r>
-                      <a:rPr lang="en-US" sz="2800" i="1" dirty="0" smtClean="0">
+                      <a:rPr lang="en-US" sz="2000" i="1" dirty="0" smtClean="0">
                         <a:latin typeface="Cambria Math" panose="02040503050406030204" pitchFamily="18" charset="0"/>
                       </a:rPr>
                       <m:t>𝑡</m:t>
@@ -13773,7 +13881,7 @@
                   </m:oMath>
                 </a14:m>
                 <a:r>
-                  <a:rPr lang="en-US" sz="2800" dirty="0"/>
+                  <a:rPr lang="en-US" sz="2000" dirty="0"/>
                   <a:t> – time</a:t>
                 </a:r>
               </a:p>
@@ -13781,25 +13889,25 @@
                 <a14:m>
                   <m:oMath xmlns:m="http://schemas.openxmlformats.org/officeDocument/2006/math">
                     <m:r>
-                      <a:rPr lang="en-US" sz="2800" i="1" dirty="0" smtClean="0">
+                      <a:rPr lang="en-US" sz="2000" i="1" dirty="0" smtClean="0">
                         <a:latin typeface="Cambria Math" panose="02040503050406030204" pitchFamily="18" charset="0"/>
                       </a:rPr>
                       <m:t>𝑇</m:t>
                     </m:r>
                     <m:r>
-                      <a:rPr lang="en-US" sz="2800" i="1" dirty="0" smtClean="0">
+                      <a:rPr lang="en-US" sz="2000" i="1" dirty="0" smtClean="0">
                         <a:latin typeface="Cambria Math" panose="02040503050406030204" pitchFamily="18" charset="0"/>
                       </a:rPr>
                       <m:t>(</m:t>
                     </m:r>
                     <m:r>
-                      <a:rPr lang="en-US" sz="2800" i="1" dirty="0" smtClean="0">
+                      <a:rPr lang="en-US" sz="2000" i="1" dirty="0" smtClean="0">
                         <a:latin typeface="Cambria Math" panose="02040503050406030204" pitchFamily="18" charset="0"/>
                       </a:rPr>
                       <m:t>𝑡</m:t>
                     </m:r>
                     <m:r>
-                      <a:rPr lang="en-US" sz="2800" i="1" dirty="0" smtClean="0">
+                      <a:rPr lang="en-US" sz="2000" i="1" dirty="0" smtClean="0">
                         <a:latin typeface="Cambria Math" panose="02040503050406030204" pitchFamily="18" charset="0"/>
                       </a:rPr>
                       <m:t>) </m:t>
@@ -13807,7 +13915,7 @@
                   </m:oMath>
                 </a14:m>
                 <a:r>
-                  <a:rPr lang="en-US" sz="2800" dirty="0"/>
+                  <a:rPr lang="en-US" sz="2000" dirty="0"/>
                   <a:t>– global mean temperature at time T</a:t>
                 </a:r>
               </a:p>
@@ -13817,14 +13925,14 @@
                     <m:sSub>
                       <m:sSubPr>
                         <m:ctrlPr>
-                          <a:rPr lang="en-US" sz="2800" b="0" i="1" dirty="0" smtClean="0">
+                          <a:rPr lang="en-US" sz="2000" b="0" i="1" dirty="0" smtClean="0">
                             <a:latin typeface="Cambria Math" panose="02040503050406030204" pitchFamily="18" charset="0"/>
                           </a:rPr>
                         </m:ctrlPr>
                       </m:sSubPr>
                       <m:e>
                         <m:r>
-                          <a:rPr lang="en-US" sz="2800" b="0" i="1" dirty="0" smtClean="0">
+                          <a:rPr lang="en-US" sz="2000" b="0" i="1" dirty="0" smtClean="0">
                             <a:latin typeface="Cambria Math" panose="02040503050406030204" pitchFamily="18" charset="0"/>
                           </a:rPr>
                           <m:t>𝑇</m:t>
@@ -13832,7 +13940,7 @@
                       </m:e>
                       <m:sub>
                         <m:r>
-                          <a:rPr lang="en-US" sz="2800" i="1" dirty="0" smtClean="0">
+                          <a:rPr lang="en-US" sz="2000" i="1" dirty="0" smtClean="0">
                             <a:latin typeface="Cambria Math" panose="02040503050406030204" pitchFamily="18" charset="0"/>
                           </a:rPr>
                           <m:t>𝑒𝑞</m:t>
@@ -13842,14 +13950,14 @@
                   </m:oMath>
                 </a14:m>
                 <a:r>
-                  <a:rPr lang="en-US" sz="2800" dirty="0"/>
+                  <a:rPr lang="en-US" sz="2000" dirty="0"/>
                   <a:t> – Temperature equilibrium value</a:t>
                 </a:r>
               </a:p>
             </p:txBody>
           </p:sp>
         </mc:Choice>
-        <mc:Fallback xmlns="">
+        <mc:Fallback>
           <p:sp>
             <p:nvSpPr>
               <p:cNvPr id="4" name="TextBox 3">
@@ -13866,8 +13974,8 @@
             </p:nvSpPr>
             <p:spPr>
               <a:xfrm>
-                <a:off x="1418647" y="3974943"/>
-                <a:ext cx="6281335" cy="1849096"/>
+                <a:off x="3489033" y="4506563"/>
+                <a:ext cx="4548617" cy="1347100"/>
               </a:xfrm>
               <a:prstGeom prst="rect">
                 <a:avLst/>
@@ -13875,7 +13983,7 @@
               <a:blipFill>
                 <a:blip r:embed="rId4"/>
                 <a:stretch>
-                  <a:fillRect t="-2970" r="-971" b="-6931"/>
+                  <a:fillRect t="-1869" r="-279" b="-4673"/>
                 </a:stretch>
               </a:blipFill>
             </p:spPr>
